--- a/报告/2021年9月4日/杨攀原.pptx
+++ b/报告/2021年9月4日/杨攀原.pptx
@@ -16,17 +16,18 @@
     <p:sldId id="313" r:id="rId11"/>
     <p:sldId id="310" r:id="rId12"/>
     <p:sldId id="332" r:id="rId13"/>
-    <p:sldId id="307" r:id="rId14"/>
-    <p:sldId id="264" r:id="rId15"/>
-    <p:sldId id="301" r:id="rId16"/>
-    <p:sldId id="303" r:id="rId17"/>
-    <p:sldId id="302" r:id="rId18"/>
-    <p:sldId id="304" r:id="rId19"/>
-    <p:sldId id="311" r:id="rId20"/>
-    <p:sldId id="318" r:id="rId21"/>
-    <p:sldId id="308" r:id="rId22"/>
-    <p:sldId id="284" r:id="rId23"/>
-    <p:sldId id="299" r:id="rId24"/>
+    <p:sldId id="264" r:id="rId14"/>
+    <p:sldId id="301" r:id="rId15"/>
+    <p:sldId id="303" r:id="rId16"/>
+    <p:sldId id="302" r:id="rId17"/>
+    <p:sldId id="304" r:id="rId18"/>
+    <p:sldId id="311" r:id="rId19"/>
+    <p:sldId id="318" r:id="rId20"/>
+    <p:sldId id="308" r:id="rId21"/>
+    <p:sldId id="349" r:id="rId22"/>
+    <p:sldId id="350" r:id="rId23"/>
+    <p:sldId id="284" r:id="rId24"/>
+    <p:sldId id="299" r:id="rId25"/>
   </p:sldIdLst>
   <p:sldSz cx="12192000" cy="6858000"/>
   <p:notesSz cx="6858000" cy="9144000"/>
@@ -5903,179 +5904,13 @@
       </p:sp>
       <p:sp>
         <p:nvSpPr>
-          <p:cNvPr id="4" name="内容占位符 3"/>
-          <p:cNvSpPr>
-            <a:spLocks noGrp="1"/>
-          </p:cNvSpPr>
-          <p:nvPr>
-            <p:ph idx="1"/>
-          </p:nvPr>
-        </p:nvSpPr>
-        <p:spPr>
-          <a:xfrm>
-            <a:off x="838200" y="1825625"/>
-            <a:ext cx="10515600" cy="4516452"/>
-          </a:xfrm>
-        </p:spPr>
-        <p:txBody>
-          <a:bodyPr>
-            <a:normAutofit/>
-          </a:bodyPr>
-          <a:lstStyle/>
-          <a:p>
-            <a:pPr marL="0" indent="0">
-              <a:buNone/>
-            </a:pPr>
-            <a:r>
-              <a:rPr lang="zh-CN" altLang="en-US" sz="2000" dirty="0">
-                <a:latin typeface="微软雅黑" panose="020B0503020204020204" pitchFamily="34" charset="-122"/>
-                <a:ea typeface="微软雅黑" panose="020B0503020204020204" pitchFamily="34" charset="-122"/>
-              </a:rPr>
-              <a:t>将博弈论作为理论支撑，通过实验证明方法的有效性</a:t>
-            </a:r>
-            <a:endParaRPr lang="en-US" altLang="zh-CN" sz="2000" dirty="0">
-              <a:latin typeface="微软雅黑" panose="020B0503020204020204" pitchFamily="34" charset="-122"/>
-              <a:ea typeface="微软雅黑" panose="020B0503020204020204" pitchFamily="34" charset="-122"/>
-            </a:endParaRPr>
-          </a:p>
-          <a:p>
-            <a:pPr marL="0" indent="0">
-              <a:buNone/>
-            </a:pPr>
-            <a:endParaRPr lang="en-US" altLang="zh-CN" sz="2000" dirty="0">
-              <a:latin typeface="微软雅黑" panose="020B0503020204020204" pitchFamily="34" charset="-122"/>
-              <a:ea typeface="微软雅黑" panose="020B0503020204020204" pitchFamily="34" charset="-122"/>
-            </a:endParaRPr>
-          </a:p>
-          <a:p>
-            <a:pPr marL="0" indent="0">
-              <a:buNone/>
-            </a:pPr>
-            <a:endParaRPr lang="en-US" altLang="zh-CN" sz="2000" dirty="0">
-              <a:latin typeface="微软雅黑" panose="020B0503020204020204" pitchFamily="34" charset="-122"/>
-              <a:ea typeface="微软雅黑" panose="020B0503020204020204" pitchFamily="34" charset="-122"/>
-            </a:endParaRPr>
-          </a:p>
-          <a:p>
-            <a:pPr marL="0" indent="0">
-              <a:buNone/>
-            </a:pPr>
-            <a:endParaRPr lang="en-US" altLang="zh-CN" sz="2000" dirty="0">
-              <a:latin typeface="微软雅黑" panose="020B0503020204020204" pitchFamily="34" charset="-122"/>
-              <a:ea typeface="微软雅黑" panose="020B0503020204020204" pitchFamily="34" charset="-122"/>
-            </a:endParaRPr>
-          </a:p>
-        </p:txBody>
-      </p:sp>
-      <p:sp>
-        <p:nvSpPr>
-          <p:cNvPr id="5" name="文本框 4"/>
-          <p:cNvSpPr txBox="1"/>
-          <p:nvPr/>
-        </p:nvSpPr>
-        <p:spPr>
-          <a:xfrm>
-            <a:off x="838200" y="3364351"/>
-            <a:ext cx="3851246" cy="2031325"/>
-          </a:xfrm>
-          <a:prstGeom prst="rect">
-            <a:avLst/>
-          </a:prstGeom>
-          <a:noFill/>
-        </p:spPr>
-        <p:txBody>
-          <a:bodyPr wrap="square" rtlCol="0">
-            <a:spAutoFit/>
-          </a:bodyPr>
-          <a:lstStyle/>
-          <a:p>
-            <a:r>
-              <a:rPr lang="zh-CN" altLang="en-US" dirty="0"/>
-              <a:t>决策来源</a:t>
-            </a:r>
-            <a:r>
-              <a:rPr lang="en-US" altLang="zh-CN" dirty="0"/>
-              <a:t>——</a:t>
-            </a:r>
-            <a:r>
-              <a:rPr lang="zh-CN" altLang="en-US" dirty="0"/>
-              <a:t>研究内容相关</a:t>
-            </a:r>
-            <a:endParaRPr lang="en-US" altLang="zh-CN" dirty="0"/>
-          </a:p>
-          <a:p>
-            <a:endParaRPr lang="en-US" altLang="zh-CN" dirty="0"/>
-          </a:p>
-          <a:p>
-            <a:r>
-              <a:rPr lang="zh-CN" altLang="en-US" dirty="0"/>
-              <a:t>收益来源</a:t>
-            </a:r>
-            <a:r>
-              <a:rPr lang="en-US" altLang="zh-CN" dirty="0"/>
-              <a:t>——</a:t>
-            </a:r>
-            <a:r>
-              <a:rPr lang="zh-CN" altLang="en-US" dirty="0"/>
-              <a:t>假设</a:t>
-            </a:r>
-            <a:r>
-              <a:rPr lang="en-US" altLang="zh-CN" dirty="0"/>
-              <a:t>+</a:t>
-            </a:r>
-            <a:r>
-              <a:rPr lang="zh-CN" altLang="en-US" dirty="0"/>
-              <a:t>相关文献</a:t>
-            </a:r>
-            <a:endParaRPr lang="en-US" altLang="zh-CN" dirty="0"/>
-          </a:p>
-          <a:p>
-            <a:endParaRPr lang="en-US" altLang="zh-CN" dirty="0"/>
-          </a:p>
-          <a:p>
-            <a:r>
-              <a:rPr lang="zh-CN" altLang="en-US" dirty="0"/>
-              <a:t>实验证明</a:t>
-            </a:r>
-            <a:r>
-              <a:rPr lang="en-US" altLang="zh-CN" dirty="0"/>
-              <a:t>——</a:t>
-            </a:r>
-            <a:r>
-              <a:rPr lang="zh-CN" altLang="en-US" dirty="0"/>
-              <a:t>没有实验证明</a:t>
-            </a:r>
-            <a:endParaRPr lang="en-US" altLang="zh-CN" dirty="0"/>
-          </a:p>
-          <a:p>
-            <a:endParaRPr lang="en-US" altLang="zh-CN" dirty="0"/>
-          </a:p>
-          <a:p>
-            <a:r>
-              <a:rPr lang="zh-CN" altLang="en-US" dirty="0"/>
-              <a:t>结论</a:t>
-            </a:r>
-            <a:r>
-              <a:rPr lang="en-US" altLang="zh-CN" dirty="0"/>
-              <a:t>——</a:t>
-            </a:r>
-            <a:r>
-              <a:rPr lang="zh-CN" altLang="en-US" dirty="0"/>
-              <a:t>使得矩阵能够达到最优</a:t>
-            </a:r>
-            <a:endParaRPr lang="zh-CN" altLang="en-US" dirty="0"/>
-          </a:p>
-        </p:txBody>
-      </p:sp>
-      <p:sp>
-        <p:nvSpPr>
           <p:cNvPr id="3" name="文本框 2"/>
           <p:cNvSpPr txBox="1"/>
           <p:nvPr/>
         </p:nvSpPr>
         <p:spPr>
           <a:xfrm>
-            <a:off x="6096000" y="3347206"/>
+            <a:off x="838200" y="1501896"/>
             <a:ext cx="5796792" cy="369332"/>
           </a:xfrm>
           <a:prstGeom prst="rect">
@@ -6111,8 +5946,8 @@
         </p:nvSpPr>
         <p:spPr>
           <a:xfrm>
-            <a:off x="6096000" y="3779535"/>
-            <a:ext cx="5839437" cy="1200329"/>
+            <a:off x="838200" y="2008505"/>
+            <a:ext cx="10823575" cy="645160"/>
           </a:xfrm>
           <a:prstGeom prst="rect">
             <a:avLst/>
@@ -6147,8 +5982,8 @@
         </p:nvSpPr>
         <p:spPr>
           <a:xfrm>
-            <a:off x="6096001" y="5042861"/>
-            <a:ext cx="5257800" cy="923330"/>
+            <a:off x="838200" y="2898140"/>
+            <a:ext cx="6116955" cy="922020"/>
           </a:xfrm>
           <a:prstGeom prst="rect">
             <a:avLst/>
@@ -6163,7 +5998,7 @@
           <a:p>
             <a:r>
               <a:rPr lang="zh-CN" altLang="en-US" dirty="0"/>
-              <a:t>博弈论结合组内推荐。</a:t>
+              <a:t>博弈论结合组内推荐，向组内配套推荐一套教育资源。</a:t>
             </a:r>
             <a:endParaRPr lang="en-US" altLang="zh-CN" dirty="0"/>
           </a:p>
@@ -6176,65 +6011,9 @@
           </a:p>
         </p:txBody>
       </p:sp>
-    </p:spTree>
-  </p:cSld>
-  <p:clrMapOvr>
-    <a:masterClrMapping/>
-  </p:clrMapOvr>
-</p:sld>
-</file>
-
-<file path=ppt/slides/slide11.xml><?xml version="1.0" encoding="utf-8"?>
-<p:sld xmlns:a="http://schemas.openxmlformats.org/drawingml/2006/main" xmlns:r="http://schemas.openxmlformats.org/officeDocument/2006/relationships" xmlns:p="http://schemas.openxmlformats.org/presentationml/2006/main">
-  <p:cSld>
-    <p:spTree>
-      <p:nvGrpSpPr>
-        <p:cNvPr id="1" name=""/>
-        <p:cNvGrpSpPr/>
-        <p:nvPr/>
-      </p:nvGrpSpPr>
-      <p:grpSpPr>
-        <a:xfrm>
-          <a:off x="0" y="0"/>
-          <a:ext cx="0" cy="0"/>
-          <a:chOff x="0" y="0"/>
-          <a:chExt cx="0" cy="0"/>
-        </a:xfrm>
-      </p:grpSpPr>
-      <p:sp>
-        <p:nvSpPr>
-          <p:cNvPr id="2" name="标题 1"/>
-          <p:cNvSpPr>
-            <a:spLocks noGrp="1"/>
-          </p:cNvSpPr>
-          <p:nvPr>
-            <p:ph type="title"/>
-          </p:nvPr>
-        </p:nvSpPr>
-        <p:spPr/>
-        <p:txBody>
-          <a:bodyPr>
-            <a:normAutofit/>
-          </a:bodyPr>
-          <a:lstStyle/>
-          <a:p>
-            <a:r>
-              <a:rPr lang="en-US" altLang="zh-CN" sz="3200" dirty="0">
-                <a:latin typeface="Times New Roman" panose="02020603050405020304" pitchFamily="18" charset="0"/>
-                <a:cs typeface="Times New Roman" panose="02020603050405020304" pitchFamily="18" charset="0"/>
-              </a:rPr>
-              <a:t>Motivating Students in Collaborative Activities With Game-Theoretic Group Recommendations</a:t>
-            </a:r>
-            <a:endParaRPr lang="en-US" altLang="zh-CN" sz="3200" dirty="0">
-              <a:latin typeface="Times New Roman" panose="02020603050405020304" pitchFamily="18" charset="0"/>
-              <a:cs typeface="Times New Roman" panose="02020603050405020304" pitchFamily="18" charset="0"/>
-            </a:endParaRPr>
-          </a:p>
-        </p:txBody>
-      </p:sp>
       <p:pic>
         <p:nvPicPr>
-          <p:cNvPr id="9" name="图片 8"/>
+          <p:cNvPr id="11" name="图片 10"/>
           <p:cNvPicPr>
             <a:picLocks noChangeAspect="1"/>
           </p:cNvPicPr>
@@ -6248,8 +6027,8 @@
         </p:blipFill>
         <p:spPr>
           <a:xfrm>
-            <a:off x="3000806" y="3684362"/>
-            <a:ext cx="5759445" cy="2808513"/>
+            <a:off x="7080250" y="2548255"/>
+            <a:ext cx="4273550" cy="1400810"/>
           </a:xfrm>
           <a:prstGeom prst="rect">
             <a:avLst/>
@@ -6258,7 +6037,7 @@
       </p:pic>
       <p:pic>
         <p:nvPicPr>
-          <p:cNvPr id="10" name="图片 9"/>
+          <p:cNvPr id="12" name="图片 11"/>
           <p:cNvPicPr>
             <a:picLocks noChangeAspect="1"/>
           </p:cNvPicPr>
@@ -6272,14 +6051,50 @@
         </p:blipFill>
         <p:spPr>
           <a:xfrm>
-            <a:off x="3447177" y="1889954"/>
-            <a:ext cx="4866705" cy="1595141"/>
+            <a:off x="5594146" y="3949157"/>
+            <a:ext cx="5759445" cy="2808513"/>
           </a:xfrm>
           <a:prstGeom prst="rect">
             <a:avLst/>
           </a:prstGeom>
         </p:spPr>
       </p:pic>
+      <p:sp>
+        <p:nvSpPr>
+          <p:cNvPr id="13" name="文本框 12"/>
+          <p:cNvSpPr txBox="1"/>
+          <p:nvPr/>
+        </p:nvSpPr>
+        <p:spPr>
+          <a:xfrm>
+            <a:off x="694055" y="4064635"/>
+            <a:ext cx="4898390" cy="645160"/>
+          </a:xfrm>
+          <a:prstGeom prst="rect">
+            <a:avLst/>
+          </a:prstGeom>
+          <a:noFill/>
+        </p:spPr>
+        <p:txBody>
+          <a:bodyPr wrap="square" rtlCol="0">
+            <a:spAutoFit/>
+          </a:bodyPr>
+          <a:p>
+            <a:r>
+              <a:rPr lang="zh-CN" altLang="en-US"/>
+              <a:t>问题场景——学生分组，推荐教育资源。</a:t>
+            </a:r>
+            <a:endParaRPr lang="zh-CN" altLang="en-US"/>
+          </a:p>
+          <a:p>
+            <a:r>
+              <a:rPr lang="zh-CN" altLang="en-US"/>
+              <a:t>贡献：量化学生需求，博弈论寻找纳什均衡。</a:t>
+            </a:r>
+            <a:endParaRPr lang="zh-CN" altLang="en-US"/>
+          </a:p>
+        </p:txBody>
+      </p:sp>
     </p:spTree>
   </p:cSld>
   <p:clrMapOvr>
@@ -6288,7 +6103,7 @@
 </p:sld>
 </file>
 
-<file path=ppt/slides/slide12.xml><?xml version="1.0" encoding="utf-8"?>
+<file path=ppt/slides/slide11.xml><?xml version="1.0" encoding="utf-8"?>
 <p:sld xmlns:a="http://schemas.openxmlformats.org/drawingml/2006/main" xmlns:r="http://schemas.openxmlformats.org/officeDocument/2006/relationships" xmlns:p="http://schemas.openxmlformats.org/presentationml/2006/main">
   <p:cSld>
     <p:spTree>
@@ -6956,7 +6771,7 @@
 </p:sld>
 </file>
 
-<file path=ppt/slides/slide13.xml><?xml version="1.0" encoding="utf-8"?>
+<file path=ppt/slides/slide12.xml><?xml version="1.0" encoding="utf-8"?>
 <p:sld xmlns:a="http://schemas.openxmlformats.org/drawingml/2006/main" xmlns:r="http://schemas.openxmlformats.org/officeDocument/2006/relationships" xmlns:p="http://schemas.openxmlformats.org/presentationml/2006/main">
   <p:cSld>
     <p:spTree>
@@ -7158,7 +6973,7 @@
 </p:sld>
 </file>
 
-<file path=ppt/slides/slide14.xml><?xml version="1.0" encoding="utf-8"?>
+<file path=ppt/slides/slide13.xml><?xml version="1.0" encoding="utf-8"?>
 <p:sld xmlns:a="http://schemas.openxmlformats.org/drawingml/2006/main" xmlns:r="http://schemas.openxmlformats.org/officeDocument/2006/relationships" xmlns:p="http://schemas.openxmlformats.org/presentationml/2006/main">
   <p:cSld>
     <p:spTree>
@@ -7310,7 +7125,7 @@
 </p:sld>
 </file>
 
-<file path=ppt/slides/slide15.xml><?xml version="1.0" encoding="utf-8"?>
+<file path=ppt/slides/slide14.xml><?xml version="1.0" encoding="utf-8"?>
 <p:sld xmlns:a="http://schemas.openxmlformats.org/drawingml/2006/main" xmlns:r="http://schemas.openxmlformats.org/officeDocument/2006/relationships" xmlns:p="http://schemas.openxmlformats.org/presentationml/2006/main">
   <p:cSld>
     <p:spTree>
@@ -7512,7 +7327,7 @@
 </p:sld>
 </file>
 
-<file path=ppt/slides/slide16.xml><?xml version="1.0" encoding="utf-8"?>
+<file path=ppt/slides/slide15.xml><?xml version="1.0" encoding="utf-8"?>
 <p:sld xmlns:a="http://schemas.openxmlformats.org/drawingml/2006/main" xmlns:r="http://schemas.openxmlformats.org/officeDocument/2006/relationships" xmlns:p="http://schemas.openxmlformats.org/presentationml/2006/main">
   <p:cSld>
     <p:spTree>
@@ -7592,7 +7407,7 @@
 </p:sld>
 </file>
 
-<file path=ppt/slides/slide17.xml><?xml version="1.0" encoding="utf-8"?>
+<file path=ppt/slides/slide16.xml><?xml version="1.0" encoding="utf-8"?>
 <p:sld xmlns:a="http://schemas.openxmlformats.org/drawingml/2006/main" xmlns:r="http://schemas.openxmlformats.org/officeDocument/2006/relationships" xmlns:p="http://schemas.openxmlformats.org/presentationml/2006/main">
   <p:cSld>
     <p:spTree>
@@ -8072,7 +7887,7 @@
 </p:sld>
 </file>
 
-<file path=ppt/slides/slide18.xml><?xml version="1.0" encoding="utf-8"?>
+<file path=ppt/slides/slide17.xml><?xml version="1.0" encoding="utf-8"?>
 <p:sld xmlns:a="http://schemas.openxmlformats.org/drawingml/2006/main" xmlns:r="http://schemas.openxmlformats.org/officeDocument/2006/relationships" xmlns:p="http://schemas.openxmlformats.org/presentationml/2006/main">
   <p:cSld>
     <p:spTree>
@@ -8407,6 +8222,186 @@
 </p:sld>
 </file>
 
+<file path=ppt/slides/slide18.xml><?xml version="1.0" encoding="utf-8"?>
+<p:sld xmlns:a="http://schemas.openxmlformats.org/drawingml/2006/main" xmlns:r="http://schemas.openxmlformats.org/officeDocument/2006/relationships" xmlns:p="http://schemas.openxmlformats.org/presentationml/2006/main">
+  <p:cSld>
+    <p:spTree>
+      <p:nvGrpSpPr>
+        <p:cNvPr id="1" name=""/>
+        <p:cNvGrpSpPr/>
+        <p:nvPr/>
+      </p:nvGrpSpPr>
+      <p:grpSpPr>
+        <a:xfrm>
+          <a:off x="0" y="0"/>
+          <a:ext cx="0" cy="0"/>
+          <a:chOff x="0" y="0"/>
+          <a:chExt cx="0" cy="0"/>
+        </a:xfrm>
+      </p:grpSpPr>
+      <p:sp>
+        <p:nvSpPr>
+          <p:cNvPr id="2" name="标题 1"/>
+          <p:cNvSpPr>
+            <a:spLocks noGrp="1"/>
+          </p:cNvSpPr>
+          <p:nvPr>
+            <p:ph type="title"/>
+          </p:nvPr>
+        </p:nvSpPr>
+        <p:spPr/>
+        <p:txBody>
+          <a:bodyPr/>
+          <a:lstStyle/>
+          <a:p>
+            <a:r>
+              <a:rPr lang="zh-CN" altLang="en-US">
+                <a:sym typeface="+mn-ea"/>
+              </a:rPr>
+              <a:t>详细调研</a:t>
+            </a:r>
+            <a:endParaRPr lang="en-US" altLang="zh-CN" dirty="0">
+              <a:latin typeface="微软雅黑" panose="020B0503020204020204" pitchFamily="34" charset="-122"/>
+              <a:ea typeface="微软雅黑" panose="020B0503020204020204" pitchFamily="34" charset="-122"/>
+            </a:endParaRPr>
+          </a:p>
+        </p:txBody>
+      </p:sp>
+      <p:sp>
+        <p:nvSpPr>
+          <p:cNvPr id="3" name="文本框 2"/>
+          <p:cNvSpPr txBox="1"/>
+          <p:nvPr/>
+        </p:nvSpPr>
+        <p:spPr>
+          <a:xfrm>
+            <a:off x="838200" y="1787525"/>
+            <a:ext cx="10596245" cy="1568450"/>
+          </a:xfrm>
+          <a:prstGeom prst="rect">
+            <a:avLst/>
+          </a:prstGeom>
+          <a:noFill/>
+        </p:spPr>
+        <p:txBody>
+          <a:bodyPr wrap="square" rtlCol="0">
+            <a:spAutoFit/>
+          </a:bodyPr>
+          <a:p>
+            <a:r>
+              <a:rPr lang="zh-CN" altLang="en-US" sz="2400">
+                <a:latin typeface="微软雅黑" panose="020B0503020204020204" pitchFamily="34" charset="-122"/>
+                <a:ea typeface="微软雅黑" panose="020B0503020204020204" pitchFamily="34" charset="-122"/>
+                <a:cs typeface="微软雅黑" panose="020B0503020204020204" pitchFamily="34" charset="-122"/>
+              </a:rPr>
+              <a:t>演化博弈论 (Evolutionary Game Theory)</a:t>
+            </a:r>
+            <a:endParaRPr lang="zh-CN" altLang="en-US" sz="2400">
+              <a:latin typeface="微软雅黑" panose="020B0503020204020204" pitchFamily="34" charset="-122"/>
+              <a:ea typeface="微软雅黑" panose="020B0503020204020204" pitchFamily="34" charset="-122"/>
+              <a:cs typeface="微软雅黑" panose="020B0503020204020204" pitchFamily="34" charset="-122"/>
+            </a:endParaRPr>
+          </a:p>
+          <a:p>
+            <a:endParaRPr lang="zh-CN" altLang="en-US"/>
+          </a:p>
+          <a:p>
+            <a:r>
+              <a:rPr lang="zh-CN" altLang="en-US">
+                <a:latin typeface="微软雅黑" panose="020B0503020204020204" pitchFamily="34" charset="-122"/>
+                <a:ea typeface="微软雅黑" panose="020B0503020204020204" pitchFamily="34" charset="-122"/>
+              </a:rPr>
+              <a:t>不再将人模型化为超级理性的博弈方，而是认为人类通常是通过试错的方法达到博弈均衡的，与生物进化原理具有共性，所选择的均衡是达到均衡的均衡过程的函数，因而历史、制度因素以及均衡过程的某些细节均会对博弈的多重均衡的选择产生影响。</a:t>
+            </a:r>
+            <a:endParaRPr lang="zh-CN" altLang="en-US">
+              <a:latin typeface="微软雅黑" panose="020B0503020204020204" pitchFamily="34" charset="-122"/>
+              <a:ea typeface="微软雅黑" panose="020B0503020204020204" pitchFamily="34" charset="-122"/>
+            </a:endParaRPr>
+          </a:p>
+        </p:txBody>
+      </p:sp>
+      <p:sp>
+        <p:nvSpPr>
+          <p:cNvPr id="5" name="文本框 4"/>
+          <p:cNvSpPr txBox="1"/>
+          <p:nvPr/>
+        </p:nvSpPr>
+        <p:spPr>
+          <a:xfrm>
+            <a:off x="838200" y="3879850"/>
+            <a:ext cx="10516235" cy="368300"/>
+          </a:xfrm>
+          <a:prstGeom prst="rect">
+            <a:avLst/>
+          </a:prstGeom>
+          <a:noFill/>
+        </p:spPr>
+        <p:txBody>
+          <a:bodyPr wrap="square" rtlCol="0" anchor="t">
+            <a:spAutoFit/>
+          </a:bodyPr>
+          <a:p>
+            <a:r>
+              <a:rPr lang="zh-CN" altLang="en-US">
+                <a:latin typeface="微软雅黑" panose="020B0503020204020204" pitchFamily="34" charset="-122"/>
+                <a:ea typeface="微软雅黑" panose="020B0503020204020204" pitchFamily="34" charset="-122"/>
+                <a:cs typeface="微软雅黑" panose="020B0503020204020204" pitchFamily="34" charset="-122"/>
+              </a:rPr>
+              <a:t>复制动态方程——演化的过程</a:t>
+            </a:r>
+            <a:endParaRPr lang="zh-CN" altLang="en-US">
+              <a:latin typeface="微软雅黑" panose="020B0503020204020204" pitchFamily="34" charset="-122"/>
+              <a:ea typeface="微软雅黑" panose="020B0503020204020204" pitchFamily="34" charset="-122"/>
+              <a:cs typeface="微软雅黑" panose="020B0503020204020204" pitchFamily="34" charset="-122"/>
+            </a:endParaRPr>
+          </a:p>
+        </p:txBody>
+      </p:sp>
+      <p:sp>
+        <p:nvSpPr>
+          <p:cNvPr id="6" name="文本框 5"/>
+          <p:cNvSpPr txBox="1"/>
+          <p:nvPr/>
+        </p:nvSpPr>
+        <p:spPr>
+          <a:xfrm>
+            <a:off x="838200" y="5013960"/>
+            <a:ext cx="10516235" cy="368300"/>
+          </a:xfrm>
+          <a:prstGeom prst="rect">
+            <a:avLst/>
+          </a:prstGeom>
+          <a:noFill/>
+        </p:spPr>
+        <p:txBody>
+          <a:bodyPr wrap="square" rtlCol="0" anchor="t">
+            <a:spAutoFit/>
+          </a:bodyPr>
+          <a:p>
+            <a:r>
+              <a:rPr lang="zh-CN" altLang="en-US">
+                <a:latin typeface="微软雅黑" panose="020B0503020204020204" pitchFamily="34" charset="-122"/>
+                <a:ea typeface="微软雅黑" panose="020B0503020204020204" pitchFamily="34" charset="-122"/>
+                <a:cs typeface="微软雅黑" panose="020B0503020204020204" pitchFamily="34" charset="-122"/>
+              </a:rPr>
+              <a:t>雅可比矩阵——计算稳定的ESS</a:t>
+            </a:r>
+            <a:endParaRPr lang="zh-CN" altLang="en-US">
+              <a:latin typeface="微软雅黑" panose="020B0503020204020204" pitchFamily="34" charset="-122"/>
+              <a:ea typeface="微软雅黑" panose="020B0503020204020204" pitchFamily="34" charset="-122"/>
+              <a:cs typeface="微软雅黑" panose="020B0503020204020204" pitchFamily="34" charset="-122"/>
+            </a:endParaRPr>
+          </a:p>
+        </p:txBody>
+      </p:sp>
+    </p:spTree>
+  </p:cSld>
+  <p:clrMapOvr>
+    <a:masterClrMapping/>
+  </p:clrMapOvr>
+</p:sld>
+</file>
+
 <file path=ppt/slides/slide19.xml><?xml version="1.0" encoding="utf-8"?>
 <p:sld xmlns:a="http://schemas.openxmlformats.org/drawingml/2006/main" xmlns:r="http://schemas.openxmlformats.org/officeDocument/2006/relationships" xmlns:p="http://schemas.openxmlformats.org/presentationml/2006/main">
   <p:cSld>
@@ -8440,13 +8435,65 @@
           <a:lstStyle/>
           <a:p>
             <a:r>
-              <a:rPr lang="zh-CN" altLang="en-US" dirty="0">
+              <a:rPr lang="zh-CN" altLang="en-US">
+                <a:sym typeface="+mn-ea"/>
+              </a:rPr>
+              <a:t>详细调研</a:t>
+            </a:r>
+            <a:endParaRPr lang="en-US" altLang="zh-CN" dirty="0">
+              <a:latin typeface="微软雅黑" panose="020B0503020204020204" pitchFamily="34" charset="-122"/>
+              <a:ea typeface="微软雅黑" panose="020B0503020204020204" pitchFamily="34" charset="-122"/>
+            </a:endParaRPr>
+          </a:p>
+        </p:txBody>
+      </p:sp>
+      <p:sp>
+        <p:nvSpPr>
+          <p:cNvPr id="3" name="文本框 2"/>
+          <p:cNvSpPr txBox="1"/>
+          <p:nvPr/>
+        </p:nvSpPr>
+        <p:spPr>
+          <a:xfrm>
+            <a:off x="838200" y="1787525"/>
+            <a:ext cx="10596245" cy="1568450"/>
+          </a:xfrm>
+          <a:prstGeom prst="rect">
+            <a:avLst/>
+          </a:prstGeom>
+          <a:noFill/>
+        </p:spPr>
+        <p:txBody>
+          <a:bodyPr wrap="square" rtlCol="0">
+            <a:spAutoFit/>
+          </a:bodyPr>
+          <a:p>
+            <a:r>
+              <a:rPr lang="zh-CN" altLang="en-US" sz="2400">
+                <a:latin typeface="微软雅黑" panose="020B0503020204020204" pitchFamily="34" charset="-122"/>
+                <a:ea typeface="微软雅黑" panose="020B0503020204020204" pitchFamily="34" charset="-122"/>
+                <a:cs typeface="微软雅黑" panose="020B0503020204020204" pitchFamily="34" charset="-122"/>
+              </a:rPr>
+              <a:t>演化博弈论 (Evolutionary Game Theory)</a:t>
+            </a:r>
+            <a:endParaRPr lang="zh-CN" altLang="en-US" sz="2400">
+              <a:latin typeface="微软雅黑" panose="020B0503020204020204" pitchFamily="34" charset="-122"/>
+              <a:ea typeface="微软雅黑" panose="020B0503020204020204" pitchFamily="34" charset="-122"/>
+              <a:cs typeface="微软雅黑" panose="020B0503020204020204" pitchFamily="34" charset="-122"/>
+            </a:endParaRPr>
+          </a:p>
+          <a:p>
+            <a:endParaRPr lang="zh-CN" altLang="en-US"/>
+          </a:p>
+          <a:p>
+            <a:r>
+              <a:rPr lang="zh-CN" altLang="en-US">
                 <a:latin typeface="微软雅黑" panose="020B0503020204020204" pitchFamily="34" charset="-122"/>
                 <a:ea typeface="微软雅黑" panose="020B0503020204020204" pitchFamily="34" charset="-122"/>
               </a:rPr>
-              <a:t>接下来的任务</a:t>
-            </a:r>
-            <a:endParaRPr lang="zh-CN" altLang="en-US" dirty="0">
+              <a:t>不再将人模型化为超级理性的博弈方，而是认为人类通常是通过试错的方法达到博弈均衡的，与生物进化原理具有共性，所选择的均衡是达到均衡的均衡过程的函数，因而历史、制度因素以及均衡过程的某些细节均会对博弈的多重均衡的选择产生影响。</a:t>
+            </a:r>
+            <a:endParaRPr lang="zh-CN" altLang="en-US">
               <a:latin typeface="微软雅黑" panose="020B0503020204020204" pitchFamily="34" charset="-122"/>
               <a:ea typeface="微软雅黑" panose="020B0503020204020204" pitchFamily="34" charset="-122"/>
             </a:endParaRPr>
@@ -8455,55 +8502,107 @@
       </p:sp>
       <p:sp>
         <p:nvSpPr>
-          <p:cNvPr id="4" name="内容占位符 3"/>
-          <p:cNvSpPr>
-            <a:spLocks noGrp="1"/>
-          </p:cNvSpPr>
-          <p:nvPr>
-            <p:ph idx="1"/>
-          </p:nvPr>
+          <p:cNvPr id="6" name="文本框 5"/>
+          <p:cNvSpPr txBox="1"/>
+          <p:nvPr/>
         </p:nvSpPr>
         <p:spPr>
           <a:xfrm>
-            <a:off x="838200" y="1825625"/>
-            <a:ext cx="10515600" cy="2167535"/>
+            <a:off x="838200" y="3978275"/>
+            <a:ext cx="10389870" cy="1198880"/>
           </a:xfrm>
+          <a:prstGeom prst="rect">
+            <a:avLst/>
+          </a:prstGeom>
+          <a:noFill/>
         </p:spPr>
         <p:txBody>
-          <a:bodyPr>
-            <a:normAutofit/>
+          <a:bodyPr wrap="square" rtlCol="0">
+            <a:spAutoFit/>
           </a:bodyPr>
-          <a:lstStyle/>
-          <a:p>
-            <a:pPr marL="457200" indent="-457200">
-              <a:buAutoNum type="arabicPeriod"/>
-            </a:pPr>
-            <a:r>
-              <a:rPr lang="zh-CN" altLang="en-US" sz="2000" dirty="0">
+          <a:p>
+            <a:r>
+              <a:rPr lang="en-US" altLang="zh-CN">
+                <a:latin typeface="Times New Roman" panose="02020603050405020304" pitchFamily="18" charset="0"/>
+                <a:cs typeface="Times New Roman" panose="02020603050405020304" pitchFamily="18" charset="0"/>
+              </a:rPr>
+              <a:t>1. </a:t>
+            </a:r>
+            <a:r>
+              <a:rPr lang="zh-CN" altLang="en-US">
+                <a:latin typeface="Times New Roman" panose="02020603050405020304" pitchFamily="18" charset="0"/>
+                <a:cs typeface="Times New Roman" panose="02020603050405020304" pitchFamily="18" charset="0"/>
+              </a:rPr>
+              <a:t>International Conference on Wireless Communications</a:t>
+            </a:r>
+            <a:r>
+              <a:rPr lang="en-US" altLang="zh-CN">
+                <a:latin typeface="Times New Roman" panose="02020603050405020304" pitchFamily="18" charset="0"/>
+                <a:cs typeface="Times New Roman" panose="02020603050405020304" pitchFamily="18" charset="0"/>
+              </a:rPr>
+              <a:t>-2008-P2P Incentive Model On Evolutionary Game Theory</a:t>
+            </a:r>
+            <a:endParaRPr lang="en-US" altLang="zh-CN">
+              <a:latin typeface="Times New Roman" panose="02020603050405020304" pitchFamily="18" charset="0"/>
+              <a:cs typeface="Times New Roman" panose="02020603050405020304" pitchFamily="18" charset="0"/>
+            </a:endParaRPr>
+          </a:p>
+          <a:p>
+            <a:r>
+              <a:rPr lang="en-US" altLang="zh-CN">
+                <a:latin typeface="Times New Roman" panose="02020603050405020304" pitchFamily="18" charset="0"/>
+                <a:cs typeface="Times New Roman" panose="02020603050405020304" pitchFamily="18" charset="0"/>
+              </a:rPr>
+              <a:t>2. Journal of Network and Computer Applications-2014-Incentive mechanism for P2P file sharing based on social network and game theory</a:t>
+            </a:r>
+            <a:endParaRPr lang="en-US" altLang="zh-CN">
+              <a:latin typeface="Times New Roman" panose="02020603050405020304" pitchFamily="18" charset="0"/>
+              <a:cs typeface="Times New Roman" panose="02020603050405020304" pitchFamily="18" charset="0"/>
+            </a:endParaRPr>
+          </a:p>
+        </p:txBody>
+      </p:sp>
+      <p:sp>
+        <p:nvSpPr>
+          <p:cNvPr id="4" name="文本框 3"/>
+          <p:cNvSpPr txBox="1"/>
+          <p:nvPr/>
+        </p:nvSpPr>
+        <p:spPr>
+          <a:xfrm>
+            <a:off x="838200" y="3482975"/>
+            <a:ext cx="2540000" cy="368300"/>
+          </a:xfrm>
+          <a:prstGeom prst="rect">
+            <a:avLst/>
+          </a:prstGeom>
+          <a:noFill/>
+        </p:spPr>
+        <p:txBody>
+          <a:bodyPr wrap="square" rtlCol="0" anchor="t">
+            <a:spAutoFit/>
+          </a:bodyPr>
+          <a:p>
+            <a:r>
+              <a:rPr lang="zh-CN" altLang="en-US">
+                <a:latin typeface="Times New Roman" panose="02020603050405020304" pitchFamily="18" charset="0"/>
+                <a:ea typeface="微软雅黑" panose="020B0503020204020204" pitchFamily="34" charset="-122"/>
+                <a:cs typeface="Times New Roman" panose="02020603050405020304" pitchFamily="18" charset="0"/>
+              </a:rPr>
+              <a:t>p2p</a:t>
+            </a:r>
+            <a:r>
+              <a:rPr lang="zh-CN" altLang="en-US">
                 <a:latin typeface="微软雅黑" panose="020B0503020204020204" pitchFamily="34" charset="-122"/>
                 <a:ea typeface="微软雅黑" panose="020B0503020204020204" pitchFamily="34" charset="-122"/>
+                <a:cs typeface="微软雅黑" panose="020B0503020204020204" pitchFamily="34" charset="-122"/>
               </a:rPr>
-              <a:t>按照第二类论文的思路，将博弈论作为理论支撑。</a:t>
-            </a:r>
-            <a:endParaRPr lang="en-US" altLang="zh-CN" sz="2000" dirty="0">
+              <a:t>之间的进化博弈论</a:t>
+            </a:r>
+            <a:endParaRPr lang="zh-CN" altLang="en-US">
               <a:latin typeface="微软雅黑" panose="020B0503020204020204" pitchFamily="34" charset="-122"/>
               <a:ea typeface="微软雅黑" panose="020B0503020204020204" pitchFamily="34" charset="-122"/>
-            </a:endParaRPr>
-          </a:p>
-          <a:p>
-            <a:pPr marL="457200" indent="-457200">
-              <a:buAutoNum type="arabicPeriod"/>
-            </a:pPr>
-            <a:r>
-              <a:rPr lang="zh-CN" altLang="en-US" sz="2000" dirty="0">
-                <a:latin typeface="微软雅黑" panose="020B0503020204020204" pitchFamily="34" charset="-122"/>
-                <a:ea typeface="微软雅黑" panose="020B0503020204020204" pitchFamily="34" charset="-122"/>
-              </a:rPr>
-              <a:t>模型存在问题：设置惩奖规则的合理性；分数的阈值寻找。</a:t>
-            </a:r>
-            <a:endParaRPr lang="en-US" altLang="zh-CN" sz="2000" dirty="0">
-              <a:latin typeface="微软雅黑" panose="020B0503020204020204" pitchFamily="34" charset="-122"/>
-              <a:ea typeface="微软雅黑" panose="020B0503020204020204" pitchFamily="34" charset="-122"/>
+              <a:cs typeface="微软雅黑" panose="020B0503020204020204" pitchFamily="34" charset="-122"/>
             </a:endParaRPr>
           </a:p>
         </p:txBody>
@@ -8636,6 +8735,140 @@
 </file>
 
 <file path=ppt/slides/slide20.xml><?xml version="1.0" encoding="utf-8"?>
+<p:sld xmlns:a="http://schemas.openxmlformats.org/drawingml/2006/main" xmlns:r="http://schemas.openxmlformats.org/officeDocument/2006/relationships" xmlns:p="http://schemas.openxmlformats.org/presentationml/2006/main">
+  <p:cSld>
+    <p:spTree>
+      <p:nvGrpSpPr>
+        <p:cNvPr id="1" name=""/>
+        <p:cNvGrpSpPr/>
+        <p:nvPr/>
+      </p:nvGrpSpPr>
+      <p:grpSpPr>
+        <a:xfrm>
+          <a:off x="0" y="0"/>
+          <a:ext cx="0" cy="0"/>
+          <a:chOff x="0" y="0"/>
+          <a:chExt cx="0" cy="0"/>
+        </a:xfrm>
+      </p:grpSpPr>
+      <p:sp>
+        <p:nvSpPr>
+          <p:cNvPr id="2" name="标题 1"/>
+          <p:cNvSpPr>
+            <a:spLocks noGrp="1"/>
+          </p:cNvSpPr>
+          <p:nvPr>
+            <p:ph type="title"/>
+          </p:nvPr>
+        </p:nvSpPr>
+        <p:spPr/>
+        <p:txBody>
+          <a:bodyPr/>
+          <a:lstStyle/>
+          <a:p>
+            <a:r>
+              <a:rPr lang="zh-CN" altLang="en-US">
+                <a:sym typeface="+mn-ea"/>
+              </a:rPr>
+              <a:t>详细调研</a:t>
+            </a:r>
+            <a:endParaRPr lang="en-US" altLang="zh-CN" dirty="0">
+              <a:latin typeface="微软雅黑" panose="020B0503020204020204" pitchFamily="34" charset="-122"/>
+              <a:ea typeface="微软雅黑" panose="020B0503020204020204" pitchFamily="34" charset="-122"/>
+            </a:endParaRPr>
+          </a:p>
+        </p:txBody>
+      </p:sp>
+      <p:sp>
+        <p:nvSpPr>
+          <p:cNvPr id="3" name="文本框 2"/>
+          <p:cNvSpPr txBox="1"/>
+          <p:nvPr/>
+        </p:nvSpPr>
+        <p:spPr>
+          <a:xfrm>
+            <a:off x="838200" y="1787525"/>
+            <a:ext cx="10596245" cy="2399665"/>
+          </a:xfrm>
+          <a:prstGeom prst="rect">
+            <a:avLst/>
+          </a:prstGeom>
+          <a:noFill/>
+        </p:spPr>
+        <p:txBody>
+          <a:bodyPr wrap="square" rtlCol="0">
+            <a:spAutoFit/>
+          </a:bodyPr>
+          <a:p>
+            <a:r>
+              <a:rPr lang="zh-CN" altLang="en-US" sz="2400">
+                <a:latin typeface="微软雅黑" panose="020B0503020204020204" pitchFamily="34" charset="-122"/>
+                <a:ea typeface="微软雅黑" panose="020B0503020204020204" pitchFamily="34" charset="-122"/>
+                <a:cs typeface="微软雅黑" panose="020B0503020204020204" pitchFamily="34" charset="-122"/>
+              </a:rPr>
+              <a:t>酒吧博弈（少数者博弈）</a:t>
+            </a:r>
+            <a:endParaRPr lang="zh-CN" altLang="en-US" sz="2400">
+              <a:latin typeface="微软雅黑" panose="020B0503020204020204" pitchFamily="34" charset="-122"/>
+              <a:ea typeface="微软雅黑" panose="020B0503020204020204" pitchFamily="34" charset="-122"/>
+              <a:cs typeface="微软雅黑" panose="020B0503020204020204" pitchFamily="34" charset="-122"/>
+            </a:endParaRPr>
+          </a:p>
+          <a:p>
+            <a:endParaRPr lang="zh-CN" altLang="en-US">
+              <a:latin typeface="微软雅黑" panose="020B0503020204020204" pitchFamily="34" charset="-122"/>
+              <a:ea typeface="微软雅黑" panose="020B0503020204020204" pitchFamily="34" charset="-122"/>
+              <a:cs typeface="微软雅黑" panose="020B0503020204020204" pitchFamily="34" charset="-122"/>
+            </a:endParaRPr>
+          </a:p>
+          <a:p>
+            <a:r>
+              <a:rPr lang="zh-CN" altLang="en-US">
+                <a:latin typeface="微软雅黑" panose="020B0503020204020204" pitchFamily="34" charset="-122"/>
+                <a:ea typeface="微软雅黑" panose="020B0503020204020204" pitchFamily="34" charset="-122"/>
+                <a:cs typeface="微软雅黑" panose="020B0503020204020204" pitchFamily="34" charset="-122"/>
+              </a:rPr>
+              <a:t>模型认同选择行为中的利己主义，但抛弃了原有的完全理性和演绎推理的框架，可以讨论更多的复杂行为。</a:t>
+            </a:r>
+            <a:endParaRPr lang="zh-CN" altLang="en-US">
+              <a:latin typeface="微软雅黑" panose="020B0503020204020204" pitchFamily="34" charset="-122"/>
+              <a:ea typeface="微软雅黑" panose="020B0503020204020204" pitchFamily="34" charset="-122"/>
+              <a:cs typeface="微软雅黑" panose="020B0503020204020204" pitchFamily="34" charset="-122"/>
+            </a:endParaRPr>
+          </a:p>
+          <a:p>
+            <a:endParaRPr lang="zh-CN" altLang="en-US">
+              <a:latin typeface="微软雅黑" panose="020B0503020204020204" pitchFamily="34" charset="-122"/>
+              <a:ea typeface="微软雅黑" panose="020B0503020204020204" pitchFamily="34" charset="-122"/>
+              <a:cs typeface="微软雅黑" panose="020B0503020204020204" pitchFamily="34" charset="-122"/>
+            </a:endParaRPr>
+          </a:p>
+          <a:p>
+            <a:r>
+              <a:rPr lang="zh-CN" altLang="en-US">
+                <a:latin typeface="微软雅黑" panose="020B0503020204020204" pitchFamily="34" charset="-122"/>
+                <a:ea typeface="微软雅黑" panose="020B0503020204020204" pitchFamily="34" charset="-122"/>
+                <a:cs typeface="微软雅黑" panose="020B0503020204020204" pitchFamily="34" charset="-122"/>
+              </a:rPr>
+              <a:t>酒吧博弈的关键在于，如果我们在博弈中能够知道他人的选择，那么只要做出和大多数人相反的选择就能胜出，但这是不可能的，所以这是一个混沌系统。唯一可能的就是尽可能多的知道去酒吧的人数信息，最终最可能出现的结果就是去酒吧的人数在一定幅度内像正弦曲线一样来回波动。</a:t>
+            </a:r>
+            <a:endParaRPr lang="zh-CN" altLang="en-US">
+              <a:latin typeface="微软雅黑" panose="020B0503020204020204" pitchFamily="34" charset="-122"/>
+              <a:ea typeface="微软雅黑" panose="020B0503020204020204" pitchFamily="34" charset="-122"/>
+              <a:cs typeface="微软雅黑" panose="020B0503020204020204" pitchFamily="34" charset="-122"/>
+            </a:endParaRPr>
+          </a:p>
+        </p:txBody>
+      </p:sp>
+    </p:spTree>
+  </p:cSld>
+  <p:clrMapOvr>
+    <a:masterClrMapping/>
+  </p:clrMapOvr>
+</p:sld>
+</file>
+
+<file path=ppt/slides/slide21.xml><?xml version="1.0" encoding="utf-8"?>
 <p:sld xmlns:a="http://schemas.openxmlformats.org/drawingml/2006/main" xmlns:r="http://schemas.openxmlformats.org/officeDocument/2006/relationships" xmlns:p="http://schemas.openxmlformats.org/presentationml/2006/main">
   <p:cSld>
     <p:spTree>
@@ -9043,7 +9276,7 @@
 </p:sld>
 </file>
 
-<file path=ppt/slides/slide21.xml><?xml version="1.0" encoding="utf-8"?>
+<file path=ppt/slides/slide22.xml><?xml version="1.0" encoding="utf-8"?>
 <p:sld xmlns:a="http://schemas.openxmlformats.org/drawingml/2006/main" xmlns:r="http://schemas.openxmlformats.org/officeDocument/2006/relationships" xmlns:p="http://schemas.openxmlformats.org/presentationml/2006/main">
   <p:cSld>
     <p:spTree>

--- a/报告/2021年9月4日/杨攀原.pptx
+++ b/报告/2021年9月4日/杨攀原.pptx
@@ -24,10 +24,14 @@
     <p:sldId id="311" r:id="rId19"/>
     <p:sldId id="318" r:id="rId20"/>
     <p:sldId id="308" r:id="rId21"/>
-    <p:sldId id="349" r:id="rId22"/>
-    <p:sldId id="350" r:id="rId23"/>
-    <p:sldId id="284" r:id="rId24"/>
-    <p:sldId id="299" r:id="rId25"/>
+    <p:sldId id="354" r:id="rId22"/>
+    <p:sldId id="353" r:id="rId23"/>
+    <p:sldId id="355" r:id="rId24"/>
+    <p:sldId id="356" r:id="rId25"/>
+    <p:sldId id="349" r:id="rId26"/>
+    <p:sldId id="350" r:id="rId27"/>
+    <p:sldId id="284" r:id="rId28"/>
+    <p:sldId id="299" r:id="rId29"/>
   </p:sldIdLst>
   <p:sldSz cx="12192000" cy="6858000"/>
   <p:notesSz cx="6858000" cy="9144000"/>
@@ -8276,7 +8280,7 @@
         <p:spPr>
           <a:xfrm>
             <a:off x="838200" y="1787525"/>
-            <a:ext cx="10596245" cy="1568450"/>
+            <a:ext cx="10596245" cy="1014730"/>
           </a:xfrm>
           <a:prstGeom prst="rect">
             <a:avLst/>
@@ -8311,7 +8315,7 @@
                 <a:latin typeface="微软雅黑" panose="020B0503020204020204" pitchFamily="34" charset="-122"/>
                 <a:ea typeface="微软雅黑" panose="020B0503020204020204" pitchFamily="34" charset="-122"/>
               </a:rPr>
-              <a:t>不再将人模型化为超级理性的博弈方，而是认为人类通常是通过试错的方法达到博弈均衡的，与生物进化原理具有共性，所选择的均衡是达到均衡的均衡过程的函数，因而历史、制度因素以及均衡过程的某些细节均会对博弈的多重均衡的选择产生影响。</a:t>
+              <a:t>鹰鸽博弈</a:t>
             </a:r>
             <a:endParaRPr lang="zh-CN" altLang="en-US">
               <a:latin typeface="微软雅黑" panose="020B0503020204020204" pitchFamily="34" charset="-122"/>
@@ -8320,16 +8324,42 @@
           </a:p>
         </p:txBody>
       </p:sp>
-      <p:sp>
-        <p:nvSpPr>
-          <p:cNvPr id="5" name="文本框 4"/>
+      <p:pic>
+        <p:nvPicPr>
+          <p:cNvPr id="100" name="图片 99"/>
+          <p:cNvPicPr/>
+          <p:nvPr/>
+        </p:nvPicPr>
+        <p:blipFill>
+          <a:blip r:embed="rId1"/>
+          <a:stretch>
+            <a:fillRect/>
+          </a:stretch>
+        </p:blipFill>
+        <p:spPr>
+          <a:xfrm>
+            <a:off x="3619500" y="2802255"/>
+            <a:ext cx="4953000" cy="2190750"/>
+          </a:xfrm>
+          <a:prstGeom prst="rect">
+            <a:avLst/>
+          </a:prstGeom>
+          <a:noFill/>
+          <a:ln w="9525">
+            <a:noFill/>
+          </a:ln>
+        </p:spPr>
+      </p:pic>
+      <p:sp>
+        <p:nvSpPr>
+          <p:cNvPr id="4" name="文本框 3"/>
           <p:cNvSpPr txBox="1"/>
           <p:nvPr/>
         </p:nvSpPr>
         <p:spPr>
           <a:xfrm>
-            <a:off x="838200" y="3879850"/>
-            <a:ext cx="10516235" cy="368300"/>
+            <a:off x="1020445" y="5276215"/>
+            <a:ext cx="10227310" cy="368300"/>
           </a:xfrm>
           <a:prstGeom prst="rect">
             <a:avLst/>
@@ -8337,60 +8367,19 @@
           <a:noFill/>
         </p:spPr>
         <p:txBody>
-          <a:bodyPr wrap="square" rtlCol="0" anchor="t">
+          <a:bodyPr wrap="square" rtlCol="0">
             <a:spAutoFit/>
           </a:bodyPr>
           <a:p>
             <a:r>
-              <a:rPr lang="zh-CN" altLang="en-US">
-                <a:latin typeface="微软雅黑" panose="020B0503020204020204" pitchFamily="34" charset="-122"/>
-                <a:ea typeface="微软雅黑" panose="020B0503020204020204" pitchFamily="34" charset="-122"/>
-                <a:cs typeface="微软雅黑" panose="020B0503020204020204" pitchFamily="34" charset="-122"/>
-              </a:rPr>
-              <a:t>复制动态方程——演化的过程</a:t>
-            </a:r>
-            <a:endParaRPr lang="zh-CN" altLang="en-US">
-              <a:latin typeface="微软雅黑" panose="020B0503020204020204" pitchFamily="34" charset="-122"/>
-              <a:ea typeface="微软雅黑" panose="020B0503020204020204" pitchFamily="34" charset="-122"/>
-              <a:cs typeface="微软雅黑" panose="020B0503020204020204" pitchFamily="34" charset="-122"/>
-            </a:endParaRPr>
-          </a:p>
-        </p:txBody>
-      </p:sp>
-      <p:sp>
-        <p:nvSpPr>
-          <p:cNvPr id="6" name="文本框 5"/>
-          <p:cNvSpPr txBox="1"/>
-          <p:nvPr/>
-        </p:nvSpPr>
-        <p:spPr>
-          <a:xfrm>
-            <a:off x="838200" y="5013960"/>
-            <a:ext cx="10516235" cy="368300"/>
-          </a:xfrm>
-          <a:prstGeom prst="rect">
-            <a:avLst/>
-          </a:prstGeom>
-          <a:noFill/>
-        </p:spPr>
-        <p:txBody>
-          <a:bodyPr wrap="square" rtlCol="0" anchor="t">
-            <a:spAutoFit/>
-          </a:bodyPr>
-          <a:p>
-            <a:r>
-              <a:rPr lang="zh-CN" altLang="en-US">
-                <a:latin typeface="微软雅黑" panose="020B0503020204020204" pitchFamily="34" charset="-122"/>
-                <a:ea typeface="微软雅黑" panose="020B0503020204020204" pitchFamily="34" charset="-122"/>
-                <a:cs typeface="微软雅黑" panose="020B0503020204020204" pitchFamily="34" charset="-122"/>
-              </a:rPr>
-              <a:t>雅可比矩阵——计算稳定的ESS</a:t>
-            </a:r>
-            <a:endParaRPr lang="zh-CN" altLang="en-US">
-              <a:latin typeface="微软雅黑" panose="020B0503020204020204" pitchFamily="34" charset="-122"/>
-              <a:ea typeface="微软雅黑" panose="020B0503020204020204" pitchFamily="34" charset="-122"/>
-              <a:cs typeface="微软雅黑" panose="020B0503020204020204" pitchFamily="34" charset="-122"/>
-            </a:endParaRPr>
+              <a:rPr lang="zh-CN" altLang="en-US"/>
+              <a:t>鹰之间的战斗十分惨烈，所以</a:t>
+            </a:r>
+            <a:r>
+              <a:rPr lang="en-US" altLang="zh-CN"/>
+              <a:t>C&gt;V</a:t>
+            </a:r>
+            <a:endParaRPr lang="zh-CN" altLang="en-US"/>
           </a:p>
         </p:txBody>
       </p:sp>
@@ -8456,7 +8445,7 @@
         <p:spPr>
           <a:xfrm>
             <a:off x="838200" y="1787525"/>
-            <a:ext cx="10596245" cy="1568450"/>
+            <a:ext cx="10596245" cy="368300"/>
           </a:xfrm>
           <a:prstGeom prst="rect">
             <a:avLst/>
@@ -8469,29 +8458,11 @@
           </a:bodyPr>
           <a:p>
             <a:r>
-              <a:rPr lang="zh-CN" altLang="en-US" sz="2400">
-                <a:latin typeface="微软雅黑" panose="020B0503020204020204" pitchFamily="34" charset="-122"/>
-                <a:ea typeface="微软雅黑" panose="020B0503020204020204" pitchFamily="34" charset="-122"/>
-                <a:cs typeface="微软雅黑" panose="020B0503020204020204" pitchFamily="34" charset="-122"/>
-              </a:rPr>
-              <a:t>演化博弈论 (Evolutionary Game Theory)</a:t>
-            </a:r>
-            <a:endParaRPr lang="zh-CN" altLang="en-US" sz="2400">
-              <a:latin typeface="微软雅黑" panose="020B0503020204020204" pitchFamily="34" charset="-122"/>
-              <a:ea typeface="微软雅黑" panose="020B0503020204020204" pitchFamily="34" charset="-122"/>
-              <a:cs typeface="微软雅黑" panose="020B0503020204020204" pitchFamily="34" charset="-122"/>
-            </a:endParaRPr>
-          </a:p>
-          <a:p>
-            <a:endParaRPr lang="zh-CN" altLang="en-US"/>
-          </a:p>
-          <a:p>
-            <a:r>
               <a:rPr lang="zh-CN" altLang="en-US">
                 <a:latin typeface="微软雅黑" panose="020B0503020204020204" pitchFamily="34" charset="-122"/>
                 <a:ea typeface="微软雅黑" panose="020B0503020204020204" pitchFamily="34" charset="-122"/>
               </a:rPr>
-              <a:t>不再将人模型化为超级理性的博弈方，而是认为人类通常是通过试错的方法达到博弈均衡的，与生物进化原理具有共性，所选择的均衡是达到均衡的均衡过程的函数，因而历史、制度因素以及均衡过程的某些细节均会对博弈的多重均衡的选择产生影响。</a:t>
+              <a:t>假设V = 6， C = 18：</a:t>
             </a:r>
             <a:endParaRPr lang="zh-CN" altLang="en-US">
               <a:latin typeface="微软雅黑" panose="020B0503020204020204" pitchFamily="34" charset="-122"/>
@@ -8502,14 +8473,14 @@
       </p:sp>
       <p:sp>
         <p:nvSpPr>
-          <p:cNvPr id="6" name="文本框 5"/>
+          <p:cNvPr id="4" name="文本框 3"/>
           <p:cNvSpPr txBox="1"/>
           <p:nvPr/>
         </p:nvSpPr>
         <p:spPr>
           <a:xfrm>
-            <a:off x="838200" y="3978275"/>
-            <a:ext cx="10389870" cy="1198880"/>
+            <a:off x="1020445" y="5276215"/>
+            <a:ext cx="10227310" cy="368300"/>
           </a:xfrm>
           <a:prstGeom prst="rect">
             <a:avLst/>
@@ -8522,91 +8493,37 @@
           </a:bodyPr>
           <a:p>
             <a:r>
-              <a:rPr lang="en-US" altLang="zh-CN">
-                <a:latin typeface="Times New Roman" panose="02020603050405020304" pitchFamily="18" charset="0"/>
-                <a:cs typeface="Times New Roman" panose="02020603050405020304" pitchFamily="18" charset="0"/>
-              </a:rPr>
-              <a:t>1. </a:t>
-            </a:r>
-            <a:r>
-              <a:rPr lang="zh-CN" altLang="en-US">
-                <a:latin typeface="Times New Roman" panose="02020603050405020304" pitchFamily="18" charset="0"/>
-                <a:cs typeface="Times New Roman" panose="02020603050405020304" pitchFamily="18" charset="0"/>
-              </a:rPr>
-              <a:t>International Conference on Wireless Communications</a:t>
-            </a:r>
-            <a:r>
-              <a:rPr lang="en-US" altLang="zh-CN">
-                <a:latin typeface="Times New Roman" panose="02020603050405020304" pitchFamily="18" charset="0"/>
-                <a:cs typeface="Times New Roman" panose="02020603050405020304" pitchFamily="18" charset="0"/>
-              </a:rPr>
-              <a:t>-2008-P2P Incentive Model On Evolutionary Game Theory</a:t>
-            </a:r>
-            <a:endParaRPr lang="en-US" altLang="zh-CN">
-              <a:latin typeface="Times New Roman" panose="02020603050405020304" pitchFamily="18" charset="0"/>
-              <a:cs typeface="Times New Roman" panose="02020603050405020304" pitchFamily="18" charset="0"/>
-            </a:endParaRPr>
-          </a:p>
-          <a:p>
-            <a:r>
-              <a:rPr lang="en-US" altLang="zh-CN">
-                <a:latin typeface="Times New Roman" panose="02020603050405020304" pitchFamily="18" charset="0"/>
-                <a:cs typeface="Times New Roman" panose="02020603050405020304" pitchFamily="18" charset="0"/>
-              </a:rPr>
-              <a:t>2. Journal of Network and Computer Applications-2014-Incentive mechanism for P2P file sharing based on social network and game theory</a:t>
-            </a:r>
-            <a:endParaRPr lang="en-US" altLang="zh-CN">
-              <a:latin typeface="Times New Roman" panose="02020603050405020304" pitchFamily="18" charset="0"/>
-              <a:cs typeface="Times New Roman" panose="02020603050405020304" pitchFamily="18" charset="0"/>
-            </a:endParaRPr>
-          </a:p>
-        </p:txBody>
-      </p:sp>
-      <p:sp>
-        <p:nvSpPr>
-          <p:cNvPr id="4" name="文本框 3"/>
-          <p:cNvSpPr txBox="1"/>
+              <a:t>结局应该是鹰和鸽各占一定的比例。</a:t>
+            </a:r>
+          </a:p>
+        </p:txBody>
+      </p:sp>
+      <p:pic>
+        <p:nvPicPr>
+          <p:cNvPr id="101" name="图片 100"/>
+          <p:cNvPicPr/>
           <p:nvPr/>
-        </p:nvSpPr>
+        </p:nvPicPr>
+        <p:blipFill>
+          <a:blip r:embed="rId1"/>
+          <a:stretch>
+            <a:fillRect/>
+          </a:stretch>
+        </p:blipFill>
         <p:spPr>
           <a:xfrm>
-            <a:off x="838200" y="3482975"/>
-            <a:ext cx="2540000" cy="368300"/>
+            <a:off x="3606800" y="2802255"/>
+            <a:ext cx="4857750" cy="2190750"/>
           </a:xfrm>
           <a:prstGeom prst="rect">
             <a:avLst/>
           </a:prstGeom>
           <a:noFill/>
+          <a:ln w="9525">
+            <a:noFill/>
+          </a:ln>
         </p:spPr>
-        <p:txBody>
-          <a:bodyPr wrap="square" rtlCol="0" anchor="t">
-            <a:spAutoFit/>
-          </a:bodyPr>
-          <a:p>
-            <a:r>
-              <a:rPr lang="zh-CN" altLang="en-US">
-                <a:latin typeface="Times New Roman" panose="02020603050405020304" pitchFamily="18" charset="0"/>
-                <a:ea typeface="微软雅黑" panose="020B0503020204020204" pitchFamily="34" charset="-122"/>
-                <a:cs typeface="Times New Roman" panose="02020603050405020304" pitchFamily="18" charset="0"/>
-              </a:rPr>
-              <a:t>p2p</a:t>
-            </a:r>
-            <a:r>
-              <a:rPr lang="zh-CN" altLang="en-US">
-                <a:latin typeface="微软雅黑" panose="020B0503020204020204" pitchFamily="34" charset="-122"/>
-                <a:ea typeface="微软雅黑" panose="020B0503020204020204" pitchFamily="34" charset="-122"/>
-                <a:cs typeface="微软雅黑" panose="020B0503020204020204" pitchFamily="34" charset="-122"/>
-              </a:rPr>
-              <a:t>之间的进化博弈论</a:t>
-            </a:r>
-            <a:endParaRPr lang="zh-CN" altLang="en-US">
-              <a:latin typeface="微软雅黑" panose="020B0503020204020204" pitchFamily="34" charset="-122"/>
-              <a:ea typeface="微软雅黑" panose="020B0503020204020204" pitchFamily="34" charset="-122"/>
-              <a:cs typeface="微软雅黑" panose="020B0503020204020204" pitchFamily="34" charset="-122"/>
-            </a:endParaRPr>
-          </a:p>
-        </p:txBody>
-      </p:sp>
+      </p:pic>
     </p:spTree>
   </p:cSld>
   <p:clrMapOvr>
@@ -8788,7 +8705,7 @@
         <p:spPr>
           <a:xfrm>
             <a:off x="838200" y="1787525"/>
-            <a:ext cx="10596245" cy="2399665"/>
+            <a:ext cx="10596245" cy="1568450"/>
           </a:xfrm>
           <a:prstGeom prst="rect">
             <a:avLst/>
@@ -8806,7 +8723,7 @@
                 <a:ea typeface="微软雅黑" panose="020B0503020204020204" pitchFamily="34" charset="-122"/>
                 <a:cs typeface="微软雅黑" panose="020B0503020204020204" pitchFamily="34" charset="-122"/>
               </a:rPr>
-              <a:t>酒吧博弈（少数者博弈）</a:t>
+              <a:t>演化博弈论 (Evolutionary Game Theory)</a:t>
             </a:r>
             <a:endParaRPr lang="zh-CN" altLang="en-US" sz="2400">
               <a:latin typeface="微软雅黑" panose="020B0503020204020204" pitchFamily="34" charset="-122"/>
@@ -8815,12 +8732,80 @@
             </a:endParaRPr>
           </a:p>
           <a:p>
+            <a:endParaRPr lang="zh-CN" altLang="en-US"/>
+          </a:p>
+          <a:p>
+            <a:r>
+              <a:rPr lang="zh-CN" altLang="en-US">
+                <a:latin typeface="微软雅黑" panose="020B0503020204020204" pitchFamily="34" charset="-122"/>
+                <a:ea typeface="微软雅黑" panose="020B0503020204020204" pitchFamily="34" charset="-122"/>
+              </a:rPr>
+              <a:t>不再将人模型化为超级理性的博弈方，而是认为人类通常是通过试错的方法达到博弈均衡的，与生物进化原理具有共性，所选择的均衡是达到均衡的均衡过程的函数，因而历史、制度因素以及均衡过程的某些细节均会对博弈的多重均衡的选择产生影响。</a:t>
+            </a:r>
+            <a:endParaRPr lang="zh-CN" altLang="en-US">
+              <a:latin typeface="微软雅黑" panose="020B0503020204020204" pitchFamily="34" charset="-122"/>
+              <a:ea typeface="微软雅黑" panose="020B0503020204020204" pitchFamily="34" charset="-122"/>
+            </a:endParaRPr>
+          </a:p>
+        </p:txBody>
+      </p:sp>
+      <p:sp>
+        <p:nvSpPr>
+          <p:cNvPr id="5" name="文本框 4"/>
+          <p:cNvSpPr txBox="1"/>
+          <p:nvPr/>
+        </p:nvSpPr>
+        <p:spPr>
+          <a:xfrm>
+            <a:off x="838200" y="3879850"/>
+            <a:ext cx="10516235" cy="368300"/>
+          </a:xfrm>
+          <a:prstGeom prst="rect">
+            <a:avLst/>
+          </a:prstGeom>
+          <a:noFill/>
+        </p:spPr>
+        <p:txBody>
+          <a:bodyPr wrap="square" rtlCol="0" anchor="t">
+            <a:spAutoFit/>
+          </a:bodyPr>
+          <a:p>
+            <a:r>
+              <a:rPr lang="zh-CN" altLang="en-US">
+                <a:latin typeface="微软雅黑" panose="020B0503020204020204" pitchFamily="34" charset="-122"/>
+                <a:ea typeface="微软雅黑" panose="020B0503020204020204" pitchFamily="34" charset="-122"/>
+                <a:cs typeface="微软雅黑" panose="020B0503020204020204" pitchFamily="34" charset="-122"/>
+              </a:rPr>
+              <a:t>复制动态方程——演化的过程</a:t>
+            </a:r>
             <a:endParaRPr lang="zh-CN" altLang="en-US">
               <a:latin typeface="微软雅黑" panose="020B0503020204020204" pitchFamily="34" charset="-122"/>
               <a:ea typeface="微软雅黑" panose="020B0503020204020204" pitchFamily="34" charset="-122"/>
               <a:cs typeface="微软雅黑" panose="020B0503020204020204" pitchFamily="34" charset="-122"/>
             </a:endParaRPr>
           </a:p>
+        </p:txBody>
+      </p:sp>
+      <p:sp>
+        <p:nvSpPr>
+          <p:cNvPr id="6" name="文本框 5"/>
+          <p:cNvSpPr txBox="1"/>
+          <p:nvPr/>
+        </p:nvSpPr>
+        <p:spPr>
+          <a:xfrm>
+            <a:off x="838200" y="5013960"/>
+            <a:ext cx="10516235" cy="368300"/>
+          </a:xfrm>
+          <a:prstGeom prst="rect">
+            <a:avLst/>
+          </a:prstGeom>
+          <a:noFill/>
+        </p:spPr>
+        <p:txBody>
+          <a:bodyPr wrap="square" rtlCol="0" anchor="t">
+            <a:spAutoFit/>
+          </a:bodyPr>
           <a:p>
             <a:r>
               <a:rPr lang="zh-CN" altLang="en-US">
@@ -8828,29 +8813,7 @@
                 <a:ea typeface="微软雅黑" panose="020B0503020204020204" pitchFamily="34" charset="-122"/>
                 <a:cs typeface="微软雅黑" panose="020B0503020204020204" pitchFamily="34" charset="-122"/>
               </a:rPr>
-              <a:t>模型认同选择行为中的利己主义，但抛弃了原有的完全理性和演绎推理的框架，可以讨论更多的复杂行为。</a:t>
-            </a:r>
-            <a:endParaRPr lang="zh-CN" altLang="en-US">
-              <a:latin typeface="微软雅黑" panose="020B0503020204020204" pitchFamily="34" charset="-122"/>
-              <a:ea typeface="微软雅黑" panose="020B0503020204020204" pitchFamily="34" charset="-122"/>
-              <a:cs typeface="微软雅黑" panose="020B0503020204020204" pitchFamily="34" charset="-122"/>
-            </a:endParaRPr>
-          </a:p>
-          <a:p>
-            <a:endParaRPr lang="zh-CN" altLang="en-US">
-              <a:latin typeface="微软雅黑" panose="020B0503020204020204" pitchFamily="34" charset="-122"/>
-              <a:ea typeface="微软雅黑" panose="020B0503020204020204" pitchFamily="34" charset="-122"/>
-              <a:cs typeface="微软雅黑" panose="020B0503020204020204" pitchFamily="34" charset="-122"/>
-            </a:endParaRPr>
-          </a:p>
-          <a:p>
-            <a:r>
-              <a:rPr lang="zh-CN" altLang="en-US">
-                <a:latin typeface="微软雅黑" panose="020B0503020204020204" pitchFamily="34" charset="-122"/>
-                <a:ea typeface="微软雅黑" panose="020B0503020204020204" pitchFamily="34" charset="-122"/>
-                <a:cs typeface="微软雅黑" panose="020B0503020204020204" pitchFamily="34" charset="-122"/>
-              </a:rPr>
-              <a:t>酒吧博弈的关键在于，如果我们在博弈中能够知道他人的选择，那么只要做出和大多数人相反的选择就能胜出，但这是不可能的，所以这是一个混沌系统。唯一可能的就是尽可能多的知道去酒吧的人数信息，最终最可能出现的结果就是去酒吧的人数在一定幅度内像正弦曲线一样来回波动。</a:t>
+              <a:t>雅可比矩阵——计算稳定的ESS</a:t>
             </a:r>
             <a:endParaRPr lang="zh-CN" altLang="en-US">
               <a:latin typeface="微软雅黑" panose="020B0503020204020204" pitchFamily="34" charset="-122"/>
@@ -8869,6 +8832,757 @@
 </file>
 
 <file path=ppt/slides/slide21.xml><?xml version="1.0" encoding="utf-8"?>
+<p:sld xmlns:a="http://schemas.openxmlformats.org/drawingml/2006/main" xmlns:r="http://schemas.openxmlformats.org/officeDocument/2006/relationships" xmlns:p="http://schemas.openxmlformats.org/presentationml/2006/main">
+  <p:cSld>
+    <p:spTree>
+      <p:nvGrpSpPr>
+        <p:cNvPr id="1" name=""/>
+        <p:cNvGrpSpPr/>
+        <p:nvPr/>
+      </p:nvGrpSpPr>
+      <p:grpSpPr>
+        <a:xfrm>
+          <a:off x="0" y="0"/>
+          <a:ext cx="0" cy="0"/>
+          <a:chOff x="0" y="0"/>
+          <a:chExt cx="0" cy="0"/>
+        </a:xfrm>
+      </p:grpSpPr>
+      <p:sp>
+        <p:nvSpPr>
+          <p:cNvPr id="2" name="标题 1"/>
+          <p:cNvSpPr>
+            <a:spLocks noGrp="1"/>
+          </p:cNvSpPr>
+          <p:nvPr>
+            <p:ph type="title"/>
+          </p:nvPr>
+        </p:nvSpPr>
+        <p:spPr/>
+        <p:txBody>
+          <a:bodyPr/>
+          <a:lstStyle/>
+          <a:p>
+            <a:r>
+              <a:rPr lang="zh-CN" altLang="en-US">
+                <a:sym typeface="+mn-ea"/>
+              </a:rPr>
+              <a:t>详细调研</a:t>
+            </a:r>
+            <a:endParaRPr lang="en-US" altLang="zh-CN" dirty="0">
+              <a:latin typeface="微软雅黑" panose="020B0503020204020204" pitchFamily="34" charset="-122"/>
+              <a:ea typeface="微软雅黑" panose="020B0503020204020204" pitchFamily="34" charset="-122"/>
+            </a:endParaRPr>
+          </a:p>
+        </p:txBody>
+      </p:sp>
+      <p:sp>
+        <p:nvSpPr>
+          <p:cNvPr id="5" name="文本框 4"/>
+          <p:cNvSpPr txBox="1"/>
+          <p:nvPr/>
+        </p:nvSpPr>
+        <p:spPr>
+          <a:xfrm>
+            <a:off x="837565" y="1869440"/>
+            <a:ext cx="10516235" cy="368300"/>
+          </a:xfrm>
+          <a:prstGeom prst="rect">
+            <a:avLst/>
+          </a:prstGeom>
+          <a:noFill/>
+        </p:spPr>
+        <p:txBody>
+          <a:bodyPr wrap="square" rtlCol="0" anchor="t">
+            <a:spAutoFit/>
+          </a:bodyPr>
+          <a:p>
+            <a:r>
+              <a:rPr lang="zh-CN" altLang="en-US">
+                <a:latin typeface="微软雅黑" panose="020B0503020204020204" pitchFamily="34" charset="-122"/>
+                <a:ea typeface="微软雅黑" panose="020B0503020204020204" pitchFamily="34" charset="-122"/>
+                <a:cs typeface="微软雅黑" panose="020B0503020204020204" pitchFamily="34" charset="-122"/>
+              </a:rPr>
+              <a:t>复制动态方程——演化的过程</a:t>
+            </a:r>
+            <a:endParaRPr lang="zh-CN" altLang="en-US">
+              <a:latin typeface="微软雅黑" panose="020B0503020204020204" pitchFamily="34" charset="-122"/>
+              <a:ea typeface="微软雅黑" panose="020B0503020204020204" pitchFamily="34" charset="-122"/>
+              <a:cs typeface="微软雅黑" panose="020B0503020204020204" pitchFamily="34" charset="-122"/>
+            </a:endParaRPr>
+          </a:p>
+        </p:txBody>
+      </p:sp>
+      <p:sp>
+        <p:nvSpPr>
+          <p:cNvPr id="4" name="矩形 3"/>
+          <p:cNvSpPr/>
+          <p:nvPr/>
+        </p:nvSpPr>
+        <p:spPr>
+          <a:xfrm>
+            <a:off x="8292465" y="2552700"/>
+            <a:ext cx="1395095" cy="914400"/>
+          </a:xfrm>
+          <a:prstGeom prst="rect">
+            <a:avLst/>
+          </a:prstGeom>
+        </p:spPr>
+        <p:style>
+          <a:lnRef idx="2">
+            <a:schemeClr val="accent6"/>
+          </a:lnRef>
+          <a:fillRef idx="1">
+            <a:schemeClr val="lt1"/>
+          </a:fillRef>
+          <a:effectRef idx="0">
+            <a:schemeClr val="accent6"/>
+          </a:effectRef>
+          <a:fontRef idx="minor">
+            <a:schemeClr val="dk1"/>
+          </a:fontRef>
+        </p:style>
+        <p:txBody>
+          <a:bodyPr rtlCol="0" anchor="ctr"/>
+          <a:p>
+            <a:pPr algn="ctr"/>
+            <a:r>
+              <a:rPr lang="zh-CN" altLang="en-US"/>
+              <a:t>策略</a:t>
+            </a:r>
+            <a:endParaRPr lang="zh-CN" altLang="en-US"/>
+          </a:p>
+        </p:txBody>
+      </p:sp>
+      <p:sp>
+        <p:nvSpPr>
+          <p:cNvPr id="7" name="矩形 6"/>
+          <p:cNvSpPr/>
+          <p:nvPr/>
+        </p:nvSpPr>
+        <p:spPr>
+          <a:xfrm>
+            <a:off x="7029450" y="4712970"/>
+            <a:ext cx="1395095" cy="914400"/>
+          </a:xfrm>
+          <a:prstGeom prst="rect">
+            <a:avLst/>
+          </a:prstGeom>
+        </p:spPr>
+        <p:style>
+          <a:lnRef idx="2">
+            <a:schemeClr val="accent6"/>
+          </a:lnRef>
+          <a:fillRef idx="1">
+            <a:schemeClr val="lt1"/>
+          </a:fillRef>
+          <a:effectRef idx="0">
+            <a:schemeClr val="accent6"/>
+          </a:effectRef>
+          <a:fontRef idx="minor">
+            <a:schemeClr val="dk1"/>
+          </a:fontRef>
+        </p:style>
+        <p:txBody>
+          <a:bodyPr rtlCol="0" anchor="ctr"/>
+          <a:p>
+            <a:pPr algn="ctr"/>
+            <a:r>
+              <a:rPr lang="zh-CN" altLang="en-US"/>
+              <a:t>上次收益最高的策略</a:t>
+            </a:r>
+            <a:endParaRPr lang="zh-CN" altLang="en-US"/>
+          </a:p>
+        </p:txBody>
+      </p:sp>
+      <p:sp>
+        <p:nvSpPr>
+          <p:cNvPr id="8" name="矩形 7"/>
+          <p:cNvSpPr/>
+          <p:nvPr/>
+        </p:nvSpPr>
+        <p:spPr>
+          <a:xfrm>
+            <a:off x="9615170" y="4712970"/>
+            <a:ext cx="1395095" cy="914400"/>
+          </a:xfrm>
+          <a:prstGeom prst="rect">
+            <a:avLst/>
+          </a:prstGeom>
+        </p:spPr>
+        <p:style>
+          <a:lnRef idx="2">
+            <a:schemeClr val="accent6"/>
+          </a:lnRef>
+          <a:fillRef idx="1">
+            <a:schemeClr val="lt1"/>
+          </a:fillRef>
+          <a:effectRef idx="0">
+            <a:schemeClr val="accent6"/>
+          </a:effectRef>
+          <a:fontRef idx="minor">
+            <a:schemeClr val="dk1"/>
+          </a:fontRef>
+        </p:style>
+        <p:txBody>
+          <a:bodyPr rtlCol="0" anchor="ctr"/>
+          <a:p>
+            <a:pPr algn="ctr"/>
+            <a:r>
+              <a:rPr lang="zh-CN" altLang="en-US"/>
+              <a:t>原策略</a:t>
+            </a:r>
+            <a:endParaRPr lang="zh-CN" altLang="en-US"/>
+          </a:p>
+        </p:txBody>
+      </p:sp>
+      <p:cxnSp>
+        <p:nvCxnSpPr>
+          <p:cNvPr id="9" name="直接箭头连接符 8"/>
+          <p:cNvCxnSpPr>
+            <a:stCxn id="4" idx="2"/>
+            <a:endCxn id="7" idx="0"/>
+          </p:cNvCxnSpPr>
+          <p:nvPr/>
+        </p:nvCxnSpPr>
+        <p:spPr>
+          <a:xfrm flipH="1">
+            <a:off x="7727315" y="3467100"/>
+            <a:ext cx="1263015" cy="1245870"/>
+          </a:xfrm>
+          <a:prstGeom prst="straightConnector1">
+            <a:avLst/>
+          </a:prstGeom>
+          <a:ln>
+            <a:tailEnd type="arrow" w="med" len="med"/>
+          </a:ln>
+        </p:spPr>
+        <p:style>
+          <a:lnRef idx="1">
+            <a:schemeClr val="dk1"/>
+          </a:lnRef>
+          <a:fillRef idx="0">
+            <a:schemeClr val="dk1"/>
+          </a:fillRef>
+          <a:effectRef idx="0">
+            <a:schemeClr val="dk1"/>
+          </a:effectRef>
+          <a:fontRef idx="minor">
+            <a:schemeClr val="tx1"/>
+          </a:fontRef>
+        </p:style>
+      </p:cxnSp>
+      <p:cxnSp>
+        <p:nvCxnSpPr>
+          <p:cNvPr id="10" name="直接箭头连接符 9"/>
+          <p:cNvCxnSpPr>
+            <a:stCxn id="4" idx="2"/>
+            <a:endCxn id="8" idx="0"/>
+          </p:cNvCxnSpPr>
+          <p:nvPr/>
+        </p:nvCxnSpPr>
+        <p:spPr>
+          <a:xfrm>
+            <a:off x="8990330" y="3467100"/>
+            <a:ext cx="1322705" cy="1245870"/>
+          </a:xfrm>
+          <a:prstGeom prst="straightConnector1">
+            <a:avLst/>
+          </a:prstGeom>
+          <a:ln>
+            <a:tailEnd type="arrow" w="med" len="med"/>
+          </a:ln>
+        </p:spPr>
+        <p:style>
+          <a:lnRef idx="1">
+            <a:schemeClr val="dk1"/>
+          </a:lnRef>
+          <a:fillRef idx="0">
+            <a:schemeClr val="dk1"/>
+          </a:fillRef>
+          <a:effectRef idx="0">
+            <a:schemeClr val="dk1"/>
+          </a:effectRef>
+          <a:fontRef idx="minor">
+            <a:schemeClr val="tx1"/>
+          </a:fontRef>
+        </p:style>
+      </p:cxnSp>
+      <p:sp>
+        <p:nvSpPr>
+          <p:cNvPr id="11" name="文本框 10"/>
+          <p:cNvSpPr txBox="1"/>
+          <p:nvPr/>
+        </p:nvSpPr>
+        <p:spPr>
+          <a:xfrm>
+            <a:off x="8484235" y="3905885"/>
+            <a:ext cx="1130935" cy="368300"/>
+          </a:xfrm>
+          <a:prstGeom prst="rect">
+            <a:avLst/>
+          </a:prstGeom>
+          <a:noFill/>
+        </p:spPr>
+        <p:txBody>
+          <a:bodyPr wrap="square" rtlCol="0">
+            <a:spAutoFit/>
+          </a:bodyPr>
+          <a:p>
+            <a:r>
+              <a:rPr lang="zh-CN" altLang="en-US"/>
+              <a:t>下次策略</a:t>
+            </a:r>
+            <a:endParaRPr lang="zh-CN" altLang="en-US"/>
+          </a:p>
+        </p:txBody>
+      </p:sp>
+    </p:spTree>
+  </p:cSld>
+  <p:clrMapOvr>
+    <a:masterClrMapping/>
+  </p:clrMapOvr>
+</p:sld>
+</file>
+
+<file path=ppt/slides/slide22.xml><?xml version="1.0" encoding="utf-8"?>
+<p:sld xmlns:a="http://schemas.openxmlformats.org/drawingml/2006/main" xmlns:r="http://schemas.openxmlformats.org/officeDocument/2006/relationships" xmlns:p="http://schemas.openxmlformats.org/presentationml/2006/main">
+  <p:cSld>
+    <p:spTree>
+      <p:nvGrpSpPr>
+        <p:cNvPr id="1" name=""/>
+        <p:cNvGrpSpPr/>
+        <p:nvPr/>
+      </p:nvGrpSpPr>
+      <p:grpSpPr>
+        <a:xfrm>
+          <a:off x="0" y="0"/>
+          <a:ext cx="0" cy="0"/>
+          <a:chOff x="0" y="0"/>
+          <a:chExt cx="0" cy="0"/>
+        </a:xfrm>
+      </p:grpSpPr>
+      <p:sp>
+        <p:nvSpPr>
+          <p:cNvPr id="2" name="标题 1"/>
+          <p:cNvSpPr>
+            <a:spLocks noGrp="1"/>
+          </p:cNvSpPr>
+          <p:nvPr>
+            <p:ph type="title"/>
+          </p:nvPr>
+        </p:nvSpPr>
+        <p:spPr/>
+        <p:txBody>
+          <a:bodyPr/>
+          <a:lstStyle/>
+          <a:p>
+            <a:r>
+              <a:rPr lang="zh-CN" altLang="en-US">
+                <a:sym typeface="+mn-ea"/>
+              </a:rPr>
+              <a:t>详细调研</a:t>
+            </a:r>
+            <a:endParaRPr lang="en-US" altLang="zh-CN" dirty="0">
+              <a:latin typeface="微软雅黑" panose="020B0503020204020204" pitchFamily="34" charset="-122"/>
+              <a:ea typeface="微软雅黑" panose="020B0503020204020204" pitchFamily="34" charset="-122"/>
+            </a:endParaRPr>
+          </a:p>
+        </p:txBody>
+      </p:sp>
+      <p:sp>
+        <p:nvSpPr>
+          <p:cNvPr id="6" name="文本框 5"/>
+          <p:cNvSpPr txBox="1"/>
+          <p:nvPr/>
+        </p:nvSpPr>
+        <p:spPr>
+          <a:xfrm>
+            <a:off x="837565" y="1790700"/>
+            <a:ext cx="10516235" cy="368300"/>
+          </a:xfrm>
+          <a:prstGeom prst="rect">
+            <a:avLst/>
+          </a:prstGeom>
+          <a:noFill/>
+        </p:spPr>
+        <p:txBody>
+          <a:bodyPr wrap="square" rtlCol="0" anchor="t">
+            <a:spAutoFit/>
+          </a:bodyPr>
+          <a:p>
+            <a:r>
+              <a:rPr lang="zh-CN" altLang="en-US">
+                <a:latin typeface="微软雅黑" panose="020B0503020204020204" pitchFamily="34" charset="-122"/>
+                <a:ea typeface="微软雅黑" panose="020B0503020204020204" pitchFamily="34" charset="-122"/>
+                <a:cs typeface="微软雅黑" panose="020B0503020204020204" pitchFamily="34" charset="-122"/>
+              </a:rPr>
+              <a:t>雅可比矩阵——计算稳定的ESS</a:t>
+            </a:r>
+            <a:endParaRPr lang="zh-CN" altLang="en-US">
+              <a:latin typeface="微软雅黑" panose="020B0503020204020204" pitchFamily="34" charset="-122"/>
+              <a:ea typeface="微软雅黑" panose="020B0503020204020204" pitchFamily="34" charset="-122"/>
+              <a:cs typeface="微软雅黑" panose="020B0503020204020204" pitchFamily="34" charset="-122"/>
+            </a:endParaRPr>
+          </a:p>
+        </p:txBody>
+      </p:sp>
+    </p:spTree>
+  </p:cSld>
+  <p:clrMapOvr>
+    <a:masterClrMapping/>
+  </p:clrMapOvr>
+</p:sld>
+</file>
+
+<file path=ppt/slides/slide23.xml><?xml version="1.0" encoding="utf-8"?>
+<p:sld xmlns:a="http://schemas.openxmlformats.org/drawingml/2006/main" xmlns:r="http://schemas.openxmlformats.org/officeDocument/2006/relationships" xmlns:p="http://schemas.openxmlformats.org/presentationml/2006/main">
+  <p:cSld>
+    <p:spTree>
+      <p:nvGrpSpPr>
+        <p:cNvPr id="1" name=""/>
+        <p:cNvGrpSpPr/>
+        <p:nvPr/>
+      </p:nvGrpSpPr>
+      <p:grpSpPr>
+        <a:xfrm>
+          <a:off x="0" y="0"/>
+          <a:ext cx="0" cy="0"/>
+          <a:chOff x="0" y="0"/>
+          <a:chExt cx="0" cy="0"/>
+        </a:xfrm>
+      </p:grpSpPr>
+      <p:sp>
+        <p:nvSpPr>
+          <p:cNvPr id="2" name="标题 1"/>
+          <p:cNvSpPr>
+            <a:spLocks noGrp="1"/>
+          </p:cNvSpPr>
+          <p:nvPr>
+            <p:ph type="title"/>
+          </p:nvPr>
+        </p:nvSpPr>
+        <p:spPr/>
+        <p:txBody>
+          <a:bodyPr/>
+          <a:lstStyle/>
+          <a:p>
+            <a:r>
+              <a:rPr lang="zh-CN" altLang="en-US">
+                <a:sym typeface="+mn-ea"/>
+              </a:rPr>
+              <a:t>详细调研</a:t>
+            </a:r>
+            <a:endParaRPr lang="en-US" altLang="zh-CN" dirty="0">
+              <a:latin typeface="微软雅黑" panose="020B0503020204020204" pitchFamily="34" charset="-122"/>
+              <a:ea typeface="微软雅黑" panose="020B0503020204020204" pitchFamily="34" charset="-122"/>
+            </a:endParaRPr>
+          </a:p>
+        </p:txBody>
+      </p:sp>
+      <p:sp>
+        <p:nvSpPr>
+          <p:cNvPr id="3" name="文本框 2"/>
+          <p:cNvSpPr txBox="1"/>
+          <p:nvPr/>
+        </p:nvSpPr>
+        <p:spPr>
+          <a:xfrm>
+            <a:off x="838200" y="1787525"/>
+            <a:ext cx="10596245" cy="1568450"/>
+          </a:xfrm>
+          <a:prstGeom prst="rect">
+            <a:avLst/>
+          </a:prstGeom>
+          <a:noFill/>
+        </p:spPr>
+        <p:txBody>
+          <a:bodyPr wrap="square" rtlCol="0">
+            <a:spAutoFit/>
+          </a:bodyPr>
+          <a:p>
+            <a:r>
+              <a:rPr lang="zh-CN" altLang="en-US" sz="2400">
+                <a:latin typeface="微软雅黑" panose="020B0503020204020204" pitchFamily="34" charset="-122"/>
+                <a:ea typeface="微软雅黑" panose="020B0503020204020204" pitchFamily="34" charset="-122"/>
+                <a:cs typeface="微软雅黑" panose="020B0503020204020204" pitchFamily="34" charset="-122"/>
+              </a:rPr>
+              <a:t>演化博弈论 (Evolutionary Game Theory)</a:t>
+            </a:r>
+            <a:endParaRPr lang="zh-CN" altLang="en-US" sz="2400">
+              <a:latin typeface="微软雅黑" panose="020B0503020204020204" pitchFamily="34" charset="-122"/>
+              <a:ea typeface="微软雅黑" panose="020B0503020204020204" pitchFamily="34" charset="-122"/>
+              <a:cs typeface="微软雅黑" panose="020B0503020204020204" pitchFamily="34" charset="-122"/>
+            </a:endParaRPr>
+          </a:p>
+          <a:p>
+            <a:endParaRPr lang="zh-CN" altLang="en-US"/>
+          </a:p>
+          <a:p>
+            <a:r>
+              <a:rPr lang="zh-CN" altLang="en-US">
+                <a:latin typeface="微软雅黑" panose="020B0503020204020204" pitchFamily="34" charset="-122"/>
+                <a:ea typeface="微软雅黑" panose="020B0503020204020204" pitchFamily="34" charset="-122"/>
+              </a:rPr>
+              <a:t>不再将人模型化为超级理性的博弈方，而是认为人类通常是通过试错的方法达到博弈均衡的，与生物进化原理具有共性，所选择的均衡是达到均衡的均衡过程的函数，因而历史、制度因素以及均衡过程的某些细节均会对博弈的多重均衡的选择产生影响。</a:t>
+            </a:r>
+            <a:endParaRPr lang="zh-CN" altLang="en-US">
+              <a:latin typeface="微软雅黑" panose="020B0503020204020204" pitchFamily="34" charset="-122"/>
+              <a:ea typeface="微软雅黑" panose="020B0503020204020204" pitchFamily="34" charset="-122"/>
+            </a:endParaRPr>
+          </a:p>
+        </p:txBody>
+      </p:sp>
+      <p:sp>
+        <p:nvSpPr>
+          <p:cNvPr id="6" name="文本框 5"/>
+          <p:cNvSpPr txBox="1"/>
+          <p:nvPr/>
+        </p:nvSpPr>
+        <p:spPr>
+          <a:xfrm>
+            <a:off x="838200" y="3978275"/>
+            <a:ext cx="10389870" cy="1198880"/>
+          </a:xfrm>
+          <a:prstGeom prst="rect">
+            <a:avLst/>
+          </a:prstGeom>
+          <a:noFill/>
+        </p:spPr>
+        <p:txBody>
+          <a:bodyPr wrap="square" rtlCol="0">
+            <a:spAutoFit/>
+          </a:bodyPr>
+          <a:p>
+            <a:r>
+              <a:rPr lang="en-US" altLang="zh-CN">
+                <a:latin typeface="Times New Roman" panose="02020603050405020304" pitchFamily="18" charset="0"/>
+                <a:cs typeface="Times New Roman" panose="02020603050405020304" pitchFamily="18" charset="0"/>
+              </a:rPr>
+              <a:t>1. </a:t>
+            </a:r>
+            <a:r>
+              <a:rPr lang="zh-CN" altLang="en-US">
+                <a:latin typeface="Times New Roman" panose="02020603050405020304" pitchFamily="18" charset="0"/>
+                <a:cs typeface="Times New Roman" panose="02020603050405020304" pitchFamily="18" charset="0"/>
+              </a:rPr>
+              <a:t>International Conference on Wireless Communications</a:t>
+            </a:r>
+            <a:r>
+              <a:rPr lang="en-US" altLang="zh-CN">
+                <a:latin typeface="Times New Roman" panose="02020603050405020304" pitchFamily="18" charset="0"/>
+                <a:cs typeface="Times New Roman" panose="02020603050405020304" pitchFamily="18" charset="0"/>
+              </a:rPr>
+              <a:t>-2008-P2P Incentive Model On Evolutionary Game Theory</a:t>
+            </a:r>
+            <a:endParaRPr lang="en-US" altLang="zh-CN">
+              <a:latin typeface="Times New Roman" panose="02020603050405020304" pitchFamily="18" charset="0"/>
+              <a:cs typeface="Times New Roman" panose="02020603050405020304" pitchFamily="18" charset="0"/>
+            </a:endParaRPr>
+          </a:p>
+          <a:p>
+            <a:r>
+              <a:rPr lang="en-US" altLang="zh-CN">
+                <a:latin typeface="Times New Roman" panose="02020603050405020304" pitchFamily="18" charset="0"/>
+                <a:cs typeface="Times New Roman" panose="02020603050405020304" pitchFamily="18" charset="0"/>
+              </a:rPr>
+              <a:t>2. Journal of Network and Computer Applications-2014-Incentive mechanism for P2P file sharing based on social network and game theory</a:t>
+            </a:r>
+            <a:endParaRPr lang="en-US" altLang="zh-CN">
+              <a:latin typeface="Times New Roman" panose="02020603050405020304" pitchFamily="18" charset="0"/>
+              <a:cs typeface="Times New Roman" panose="02020603050405020304" pitchFamily="18" charset="0"/>
+            </a:endParaRPr>
+          </a:p>
+        </p:txBody>
+      </p:sp>
+      <p:sp>
+        <p:nvSpPr>
+          <p:cNvPr id="4" name="文本框 3"/>
+          <p:cNvSpPr txBox="1"/>
+          <p:nvPr/>
+        </p:nvSpPr>
+        <p:spPr>
+          <a:xfrm>
+            <a:off x="838200" y="3482975"/>
+            <a:ext cx="2540000" cy="368300"/>
+          </a:xfrm>
+          <a:prstGeom prst="rect">
+            <a:avLst/>
+          </a:prstGeom>
+          <a:noFill/>
+        </p:spPr>
+        <p:txBody>
+          <a:bodyPr wrap="square" rtlCol="0" anchor="t">
+            <a:spAutoFit/>
+          </a:bodyPr>
+          <a:p>
+            <a:r>
+              <a:rPr lang="zh-CN" altLang="en-US">
+                <a:latin typeface="Times New Roman" panose="02020603050405020304" pitchFamily="18" charset="0"/>
+                <a:ea typeface="微软雅黑" panose="020B0503020204020204" pitchFamily="34" charset="-122"/>
+                <a:cs typeface="Times New Roman" panose="02020603050405020304" pitchFamily="18" charset="0"/>
+              </a:rPr>
+              <a:t>p2p</a:t>
+            </a:r>
+            <a:r>
+              <a:rPr lang="zh-CN" altLang="en-US">
+                <a:latin typeface="微软雅黑" panose="020B0503020204020204" pitchFamily="34" charset="-122"/>
+                <a:ea typeface="微软雅黑" panose="020B0503020204020204" pitchFamily="34" charset="-122"/>
+                <a:cs typeface="微软雅黑" panose="020B0503020204020204" pitchFamily="34" charset="-122"/>
+              </a:rPr>
+              <a:t>之间的进化博弈论</a:t>
+            </a:r>
+            <a:endParaRPr lang="zh-CN" altLang="en-US">
+              <a:latin typeface="微软雅黑" panose="020B0503020204020204" pitchFamily="34" charset="-122"/>
+              <a:ea typeface="微软雅黑" panose="020B0503020204020204" pitchFamily="34" charset="-122"/>
+              <a:cs typeface="微软雅黑" panose="020B0503020204020204" pitchFamily="34" charset="-122"/>
+            </a:endParaRPr>
+          </a:p>
+        </p:txBody>
+      </p:sp>
+    </p:spTree>
+  </p:cSld>
+  <p:clrMapOvr>
+    <a:masterClrMapping/>
+  </p:clrMapOvr>
+</p:sld>
+</file>
+
+<file path=ppt/slides/slide24.xml><?xml version="1.0" encoding="utf-8"?>
+<p:sld xmlns:a="http://schemas.openxmlformats.org/drawingml/2006/main" xmlns:r="http://schemas.openxmlformats.org/officeDocument/2006/relationships" xmlns:p="http://schemas.openxmlformats.org/presentationml/2006/main">
+  <p:cSld>
+    <p:spTree>
+      <p:nvGrpSpPr>
+        <p:cNvPr id="1" name=""/>
+        <p:cNvGrpSpPr/>
+        <p:nvPr/>
+      </p:nvGrpSpPr>
+      <p:grpSpPr>
+        <a:xfrm>
+          <a:off x="0" y="0"/>
+          <a:ext cx="0" cy="0"/>
+          <a:chOff x="0" y="0"/>
+          <a:chExt cx="0" cy="0"/>
+        </a:xfrm>
+      </p:grpSpPr>
+      <p:sp>
+        <p:nvSpPr>
+          <p:cNvPr id="2" name="标题 1"/>
+          <p:cNvSpPr>
+            <a:spLocks noGrp="1"/>
+          </p:cNvSpPr>
+          <p:nvPr>
+            <p:ph type="title"/>
+          </p:nvPr>
+        </p:nvSpPr>
+        <p:spPr/>
+        <p:txBody>
+          <a:bodyPr/>
+          <a:lstStyle/>
+          <a:p>
+            <a:r>
+              <a:rPr lang="zh-CN" altLang="en-US">
+                <a:sym typeface="+mn-ea"/>
+              </a:rPr>
+              <a:t>详细调研</a:t>
+            </a:r>
+            <a:endParaRPr lang="en-US" altLang="zh-CN" dirty="0">
+              <a:latin typeface="微软雅黑" panose="020B0503020204020204" pitchFamily="34" charset="-122"/>
+              <a:ea typeface="微软雅黑" panose="020B0503020204020204" pitchFamily="34" charset="-122"/>
+            </a:endParaRPr>
+          </a:p>
+        </p:txBody>
+      </p:sp>
+      <p:sp>
+        <p:nvSpPr>
+          <p:cNvPr id="3" name="文本框 2"/>
+          <p:cNvSpPr txBox="1"/>
+          <p:nvPr/>
+        </p:nvSpPr>
+        <p:spPr>
+          <a:xfrm>
+            <a:off x="838200" y="1787525"/>
+            <a:ext cx="10596245" cy="2399665"/>
+          </a:xfrm>
+          <a:prstGeom prst="rect">
+            <a:avLst/>
+          </a:prstGeom>
+          <a:noFill/>
+        </p:spPr>
+        <p:txBody>
+          <a:bodyPr wrap="square" rtlCol="0">
+            <a:spAutoFit/>
+          </a:bodyPr>
+          <a:p>
+            <a:r>
+              <a:rPr lang="zh-CN" altLang="en-US" sz="2400">
+                <a:latin typeface="微软雅黑" panose="020B0503020204020204" pitchFamily="34" charset="-122"/>
+                <a:ea typeface="微软雅黑" panose="020B0503020204020204" pitchFamily="34" charset="-122"/>
+                <a:cs typeface="微软雅黑" panose="020B0503020204020204" pitchFamily="34" charset="-122"/>
+              </a:rPr>
+              <a:t>酒吧博弈（少数者博弈）</a:t>
+            </a:r>
+            <a:endParaRPr lang="zh-CN" altLang="en-US" sz="2400">
+              <a:latin typeface="微软雅黑" panose="020B0503020204020204" pitchFamily="34" charset="-122"/>
+              <a:ea typeface="微软雅黑" panose="020B0503020204020204" pitchFamily="34" charset="-122"/>
+              <a:cs typeface="微软雅黑" panose="020B0503020204020204" pitchFamily="34" charset="-122"/>
+            </a:endParaRPr>
+          </a:p>
+          <a:p>
+            <a:endParaRPr lang="zh-CN" altLang="en-US">
+              <a:latin typeface="微软雅黑" panose="020B0503020204020204" pitchFamily="34" charset="-122"/>
+              <a:ea typeface="微软雅黑" panose="020B0503020204020204" pitchFamily="34" charset="-122"/>
+              <a:cs typeface="微软雅黑" panose="020B0503020204020204" pitchFamily="34" charset="-122"/>
+            </a:endParaRPr>
+          </a:p>
+          <a:p>
+            <a:r>
+              <a:rPr lang="zh-CN" altLang="en-US">
+                <a:latin typeface="微软雅黑" panose="020B0503020204020204" pitchFamily="34" charset="-122"/>
+                <a:ea typeface="微软雅黑" panose="020B0503020204020204" pitchFamily="34" charset="-122"/>
+                <a:cs typeface="微软雅黑" panose="020B0503020204020204" pitchFamily="34" charset="-122"/>
+              </a:rPr>
+              <a:t>模型认同选择行为中的利己主义，但抛弃了原有的完全理性和演绎推理的框架，可以讨论更多的复杂行为。</a:t>
+            </a:r>
+            <a:endParaRPr lang="zh-CN" altLang="en-US">
+              <a:latin typeface="微软雅黑" panose="020B0503020204020204" pitchFamily="34" charset="-122"/>
+              <a:ea typeface="微软雅黑" panose="020B0503020204020204" pitchFamily="34" charset="-122"/>
+              <a:cs typeface="微软雅黑" panose="020B0503020204020204" pitchFamily="34" charset="-122"/>
+            </a:endParaRPr>
+          </a:p>
+          <a:p>
+            <a:endParaRPr lang="zh-CN" altLang="en-US">
+              <a:latin typeface="微软雅黑" panose="020B0503020204020204" pitchFamily="34" charset="-122"/>
+              <a:ea typeface="微软雅黑" panose="020B0503020204020204" pitchFamily="34" charset="-122"/>
+              <a:cs typeface="微软雅黑" panose="020B0503020204020204" pitchFamily="34" charset="-122"/>
+            </a:endParaRPr>
+          </a:p>
+          <a:p>
+            <a:r>
+              <a:rPr lang="zh-CN" altLang="en-US">
+                <a:latin typeface="微软雅黑" panose="020B0503020204020204" pitchFamily="34" charset="-122"/>
+                <a:ea typeface="微软雅黑" panose="020B0503020204020204" pitchFamily="34" charset="-122"/>
+                <a:cs typeface="微软雅黑" panose="020B0503020204020204" pitchFamily="34" charset="-122"/>
+              </a:rPr>
+              <a:t>酒吧博弈的关键在于，如果我们在博弈中能够知道他人的选择，那么只要做出和大多数人相反的选择就能胜出，但这是不可能的，所以这是一个混沌系统。唯一可能的就是尽可能多的知道去酒吧的人数信息，最终最可能出现的结果就是去酒吧的人数在一定幅度内像正弦曲线一样来回波动。</a:t>
+            </a:r>
+            <a:endParaRPr lang="zh-CN" altLang="en-US">
+              <a:latin typeface="微软雅黑" panose="020B0503020204020204" pitchFamily="34" charset="-122"/>
+              <a:ea typeface="微软雅黑" panose="020B0503020204020204" pitchFamily="34" charset="-122"/>
+              <a:cs typeface="微软雅黑" panose="020B0503020204020204" pitchFamily="34" charset="-122"/>
+            </a:endParaRPr>
+          </a:p>
+        </p:txBody>
+      </p:sp>
+    </p:spTree>
+  </p:cSld>
+  <p:clrMapOvr>
+    <a:masterClrMapping/>
+  </p:clrMapOvr>
+</p:sld>
+</file>
+
+<file path=ppt/slides/slide25.xml><?xml version="1.0" encoding="utf-8"?>
 <p:sld xmlns:a="http://schemas.openxmlformats.org/drawingml/2006/main" xmlns:r="http://schemas.openxmlformats.org/officeDocument/2006/relationships" xmlns:p="http://schemas.openxmlformats.org/presentationml/2006/main">
   <p:cSld>
     <p:spTree>
@@ -9276,7 +9990,7 @@
 </p:sld>
 </file>
 
-<file path=ppt/slides/slide22.xml><?xml version="1.0" encoding="utf-8"?>
+<file path=ppt/slides/slide26.xml><?xml version="1.0" encoding="utf-8"?>
 <p:sld xmlns:a="http://schemas.openxmlformats.org/drawingml/2006/main" xmlns:r="http://schemas.openxmlformats.org/officeDocument/2006/relationships" xmlns:p="http://schemas.openxmlformats.org/presentationml/2006/main">
   <p:cSld>
     <p:spTree>

--- a/报告/2021年9月4日/杨攀原.pptx
+++ b/报告/2021年9月4日/杨攀原.pptx
@@ -3,35 +3,35 @@
 <p:presentation xmlns:a="http://schemas.openxmlformats.org/drawingml/2006/main" xmlns:r="http://schemas.openxmlformats.org/officeDocument/2006/relationships" xmlns:p="http://schemas.openxmlformats.org/presentationml/2006/main">
   <p:sldMasterIdLst>
     <p:sldMasterId id="2147483648" r:id="rId1"/>
-    <p:sldMasterId id="2147483660" r:id="rId3"/>
+    <p:sldMasterId id="2147483660" r:id="rId2"/>
   </p:sldMasterIdLst>
   <p:sldIdLst>
-    <p:sldId id="256" r:id="rId4"/>
-    <p:sldId id="273" r:id="rId5"/>
-    <p:sldId id="300" r:id="rId6"/>
-    <p:sldId id="289" r:id="rId7"/>
-    <p:sldId id="331" r:id="rId8"/>
-    <p:sldId id="309" r:id="rId9"/>
-    <p:sldId id="314" r:id="rId10"/>
-    <p:sldId id="313" r:id="rId11"/>
-    <p:sldId id="310" r:id="rId12"/>
-    <p:sldId id="332" r:id="rId13"/>
-    <p:sldId id="264" r:id="rId14"/>
-    <p:sldId id="301" r:id="rId15"/>
-    <p:sldId id="303" r:id="rId16"/>
-    <p:sldId id="302" r:id="rId17"/>
-    <p:sldId id="304" r:id="rId18"/>
-    <p:sldId id="311" r:id="rId19"/>
-    <p:sldId id="318" r:id="rId20"/>
-    <p:sldId id="308" r:id="rId21"/>
-    <p:sldId id="354" r:id="rId22"/>
-    <p:sldId id="353" r:id="rId23"/>
-    <p:sldId id="355" r:id="rId24"/>
-    <p:sldId id="356" r:id="rId25"/>
-    <p:sldId id="349" r:id="rId26"/>
-    <p:sldId id="350" r:id="rId27"/>
-    <p:sldId id="284" r:id="rId28"/>
-    <p:sldId id="299" r:id="rId29"/>
+    <p:sldId id="256" r:id="rId3"/>
+    <p:sldId id="273" r:id="rId4"/>
+    <p:sldId id="300" r:id="rId5"/>
+    <p:sldId id="289" r:id="rId6"/>
+    <p:sldId id="331" r:id="rId7"/>
+    <p:sldId id="309" r:id="rId8"/>
+    <p:sldId id="314" r:id="rId9"/>
+    <p:sldId id="313" r:id="rId10"/>
+    <p:sldId id="310" r:id="rId11"/>
+    <p:sldId id="332" r:id="rId12"/>
+    <p:sldId id="264" r:id="rId13"/>
+    <p:sldId id="301" r:id="rId14"/>
+    <p:sldId id="303" r:id="rId15"/>
+    <p:sldId id="302" r:id="rId16"/>
+    <p:sldId id="304" r:id="rId17"/>
+    <p:sldId id="311" r:id="rId18"/>
+    <p:sldId id="318" r:id="rId19"/>
+    <p:sldId id="308" r:id="rId20"/>
+    <p:sldId id="354" r:id="rId21"/>
+    <p:sldId id="353" r:id="rId22"/>
+    <p:sldId id="355" r:id="rId23"/>
+    <p:sldId id="356" r:id="rId24"/>
+    <p:sldId id="349" r:id="rId25"/>
+    <p:sldId id="350" r:id="rId26"/>
+    <p:sldId id="284" r:id="rId27"/>
+    <p:sldId id="299" r:id="rId28"/>
   </p:sldIdLst>
   <p:sldSz cx="12192000" cy="6858000"/>
   <p:notesSz cx="6858000" cy="9144000"/>
@@ -130,6 +130,11 @@
       </a:defRPr>
     </a:lvl9pPr>
   </p:defaultTextStyle>
+  <p:extLst>
+    <p:ext uri="{EFAFB233-063F-42B5-8137-9DF3F51BA10A}">
+      <p15:sldGuideLst xmlns:p15="http://schemas.microsoft.com/office/powerpoint/2012/main"/>
+    </p:ext>
+  </p:extLst>
 </p:presentation>
 </file>
 
@@ -178,7 +183,6 @@
               <a:rPr lang="zh-CN" altLang="en-US"/>
               <a:t>单击此处编辑母版标题样式</a:t>
             </a:r>
-            <a:endParaRPr lang="zh-CN" altLang="en-US"/>
           </a:p>
         </p:txBody>
       </p:sp>
@@ -243,7 +247,6 @@
               <a:rPr lang="zh-CN" altLang="en-US"/>
               <a:t>单击此处编辑母版副标题样式</a:t>
             </a:r>
-            <a:endParaRPr lang="zh-CN" altLang="en-US"/>
           </a:p>
         </p:txBody>
       </p:sp>
@@ -264,6 +267,7 @@
           <a:p>
             <a:fld id="{FD6793B7-98D2-4E7A-AA0F-FD7C44A279B7}" type="datetimeFigureOut">
               <a:rPr lang="zh-CN" altLang="en-US" smtClean="0"/>
+              <a:t>2021/9/5</a:t>
             </a:fld>
             <a:endParaRPr lang="zh-CN" altLang="en-US"/>
           </a:p>
@@ -305,6 +309,7 @@
           <a:p>
             <a:fld id="{14B251CC-5374-4BED-9F61-012454F8ECCD}" type="slidenum">
               <a:rPr lang="zh-CN" altLang="en-US" smtClean="0"/>
+              <a:t>‹#›</a:t>
             </a:fld>
             <a:endParaRPr lang="zh-CN" altLang="en-US"/>
           </a:p>
@@ -354,7 +359,6 @@
               <a:rPr lang="zh-CN" altLang="en-US"/>
               <a:t>单击此处编辑母版标题样式</a:t>
             </a:r>
-            <a:endParaRPr lang="zh-CN" altLang="en-US"/>
           </a:p>
         </p:txBody>
       </p:sp>
@@ -378,7 +382,6 @@
               <a:rPr lang="zh-CN" altLang="en-US"/>
               <a:t>单击此处编辑母版文本样式</a:t>
             </a:r>
-            <a:endParaRPr lang="zh-CN" altLang="en-US"/>
           </a:p>
           <a:p>
             <a:pPr lvl="1"/>
@@ -386,7 +389,6 @@
               <a:rPr lang="zh-CN" altLang="en-US"/>
               <a:t>二级</a:t>
             </a:r>
-            <a:endParaRPr lang="zh-CN" altLang="en-US"/>
           </a:p>
           <a:p>
             <a:pPr lvl="2"/>
@@ -394,7 +396,6 @@
               <a:rPr lang="zh-CN" altLang="en-US"/>
               <a:t>三级</a:t>
             </a:r>
-            <a:endParaRPr lang="zh-CN" altLang="en-US"/>
           </a:p>
           <a:p>
             <a:pPr lvl="3"/>
@@ -402,7 +403,6 @@
               <a:rPr lang="zh-CN" altLang="en-US"/>
               <a:t>四级</a:t>
             </a:r>
-            <a:endParaRPr lang="zh-CN" altLang="en-US"/>
           </a:p>
           <a:p>
             <a:pPr lvl="4"/>
@@ -410,7 +410,6 @@
               <a:rPr lang="zh-CN" altLang="en-US"/>
               <a:t>五级</a:t>
             </a:r>
-            <a:endParaRPr lang="zh-CN" altLang="en-US"/>
           </a:p>
         </p:txBody>
       </p:sp>
@@ -431,6 +430,7 @@
           <a:p>
             <a:fld id="{FD6793B7-98D2-4E7A-AA0F-FD7C44A279B7}" type="datetimeFigureOut">
               <a:rPr lang="zh-CN" altLang="en-US" smtClean="0"/>
+              <a:t>2021/9/5</a:t>
             </a:fld>
             <a:endParaRPr lang="zh-CN" altLang="en-US"/>
           </a:p>
@@ -472,6 +472,7 @@
           <a:p>
             <a:fld id="{14B251CC-5374-4BED-9F61-012454F8ECCD}" type="slidenum">
               <a:rPr lang="zh-CN" altLang="en-US" smtClean="0"/>
+              <a:t>‹#›</a:t>
             </a:fld>
             <a:endParaRPr lang="zh-CN" altLang="en-US"/>
           </a:p>
@@ -526,7 +527,6 @@
               <a:rPr lang="zh-CN" altLang="en-US"/>
               <a:t>单击此处编辑母版标题样式</a:t>
             </a:r>
-            <a:endParaRPr lang="zh-CN" altLang="en-US"/>
           </a:p>
         </p:txBody>
       </p:sp>
@@ -555,7 +555,6 @@
               <a:rPr lang="zh-CN" altLang="en-US"/>
               <a:t>单击此处编辑母版文本样式</a:t>
             </a:r>
-            <a:endParaRPr lang="zh-CN" altLang="en-US"/>
           </a:p>
           <a:p>
             <a:pPr lvl="1"/>
@@ -563,7 +562,6 @@
               <a:rPr lang="zh-CN" altLang="en-US"/>
               <a:t>二级</a:t>
             </a:r>
-            <a:endParaRPr lang="zh-CN" altLang="en-US"/>
           </a:p>
           <a:p>
             <a:pPr lvl="2"/>
@@ -571,7 +569,6 @@
               <a:rPr lang="zh-CN" altLang="en-US"/>
               <a:t>三级</a:t>
             </a:r>
-            <a:endParaRPr lang="zh-CN" altLang="en-US"/>
           </a:p>
           <a:p>
             <a:pPr lvl="3"/>
@@ -579,7 +576,6 @@
               <a:rPr lang="zh-CN" altLang="en-US"/>
               <a:t>四级</a:t>
             </a:r>
-            <a:endParaRPr lang="zh-CN" altLang="en-US"/>
           </a:p>
           <a:p>
             <a:pPr lvl="4"/>
@@ -587,7 +583,6 @@
               <a:rPr lang="zh-CN" altLang="en-US"/>
               <a:t>五级</a:t>
             </a:r>
-            <a:endParaRPr lang="zh-CN" altLang="en-US"/>
           </a:p>
         </p:txBody>
       </p:sp>
@@ -608,6 +603,7 @@
           <a:p>
             <a:fld id="{FD6793B7-98D2-4E7A-AA0F-FD7C44A279B7}" type="datetimeFigureOut">
               <a:rPr lang="zh-CN" altLang="en-US" smtClean="0"/>
+              <a:t>2021/9/5</a:t>
             </a:fld>
             <a:endParaRPr lang="zh-CN" altLang="en-US"/>
           </a:p>
@@ -649,6 +645,7 @@
           <a:p>
             <a:fld id="{14B251CC-5374-4BED-9F61-012454F8ECCD}" type="slidenum">
               <a:rPr lang="zh-CN" altLang="en-US" smtClean="0"/>
+              <a:t>‹#›</a:t>
             </a:fld>
             <a:endParaRPr lang="zh-CN" altLang="en-US"/>
           </a:p>
@@ -707,7 +704,6 @@
               <a:rPr lang="zh-CN" altLang="en-US"/>
               <a:t>单击此处编辑母版标题样式</a:t>
             </a:r>
-            <a:endParaRPr lang="zh-CN" altLang="en-US"/>
           </a:p>
         </p:txBody>
       </p:sp>
@@ -772,7 +768,6 @@
               <a:rPr lang="zh-CN" altLang="en-US"/>
               <a:t>单击此处编辑母版副标题样式</a:t>
             </a:r>
-            <a:endParaRPr lang="zh-CN" altLang="en-US"/>
           </a:p>
         </p:txBody>
       </p:sp>
@@ -793,6 +788,7 @@
           <a:p>
             <a:fld id="{FD6793B7-98D2-4E7A-AA0F-FD7C44A279B7}" type="datetimeFigureOut">
               <a:rPr lang="zh-CN" altLang="en-US" smtClean="0"/>
+              <a:t>2021/9/5</a:t>
             </a:fld>
             <a:endParaRPr lang="zh-CN" altLang="en-US"/>
           </a:p>
@@ -834,6 +830,7 @@
           <a:p>
             <a:fld id="{14B251CC-5374-4BED-9F61-012454F8ECCD}" type="slidenum">
               <a:rPr lang="zh-CN" altLang="en-US" smtClean="0"/>
+              <a:t>‹#›</a:t>
             </a:fld>
             <a:endParaRPr lang="zh-CN" altLang="en-US"/>
           </a:p>
@@ -883,7 +880,6 @@
               <a:rPr lang="zh-CN" altLang="en-US"/>
               <a:t>单击此处编辑母版标题样式</a:t>
             </a:r>
-            <a:endParaRPr lang="zh-CN" altLang="en-US"/>
           </a:p>
         </p:txBody>
       </p:sp>
@@ -907,7 +903,6 @@
               <a:rPr lang="zh-CN" altLang="en-US"/>
               <a:t>单击此处编辑母版文本样式</a:t>
             </a:r>
-            <a:endParaRPr lang="zh-CN" altLang="en-US"/>
           </a:p>
           <a:p>
             <a:pPr lvl="1"/>
@@ -915,7 +910,6 @@
               <a:rPr lang="zh-CN" altLang="en-US"/>
               <a:t>二级</a:t>
             </a:r>
-            <a:endParaRPr lang="zh-CN" altLang="en-US"/>
           </a:p>
           <a:p>
             <a:pPr lvl="2"/>
@@ -923,7 +917,6 @@
               <a:rPr lang="zh-CN" altLang="en-US"/>
               <a:t>三级</a:t>
             </a:r>
-            <a:endParaRPr lang="zh-CN" altLang="en-US"/>
           </a:p>
           <a:p>
             <a:pPr lvl="3"/>
@@ -931,7 +924,6 @@
               <a:rPr lang="zh-CN" altLang="en-US"/>
               <a:t>四级</a:t>
             </a:r>
-            <a:endParaRPr lang="zh-CN" altLang="en-US"/>
           </a:p>
           <a:p>
             <a:pPr lvl="4"/>
@@ -939,7 +931,6 @@
               <a:rPr lang="zh-CN" altLang="en-US"/>
               <a:t>五级</a:t>
             </a:r>
-            <a:endParaRPr lang="zh-CN" altLang="en-US"/>
           </a:p>
         </p:txBody>
       </p:sp>
@@ -960,6 +951,7 @@
           <a:p>
             <a:fld id="{FD6793B7-98D2-4E7A-AA0F-FD7C44A279B7}" type="datetimeFigureOut">
               <a:rPr lang="zh-CN" altLang="en-US" smtClean="0"/>
+              <a:t>2021/9/5</a:t>
             </a:fld>
             <a:endParaRPr lang="zh-CN" altLang="en-US"/>
           </a:p>
@@ -1001,6 +993,7 @@
           <a:p>
             <a:fld id="{14B251CC-5374-4BED-9F61-012454F8ECCD}" type="slidenum">
               <a:rPr lang="zh-CN" altLang="en-US" smtClean="0"/>
+              <a:t>‹#›</a:t>
             </a:fld>
             <a:endParaRPr lang="zh-CN" altLang="en-US"/>
           </a:p>
@@ -1059,7 +1052,6 @@
               <a:rPr lang="zh-CN" altLang="en-US"/>
               <a:t>单击此处编辑母版标题样式</a:t>
             </a:r>
-            <a:endParaRPr lang="zh-CN" altLang="en-US"/>
           </a:p>
         </p:txBody>
       </p:sp>
@@ -1179,7 +1171,6 @@
               <a:rPr lang="zh-CN" altLang="en-US"/>
               <a:t>单击此处编辑母版文本样式</a:t>
             </a:r>
-            <a:endParaRPr lang="zh-CN" altLang="en-US"/>
           </a:p>
         </p:txBody>
       </p:sp>
@@ -1200,6 +1191,7 @@
           <a:p>
             <a:fld id="{FD6793B7-98D2-4E7A-AA0F-FD7C44A279B7}" type="datetimeFigureOut">
               <a:rPr lang="zh-CN" altLang="en-US" smtClean="0"/>
+              <a:t>2021/9/5</a:t>
             </a:fld>
             <a:endParaRPr lang="zh-CN" altLang="en-US"/>
           </a:p>
@@ -1241,6 +1233,7 @@
           <a:p>
             <a:fld id="{14B251CC-5374-4BED-9F61-012454F8ECCD}" type="slidenum">
               <a:rPr lang="zh-CN" altLang="en-US" smtClean="0"/>
+              <a:t>‹#›</a:t>
             </a:fld>
             <a:endParaRPr lang="zh-CN" altLang="en-US"/>
           </a:p>
@@ -1290,7 +1283,6 @@
               <a:rPr lang="zh-CN" altLang="en-US"/>
               <a:t>单击此处编辑母版标题样式</a:t>
             </a:r>
-            <a:endParaRPr lang="zh-CN" altLang="en-US"/>
           </a:p>
         </p:txBody>
       </p:sp>
@@ -1319,7 +1311,6 @@
               <a:rPr lang="zh-CN" altLang="en-US"/>
               <a:t>单击此处编辑母版文本样式</a:t>
             </a:r>
-            <a:endParaRPr lang="zh-CN" altLang="en-US"/>
           </a:p>
           <a:p>
             <a:pPr lvl="1"/>
@@ -1327,7 +1318,6 @@
               <a:rPr lang="zh-CN" altLang="en-US"/>
               <a:t>二级</a:t>
             </a:r>
-            <a:endParaRPr lang="zh-CN" altLang="en-US"/>
           </a:p>
           <a:p>
             <a:pPr lvl="2"/>
@@ -1335,7 +1325,6 @@
               <a:rPr lang="zh-CN" altLang="en-US"/>
               <a:t>三级</a:t>
             </a:r>
-            <a:endParaRPr lang="zh-CN" altLang="en-US"/>
           </a:p>
           <a:p>
             <a:pPr lvl="3"/>
@@ -1343,7 +1332,6 @@
               <a:rPr lang="zh-CN" altLang="en-US"/>
               <a:t>四级</a:t>
             </a:r>
-            <a:endParaRPr lang="zh-CN" altLang="en-US"/>
           </a:p>
           <a:p>
             <a:pPr lvl="4"/>
@@ -1351,7 +1339,6 @@
               <a:rPr lang="zh-CN" altLang="en-US"/>
               <a:t>五级</a:t>
             </a:r>
-            <a:endParaRPr lang="zh-CN" altLang="en-US"/>
           </a:p>
         </p:txBody>
       </p:sp>
@@ -1380,7 +1367,6 @@
               <a:rPr lang="zh-CN" altLang="en-US"/>
               <a:t>单击此处编辑母版文本样式</a:t>
             </a:r>
-            <a:endParaRPr lang="zh-CN" altLang="en-US"/>
           </a:p>
           <a:p>
             <a:pPr lvl="1"/>
@@ -1388,7 +1374,6 @@
               <a:rPr lang="zh-CN" altLang="en-US"/>
               <a:t>二级</a:t>
             </a:r>
-            <a:endParaRPr lang="zh-CN" altLang="en-US"/>
           </a:p>
           <a:p>
             <a:pPr lvl="2"/>
@@ -1396,7 +1381,6 @@
               <a:rPr lang="zh-CN" altLang="en-US"/>
               <a:t>三级</a:t>
             </a:r>
-            <a:endParaRPr lang="zh-CN" altLang="en-US"/>
           </a:p>
           <a:p>
             <a:pPr lvl="3"/>
@@ -1404,7 +1388,6 @@
               <a:rPr lang="zh-CN" altLang="en-US"/>
               <a:t>四级</a:t>
             </a:r>
-            <a:endParaRPr lang="zh-CN" altLang="en-US"/>
           </a:p>
           <a:p>
             <a:pPr lvl="4"/>
@@ -1412,7 +1395,6 @@
               <a:rPr lang="zh-CN" altLang="en-US"/>
               <a:t>五级</a:t>
             </a:r>
-            <a:endParaRPr lang="zh-CN" altLang="en-US"/>
           </a:p>
         </p:txBody>
       </p:sp>
@@ -1433,6 +1415,7 @@
           <a:p>
             <a:fld id="{FD6793B7-98D2-4E7A-AA0F-FD7C44A279B7}" type="datetimeFigureOut">
               <a:rPr lang="zh-CN" altLang="en-US" smtClean="0"/>
+              <a:t>2021/9/5</a:t>
             </a:fld>
             <a:endParaRPr lang="zh-CN" altLang="en-US"/>
           </a:p>
@@ -1474,6 +1457,7 @@
           <a:p>
             <a:fld id="{14B251CC-5374-4BED-9F61-012454F8ECCD}" type="slidenum">
               <a:rPr lang="zh-CN" altLang="en-US" smtClean="0"/>
+              <a:t>‹#›</a:t>
             </a:fld>
             <a:endParaRPr lang="zh-CN" altLang="en-US"/>
           </a:p>
@@ -1528,7 +1512,6 @@
               <a:rPr lang="zh-CN" altLang="en-US"/>
               <a:t>单击此处编辑母版标题样式</a:t>
             </a:r>
-            <a:endParaRPr lang="zh-CN" altLang="en-US"/>
           </a:p>
         </p:txBody>
       </p:sp>
@@ -1594,7 +1577,6 @@
               <a:rPr lang="zh-CN" altLang="en-US"/>
               <a:t>单击此处编辑母版文本样式</a:t>
             </a:r>
-            <a:endParaRPr lang="zh-CN" altLang="en-US"/>
           </a:p>
         </p:txBody>
       </p:sp>
@@ -1623,7 +1605,6 @@
               <a:rPr lang="zh-CN" altLang="en-US"/>
               <a:t>单击此处编辑母版文本样式</a:t>
             </a:r>
-            <a:endParaRPr lang="zh-CN" altLang="en-US"/>
           </a:p>
           <a:p>
             <a:pPr lvl="1"/>
@@ -1631,7 +1612,6 @@
               <a:rPr lang="zh-CN" altLang="en-US"/>
               <a:t>二级</a:t>
             </a:r>
-            <a:endParaRPr lang="zh-CN" altLang="en-US"/>
           </a:p>
           <a:p>
             <a:pPr lvl="2"/>
@@ -1639,7 +1619,6 @@
               <a:rPr lang="zh-CN" altLang="en-US"/>
               <a:t>三级</a:t>
             </a:r>
-            <a:endParaRPr lang="zh-CN" altLang="en-US"/>
           </a:p>
           <a:p>
             <a:pPr lvl="3"/>
@@ -1647,7 +1626,6 @@
               <a:rPr lang="zh-CN" altLang="en-US"/>
               <a:t>四级</a:t>
             </a:r>
-            <a:endParaRPr lang="zh-CN" altLang="en-US"/>
           </a:p>
           <a:p>
             <a:pPr lvl="4"/>
@@ -1655,7 +1633,6 @@
               <a:rPr lang="zh-CN" altLang="en-US"/>
               <a:t>五级</a:t>
             </a:r>
-            <a:endParaRPr lang="zh-CN" altLang="en-US"/>
           </a:p>
         </p:txBody>
       </p:sp>
@@ -1721,7 +1698,6 @@
               <a:rPr lang="zh-CN" altLang="en-US"/>
               <a:t>单击此处编辑母版文本样式</a:t>
             </a:r>
-            <a:endParaRPr lang="zh-CN" altLang="en-US"/>
           </a:p>
         </p:txBody>
       </p:sp>
@@ -1750,7 +1726,6 @@
               <a:rPr lang="zh-CN" altLang="en-US"/>
               <a:t>单击此处编辑母版文本样式</a:t>
             </a:r>
-            <a:endParaRPr lang="zh-CN" altLang="en-US"/>
           </a:p>
           <a:p>
             <a:pPr lvl="1"/>
@@ -1758,7 +1733,6 @@
               <a:rPr lang="zh-CN" altLang="en-US"/>
               <a:t>二级</a:t>
             </a:r>
-            <a:endParaRPr lang="zh-CN" altLang="en-US"/>
           </a:p>
           <a:p>
             <a:pPr lvl="2"/>
@@ -1766,7 +1740,6 @@
               <a:rPr lang="zh-CN" altLang="en-US"/>
               <a:t>三级</a:t>
             </a:r>
-            <a:endParaRPr lang="zh-CN" altLang="en-US"/>
           </a:p>
           <a:p>
             <a:pPr lvl="3"/>
@@ -1774,7 +1747,6 @@
               <a:rPr lang="zh-CN" altLang="en-US"/>
               <a:t>四级</a:t>
             </a:r>
-            <a:endParaRPr lang="zh-CN" altLang="en-US"/>
           </a:p>
           <a:p>
             <a:pPr lvl="4"/>
@@ -1782,7 +1754,6 @@
               <a:rPr lang="zh-CN" altLang="en-US"/>
               <a:t>五级</a:t>
             </a:r>
-            <a:endParaRPr lang="zh-CN" altLang="en-US"/>
           </a:p>
         </p:txBody>
       </p:sp>
@@ -1803,6 +1774,7 @@
           <a:p>
             <a:fld id="{FD6793B7-98D2-4E7A-AA0F-FD7C44A279B7}" type="datetimeFigureOut">
               <a:rPr lang="zh-CN" altLang="en-US" smtClean="0"/>
+              <a:t>2021/9/5</a:t>
             </a:fld>
             <a:endParaRPr lang="zh-CN" altLang="en-US"/>
           </a:p>
@@ -1844,6 +1816,7 @@
           <a:p>
             <a:fld id="{14B251CC-5374-4BED-9F61-012454F8ECCD}" type="slidenum">
               <a:rPr lang="zh-CN" altLang="en-US" smtClean="0"/>
+              <a:t>‹#›</a:t>
             </a:fld>
             <a:endParaRPr lang="zh-CN" altLang="en-US"/>
           </a:p>
@@ -1893,7 +1866,6 @@
               <a:rPr lang="zh-CN" altLang="en-US"/>
               <a:t>单击此处编辑母版标题样式</a:t>
             </a:r>
-            <a:endParaRPr lang="zh-CN" altLang="en-US"/>
           </a:p>
         </p:txBody>
       </p:sp>
@@ -1914,6 +1886,7 @@
           <a:p>
             <a:fld id="{FD6793B7-98D2-4E7A-AA0F-FD7C44A279B7}" type="datetimeFigureOut">
               <a:rPr lang="zh-CN" altLang="en-US" smtClean="0"/>
+              <a:t>2021/9/5</a:t>
             </a:fld>
             <a:endParaRPr lang="zh-CN" altLang="en-US"/>
           </a:p>
@@ -1955,6 +1928,7 @@
           <a:p>
             <a:fld id="{14B251CC-5374-4BED-9F61-012454F8ECCD}" type="slidenum">
               <a:rPr lang="zh-CN" altLang="en-US" smtClean="0"/>
+              <a:t>‹#›</a:t>
             </a:fld>
             <a:endParaRPr lang="zh-CN" altLang="en-US"/>
           </a:p>
@@ -2002,6 +1976,7 @@
           <a:p>
             <a:fld id="{FD6793B7-98D2-4E7A-AA0F-FD7C44A279B7}" type="datetimeFigureOut">
               <a:rPr lang="zh-CN" altLang="en-US" smtClean="0"/>
+              <a:t>2021/9/5</a:t>
             </a:fld>
             <a:endParaRPr lang="zh-CN" altLang="en-US"/>
           </a:p>
@@ -2043,6 +2018,7 @@
           <a:p>
             <a:fld id="{14B251CC-5374-4BED-9F61-012454F8ECCD}" type="slidenum">
               <a:rPr lang="zh-CN" altLang="en-US" smtClean="0"/>
+              <a:t>‹#›</a:t>
             </a:fld>
             <a:endParaRPr lang="zh-CN" altLang="en-US"/>
           </a:p>
@@ -2101,7 +2077,6 @@
               <a:rPr lang="zh-CN" altLang="en-US"/>
               <a:t>单击此处编辑母版标题样式</a:t>
             </a:r>
-            <a:endParaRPr lang="zh-CN" altLang="en-US"/>
           </a:p>
         </p:txBody>
       </p:sp>
@@ -2158,7 +2133,6 @@
               <a:rPr lang="zh-CN" altLang="en-US"/>
               <a:t>单击此处编辑母版文本样式</a:t>
             </a:r>
-            <a:endParaRPr lang="zh-CN" altLang="en-US"/>
           </a:p>
           <a:p>
             <a:pPr lvl="1"/>
@@ -2166,7 +2140,6 @@
               <a:rPr lang="zh-CN" altLang="en-US"/>
               <a:t>二级</a:t>
             </a:r>
-            <a:endParaRPr lang="zh-CN" altLang="en-US"/>
           </a:p>
           <a:p>
             <a:pPr lvl="2"/>
@@ -2174,7 +2147,6 @@
               <a:rPr lang="zh-CN" altLang="en-US"/>
               <a:t>三级</a:t>
             </a:r>
-            <a:endParaRPr lang="zh-CN" altLang="en-US"/>
           </a:p>
           <a:p>
             <a:pPr lvl="3"/>
@@ -2182,7 +2154,6 @@
               <a:rPr lang="zh-CN" altLang="en-US"/>
               <a:t>四级</a:t>
             </a:r>
-            <a:endParaRPr lang="zh-CN" altLang="en-US"/>
           </a:p>
           <a:p>
             <a:pPr lvl="4"/>
@@ -2190,7 +2161,6 @@
               <a:rPr lang="zh-CN" altLang="en-US"/>
               <a:t>五级</a:t>
             </a:r>
-            <a:endParaRPr lang="zh-CN" altLang="en-US"/>
           </a:p>
         </p:txBody>
       </p:sp>
@@ -2256,7 +2226,6 @@
               <a:rPr lang="zh-CN" altLang="en-US"/>
               <a:t>单击此处编辑母版文本样式</a:t>
             </a:r>
-            <a:endParaRPr lang="zh-CN" altLang="en-US"/>
           </a:p>
         </p:txBody>
       </p:sp>
@@ -2277,6 +2246,7 @@
           <a:p>
             <a:fld id="{FD6793B7-98D2-4E7A-AA0F-FD7C44A279B7}" type="datetimeFigureOut">
               <a:rPr lang="zh-CN" altLang="en-US" smtClean="0"/>
+              <a:t>2021/9/5</a:t>
             </a:fld>
             <a:endParaRPr lang="zh-CN" altLang="en-US"/>
           </a:p>
@@ -2318,6 +2288,7 @@
           <a:p>
             <a:fld id="{14B251CC-5374-4BED-9F61-012454F8ECCD}" type="slidenum">
               <a:rPr lang="zh-CN" altLang="en-US" smtClean="0"/>
+              <a:t>‹#›</a:t>
             </a:fld>
             <a:endParaRPr lang="zh-CN" altLang="en-US"/>
           </a:p>
@@ -2367,7 +2338,6 @@
               <a:rPr lang="zh-CN" altLang="en-US"/>
               <a:t>单击此处编辑母版标题样式</a:t>
             </a:r>
-            <a:endParaRPr lang="zh-CN" altLang="en-US"/>
           </a:p>
         </p:txBody>
       </p:sp>
@@ -2391,7 +2361,6 @@
               <a:rPr lang="zh-CN" altLang="en-US"/>
               <a:t>单击此处编辑母版文本样式</a:t>
             </a:r>
-            <a:endParaRPr lang="zh-CN" altLang="en-US"/>
           </a:p>
           <a:p>
             <a:pPr lvl="1"/>
@@ -2399,7 +2368,6 @@
               <a:rPr lang="zh-CN" altLang="en-US"/>
               <a:t>二级</a:t>
             </a:r>
-            <a:endParaRPr lang="zh-CN" altLang="en-US"/>
           </a:p>
           <a:p>
             <a:pPr lvl="2"/>
@@ -2407,7 +2375,6 @@
               <a:rPr lang="zh-CN" altLang="en-US"/>
               <a:t>三级</a:t>
             </a:r>
-            <a:endParaRPr lang="zh-CN" altLang="en-US"/>
           </a:p>
           <a:p>
             <a:pPr lvl="3"/>
@@ -2415,7 +2382,6 @@
               <a:rPr lang="zh-CN" altLang="en-US"/>
               <a:t>四级</a:t>
             </a:r>
-            <a:endParaRPr lang="zh-CN" altLang="en-US"/>
           </a:p>
           <a:p>
             <a:pPr lvl="4"/>
@@ -2423,7 +2389,6 @@
               <a:rPr lang="zh-CN" altLang="en-US"/>
               <a:t>五级</a:t>
             </a:r>
-            <a:endParaRPr lang="zh-CN" altLang="en-US"/>
           </a:p>
         </p:txBody>
       </p:sp>
@@ -2444,6 +2409,7 @@
           <a:p>
             <a:fld id="{FD6793B7-98D2-4E7A-AA0F-FD7C44A279B7}" type="datetimeFigureOut">
               <a:rPr lang="zh-CN" altLang="en-US" smtClean="0"/>
+              <a:t>2021/9/5</a:t>
             </a:fld>
             <a:endParaRPr lang="zh-CN" altLang="en-US"/>
           </a:p>
@@ -2485,6 +2451,7 @@
           <a:p>
             <a:fld id="{14B251CC-5374-4BED-9F61-012454F8ECCD}" type="slidenum">
               <a:rPr lang="zh-CN" altLang="en-US" smtClean="0"/>
+              <a:t>‹#›</a:t>
             </a:fld>
             <a:endParaRPr lang="zh-CN" altLang="en-US"/>
           </a:p>
@@ -2543,7 +2510,6 @@
               <a:rPr lang="zh-CN" altLang="en-US"/>
               <a:t>单击此处编辑母版标题样式</a:t>
             </a:r>
-            <a:endParaRPr lang="zh-CN" altLang="en-US"/>
           </a:p>
         </p:txBody>
       </p:sp>
@@ -2670,7 +2636,6 @@
               <a:rPr lang="zh-CN" altLang="en-US"/>
               <a:t>单击此处编辑母版文本样式</a:t>
             </a:r>
-            <a:endParaRPr lang="zh-CN" altLang="en-US"/>
           </a:p>
         </p:txBody>
       </p:sp>
@@ -2691,6 +2656,7 @@
           <a:p>
             <a:fld id="{FD6793B7-98D2-4E7A-AA0F-FD7C44A279B7}" type="datetimeFigureOut">
               <a:rPr lang="zh-CN" altLang="en-US" smtClean="0"/>
+              <a:t>2021/9/5</a:t>
             </a:fld>
             <a:endParaRPr lang="zh-CN" altLang="en-US"/>
           </a:p>
@@ -2732,6 +2698,7 @@
           <a:p>
             <a:fld id="{14B251CC-5374-4BED-9F61-012454F8ECCD}" type="slidenum">
               <a:rPr lang="zh-CN" altLang="en-US" smtClean="0"/>
+              <a:t>‹#›</a:t>
             </a:fld>
             <a:endParaRPr lang="zh-CN" altLang="en-US"/>
           </a:p>
@@ -2781,7 +2748,6 @@
               <a:rPr lang="zh-CN" altLang="en-US"/>
               <a:t>单击此处编辑母版标题样式</a:t>
             </a:r>
-            <a:endParaRPr lang="zh-CN" altLang="en-US"/>
           </a:p>
         </p:txBody>
       </p:sp>
@@ -2805,7 +2771,6 @@
               <a:rPr lang="zh-CN" altLang="en-US"/>
               <a:t>单击此处编辑母版文本样式</a:t>
             </a:r>
-            <a:endParaRPr lang="zh-CN" altLang="en-US"/>
           </a:p>
           <a:p>
             <a:pPr lvl="1"/>
@@ -2813,7 +2778,6 @@
               <a:rPr lang="zh-CN" altLang="en-US"/>
               <a:t>二级</a:t>
             </a:r>
-            <a:endParaRPr lang="zh-CN" altLang="en-US"/>
           </a:p>
           <a:p>
             <a:pPr lvl="2"/>
@@ -2821,7 +2785,6 @@
               <a:rPr lang="zh-CN" altLang="en-US"/>
               <a:t>三级</a:t>
             </a:r>
-            <a:endParaRPr lang="zh-CN" altLang="en-US"/>
           </a:p>
           <a:p>
             <a:pPr lvl="3"/>
@@ -2829,7 +2792,6 @@
               <a:rPr lang="zh-CN" altLang="en-US"/>
               <a:t>四级</a:t>
             </a:r>
-            <a:endParaRPr lang="zh-CN" altLang="en-US"/>
           </a:p>
           <a:p>
             <a:pPr lvl="4"/>
@@ -2837,7 +2799,6 @@
               <a:rPr lang="zh-CN" altLang="en-US"/>
               <a:t>五级</a:t>
             </a:r>
-            <a:endParaRPr lang="zh-CN" altLang="en-US"/>
           </a:p>
         </p:txBody>
       </p:sp>
@@ -2858,6 +2819,7 @@
           <a:p>
             <a:fld id="{FD6793B7-98D2-4E7A-AA0F-FD7C44A279B7}" type="datetimeFigureOut">
               <a:rPr lang="zh-CN" altLang="en-US" smtClean="0"/>
+              <a:t>2021/9/5</a:t>
             </a:fld>
             <a:endParaRPr lang="zh-CN" altLang="en-US"/>
           </a:p>
@@ -2899,6 +2861,7 @@
           <a:p>
             <a:fld id="{14B251CC-5374-4BED-9F61-012454F8ECCD}" type="slidenum">
               <a:rPr lang="zh-CN" altLang="en-US" smtClean="0"/>
+              <a:t>‹#›</a:t>
             </a:fld>
             <a:endParaRPr lang="zh-CN" altLang="en-US"/>
           </a:p>
@@ -2953,7 +2916,6 @@
               <a:rPr lang="zh-CN" altLang="en-US"/>
               <a:t>单击此处编辑母版标题样式</a:t>
             </a:r>
-            <a:endParaRPr lang="zh-CN" altLang="en-US"/>
           </a:p>
         </p:txBody>
       </p:sp>
@@ -2982,7 +2944,6 @@
               <a:rPr lang="zh-CN" altLang="en-US"/>
               <a:t>单击此处编辑母版文本样式</a:t>
             </a:r>
-            <a:endParaRPr lang="zh-CN" altLang="en-US"/>
           </a:p>
           <a:p>
             <a:pPr lvl="1"/>
@@ -2990,7 +2951,6 @@
               <a:rPr lang="zh-CN" altLang="en-US"/>
               <a:t>二级</a:t>
             </a:r>
-            <a:endParaRPr lang="zh-CN" altLang="en-US"/>
           </a:p>
           <a:p>
             <a:pPr lvl="2"/>
@@ -2998,7 +2958,6 @@
               <a:rPr lang="zh-CN" altLang="en-US"/>
               <a:t>三级</a:t>
             </a:r>
-            <a:endParaRPr lang="zh-CN" altLang="en-US"/>
           </a:p>
           <a:p>
             <a:pPr lvl="3"/>
@@ -3006,7 +2965,6 @@
               <a:rPr lang="zh-CN" altLang="en-US"/>
               <a:t>四级</a:t>
             </a:r>
-            <a:endParaRPr lang="zh-CN" altLang="en-US"/>
           </a:p>
           <a:p>
             <a:pPr lvl="4"/>
@@ -3014,7 +2972,6 @@
               <a:rPr lang="zh-CN" altLang="en-US"/>
               <a:t>五级</a:t>
             </a:r>
-            <a:endParaRPr lang="zh-CN" altLang="en-US"/>
           </a:p>
         </p:txBody>
       </p:sp>
@@ -3035,6 +2992,7 @@
           <a:p>
             <a:fld id="{FD6793B7-98D2-4E7A-AA0F-FD7C44A279B7}" type="datetimeFigureOut">
               <a:rPr lang="zh-CN" altLang="en-US" smtClean="0"/>
+              <a:t>2021/9/5</a:t>
             </a:fld>
             <a:endParaRPr lang="zh-CN" altLang="en-US"/>
           </a:p>
@@ -3076,6 +3034,7 @@
           <a:p>
             <a:fld id="{14B251CC-5374-4BED-9F61-012454F8ECCD}" type="slidenum">
               <a:rPr lang="zh-CN" altLang="en-US" smtClean="0"/>
+              <a:t>‹#›</a:t>
             </a:fld>
             <a:endParaRPr lang="zh-CN" altLang="en-US"/>
           </a:p>
@@ -3134,7 +3093,6 @@
               <a:rPr lang="zh-CN" altLang="en-US"/>
               <a:t>单击此处编辑母版标题样式</a:t>
             </a:r>
-            <a:endParaRPr lang="zh-CN" altLang="en-US"/>
           </a:p>
         </p:txBody>
       </p:sp>
@@ -3254,7 +3212,6 @@
               <a:rPr lang="zh-CN" altLang="en-US"/>
               <a:t>单击此处编辑母版文本样式</a:t>
             </a:r>
-            <a:endParaRPr lang="zh-CN" altLang="en-US"/>
           </a:p>
         </p:txBody>
       </p:sp>
@@ -3275,6 +3232,7 @@
           <a:p>
             <a:fld id="{FD6793B7-98D2-4E7A-AA0F-FD7C44A279B7}" type="datetimeFigureOut">
               <a:rPr lang="zh-CN" altLang="en-US" smtClean="0"/>
+              <a:t>2021/9/5</a:t>
             </a:fld>
             <a:endParaRPr lang="zh-CN" altLang="en-US"/>
           </a:p>
@@ -3316,6 +3274,7 @@
           <a:p>
             <a:fld id="{14B251CC-5374-4BED-9F61-012454F8ECCD}" type="slidenum">
               <a:rPr lang="zh-CN" altLang="en-US" smtClean="0"/>
+              <a:t>‹#›</a:t>
             </a:fld>
             <a:endParaRPr lang="zh-CN" altLang="en-US"/>
           </a:p>
@@ -3365,7 +3324,6 @@
               <a:rPr lang="zh-CN" altLang="en-US"/>
               <a:t>单击此处编辑母版标题样式</a:t>
             </a:r>
-            <a:endParaRPr lang="zh-CN" altLang="en-US"/>
           </a:p>
         </p:txBody>
       </p:sp>
@@ -3394,7 +3352,6 @@
               <a:rPr lang="zh-CN" altLang="en-US"/>
               <a:t>单击此处编辑母版文本样式</a:t>
             </a:r>
-            <a:endParaRPr lang="zh-CN" altLang="en-US"/>
           </a:p>
           <a:p>
             <a:pPr lvl="1"/>
@@ -3402,7 +3359,6 @@
               <a:rPr lang="zh-CN" altLang="en-US"/>
               <a:t>二级</a:t>
             </a:r>
-            <a:endParaRPr lang="zh-CN" altLang="en-US"/>
           </a:p>
           <a:p>
             <a:pPr lvl="2"/>
@@ -3410,7 +3366,6 @@
               <a:rPr lang="zh-CN" altLang="en-US"/>
               <a:t>三级</a:t>
             </a:r>
-            <a:endParaRPr lang="zh-CN" altLang="en-US"/>
           </a:p>
           <a:p>
             <a:pPr lvl="3"/>
@@ -3418,7 +3373,6 @@
               <a:rPr lang="zh-CN" altLang="en-US"/>
               <a:t>四级</a:t>
             </a:r>
-            <a:endParaRPr lang="zh-CN" altLang="en-US"/>
           </a:p>
           <a:p>
             <a:pPr lvl="4"/>
@@ -3426,7 +3380,6 @@
               <a:rPr lang="zh-CN" altLang="en-US"/>
               <a:t>五级</a:t>
             </a:r>
-            <a:endParaRPr lang="zh-CN" altLang="en-US"/>
           </a:p>
         </p:txBody>
       </p:sp>
@@ -3455,7 +3408,6 @@
               <a:rPr lang="zh-CN" altLang="en-US"/>
               <a:t>单击此处编辑母版文本样式</a:t>
             </a:r>
-            <a:endParaRPr lang="zh-CN" altLang="en-US"/>
           </a:p>
           <a:p>
             <a:pPr lvl="1"/>
@@ -3463,7 +3415,6 @@
               <a:rPr lang="zh-CN" altLang="en-US"/>
               <a:t>二级</a:t>
             </a:r>
-            <a:endParaRPr lang="zh-CN" altLang="en-US"/>
           </a:p>
           <a:p>
             <a:pPr lvl="2"/>
@@ -3471,7 +3422,6 @@
               <a:rPr lang="zh-CN" altLang="en-US"/>
               <a:t>三级</a:t>
             </a:r>
-            <a:endParaRPr lang="zh-CN" altLang="en-US"/>
           </a:p>
           <a:p>
             <a:pPr lvl="3"/>
@@ -3479,7 +3429,6 @@
               <a:rPr lang="zh-CN" altLang="en-US"/>
               <a:t>四级</a:t>
             </a:r>
-            <a:endParaRPr lang="zh-CN" altLang="en-US"/>
           </a:p>
           <a:p>
             <a:pPr lvl="4"/>
@@ -3487,7 +3436,6 @@
               <a:rPr lang="zh-CN" altLang="en-US"/>
               <a:t>五级</a:t>
             </a:r>
-            <a:endParaRPr lang="zh-CN" altLang="en-US"/>
           </a:p>
         </p:txBody>
       </p:sp>
@@ -3508,6 +3456,7 @@
           <a:p>
             <a:fld id="{FD6793B7-98D2-4E7A-AA0F-FD7C44A279B7}" type="datetimeFigureOut">
               <a:rPr lang="zh-CN" altLang="en-US" smtClean="0"/>
+              <a:t>2021/9/5</a:t>
             </a:fld>
             <a:endParaRPr lang="zh-CN" altLang="en-US"/>
           </a:p>
@@ -3549,6 +3498,7 @@
           <a:p>
             <a:fld id="{14B251CC-5374-4BED-9F61-012454F8ECCD}" type="slidenum">
               <a:rPr lang="zh-CN" altLang="en-US" smtClean="0"/>
+              <a:t>‹#›</a:t>
             </a:fld>
             <a:endParaRPr lang="zh-CN" altLang="en-US"/>
           </a:p>
@@ -3603,7 +3553,6 @@
               <a:rPr lang="zh-CN" altLang="en-US"/>
               <a:t>单击此处编辑母版标题样式</a:t>
             </a:r>
-            <a:endParaRPr lang="zh-CN" altLang="en-US"/>
           </a:p>
         </p:txBody>
       </p:sp>
@@ -3669,7 +3618,6 @@
               <a:rPr lang="zh-CN" altLang="en-US"/>
               <a:t>单击此处编辑母版文本样式</a:t>
             </a:r>
-            <a:endParaRPr lang="zh-CN" altLang="en-US"/>
           </a:p>
         </p:txBody>
       </p:sp>
@@ -3698,7 +3646,6 @@
               <a:rPr lang="zh-CN" altLang="en-US"/>
               <a:t>单击此处编辑母版文本样式</a:t>
             </a:r>
-            <a:endParaRPr lang="zh-CN" altLang="en-US"/>
           </a:p>
           <a:p>
             <a:pPr lvl="1"/>
@@ -3706,7 +3653,6 @@
               <a:rPr lang="zh-CN" altLang="en-US"/>
               <a:t>二级</a:t>
             </a:r>
-            <a:endParaRPr lang="zh-CN" altLang="en-US"/>
           </a:p>
           <a:p>
             <a:pPr lvl="2"/>
@@ -3714,7 +3660,6 @@
               <a:rPr lang="zh-CN" altLang="en-US"/>
               <a:t>三级</a:t>
             </a:r>
-            <a:endParaRPr lang="zh-CN" altLang="en-US"/>
           </a:p>
           <a:p>
             <a:pPr lvl="3"/>
@@ -3722,7 +3667,6 @@
               <a:rPr lang="zh-CN" altLang="en-US"/>
               <a:t>四级</a:t>
             </a:r>
-            <a:endParaRPr lang="zh-CN" altLang="en-US"/>
           </a:p>
           <a:p>
             <a:pPr lvl="4"/>
@@ -3730,7 +3674,6 @@
               <a:rPr lang="zh-CN" altLang="en-US"/>
               <a:t>五级</a:t>
             </a:r>
-            <a:endParaRPr lang="zh-CN" altLang="en-US"/>
           </a:p>
         </p:txBody>
       </p:sp>
@@ -3796,7 +3739,6 @@
               <a:rPr lang="zh-CN" altLang="en-US"/>
               <a:t>单击此处编辑母版文本样式</a:t>
             </a:r>
-            <a:endParaRPr lang="zh-CN" altLang="en-US"/>
           </a:p>
         </p:txBody>
       </p:sp>
@@ -3825,7 +3767,6 @@
               <a:rPr lang="zh-CN" altLang="en-US"/>
               <a:t>单击此处编辑母版文本样式</a:t>
             </a:r>
-            <a:endParaRPr lang="zh-CN" altLang="en-US"/>
           </a:p>
           <a:p>
             <a:pPr lvl="1"/>
@@ -3833,7 +3774,6 @@
               <a:rPr lang="zh-CN" altLang="en-US"/>
               <a:t>二级</a:t>
             </a:r>
-            <a:endParaRPr lang="zh-CN" altLang="en-US"/>
           </a:p>
           <a:p>
             <a:pPr lvl="2"/>
@@ -3841,7 +3781,6 @@
               <a:rPr lang="zh-CN" altLang="en-US"/>
               <a:t>三级</a:t>
             </a:r>
-            <a:endParaRPr lang="zh-CN" altLang="en-US"/>
           </a:p>
           <a:p>
             <a:pPr lvl="3"/>
@@ -3849,7 +3788,6 @@
               <a:rPr lang="zh-CN" altLang="en-US"/>
               <a:t>四级</a:t>
             </a:r>
-            <a:endParaRPr lang="zh-CN" altLang="en-US"/>
           </a:p>
           <a:p>
             <a:pPr lvl="4"/>
@@ -3857,7 +3795,6 @@
               <a:rPr lang="zh-CN" altLang="en-US"/>
               <a:t>五级</a:t>
             </a:r>
-            <a:endParaRPr lang="zh-CN" altLang="en-US"/>
           </a:p>
         </p:txBody>
       </p:sp>
@@ -3878,6 +3815,7 @@
           <a:p>
             <a:fld id="{FD6793B7-98D2-4E7A-AA0F-FD7C44A279B7}" type="datetimeFigureOut">
               <a:rPr lang="zh-CN" altLang="en-US" smtClean="0"/>
+              <a:t>2021/9/5</a:t>
             </a:fld>
             <a:endParaRPr lang="zh-CN" altLang="en-US"/>
           </a:p>
@@ -3919,6 +3857,7 @@
           <a:p>
             <a:fld id="{14B251CC-5374-4BED-9F61-012454F8ECCD}" type="slidenum">
               <a:rPr lang="zh-CN" altLang="en-US" smtClean="0"/>
+              <a:t>‹#›</a:t>
             </a:fld>
             <a:endParaRPr lang="zh-CN" altLang="en-US"/>
           </a:p>
@@ -3968,7 +3907,6 @@
               <a:rPr lang="zh-CN" altLang="en-US"/>
               <a:t>单击此处编辑母版标题样式</a:t>
             </a:r>
-            <a:endParaRPr lang="zh-CN" altLang="en-US"/>
           </a:p>
         </p:txBody>
       </p:sp>
@@ -3989,6 +3927,7 @@
           <a:p>
             <a:fld id="{FD6793B7-98D2-4E7A-AA0F-FD7C44A279B7}" type="datetimeFigureOut">
               <a:rPr lang="zh-CN" altLang="en-US" smtClean="0"/>
+              <a:t>2021/9/5</a:t>
             </a:fld>
             <a:endParaRPr lang="zh-CN" altLang="en-US"/>
           </a:p>
@@ -4030,6 +3969,7 @@
           <a:p>
             <a:fld id="{14B251CC-5374-4BED-9F61-012454F8ECCD}" type="slidenum">
               <a:rPr lang="zh-CN" altLang="en-US" smtClean="0"/>
+              <a:t>‹#›</a:t>
             </a:fld>
             <a:endParaRPr lang="zh-CN" altLang="en-US"/>
           </a:p>
@@ -4077,6 +4017,7 @@
           <a:p>
             <a:fld id="{FD6793B7-98D2-4E7A-AA0F-FD7C44A279B7}" type="datetimeFigureOut">
               <a:rPr lang="zh-CN" altLang="en-US" smtClean="0"/>
+              <a:t>2021/9/5</a:t>
             </a:fld>
             <a:endParaRPr lang="zh-CN" altLang="en-US"/>
           </a:p>
@@ -4118,6 +4059,7 @@
           <a:p>
             <a:fld id="{14B251CC-5374-4BED-9F61-012454F8ECCD}" type="slidenum">
               <a:rPr lang="zh-CN" altLang="en-US" smtClean="0"/>
+              <a:t>‹#›</a:t>
             </a:fld>
             <a:endParaRPr lang="zh-CN" altLang="en-US"/>
           </a:p>
@@ -4176,7 +4118,6 @@
               <a:rPr lang="zh-CN" altLang="en-US"/>
               <a:t>单击此处编辑母版标题样式</a:t>
             </a:r>
-            <a:endParaRPr lang="zh-CN" altLang="en-US"/>
           </a:p>
         </p:txBody>
       </p:sp>
@@ -4233,7 +4174,6 @@
               <a:rPr lang="zh-CN" altLang="en-US"/>
               <a:t>单击此处编辑母版文本样式</a:t>
             </a:r>
-            <a:endParaRPr lang="zh-CN" altLang="en-US"/>
           </a:p>
           <a:p>
             <a:pPr lvl="1"/>
@@ -4241,7 +4181,6 @@
               <a:rPr lang="zh-CN" altLang="en-US"/>
               <a:t>二级</a:t>
             </a:r>
-            <a:endParaRPr lang="zh-CN" altLang="en-US"/>
           </a:p>
           <a:p>
             <a:pPr lvl="2"/>
@@ -4249,7 +4188,6 @@
               <a:rPr lang="zh-CN" altLang="en-US"/>
               <a:t>三级</a:t>
             </a:r>
-            <a:endParaRPr lang="zh-CN" altLang="en-US"/>
           </a:p>
           <a:p>
             <a:pPr lvl="3"/>
@@ -4257,7 +4195,6 @@
               <a:rPr lang="zh-CN" altLang="en-US"/>
               <a:t>四级</a:t>
             </a:r>
-            <a:endParaRPr lang="zh-CN" altLang="en-US"/>
           </a:p>
           <a:p>
             <a:pPr lvl="4"/>
@@ -4265,7 +4202,6 @@
               <a:rPr lang="zh-CN" altLang="en-US"/>
               <a:t>五级</a:t>
             </a:r>
-            <a:endParaRPr lang="zh-CN" altLang="en-US"/>
           </a:p>
         </p:txBody>
       </p:sp>
@@ -4331,7 +4267,6 @@
               <a:rPr lang="zh-CN" altLang="en-US"/>
               <a:t>单击此处编辑母版文本样式</a:t>
             </a:r>
-            <a:endParaRPr lang="zh-CN" altLang="en-US"/>
           </a:p>
         </p:txBody>
       </p:sp>
@@ -4352,6 +4287,7 @@
           <a:p>
             <a:fld id="{FD6793B7-98D2-4E7A-AA0F-FD7C44A279B7}" type="datetimeFigureOut">
               <a:rPr lang="zh-CN" altLang="en-US" smtClean="0"/>
+              <a:t>2021/9/5</a:t>
             </a:fld>
             <a:endParaRPr lang="zh-CN" altLang="en-US"/>
           </a:p>
@@ -4393,6 +4329,7 @@
           <a:p>
             <a:fld id="{14B251CC-5374-4BED-9F61-012454F8ECCD}" type="slidenum">
               <a:rPr lang="zh-CN" altLang="en-US" smtClean="0"/>
+              <a:t>‹#›</a:t>
             </a:fld>
             <a:endParaRPr lang="zh-CN" altLang="en-US"/>
           </a:p>
@@ -4451,7 +4388,6 @@
               <a:rPr lang="zh-CN" altLang="en-US"/>
               <a:t>单击此处编辑母版标题样式</a:t>
             </a:r>
-            <a:endParaRPr lang="zh-CN" altLang="en-US"/>
           </a:p>
         </p:txBody>
       </p:sp>
@@ -4578,7 +4514,6 @@
               <a:rPr lang="zh-CN" altLang="en-US"/>
               <a:t>单击此处编辑母版文本样式</a:t>
             </a:r>
-            <a:endParaRPr lang="zh-CN" altLang="en-US"/>
           </a:p>
         </p:txBody>
       </p:sp>
@@ -4599,6 +4534,7 @@
           <a:p>
             <a:fld id="{FD6793B7-98D2-4E7A-AA0F-FD7C44A279B7}" type="datetimeFigureOut">
               <a:rPr lang="zh-CN" altLang="en-US" smtClean="0"/>
+              <a:t>2021/9/5</a:t>
             </a:fld>
             <a:endParaRPr lang="zh-CN" altLang="en-US"/>
           </a:p>
@@ -4640,6 +4576,7 @@
           <a:p>
             <a:fld id="{14B251CC-5374-4BED-9F61-012454F8ECCD}" type="slidenum">
               <a:rPr lang="zh-CN" altLang="en-US" smtClean="0"/>
+              <a:t>‹#›</a:t>
             </a:fld>
             <a:endParaRPr lang="zh-CN" altLang="en-US"/>
           </a:p>
@@ -4704,7 +4641,6 @@
               <a:rPr lang="zh-CN" altLang="en-US"/>
               <a:t>单击此处编辑母版标题样式</a:t>
             </a:r>
-            <a:endParaRPr lang="zh-CN" altLang="en-US"/>
           </a:p>
         </p:txBody>
       </p:sp>
@@ -4738,7 +4674,6 @@
               <a:rPr lang="zh-CN" altLang="en-US"/>
               <a:t>单击此处编辑母版文本样式</a:t>
             </a:r>
-            <a:endParaRPr lang="zh-CN" altLang="en-US"/>
           </a:p>
           <a:p>
             <a:pPr lvl="1"/>
@@ -4746,7 +4681,6 @@
               <a:rPr lang="zh-CN" altLang="en-US"/>
               <a:t>二级</a:t>
             </a:r>
-            <a:endParaRPr lang="zh-CN" altLang="en-US"/>
           </a:p>
           <a:p>
             <a:pPr lvl="2"/>
@@ -4754,7 +4688,6 @@
               <a:rPr lang="zh-CN" altLang="en-US"/>
               <a:t>三级</a:t>
             </a:r>
-            <a:endParaRPr lang="zh-CN" altLang="en-US"/>
           </a:p>
           <a:p>
             <a:pPr lvl="3"/>
@@ -4762,7 +4695,6 @@
               <a:rPr lang="zh-CN" altLang="en-US"/>
               <a:t>四级</a:t>
             </a:r>
-            <a:endParaRPr lang="zh-CN" altLang="en-US"/>
           </a:p>
           <a:p>
             <a:pPr lvl="4"/>
@@ -4770,7 +4702,6 @@
               <a:rPr lang="zh-CN" altLang="en-US"/>
               <a:t>五级</a:t>
             </a:r>
-            <a:endParaRPr lang="zh-CN" altLang="en-US"/>
           </a:p>
         </p:txBody>
       </p:sp>
@@ -4809,6 +4740,7 @@
           <a:p>
             <a:fld id="{FD6793B7-98D2-4E7A-AA0F-FD7C44A279B7}" type="datetimeFigureOut">
               <a:rPr lang="zh-CN" altLang="en-US" smtClean="0"/>
+              <a:t>2021/9/5</a:t>
             </a:fld>
             <a:endParaRPr lang="zh-CN" altLang="en-US"/>
           </a:p>
@@ -4886,6 +4818,7 @@
           <a:p>
             <a:fld id="{14B251CC-5374-4BED-9F61-012454F8ECCD}" type="slidenum">
               <a:rPr lang="zh-CN" altLang="en-US" smtClean="0"/>
+              <a:t>‹#›</a:t>
             </a:fld>
             <a:endParaRPr lang="zh-CN" altLang="en-US"/>
           </a:p>
@@ -5241,7 +5174,6 @@
               <a:rPr lang="zh-CN" altLang="en-US"/>
               <a:t>单击此处编辑母版标题样式</a:t>
             </a:r>
-            <a:endParaRPr lang="zh-CN" altLang="en-US"/>
           </a:p>
         </p:txBody>
       </p:sp>
@@ -5275,7 +5207,6 @@
               <a:rPr lang="zh-CN" altLang="en-US"/>
               <a:t>单击此处编辑母版文本样式</a:t>
             </a:r>
-            <a:endParaRPr lang="zh-CN" altLang="en-US"/>
           </a:p>
           <a:p>
             <a:pPr lvl="1"/>
@@ -5283,7 +5214,6 @@
               <a:rPr lang="zh-CN" altLang="en-US"/>
               <a:t>二级</a:t>
             </a:r>
-            <a:endParaRPr lang="zh-CN" altLang="en-US"/>
           </a:p>
           <a:p>
             <a:pPr lvl="2"/>
@@ -5291,7 +5221,6 @@
               <a:rPr lang="zh-CN" altLang="en-US"/>
               <a:t>三级</a:t>
             </a:r>
-            <a:endParaRPr lang="zh-CN" altLang="en-US"/>
           </a:p>
           <a:p>
             <a:pPr lvl="3"/>
@@ -5299,7 +5228,6 @@
               <a:rPr lang="zh-CN" altLang="en-US"/>
               <a:t>四级</a:t>
             </a:r>
-            <a:endParaRPr lang="zh-CN" altLang="en-US"/>
           </a:p>
           <a:p>
             <a:pPr lvl="4"/>
@@ -5307,7 +5235,6 @@
               <a:rPr lang="zh-CN" altLang="en-US"/>
               <a:t>五级</a:t>
             </a:r>
-            <a:endParaRPr lang="zh-CN" altLang="en-US"/>
           </a:p>
         </p:txBody>
       </p:sp>
@@ -5346,6 +5273,7 @@
           <a:p>
             <a:fld id="{FD6793B7-98D2-4E7A-AA0F-FD7C44A279B7}" type="datetimeFigureOut">
               <a:rPr lang="zh-CN" altLang="en-US" smtClean="0"/>
+              <a:t>2021/9/5</a:t>
             </a:fld>
             <a:endParaRPr lang="zh-CN" altLang="en-US"/>
           </a:p>
@@ -5423,6 +5351,7 @@
           <a:p>
             <a:fld id="{14B251CC-5374-4BED-9F61-012454F8ECCD}" type="slidenum">
               <a:rPr lang="zh-CN" altLang="en-US" smtClean="0"/>
+              <a:t>‹#›</a:t>
             </a:fld>
             <a:endParaRPr lang="zh-CN" altLang="en-US"/>
           </a:p>
@@ -5766,10 +5695,6 @@
               </a:rPr>
               <a:t>每周汇报</a:t>
             </a:r>
-            <a:endParaRPr lang="zh-CN" altLang="en-US" dirty="0">
-              <a:latin typeface="微软雅黑" panose="020B0503020204020204" pitchFamily="34" charset="-122"/>
-              <a:ea typeface="微软雅黑" panose="020B0503020204020204" pitchFamily="34" charset="-122"/>
-            </a:endParaRPr>
           </a:p>
         </p:txBody>
       </p:sp>
@@ -5786,7 +5711,7 @@
         <p:spPr/>
         <p:txBody>
           <a:bodyPr>
-            <a:normAutofit fontScale="92500" lnSpcReduction="20000"/>
+            <a:normAutofit fontScale="92500" lnSpcReduction="10000"/>
           </a:bodyPr>
           <a:lstStyle/>
           <a:p>
@@ -5817,21 +5742,21 @@
               <a:t>9</a:t>
             </a:r>
             <a:r>
-              <a:rPr lang="zh-CN" altLang="en-US" sz="2800" dirty="0">
+              <a:rPr lang="zh-CN" altLang="en-US" sz="2800" dirty="0" smtClean="0">
                 <a:latin typeface="微软雅黑" panose="020B0503020204020204" pitchFamily="34" charset="-122"/>
                 <a:ea typeface="微软雅黑" panose="020B0503020204020204" pitchFamily="34" charset="-122"/>
               </a:rPr>
               <a:t>月</a:t>
             </a:r>
             <a:r>
-              <a:rPr lang="en-US" altLang="zh-CN" sz="2800" dirty="0">
+              <a:rPr lang="en-US" altLang="zh-CN" sz="2800" dirty="0" smtClean="0">
                 <a:latin typeface="微软雅黑" panose="020B0503020204020204" pitchFamily="34" charset="-122"/>
                 <a:ea typeface="微软雅黑" panose="020B0503020204020204" pitchFamily="34" charset="-122"/>
               </a:rPr>
-              <a:t>4</a:t>
-            </a:r>
-            <a:r>
-              <a:rPr lang="zh-CN" altLang="en-US" sz="2800" dirty="0">
+              <a:t>6</a:t>
+            </a:r>
+            <a:r>
+              <a:rPr lang="zh-CN" altLang="en-US" sz="2800" dirty="0" smtClean="0">
                 <a:latin typeface="微软雅黑" panose="020B0503020204020204" pitchFamily="34" charset="-122"/>
                 <a:ea typeface="微软雅黑" panose="020B0503020204020204" pitchFamily="34" charset="-122"/>
               </a:rPr>
@@ -5935,10 +5860,6 @@
               </a:rPr>
               <a:t>博弈论结合组内推荐：</a:t>
             </a:r>
-            <a:endParaRPr lang="zh-CN" altLang="en-US" b="1" dirty="0">
-              <a:latin typeface="微软雅黑" panose="020B0503020204020204" pitchFamily="34" charset="-122"/>
-              <a:ea typeface="微软雅黑" panose="020B0503020204020204" pitchFamily="34" charset="-122"/>
-            </a:endParaRPr>
           </a:p>
         </p:txBody>
       </p:sp>
@@ -6011,37 +5932,12 @@
               <a:rPr lang="zh-CN" altLang="en-US" dirty="0"/>
               <a:t>量化组内成员的需求，通过收益矩阵找出利润最大的推荐结果。</a:t>
             </a:r>
-            <a:endParaRPr lang="zh-CN" altLang="en-US" dirty="0"/>
           </a:p>
         </p:txBody>
       </p:sp>
       <p:pic>
         <p:nvPicPr>
           <p:cNvPr id="11" name="图片 10"/>
-          <p:cNvPicPr>
-            <a:picLocks noChangeAspect="1"/>
-          </p:cNvPicPr>
-          <p:nvPr/>
-        </p:nvPicPr>
-        <p:blipFill>
-          <a:blip r:embed="rId1"/>
-          <a:stretch>
-            <a:fillRect/>
-          </a:stretch>
-        </p:blipFill>
-        <p:spPr>
-          <a:xfrm>
-            <a:off x="7080250" y="2548255"/>
-            <a:ext cx="4273550" cy="1400810"/>
-          </a:xfrm>
-          <a:prstGeom prst="rect">
-            <a:avLst/>
-          </a:prstGeom>
-        </p:spPr>
-      </p:pic>
-      <p:pic>
-        <p:nvPicPr>
-          <p:cNvPr id="12" name="图片 11"/>
           <p:cNvPicPr>
             <a:picLocks noChangeAspect="1"/>
           </p:cNvPicPr>
@@ -6055,6 +5951,30 @@
         </p:blipFill>
         <p:spPr>
           <a:xfrm>
+            <a:off x="7080250" y="2548255"/>
+            <a:ext cx="4273550" cy="1400810"/>
+          </a:xfrm>
+          <a:prstGeom prst="rect">
+            <a:avLst/>
+          </a:prstGeom>
+        </p:spPr>
+      </p:pic>
+      <p:pic>
+        <p:nvPicPr>
+          <p:cNvPr id="12" name="图片 11"/>
+          <p:cNvPicPr>
+            <a:picLocks noChangeAspect="1"/>
+          </p:cNvPicPr>
+          <p:nvPr/>
+        </p:nvPicPr>
+        <p:blipFill>
+          <a:blip r:embed="rId3"/>
+          <a:stretch>
+            <a:fillRect/>
+          </a:stretch>
+        </p:blipFill>
+        <p:spPr>
+          <a:xfrm>
             <a:off x="5594146" y="3949157"/>
             <a:ext cx="5759445" cy="2808513"/>
           </a:xfrm>
@@ -6083,19 +6003,18 @@
           <a:bodyPr wrap="square" rtlCol="0">
             <a:spAutoFit/>
           </a:bodyPr>
+          <a:lstStyle/>
           <a:p>
             <a:r>
               <a:rPr lang="zh-CN" altLang="en-US"/>
               <a:t>问题场景——学生分组，推荐教育资源。</a:t>
             </a:r>
-            <a:endParaRPr lang="zh-CN" altLang="en-US"/>
           </a:p>
           <a:p>
             <a:r>
               <a:rPr lang="zh-CN" altLang="en-US"/>
               <a:t>贡献：量化学生需求，博弈论寻找纳什均衡。</a:t>
             </a:r>
-            <a:endParaRPr lang="zh-CN" altLang="en-US"/>
           </a:p>
         </p:txBody>
       </p:sp>
@@ -6148,10 +6067,6 @@
               </a:rPr>
               <a:t>Game Theory Based Peer Grading Mechanisms For MOOCs</a:t>
             </a:r>
-            <a:endParaRPr lang="en-US" altLang="zh-CN" sz="3200" dirty="0">
-              <a:latin typeface="Times New Roman" panose="02020603050405020304" pitchFamily="18" charset="0"/>
-              <a:cs typeface="Times New Roman" panose="02020603050405020304" pitchFamily="18" charset="0"/>
-            </a:endParaRPr>
           </a:p>
         </p:txBody>
       </p:sp>
@@ -6225,7 +6140,6 @@
               <a:rPr lang="zh-CN" altLang="en-US" dirty="0"/>
               <a:t>种基于博弈论的评分规则，并在众包的实验环境中证明了其中几种方法的有效性。</a:t>
             </a:r>
-            <a:endParaRPr lang="zh-CN" altLang="en-US" dirty="0"/>
           </a:p>
         </p:txBody>
       </p:sp>
@@ -6255,12 +6169,11 @@
               <a:rPr lang="zh-CN" altLang="en-US" dirty="0"/>
               <a:t>评价指标公式：</a:t>
             </a:r>
-            <a:endParaRPr lang="zh-CN" altLang="en-US" dirty="0"/>
-          </a:p>
-        </p:txBody>
-      </p:sp>
-      <mc:AlternateContent xmlns:mc="http://schemas.openxmlformats.org/markup-compatibility/2006">
-        <mc:Choice xmlns:a14="http://schemas.microsoft.com/office/drawing/2010/main" Requires="a14">
+          </a:p>
+        </p:txBody>
+      </p:sp>
+      <mc:AlternateContent xmlns:mc="http://schemas.openxmlformats.org/markup-compatibility/2006" xmlns:a14="http://schemas.microsoft.com/office/drawing/2010/main">
+        <mc:Choice Requires="a14">
           <p:sp>
             <p:nvSpPr>
               <p:cNvPr id="6" name="文本框 5"/>
@@ -6283,6 +6196,7 @@
               </a:bodyPr>
               <a:lstStyle/>
               <a:p>
+                <a:pPr/>
                 <a14:m>
                   <m:oMathPara xmlns:m="http://schemas.openxmlformats.org/officeDocument/2006/math">
                     <m:oMathParaPr>
@@ -6320,14 +6234,7 @@
                               <a:latin typeface="Cambria Math" panose="02040503050406030204" pitchFamily="18" charset="0"/>
                               <a:ea typeface="Cambria Math" panose="02040503050406030204" pitchFamily="18" charset="0"/>
                             </a:rPr>
-                            <m:t>≥</m:t>
-                          </m:r>
-                          <m:r>
-                            <a:rPr lang="en-US" altLang="zh-CN" b="0" i="1" smtClean="0">
-                              <a:latin typeface="Cambria Math" panose="02040503050406030204" pitchFamily="18" charset="0"/>
-                              <a:ea typeface="Cambria Math" panose="02040503050406030204" pitchFamily="18" charset="0"/>
-                            </a:rPr>
-                            <m:t>1</m:t>
+                            <m:t>≥1</m:t>
                           </m:r>
                         </m:sub>
                       </m:sSub>
@@ -6475,14 +6382,7 @@
                               <a:latin typeface="Cambria Math" panose="02040503050406030204" pitchFamily="18" charset="0"/>
                               <a:ea typeface="Cambria Math" panose="02040503050406030204" pitchFamily="18" charset="0"/>
                             </a:rPr>
-                            <m:t>≥</m:t>
-                          </m:r>
-                          <m:r>
-                            <a:rPr lang="en-US" altLang="zh-CN" b="0" i="1" smtClean="0">
-                              <a:latin typeface="Cambria Math" panose="02040503050406030204" pitchFamily="18" charset="0"/>
-                              <a:ea typeface="Cambria Math" panose="02040503050406030204" pitchFamily="18" charset="0"/>
-                            </a:rPr>
-                            <m:t>1</m:t>
+                            <m:t>≥1</m:t>
                           </m:r>
                         </m:sub>
                       </m:sSub>
@@ -6531,7 +6431,7 @@
             </p:txBody>
           </p:sp>
         </mc:Choice>
-        <mc:Fallback>
+        <mc:Fallback xmlns="">
           <p:sp>
             <p:nvSpPr>
               <p:cNvPr id="6" name="文本框 5"/>
@@ -6549,7 +6449,7 @@
                 <a:avLst/>
               </a:prstGeom>
               <a:blipFill rotWithShape="1">
-                <a:blip r:embed="rId1"/>
+                <a:blip r:embed="rId2"/>
                 <a:stretch>
                   <a:fillRect l="-8" t="-213" r="-657" b="34"/>
                 </a:stretch>
@@ -6570,8 +6470,8 @@
           </p:sp>
         </mc:Fallback>
       </mc:AlternateContent>
-      <mc:AlternateContent xmlns:mc="http://schemas.openxmlformats.org/markup-compatibility/2006">
-        <mc:Choice xmlns:a14="http://schemas.microsoft.com/office/drawing/2010/main" Requires="a14">
+      <mc:AlternateContent xmlns:mc="http://schemas.openxmlformats.org/markup-compatibility/2006" xmlns:a14="http://schemas.microsoft.com/office/drawing/2010/main">
+        <mc:Choice Requires="a14">
           <p:sp>
             <p:nvSpPr>
               <p:cNvPr id="8" name="文本框 7"/>
@@ -6723,12 +6623,11 @@
                   <a:rPr lang="zh-CN" altLang="en-US" dirty="0"/>
                   <a:t>个同学被老师打出的分数。</a:t>
                 </a:r>
-                <a:endParaRPr lang="zh-CN" altLang="en-US" dirty="0"/>
               </a:p>
             </p:txBody>
           </p:sp>
         </mc:Choice>
-        <mc:Fallback>
+        <mc:Fallback xmlns="">
           <p:sp>
             <p:nvSpPr>
               <p:cNvPr id="8" name="文本框 7"/>
@@ -6746,7 +6645,7 @@
                 <a:avLst/>
               </a:prstGeom>
               <a:blipFill rotWithShape="1">
-                <a:blip r:embed="rId2"/>
+                <a:blip r:embed="rId3"/>
                 <a:stretch>
                   <a:fillRect t="-57" r="2" b="61"/>
                 </a:stretch>
@@ -6816,10 +6715,6 @@
               </a:rPr>
               <a:t>Game Theory Based Peer Grading Mechanisms For MOOCs</a:t>
             </a:r>
-            <a:endParaRPr lang="en-US" altLang="zh-CN" sz="3200" dirty="0">
-              <a:latin typeface="Times New Roman" panose="02020603050405020304" pitchFamily="18" charset="0"/>
-              <a:cs typeface="Times New Roman" panose="02020603050405020304" pitchFamily="18" charset="0"/>
-            </a:endParaRPr>
           </a:p>
         </p:txBody>
       </p:sp>
@@ -6868,7 +6763,7 @@
           <p:nvPr/>
         </p:nvPicPr>
         <p:blipFill>
-          <a:blip r:embed="rId1"/>
+          <a:blip r:embed="rId2"/>
           <a:stretch>
             <a:fillRect/>
           </a:stretch>
@@ -6962,10 +6857,6 @@
               </a:rPr>
               <a:t>是学生的分数，输出为学生的幸福指数。其中每次修改作业都会消耗一点幸福指数。</a:t>
             </a:r>
-            <a:endParaRPr lang="zh-CN" altLang="en-US" dirty="0">
-              <a:latin typeface="微软雅黑" panose="020B0503020204020204" pitchFamily="34" charset="-122"/>
-              <a:ea typeface="微软雅黑" panose="020B0503020204020204" pitchFamily="34" charset="-122"/>
-            </a:endParaRPr>
           </a:p>
         </p:txBody>
       </p:sp>
@@ -7018,10 +6909,6 @@
               </a:rPr>
               <a:t>Game Theory Based Peer Grading Mechanisms For MOOCs</a:t>
             </a:r>
-            <a:endParaRPr lang="en-US" altLang="zh-CN" sz="3200" dirty="0">
-              <a:latin typeface="Times New Roman" panose="02020603050405020304" pitchFamily="18" charset="0"/>
-              <a:cs typeface="Times New Roman" panose="02020603050405020304" pitchFamily="18" charset="0"/>
-            </a:endParaRPr>
           </a:p>
         </p:txBody>
       </p:sp>
@@ -7090,10 +6977,6 @@
               </a:rPr>
               <a:t>改进的校准机制减轻了这个问题，通过引入多个校准的论文，以牺牲更多的工作，提高了客观分数。然而，由于这种机制创建的工作不能很好地随类大小伸缩，因此开发了演绎机制。</a:t>
             </a:r>
-            <a:endParaRPr lang="zh-CN" altLang="en-US" dirty="0">
-              <a:latin typeface="微软雅黑" panose="020B0503020204020204" pitchFamily="34" charset="-122"/>
-              <a:ea typeface="微软雅黑" panose="020B0503020204020204" pitchFamily="34" charset="-122"/>
-            </a:endParaRPr>
           </a:p>
         </p:txBody>
       </p:sp>
@@ -7106,7 +6989,7 @@
           <p:nvPr/>
         </p:nvPicPr>
         <p:blipFill>
-          <a:blip r:embed="rId1"/>
+          <a:blip r:embed="rId2"/>
           <a:stretch>
             <a:fillRect/>
           </a:stretch>
@@ -7170,10 +7053,6 @@
               </a:rPr>
               <a:t>Game Theory Based Peer Grading Mechanisms For MOOCs</a:t>
             </a:r>
-            <a:endParaRPr lang="en-US" altLang="zh-CN" sz="3200" dirty="0">
-              <a:latin typeface="Times New Roman" panose="02020603050405020304" pitchFamily="18" charset="0"/>
-              <a:cs typeface="Times New Roman" panose="02020603050405020304" pitchFamily="18" charset="0"/>
-            </a:endParaRPr>
           </a:p>
         </p:txBody>
       </p:sp>
@@ -7292,10 +7171,6 @@
               </a:rPr>
               <a:t>是学生的分数，输出为学生的幸福指数。其中每次修改作业都会消耗一点幸福指数。</a:t>
             </a:r>
-            <a:endParaRPr lang="zh-CN" altLang="en-US" dirty="0">
-              <a:latin typeface="微软雅黑" panose="020B0503020204020204" pitchFamily="34" charset="-122"/>
-              <a:ea typeface="微软雅黑" panose="020B0503020204020204" pitchFamily="34" charset="-122"/>
-            </a:endParaRPr>
           </a:p>
         </p:txBody>
       </p:sp>
@@ -7308,7 +7183,7 @@
           <p:nvPr/>
         </p:nvPicPr>
         <p:blipFill>
-          <a:blip r:embed="rId1"/>
+          <a:blip r:embed="rId2"/>
           <a:stretch>
             <a:fillRect/>
           </a:stretch>
@@ -7372,10 +7247,6 @@
               </a:rPr>
               <a:t>Game Theory Based Peer Grading Mechanisms For MOOCs</a:t>
             </a:r>
-            <a:endParaRPr lang="en-US" altLang="zh-CN" sz="3200" dirty="0">
-              <a:latin typeface="Times New Roman" panose="02020603050405020304" pitchFamily="18" charset="0"/>
-              <a:cs typeface="Times New Roman" panose="02020603050405020304" pitchFamily="18" charset="0"/>
-            </a:endParaRPr>
           </a:p>
         </p:txBody>
       </p:sp>
@@ -7388,7 +7259,7 @@
           <p:nvPr/>
         </p:nvPicPr>
         <p:blipFill>
-          <a:blip r:embed="rId1"/>
+          <a:blip r:embed="rId2"/>
           <a:stretch>
             <a:fillRect/>
           </a:stretch>
@@ -7648,10 +7519,6 @@
               </a:rPr>
               <a:t>均衡）</a:t>
             </a:r>
-            <a:endParaRPr lang="zh-CN" altLang="en-US" dirty="0">
-              <a:latin typeface="微软雅黑" panose="020B0503020204020204" pitchFamily="34" charset="-122"/>
-              <a:ea typeface="微软雅黑" panose="020B0503020204020204" pitchFamily="34" charset="-122"/>
-            </a:endParaRPr>
           </a:p>
         </p:txBody>
       </p:sp>
@@ -7703,7 +7570,6 @@
               <a:rPr lang="zh-CN" altLang="en-US" dirty="0"/>
               <a:t>防守者</a:t>
             </a:r>
-            <a:endParaRPr lang="zh-CN" altLang="en-US" dirty="0"/>
           </a:p>
         </p:txBody>
       </p:sp>
@@ -7755,7 +7621,6 @@
               <a:rPr lang="zh-CN" altLang="en-US" dirty="0"/>
               <a:t>攻击者</a:t>
             </a:r>
-            <a:endParaRPr lang="zh-CN" altLang="en-US" dirty="0"/>
           </a:p>
         </p:txBody>
       </p:sp>
@@ -7807,7 +7672,6 @@
               <a:rPr lang="zh-CN" altLang="en-US" dirty="0"/>
               <a:t>决策</a:t>
             </a:r>
-            <a:endParaRPr lang="zh-CN" altLang="en-US" dirty="0"/>
           </a:p>
         </p:txBody>
       </p:sp>
@@ -7977,10 +7841,6 @@
               </a:rPr>
               <a:t>AAAI-2015-Incentivizing Peer Grading in MOOCS: an Audit Game Approach</a:t>
             </a:r>
-            <a:endParaRPr lang="en-US" altLang="zh-CN" sz="2000" dirty="0">
-              <a:latin typeface="Times New Roman" panose="02020603050405020304" pitchFamily="18" charset="0"/>
-              <a:cs typeface="Times New Roman" panose="02020603050405020304" pitchFamily="18" charset="0"/>
-            </a:endParaRPr>
           </a:p>
           <a:p>
             <a:pPr marL="0" indent="0">
@@ -7993,10 +7853,6 @@
               </a:rPr>
               <a:t>AAAI-2018-Optimal Spot-Checking for Improving Evaluation Accuracy of Peer Grading Systems</a:t>
             </a:r>
-            <a:endParaRPr lang="en-US" altLang="zh-CN" sz="2000" dirty="0">
-              <a:latin typeface="Times New Roman" panose="02020603050405020304" pitchFamily="18" charset="0"/>
-              <a:cs typeface="Times New Roman" panose="02020603050405020304" pitchFamily="18" charset="0"/>
-            </a:endParaRPr>
           </a:p>
           <a:p>
             <a:pPr marL="0" indent="0">
@@ -8009,10 +7865,6 @@
               </a:rPr>
               <a:t>dl.acm.org-2015-Mechanical TA: Partially Automated High-Stakes Peer Grading</a:t>
             </a:r>
-            <a:endParaRPr lang="en-US" altLang="zh-CN" sz="2000" dirty="0">
-              <a:latin typeface="Times New Roman" panose="02020603050405020304" pitchFamily="18" charset="0"/>
-              <a:cs typeface="Times New Roman" panose="02020603050405020304" pitchFamily="18" charset="0"/>
-            </a:endParaRPr>
           </a:p>
           <a:p>
             <a:pPr marL="0" indent="0">
@@ -8076,10 +7928,6 @@
               </a:rPr>
               <a:t>教师</a:t>
             </a:r>
-            <a:endParaRPr lang="zh-CN" altLang="en-US" sz="2800" dirty="0">
-              <a:latin typeface="微软雅黑" panose="020B0503020204020204" pitchFamily="34" charset="-122"/>
-              <a:ea typeface="微软雅黑" panose="020B0503020204020204" pitchFamily="34" charset="-122"/>
-            </a:endParaRPr>
           </a:p>
         </p:txBody>
       </p:sp>
@@ -8134,10 +7982,6 @@
               </a:rPr>
               <a:t>学生</a:t>
             </a:r>
-            <a:endParaRPr lang="zh-CN" altLang="en-US" sz="2800" dirty="0">
-              <a:latin typeface="微软雅黑" panose="020B0503020204020204" pitchFamily="34" charset="-122"/>
-              <a:ea typeface="微软雅黑" panose="020B0503020204020204" pitchFamily="34" charset="-122"/>
-            </a:endParaRPr>
           </a:p>
         </p:txBody>
       </p:sp>
@@ -8291,6 +8135,7 @@
           <a:bodyPr wrap="square" rtlCol="0">
             <a:spAutoFit/>
           </a:bodyPr>
+          <a:lstStyle/>
           <a:p>
             <a:r>
               <a:rPr lang="zh-CN" altLang="en-US" sz="2400">
@@ -8300,11 +8145,6 @@
               </a:rPr>
               <a:t>演化博弈论 (Evolutionary Game Theory)</a:t>
             </a:r>
-            <a:endParaRPr lang="zh-CN" altLang="en-US" sz="2400">
-              <a:latin typeface="微软雅黑" panose="020B0503020204020204" pitchFamily="34" charset="-122"/>
-              <a:ea typeface="微软雅黑" panose="020B0503020204020204" pitchFamily="34" charset="-122"/>
-              <a:cs typeface="微软雅黑" panose="020B0503020204020204" pitchFamily="34" charset="-122"/>
-            </a:endParaRPr>
           </a:p>
           <a:p>
             <a:endParaRPr lang="zh-CN" altLang="en-US"/>
@@ -8317,10 +8157,6 @@
               </a:rPr>
               <a:t>鹰鸽博弈</a:t>
             </a:r>
-            <a:endParaRPr lang="zh-CN" altLang="en-US">
-              <a:latin typeface="微软雅黑" panose="020B0503020204020204" pitchFamily="34" charset="-122"/>
-              <a:ea typeface="微软雅黑" panose="020B0503020204020204" pitchFamily="34" charset="-122"/>
-            </a:endParaRPr>
           </a:p>
         </p:txBody>
       </p:sp>
@@ -8331,7 +8167,7 @@
           <p:nvPr/>
         </p:nvPicPr>
         <p:blipFill>
-          <a:blip r:embed="rId1"/>
+          <a:blip r:embed="rId2"/>
           <a:stretch>
             <a:fillRect/>
           </a:stretch>
@@ -8370,6 +8206,7 @@
           <a:bodyPr wrap="square" rtlCol="0">
             <a:spAutoFit/>
           </a:bodyPr>
+          <a:lstStyle/>
           <a:p>
             <a:r>
               <a:rPr lang="zh-CN" altLang="en-US"/>
@@ -8456,6 +8293,7 @@
           <a:bodyPr wrap="square" rtlCol="0">
             <a:spAutoFit/>
           </a:bodyPr>
+          <a:lstStyle/>
           <a:p>
             <a:r>
               <a:rPr lang="zh-CN" altLang="en-US">
@@ -8464,10 +8302,6 @@
               </a:rPr>
               <a:t>假设V = 6， C = 18：</a:t>
             </a:r>
-            <a:endParaRPr lang="zh-CN" altLang="en-US">
-              <a:latin typeface="微软雅黑" panose="020B0503020204020204" pitchFamily="34" charset="-122"/>
-              <a:ea typeface="微软雅黑" panose="020B0503020204020204" pitchFamily="34" charset="-122"/>
-            </a:endParaRPr>
           </a:p>
         </p:txBody>
       </p:sp>
@@ -8491,6 +8325,7 @@
           <a:bodyPr wrap="square" rtlCol="0">
             <a:spAutoFit/>
           </a:bodyPr>
+          <a:lstStyle/>
           <a:p>
             <a:r>
               <a:t>结局应该是鹰和鸽各占一定的比例。</a:t>
@@ -8505,7 +8340,7 @@
           <p:nvPr/>
         </p:nvPicPr>
         <p:blipFill>
-          <a:blip r:embed="rId1"/>
+          <a:blip r:embed="rId2"/>
           <a:stretch>
             <a:fillRect/>
           </a:stretch>
@@ -8571,10 +8406,6 @@
               </a:rPr>
               <a:t>上周汇报总结</a:t>
             </a:r>
-            <a:endParaRPr lang="zh-CN" altLang="en-US" dirty="0">
-              <a:latin typeface="微软雅黑" panose="020B0503020204020204" pitchFamily="34" charset="-122"/>
-              <a:ea typeface="微软雅黑" panose="020B0503020204020204" pitchFamily="34" charset="-122"/>
-            </a:endParaRPr>
           </a:p>
         </p:txBody>
       </p:sp>
@@ -8611,11 +8442,6 @@
               </a:rPr>
               <a:t>Blend Learning</a:t>
             </a:r>
-            <a:endParaRPr lang="en-US" altLang="zh-CN" sz="2000" dirty="0">
-              <a:latin typeface="微软雅黑" panose="020B0503020204020204" pitchFamily="34" charset="-122"/>
-              <a:ea typeface="微软雅黑" panose="020B0503020204020204" pitchFamily="34" charset="-122"/>
-              <a:cs typeface="Times New Roman" panose="02020603050405020304" pitchFamily="18" charset="0"/>
-            </a:endParaRPr>
           </a:p>
         </p:txBody>
       </p:sp>
@@ -8628,7 +8454,7 @@
           <p:nvPr/>
         </p:nvPicPr>
         <p:blipFill>
-          <a:blip r:embed="rId1"/>
+          <a:blip r:embed="rId2"/>
           <a:stretch>
             <a:fillRect/>
           </a:stretch>
@@ -8716,36 +8542,28 @@
           <a:bodyPr wrap="square" rtlCol="0">
             <a:spAutoFit/>
           </a:bodyPr>
-          <a:p>
-            <a:r>
-              <a:rPr lang="zh-CN" altLang="en-US" sz="2400">
+          <a:lstStyle/>
+          <a:p>
+            <a:r>
+              <a:rPr lang="zh-CN" altLang="en-US" sz="2400" dirty="0">
                 <a:latin typeface="微软雅黑" panose="020B0503020204020204" pitchFamily="34" charset="-122"/>
                 <a:ea typeface="微软雅黑" panose="020B0503020204020204" pitchFamily="34" charset="-122"/>
                 <a:cs typeface="微软雅黑" panose="020B0503020204020204" pitchFamily="34" charset="-122"/>
               </a:rPr>
               <a:t>演化博弈论 (Evolutionary Game Theory)</a:t>
             </a:r>
-            <a:endParaRPr lang="zh-CN" altLang="en-US" sz="2400">
-              <a:latin typeface="微软雅黑" panose="020B0503020204020204" pitchFamily="34" charset="-122"/>
-              <a:ea typeface="微软雅黑" panose="020B0503020204020204" pitchFamily="34" charset="-122"/>
-              <a:cs typeface="微软雅黑" panose="020B0503020204020204" pitchFamily="34" charset="-122"/>
-            </a:endParaRPr>
-          </a:p>
-          <a:p>
-            <a:endParaRPr lang="zh-CN" altLang="en-US"/>
-          </a:p>
-          <a:p>
-            <a:r>
-              <a:rPr lang="zh-CN" altLang="en-US">
+          </a:p>
+          <a:p>
+            <a:endParaRPr lang="zh-CN" altLang="en-US" dirty="0"/>
+          </a:p>
+          <a:p>
+            <a:r>
+              <a:rPr lang="zh-CN" altLang="en-US" dirty="0">
                 <a:latin typeface="微软雅黑" panose="020B0503020204020204" pitchFamily="34" charset="-122"/>
                 <a:ea typeface="微软雅黑" panose="020B0503020204020204" pitchFamily="34" charset="-122"/>
               </a:rPr>
               <a:t>不再将人模型化为超级理性的博弈方，而是认为人类通常是通过试错的方法达到博弈均衡的，与生物进化原理具有共性，所选择的均衡是达到均衡的均衡过程的函数，因而历史、制度因素以及均衡过程的某些细节均会对博弈的多重均衡的选择产生影响。</a:t>
             </a:r>
-            <a:endParaRPr lang="zh-CN" altLang="en-US">
-              <a:latin typeface="微软雅黑" panose="020B0503020204020204" pitchFamily="34" charset="-122"/>
-              <a:ea typeface="微软雅黑" panose="020B0503020204020204" pitchFamily="34" charset="-122"/>
-            </a:endParaRPr>
           </a:p>
         </p:txBody>
       </p:sp>
@@ -8769,20 +8587,16 @@
           <a:bodyPr wrap="square" rtlCol="0" anchor="t">
             <a:spAutoFit/>
           </a:bodyPr>
-          <a:p>
-            <a:r>
-              <a:rPr lang="zh-CN" altLang="en-US">
+          <a:lstStyle/>
+          <a:p>
+            <a:r>
+              <a:rPr lang="zh-CN" altLang="en-US" dirty="0">
                 <a:latin typeface="微软雅黑" panose="020B0503020204020204" pitchFamily="34" charset="-122"/>
                 <a:ea typeface="微软雅黑" panose="020B0503020204020204" pitchFamily="34" charset="-122"/>
                 <a:cs typeface="微软雅黑" panose="020B0503020204020204" pitchFamily="34" charset="-122"/>
               </a:rPr>
               <a:t>复制动态方程——演化的过程</a:t>
             </a:r>
-            <a:endParaRPr lang="zh-CN" altLang="en-US">
-              <a:latin typeface="微软雅黑" panose="020B0503020204020204" pitchFamily="34" charset="-122"/>
-              <a:ea typeface="微软雅黑" panose="020B0503020204020204" pitchFamily="34" charset="-122"/>
-              <a:cs typeface="微软雅黑" panose="020B0503020204020204" pitchFamily="34" charset="-122"/>
-            </a:endParaRPr>
           </a:p>
         </p:txBody>
       </p:sp>
@@ -8806,20 +8620,16 @@
           <a:bodyPr wrap="square" rtlCol="0" anchor="t">
             <a:spAutoFit/>
           </a:bodyPr>
-          <a:p>
-            <a:r>
-              <a:rPr lang="zh-CN" altLang="en-US">
+          <a:lstStyle/>
+          <a:p>
+            <a:r>
+              <a:rPr lang="zh-CN" altLang="en-US" dirty="0">
                 <a:latin typeface="微软雅黑" panose="020B0503020204020204" pitchFamily="34" charset="-122"/>
                 <a:ea typeface="微软雅黑" panose="020B0503020204020204" pitchFamily="34" charset="-122"/>
                 <a:cs typeface="微软雅黑" panose="020B0503020204020204" pitchFamily="34" charset="-122"/>
               </a:rPr>
               <a:t>雅可比矩阵——计算稳定的ESS</a:t>
             </a:r>
-            <a:endParaRPr lang="zh-CN" altLang="en-US">
-              <a:latin typeface="微软雅黑" panose="020B0503020204020204" pitchFamily="34" charset="-122"/>
-              <a:ea typeface="微软雅黑" panose="020B0503020204020204" pitchFamily="34" charset="-122"/>
-              <a:cs typeface="微软雅黑" panose="020B0503020204020204" pitchFamily="34" charset="-122"/>
-            </a:endParaRPr>
           </a:p>
         </p:txBody>
       </p:sp>
@@ -8896,6 +8706,7 @@
           <a:bodyPr wrap="square" rtlCol="0" anchor="t">
             <a:spAutoFit/>
           </a:bodyPr>
+          <a:lstStyle/>
           <a:p>
             <a:r>
               <a:rPr lang="zh-CN" altLang="en-US">
@@ -8905,11 +8716,6 @@
               </a:rPr>
               <a:t>复制动态方程——演化的过程</a:t>
             </a:r>
-            <a:endParaRPr lang="zh-CN" altLang="en-US">
-              <a:latin typeface="微软雅黑" panose="020B0503020204020204" pitchFamily="34" charset="-122"/>
-              <a:ea typeface="微软雅黑" panose="020B0503020204020204" pitchFamily="34" charset="-122"/>
-              <a:cs typeface="微软雅黑" panose="020B0503020204020204" pitchFamily="34" charset="-122"/>
-            </a:endParaRPr>
           </a:p>
         </p:txBody>
       </p:sp>
@@ -8944,13 +8750,13 @@
         </p:style>
         <p:txBody>
           <a:bodyPr rtlCol="0" anchor="ctr"/>
+          <a:lstStyle/>
           <a:p>
             <a:pPr algn="ctr"/>
             <a:r>
               <a:rPr lang="zh-CN" altLang="en-US"/>
               <a:t>策略</a:t>
             </a:r>
-            <a:endParaRPr lang="zh-CN" altLang="en-US"/>
           </a:p>
         </p:txBody>
       </p:sp>
@@ -8985,13 +8791,13 @@
         </p:style>
         <p:txBody>
           <a:bodyPr rtlCol="0" anchor="ctr"/>
+          <a:lstStyle/>
           <a:p>
             <a:pPr algn="ctr"/>
             <a:r>
-              <a:rPr lang="zh-CN" altLang="en-US"/>
+              <a:rPr lang="zh-CN" altLang="en-US" dirty="0"/>
               <a:t>上次收益最高的策略</a:t>
             </a:r>
-            <a:endParaRPr lang="zh-CN" altLang="en-US"/>
           </a:p>
         </p:txBody>
       </p:sp>
@@ -9026,13 +8832,13 @@
         </p:style>
         <p:txBody>
           <a:bodyPr rtlCol="0" anchor="ctr"/>
+          <a:lstStyle/>
           <a:p>
             <a:pPr algn="ctr"/>
             <a:r>
-              <a:rPr lang="zh-CN" altLang="en-US"/>
+              <a:rPr lang="zh-CN" altLang="en-US" dirty="0"/>
               <a:t>原策略</a:t>
             </a:r>
-            <a:endParaRPr lang="zh-CN" altLang="en-US"/>
           </a:p>
         </p:txBody>
       </p:sp>
@@ -9128,12 +8934,12 @@
           <a:bodyPr wrap="square" rtlCol="0">
             <a:spAutoFit/>
           </a:bodyPr>
-          <a:p>
-            <a:r>
-              <a:rPr lang="zh-CN" altLang="en-US"/>
+          <a:lstStyle/>
+          <a:p>
+            <a:r>
+              <a:rPr lang="zh-CN" altLang="en-US" dirty="0"/>
               <a:t>下次策略</a:t>
             </a:r>
-            <a:endParaRPr lang="zh-CN" altLang="en-US"/>
           </a:p>
         </p:txBody>
       </p:sp>
@@ -9210,6 +9016,7 @@
           <a:bodyPr wrap="square" rtlCol="0" anchor="t">
             <a:spAutoFit/>
           </a:bodyPr>
+          <a:lstStyle/>
           <a:p>
             <a:r>
               <a:rPr lang="zh-CN" altLang="en-US">
@@ -9219,11 +9026,6 @@
               </a:rPr>
               <a:t>雅可比矩阵——计算稳定的ESS</a:t>
             </a:r>
-            <a:endParaRPr lang="zh-CN" altLang="en-US">
-              <a:latin typeface="微软雅黑" panose="020B0503020204020204" pitchFamily="34" charset="-122"/>
-              <a:ea typeface="微软雅黑" panose="020B0503020204020204" pitchFamily="34" charset="-122"/>
-              <a:cs typeface="微软雅黑" panose="020B0503020204020204" pitchFamily="34" charset="-122"/>
-            </a:endParaRPr>
           </a:p>
         </p:txBody>
       </p:sp>
@@ -9300,6 +9102,7 @@
           <a:bodyPr wrap="square" rtlCol="0">
             <a:spAutoFit/>
           </a:bodyPr>
+          <a:lstStyle/>
           <a:p>
             <a:r>
               <a:rPr lang="zh-CN" altLang="en-US" sz="2400">
@@ -9309,11 +9112,6 @@
               </a:rPr>
               <a:t>演化博弈论 (Evolutionary Game Theory)</a:t>
             </a:r>
-            <a:endParaRPr lang="zh-CN" altLang="en-US" sz="2400">
-              <a:latin typeface="微软雅黑" panose="020B0503020204020204" pitchFamily="34" charset="-122"/>
-              <a:ea typeface="微软雅黑" panose="020B0503020204020204" pitchFamily="34" charset="-122"/>
-              <a:cs typeface="微软雅黑" panose="020B0503020204020204" pitchFamily="34" charset="-122"/>
-            </a:endParaRPr>
           </a:p>
           <a:p>
             <a:endParaRPr lang="zh-CN" altLang="en-US"/>
@@ -9326,10 +9124,6 @@
               </a:rPr>
               <a:t>不再将人模型化为超级理性的博弈方，而是认为人类通常是通过试错的方法达到博弈均衡的，与生物进化原理具有共性，所选择的均衡是达到均衡的均衡过程的函数，因而历史、制度因素以及均衡过程的某些细节均会对博弈的多重均衡的选择产生影响。</a:t>
             </a:r>
-            <a:endParaRPr lang="zh-CN" altLang="en-US">
-              <a:latin typeface="微软雅黑" panose="020B0503020204020204" pitchFamily="34" charset="-122"/>
-              <a:ea typeface="微软雅黑" panose="020B0503020204020204" pitchFamily="34" charset="-122"/>
-            </a:endParaRPr>
           </a:p>
         </p:txBody>
       </p:sp>
@@ -9353,6 +9147,7 @@
           <a:bodyPr wrap="square" rtlCol="0">
             <a:spAutoFit/>
           </a:bodyPr>
+          <a:lstStyle/>
           <a:p>
             <a:r>
               <a:rPr lang="en-US" altLang="zh-CN">
@@ -9375,10 +9170,6 @@
               </a:rPr>
               <a:t>-2008-P2P Incentive Model On Evolutionary Game Theory</a:t>
             </a:r>
-            <a:endParaRPr lang="en-US" altLang="zh-CN">
-              <a:latin typeface="Times New Roman" panose="02020603050405020304" pitchFamily="18" charset="0"/>
-              <a:cs typeface="Times New Roman" panose="02020603050405020304" pitchFamily="18" charset="0"/>
-            </a:endParaRPr>
           </a:p>
           <a:p>
             <a:r>
@@ -9388,10 +9179,6 @@
               </a:rPr>
               <a:t>2. Journal of Network and Computer Applications-2014-Incentive mechanism for P2P file sharing based on social network and game theory</a:t>
             </a:r>
-            <a:endParaRPr lang="en-US" altLang="zh-CN">
-              <a:latin typeface="Times New Roman" panose="02020603050405020304" pitchFamily="18" charset="0"/>
-              <a:cs typeface="Times New Roman" panose="02020603050405020304" pitchFamily="18" charset="0"/>
-            </a:endParaRPr>
           </a:p>
         </p:txBody>
       </p:sp>
@@ -9415,6 +9202,7 @@
           <a:bodyPr wrap="square" rtlCol="0" anchor="t">
             <a:spAutoFit/>
           </a:bodyPr>
+          <a:lstStyle/>
           <a:p>
             <a:r>
               <a:rPr lang="zh-CN" altLang="en-US">
@@ -9432,11 +9220,6 @@
               </a:rPr>
               <a:t>之间的进化博弈论</a:t>
             </a:r>
-            <a:endParaRPr lang="zh-CN" altLang="en-US">
-              <a:latin typeface="微软雅黑" panose="020B0503020204020204" pitchFamily="34" charset="-122"/>
-              <a:ea typeface="微软雅黑" panose="020B0503020204020204" pitchFamily="34" charset="-122"/>
-              <a:cs typeface="微软雅黑" panose="020B0503020204020204" pitchFamily="34" charset="-122"/>
-            </a:endParaRPr>
           </a:p>
         </p:txBody>
       </p:sp>
@@ -9513,6 +9296,7 @@
           <a:bodyPr wrap="square" rtlCol="0">
             <a:spAutoFit/>
           </a:bodyPr>
+          <a:lstStyle/>
           <a:p>
             <a:r>
               <a:rPr lang="zh-CN" altLang="en-US" sz="2400">
@@ -9522,11 +9306,6 @@
               </a:rPr>
               <a:t>酒吧博弈（少数者博弈）</a:t>
             </a:r>
-            <a:endParaRPr lang="zh-CN" altLang="en-US" sz="2400">
-              <a:latin typeface="微软雅黑" panose="020B0503020204020204" pitchFamily="34" charset="-122"/>
-              <a:ea typeface="微软雅黑" panose="020B0503020204020204" pitchFamily="34" charset="-122"/>
-              <a:cs typeface="微软雅黑" panose="020B0503020204020204" pitchFamily="34" charset="-122"/>
-            </a:endParaRPr>
           </a:p>
           <a:p>
             <a:endParaRPr lang="zh-CN" altLang="en-US">
@@ -9544,11 +9323,6 @@
               </a:rPr>
               <a:t>模型认同选择行为中的利己主义，但抛弃了原有的完全理性和演绎推理的框架，可以讨论更多的复杂行为。</a:t>
             </a:r>
-            <a:endParaRPr lang="zh-CN" altLang="en-US">
-              <a:latin typeface="微软雅黑" panose="020B0503020204020204" pitchFamily="34" charset="-122"/>
-              <a:ea typeface="微软雅黑" panose="020B0503020204020204" pitchFamily="34" charset="-122"/>
-              <a:cs typeface="微软雅黑" panose="020B0503020204020204" pitchFamily="34" charset="-122"/>
-            </a:endParaRPr>
           </a:p>
           <a:p>
             <a:endParaRPr lang="zh-CN" altLang="en-US">
@@ -9566,11 +9340,6 @@
               </a:rPr>
               <a:t>酒吧博弈的关键在于，如果我们在博弈中能够知道他人的选择，那么只要做出和大多数人相反的选择就能胜出，但这是不可能的，所以这是一个混沌系统。唯一可能的就是尽可能多的知道去酒吧的人数信息，最终最可能出现的结果就是去酒吧的人数在一定幅度内像正弦曲线一样来回波动。</a:t>
             </a:r>
-            <a:endParaRPr lang="zh-CN" altLang="en-US">
-              <a:latin typeface="微软雅黑" panose="020B0503020204020204" pitchFamily="34" charset="-122"/>
-              <a:ea typeface="微软雅黑" panose="020B0503020204020204" pitchFamily="34" charset="-122"/>
-              <a:cs typeface="微软雅黑" panose="020B0503020204020204" pitchFamily="34" charset="-122"/>
-            </a:endParaRPr>
           </a:p>
         </p:txBody>
       </p:sp>
@@ -9682,7 +9451,6 @@
               <a:rPr lang="en-US" altLang="zh-CN" dirty="0"/>
               <a:t>O&gt;P&gt;R.</a:t>
             </a:r>
-            <a:endParaRPr lang="en-US" altLang="zh-CN" dirty="0"/>
           </a:p>
         </p:txBody>
       </p:sp>
@@ -9705,10 +9473,34 @@
                 <a:tableStyleId>{5C22544A-7EE6-4342-B048-85BDC9FD1C3A}</a:tableStyleId>
               </a:tblPr>
               <a:tblGrid>
-                <a:gridCol w="2032000"/>
-                <a:gridCol w="2032000"/>
-                <a:gridCol w="2032000"/>
-                <a:gridCol w="2032000"/>
+                <a:gridCol w="2032000">
+                  <a:extLst>
+                    <a:ext uri="{9D8B030D-6E8A-4147-A177-3AD203B41FA5}">
+                      <a16:colId xmlns:a16="http://schemas.microsoft.com/office/drawing/2014/main" val="20000"/>
+                    </a:ext>
+                  </a:extLst>
+                </a:gridCol>
+                <a:gridCol w="2032000">
+                  <a:extLst>
+                    <a:ext uri="{9D8B030D-6E8A-4147-A177-3AD203B41FA5}">
+                      <a16:colId xmlns:a16="http://schemas.microsoft.com/office/drawing/2014/main" val="20001"/>
+                    </a:ext>
+                  </a:extLst>
+                </a:gridCol>
+                <a:gridCol w="2032000">
+                  <a:extLst>
+                    <a:ext uri="{9D8B030D-6E8A-4147-A177-3AD203B41FA5}">
+                      <a16:colId xmlns:a16="http://schemas.microsoft.com/office/drawing/2014/main" val="20002"/>
+                    </a:ext>
+                  </a:extLst>
+                </a:gridCol>
+                <a:gridCol w="2032000">
+                  <a:extLst>
+                    <a:ext uri="{9D8B030D-6E8A-4147-A177-3AD203B41FA5}">
+                      <a16:colId xmlns:a16="http://schemas.microsoft.com/office/drawing/2014/main" val="20003"/>
+                    </a:ext>
+                  </a:extLst>
+                </a:gridCol>
               </a:tblGrid>
               <a:tr h="370840">
                 <a:tc>
@@ -9732,7 +9524,6 @@
                         <a:rPr lang="zh-CN" altLang="en-US" dirty="0"/>
                         <a:t>低</a:t>
                       </a:r>
-                      <a:endParaRPr lang="zh-CN" altLang="en-US" dirty="0"/>
                     </a:p>
                   </a:txBody>
                   <a:tcPr/>
@@ -9747,7 +9538,6 @@
                         <a:rPr lang="zh-CN" altLang="en-US" dirty="0"/>
                         <a:t>真</a:t>
                       </a:r>
-                      <a:endParaRPr lang="zh-CN" altLang="en-US" dirty="0"/>
                     </a:p>
                   </a:txBody>
                   <a:tcPr/>
@@ -9762,11 +9552,15 @@
                         <a:rPr lang="zh-CN" altLang="en-US" dirty="0"/>
                         <a:t>高</a:t>
                       </a:r>
-                      <a:endParaRPr lang="zh-CN" altLang="en-US" dirty="0"/>
                     </a:p>
                   </a:txBody>
                   <a:tcPr/>
                 </a:tc>
+                <a:extLst>
+                  <a:ext uri="{0D108BD9-81ED-4DB2-BD59-A6C34878D82A}">
+                    <a16:rowId xmlns:a16="http://schemas.microsoft.com/office/drawing/2014/main" val="10000"/>
+                  </a:ext>
+                </a:extLst>
               </a:tr>
               <a:tr h="370840">
                 <a:tc>
@@ -9779,7 +9573,6 @@
                         <a:rPr lang="zh-CN" altLang="en-US" dirty="0"/>
                         <a:t>低</a:t>
                       </a:r>
-                      <a:endParaRPr lang="zh-CN" altLang="en-US" dirty="0"/>
                     </a:p>
                   </a:txBody>
                   <a:tcPr/>
@@ -9833,6 +9626,11 @@
                   </a:txBody>
                   <a:tcPr/>
                 </a:tc>
+                <a:extLst>
+                  <a:ext uri="{0D108BD9-81ED-4DB2-BD59-A6C34878D82A}">
+                    <a16:rowId xmlns:a16="http://schemas.microsoft.com/office/drawing/2014/main" val="10001"/>
+                  </a:ext>
+                </a:extLst>
               </a:tr>
               <a:tr h="370840">
                 <a:tc>
@@ -9845,7 +9643,6 @@
                         <a:rPr lang="zh-CN" altLang="en-US" dirty="0"/>
                         <a:t>真</a:t>
                       </a:r>
-                      <a:endParaRPr lang="zh-CN" altLang="en-US" dirty="0"/>
                     </a:p>
                   </a:txBody>
                   <a:tcPr/>
@@ -9907,6 +9704,11 @@
                   </a:txBody>
                   <a:tcPr/>
                 </a:tc>
+                <a:extLst>
+                  <a:ext uri="{0D108BD9-81ED-4DB2-BD59-A6C34878D82A}">
+                    <a16:rowId xmlns:a16="http://schemas.microsoft.com/office/drawing/2014/main" val="10002"/>
+                  </a:ext>
+                </a:extLst>
               </a:tr>
               <a:tr h="370840">
                 <a:tc>
@@ -9919,7 +9721,6 @@
                         <a:rPr lang="zh-CN" altLang="en-US" dirty="0"/>
                         <a:t>高</a:t>
                       </a:r>
-                      <a:endParaRPr lang="zh-CN" altLang="en-US" dirty="0"/>
                     </a:p>
                   </a:txBody>
                   <a:tcPr/>
@@ -9977,6 +9778,11 @@
                   </a:txBody>
                   <a:tcPr/>
                 </a:tc>
+                <a:extLst>
+                  <a:ext uri="{0D108BD9-81ED-4DB2-BD59-A6C34878D82A}">
+                    <a16:rowId xmlns:a16="http://schemas.microsoft.com/office/drawing/2014/main" val="10003"/>
+                  </a:ext>
+                </a:extLst>
               </a:tr>
             </a:tbl>
           </a:graphicData>
@@ -10029,10 +9835,6 @@
               </a:rPr>
               <a:t>系统</a:t>
             </a:r>
-            <a:endParaRPr lang="zh-CN" altLang="en-US" dirty="0">
-              <a:latin typeface="微软雅黑" panose="020B0503020204020204" pitchFamily="34" charset="-122"/>
-              <a:ea typeface="微软雅黑" panose="020B0503020204020204" pitchFamily="34" charset="-122"/>
-            </a:endParaRPr>
           </a:p>
         </p:txBody>
       </p:sp>
@@ -10045,7 +9847,7 @@
           <p:nvPr/>
         </p:nvPicPr>
         <p:blipFill>
-          <a:blip r:embed="rId1"/>
+          <a:blip r:embed="rId2"/>
           <a:stretch>
             <a:fillRect/>
           </a:stretch>
@@ -10107,10 +9909,6 @@
               </a:rPr>
               <a:t>上周汇报总结</a:t>
             </a:r>
-            <a:endParaRPr lang="zh-CN" altLang="en-US" dirty="0">
-              <a:latin typeface="微软雅黑" panose="020B0503020204020204" pitchFamily="34" charset="-122"/>
-              <a:ea typeface="微软雅黑" panose="020B0503020204020204" pitchFamily="34" charset="-122"/>
-            </a:endParaRPr>
           </a:p>
         </p:txBody>
       </p:sp>
@@ -10251,10 +10049,6 @@
               </a:rPr>
               <a:t>本周汇报的内容</a:t>
             </a:r>
-            <a:endParaRPr lang="zh-CN" altLang="en-US" dirty="0">
-              <a:latin typeface="微软雅黑" panose="020B0503020204020204" pitchFamily="34" charset="-122"/>
-              <a:ea typeface="微软雅黑" panose="020B0503020204020204" pitchFamily="34" charset="-122"/>
-            </a:endParaRPr>
           </a:p>
         </p:txBody>
       </p:sp>
@@ -10289,6 +10083,7 @@
         </p:style>
         <p:txBody>
           <a:bodyPr rtlCol="0" anchor="ctr"/>
+          <a:lstStyle/>
           <a:p>
             <a:pPr algn="ctr"/>
             <a:r>
@@ -10299,7 +10094,6 @@
               <a:rPr lang="zh-CN" altLang="en-US"/>
               <a:t>文献调研</a:t>
             </a:r>
-            <a:endParaRPr lang="zh-CN" altLang="en-US"/>
           </a:p>
         </p:txBody>
       </p:sp>
@@ -10334,6 +10128,7 @@
         </p:style>
         <p:txBody>
           <a:bodyPr rtlCol="0" anchor="ctr"/>
+          <a:lstStyle/>
           <a:p>
             <a:pPr algn="ctr"/>
             <a:r>
@@ -10344,7 +10139,6 @@
               <a:rPr lang="zh-CN" altLang="en-US"/>
               <a:t>详细调研</a:t>
             </a:r>
-            <a:endParaRPr lang="zh-CN" altLang="en-US"/>
           </a:p>
         </p:txBody>
       </p:sp>
@@ -10379,6 +10173,7 @@
         </p:style>
         <p:txBody>
           <a:bodyPr rtlCol="0" anchor="ctr"/>
+          <a:lstStyle/>
           <a:p>
             <a:pPr algn="ctr"/>
             <a:r>
@@ -10389,7 +10184,6 @@
               <a:rPr lang="zh-CN" altLang="en-US"/>
               <a:t>系统开发</a:t>
             </a:r>
-            <a:endParaRPr lang="zh-CN" altLang="en-US"/>
           </a:p>
         </p:txBody>
       </p:sp>
@@ -10440,10 +10234,6 @@
               </a:rPr>
               <a:t>本周汇报的内容</a:t>
             </a:r>
-            <a:endParaRPr lang="zh-CN" altLang="en-US" dirty="0">
-              <a:latin typeface="微软雅黑" panose="020B0503020204020204" pitchFamily="34" charset="-122"/>
-              <a:ea typeface="微软雅黑" panose="020B0503020204020204" pitchFamily="34" charset="-122"/>
-            </a:endParaRPr>
           </a:p>
         </p:txBody>
       </p:sp>
@@ -10478,6 +10268,7 @@
         </p:style>
         <p:txBody>
           <a:bodyPr rtlCol="0" anchor="ctr"/>
+          <a:lstStyle/>
           <a:p>
             <a:pPr algn="ctr"/>
             <a:r>
@@ -10488,7 +10279,6 @@
               <a:rPr lang="zh-CN" altLang="en-US"/>
               <a:t>文献调研</a:t>
             </a:r>
-            <a:endParaRPr lang="zh-CN" altLang="en-US"/>
           </a:p>
         </p:txBody>
       </p:sp>
@@ -10523,6 +10313,7 @@
         </p:style>
         <p:txBody>
           <a:bodyPr rtlCol="0" anchor="ctr"/>
+          <a:lstStyle/>
           <a:p>
             <a:pPr algn="ctr"/>
             <a:r>
@@ -10533,7 +10324,6 @@
               <a:rPr lang="zh-CN" altLang="en-US"/>
               <a:t>详细调研</a:t>
             </a:r>
-            <a:endParaRPr lang="zh-CN" altLang="en-US"/>
           </a:p>
         </p:txBody>
       </p:sp>
@@ -10568,6 +10358,7 @@
         </p:style>
         <p:txBody>
           <a:bodyPr rtlCol="0" anchor="ctr"/>
+          <a:lstStyle/>
           <a:p>
             <a:pPr algn="ctr"/>
             <a:r>
@@ -10578,7 +10369,6 @@
               <a:rPr lang="zh-CN" altLang="en-US"/>
               <a:t>系统开发</a:t>
             </a:r>
-            <a:endParaRPr lang="zh-CN" altLang="en-US"/>
           </a:p>
         </p:txBody>
       </p:sp>
@@ -10700,10 +10490,6 @@
               </a:rPr>
               <a:t>博弈论分析现有场景</a:t>
             </a:r>
-            <a:endParaRPr lang="zh-CN" altLang="en-US" sz="2000" dirty="0">
-              <a:latin typeface="微软雅黑" panose="020B0503020204020204" pitchFamily="34" charset="-122"/>
-              <a:ea typeface="微软雅黑" panose="020B0503020204020204" pitchFamily="34" charset="-122"/>
-            </a:endParaRPr>
           </a:p>
           <a:p>
             <a:pPr marL="0" indent="0">
@@ -10723,10 +10509,6 @@
               </a:rPr>
               <a:t>博弈论解决问题</a:t>
             </a:r>
-            <a:endParaRPr lang="zh-CN" altLang="en-US" sz="2000" dirty="0">
-              <a:latin typeface="微软雅黑" panose="020B0503020204020204" pitchFamily="34" charset="-122"/>
-              <a:ea typeface="微软雅黑" panose="020B0503020204020204" pitchFamily="34" charset="-122"/>
-            </a:endParaRPr>
           </a:p>
           <a:p>
             <a:pPr marL="0" indent="0">
@@ -10891,10 +10673,6 @@
               </a:rPr>
               <a:t>1. Journal of Education for Business-2018-The effectiveness of peer assessment and a proposal for its analysis using game theory</a:t>
             </a:r>
-            <a:endParaRPr lang="en-US" altLang="zh-CN" sz="1600" dirty="0">
-              <a:latin typeface="微软雅黑" panose="020B0503020204020204" pitchFamily="34" charset="-122"/>
-              <a:ea typeface="微软雅黑" panose="020B0503020204020204" pitchFamily="34" charset="-122"/>
-            </a:endParaRPr>
           </a:p>
           <a:p>
             <a:pPr marL="0" indent="0">
@@ -10907,10 +10685,6 @@
               </a:rPr>
               <a:t>2. PACCS-2015-Game Theory Analysis on College Student Cheating</a:t>
             </a:r>
-            <a:endParaRPr lang="en-US" altLang="zh-CN" sz="1600" dirty="0">
-              <a:latin typeface="微软雅黑" panose="020B0503020204020204" pitchFamily="34" charset="-122"/>
-              <a:ea typeface="微软雅黑" panose="020B0503020204020204" pitchFamily="34" charset="-122"/>
-            </a:endParaRPr>
           </a:p>
           <a:p>
             <a:pPr marL="0" indent="0">
@@ -10923,10 +10697,6 @@
               </a:rPr>
               <a:t>3. 学位与研究生教育-2015-博弈论视角下的导师与研究生关系探析</a:t>
             </a:r>
-            <a:endParaRPr lang="en-US" altLang="zh-CN" sz="1600" dirty="0">
-              <a:latin typeface="微软雅黑" panose="020B0503020204020204" pitchFamily="34" charset="-122"/>
-              <a:ea typeface="微软雅黑" panose="020B0503020204020204" pitchFamily="34" charset="-122"/>
-            </a:endParaRPr>
           </a:p>
           <a:p>
             <a:pPr marL="0" indent="0">
@@ -10939,10 +10709,6 @@
               </a:rPr>
               <a:t>4. 教育学报-2019-高校师生之间的互评博弈是合作博弈吗</a:t>
             </a:r>
-            <a:endParaRPr lang="en-US" altLang="zh-CN" sz="1600" dirty="0">
-              <a:latin typeface="微软雅黑" panose="020B0503020204020204" pitchFamily="34" charset="-122"/>
-              <a:ea typeface="微软雅黑" panose="020B0503020204020204" pitchFamily="34" charset="-122"/>
-            </a:endParaRPr>
           </a:p>
           <a:p>
             <a:pPr marL="0" indent="0">
@@ -10955,10 +10721,6 @@
               </a:rPr>
               <a:t>5. International Journal of System Assurance Engineering and Management-2020-Analysis and reflection on peer assessment results based on short play of game theory</a:t>
             </a:r>
-            <a:endParaRPr lang="en-US" altLang="zh-CN" sz="1600" dirty="0">
-              <a:latin typeface="微软雅黑" panose="020B0503020204020204" pitchFamily="34" charset="-122"/>
-              <a:ea typeface="微软雅黑" panose="020B0503020204020204" pitchFamily="34" charset="-122"/>
-            </a:endParaRPr>
           </a:p>
           <a:p>
             <a:pPr marL="0" indent="0">
@@ -11063,6 +10825,7 @@
           <a:bodyPr>
             <a:normAutofit/>
           </a:bodyPr>
+          <a:lstStyle/>
           <a:p>
             <a:pPr marL="0" indent="0">
               <a:buNone/>
@@ -11074,10 +10837,6 @@
               </a:rPr>
               <a:t>PACCS-2015-Game Theory Analysis on College Student Cheating</a:t>
             </a:r>
-            <a:endParaRPr lang="en-US" altLang="zh-CN" sz="2000" dirty="0">
-              <a:latin typeface="Times New Roman" panose="02020603050405020304" pitchFamily="18" charset="0"/>
-              <a:cs typeface="Times New Roman" panose="02020603050405020304" pitchFamily="18" charset="0"/>
-            </a:endParaRPr>
           </a:p>
         </p:txBody>
       </p:sp>
@@ -11094,7 +10853,7 @@
           </p:nvPr>
         </p:nvPicPr>
         <p:blipFill>
-          <a:blip r:embed="rId2"/>
+          <a:blip r:embed="rId4"/>
           <a:stretch>
             <a:fillRect/>
           </a:stretch>
@@ -11117,12 +10876,12 @@
           </p:cNvPicPr>
           <p:nvPr>
             <p:custDataLst>
-              <p:tags r:id="rId3"/>
+              <p:tags r:id="rId2"/>
             </p:custDataLst>
           </p:nvPr>
         </p:nvPicPr>
         <p:blipFill>
-          <a:blip r:embed="rId4"/>
+          <a:blip r:embed="rId5"/>
           <a:stretch>
             <a:fillRect/>
           </a:stretch>
@@ -11157,6 +10916,7 @@
           <a:bodyPr wrap="square" rtlCol="0">
             <a:spAutoFit/>
           </a:bodyPr>
+          <a:lstStyle/>
           <a:p>
             <a:pPr marL="342900" indent="-342900">
               <a:buAutoNum type="arabicPeriod"/>
@@ -11169,7 +10929,6 @@
               <a:rPr lang="en-US" altLang="zh-CN" dirty="0"/>
               <a:t>;</a:t>
             </a:r>
-            <a:endParaRPr lang="en-US" altLang="zh-CN" dirty="0"/>
           </a:p>
           <a:p>
             <a:pPr marL="342900" indent="-342900">
@@ -11199,7 +10958,6 @@
               <a:rPr lang="zh-CN" altLang="en-US" dirty="0"/>
               <a:t>学校适当减少对作弊的惩罚，帮助监考人员在一定范围内加大力度，从而减少学生作弊。</a:t>
             </a:r>
-            <a:endParaRPr lang="zh-CN" altLang="en-US" dirty="0"/>
           </a:p>
         </p:txBody>
       </p:sp>
@@ -11223,6 +10981,7 @@
           <a:bodyPr wrap="square" rtlCol="0">
             <a:spAutoFit/>
           </a:bodyPr>
+          <a:lstStyle/>
           <a:p>
             <a:r>
               <a:rPr lang="zh-CN" altLang="en-US" dirty="0"/>
@@ -11298,7 +11057,6 @@
               <a:rPr lang="zh-CN" altLang="en-US" dirty="0"/>
               <a:t>通过调整参数给出建议</a:t>
             </a:r>
-            <a:endParaRPr lang="zh-CN" altLang="en-US" dirty="0"/>
           </a:p>
         </p:txBody>
       </p:sp>
@@ -11421,10 +11179,6 @@
               </a:rPr>
               <a:t>1. Journal of Network and Computer Applications-2014-Incentive mechanism for P2Pfile sharing based on social network and game theory</a:t>
             </a:r>
-            <a:endParaRPr lang="en-US" altLang="zh-CN" sz="1110" dirty="0">
-              <a:latin typeface="微软雅黑" panose="020B0503020204020204" pitchFamily="34" charset="-122"/>
-              <a:ea typeface="微软雅黑" panose="020B0503020204020204" pitchFamily="34" charset="-122"/>
-            </a:endParaRPr>
           </a:p>
           <a:p>
             <a:pPr marL="0" indent="0">
@@ -11437,10 +11191,6 @@
               </a:rPr>
               <a:t>2. IEEEAccess-2018-Game-Theoretic Approach to Group Learning Enhancement Through Peer-to-Peer Explanation and Competition</a:t>
             </a:r>
-            <a:endParaRPr lang="en-US" altLang="zh-CN" sz="1110" dirty="0">
-              <a:latin typeface="微软雅黑" panose="020B0503020204020204" pitchFamily="34" charset="-122"/>
-              <a:ea typeface="微软雅黑" panose="020B0503020204020204" pitchFamily="34" charset="-122"/>
-            </a:endParaRPr>
           </a:p>
           <a:p>
             <a:pPr marL="0" indent="0">
@@ -11453,10 +11203,6 @@
               </a:rPr>
               <a:t>3. arXiv-2015-Incentives for Truthful Peer Grading</a:t>
             </a:r>
-            <a:endParaRPr lang="en-US" altLang="zh-CN" sz="1110" dirty="0">
-              <a:latin typeface="微软雅黑" panose="020B0503020204020204" pitchFamily="34" charset="-122"/>
-              <a:ea typeface="微软雅黑" panose="020B0503020204020204" pitchFamily="34" charset="-122"/>
-            </a:endParaRPr>
           </a:p>
           <a:p>
             <a:pPr marL="0" indent="0">
@@ -11469,10 +11215,6 @@
               </a:rPr>
               <a:t>4. arXiv-2019-Fostering Peer Learning through a New Game-Theoretical Approach in a Blended Learning Environment</a:t>
             </a:r>
-            <a:endParaRPr lang="en-US" altLang="zh-CN" sz="1110" dirty="0">
-              <a:latin typeface="微软雅黑" panose="020B0503020204020204" pitchFamily="34" charset="-122"/>
-              <a:ea typeface="微软雅黑" panose="020B0503020204020204" pitchFamily="34" charset="-122"/>
-            </a:endParaRPr>
           </a:p>
           <a:p>
             <a:pPr marL="0" indent="0">
@@ -11485,10 +11227,6 @@
               </a:rPr>
               <a:t>5. International World Wide Web Conference-2015-Grading the Graders Motivating Peer Graders in a MOOC</a:t>
             </a:r>
-            <a:endParaRPr lang="en-US" altLang="zh-CN" sz="1110" dirty="0">
-              <a:latin typeface="微软雅黑" panose="020B0503020204020204" pitchFamily="34" charset="-122"/>
-              <a:ea typeface="微软雅黑" panose="020B0503020204020204" pitchFamily="34" charset="-122"/>
-            </a:endParaRPr>
           </a:p>
           <a:p>
             <a:pPr marL="0" indent="0">
@@ -11501,10 +11239,6 @@
               </a:rPr>
               <a:t>6. JITE-2012-Collaborative Learning in Online Study Groups: An Evolutionary Game Theory Perspective</a:t>
             </a:r>
-            <a:endParaRPr lang="en-US" altLang="zh-CN" sz="1110" dirty="0">
-              <a:latin typeface="微软雅黑" panose="020B0503020204020204" pitchFamily="34" charset="-122"/>
-              <a:ea typeface="微软雅黑" panose="020B0503020204020204" pitchFamily="34" charset="-122"/>
-            </a:endParaRPr>
           </a:p>
           <a:p>
             <a:pPr marL="0" indent="0">
@@ -11517,10 +11251,6 @@
               </a:rPr>
               <a:t>7. Learning at Scale-2015-Game Theory Based Peer Grading Mechanisms For MOOCs</a:t>
             </a:r>
-            <a:endParaRPr lang="en-US" altLang="zh-CN" sz="1110" dirty="0">
-              <a:latin typeface="微软雅黑" panose="020B0503020204020204" pitchFamily="34" charset="-122"/>
-              <a:ea typeface="微软雅黑" panose="020B0503020204020204" pitchFamily="34" charset="-122"/>
-            </a:endParaRPr>
           </a:p>
           <a:p>
             <a:pPr marL="0" indent="0">
@@ -11533,10 +11263,6 @@
               </a:rPr>
               <a:t>8. IEEE TRANSACTIONS ON LEARNING TECHNOLOGIES-2020-Motivating Students in Collaborative Activities With Game-Theoretic Group Recommendations</a:t>
             </a:r>
-            <a:endParaRPr lang="en-US" altLang="zh-CN" sz="1110" dirty="0">
-              <a:latin typeface="微软雅黑" panose="020B0503020204020204" pitchFamily="34" charset="-122"/>
-              <a:ea typeface="微软雅黑" panose="020B0503020204020204" pitchFamily="34" charset="-122"/>
-            </a:endParaRPr>
           </a:p>
           <a:p>
             <a:pPr marL="0" indent="0">
@@ -11549,10 +11275,6 @@
               </a:rPr>
               <a:t>9. </a:t>
             </a:r>
-            <a:endParaRPr lang="en-US" altLang="zh-CN" sz="1110" dirty="0">
-              <a:latin typeface="微软雅黑" panose="020B0503020204020204" pitchFamily="34" charset="-122"/>
-              <a:ea typeface="微软雅黑" panose="020B0503020204020204" pitchFamily="34" charset="-122"/>
-            </a:endParaRPr>
           </a:p>
         </p:txBody>
       </p:sp>
@@ -11565,13 +11287,13 @@
 </file>
 
 <file path=ppt/tags/tag1.xml><?xml version="1.0" encoding="utf-8"?>
-<p:tagLst xmlns:p="http://schemas.openxmlformats.org/presentationml/2006/main">
+<p:tagLst xmlns:a="http://schemas.openxmlformats.org/drawingml/2006/main" xmlns:r="http://schemas.openxmlformats.org/officeDocument/2006/relationships" xmlns:p="http://schemas.openxmlformats.org/presentationml/2006/main">
   <p:tag name="KSO_WM_UNIT_PLACING_PICTURE_USER_VIEWPORT" val="{&quot;height&quot;:3044.428346456693,&quot;width&quot;:7681.784251968504}"/>
 </p:tagLst>
 </file>
 
 <file path=ppt/tags/tag2.xml><?xml version="1.0" encoding="utf-8"?>
-<p:tagLst xmlns:p="http://schemas.openxmlformats.org/presentationml/2006/main">
+<p:tagLst xmlns:a="http://schemas.openxmlformats.org/drawingml/2006/main" xmlns:r="http://schemas.openxmlformats.org/officeDocument/2006/relationships" xmlns:p="http://schemas.openxmlformats.org/presentationml/2006/main">
   <p:tag name="KSO_WM_UNIT_PLACING_PICTURE_USER_VIEWPORT" val="{&quot;height&quot;:3044.4267716535433,&quot;width&quot;:6973.385826771653}"/>
 </p:tagLst>
 </file>
@@ -11827,6 +11549,8 @@
       </a:bgFillStyleLst>
     </a:fmtScheme>
   </a:themeElements>
+  <a:objectDefaults/>
+  <a:extraClrSchemeLst/>
   <a:extLst>
     <a:ext uri="{05A4C25C-085E-4340-85A3-A5531E510DB2}">
       <thm15:themeFamily xmlns:thm15="http://schemas.microsoft.com/office/thememl/2012/main" name="Office Theme" id="{62F939B6-93AF-4DB8-9C6B-D6C7DFDC589F}" vid="{4A3C46E8-61CC-4603-A589-7422A47A8E4A}"/>
@@ -12086,6 +11810,8 @@
       </a:bgFillStyleLst>
     </a:fmtScheme>
   </a:themeElements>
+  <a:objectDefaults/>
+  <a:extraClrSchemeLst/>
   <a:extLst>
     <a:ext uri="{05A4C25C-085E-4340-85A3-A5531E510DB2}">
       <thm15:themeFamily xmlns:thm15="http://schemas.microsoft.com/office/thememl/2012/main" name="Office Theme" id="{62F939B6-93AF-4DB8-9C6B-D6C7DFDC589F}" vid="{4A3C46E8-61CC-4603-A589-7422A47A8E4A}"/>

--- a/报告/2021年9月4日/杨攀原.pptx
+++ b/报告/2021年9月4日/杨攀原.pptx
@@ -7,31 +7,26 @@
   </p:sldMasterIdLst>
   <p:sldIdLst>
     <p:sldId id="256" r:id="rId3"/>
-    <p:sldId id="273" r:id="rId4"/>
-    <p:sldId id="300" r:id="rId5"/>
-    <p:sldId id="289" r:id="rId6"/>
-    <p:sldId id="331" r:id="rId7"/>
-    <p:sldId id="309" r:id="rId8"/>
-    <p:sldId id="314" r:id="rId9"/>
-    <p:sldId id="313" r:id="rId10"/>
-    <p:sldId id="310" r:id="rId11"/>
-    <p:sldId id="332" r:id="rId12"/>
-    <p:sldId id="264" r:id="rId13"/>
-    <p:sldId id="301" r:id="rId14"/>
-    <p:sldId id="303" r:id="rId15"/>
-    <p:sldId id="302" r:id="rId16"/>
-    <p:sldId id="304" r:id="rId17"/>
-    <p:sldId id="311" r:id="rId18"/>
-    <p:sldId id="318" r:id="rId19"/>
-    <p:sldId id="308" r:id="rId20"/>
-    <p:sldId id="354" r:id="rId21"/>
-    <p:sldId id="353" r:id="rId22"/>
-    <p:sldId id="355" r:id="rId23"/>
-    <p:sldId id="356" r:id="rId24"/>
-    <p:sldId id="349" r:id="rId25"/>
-    <p:sldId id="350" r:id="rId26"/>
-    <p:sldId id="284" r:id="rId27"/>
-    <p:sldId id="299" r:id="rId28"/>
+    <p:sldId id="331" r:id="rId4"/>
+    <p:sldId id="309" r:id="rId5"/>
+    <p:sldId id="314" r:id="rId6"/>
+    <p:sldId id="313" r:id="rId7"/>
+    <p:sldId id="332" r:id="rId8"/>
+    <p:sldId id="363" r:id="rId9"/>
+    <p:sldId id="311" r:id="rId10"/>
+    <p:sldId id="318" r:id="rId11"/>
+    <p:sldId id="308" r:id="rId12"/>
+    <p:sldId id="354" r:id="rId13"/>
+    <p:sldId id="353" r:id="rId14"/>
+    <p:sldId id="355" r:id="rId15"/>
+    <p:sldId id="356" r:id="rId16"/>
+    <p:sldId id="357" r:id="rId17"/>
+    <p:sldId id="358" r:id="rId18"/>
+    <p:sldId id="359" r:id="rId19"/>
+    <p:sldId id="360" r:id="rId20"/>
+    <p:sldId id="362" r:id="rId21"/>
+    <p:sldId id="365" r:id="rId22"/>
+    <p:sldId id="299" r:id="rId23"/>
   </p:sldIdLst>
   <p:sldSz cx="12192000" cy="6858000"/>
   <p:notesSz cx="6858000" cy="9144000"/>
@@ -5810,21 +5805,30 @@
           <a:lstStyle/>
           <a:p>
             <a:r>
-              <a:rPr lang="en-US" altLang="zh-CN" dirty="0">
-                <a:latin typeface="微软雅黑" panose="020B0503020204020204" pitchFamily="34" charset="-122"/>
-                <a:ea typeface="微软雅黑" panose="020B0503020204020204" pitchFamily="34" charset="-122"/>
-              </a:rPr>
-              <a:t>2.</a:t>
+              <a:rPr lang="en-US" altLang="zh-CN" dirty="0" smtClean="0">
+                <a:latin typeface="微软雅黑" panose="020B0503020204020204" pitchFamily="34" charset="-122"/>
+                <a:ea typeface="微软雅黑" panose="020B0503020204020204" pitchFamily="34" charset="-122"/>
+                <a:cs typeface="微软雅黑" panose="020B0503020204020204" pitchFamily="34" charset="-122"/>
+              </a:rPr>
+              <a:t>3. </a:t>
+            </a:r>
+            <a:r>
+              <a:rPr lang="zh-CN" altLang="en-US" dirty="0" smtClean="0">
+                <a:latin typeface="微软雅黑" panose="020B0503020204020204" pitchFamily="34" charset="-122"/>
+                <a:ea typeface="微软雅黑" panose="020B0503020204020204" pitchFamily="34" charset="-122"/>
+                <a:cs typeface="微软雅黑" panose="020B0503020204020204" pitchFamily="34" charset="-122"/>
+              </a:rPr>
+              <a:t>演化</a:t>
             </a:r>
             <a:r>
               <a:rPr lang="zh-CN" altLang="en-US" dirty="0">
                 <a:latin typeface="微软雅黑" panose="020B0503020204020204" pitchFamily="34" charset="-122"/>
                 <a:ea typeface="微软雅黑" panose="020B0503020204020204" pitchFamily="34" charset="-122"/>
-                <a:sym typeface="+mn-ea"/>
-              </a:rPr>
-              <a:t>博弈论解决问题</a:t>
-            </a:r>
-            <a:endParaRPr lang="en-US" altLang="zh-CN" b="1" dirty="0">
+                <a:cs typeface="微软雅黑" panose="020B0503020204020204" pitchFamily="34" charset="-122"/>
+              </a:rPr>
+              <a:t>博弈论</a:t>
+            </a:r>
+            <a:endParaRPr lang="en-US" altLang="zh-CN" dirty="0">
               <a:latin typeface="微软雅黑" panose="020B0503020204020204" pitchFamily="34" charset="-122"/>
               <a:ea typeface="微软雅黑" panose="020B0503020204020204" pitchFamily="34" charset="-122"/>
             </a:endParaRPr>
@@ -5839,8 +5843,8 @@
         </p:nvSpPr>
         <p:spPr>
           <a:xfrm>
-            <a:off x="838200" y="1501896"/>
-            <a:ext cx="5796792" cy="369332"/>
+            <a:off x="838200" y="1787525"/>
+            <a:ext cx="10596245" cy="369332"/>
           </a:xfrm>
           <a:prstGeom prst="rect">
             <a:avLst/>
@@ -5854,93 +5858,26 @@
           <a:lstStyle/>
           <a:p>
             <a:r>
-              <a:rPr lang="zh-CN" altLang="en-US" b="1" dirty="0">
-                <a:latin typeface="微软雅黑" panose="020B0503020204020204" pitchFamily="34" charset="-122"/>
-                <a:ea typeface="微软雅黑" panose="020B0503020204020204" pitchFamily="34" charset="-122"/>
-              </a:rPr>
-              <a:t>博弈论结合组内推荐：</a:t>
-            </a:r>
-          </a:p>
-        </p:txBody>
-      </p:sp>
-      <p:sp>
-        <p:nvSpPr>
-          <p:cNvPr id="7" name="文本框 6"/>
-          <p:cNvSpPr txBox="1"/>
-          <p:nvPr/>
-        </p:nvSpPr>
-        <p:spPr>
-          <a:xfrm>
-            <a:off x="838200" y="2008505"/>
-            <a:ext cx="10823575" cy="645160"/>
-          </a:xfrm>
-          <a:prstGeom prst="rect">
-            <a:avLst/>
-          </a:prstGeom>
-          <a:noFill/>
-        </p:spPr>
-        <p:txBody>
-          <a:bodyPr wrap="square" rtlCol="0">
-            <a:spAutoFit/>
-          </a:bodyPr>
-          <a:lstStyle/>
-          <a:p>
-            <a:r>
-              <a:rPr lang="en-US" altLang="zh-CN" dirty="0">
-                <a:latin typeface="Times New Roman" panose="02020603050405020304" pitchFamily="18" charset="0"/>
-                <a:cs typeface="Times New Roman" panose="02020603050405020304" pitchFamily="18" charset="0"/>
-              </a:rPr>
-              <a:t>IEEE TRANSACTIONS ON LEARNING TECHNOLOGIES-2020-Motivating Students in Collaborative Activities With Game-Theoretic Group Recommendations</a:t>
-            </a:r>
-            <a:endParaRPr lang="zh-CN" altLang="en-US" dirty="0">
-              <a:latin typeface="Times New Roman" panose="02020603050405020304" pitchFamily="18" charset="0"/>
-              <a:cs typeface="Times New Roman" panose="02020603050405020304" pitchFamily="18" charset="0"/>
-            </a:endParaRPr>
-          </a:p>
-        </p:txBody>
-      </p:sp>
-      <p:sp>
-        <p:nvSpPr>
-          <p:cNvPr id="8" name="文本框 7"/>
-          <p:cNvSpPr txBox="1"/>
-          <p:nvPr/>
-        </p:nvSpPr>
-        <p:spPr>
-          <a:xfrm>
-            <a:off x="838200" y="2898140"/>
-            <a:ext cx="6116955" cy="922020"/>
-          </a:xfrm>
-          <a:prstGeom prst="rect">
-            <a:avLst/>
-          </a:prstGeom>
-          <a:noFill/>
-        </p:spPr>
-        <p:txBody>
-          <a:bodyPr wrap="square" rtlCol="0">
-            <a:spAutoFit/>
-          </a:bodyPr>
-          <a:lstStyle/>
-          <a:p>
-            <a:r>
-              <a:rPr lang="zh-CN" altLang="en-US" dirty="0"/>
-              <a:t>博弈论结合组内推荐，向组内配套推荐一套教育资源。</a:t>
-            </a:r>
-            <a:endParaRPr lang="en-US" altLang="zh-CN" dirty="0"/>
-          </a:p>
-          <a:p>
-            <a:r>
-              <a:rPr lang="zh-CN" altLang="en-US" dirty="0"/>
-              <a:t>量化组内成员的需求，通过收益矩阵找出利润最大的推荐结果。</a:t>
+              <a:rPr lang="zh-CN" altLang="en-US" dirty="0" smtClean="0">
+                <a:latin typeface="微软雅黑" panose="020B0503020204020204" pitchFamily="34" charset="-122"/>
+                <a:ea typeface="微软雅黑" panose="020B0503020204020204" pitchFamily="34" charset="-122"/>
+              </a:rPr>
+              <a:t>鹰</a:t>
+            </a:r>
+            <a:r>
+              <a:rPr lang="zh-CN" altLang="en-US" dirty="0">
+                <a:latin typeface="微软雅黑" panose="020B0503020204020204" pitchFamily="34" charset="-122"/>
+                <a:ea typeface="微软雅黑" panose="020B0503020204020204" pitchFamily="34" charset="-122"/>
+              </a:rPr>
+              <a:t>鸽博弈</a:t>
             </a:r>
           </a:p>
         </p:txBody>
       </p:sp>
       <p:pic>
         <p:nvPicPr>
-          <p:cNvPr id="11" name="图片 10"/>
-          <p:cNvPicPr>
-            <a:picLocks noChangeAspect="1"/>
-          </p:cNvPicPr>
+          <p:cNvPr id="100" name="图片 99"/>
+          <p:cNvPicPr/>
           <p:nvPr/>
         </p:nvPicPr>
         <p:blipFill>
@@ -5951,53 +5888,33 @@
         </p:blipFill>
         <p:spPr>
           <a:xfrm>
-            <a:off x="7080250" y="2548255"/>
-            <a:ext cx="4273550" cy="1400810"/>
-          </a:xfrm>
-          <a:prstGeom prst="rect">
-            <a:avLst/>
-          </a:prstGeom>
-        </p:spPr>
-      </p:pic>
-      <p:pic>
-        <p:nvPicPr>
-          <p:cNvPr id="12" name="图片 11"/>
-          <p:cNvPicPr>
-            <a:picLocks noChangeAspect="1"/>
-          </p:cNvPicPr>
-          <p:nvPr/>
-        </p:nvPicPr>
-        <p:blipFill>
-          <a:blip r:embed="rId3"/>
-          <a:stretch>
-            <a:fillRect/>
-          </a:stretch>
-        </p:blipFill>
-        <p:spPr>
-          <a:xfrm>
-            <a:off x="5594146" y="3949157"/>
-            <a:ext cx="5759445" cy="2808513"/>
-          </a:xfrm>
-          <a:prstGeom prst="rect">
-            <a:avLst/>
-          </a:prstGeom>
-        </p:spPr>
-      </p:pic>
-      <p:sp>
-        <p:nvSpPr>
-          <p:cNvPr id="13" name="文本框 12"/>
-          <p:cNvSpPr txBox="1"/>
-          <p:nvPr/>
-        </p:nvSpPr>
-        <p:spPr>
-          <a:xfrm>
-            <a:off x="694055" y="4064635"/>
-            <a:ext cx="4898390" cy="645160"/>
+            <a:off x="3619500" y="2619296"/>
+            <a:ext cx="4953000" cy="2190750"/>
           </a:xfrm>
           <a:prstGeom prst="rect">
             <a:avLst/>
           </a:prstGeom>
           <a:noFill/>
+          <a:ln w="9525">
+            <a:noFill/>
+          </a:ln>
+        </p:spPr>
+      </p:pic>
+      <p:sp>
+        <p:nvSpPr>
+          <p:cNvPr id="4" name="文本框 3"/>
+          <p:cNvSpPr txBox="1"/>
+          <p:nvPr/>
+        </p:nvSpPr>
+        <p:spPr>
+          <a:xfrm>
+            <a:off x="1020445" y="5276215"/>
+            <a:ext cx="10227310" cy="368300"/>
+          </a:xfrm>
+          <a:prstGeom prst="rect">
+            <a:avLst/>
+          </a:prstGeom>
+          <a:noFill/>
         </p:spPr>
         <p:txBody>
           <a:bodyPr wrap="square" rtlCol="0">
@@ -6007,14 +5924,13 @@
           <a:p>
             <a:r>
               <a:rPr lang="zh-CN" altLang="en-US"/>
-              <a:t>问题场景——学生分组，推荐教育资源。</a:t>
-            </a:r>
-          </a:p>
-          <a:p>
-            <a:r>
-              <a:rPr lang="zh-CN" altLang="en-US"/>
-              <a:t>贡献：量化学生需求，博弈论寻找纳什均衡。</a:t>
-            </a:r>
+              <a:t>鹰之间的战斗十分惨烈，所以</a:t>
+            </a:r>
+            <a:r>
+              <a:rPr lang="en-US" altLang="zh-CN"/>
+              <a:t>C&gt;V</a:t>
+            </a:r>
+            <a:endParaRPr lang="zh-CN" altLang="en-US"/>
           </a:p>
         </p:txBody>
       </p:sp>
@@ -6055,31 +5971,42 @@
         </p:nvSpPr>
         <p:spPr/>
         <p:txBody>
-          <a:bodyPr>
-            <a:normAutofit/>
-          </a:bodyPr>
-          <a:lstStyle/>
-          <a:p>
-            <a:r>
-              <a:rPr lang="en-US" altLang="zh-CN" sz="3200" dirty="0">
-                <a:latin typeface="Times New Roman" panose="02020603050405020304" pitchFamily="18" charset="0"/>
-                <a:cs typeface="Times New Roman" panose="02020603050405020304" pitchFamily="18" charset="0"/>
-              </a:rPr>
-              <a:t>Game Theory Based Peer Grading Mechanisms For MOOCs</a:t>
-            </a:r>
-          </a:p>
-        </p:txBody>
-      </p:sp>
-      <p:sp>
-        <p:nvSpPr>
-          <p:cNvPr id="7" name="文本框 6"/>
+          <a:bodyPr/>
+          <a:lstStyle/>
+          <a:p>
+            <a:r>
+              <a:rPr lang="en-US" altLang="zh-CN" dirty="0" smtClean="0">
+                <a:latin typeface="微软雅黑" panose="020B0503020204020204" pitchFamily="34" charset="-122"/>
+                <a:ea typeface="微软雅黑" panose="020B0503020204020204" pitchFamily="34" charset="-122"/>
+                <a:cs typeface="微软雅黑" panose="020B0503020204020204" pitchFamily="34" charset="-122"/>
+              </a:rPr>
+              <a:t>3. </a:t>
+            </a:r>
+            <a:r>
+              <a:rPr lang="zh-CN" altLang="en-US" dirty="0">
+                <a:latin typeface="微软雅黑" panose="020B0503020204020204" pitchFamily="34" charset="-122"/>
+                <a:ea typeface="微软雅黑" panose="020B0503020204020204" pitchFamily="34" charset="-122"/>
+                <a:cs typeface="微软雅黑" panose="020B0503020204020204" pitchFamily="34" charset="-122"/>
+              </a:rPr>
+              <a:t>演化博弈论</a:t>
+            </a:r>
+            <a:endParaRPr lang="en-US" altLang="zh-CN" dirty="0">
+              <a:latin typeface="微软雅黑" panose="020B0503020204020204" pitchFamily="34" charset="-122"/>
+              <a:ea typeface="微软雅黑" panose="020B0503020204020204" pitchFamily="34" charset="-122"/>
+            </a:endParaRPr>
+          </a:p>
+        </p:txBody>
+      </p:sp>
+      <p:sp>
+        <p:nvSpPr>
+          <p:cNvPr id="3" name="文本框 2"/>
           <p:cNvSpPr txBox="1"/>
           <p:nvPr/>
         </p:nvSpPr>
         <p:spPr>
           <a:xfrm>
-            <a:off x="838200" y="1792017"/>
-            <a:ext cx="10444993" cy="369332"/>
+            <a:off x="838200" y="1787525"/>
+            <a:ext cx="10596245" cy="368300"/>
           </a:xfrm>
           <a:prstGeom prst="rect">
             <a:avLst/>
@@ -6093,29 +6020,25 @@
           <a:lstStyle/>
           <a:p>
             <a:r>
-              <a:rPr lang="en-US" altLang="zh-CN" dirty="0">
-                <a:latin typeface="Times New Roman" panose="02020603050405020304" pitchFamily="18" charset="0"/>
-                <a:cs typeface="Times New Roman" panose="02020603050405020304" pitchFamily="18" charset="0"/>
-              </a:rPr>
-              <a:t>Learning at Scale-2015</a:t>
-            </a:r>
-            <a:endParaRPr lang="zh-CN" altLang="en-US" dirty="0">
-              <a:latin typeface="Times New Roman" panose="02020603050405020304" pitchFamily="18" charset="0"/>
-              <a:cs typeface="Times New Roman" panose="02020603050405020304" pitchFamily="18" charset="0"/>
-            </a:endParaRPr>
-          </a:p>
-        </p:txBody>
-      </p:sp>
-      <p:sp>
-        <p:nvSpPr>
-          <p:cNvPr id="3" name="文本框 2"/>
+              <a:rPr lang="zh-CN" altLang="en-US">
+                <a:latin typeface="微软雅黑" panose="020B0503020204020204" pitchFamily="34" charset="-122"/>
+                <a:ea typeface="微软雅黑" panose="020B0503020204020204" pitchFamily="34" charset="-122"/>
+              </a:rPr>
+              <a:t>假设V = 6， C = 18：</a:t>
+            </a:r>
+          </a:p>
+        </p:txBody>
+      </p:sp>
+      <p:sp>
+        <p:nvSpPr>
+          <p:cNvPr id="4" name="文本框 3"/>
           <p:cNvSpPr txBox="1"/>
           <p:nvPr/>
         </p:nvSpPr>
         <p:spPr>
           <a:xfrm>
-            <a:off x="838200" y="2632010"/>
-            <a:ext cx="10746996" cy="646331"/>
+            <a:off x="1020445" y="5276215"/>
+            <a:ext cx="10227310" cy="368300"/>
           </a:xfrm>
           <a:prstGeom prst="rect">
             <a:avLst/>
@@ -6129,543 +6052,37 @@
           <a:lstStyle/>
           <a:p>
             <a:r>
-              <a:rPr lang="zh-CN" altLang="en-US" dirty="0"/>
-              <a:t>将博弈论与同伴互评结合，提出了一种互评的评价指标，提出了</a:t>
-            </a:r>
-            <a:r>
-              <a:rPr lang="en-US" altLang="zh-CN" dirty="0"/>
-              <a:t>3</a:t>
-            </a:r>
-            <a:r>
-              <a:rPr lang="zh-CN" altLang="en-US" dirty="0"/>
-              <a:t>种基于博弈论的评分规则，并在众包的实验环境中证明了其中几种方法的有效性。</a:t>
-            </a:r>
-          </a:p>
-        </p:txBody>
-      </p:sp>
-      <p:sp>
-        <p:nvSpPr>
-          <p:cNvPr id="4" name="文本框 3"/>
-          <p:cNvSpPr txBox="1"/>
+              <a:t>结局应该是鹰和鸽各占一定的比例。</a:t>
+            </a:r>
+          </a:p>
+        </p:txBody>
+      </p:sp>
+      <p:pic>
+        <p:nvPicPr>
+          <p:cNvPr id="101" name="图片 100"/>
+          <p:cNvPicPr/>
           <p:nvPr/>
-        </p:nvSpPr>
-        <p:spPr>
-          <a:xfrm>
-            <a:off x="838200" y="4034997"/>
-            <a:ext cx="10372288" cy="369332"/>
+        </p:nvPicPr>
+        <p:blipFill>
+          <a:blip r:embed="rId2"/>
+          <a:stretch>
+            <a:fillRect/>
+          </a:stretch>
+        </p:blipFill>
+        <p:spPr>
+          <a:xfrm>
+            <a:off x="3606800" y="2802255"/>
+            <a:ext cx="4857750" cy="2190750"/>
           </a:xfrm>
           <a:prstGeom prst="rect">
             <a:avLst/>
           </a:prstGeom>
           <a:noFill/>
-        </p:spPr>
-        <p:txBody>
-          <a:bodyPr wrap="square" rtlCol="0">
-            <a:spAutoFit/>
-          </a:bodyPr>
-          <a:lstStyle/>
-          <a:p>
-            <a:r>
-              <a:rPr lang="zh-CN" altLang="en-US" dirty="0"/>
-              <a:t>评价指标公式：</a:t>
-            </a:r>
-          </a:p>
-        </p:txBody>
-      </p:sp>
-      <mc:AlternateContent xmlns:mc="http://schemas.openxmlformats.org/markup-compatibility/2006" xmlns:a14="http://schemas.microsoft.com/office/drawing/2010/main">
-        <mc:Choice Requires="a14">
-          <p:sp>
-            <p:nvSpPr>
-              <p:cNvPr id="6" name="文本框 5"/>
-              <p:cNvSpPr txBox="1"/>
-              <p:nvPr/>
-            </p:nvSpPr>
-            <p:spPr>
-              <a:xfrm>
-                <a:off x="4138605" y="4590371"/>
-                <a:ext cx="3914790" cy="276999"/>
-              </a:xfrm>
-              <a:prstGeom prst="rect">
-                <a:avLst/>
-              </a:prstGeom>
-              <a:noFill/>
-            </p:spPr>
-            <p:txBody>
-              <a:bodyPr wrap="none" lIns="0" tIns="0" rIns="0" bIns="0" rtlCol="0">
-                <a:spAutoFit/>
-              </a:bodyPr>
-              <a:lstStyle/>
-              <a:p>
-                <a:pPr/>
-                <a14:m>
-                  <m:oMathPara xmlns:m="http://schemas.openxmlformats.org/officeDocument/2006/math">
-                    <m:oMathParaPr>
-                      <m:jc m:val="centerGroup"/>
-                    </m:oMathParaPr>
-                    <m:oMath xmlns:m="http://schemas.openxmlformats.org/officeDocument/2006/math">
-                      <m:sSub>
-                        <m:sSubPr>
-                          <m:ctrlPr>
-                            <a:rPr lang="en-US" altLang="zh-CN" i="1" smtClean="0">
-                              <a:latin typeface="Cambria Math" panose="02040503050406030204" pitchFamily="18" charset="0"/>
-                            </a:rPr>
-                          </m:ctrlPr>
-                        </m:sSubPr>
-                        <m:e>
-                          <m:r>
-                            <m:rPr>
-                              <m:sty m:val="p"/>
-                            </m:rPr>
-                            <a:rPr lang="en-US" altLang="zh-CN" i="1">
-                              <a:latin typeface="Cambria Math" panose="02040503050406030204" pitchFamily="18" charset="0"/>
-                            </a:rPr>
-                            <m:t>max</m:t>
-                          </m:r>
-                        </m:e>
-                        <m:sub>
-                          <m:r>
-                            <a:rPr lang="en-US" altLang="zh-CN" b="0" i="1" smtClean="0">
-                              <a:latin typeface="Cambria Math" panose="02040503050406030204" pitchFamily="18" charset="0"/>
-                            </a:rPr>
-                            <m:t>𝑖</m:t>
-                          </m:r>
-                          <m:r>
-                            <a:rPr lang="en-US" altLang="zh-CN" b="0" i="1" smtClean="0">
-                              <a:latin typeface="Cambria Math" panose="02040503050406030204" pitchFamily="18" charset="0"/>
-                              <a:ea typeface="Cambria Math" panose="02040503050406030204" pitchFamily="18" charset="0"/>
-                            </a:rPr>
-                            <m:t>≥1</m:t>
-                          </m:r>
-                        </m:sub>
-                      </m:sSub>
-                      <m:d>
-                        <m:dPr>
-                          <m:begChr m:val="{"/>
-                          <m:endChr m:val="}"/>
-                          <m:ctrlPr>
-                            <a:rPr lang="en-US" altLang="zh-CN" b="0" i="1" smtClean="0">
-                              <a:latin typeface="Cambria Math" panose="02040503050406030204" pitchFamily="18" charset="0"/>
-                            </a:rPr>
-                          </m:ctrlPr>
-                        </m:dPr>
-                        <m:e>
-                          <m:r>
-                            <a:rPr lang="en-US" altLang="zh-CN" b="0" i="1" smtClean="0">
-                              <a:latin typeface="Cambria Math" panose="02040503050406030204" pitchFamily="18" charset="0"/>
-                            </a:rPr>
-                            <m:t>|</m:t>
-                          </m:r>
-                          <m:r>
-                            <a:rPr lang="en-US" altLang="zh-CN" b="0" i="1" smtClean="0">
-                              <a:latin typeface="Cambria Math" panose="02040503050406030204" pitchFamily="18" charset="0"/>
-                            </a:rPr>
-                            <m:t>𝐻</m:t>
-                          </m:r>
-                          <m:d>
-                            <m:dPr>
-                              <m:ctrlPr>
-                                <a:rPr lang="en-US" altLang="zh-CN" b="0" i="1" smtClean="0">
-                                  <a:latin typeface="Cambria Math" panose="02040503050406030204" pitchFamily="18" charset="0"/>
-                                </a:rPr>
-                              </m:ctrlPr>
-                            </m:dPr>
-                            <m:e>
-                              <m:sSub>
-                                <m:sSubPr>
-                                  <m:ctrlPr>
-                                    <a:rPr lang="en-US" altLang="zh-CN" b="0" i="1" smtClean="0">
-                                      <a:latin typeface="Cambria Math" panose="02040503050406030204" pitchFamily="18" charset="0"/>
-                                    </a:rPr>
-                                  </m:ctrlPr>
-                                </m:sSubPr>
-                                <m:e>
-                                  <m:r>
-                                    <a:rPr lang="en-US" altLang="zh-CN" b="0" i="1" smtClean="0">
-                                      <a:latin typeface="Cambria Math" panose="02040503050406030204" pitchFamily="18" charset="0"/>
-                                    </a:rPr>
-                                    <m:t>𝑔</m:t>
-                                  </m:r>
-                                </m:e>
-                                <m:sub>
-                                  <m:r>
-                                    <a:rPr lang="en-US" altLang="zh-CN" b="0" i="1" smtClean="0">
-                                      <a:latin typeface="Cambria Math" panose="02040503050406030204" pitchFamily="18" charset="0"/>
-                                    </a:rPr>
-                                    <m:t>𝑖</m:t>
-                                  </m:r>
-                                </m:sub>
-                              </m:sSub>
-                            </m:e>
-                          </m:d>
-                          <m:r>
-                            <a:rPr lang="en-US" altLang="zh-CN" b="0" i="1" smtClean="0">
-                              <a:latin typeface="Cambria Math" panose="02040503050406030204" pitchFamily="18" charset="0"/>
-                            </a:rPr>
-                            <m:t>−</m:t>
-                          </m:r>
-                          <m:r>
-                            <a:rPr lang="en-US" altLang="zh-CN" b="0" i="1" smtClean="0">
-                              <a:latin typeface="Cambria Math" panose="02040503050406030204" pitchFamily="18" charset="0"/>
-                            </a:rPr>
-                            <m:t>𝐻</m:t>
-                          </m:r>
-                          <m:r>
-                            <a:rPr lang="en-US" altLang="zh-CN" b="0" i="1" smtClean="0">
-                              <a:latin typeface="Cambria Math" panose="02040503050406030204" pitchFamily="18" charset="0"/>
-                            </a:rPr>
-                            <m:t>(</m:t>
-                          </m:r>
-                          <m:sSub>
-                            <m:sSubPr>
-                              <m:ctrlPr>
-                                <a:rPr lang="en-US" altLang="zh-CN" b="0" i="1" smtClean="0">
-                                  <a:latin typeface="Cambria Math" panose="02040503050406030204" pitchFamily="18" charset="0"/>
-                                </a:rPr>
-                              </m:ctrlPr>
-                            </m:sSubPr>
-                            <m:e>
-                              <m:r>
-                                <a:rPr lang="en-US" altLang="zh-CN" b="0" i="1" smtClean="0">
-                                  <a:latin typeface="Cambria Math" panose="02040503050406030204" pitchFamily="18" charset="0"/>
-                                </a:rPr>
-                                <m:t>𝑜</m:t>
-                              </m:r>
-                            </m:e>
-                            <m:sub>
-                              <m:r>
-                                <a:rPr lang="en-US" altLang="zh-CN" b="0" i="1" smtClean="0">
-                                  <a:latin typeface="Cambria Math" panose="02040503050406030204" pitchFamily="18" charset="0"/>
-                                </a:rPr>
-                                <m:t>𝑖</m:t>
-                              </m:r>
-                            </m:sub>
-                          </m:sSub>
-                          <m:r>
-                            <a:rPr lang="en-US" altLang="zh-CN" b="0" i="1" smtClean="0">
-                              <a:latin typeface="Cambria Math" panose="02040503050406030204" pitchFamily="18" charset="0"/>
-                            </a:rPr>
-                            <m:t>)|</m:t>
-                          </m:r>
-                        </m:e>
-                      </m:d>
-                      <m:r>
-                        <a:rPr lang="en-US" altLang="zh-CN" b="0" i="1" smtClean="0">
-                          <a:latin typeface="Cambria Math" panose="02040503050406030204" pitchFamily="18" charset="0"/>
-                        </a:rPr>
-                        <m:t>+</m:t>
-                      </m:r>
-                      <m:sSub>
-                        <m:sSubPr>
-                          <m:ctrlPr>
-                            <a:rPr lang="en-US" altLang="zh-CN" b="0" i="1" smtClean="0">
-                              <a:latin typeface="Cambria Math" panose="02040503050406030204" pitchFamily="18" charset="0"/>
-                            </a:rPr>
-                          </m:ctrlPr>
-                        </m:sSubPr>
-                        <m:e>
-                          <m:r>
-                            <a:rPr lang="en-US" altLang="zh-CN" b="0" i="1" smtClean="0">
-                              <a:latin typeface="Cambria Math" panose="02040503050406030204" pitchFamily="18" charset="0"/>
-                            </a:rPr>
-                            <m:t>𝑚𝑎𝑥</m:t>
-                          </m:r>
-                        </m:e>
-                        <m:sub>
-                          <m:r>
-                            <a:rPr lang="en-US" altLang="zh-CN" b="0" i="1" smtClean="0">
-                              <a:latin typeface="Cambria Math" panose="02040503050406030204" pitchFamily="18" charset="0"/>
-                            </a:rPr>
-                            <m:t>𝑖</m:t>
-                          </m:r>
-                          <m:r>
-                            <a:rPr lang="en-US" altLang="zh-CN" b="0" i="1" smtClean="0">
-                              <a:latin typeface="Cambria Math" panose="02040503050406030204" pitchFamily="18" charset="0"/>
-                              <a:ea typeface="Cambria Math" panose="02040503050406030204" pitchFamily="18" charset="0"/>
-                            </a:rPr>
-                            <m:t>≥1</m:t>
-                          </m:r>
-                        </m:sub>
-                      </m:sSub>
-                      <m:r>
-                        <a:rPr lang="en-US" altLang="zh-CN" b="0" i="1" smtClean="0">
-                          <a:latin typeface="Cambria Math" panose="02040503050406030204" pitchFamily="18" charset="0"/>
-                        </a:rPr>
-                        <m:t>{</m:t>
-                      </m:r>
-                      <m:sSub>
-                        <m:sSubPr>
-                          <m:ctrlPr>
-                            <a:rPr lang="en-US" altLang="zh-CN" b="0" i="1" smtClean="0">
-                              <a:latin typeface="Cambria Math" panose="02040503050406030204" pitchFamily="18" charset="0"/>
-                            </a:rPr>
-                          </m:ctrlPr>
-                        </m:sSubPr>
-                        <m:e>
-                          <m:r>
-                            <a:rPr lang="zh-CN" altLang="en-US" b="0" i="1" smtClean="0">
-                              <a:latin typeface="Cambria Math" panose="02040503050406030204" pitchFamily="18" charset="0"/>
-                            </a:rPr>
-                            <m:t>𝜔</m:t>
-                          </m:r>
-                        </m:e>
-                        <m:sub>
-                          <m:r>
-                            <a:rPr lang="en-US" altLang="zh-CN" b="0" i="1" smtClean="0">
-                              <a:latin typeface="Cambria Math" panose="02040503050406030204" pitchFamily="18" charset="0"/>
-                            </a:rPr>
-                            <m:t>𝑖</m:t>
-                          </m:r>
-                        </m:sub>
-                      </m:sSub>
-                      <m:r>
-                        <a:rPr lang="en-US" altLang="zh-CN" b="0" i="1" smtClean="0">
-                          <a:latin typeface="Cambria Math" panose="02040503050406030204" pitchFamily="18" charset="0"/>
-                        </a:rPr>
-                        <m:t>}</m:t>
-                      </m:r>
-                    </m:oMath>
-                  </m:oMathPara>
-                </a14:m>
-                <a:endParaRPr lang="zh-CN" altLang="en-US" dirty="0"/>
-              </a:p>
-            </p:txBody>
-          </p:sp>
-        </mc:Choice>
-        <mc:Fallback xmlns="">
-          <p:sp>
-            <p:nvSpPr>
-              <p:cNvPr id="6" name="文本框 5"/>
-              <p:cNvSpPr txBox="1">
-                <a:spLocks noRot="1" noChangeAspect="1" noMove="1" noResize="1" noEditPoints="1" noAdjustHandles="1" noChangeArrowheads="1" noChangeShapeType="1" noTextEdit="1"/>
-              </p:cNvSpPr>
-              <p:nvPr/>
-            </p:nvSpPr>
-            <p:spPr>
-              <a:xfrm>
-                <a:off x="4138605" y="4590371"/>
-                <a:ext cx="3914790" cy="276999"/>
-              </a:xfrm>
-              <a:prstGeom prst="rect">
-                <a:avLst/>
-              </a:prstGeom>
-              <a:blipFill rotWithShape="1">
-                <a:blip r:embed="rId2"/>
-                <a:stretch>
-                  <a:fillRect l="-8" t="-213" r="-657" b="34"/>
-                </a:stretch>
-              </a:blipFill>
-            </p:spPr>
-            <p:txBody>
-              <a:bodyPr/>
-              <a:lstStyle/>
-              <a:p>
-                <a:r>
-                  <a:rPr lang="zh-CN" altLang="en-US">
-                    <a:noFill/>
-                  </a:rPr>
-                  <a:t> </a:t>
-                </a:r>
-              </a:p>
-            </p:txBody>
-          </p:sp>
-        </mc:Fallback>
-      </mc:AlternateContent>
-      <mc:AlternateContent xmlns:mc="http://schemas.openxmlformats.org/markup-compatibility/2006" xmlns:a14="http://schemas.microsoft.com/office/drawing/2010/main">
-        <mc:Choice Requires="a14">
-          <p:sp>
-            <p:nvSpPr>
-              <p:cNvPr id="8" name="文本框 7"/>
-              <p:cNvSpPr txBox="1"/>
-              <p:nvPr/>
-            </p:nvSpPr>
-            <p:spPr>
-              <a:xfrm>
-                <a:off x="838200" y="5201174"/>
-                <a:ext cx="10310070" cy="923330"/>
-              </a:xfrm>
-              <a:prstGeom prst="rect">
-                <a:avLst/>
-              </a:prstGeom>
-              <a:noFill/>
-            </p:spPr>
-            <p:txBody>
-              <a:bodyPr wrap="square" rtlCol="0">
-                <a:spAutoFit/>
-              </a:bodyPr>
-              <a:lstStyle/>
-              <a:p>
-                <a14:m>
-                  <m:oMath xmlns:m="http://schemas.openxmlformats.org/officeDocument/2006/math">
-                    <m:sSub>
-                      <m:sSubPr>
-                        <m:ctrlPr>
-                          <a:rPr lang="en-US" altLang="zh-CN" i="1" smtClean="0">
-                            <a:latin typeface="Cambria Math" panose="02040503050406030204" pitchFamily="18" charset="0"/>
-                          </a:rPr>
-                        </m:ctrlPr>
-                      </m:sSubPr>
-                      <m:e>
-                        <m:r>
-                          <a:rPr lang="zh-CN" altLang="en-US" i="1">
-                            <a:latin typeface="Cambria Math" panose="02040503050406030204" pitchFamily="18" charset="0"/>
-                          </a:rPr>
-                          <m:t>𝜔</m:t>
-                        </m:r>
-                      </m:e>
-                      <m:sub>
-                        <m:r>
-                          <a:rPr lang="en-US" altLang="zh-CN" i="1">
-                            <a:latin typeface="Cambria Math" panose="02040503050406030204" pitchFamily="18" charset="0"/>
-                          </a:rPr>
-                          <m:t>𝑖</m:t>
-                        </m:r>
-                      </m:sub>
-                    </m:sSub>
-                  </m:oMath>
-                </a14:m>
-                <a:r>
-                  <a:rPr lang="zh-CN" altLang="en-US" dirty="0"/>
-                  <a:t>是第</a:t>
-                </a:r>
-                <a:r>
-                  <a:rPr lang="en-US" altLang="zh-CN" dirty="0"/>
-                  <a:t>i</a:t>
-                </a:r>
-                <a:r>
-                  <a:rPr lang="zh-CN" altLang="en-US" dirty="0"/>
-                  <a:t>个同学评价过的作业的数量。</a:t>
-                </a:r>
-                <a:endParaRPr lang="en-US" altLang="zh-CN" dirty="0"/>
-              </a:p>
-              <a:p>
-                <a14:m>
-                  <m:oMath xmlns:m="http://schemas.openxmlformats.org/officeDocument/2006/math">
-                    <m:sSub>
-                      <m:sSubPr>
-                        <m:ctrlPr>
-                          <a:rPr lang="en-US" altLang="zh-CN" i="1">
-                            <a:latin typeface="Cambria Math" panose="02040503050406030204" pitchFamily="18" charset="0"/>
-                          </a:rPr>
-                        </m:ctrlPr>
-                      </m:sSubPr>
-                      <m:e>
-                        <m:r>
-                          <a:rPr lang="en-US" altLang="zh-CN" i="1">
-                            <a:latin typeface="Cambria Math" panose="02040503050406030204" pitchFamily="18" charset="0"/>
-                          </a:rPr>
-                          <m:t>𝑔</m:t>
-                        </m:r>
-                      </m:e>
-                      <m:sub>
-                        <m:r>
-                          <a:rPr lang="en-US" altLang="zh-CN" i="1">
-                            <a:latin typeface="Cambria Math" panose="02040503050406030204" pitchFamily="18" charset="0"/>
-                          </a:rPr>
-                          <m:t>𝑖</m:t>
-                        </m:r>
-                      </m:sub>
-                    </m:sSub>
-                  </m:oMath>
-                </a14:m>
-                <a:r>
-                  <a:rPr lang="zh-CN" altLang="en-US" dirty="0"/>
-                  <a:t>是第</a:t>
-                </a:r>
-                <a:r>
-                  <a:rPr lang="en-US" altLang="zh-CN" dirty="0"/>
-                  <a:t>i</a:t>
-                </a:r>
-                <a:r>
-                  <a:rPr lang="zh-CN" altLang="en-US" dirty="0"/>
-                  <a:t>个同学被同伴打出的分数。</a:t>
-                </a:r>
-                <a:endParaRPr lang="en-US" altLang="zh-CN" dirty="0"/>
-              </a:p>
-              <a:p>
-                <a14:m>
-                  <m:oMath xmlns:m="http://schemas.openxmlformats.org/officeDocument/2006/math">
-                    <m:sSub>
-                      <m:sSubPr>
-                        <m:ctrlPr>
-                          <a:rPr lang="en-US" altLang="zh-CN" i="1">
-                            <a:latin typeface="Cambria Math" panose="02040503050406030204" pitchFamily="18" charset="0"/>
-                          </a:rPr>
-                        </m:ctrlPr>
-                      </m:sSubPr>
-                      <m:e>
-                        <m:r>
-                          <a:rPr lang="en-US" altLang="zh-CN" i="1">
-                            <a:latin typeface="Cambria Math" panose="02040503050406030204" pitchFamily="18" charset="0"/>
-                          </a:rPr>
-                          <m:t>𝑜</m:t>
-                        </m:r>
-                      </m:e>
-                      <m:sub>
-                        <m:r>
-                          <a:rPr lang="en-US" altLang="zh-CN" i="1">
-                            <a:latin typeface="Cambria Math" panose="02040503050406030204" pitchFamily="18" charset="0"/>
-                          </a:rPr>
-                          <m:t>𝑖</m:t>
-                        </m:r>
-                      </m:sub>
-                    </m:sSub>
-                  </m:oMath>
-                </a14:m>
-                <a:r>
-                  <a:rPr lang="zh-CN" altLang="en-US" dirty="0"/>
-                  <a:t>表示第</a:t>
-                </a:r>
-                <a:r>
-                  <a:rPr lang="en-US" altLang="zh-CN" dirty="0"/>
-                  <a:t>i</a:t>
-                </a:r>
-                <a:r>
-                  <a:rPr lang="zh-CN" altLang="en-US" dirty="0"/>
-                  <a:t>个同学被老师打出的分数。</a:t>
-                </a:r>
-              </a:p>
-            </p:txBody>
-          </p:sp>
-        </mc:Choice>
-        <mc:Fallback xmlns="">
-          <p:sp>
-            <p:nvSpPr>
-              <p:cNvPr id="8" name="文本框 7"/>
-              <p:cNvSpPr txBox="1">
-                <a:spLocks noRot="1" noChangeAspect="1" noMove="1" noResize="1" noEditPoints="1" noAdjustHandles="1" noChangeArrowheads="1" noChangeShapeType="1" noTextEdit="1"/>
-              </p:cNvSpPr>
-              <p:nvPr/>
-            </p:nvSpPr>
-            <p:spPr>
-              <a:xfrm>
-                <a:off x="838200" y="5201174"/>
-                <a:ext cx="10310070" cy="923330"/>
-              </a:xfrm>
-              <a:prstGeom prst="rect">
-                <a:avLst/>
-              </a:prstGeom>
-              <a:blipFill rotWithShape="1">
-                <a:blip r:embed="rId3"/>
-                <a:stretch>
-                  <a:fillRect t="-57" r="2" b="61"/>
-                </a:stretch>
-              </a:blipFill>
-            </p:spPr>
-            <p:txBody>
-              <a:bodyPr/>
-              <a:lstStyle/>
-              <a:p>
-                <a:r>
-                  <a:rPr lang="zh-CN" altLang="en-US">
-                    <a:noFill/>
-                  </a:rPr>
-                  <a:t> </a:t>
-                </a:r>
-              </a:p>
-            </p:txBody>
-          </p:sp>
-        </mc:Fallback>
-      </mc:AlternateContent>
+          <a:ln w="9525">
+            <a:noFill/>
+          </a:ln>
+        </p:spPr>
+      </p:pic>
     </p:spTree>
   </p:cSld>
   <p:clrMapOvr>
@@ -6703,31 +6120,42 @@
         </p:nvSpPr>
         <p:spPr/>
         <p:txBody>
-          <a:bodyPr>
-            <a:normAutofit/>
-          </a:bodyPr>
-          <a:lstStyle/>
-          <a:p>
-            <a:r>
-              <a:rPr lang="en-US" altLang="zh-CN" sz="3200" dirty="0">
-                <a:latin typeface="Times New Roman" panose="02020603050405020304" pitchFamily="18" charset="0"/>
-                <a:cs typeface="Times New Roman" panose="02020603050405020304" pitchFamily="18" charset="0"/>
-              </a:rPr>
-              <a:t>Game Theory Based Peer Grading Mechanisms For MOOCs</a:t>
-            </a:r>
-          </a:p>
-        </p:txBody>
-      </p:sp>
-      <p:sp>
-        <p:nvSpPr>
-          <p:cNvPr id="7" name="文本框 6"/>
+          <a:bodyPr/>
+          <a:lstStyle/>
+          <a:p>
+            <a:r>
+              <a:rPr lang="en-US" altLang="zh-CN" dirty="0" smtClean="0">
+                <a:latin typeface="微软雅黑" panose="020B0503020204020204" pitchFamily="34" charset="-122"/>
+                <a:ea typeface="微软雅黑" panose="020B0503020204020204" pitchFamily="34" charset="-122"/>
+                <a:cs typeface="微软雅黑" panose="020B0503020204020204" pitchFamily="34" charset="-122"/>
+              </a:rPr>
+              <a:t>3. </a:t>
+            </a:r>
+            <a:r>
+              <a:rPr lang="zh-CN" altLang="en-US" dirty="0">
+                <a:latin typeface="微软雅黑" panose="020B0503020204020204" pitchFamily="34" charset="-122"/>
+                <a:ea typeface="微软雅黑" panose="020B0503020204020204" pitchFamily="34" charset="-122"/>
+                <a:cs typeface="微软雅黑" panose="020B0503020204020204" pitchFamily="34" charset="-122"/>
+              </a:rPr>
+              <a:t>演化博弈论</a:t>
+            </a:r>
+            <a:endParaRPr lang="en-US" altLang="zh-CN" dirty="0">
+              <a:latin typeface="微软雅黑" panose="020B0503020204020204" pitchFamily="34" charset="-122"/>
+              <a:ea typeface="微软雅黑" panose="020B0503020204020204" pitchFamily="34" charset="-122"/>
+            </a:endParaRPr>
+          </a:p>
+        </p:txBody>
+      </p:sp>
+      <p:sp>
+        <p:nvSpPr>
+          <p:cNvPr id="3" name="文本框 2"/>
           <p:cNvSpPr txBox="1"/>
           <p:nvPr/>
         </p:nvSpPr>
         <p:spPr>
           <a:xfrm>
-            <a:off x="873503" y="1822445"/>
-            <a:ext cx="3497161" cy="369332"/>
+            <a:off x="838200" y="1690688"/>
+            <a:ext cx="10596245" cy="5078313"/>
           </a:xfrm>
           <a:prstGeom prst="rect">
             <a:avLst/>
@@ -6741,122 +6169,369 @@
           <a:lstStyle/>
           <a:p>
             <a:r>
+              <a:rPr lang="zh-CN" altLang="en-US" dirty="0" smtClean="0">
+                <a:latin typeface="微软雅黑" panose="020B0503020204020204" pitchFamily="34" charset="-122"/>
+                <a:ea typeface="微软雅黑" panose="020B0503020204020204" pitchFamily="34" charset="-122"/>
+              </a:rPr>
+              <a:t>不再</a:t>
+            </a:r>
+            <a:r>
+              <a:rPr lang="zh-CN" altLang="en-US" dirty="0">
+                <a:latin typeface="微软雅黑" panose="020B0503020204020204" pitchFamily="34" charset="-122"/>
+                <a:ea typeface="微软雅黑" panose="020B0503020204020204" pitchFamily="34" charset="-122"/>
+              </a:rPr>
+              <a:t>将人模型化为超级理性的博弈方，而是认为人类通常是通过试错的方法达到博弈均衡的，与生物进化原理具有共性，所选择的均衡是达到均衡的均衡过程的函数，因而历史、制度因素以及均衡过程的某些细节均会对博弈的多重均衡的选择产生影响</a:t>
+            </a:r>
+            <a:r>
+              <a:rPr lang="zh-CN" altLang="en-US" dirty="0" smtClean="0">
+                <a:latin typeface="微软雅黑" panose="020B0503020204020204" pitchFamily="34" charset="-122"/>
+                <a:ea typeface="微软雅黑" panose="020B0503020204020204" pitchFamily="34" charset="-122"/>
+              </a:rPr>
+              <a:t>。</a:t>
+            </a:r>
+            <a:endParaRPr lang="en-US" altLang="zh-CN" dirty="0" smtClean="0">
+              <a:latin typeface="微软雅黑" panose="020B0503020204020204" pitchFamily="34" charset="-122"/>
+              <a:ea typeface="微软雅黑" panose="020B0503020204020204" pitchFamily="34" charset="-122"/>
+            </a:endParaRPr>
+          </a:p>
+          <a:p>
+            <a:endParaRPr lang="en-US" altLang="zh-CN" dirty="0">
+              <a:latin typeface="微软雅黑" panose="020B0503020204020204" pitchFamily="34" charset="-122"/>
+              <a:ea typeface="微软雅黑" panose="020B0503020204020204" pitchFamily="34" charset="-122"/>
+            </a:endParaRPr>
+          </a:p>
+          <a:p>
+            <a:r>
+              <a:rPr lang="en-US" altLang="zh-CN" dirty="0" smtClean="0">
+                <a:latin typeface="微软雅黑" panose="020B0503020204020204" pitchFamily="34" charset="-122"/>
+                <a:ea typeface="微软雅黑" panose="020B0503020204020204" pitchFamily="34" charset="-122"/>
+              </a:rPr>
+              <a:t>1. 1998-On </a:t>
+            </a:r>
+            <a:r>
               <a:rPr lang="en-US" altLang="zh-CN" dirty="0">
-                <a:latin typeface="Times New Roman" panose="02020603050405020304" pitchFamily="18" charset="0"/>
-                <a:cs typeface="Times New Roman" panose="02020603050405020304" pitchFamily="18" charset="0"/>
-              </a:rPr>
-              <a:t>1. Calibration Mechanism</a:t>
+                <a:latin typeface="微软雅黑" panose="020B0503020204020204" pitchFamily="34" charset="-122"/>
+                <a:ea typeface="微软雅黑" panose="020B0503020204020204" pitchFamily="34" charset="-122"/>
+              </a:rPr>
+              <a:t>economic applications of evolutionary game </a:t>
+            </a:r>
+            <a:r>
+              <a:rPr lang="en-US" altLang="zh-CN" dirty="0" smtClean="0">
+                <a:latin typeface="微软雅黑" panose="020B0503020204020204" pitchFamily="34" charset="-122"/>
+                <a:ea typeface="微软雅黑" panose="020B0503020204020204" pitchFamily="34" charset="-122"/>
+              </a:rPr>
+              <a:t>theory</a:t>
+            </a:r>
+          </a:p>
+          <a:p>
+            <a:r>
+              <a:rPr lang="en-US" altLang="zh-CN" dirty="0" smtClean="0">
+                <a:latin typeface="微软雅黑" panose="020B0503020204020204" pitchFamily="34" charset="-122"/>
+                <a:ea typeface="微软雅黑" panose="020B0503020204020204" pitchFamily="34" charset="-122"/>
+              </a:rPr>
+              <a:t>2. P2P </a:t>
+            </a:r>
+            <a:r>
+              <a:rPr lang="en-US" altLang="zh-CN" dirty="0">
+                <a:latin typeface="微软雅黑" panose="020B0503020204020204" pitchFamily="34" charset="-122"/>
+                <a:ea typeface="微软雅黑" panose="020B0503020204020204" pitchFamily="34" charset="-122"/>
+              </a:rPr>
+              <a:t>Incentive Model On Evolutionary Game </a:t>
+            </a:r>
+            <a:r>
+              <a:rPr lang="en-US" altLang="zh-CN" dirty="0" smtClean="0">
+                <a:latin typeface="微软雅黑" panose="020B0503020204020204" pitchFamily="34" charset="-122"/>
+                <a:ea typeface="微软雅黑" panose="020B0503020204020204" pitchFamily="34" charset="-122"/>
+              </a:rPr>
+              <a:t>Theory</a:t>
+            </a:r>
+          </a:p>
+          <a:p>
+            <a:r>
+              <a:rPr lang="en-US" altLang="zh-CN" dirty="0" smtClean="0">
+                <a:latin typeface="微软雅黑" panose="020B0503020204020204" pitchFamily="34" charset="-122"/>
+                <a:ea typeface="微软雅黑" panose="020B0503020204020204" pitchFamily="34" charset="-122"/>
+              </a:rPr>
+              <a:t>3. </a:t>
+            </a:r>
+            <a:r>
+              <a:rPr lang="en-US" altLang="zh-CN" dirty="0">
+                <a:latin typeface="微软雅黑" panose="020B0503020204020204" pitchFamily="34" charset="-122"/>
+                <a:ea typeface="微软雅黑" panose="020B0503020204020204" pitchFamily="34" charset="-122"/>
+              </a:rPr>
+              <a:t>Building and Environment-2020-Evolutionary game theory analysis for understanding the decision-making mechanisms of governments and developers on green building </a:t>
+            </a:r>
+            <a:r>
+              <a:rPr lang="en-US" altLang="zh-CN" dirty="0" smtClean="0">
+                <a:latin typeface="微软雅黑" panose="020B0503020204020204" pitchFamily="34" charset="-122"/>
+                <a:ea typeface="微软雅黑" panose="020B0503020204020204" pitchFamily="34" charset="-122"/>
+              </a:rPr>
+              <a:t>incentives</a:t>
+            </a:r>
+          </a:p>
+          <a:p>
+            <a:r>
+              <a:rPr lang="en-US" altLang="zh-CN" dirty="0" smtClean="0">
+                <a:latin typeface="微软雅黑" panose="020B0503020204020204" pitchFamily="34" charset="-122"/>
+                <a:ea typeface="微软雅黑" panose="020B0503020204020204" pitchFamily="34" charset="-122"/>
+              </a:rPr>
+              <a:t>4. </a:t>
+            </a:r>
+            <a:r>
+              <a:rPr lang="en-US" altLang="zh-CN" dirty="0">
+                <a:latin typeface="微软雅黑" panose="020B0503020204020204" pitchFamily="34" charset="-122"/>
+                <a:ea typeface="微软雅黑" panose="020B0503020204020204" pitchFamily="34" charset="-122"/>
+              </a:rPr>
+              <a:t>Journal of Network and Computer </a:t>
+            </a:r>
+            <a:r>
+              <a:rPr lang="en-US" altLang="zh-CN" dirty="0">
+                <a:latin typeface="微软雅黑" panose="020B0503020204020204" pitchFamily="34" charset="-122"/>
+                <a:ea typeface="微软雅黑" panose="020B0503020204020204" pitchFamily="34" charset="-122"/>
+              </a:rPr>
+              <a:t>Applications- 2014-</a:t>
+            </a:r>
+            <a:r>
+              <a:rPr lang="en-US" altLang="zh-CN" dirty="0">
+                <a:latin typeface="微软雅黑" panose="020B0503020204020204" pitchFamily="34" charset="-122"/>
+                <a:ea typeface="微软雅黑" panose="020B0503020204020204" pitchFamily="34" charset="-122"/>
+              </a:rPr>
+              <a:t>Incentive mechanism for P2P file sharing based on social network and game </a:t>
+            </a:r>
+            <a:r>
+              <a:rPr lang="en-US" altLang="zh-CN" dirty="0" smtClean="0">
+                <a:latin typeface="微软雅黑" panose="020B0503020204020204" pitchFamily="34" charset="-122"/>
+                <a:ea typeface="微软雅黑" panose="020B0503020204020204" pitchFamily="34" charset="-122"/>
+              </a:rPr>
+              <a:t>theory</a:t>
+            </a:r>
+          </a:p>
+          <a:p>
+            <a:r>
+              <a:rPr lang="en-US" altLang="zh-CN" dirty="0" smtClean="0">
+                <a:latin typeface="微软雅黑" panose="020B0503020204020204" pitchFamily="34" charset="-122"/>
+                <a:ea typeface="微软雅黑" panose="020B0503020204020204" pitchFamily="34" charset="-122"/>
+              </a:rPr>
+              <a:t>5</a:t>
+            </a:r>
+            <a:r>
+              <a:rPr lang="en-US" altLang="zh-CN" dirty="0">
+                <a:latin typeface="微软雅黑" panose="020B0503020204020204" pitchFamily="34" charset="-122"/>
+                <a:ea typeface="微软雅黑" panose="020B0503020204020204" pitchFamily="34" charset="-122"/>
+              </a:rPr>
+              <a:t>. arXiv-2014-</a:t>
+            </a:r>
+            <a:r>
+              <a:rPr lang="en-US" altLang="zh-CN" dirty="0">
+                <a:latin typeface="微软雅黑" panose="020B0503020204020204" pitchFamily="34" charset="-122"/>
+                <a:ea typeface="微软雅黑" panose="020B0503020204020204" pitchFamily="34" charset="-122"/>
+              </a:rPr>
+              <a:t>Aggregating </a:t>
+            </a:r>
+            <a:r>
+              <a:rPr lang="en-US" altLang="zh-CN" dirty="0">
+                <a:latin typeface="微软雅黑" panose="020B0503020204020204" pitchFamily="34" charset="-122"/>
+                <a:ea typeface="微软雅黑" panose="020B0503020204020204" pitchFamily="34" charset="-122"/>
+              </a:rPr>
+              <a:t>partial rankings with applications to peer grading in massive online open </a:t>
+            </a:r>
+            <a:r>
+              <a:rPr lang="en-US" altLang="zh-CN" dirty="0">
+                <a:latin typeface="微软雅黑" panose="020B0503020204020204" pitchFamily="34" charset="-122"/>
+                <a:ea typeface="微软雅黑" panose="020B0503020204020204" pitchFamily="34" charset="-122"/>
+              </a:rPr>
+              <a:t>courses</a:t>
+            </a:r>
+          </a:p>
+          <a:p>
+            <a:r>
+              <a:rPr lang="en-US" altLang="zh-CN" dirty="0" smtClean="0">
+                <a:latin typeface="微软雅黑" panose="020B0503020204020204" pitchFamily="34" charset="-122"/>
+                <a:ea typeface="微软雅黑" panose="020B0503020204020204" pitchFamily="34" charset="-122"/>
+              </a:rPr>
+              <a:t>6</a:t>
+            </a:r>
+            <a:r>
+              <a:rPr lang="en-US" altLang="zh-CN" dirty="0">
+                <a:latin typeface="微软雅黑" panose="020B0503020204020204" pitchFamily="34" charset="-122"/>
+                <a:ea typeface="微软雅黑" panose="020B0503020204020204" pitchFamily="34" charset="-122"/>
+              </a:rPr>
+              <a:t>. arXiv-2019-Evaluating Reputation Management Schemes of Internet of </a:t>
+            </a:r>
+            <a:r>
+              <a:rPr lang="en-US" altLang="zh-CN" dirty="0" smtClean="0">
+                <a:latin typeface="微软雅黑" panose="020B0503020204020204" pitchFamily="34" charset="-122"/>
+                <a:ea typeface="微软雅黑" panose="020B0503020204020204" pitchFamily="34" charset="-122"/>
+              </a:rPr>
+              <a:t>Vehicles</a:t>
+            </a:r>
+          </a:p>
+          <a:p>
+            <a:r>
+              <a:rPr lang="en-US" altLang="zh-CN" dirty="0" smtClean="0">
+                <a:latin typeface="微软雅黑" panose="020B0503020204020204" pitchFamily="34" charset="-122"/>
+                <a:ea typeface="微软雅黑" panose="020B0503020204020204" pitchFamily="34" charset="-122"/>
+              </a:rPr>
+              <a:t>7. </a:t>
+            </a:r>
+            <a:r>
+              <a:rPr lang="zh-CN" altLang="en-US" dirty="0" smtClean="0">
+                <a:latin typeface="微软雅黑" panose="020B0503020204020204" pitchFamily="34" charset="-122"/>
+                <a:ea typeface="微软雅黑" panose="020B0503020204020204" pitchFamily="34" charset="-122"/>
+              </a:rPr>
+              <a:t>运筹与管理</a:t>
+            </a:r>
+            <a:r>
+              <a:rPr lang="en-US" altLang="zh-CN" dirty="0" smtClean="0">
+                <a:latin typeface="微软雅黑" panose="020B0503020204020204" pitchFamily="34" charset="-122"/>
+                <a:ea typeface="微软雅黑" panose="020B0503020204020204" pitchFamily="34" charset="-122"/>
+              </a:rPr>
+              <a:t>-2021-</a:t>
+            </a:r>
+            <a:r>
+              <a:rPr lang="zh-CN" altLang="en-US" dirty="0" smtClean="0">
+                <a:latin typeface="微软雅黑" panose="020B0503020204020204" pitchFamily="34" charset="-122"/>
+                <a:ea typeface="微软雅黑" panose="020B0503020204020204" pitchFamily="34" charset="-122"/>
+              </a:rPr>
+              <a:t>基于</a:t>
+            </a:r>
+            <a:r>
+              <a:rPr lang="zh-CN" altLang="en-US" dirty="0">
+                <a:latin typeface="微软雅黑" panose="020B0503020204020204" pitchFamily="34" charset="-122"/>
+                <a:ea typeface="微软雅黑" panose="020B0503020204020204" pitchFamily="34" charset="-122"/>
+              </a:rPr>
+              <a:t>演化博弈论的环卫自律组织激励机制</a:t>
+            </a:r>
+            <a:r>
+              <a:rPr lang="zh-CN" altLang="en-US" dirty="0" smtClean="0">
+                <a:latin typeface="微软雅黑" panose="020B0503020204020204" pitchFamily="34" charset="-122"/>
+                <a:ea typeface="微软雅黑" panose="020B0503020204020204" pitchFamily="34" charset="-122"/>
+              </a:rPr>
+              <a:t>研究</a:t>
+            </a:r>
+            <a:endParaRPr lang="en-US" altLang="zh-CN" dirty="0" smtClean="0">
+              <a:latin typeface="微软雅黑" panose="020B0503020204020204" pitchFamily="34" charset="-122"/>
+              <a:ea typeface="微软雅黑" panose="020B0503020204020204" pitchFamily="34" charset="-122"/>
+            </a:endParaRPr>
+          </a:p>
+          <a:p>
+            <a:r>
+              <a:rPr lang="en-US" altLang="zh-CN" dirty="0" smtClean="0">
+                <a:latin typeface="微软雅黑" panose="020B0503020204020204" pitchFamily="34" charset="-122"/>
+                <a:ea typeface="微软雅黑" panose="020B0503020204020204" pitchFamily="34" charset="-122"/>
+              </a:rPr>
+              <a:t>8. </a:t>
+            </a:r>
+            <a:r>
+              <a:rPr lang="zh-CN" altLang="en-US" dirty="0" smtClean="0">
+                <a:latin typeface="微软雅黑" panose="020B0503020204020204" pitchFamily="34" charset="-122"/>
+                <a:ea typeface="微软雅黑" panose="020B0503020204020204" pitchFamily="34" charset="-122"/>
+              </a:rPr>
+              <a:t>管理学报</a:t>
+            </a:r>
+            <a:r>
+              <a:rPr lang="en-US" altLang="zh-CN" dirty="0">
+                <a:latin typeface="微软雅黑" panose="020B0503020204020204" pitchFamily="34" charset="-122"/>
+                <a:ea typeface="微软雅黑" panose="020B0503020204020204" pitchFamily="34" charset="-122"/>
+              </a:rPr>
+              <a:t>-2021-</a:t>
+            </a:r>
+            <a:r>
+              <a:rPr lang="zh-CN" altLang="en-US" dirty="0">
+                <a:latin typeface="微软雅黑" panose="020B0503020204020204" pitchFamily="34" charset="-122"/>
+                <a:ea typeface="微软雅黑" panose="020B0503020204020204" pitchFamily="34" charset="-122"/>
+              </a:rPr>
+              <a:t>用户会员选择与网络视频平台</a:t>
+            </a:r>
+            <a:r>
+              <a:rPr lang="en-US" altLang="zh-CN" dirty="0">
+                <a:latin typeface="微软雅黑" panose="020B0503020204020204" pitchFamily="34" charset="-122"/>
+                <a:ea typeface="微软雅黑" panose="020B0503020204020204" pitchFamily="34" charset="-122"/>
+              </a:rPr>
+              <a:t>IP</a:t>
+            </a:r>
+            <a:r>
+              <a:rPr lang="zh-CN" altLang="en-US" dirty="0">
+                <a:latin typeface="微软雅黑" panose="020B0503020204020204" pitchFamily="34" charset="-122"/>
+                <a:ea typeface="微软雅黑" panose="020B0503020204020204" pitchFamily="34" charset="-122"/>
+              </a:rPr>
+              <a:t>竞争多阶段进化博弈</a:t>
+            </a:r>
+            <a:r>
+              <a:rPr lang="zh-CN" altLang="en-US" dirty="0" smtClean="0">
+                <a:latin typeface="微软雅黑" panose="020B0503020204020204" pitchFamily="34" charset="-122"/>
+                <a:ea typeface="微软雅黑" panose="020B0503020204020204" pitchFamily="34" charset="-122"/>
+              </a:rPr>
+              <a:t>分析</a:t>
+            </a:r>
+            <a:endParaRPr lang="en-US" altLang="zh-CN" dirty="0" smtClean="0">
+              <a:latin typeface="微软雅黑" panose="020B0503020204020204" pitchFamily="34" charset="-122"/>
+              <a:ea typeface="微软雅黑" panose="020B0503020204020204" pitchFamily="34" charset="-122"/>
+            </a:endParaRPr>
+          </a:p>
+          <a:p>
+            <a:r>
+              <a:rPr lang="en-US" altLang="zh-CN" dirty="0" smtClean="0">
+                <a:latin typeface="微软雅黑" panose="020B0503020204020204" pitchFamily="34" charset="-122"/>
+                <a:ea typeface="微软雅黑" panose="020B0503020204020204" pitchFamily="34" charset="-122"/>
+              </a:rPr>
+              <a:t>9. </a:t>
+            </a:r>
+            <a:r>
+              <a:rPr lang="en-US" altLang="zh-CN" dirty="0">
+                <a:latin typeface="微软雅黑" panose="020B0503020204020204" pitchFamily="34" charset="-122"/>
+                <a:ea typeface="微软雅黑" panose="020B0503020204020204" pitchFamily="34" charset="-122"/>
+              </a:rPr>
+              <a:t>1978-</a:t>
+            </a:r>
+            <a:r>
+              <a:rPr lang="en-US" altLang="zh-CN" dirty="0">
+                <a:latin typeface="微软雅黑" panose="020B0503020204020204" pitchFamily="34" charset="-122"/>
+                <a:ea typeface="微软雅黑" panose="020B0503020204020204" pitchFamily="34" charset="-122"/>
+              </a:rPr>
+              <a:t>Evolutionarily Stable Strategies and Game </a:t>
+            </a:r>
+            <a:r>
+              <a:rPr lang="en-US" altLang="zh-CN" dirty="0" smtClean="0">
+                <a:latin typeface="微软雅黑" panose="020B0503020204020204" pitchFamily="34" charset="-122"/>
+                <a:ea typeface="微软雅黑" panose="020B0503020204020204" pitchFamily="34" charset="-122"/>
+              </a:rPr>
+              <a:t>Dynamics</a:t>
+            </a:r>
+          </a:p>
+          <a:p>
+            <a:r>
+              <a:rPr lang="en-US" altLang="zh-CN" dirty="0" smtClean="0">
+                <a:latin typeface="微软雅黑" panose="020B0503020204020204" pitchFamily="34" charset="-122"/>
+                <a:ea typeface="微软雅黑" panose="020B0503020204020204" pitchFamily="34" charset="-122"/>
+              </a:rPr>
+              <a:t>10. </a:t>
+            </a:r>
+            <a:r>
+              <a:rPr lang="en-US" altLang="zh-CN" dirty="0">
+                <a:latin typeface="微软雅黑" panose="020B0503020204020204" pitchFamily="34" charset="-122"/>
+                <a:ea typeface="微软雅黑" panose="020B0503020204020204" pitchFamily="34" charset="-122"/>
+              </a:rPr>
+              <a:t>Evolutionary Ecology </a:t>
+            </a:r>
+            <a:r>
+              <a:rPr lang="en-US" altLang="zh-CN" dirty="0">
+                <a:latin typeface="微软雅黑" panose="020B0503020204020204" pitchFamily="34" charset="-122"/>
+                <a:ea typeface="微软雅黑" panose="020B0503020204020204" pitchFamily="34" charset="-122"/>
+              </a:rPr>
+              <a:t>Research-2009-Evolutionary </a:t>
+            </a:r>
+            <a:r>
+              <a:rPr lang="en-US" altLang="zh-CN" dirty="0">
+                <a:latin typeface="微软雅黑" panose="020B0503020204020204" pitchFamily="34" charset="-122"/>
+                <a:ea typeface="微软雅黑" panose="020B0503020204020204" pitchFamily="34" charset="-122"/>
+              </a:rPr>
+              <a:t>game theory: ESS, convergence stability, and NIS</a:t>
             </a:r>
             <a:endParaRPr lang="zh-CN" altLang="en-US" dirty="0">
-              <a:latin typeface="Times New Roman" panose="02020603050405020304" pitchFamily="18" charset="0"/>
-              <a:cs typeface="Times New Roman" panose="02020603050405020304" pitchFamily="18" charset="0"/>
+              <a:latin typeface="微软雅黑" panose="020B0503020204020204" pitchFamily="34" charset="-122"/>
+              <a:ea typeface="微软雅黑" panose="020B0503020204020204" pitchFamily="34" charset="-122"/>
             </a:endParaRPr>
-          </a:p>
-        </p:txBody>
-      </p:sp>
-      <p:pic>
-        <p:nvPicPr>
-          <p:cNvPr id="4" name="图片 3"/>
-          <p:cNvPicPr>
-            <a:picLocks noChangeAspect="1"/>
-          </p:cNvPicPr>
-          <p:nvPr/>
-        </p:nvPicPr>
-        <p:blipFill>
-          <a:blip r:embed="rId2"/>
-          <a:stretch>
-            <a:fillRect/>
-          </a:stretch>
-        </p:blipFill>
-        <p:spPr>
-          <a:xfrm>
-            <a:off x="4436206" y="1510018"/>
-            <a:ext cx="6781767" cy="5147156"/>
-          </a:xfrm>
-          <a:prstGeom prst="rect">
-            <a:avLst/>
-          </a:prstGeom>
-        </p:spPr>
-      </p:pic>
-      <p:sp>
-        <p:nvSpPr>
-          <p:cNvPr id="5" name="文本框 4"/>
-          <p:cNvSpPr txBox="1"/>
-          <p:nvPr/>
-        </p:nvSpPr>
-        <p:spPr>
-          <a:xfrm>
-            <a:off x="838200" y="3429000"/>
-            <a:ext cx="3681197" cy="1200329"/>
-          </a:xfrm>
-          <a:prstGeom prst="rect">
-            <a:avLst/>
-          </a:prstGeom>
-          <a:noFill/>
-        </p:spPr>
-        <p:txBody>
-          <a:bodyPr wrap="square" rtlCol="0">
-            <a:spAutoFit/>
-          </a:bodyPr>
-          <a:lstStyle/>
-          <a:p>
-            <a:r>
-              <a:rPr lang="zh-CN" altLang="en-US" dirty="0">
-                <a:latin typeface="微软雅黑" panose="020B0503020204020204" pitchFamily="34" charset="-122"/>
-                <a:ea typeface="微软雅黑" panose="020B0503020204020204" pitchFamily="34" charset="-122"/>
-              </a:rPr>
-              <a:t>函数</a:t>
-            </a:r>
-            <a:r>
-              <a:rPr lang="en-US" altLang="zh-CN" i="1" dirty="0">
-                <a:latin typeface="Times New Roman" panose="02020603050405020304" pitchFamily="18" charset="0"/>
-                <a:cs typeface="Times New Roman" panose="02020603050405020304" pitchFamily="18" charset="0"/>
-              </a:rPr>
-              <a:t>H</a:t>
-            </a:r>
-            <a:r>
-              <a:rPr lang="en-US" altLang="zh-CN" dirty="0">
-                <a:latin typeface="Times New Roman" panose="02020603050405020304" pitchFamily="18" charset="0"/>
-                <a:cs typeface="Times New Roman" panose="02020603050405020304" pitchFamily="18" charset="0"/>
-              </a:rPr>
-              <a:t>(</a:t>
-            </a:r>
-            <a:r>
-              <a:rPr lang="en-US" altLang="zh-CN" i="1" dirty="0">
-                <a:latin typeface="Times New Roman" panose="02020603050405020304" pitchFamily="18" charset="0"/>
-                <a:cs typeface="Times New Roman" panose="02020603050405020304" pitchFamily="18" charset="0"/>
-              </a:rPr>
-              <a:t>x</a:t>
-            </a:r>
-            <a:r>
-              <a:rPr lang="en-US" altLang="zh-CN" dirty="0">
-                <a:latin typeface="Times New Roman" panose="02020603050405020304" pitchFamily="18" charset="0"/>
-                <a:cs typeface="Times New Roman" panose="02020603050405020304" pitchFamily="18" charset="0"/>
-              </a:rPr>
-              <a:t>)</a:t>
-            </a:r>
-            <a:r>
-              <a:rPr lang="zh-CN" altLang="en-US" dirty="0">
-                <a:latin typeface="微软雅黑" panose="020B0503020204020204" pitchFamily="34" charset="-122"/>
-                <a:ea typeface="微软雅黑" panose="020B0503020204020204" pitchFamily="34" charset="-122"/>
-              </a:rPr>
-              <a:t>表示学生的幸福指数，输入</a:t>
-            </a:r>
-            <a:r>
-              <a:rPr lang="en-US" altLang="zh-CN" i="1" dirty="0">
-                <a:latin typeface="Times New Roman" panose="02020603050405020304" pitchFamily="18" charset="0"/>
-                <a:ea typeface="微软雅黑" panose="020B0503020204020204" pitchFamily="34" charset="-122"/>
-                <a:cs typeface="Times New Roman" panose="02020603050405020304" pitchFamily="18" charset="0"/>
-              </a:rPr>
-              <a:t>x</a:t>
-            </a:r>
-            <a:r>
-              <a:rPr lang="zh-CN" altLang="en-US" dirty="0">
-                <a:latin typeface="微软雅黑" panose="020B0503020204020204" pitchFamily="34" charset="-122"/>
-                <a:ea typeface="微软雅黑" panose="020B0503020204020204" pitchFamily="34" charset="-122"/>
-              </a:rPr>
-              <a:t>是学生的分数，输出为学生的幸福指数。其中每次修改作业都会消耗一点幸福指数。</a:t>
-            </a:r>
           </a:p>
         </p:txBody>
       </p:sp>
@@ -6897,31 +6572,42 @@
         </p:nvSpPr>
         <p:spPr/>
         <p:txBody>
-          <a:bodyPr>
-            <a:normAutofit/>
-          </a:bodyPr>
-          <a:lstStyle/>
-          <a:p>
-            <a:r>
-              <a:rPr lang="en-US" altLang="zh-CN" sz="3200" dirty="0">
-                <a:latin typeface="Times New Roman" panose="02020603050405020304" pitchFamily="18" charset="0"/>
-                <a:cs typeface="Times New Roman" panose="02020603050405020304" pitchFamily="18" charset="0"/>
-              </a:rPr>
-              <a:t>Game Theory Based Peer Grading Mechanisms For MOOCs</a:t>
-            </a:r>
-          </a:p>
-        </p:txBody>
-      </p:sp>
-      <p:sp>
-        <p:nvSpPr>
-          <p:cNvPr id="7" name="文本框 6"/>
+          <a:bodyPr/>
+          <a:lstStyle/>
+          <a:p>
+            <a:r>
+              <a:rPr lang="en-US" altLang="zh-CN" dirty="0" smtClean="0">
+                <a:latin typeface="微软雅黑" panose="020B0503020204020204" pitchFamily="34" charset="-122"/>
+                <a:ea typeface="微软雅黑" panose="020B0503020204020204" pitchFamily="34" charset="-122"/>
+                <a:cs typeface="微软雅黑" panose="020B0503020204020204" pitchFamily="34" charset="-122"/>
+              </a:rPr>
+              <a:t>3. </a:t>
+            </a:r>
+            <a:r>
+              <a:rPr lang="zh-CN" altLang="en-US" dirty="0">
+                <a:latin typeface="微软雅黑" panose="020B0503020204020204" pitchFamily="34" charset="-122"/>
+                <a:ea typeface="微软雅黑" panose="020B0503020204020204" pitchFamily="34" charset="-122"/>
+                <a:cs typeface="微软雅黑" panose="020B0503020204020204" pitchFamily="34" charset="-122"/>
+              </a:rPr>
+              <a:t>演化博弈论</a:t>
+            </a:r>
+            <a:endParaRPr lang="en-US" altLang="zh-CN" dirty="0">
+              <a:latin typeface="微软雅黑" panose="020B0503020204020204" pitchFamily="34" charset="-122"/>
+              <a:ea typeface="微软雅黑" panose="020B0503020204020204" pitchFamily="34" charset="-122"/>
+            </a:endParaRPr>
+          </a:p>
+        </p:txBody>
+      </p:sp>
+      <p:sp>
+        <p:nvSpPr>
+          <p:cNvPr id="5" name="文本框 4"/>
           <p:cNvSpPr txBox="1"/>
           <p:nvPr/>
         </p:nvSpPr>
         <p:spPr>
           <a:xfrm>
-            <a:off x="873503" y="1822445"/>
-            <a:ext cx="3765609" cy="369332"/>
+            <a:off x="837565" y="1869440"/>
+            <a:ext cx="10516235" cy="368300"/>
           </a:xfrm>
           <a:prstGeom prst="rect">
             <a:avLst/>
@@ -6929,35 +6615,227 @@
           <a:noFill/>
         </p:spPr>
         <p:txBody>
-          <a:bodyPr wrap="square" rtlCol="0">
+          <a:bodyPr wrap="square" rtlCol="0" anchor="t">
             <a:spAutoFit/>
           </a:bodyPr>
           <a:lstStyle/>
           <a:p>
             <a:r>
-              <a:rPr lang="en-US" altLang="zh-CN" dirty="0">
-                <a:latin typeface="Times New Roman" panose="02020603050405020304" pitchFamily="18" charset="0"/>
-                <a:cs typeface="Times New Roman" panose="02020603050405020304" pitchFamily="18" charset="0"/>
-              </a:rPr>
-              <a:t>2. Improved Calibration Mechanism</a:t>
-            </a:r>
-            <a:endParaRPr lang="zh-CN" altLang="en-US" dirty="0">
-              <a:latin typeface="Times New Roman" panose="02020603050405020304" pitchFamily="18" charset="0"/>
-              <a:cs typeface="Times New Roman" panose="02020603050405020304" pitchFamily="18" charset="0"/>
-            </a:endParaRPr>
-          </a:p>
-        </p:txBody>
-      </p:sp>
-      <p:sp>
-        <p:nvSpPr>
-          <p:cNvPr id="5" name="文本框 4"/>
+              <a:rPr lang="zh-CN" altLang="en-US" dirty="0">
+                <a:latin typeface="微软雅黑" panose="020B0503020204020204" pitchFamily="34" charset="-122"/>
+                <a:ea typeface="微软雅黑" panose="020B0503020204020204" pitchFamily="34" charset="-122"/>
+                <a:cs typeface="微软雅黑" panose="020B0503020204020204" pitchFamily="34" charset="-122"/>
+              </a:rPr>
+              <a:t>复制动态方程——演化的过程</a:t>
+            </a:r>
+          </a:p>
+        </p:txBody>
+      </p:sp>
+      <p:sp>
+        <p:nvSpPr>
+          <p:cNvPr id="4" name="矩形 3"/>
+          <p:cNvSpPr/>
+          <p:nvPr/>
+        </p:nvSpPr>
+        <p:spPr>
+          <a:xfrm>
+            <a:off x="8292465" y="2552700"/>
+            <a:ext cx="1395095" cy="914400"/>
+          </a:xfrm>
+          <a:prstGeom prst="rect">
+            <a:avLst/>
+          </a:prstGeom>
+        </p:spPr>
+        <p:style>
+          <a:lnRef idx="2">
+            <a:schemeClr val="accent6"/>
+          </a:lnRef>
+          <a:fillRef idx="1">
+            <a:schemeClr val="lt1"/>
+          </a:fillRef>
+          <a:effectRef idx="0">
+            <a:schemeClr val="accent6"/>
+          </a:effectRef>
+          <a:fontRef idx="minor">
+            <a:schemeClr val="dk1"/>
+          </a:fontRef>
+        </p:style>
+        <p:txBody>
+          <a:bodyPr rtlCol="0" anchor="ctr"/>
+          <a:lstStyle/>
+          <a:p>
+            <a:pPr algn="ctr"/>
+            <a:r>
+              <a:rPr lang="zh-CN" altLang="en-US"/>
+              <a:t>策略</a:t>
+            </a:r>
+          </a:p>
+        </p:txBody>
+      </p:sp>
+      <p:sp>
+        <p:nvSpPr>
+          <p:cNvPr id="7" name="矩形 6"/>
+          <p:cNvSpPr/>
+          <p:nvPr/>
+        </p:nvSpPr>
+        <p:spPr>
+          <a:xfrm>
+            <a:off x="7029450" y="4712970"/>
+            <a:ext cx="1395095" cy="914400"/>
+          </a:xfrm>
+          <a:prstGeom prst="rect">
+            <a:avLst/>
+          </a:prstGeom>
+        </p:spPr>
+        <p:style>
+          <a:lnRef idx="2">
+            <a:schemeClr val="accent6"/>
+          </a:lnRef>
+          <a:fillRef idx="1">
+            <a:schemeClr val="lt1"/>
+          </a:fillRef>
+          <a:effectRef idx="0">
+            <a:schemeClr val="accent6"/>
+          </a:effectRef>
+          <a:fontRef idx="minor">
+            <a:schemeClr val="dk1"/>
+          </a:fontRef>
+        </p:style>
+        <p:txBody>
+          <a:bodyPr rtlCol="0" anchor="ctr"/>
+          <a:lstStyle/>
+          <a:p>
+            <a:pPr algn="ctr"/>
+            <a:r>
+              <a:rPr lang="zh-CN" altLang="en-US" dirty="0"/>
+              <a:t>上次收益最高的策略</a:t>
+            </a:r>
+          </a:p>
+        </p:txBody>
+      </p:sp>
+      <p:sp>
+        <p:nvSpPr>
+          <p:cNvPr id="8" name="矩形 7"/>
+          <p:cNvSpPr/>
+          <p:nvPr/>
+        </p:nvSpPr>
+        <p:spPr>
+          <a:xfrm>
+            <a:off x="9615170" y="4712970"/>
+            <a:ext cx="1395095" cy="914400"/>
+          </a:xfrm>
+          <a:prstGeom prst="rect">
+            <a:avLst/>
+          </a:prstGeom>
+        </p:spPr>
+        <p:style>
+          <a:lnRef idx="2">
+            <a:schemeClr val="accent6"/>
+          </a:lnRef>
+          <a:fillRef idx="1">
+            <a:schemeClr val="lt1"/>
+          </a:fillRef>
+          <a:effectRef idx="0">
+            <a:schemeClr val="accent6"/>
+          </a:effectRef>
+          <a:fontRef idx="minor">
+            <a:schemeClr val="dk1"/>
+          </a:fontRef>
+        </p:style>
+        <p:txBody>
+          <a:bodyPr rtlCol="0" anchor="ctr"/>
+          <a:lstStyle/>
+          <a:p>
+            <a:pPr algn="ctr"/>
+            <a:r>
+              <a:rPr lang="zh-CN" altLang="en-US" dirty="0"/>
+              <a:t>原策略</a:t>
+            </a:r>
+          </a:p>
+        </p:txBody>
+      </p:sp>
+      <p:cxnSp>
+        <p:nvCxnSpPr>
+          <p:cNvPr id="9" name="直接箭头连接符 8"/>
+          <p:cNvCxnSpPr>
+            <a:stCxn id="4" idx="2"/>
+            <a:endCxn id="7" idx="0"/>
+          </p:cNvCxnSpPr>
+          <p:nvPr/>
+        </p:nvCxnSpPr>
+        <p:spPr>
+          <a:xfrm flipH="1">
+            <a:off x="7727315" y="3467100"/>
+            <a:ext cx="1263015" cy="1245870"/>
+          </a:xfrm>
+          <a:prstGeom prst="straightConnector1">
+            <a:avLst/>
+          </a:prstGeom>
+          <a:ln>
+            <a:tailEnd type="arrow" w="med" len="med"/>
+          </a:ln>
+        </p:spPr>
+        <p:style>
+          <a:lnRef idx="1">
+            <a:schemeClr val="dk1"/>
+          </a:lnRef>
+          <a:fillRef idx="0">
+            <a:schemeClr val="dk1"/>
+          </a:fillRef>
+          <a:effectRef idx="0">
+            <a:schemeClr val="dk1"/>
+          </a:effectRef>
+          <a:fontRef idx="minor">
+            <a:schemeClr val="tx1"/>
+          </a:fontRef>
+        </p:style>
+      </p:cxnSp>
+      <p:cxnSp>
+        <p:nvCxnSpPr>
+          <p:cNvPr id="10" name="直接箭头连接符 9"/>
+          <p:cNvCxnSpPr>
+            <a:stCxn id="4" idx="2"/>
+            <a:endCxn id="8" idx="0"/>
+          </p:cNvCxnSpPr>
+          <p:nvPr/>
+        </p:nvCxnSpPr>
+        <p:spPr>
+          <a:xfrm>
+            <a:off x="8990330" y="3467100"/>
+            <a:ext cx="1322705" cy="1245870"/>
+          </a:xfrm>
+          <a:prstGeom prst="straightConnector1">
+            <a:avLst/>
+          </a:prstGeom>
+          <a:ln>
+            <a:tailEnd type="arrow" w="med" len="med"/>
+          </a:ln>
+        </p:spPr>
+        <p:style>
+          <a:lnRef idx="1">
+            <a:schemeClr val="dk1"/>
+          </a:lnRef>
+          <a:fillRef idx="0">
+            <a:schemeClr val="dk1"/>
+          </a:fillRef>
+          <a:effectRef idx="0">
+            <a:schemeClr val="dk1"/>
+          </a:effectRef>
+          <a:fontRef idx="minor">
+            <a:schemeClr val="tx1"/>
+          </a:fontRef>
+        </p:style>
+      </p:cxnSp>
+      <p:sp>
+        <p:nvSpPr>
+          <p:cNvPr id="11" name="文本框 10"/>
           <p:cNvSpPr txBox="1"/>
           <p:nvPr/>
         </p:nvSpPr>
         <p:spPr>
           <a:xfrm>
-            <a:off x="873503" y="3336721"/>
-            <a:ext cx="3832721" cy="1754326"/>
+            <a:off x="8484235" y="3905885"/>
+            <a:ext cx="1130935" cy="368300"/>
           </a:xfrm>
           <a:prstGeom prst="rect">
             <a:avLst/>
@@ -6971,39 +6849,381 @@
           <a:lstStyle/>
           <a:p>
             <a:r>
-              <a:rPr lang="zh-CN" altLang="en-US" dirty="0">
-                <a:latin typeface="微软雅黑" panose="020B0503020204020204" pitchFamily="34" charset="-122"/>
-                <a:ea typeface="微软雅黑" panose="020B0503020204020204" pitchFamily="34" charset="-122"/>
-              </a:rPr>
-              <a:t>改进的校准机制减轻了这个问题，通过引入多个校准的论文，以牺牲更多的工作，提高了客观分数。然而，由于这种机制创建的工作不能很好地随类大小伸缩，因此开发了演绎机制。</a:t>
-            </a:r>
-          </a:p>
-        </p:txBody>
-      </p:sp>
-      <p:pic>
-        <p:nvPicPr>
-          <p:cNvPr id="8" name="图片 7"/>
-          <p:cNvPicPr>
-            <a:picLocks noChangeAspect="1"/>
-          </p:cNvPicPr>
+              <a:rPr lang="zh-CN" altLang="en-US" dirty="0"/>
+              <a:t>下次策略</a:t>
+            </a:r>
+          </a:p>
+        </p:txBody>
+      </p:sp>
+      <p:sp>
+        <p:nvSpPr>
+          <p:cNvPr id="3" name="文本框 2"/>
+          <p:cNvSpPr txBox="1"/>
           <p:nvPr/>
-        </p:nvPicPr>
-        <p:blipFill>
-          <a:blip r:embed="rId2"/>
-          <a:stretch>
-            <a:fillRect/>
-          </a:stretch>
-        </p:blipFill>
-        <p:spPr>
-          <a:xfrm>
-            <a:off x="4572033" y="1385567"/>
-            <a:ext cx="6781767" cy="5147156"/>
+        </p:nvSpPr>
+        <p:spPr>
+          <a:xfrm>
+            <a:off x="837565" y="2743637"/>
+            <a:ext cx="5852160" cy="369332"/>
           </a:xfrm>
           <a:prstGeom prst="rect">
             <a:avLst/>
           </a:prstGeom>
-        </p:spPr>
-      </p:pic>
+          <a:noFill/>
+        </p:spPr>
+        <p:txBody>
+          <a:bodyPr wrap="square" rtlCol="0">
+            <a:spAutoFit/>
+          </a:bodyPr>
+          <a:lstStyle/>
+          <a:p>
+            <a:r>
+              <a:rPr lang="zh-CN" altLang="en-US" dirty="0" smtClean="0"/>
+              <a:t>假设每轮迭代所有人数都将会发生变化</a:t>
+            </a:r>
+            <a:endParaRPr lang="zh-CN" altLang="en-US" dirty="0"/>
+          </a:p>
+        </p:txBody>
+      </p:sp>
+      <p:sp>
+        <p:nvSpPr>
+          <p:cNvPr id="6" name="文本框 5"/>
+          <p:cNvSpPr txBox="1"/>
+          <p:nvPr/>
+        </p:nvSpPr>
+        <p:spPr>
+          <a:xfrm>
+            <a:off x="837565" y="3358342"/>
+            <a:ext cx="6132772" cy="369332"/>
+          </a:xfrm>
+          <a:prstGeom prst="rect">
+            <a:avLst/>
+          </a:prstGeom>
+          <a:noFill/>
+        </p:spPr>
+        <p:txBody>
+          <a:bodyPr wrap="square" rtlCol="0">
+            <a:spAutoFit/>
+          </a:bodyPr>
+          <a:lstStyle/>
+          <a:p>
+            <a:r>
+              <a:rPr lang="en-US" altLang="zh-CN" dirty="0"/>
+              <a:t>Evolutionarily Stable Strategies and Game </a:t>
+            </a:r>
+            <a:r>
+              <a:rPr lang="en-US" altLang="zh-CN" dirty="0" smtClean="0"/>
+              <a:t>Dynamics-1997</a:t>
+            </a:r>
+            <a:endParaRPr lang="zh-CN" altLang="en-US" dirty="0"/>
+          </a:p>
+        </p:txBody>
+      </p:sp>
+      <mc:AlternateContent xmlns:mc="http://schemas.openxmlformats.org/markup-compatibility/2006">
+        <mc:Choice xmlns:a14="http://schemas.microsoft.com/office/drawing/2010/main" Requires="a14">
+          <p:sp>
+            <p:nvSpPr>
+              <p:cNvPr id="12" name="文本框 11"/>
+              <p:cNvSpPr txBox="1"/>
+              <p:nvPr/>
+            </p:nvSpPr>
+            <p:spPr>
+              <a:xfrm>
+                <a:off x="1932709" y="4233571"/>
+                <a:ext cx="2385974" cy="276999"/>
+              </a:xfrm>
+              <a:prstGeom prst="rect">
+                <a:avLst/>
+              </a:prstGeom>
+              <a:noFill/>
+            </p:spPr>
+            <p:txBody>
+              <a:bodyPr wrap="none" lIns="0" tIns="0" rIns="0" bIns="0" rtlCol="0">
+                <a:spAutoFit/>
+              </a:bodyPr>
+              <a:lstStyle/>
+              <a:p>
+                <a14:m>
+                  <m:oMathPara xmlns:m="http://schemas.openxmlformats.org/officeDocument/2006/math">
+                    <m:oMathParaPr>
+                      <m:jc m:val="centerGroup"/>
+                    </m:oMathParaPr>
+                    <m:oMath xmlns:m="http://schemas.openxmlformats.org/officeDocument/2006/math">
+                      <m:acc>
+                        <m:accPr>
+                          <m:chr m:val="̇"/>
+                          <m:ctrlPr>
+                            <a:rPr lang="zh-CN" altLang="en-US" i="1" smtClean="0">
+                              <a:latin typeface="Cambria Math" panose="02040503050406030204" pitchFamily="18" charset="0"/>
+                            </a:rPr>
+                          </m:ctrlPr>
+                        </m:accPr>
+                        <m:e>
+                          <m:sSub>
+                            <m:sSubPr>
+                              <m:ctrlPr>
+                                <a:rPr lang="en-US" altLang="zh-CN" i="1" smtClean="0">
+                                  <a:latin typeface="Cambria Math" panose="02040503050406030204" pitchFamily="18" charset="0"/>
+                                </a:rPr>
+                              </m:ctrlPr>
+                            </m:sSubPr>
+                            <m:e>
+                              <m:r>
+                                <m:rPr>
+                                  <m:sty m:val="p"/>
+                                </m:rPr>
+                                <a:rPr lang="en-US" altLang="zh-CN" i="1">
+                                  <a:latin typeface="Cambria Math" panose="02040503050406030204" pitchFamily="18" charset="0"/>
+                                </a:rPr>
+                                <m:t>s</m:t>
+                              </m:r>
+                            </m:e>
+                            <m:sub>
+                              <m:r>
+                                <a:rPr lang="en-US" altLang="zh-CN" b="0" i="1" smtClean="0">
+                                  <a:latin typeface="Cambria Math" panose="02040503050406030204" pitchFamily="18" charset="0"/>
+                                </a:rPr>
+                                <m:t>𝑖</m:t>
+                              </m:r>
+                            </m:sub>
+                          </m:sSub>
+                        </m:e>
+                      </m:acc>
+                      <m:r>
+                        <a:rPr lang="en-US" altLang="zh-CN" b="0" i="1" smtClean="0">
+                          <a:latin typeface="Cambria Math" panose="02040503050406030204" pitchFamily="18" charset="0"/>
+                        </a:rPr>
+                        <m:t>=</m:t>
+                      </m:r>
+                      <m:sSub>
+                        <m:sSubPr>
+                          <m:ctrlPr>
+                            <a:rPr lang="en-US" altLang="zh-CN" b="0" i="1" smtClean="0">
+                              <a:latin typeface="Cambria Math" panose="02040503050406030204" pitchFamily="18" charset="0"/>
+                            </a:rPr>
+                          </m:ctrlPr>
+                        </m:sSubPr>
+                        <m:e>
+                          <m:r>
+                            <a:rPr lang="en-US" altLang="zh-CN" b="0" i="1" smtClean="0">
+                              <a:latin typeface="Cambria Math" panose="02040503050406030204" pitchFamily="18" charset="0"/>
+                            </a:rPr>
+                            <m:t>𝑠</m:t>
+                          </m:r>
+                        </m:e>
+                        <m:sub>
+                          <m:r>
+                            <a:rPr lang="en-US" altLang="zh-CN" b="0" i="1" smtClean="0">
+                              <a:latin typeface="Cambria Math" panose="02040503050406030204" pitchFamily="18" charset="0"/>
+                            </a:rPr>
+                            <m:t>𝑖</m:t>
+                          </m:r>
+                        </m:sub>
+                      </m:sSub>
+                      <m:r>
+                        <a:rPr lang="en-US" altLang="zh-CN" b="0" i="1" smtClean="0">
+                          <a:latin typeface="Cambria Math" panose="02040503050406030204" pitchFamily="18" charset="0"/>
+                        </a:rPr>
+                        <m:t>[</m:t>
+                      </m:r>
+                      <m:r>
+                        <a:rPr lang="en-US" altLang="zh-CN" b="0" i="1" smtClean="0">
+                          <a:latin typeface="Cambria Math" panose="02040503050406030204" pitchFamily="18" charset="0"/>
+                        </a:rPr>
+                        <m:t>𝐹</m:t>
+                      </m:r>
+                      <m:d>
+                        <m:dPr>
+                          <m:ctrlPr>
+                            <a:rPr lang="en-US" altLang="zh-CN" b="0" i="1" smtClean="0">
+                              <a:latin typeface="Cambria Math" panose="02040503050406030204" pitchFamily="18" charset="0"/>
+                            </a:rPr>
+                          </m:ctrlPr>
+                        </m:dPr>
+                        <m:e>
+                          <m:r>
+                            <a:rPr lang="en-US" altLang="zh-CN" b="0" i="1" smtClean="0">
+                              <a:latin typeface="Cambria Math" panose="02040503050406030204" pitchFamily="18" charset="0"/>
+                            </a:rPr>
+                            <m:t>𝑖</m:t>
+                          </m:r>
+                        </m:e>
+                        <m:e>
+                          <m:r>
+                            <m:rPr>
+                              <m:sty m:val="p"/>
+                            </m:rPr>
+                            <a:rPr lang="en-US" altLang="zh-CN" i="1" smtClean="0">
+                              <a:latin typeface="Cambria Math" panose="02040503050406030204" pitchFamily="18" charset="0"/>
+                            </a:rPr>
+                            <m:t>s</m:t>
+                          </m:r>
+                        </m:e>
+                      </m:d>
+                      <m:r>
+                        <a:rPr lang="en-US" altLang="zh-CN" b="0" i="1" smtClean="0">
+                          <a:latin typeface="Cambria Math" panose="02040503050406030204" pitchFamily="18" charset="0"/>
+                        </a:rPr>
+                        <m:t>−</m:t>
+                      </m:r>
+                      <m:r>
+                        <a:rPr lang="en-US" altLang="zh-CN" b="0" i="1" smtClean="0">
+                          <a:latin typeface="Cambria Math" panose="02040503050406030204" pitchFamily="18" charset="0"/>
+                        </a:rPr>
+                        <m:t>𝐹</m:t>
+                      </m:r>
+                      <m:r>
+                        <a:rPr lang="en-US" altLang="zh-CN" b="0" i="1" smtClean="0">
+                          <a:latin typeface="Cambria Math" panose="02040503050406030204" pitchFamily="18" charset="0"/>
+                        </a:rPr>
+                        <m:t>(</m:t>
+                      </m:r>
+                      <m:r>
+                        <a:rPr lang="en-US" altLang="zh-CN" b="0" i="1" smtClean="0">
+                          <a:latin typeface="Cambria Math" panose="02040503050406030204" pitchFamily="18" charset="0"/>
+                        </a:rPr>
+                        <m:t>𝑠</m:t>
+                      </m:r>
+                      <m:r>
+                        <a:rPr lang="en-US" altLang="zh-CN" b="0" i="1" smtClean="0">
+                          <a:latin typeface="Cambria Math" panose="02040503050406030204" pitchFamily="18" charset="0"/>
+                        </a:rPr>
+                        <m:t>|</m:t>
+                      </m:r>
+                      <m:r>
+                        <a:rPr lang="en-US" altLang="zh-CN" b="0" i="1" smtClean="0">
+                          <a:latin typeface="Cambria Math" panose="02040503050406030204" pitchFamily="18" charset="0"/>
+                        </a:rPr>
+                        <m:t>𝑠</m:t>
+                      </m:r>
+                      <m:r>
+                        <a:rPr lang="en-US" altLang="zh-CN" b="0" i="1" smtClean="0">
+                          <a:latin typeface="Cambria Math" panose="02040503050406030204" pitchFamily="18" charset="0"/>
+                        </a:rPr>
+                        <m:t>)]</m:t>
+                      </m:r>
+                    </m:oMath>
+                  </m:oMathPara>
+                </a14:m>
+                <a:endParaRPr lang="zh-CN" altLang="en-US" dirty="0"/>
+              </a:p>
+            </p:txBody>
+          </p:sp>
+        </mc:Choice>
+        <mc:Fallback>
+          <p:sp>
+            <p:nvSpPr>
+              <p:cNvPr id="12" name="文本框 11"/>
+              <p:cNvSpPr txBox="1">
+                <a:spLocks noRot="1" noChangeAspect="1" noMove="1" noResize="1" noEditPoints="1" noAdjustHandles="1" noChangeArrowheads="1" noChangeShapeType="1" noTextEdit="1"/>
+              </p:cNvSpPr>
+              <p:nvPr/>
+            </p:nvSpPr>
+            <p:spPr>
+              <a:xfrm>
+                <a:off x="1932709" y="4233571"/>
+                <a:ext cx="2385974" cy="276999"/>
+              </a:xfrm>
+              <a:prstGeom prst="rect">
+                <a:avLst/>
+              </a:prstGeom>
+              <a:blipFill>
+                <a:blip r:embed="rId2"/>
+                <a:stretch>
+                  <a:fillRect l="-767" t="-2174" r="-3325" b="-36957"/>
+                </a:stretch>
+              </a:blipFill>
+            </p:spPr>
+            <p:txBody>
+              <a:bodyPr/>
+              <a:lstStyle/>
+              <a:p>
+                <a:r>
+                  <a:rPr lang="zh-CN" altLang="en-US">
+                    <a:noFill/>
+                  </a:rPr>
+                  <a:t> </a:t>
+                </a:r>
+              </a:p>
+            </p:txBody>
+          </p:sp>
+        </mc:Fallback>
+      </mc:AlternateContent>
+      <p:sp>
+        <p:nvSpPr>
+          <p:cNvPr id="13" name="文本框 12"/>
+          <p:cNvSpPr txBox="1"/>
+          <p:nvPr/>
+        </p:nvSpPr>
+        <p:spPr>
+          <a:xfrm>
+            <a:off x="837565" y="4796444"/>
+            <a:ext cx="5613111" cy="369332"/>
+          </a:xfrm>
+          <a:prstGeom prst="rect">
+            <a:avLst/>
+          </a:prstGeom>
+          <a:noFill/>
+        </p:spPr>
+        <p:txBody>
+          <a:bodyPr wrap="square" rtlCol="0">
+            <a:spAutoFit/>
+          </a:bodyPr>
+          <a:lstStyle/>
+          <a:p>
+            <a:r>
+              <a:rPr lang="zh-CN" altLang="en-US" dirty="0"/>
+              <a:t>当</a:t>
+            </a:r>
+            <a:r>
+              <a:rPr lang="zh-CN" altLang="en-US" dirty="0" smtClean="0"/>
+              <a:t>变化率等于</a:t>
+            </a:r>
+            <a:r>
+              <a:rPr lang="en-US" altLang="zh-CN" dirty="0" smtClean="0"/>
+              <a:t>0</a:t>
+            </a:r>
+            <a:r>
+              <a:rPr lang="zh-CN" altLang="en-US" dirty="0" smtClean="0"/>
+              <a:t>时，可以求出稳定态</a:t>
+            </a:r>
+            <a:endParaRPr lang="zh-CN" altLang="en-US" dirty="0"/>
+          </a:p>
+        </p:txBody>
+      </p:sp>
+      <p:sp>
+        <p:nvSpPr>
+          <p:cNvPr id="14" name="文本框 13"/>
+          <p:cNvSpPr txBox="1"/>
+          <p:nvPr/>
+        </p:nvSpPr>
+        <p:spPr>
+          <a:xfrm>
+            <a:off x="837564" y="5956704"/>
+            <a:ext cx="10516235" cy="368300"/>
+          </a:xfrm>
+          <a:prstGeom prst="rect">
+            <a:avLst/>
+          </a:prstGeom>
+          <a:noFill/>
+        </p:spPr>
+        <p:txBody>
+          <a:bodyPr wrap="square" rtlCol="0" anchor="t">
+            <a:spAutoFit/>
+          </a:bodyPr>
+          <a:lstStyle/>
+          <a:p>
+            <a:r>
+              <a:rPr lang="zh-CN" altLang="en-US" dirty="0">
+                <a:latin typeface="微软雅黑" panose="020B0503020204020204" pitchFamily="34" charset="-122"/>
+                <a:ea typeface="微软雅黑" panose="020B0503020204020204" pitchFamily="34" charset="-122"/>
+                <a:cs typeface="微软雅黑" panose="020B0503020204020204" pitchFamily="34" charset="-122"/>
+              </a:rPr>
+              <a:t>雅可比矩阵——计算稳定的ESS</a:t>
+            </a:r>
+          </a:p>
+        </p:txBody>
+      </p:sp>
     </p:spTree>
   </p:cSld>
   <p:clrMapOvr>
@@ -7031,41 +7251,14 @@
       </p:grpSpPr>
       <p:sp>
         <p:nvSpPr>
-          <p:cNvPr id="2" name="标题 1"/>
-          <p:cNvSpPr>
-            <a:spLocks noGrp="1"/>
-          </p:cNvSpPr>
-          <p:nvPr>
-            <p:ph type="title"/>
-          </p:nvPr>
-        </p:nvSpPr>
-        <p:spPr/>
-        <p:txBody>
-          <a:bodyPr>
-            <a:normAutofit/>
-          </a:bodyPr>
-          <a:lstStyle/>
-          <a:p>
-            <a:r>
-              <a:rPr lang="en-US" altLang="zh-CN" sz="3200" dirty="0">
-                <a:latin typeface="Times New Roman" panose="02020603050405020304" pitchFamily="18" charset="0"/>
-                <a:cs typeface="Times New Roman" panose="02020603050405020304" pitchFamily="18" charset="0"/>
-              </a:rPr>
-              <a:t>Game Theory Based Peer Grading Mechanisms For MOOCs</a:t>
-            </a:r>
-          </a:p>
-        </p:txBody>
-      </p:sp>
-      <p:sp>
-        <p:nvSpPr>
-          <p:cNvPr id="7" name="文本框 6"/>
+          <p:cNvPr id="4" name="文本框 3"/>
           <p:cNvSpPr txBox="1"/>
           <p:nvPr/>
         </p:nvSpPr>
         <p:spPr>
           <a:xfrm>
-            <a:off x="873503" y="1822445"/>
-            <a:ext cx="3497161" cy="369332"/>
+            <a:off x="719224" y="505514"/>
+            <a:ext cx="11090564" cy="646331"/>
           </a:xfrm>
           <a:prstGeom prst="rect">
             <a:avLst/>
@@ -7079,119 +7272,402 @@
           <a:lstStyle/>
           <a:p>
             <a:r>
-              <a:rPr lang="en-US" altLang="zh-CN" dirty="0">
-                <a:latin typeface="Times New Roman" panose="02020603050405020304" pitchFamily="18" charset="0"/>
-                <a:cs typeface="Times New Roman" panose="02020603050405020304" pitchFamily="18" charset="0"/>
-              </a:rPr>
-              <a:t>3. Deduction Mechanism</a:t>
-            </a:r>
-            <a:endParaRPr lang="zh-CN" altLang="en-US" dirty="0">
-              <a:latin typeface="Times New Roman" panose="02020603050405020304" pitchFamily="18" charset="0"/>
-              <a:cs typeface="Times New Roman" panose="02020603050405020304" pitchFamily="18" charset="0"/>
-            </a:endParaRPr>
-          </a:p>
-        </p:txBody>
-      </p:sp>
-      <p:sp>
-        <p:nvSpPr>
-          <p:cNvPr id="5" name="文本框 4"/>
-          <p:cNvSpPr txBox="1"/>
-          <p:nvPr/>
-        </p:nvSpPr>
-        <p:spPr>
-          <a:xfrm>
-            <a:off x="838200" y="3557016"/>
-            <a:ext cx="3681197" cy="1200329"/>
-          </a:xfrm>
-          <a:prstGeom prst="rect">
-            <a:avLst/>
-          </a:prstGeom>
-          <a:noFill/>
-        </p:spPr>
-        <p:txBody>
-          <a:bodyPr wrap="square" rtlCol="0">
-            <a:spAutoFit/>
-          </a:bodyPr>
-          <a:lstStyle/>
-          <a:p>
-            <a:r>
-              <a:rPr lang="zh-CN" altLang="en-US" dirty="0">
-                <a:latin typeface="微软雅黑" panose="020B0503020204020204" pitchFamily="34" charset="-122"/>
-                <a:ea typeface="微软雅黑" panose="020B0503020204020204" pitchFamily="34" charset="-122"/>
-              </a:rPr>
-              <a:t>函数</a:t>
-            </a:r>
-            <a:r>
-              <a:rPr lang="en-US" altLang="zh-CN" i="1" dirty="0">
-                <a:latin typeface="Times New Roman" panose="02020603050405020304" pitchFamily="18" charset="0"/>
-                <a:cs typeface="Times New Roman" panose="02020603050405020304" pitchFamily="18" charset="0"/>
-              </a:rPr>
-              <a:t>H</a:t>
-            </a:r>
-            <a:r>
-              <a:rPr lang="en-US" altLang="zh-CN" dirty="0">
-                <a:latin typeface="Times New Roman" panose="02020603050405020304" pitchFamily="18" charset="0"/>
-                <a:cs typeface="Times New Roman" panose="02020603050405020304" pitchFamily="18" charset="0"/>
-              </a:rPr>
-              <a:t>(</a:t>
-            </a:r>
-            <a:r>
-              <a:rPr lang="en-US" altLang="zh-CN" i="1" dirty="0">
-                <a:latin typeface="Times New Roman" panose="02020603050405020304" pitchFamily="18" charset="0"/>
-                <a:cs typeface="Times New Roman" panose="02020603050405020304" pitchFamily="18" charset="0"/>
-              </a:rPr>
-              <a:t>x</a:t>
-            </a:r>
-            <a:r>
-              <a:rPr lang="en-US" altLang="zh-CN" dirty="0">
-                <a:latin typeface="Times New Roman" panose="02020603050405020304" pitchFamily="18" charset="0"/>
-                <a:cs typeface="Times New Roman" panose="02020603050405020304" pitchFamily="18" charset="0"/>
-              </a:rPr>
-              <a:t>)</a:t>
-            </a:r>
-            <a:r>
-              <a:rPr lang="zh-CN" altLang="en-US" dirty="0">
-                <a:latin typeface="微软雅黑" panose="020B0503020204020204" pitchFamily="34" charset="-122"/>
-                <a:ea typeface="微软雅黑" panose="020B0503020204020204" pitchFamily="34" charset="-122"/>
-              </a:rPr>
-              <a:t>表示学生的幸福指数，输入</a:t>
-            </a:r>
-            <a:r>
-              <a:rPr lang="en-US" altLang="zh-CN" i="1" dirty="0">
-                <a:latin typeface="Times New Roman" panose="02020603050405020304" pitchFamily="18" charset="0"/>
-                <a:ea typeface="微软雅黑" panose="020B0503020204020204" pitchFamily="34" charset="-122"/>
-                <a:cs typeface="Times New Roman" panose="02020603050405020304" pitchFamily="18" charset="0"/>
-              </a:rPr>
-              <a:t>x</a:t>
-            </a:r>
-            <a:r>
-              <a:rPr lang="zh-CN" altLang="en-US" dirty="0">
-                <a:latin typeface="微软雅黑" panose="020B0503020204020204" pitchFamily="34" charset="-122"/>
-                <a:ea typeface="微软雅黑" panose="020B0503020204020204" pitchFamily="34" charset="-122"/>
-              </a:rPr>
-              <a:t>是学生的分数，输出为学生的幸福指数。其中每次修改作业都会消耗一点幸福指数。</a:t>
-            </a:r>
+              <a:rPr lang="en-US" altLang="zh-CN" dirty="0"/>
+              <a:t>Building and </a:t>
+            </a:r>
+            <a:r>
+              <a:rPr lang="en-US" altLang="zh-CN" dirty="0" smtClean="0"/>
+              <a:t>Environment-2020-</a:t>
+            </a:r>
+            <a:r>
+              <a:rPr lang="en-US" altLang="zh-CN" dirty="0"/>
+              <a:t>Evolutionary game theory analysis for understanding the decision-making mechanisms of governments and developers on green building incentives</a:t>
+            </a:r>
+            <a:r>
+              <a:rPr lang="en-US" altLang="zh-CN" dirty="0" smtClean="0"/>
+              <a:t> </a:t>
+            </a:r>
+            <a:endParaRPr lang="zh-CN" altLang="en-US" dirty="0"/>
           </a:p>
         </p:txBody>
       </p:sp>
       <p:pic>
         <p:nvPicPr>
-          <p:cNvPr id="6" name="图片 5"/>
+          <p:cNvPr id="5" name="图片 4"/>
           <p:cNvPicPr>
             <a:picLocks noChangeAspect="1"/>
           </p:cNvPicPr>
           <p:nvPr/>
         </p:nvPicPr>
         <p:blipFill>
-          <a:blip r:embed="rId2"/>
+          <a:blip r:embed="rId2">
+            <a:extLst>
+              <a:ext uri="{28A0092B-C50C-407E-A947-70E740481C1C}">
+                <a14:useLocalDpi xmlns:a14="http://schemas.microsoft.com/office/drawing/2010/main" val="0"/>
+              </a:ext>
+            </a:extLst>
+          </a:blip>
           <a:stretch>
             <a:fillRect/>
           </a:stretch>
         </p:blipFill>
         <p:spPr>
           <a:xfrm>
-            <a:off x="5437813" y="1690688"/>
-            <a:ext cx="5915987" cy="4932986"/>
+            <a:off x="519718" y="1829852"/>
+            <a:ext cx="6195585" cy="1593150"/>
+          </a:xfrm>
+          <a:prstGeom prst="rect">
+            <a:avLst/>
+          </a:prstGeom>
+        </p:spPr>
+      </p:pic>
+      <p:pic>
+        <p:nvPicPr>
+          <p:cNvPr id="7" name="图片 6"/>
+          <p:cNvPicPr>
+            <a:picLocks noChangeAspect="1"/>
+          </p:cNvPicPr>
+          <p:nvPr/>
+        </p:nvPicPr>
+        <p:blipFill>
+          <a:blip r:embed="rId3">
+            <a:extLst>
+              <a:ext uri="{28A0092B-C50C-407E-A947-70E740481C1C}">
+                <a14:useLocalDpi xmlns:a14="http://schemas.microsoft.com/office/drawing/2010/main" val="0"/>
+              </a:ext>
+            </a:extLst>
+          </a:blip>
+          <a:stretch>
+            <a:fillRect/>
+          </a:stretch>
+        </p:blipFill>
+        <p:spPr>
+          <a:xfrm>
+            <a:off x="191192" y="4101009"/>
+            <a:ext cx="4024205" cy="1738329"/>
+          </a:xfrm>
+          <a:prstGeom prst="rect">
+            <a:avLst/>
+          </a:prstGeom>
+        </p:spPr>
+      </p:pic>
+      <p:pic>
+        <p:nvPicPr>
+          <p:cNvPr id="8" name="图片 7"/>
+          <p:cNvPicPr>
+            <a:picLocks noChangeAspect="1"/>
+          </p:cNvPicPr>
+          <p:nvPr/>
+        </p:nvPicPr>
+        <p:blipFill>
+          <a:blip r:embed="rId4">
+            <a:extLst>
+              <a:ext uri="{28A0092B-C50C-407E-A947-70E740481C1C}">
+                <a14:useLocalDpi xmlns:a14="http://schemas.microsoft.com/office/drawing/2010/main" val="0"/>
+              </a:ext>
+            </a:extLst>
+          </a:blip>
+          <a:stretch>
+            <a:fillRect/>
+          </a:stretch>
+        </p:blipFill>
+        <p:spPr>
+          <a:xfrm>
+            <a:off x="3494809" y="4101009"/>
+            <a:ext cx="3328560" cy="1738800"/>
+          </a:xfrm>
+          <a:prstGeom prst="rect">
+            <a:avLst/>
+          </a:prstGeom>
+        </p:spPr>
+      </p:pic>
+      <mc:AlternateContent xmlns:mc="http://schemas.openxmlformats.org/markup-compatibility/2006">
+        <mc:Choice xmlns:a14="http://schemas.microsoft.com/office/drawing/2010/main" Requires="a14">
+          <p:sp>
+            <p:nvSpPr>
+              <p:cNvPr id="9" name="文本框 8"/>
+              <p:cNvSpPr txBox="1"/>
+              <p:nvPr/>
+            </p:nvSpPr>
+            <p:spPr>
+              <a:xfrm>
+                <a:off x="8055415" y="2626427"/>
+                <a:ext cx="2385974" cy="276999"/>
+              </a:xfrm>
+              <a:prstGeom prst="rect">
+                <a:avLst/>
+              </a:prstGeom>
+              <a:noFill/>
+            </p:spPr>
+            <p:txBody>
+              <a:bodyPr wrap="none" lIns="0" tIns="0" rIns="0" bIns="0" rtlCol="0">
+                <a:spAutoFit/>
+              </a:bodyPr>
+              <a:lstStyle/>
+              <a:p>
+                <a14:m>
+                  <m:oMathPara xmlns:m="http://schemas.openxmlformats.org/officeDocument/2006/math">
+                    <m:oMathParaPr>
+                      <m:jc m:val="centerGroup"/>
+                    </m:oMathParaPr>
+                    <m:oMath xmlns:m="http://schemas.openxmlformats.org/officeDocument/2006/math">
+                      <m:acc>
+                        <m:accPr>
+                          <m:chr m:val="̇"/>
+                          <m:ctrlPr>
+                            <a:rPr lang="zh-CN" altLang="en-US" i="1" smtClean="0">
+                              <a:latin typeface="Cambria Math" panose="02040503050406030204" pitchFamily="18" charset="0"/>
+                            </a:rPr>
+                          </m:ctrlPr>
+                        </m:accPr>
+                        <m:e>
+                          <m:sSub>
+                            <m:sSubPr>
+                              <m:ctrlPr>
+                                <a:rPr lang="en-US" altLang="zh-CN" i="1" smtClean="0">
+                                  <a:latin typeface="Cambria Math" panose="02040503050406030204" pitchFamily="18" charset="0"/>
+                                </a:rPr>
+                              </m:ctrlPr>
+                            </m:sSubPr>
+                            <m:e>
+                              <m:r>
+                                <m:rPr>
+                                  <m:sty m:val="p"/>
+                                </m:rPr>
+                                <a:rPr lang="en-US" altLang="zh-CN" i="1">
+                                  <a:latin typeface="Cambria Math" panose="02040503050406030204" pitchFamily="18" charset="0"/>
+                                </a:rPr>
+                                <m:t>s</m:t>
+                              </m:r>
+                            </m:e>
+                            <m:sub>
+                              <m:r>
+                                <a:rPr lang="en-US" altLang="zh-CN" b="0" i="1" smtClean="0">
+                                  <a:latin typeface="Cambria Math" panose="02040503050406030204" pitchFamily="18" charset="0"/>
+                                </a:rPr>
+                                <m:t>𝑖</m:t>
+                              </m:r>
+                            </m:sub>
+                          </m:sSub>
+                        </m:e>
+                      </m:acc>
+                      <m:r>
+                        <a:rPr lang="en-US" altLang="zh-CN" b="0" i="1" smtClean="0">
+                          <a:latin typeface="Cambria Math" panose="02040503050406030204" pitchFamily="18" charset="0"/>
+                        </a:rPr>
+                        <m:t>=</m:t>
+                      </m:r>
+                      <m:sSub>
+                        <m:sSubPr>
+                          <m:ctrlPr>
+                            <a:rPr lang="en-US" altLang="zh-CN" b="0" i="1" smtClean="0">
+                              <a:latin typeface="Cambria Math" panose="02040503050406030204" pitchFamily="18" charset="0"/>
+                            </a:rPr>
+                          </m:ctrlPr>
+                        </m:sSubPr>
+                        <m:e>
+                          <m:r>
+                            <a:rPr lang="en-US" altLang="zh-CN" b="0" i="1" smtClean="0">
+                              <a:latin typeface="Cambria Math" panose="02040503050406030204" pitchFamily="18" charset="0"/>
+                            </a:rPr>
+                            <m:t>𝑠</m:t>
+                          </m:r>
+                        </m:e>
+                        <m:sub>
+                          <m:r>
+                            <a:rPr lang="en-US" altLang="zh-CN" b="0" i="1" smtClean="0">
+                              <a:latin typeface="Cambria Math" panose="02040503050406030204" pitchFamily="18" charset="0"/>
+                            </a:rPr>
+                            <m:t>𝑖</m:t>
+                          </m:r>
+                        </m:sub>
+                      </m:sSub>
+                      <m:r>
+                        <a:rPr lang="en-US" altLang="zh-CN" b="0" i="1" smtClean="0">
+                          <a:latin typeface="Cambria Math" panose="02040503050406030204" pitchFamily="18" charset="0"/>
+                        </a:rPr>
+                        <m:t>[</m:t>
+                      </m:r>
+                      <m:r>
+                        <a:rPr lang="en-US" altLang="zh-CN" b="0" i="1" smtClean="0">
+                          <a:latin typeface="Cambria Math" panose="02040503050406030204" pitchFamily="18" charset="0"/>
+                        </a:rPr>
+                        <m:t>𝐹</m:t>
+                      </m:r>
+                      <m:d>
+                        <m:dPr>
+                          <m:ctrlPr>
+                            <a:rPr lang="en-US" altLang="zh-CN" b="0" i="1" smtClean="0">
+                              <a:latin typeface="Cambria Math" panose="02040503050406030204" pitchFamily="18" charset="0"/>
+                            </a:rPr>
+                          </m:ctrlPr>
+                        </m:dPr>
+                        <m:e>
+                          <m:r>
+                            <a:rPr lang="en-US" altLang="zh-CN" b="0" i="1" smtClean="0">
+                              <a:latin typeface="Cambria Math" panose="02040503050406030204" pitchFamily="18" charset="0"/>
+                            </a:rPr>
+                            <m:t>𝑖</m:t>
+                          </m:r>
+                        </m:e>
+                        <m:e>
+                          <m:r>
+                            <m:rPr>
+                              <m:sty m:val="p"/>
+                            </m:rPr>
+                            <a:rPr lang="en-US" altLang="zh-CN" i="1" smtClean="0">
+                              <a:latin typeface="Cambria Math" panose="02040503050406030204" pitchFamily="18" charset="0"/>
+                            </a:rPr>
+                            <m:t>s</m:t>
+                          </m:r>
+                        </m:e>
+                      </m:d>
+                      <m:r>
+                        <a:rPr lang="en-US" altLang="zh-CN" b="0" i="1" smtClean="0">
+                          <a:latin typeface="Cambria Math" panose="02040503050406030204" pitchFamily="18" charset="0"/>
+                        </a:rPr>
+                        <m:t>−</m:t>
+                      </m:r>
+                      <m:r>
+                        <a:rPr lang="en-US" altLang="zh-CN" b="0" i="1" smtClean="0">
+                          <a:latin typeface="Cambria Math" panose="02040503050406030204" pitchFamily="18" charset="0"/>
+                        </a:rPr>
+                        <m:t>𝐹</m:t>
+                      </m:r>
+                      <m:r>
+                        <a:rPr lang="en-US" altLang="zh-CN" b="0" i="1" smtClean="0">
+                          <a:latin typeface="Cambria Math" panose="02040503050406030204" pitchFamily="18" charset="0"/>
+                        </a:rPr>
+                        <m:t>(</m:t>
+                      </m:r>
+                      <m:r>
+                        <a:rPr lang="en-US" altLang="zh-CN" b="0" i="1" smtClean="0">
+                          <a:latin typeface="Cambria Math" panose="02040503050406030204" pitchFamily="18" charset="0"/>
+                        </a:rPr>
+                        <m:t>𝑠</m:t>
+                      </m:r>
+                      <m:r>
+                        <a:rPr lang="en-US" altLang="zh-CN" b="0" i="1" smtClean="0">
+                          <a:latin typeface="Cambria Math" panose="02040503050406030204" pitchFamily="18" charset="0"/>
+                        </a:rPr>
+                        <m:t>|</m:t>
+                      </m:r>
+                      <m:r>
+                        <a:rPr lang="en-US" altLang="zh-CN" b="0" i="1" smtClean="0">
+                          <a:latin typeface="Cambria Math" panose="02040503050406030204" pitchFamily="18" charset="0"/>
+                        </a:rPr>
+                        <m:t>𝑠</m:t>
+                      </m:r>
+                      <m:r>
+                        <a:rPr lang="en-US" altLang="zh-CN" b="0" i="1" smtClean="0">
+                          <a:latin typeface="Cambria Math" panose="02040503050406030204" pitchFamily="18" charset="0"/>
+                        </a:rPr>
+                        <m:t>)]</m:t>
+                      </m:r>
+                    </m:oMath>
+                  </m:oMathPara>
+                </a14:m>
+                <a:endParaRPr lang="zh-CN" altLang="en-US" dirty="0"/>
+              </a:p>
+            </p:txBody>
+          </p:sp>
+        </mc:Choice>
+        <mc:Fallback>
+          <p:sp>
+            <p:nvSpPr>
+              <p:cNvPr id="9" name="文本框 8"/>
+              <p:cNvSpPr txBox="1">
+                <a:spLocks noRot="1" noChangeAspect="1" noMove="1" noResize="1" noEditPoints="1" noAdjustHandles="1" noChangeArrowheads="1" noChangeShapeType="1" noTextEdit="1"/>
+              </p:cNvSpPr>
+              <p:nvPr/>
+            </p:nvSpPr>
+            <p:spPr>
+              <a:xfrm>
+                <a:off x="8055415" y="2626427"/>
+                <a:ext cx="2385974" cy="276999"/>
+              </a:xfrm>
+              <a:prstGeom prst="rect">
+                <a:avLst/>
+              </a:prstGeom>
+              <a:blipFill>
+                <a:blip r:embed="rId5"/>
+                <a:stretch>
+                  <a:fillRect l="-765" t="-4444" r="-3061" b="-37778"/>
+                </a:stretch>
+              </a:blipFill>
+            </p:spPr>
+            <p:txBody>
+              <a:bodyPr/>
+              <a:lstStyle/>
+              <a:p>
+                <a:r>
+                  <a:rPr lang="zh-CN" altLang="en-US">
+                    <a:noFill/>
+                  </a:rPr>
+                  <a:t> </a:t>
+                </a:r>
+              </a:p>
+            </p:txBody>
+          </p:sp>
+        </mc:Fallback>
+      </mc:AlternateContent>
+      <p:sp>
+        <p:nvSpPr>
+          <p:cNvPr id="10" name="矩形 9"/>
+          <p:cNvSpPr/>
+          <p:nvPr/>
+        </p:nvSpPr>
+        <p:spPr>
+          <a:xfrm>
+            <a:off x="8463572" y="1858547"/>
+            <a:ext cx="1569660" cy="369332"/>
+          </a:xfrm>
+          <a:prstGeom prst="rect">
+            <a:avLst/>
+          </a:prstGeom>
+        </p:spPr>
+        <p:txBody>
+          <a:bodyPr wrap="none">
+            <a:spAutoFit/>
+          </a:bodyPr>
+          <a:lstStyle/>
+          <a:p>
+            <a:r>
+              <a:rPr lang="zh-CN" altLang="en-US" dirty="0">
+                <a:latin typeface="微软雅黑" panose="020B0503020204020204" pitchFamily="34" charset="-122"/>
+                <a:ea typeface="微软雅黑" panose="020B0503020204020204" pitchFamily="34" charset="-122"/>
+                <a:cs typeface="微软雅黑" panose="020B0503020204020204" pitchFamily="34" charset="-122"/>
+              </a:rPr>
+              <a:t>复制动态方程</a:t>
+            </a:r>
+            <a:endParaRPr lang="zh-CN" altLang="en-US" dirty="0"/>
+          </a:p>
+        </p:txBody>
+      </p:sp>
+      <p:pic>
+        <p:nvPicPr>
+          <p:cNvPr id="11" name="图片 10"/>
+          <p:cNvPicPr>
+            <a:picLocks noChangeAspect="1"/>
+          </p:cNvPicPr>
+          <p:nvPr/>
+        </p:nvPicPr>
+        <p:blipFill>
+          <a:blip r:embed="rId6">
+            <a:extLst>
+              <a:ext uri="{28A0092B-C50C-407E-A947-70E740481C1C}">
+                <a14:useLocalDpi xmlns:a14="http://schemas.microsoft.com/office/drawing/2010/main" val="0"/>
+              </a:ext>
+            </a:extLst>
+          </a:blip>
+          <a:stretch>
+            <a:fillRect/>
+          </a:stretch>
+        </p:blipFill>
+        <p:spPr>
+          <a:xfrm>
+            <a:off x="6823369" y="4101009"/>
+            <a:ext cx="5277191" cy="1505652"/>
           </a:xfrm>
           <a:prstGeom prst="rect">
             <a:avLst/>
@@ -7235,46 +7711,158 @@
         </p:nvSpPr>
         <p:spPr/>
         <p:txBody>
-          <a:bodyPr>
-            <a:normAutofit/>
+          <a:bodyPr/>
+          <a:lstStyle/>
+          <a:p>
+            <a:r>
+              <a:rPr lang="zh-CN" altLang="en-US" smtClean="0"/>
+              <a:t>公式推导</a:t>
+            </a:r>
+            <a:endParaRPr lang="en-US" altLang="zh-CN" dirty="0">
+              <a:latin typeface="微软雅黑" panose="020B0503020204020204" pitchFamily="34" charset="-122"/>
+              <a:ea typeface="微软雅黑" panose="020B0503020204020204" pitchFamily="34" charset="-122"/>
+            </a:endParaRPr>
+          </a:p>
+        </p:txBody>
+      </p:sp>
+      <p:sp>
+        <p:nvSpPr>
+          <p:cNvPr id="14" name="文本框 13"/>
+          <p:cNvSpPr txBox="1"/>
+          <p:nvPr/>
+        </p:nvSpPr>
+        <p:spPr>
+          <a:xfrm>
+            <a:off x="1214873" y="3739863"/>
+            <a:ext cx="6840160" cy="369332"/>
+          </a:xfrm>
+          <a:prstGeom prst="rect">
+            <a:avLst/>
+          </a:prstGeom>
+          <a:noFill/>
+        </p:spPr>
+        <p:txBody>
+          <a:bodyPr wrap="square" rtlCol="0">
+            <a:spAutoFit/>
           </a:bodyPr>
           <a:lstStyle/>
           <a:p>
             <a:r>
-              <a:rPr lang="en-US" altLang="zh-CN" sz="3200" dirty="0">
-                <a:latin typeface="Times New Roman" panose="02020603050405020304" pitchFamily="18" charset="0"/>
-                <a:cs typeface="Times New Roman" panose="02020603050405020304" pitchFamily="18" charset="0"/>
-              </a:rPr>
-              <a:t>Game Theory Based Peer Grading Mechanisms For MOOCs</a:t>
-            </a:r>
+              <a:rPr lang="zh-CN" altLang="en-US" dirty="0" smtClean="0"/>
+              <a:t>当变化率等于</a:t>
+            </a:r>
+            <a:r>
+              <a:rPr lang="en-US" altLang="zh-CN" dirty="0" smtClean="0"/>
+              <a:t>0</a:t>
+            </a:r>
+            <a:r>
+              <a:rPr lang="zh-CN" altLang="en-US" dirty="0" smtClean="0"/>
+              <a:t>时，为稳定状态。</a:t>
+            </a:r>
+            <a:endParaRPr lang="zh-CN" altLang="en-US" dirty="0"/>
           </a:p>
         </p:txBody>
       </p:sp>
       <p:pic>
         <p:nvPicPr>
-          <p:cNvPr id="3" name="图片 2"/>
+          <p:cNvPr id="15" name="图片 14"/>
           <p:cNvPicPr>
             <a:picLocks noChangeAspect="1"/>
           </p:cNvPicPr>
           <p:nvPr/>
         </p:nvPicPr>
         <p:blipFill>
-          <a:blip r:embed="rId2"/>
+          <a:blip r:embed="rId2">
+            <a:extLst>
+              <a:ext uri="{28A0092B-C50C-407E-A947-70E740481C1C}">
+                <a14:useLocalDpi xmlns:a14="http://schemas.microsoft.com/office/drawing/2010/main" val="0"/>
+              </a:ext>
+            </a:extLst>
+          </a:blip>
           <a:stretch>
             <a:fillRect/>
           </a:stretch>
         </p:blipFill>
         <p:spPr>
           <a:xfrm>
-            <a:off x="2272294" y="1514470"/>
-            <a:ext cx="6824867" cy="4852570"/>
+            <a:off x="1214872" y="1808809"/>
+            <a:ext cx="6768193" cy="1931054"/>
           </a:xfrm>
           <a:prstGeom prst="rect">
             <a:avLst/>
           </a:prstGeom>
         </p:spPr>
       </p:pic>
+      <p:sp>
+        <p:nvSpPr>
+          <p:cNvPr id="16" name="文本框 15"/>
+          <p:cNvSpPr txBox="1"/>
+          <p:nvPr/>
+        </p:nvSpPr>
+        <p:spPr>
+          <a:xfrm>
+            <a:off x="1214873" y="4430684"/>
+            <a:ext cx="6042138" cy="369332"/>
+          </a:xfrm>
+          <a:prstGeom prst="rect">
+            <a:avLst/>
+          </a:prstGeom>
+          <a:noFill/>
+        </p:spPr>
+        <p:txBody>
+          <a:bodyPr wrap="square" rtlCol="0">
+            <a:spAutoFit/>
+          </a:bodyPr>
+          <a:lstStyle/>
+          <a:p>
+            <a:r>
+              <a:rPr lang="en-US" altLang="zh-CN" dirty="0"/>
+              <a:t>(</a:t>
+            </a:r>
+            <a:r>
+              <a:rPr lang="en-US" altLang="zh-CN" dirty="0" smtClean="0"/>
+              <a:t>0, 0); (0, 1); (0, 1); (1, 1)</a:t>
+            </a:r>
+            <a:endParaRPr lang="zh-CN" altLang="en-US" dirty="0"/>
+          </a:p>
+        </p:txBody>
+      </p:sp>
+      <p:pic>
+        <p:nvPicPr>
+          <p:cNvPr id="17" name="图片 16"/>
+          <p:cNvPicPr>
+            <a:picLocks noChangeAspect="1"/>
+          </p:cNvPicPr>
+          <p:nvPr/>
+        </p:nvPicPr>
+        <p:blipFill>
+          <a:blip r:embed="rId3">
+            <a:extLst>
+              <a:ext uri="{28A0092B-C50C-407E-A947-70E740481C1C}">
+                <a14:useLocalDpi xmlns:a14="http://schemas.microsoft.com/office/drawing/2010/main" val="0"/>
+              </a:ext>
+            </a:extLst>
+          </a:blip>
+          <a:stretch>
+            <a:fillRect/>
+          </a:stretch>
+        </p:blipFill>
+        <p:spPr>
+          <a:xfrm>
+            <a:off x="4106391" y="4430684"/>
+            <a:ext cx="3876674" cy="1911540"/>
+          </a:xfrm>
+          <a:prstGeom prst="rect">
+            <a:avLst/>
+          </a:prstGeom>
+        </p:spPr>
+      </p:pic>
     </p:spTree>
+    <p:extLst>
+      <p:ext uri="{BB962C8B-B14F-4D97-AF65-F5344CB8AC3E}">
+        <p14:creationId xmlns:p14="http://schemas.microsoft.com/office/powerpoint/2010/main" val="3858075282"/>
+      </p:ext>
+    </p:extLst>
   </p:cSld>
   <p:clrMapOvr>
     <a:masterClrMapping/>
@@ -7315,21 +7903,12 @@
           <a:lstStyle/>
           <a:p>
             <a:r>
-              <a:rPr lang="en-US" altLang="zh-CN" dirty="0">
-                <a:latin typeface="微软雅黑" panose="020B0503020204020204" pitchFamily="34" charset="-122"/>
-                <a:ea typeface="微软雅黑" panose="020B0503020204020204" pitchFamily="34" charset="-122"/>
-              </a:rPr>
-              <a:t>3.</a:t>
-            </a:r>
-            <a:r>
-              <a:rPr lang="zh-CN" altLang="en-US" dirty="0">
-                <a:latin typeface="微软雅黑" panose="020B0503020204020204" pitchFamily="34" charset="-122"/>
-                <a:ea typeface="微软雅黑" panose="020B0503020204020204" pitchFamily="34" charset="-122"/>
+              <a:rPr lang="zh-CN" altLang="en-US" dirty="0" smtClean="0">
                 <a:sym typeface="+mn-ea"/>
               </a:rPr>
-              <a:t>优化博弈论求解算法</a:t>
-            </a:r>
-            <a:endParaRPr lang="en-US" altLang="zh-CN" b="1" dirty="0">
+              <a:t>公式推导</a:t>
+            </a:r>
+            <a:endParaRPr lang="en-US" altLang="zh-CN" dirty="0">
               <a:latin typeface="微软雅黑" panose="020B0503020204020204" pitchFamily="34" charset="-122"/>
               <a:ea typeface="微软雅黑" panose="020B0503020204020204" pitchFamily="34" charset="-122"/>
             </a:endParaRPr>
@@ -7338,416 +7917,246 @@
       </p:sp>
       <p:sp>
         <p:nvSpPr>
-          <p:cNvPr id="4" name="内容占位符 3"/>
-          <p:cNvSpPr>
-            <a:spLocks noGrp="1"/>
-          </p:cNvSpPr>
-          <p:nvPr>
-            <p:ph idx="1"/>
-          </p:nvPr>
-        </p:nvSpPr>
-        <p:spPr>
-          <a:xfrm>
-            <a:off x="838200" y="1825625"/>
-            <a:ext cx="10515600" cy="4516452"/>
-          </a:xfrm>
-        </p:spPr>
-        <p:txBody>
-          <a:bodyPr>
-            <a:normAutofit/>
-          </a:bodyPr>
-          <a:lstStyle/>
-          <a:p>
-            <a:pPr marL="0" indent="0">
-              <a:buNone/>
-            </a:pPr>
-            <a:r>
-              <a:rPr lang="zh-CN" altLang="en-US" sz="2000" dirty="0">
-                <a:latin typeface="微软雅黑" panose="020B0503020204020204" pitchFamily="34" charset="-122"/>
-                <a:ea typeface="微软雅黑" panose="020B0503020204020204" pitchFamily="34" charset="-122"/>
-              </a:rPr>
-              <a:t>将现实的场景抽象成博弈论的场景，通过博弈论的方法来寻找最优解，不过这一类论文的求解通常是一个复杂度高的问题，文章主要的内容是如何对算法进行简化。</a:t>
-            </a:r>
-            <a:endParaRPr lang="en-US" altLang="zh-CN" sz="2000" dirty="0">
-              <a:latin typeface="微软雅黑" panose="020B0503020204020204" pitchFamily="34" charset="-122"/>
-              <a:ea typeface="微软雅黑" panose="020B0503020204020204" pitchFamily="34" charset="-122"/>
-            </a:endParaRPr>
-          </a:p>
-          <a:p>
-            <a:pPr marL="0" indent="0">
-              <a:buNone/>
-            </a:pPr>
-            <a:endParaRPr lang="en-US" altLang="zh-CN" sz="2000" dirty="0">
-              <a:latin typeface="微软雅黑" panose="020B0503020204020204" pitchFamily="34" charset="-122"/>
-              <a:ea typeface="微软雅黑" panose="020B0503020204020204" pitchFamily="34" charset="-122"/>
-            </a:endParaRPr>
-          </a:p>
-          <a:p>
-            <a:pPr marL="0" indent="0">
-              <a:buNone/>
-            </a:pPr>
-            <a:endParaRPr lang="en-US" altLang="zh-CN" sz="2000" dirty="0">
-              <a:latin typeface="微软雅黑" panose="020B0503020204020204" pitchFamily="34" charset="-122"/>
-              <a:ea typeface="微软雅黑" panose="020B0503020204020204" pitchFamily="34" charset="-122"/>
-            </a:endParaRPr>
-          </a:p>
-        </p:txBody>
-      </p:sp>
-      <p:sp>
-        <p:nvSpPr>
-          <p:cNvPr id="6" name="矩形 5"/>
-          <p:cNvSpPr/>
+          <p:cNvPr id="7" name="文本框 6"/>
+          <p:cNvSpPr txBox="1"/>
           <p:nvPr/>
         </p:nvSpPr>
         <p:spPr>
           <a:xfrm>
-            <a:off x="838200" y="3429000"/>
-            <a:ext cx="10050710" cy="369332"/>
-          </a:xfrm>
-          <a:prstGeom prst="rect">
-            <a:avLst/>
-          </a:prstGeom>
-        </p:spPr>
-        <p:txBody>
-          <a:bodyPr wrap="square">
-            <a:spAutoFit/>
-          </a:bodyPr>
-          <a:lstStyle/>
-          <a:p>
-            <a:r>
-              <a:rPr lang="zh-CN" altLang="en-US" dirty="0">
-                <a:latin typeface="微软雅黑" panose="020B0503020204020204" pitchFamily="34" charset="-122"/>
-                <a:ea typeface="微软雅黑" panose="020B0503020204020204" pitchFamily="34" charset="-122"/>
-              </a:rPr>
-              <a:t>互评中的抽查机制（</a:t>
-            </a:r>
-            <a:r>
-              <a:rPr lang="en-US" altLang="zh-CN" dirty="0">
-                <a:latin typeface="微软雅黑" panose="020B0503020204020204" pitchFamily="34" charset="-122"/>
-                <a:ea typeface="微软雅黑" panose="020B0503020204020204" pitchFamily="34" charset="-122"/>
-              </a:rPr>
-              <a:t>Spot-checking (SC) </a:t>
-            </a:r>
-            <a:r>
-              <a:rPr lang="zh-CN" altLang="en-US" dirty="0">
-                <a:latin typeface="微软雅黑" panose="020B0503020204020204" pitchFamily="34" charset="-122"/>
-                <a:ea typeface="微软雅黑" panose="020B0503020204020204" pitchFamily="34" charset="-122"/>
-              </a:rPr>
-              <a:t>）：学生评分后，老师会随机抽取作业进行检查。</a:t>
-            </a:r>
-            <a:endParaRPr lang="zh-CN" altLang="en-US" dirty="0"/>
-          </a:p>
-        </p:txBody>
-      </p:sp>
-      <p:cxnSp>
-        <p:nvCxnSpPr>
-          <p:cNvPr id="8" name="直接箭头连接符 7"/>
-          <p:cNvCxnSpPr/>
-          <p:nvPr/>
-        </p:nvCxnSpPr>
-        <p:spPr>
-          <a:xfrm>
-            <a:off x="3875714" y="3882221"/>
-            <a:ext cx="0" cy="822121"/>
-          </a:xfrm>
-          <a:prstGeom prst="straightConnector1">
-            <a:avLst/>
-          </a:prstGeom>
-          <a:ln>
-            <a:headEnd type="triangle"/>
-            <a:tailEnd type="triangle"/>
-          </a:ln>
-        </p:spPr>
-        <p:style>
-          <a:lnRef idx="1">
-            <a:schemeClr val="dk1"/>
-          </a:lnRef>
-          <a:fillRef idx="0">
-            <a:schemeClr val="dk1"/>
-          </a:fillRef>
-          <a:effectRef idx="0">
-            <a:schemeClr val="dk1"/>
-          </a:effectRef>
-          <a:fontRef idx="minor">
-            <a:schemeClr val="tx1"/>
-          </a:fontRef>
-        </p:style>
-      </p:cxnSp>
-      <p:sp>
-        <p:nvSpPr>
-          <p:cNvPr id="9" name="矩形 8"/>
-          <p:cNvSpPr/>
-          <p:nvPr/>
-        </p:nvSpPr>
-        <p:spPr>
-          <a:xfrm>
-            <a:off x="838199" y="4839279"/>
-            <a:ext cx="10515597" cy="369332"/>
-          </a:xfrm>
-          <a:prstGeom prst="rect">
-            <a:avLst/>
-          </a:prstGeom>
-        </p:spPr>
-        <p:txBody>
-          <a:bodyPr wrap="square">
-            <a:spAutoFit/>
-          </a:bodyPr>
-          <a:lstStyle/>
-          <a:p>
-            <a:r>
-              <a:rPr lang="zh-CN" altLang="en-US" dirty="0">
-                <a:latin typeface="微软雅黑" panose="020B0503020204020204" pitchFamily="34" charset="-122"/>
-                <a:ea typeface="微软雅黑" panose="020B0503020204020204" pitchFamily="34" charset="-122"/>
-              </a:rPr>
-              <a:t>斯塔克尔伯格均衡（</a:t>
-            </a:r>
-            <a:r>
-              <a:rPr lang="en-US" altLang="zh-CN" dirty="0"/>
-              <a:t> </a:t>
-            </a:r>
-            <a:r>
-              <a:rPr lang="en-US" altLang="zh-CN" dirty="0" err="1">
-                <a:latin typeface="微软雅黑" panose="020B0503020204020204" pitchFamily="34" charset="-122"/>
-                <a:ea typeface="微软雅黑" panose="020B0503020204020204" pitchFamily="34" charset="-122"/>
-              </a:rPr>
-              <a:t>Stackelberg</a:t>
-            </a:r>
-            <a:r>
-              <a:rPr lang="zh-CN" altLang="en-US" dirty="0">
-                <a:latin typeface="微软雅黑" panose="020B0503020204020204" pitchFamily="34" charset="-122"/>
-                <a:ea typeface="微软雅黑" panose="020B0503020204020204" pitchFamily="34" charset="-122"/>
-              </a:rPr>
-              <a:t>均衡）</a:t>
-            </a:r>
-          </a:p>
-        </p:txBody>
-      </p:sp>
-      <p:sp>
-        <p:nvSpPr>
-          <p:cNvPr id="10" name="矩形 9"/>
-          <p:cNvSpPr/>
-          <p:nvPr/>
-        </p:nvSpPr>
-        <p:spPr>
-          <a:xfrm>
-            <a:off x="5550713" y="5268047"/>
-            <a:ext cx="1568740" cy="822121"/>
+            <a:off x="838200" y="1690688"/>
+            <a:ext cx="10516235" cy="368300"/>
           </a:xfrm>
           <a:prstGeom prst="rect">
             <a:avLst/>
           </a:prstGeom>
           <a:noFill/>
-          <a:ln w="9525" cap="flat" cmpd="sng" algn="ctr">
-            <a:solidFill>
-              <a:schemeClr val="dk1"/>
-            </a:solidFill>
-            <a:prstDash val="solid"/>
-            <a:round/>
-            <a:headEnd type="none" w="med" len="med"/>
-            <a:tailEnd type="none" w="med" len="med"/>
-          </a:ln>
-        </p:spPr>
-        <p:style>
-          <a:lnRef idx="0">
-            <a:scrgbClr r="0" g="0" b="0"/>
-          </a:lnRef>
-          <a:fillRef idx="0">
-            <a:scrgbClr r="0" g="0" b="0"/>
-          </a:fillRef>
-          <a:effectRef idx="0">
-            <a:scrgbClr r="0" g="0" b="0"/>
-          </a:effectRef>
-          <a:fontRef idx="minor">
-            <a:schemeClr val="dk1"/>
-          </a:fontRef>
-        </p:style>
-        <p:txBody>
-          <a:bodyPr rtlCol="0" anchor="ctr"/>
-          <a:lstStyle/>
-          <a:p>
-            <a:pPr algn="ctr"/>
-            <a:r>
-              <a:rPr lang="zh-CN" altLang="en-US" dirty="0"/>
-              <a:t>防守者</a:t>
-            </a:r>
-          </a:p>
-        </p:txBody>
-      </p:sp>
-      <p:sp>
-        <p:nvSpPr>
-          <p:cNvPr id="11" name="矩形 10"/>
-          <p:cNvSpPr/>
+        </p:spPr>
+        <p:txBody>
+          <a:bodyPr wrap="square" rtlCol="0" anchor="t">
+            <a:spAutoFit/>
+          </a:bodyPr>
+          <a:lstStyle/>
+          <a:p>
+            <a:r>
+              <a:rPr lang="zh-CN" altLang="en-US" dirty="0">
+                <a:latin typeface="微软雅黑" panose="020B0503020204020204" pitchFamily="34" charset="-122"/>
+                <a:ea typeface="微软雅黑" panose="020B0503020204020204" pitchFamily="34" charset="-122"/>
+                <a:cs typeface="微软雅黑" panose="020B0503020204020204" pitchFamily="34" charset="-122"/>
+              </a:rPr>
+              <a:t>雅可比矩阵——计算稳定的ESS</a:t>
+            </a:r>
+          </a:p>
+        </p:txBody>
+      </p:sp>
+      <p:pic>
+        <p:nvPicPr>
+          <p:cNvPr id="3" name="图片 2"/>
+          <p:cNvPicPr>
+            <a:picLocks noChangeAspect="1"/>
+          </p:cNvPicPr>
           <p:nvPr/>
-        </p:nvSpPr>
-        <p:spPr>
-          <a:xfrm>
-            <a:off x="8555370" y="3881418"/>
-            <a:ext cx="1568740" cy="822121"/>
+        </p:nvPicPr>
+        <p:blipFill>
+          <a:blip r:embed="rId2">
+            <a:extLst>
+              <a:ext uri="{28A0092B-C50C-407E-A947-70E740481C1C}">
+                <a14:useLocalDpi xmlns:a14="http://schemas.microsoft.com/office/drawing/2010/main" val="0"/>
+              </a:ext>
+            </a:extLst>
+          </a:blip>
+          <a:stretch>
+            <a:fillRect/>
+          </a:stretch>
+        </p:blipFill>
+        <p:spPr>
+          <a:xfrm>
+            <a:off x="1180406" y="2441445"/>
+            <a:ext cx="1753987" cy="1264392"/>
+          </a:xfrm>
+          <a:prstGeom prst="rect">
+            <a:avLst/>
+          </a:prstGeom>
+        </p:spPr>
+      </p:pic>
+      <p:pic>
+        <p:nvPicPr>
+          <p:cNvPr id="4" name="图片 3"/>
+          <p:cNvPicPr>
+            <a:picLocks noChangeAspect="1"/>
+          </p:cNvPicPr>
+          <p:nvPr/>
+        </p:nvPicPr>
+        <p:blipFill>
+          <a:blip r:embed="rId3">
+            <a:extLst>
+              <a:ext uri="{28A0092B-C50C-407E-A947-70E740481C1C}">
+                <a14:useLocalDpi xmlns:a14="http://schemas.microsoft.com/office/drawing/2010/main" val="0"/>
+              </a:ext>
+            </a:extLst>
+          </a:blip>
+          <a:stretch>
+            <a:fillRect/>
+          </a:stretch>
+        </p:blipFill>
+        <p:spPr>
+          <a:xfrm>
+            <a:off x="3207328" y="2441445"/>
+            <a:ext cx="2295698" cy="1327067"/>
+          </a:xfrm>
+          <a:prstGeom prst="rect">
+            <a:avLst/>
+          </a:prstGeom>
+        </p:spPr>
+      </p:pic>
+      <p:sp>
+        <p:nvSpPr>
+          <p:cNvPr id="5" name="文本框 4"/>
+          <p:cNvSpPr txBox="1"/>
+          <p:nvPr/>
+        </p:nvSpPr>
+        <p:spPr>
+          <a:xfrm>
+            <a:off x="838200" y="3966303"/>
+            <a:ext cx="9827029" cy="369332"/>
           </a:xfrm>
           <a:prstGeom prst="rect">
             <a:avLst/>
           </a:prstGeom>
           <a:noFill/>
-          <a:ln w="9525" cap="flat" cmpd="sng" algn="ctr">
-            <a:solidFill>
-              <a:schemeClr val="dk1"/>
-            </a:solidFill>
-            <a:prstDash val="solid"/>
-            <a:round/>
-            <a:headEnd type="none" w="med" len="med"/>
-            <a:tailEnd type="none" w="med" len="med"/>
-          </a:ln>
-        </p:spPr>
-        <p:style>
-          <a:lnRef idx="0">
-            <a:scrgbClr r="0" g="0" b="0"/>
-          </a:lnRef>
-          <a:fillRef idx="0">
-            <a:scrgbClr r="0" g="0" b="0"/>
-          </a:fillRef>
-          <a:effectRef idx="0">
-            <a:scrgbClr r="0" g="0" b="0"/>
-          </a:effectRef>
-          <a:fontRef idx="minor">
-            <a:schemeClr val="dk1"/>
-          </a:fontRef>
-        </p:style>
-        <p:txBody>
-          <a:bodyPr rtlCol="0" anchor="ctr"/>
-          <a:lstStyle/>
-          <a:p>
-            <a:pPr algn="ctr"/>
+        </p:spPr>
+        <p:txBody>
+          <a:bodyPr wrap="square" rtlCol="0">
+            <a:spAutoFit/>
+          </a:bodyPr>
+          <a:lstStyle/>
+          <a:p>
+            <a:r>
+              <a:rPr lang="zh-CN" altLang="en-US" dirty="0" smtClean="0"/>
+              <a:t>如果</a:t>
+            </a:r>
+            <a:r>
+              <a:rPr lang="en-US" altLang="zh-CN" dirty="0" err="1" smtClean="0"/>
+              <a:t>Tr</a:t>
+            </a:r>
+            <a:r>
+              <a:rPr lang="en-US" altLang="zh-CN" dirty="0" smtClean="0"/>
+              <a:t>(J)&lt;0,Det(J)&gt;0</a:t>
+            </a:r>
+            <a:r>
+              <a:rPr lang="zh-CN" altLang="en-US" dirty="0" smtClean="0"/>
+              <a:t>，那么</a:t>
+            </a:r>
             <a:r>
               <a:rPr lang="zh-CN" altLang="en-US" dirty="0"/>
-              <a:t>攻击者</a:t>
-            </a:r>
-          </a:p>
-        </p:txBody>
-      </p:sp>
-      <p:sp>
-        <p:nvSpPr>
-          <p:cNvPr id="12" name="矩形 11"/>
-          <p:cNvSpPr/>
+              <a:t>对应的平衡点是稳定的，点是</a:t>
+            </a:r>
+            <a:r>
+              <a:rPr lang="en-US" altLang="zh-CN" dirty="0"/>
+              <a:t>ESS</a:t>
+            </a:r>
+            <a:r>
+              <a:rPr lang="en-US" altLang="zh-CN" dirty="0" smtClean="0"/>
+              <a:t>;</a:t>
+            </a:r>
+          </a:p>
+        </p:txBody>
+      </p:sp>
+      <p:pic>
+        <p:nvPicPr>
+          <p:cNvPr id="6" name="图片 5"/>
+          <p:cNvPicPr>
+            <a:picLocks noChangeAspect="1"/>
+          </p:cNvPicPr>
           <p:nvPr/>
-        </p:nvSpPr>
-        <p:spPr>
-          <a:xfrm>
-            <a:off x="8555370" y="5268046"/>
-            <a:ext cx="1568740" cy="822121"/>
+        </p:nvPicPr>
+        <p:blipFill>
+          <a:blip r:embed="rId4" cstate="print">
+            <a:extLst>
+              <a:ext uri="{28A0092B-C50C-407E-A947-70E740481C1C}">
+                <a14:useLocalDpi xmlns:a14="http://schemas.microsoft.com/office/drawing/2010/main" val="0"/>
+              </a:ext>
+            </a:extLst>
+          </a:blip>
+          <a:stretch>
+            <a:fillRect/>
+          </a:stretch>
+        </p:blipFill>
+        <p:spPr>
+          <a:xfrm>
+            <a:off x="7435103" y="4184305"/>
+            <a:ext cx="4151174" cy="2593998"/>
           </a:xfrm>
           <a:prstGeom prst="rect">
             <a:avLst/>
           </a:prstGeom>
-          <a:noFill/>
-          <a:ln w="9525" cap="flat" cmpd="sng" algn="ctr">
-            <a:solidFill>
-              <a:schemeClr val="dk1"/>
-            </a:solidFill>
-            <a:prstDash val="solid"/>
-            <a:round/>
-            <a:headEnd type="none" w="med" len="med"/>
-            <a:tailEnd type="none" w="med" len="med"/>
-          </a:ln>
-        </p:spPr>
-        <p:style>
-          <a:lnRef idx="0">
-            <a:scrgbClr r="0" g="0" b="0"/>
-          </a:lnRef>
-          <a:fillRef idx="0">
-            <a:scrgbClr r="0" g="0" b="0"/>
-          </a:fillRef>
-          <a:effectRef idx="0">
-            <a:scrgbClr r="0" g="0" b="0"/>
-          </a:effectRef>
-          <a:fontRef idx="minor">
-            <a:schemeClr val="dk1"/>
-          </a:fontRef>
-        </p:style>
-        <p:txBody>
-          <a:bodyPr rtlCol="0" anchor="ctr"/>
-          <a:lstStyle/>
-          <a:p>
-            <a:pPr algn="ctr"/>
-            <a:r>
-              <a:rPr lang="zh-CN" altLang="en-US" dirty="0"/>
-              <a:t>决策</a:t>
-            </a:r>
-          </a:p>
-        </p:txBody>
-      </p:sp>
-      <p:cxnSp>
-        <p:nvCxnSpPr>
-          <p:cNvPr id="14" name="直接箭头连接符 13"/>
-          <p:cNvCxnSpPr>
-            <a:stCxn id="10" idx="3"/>
-            <a:endCxn id="12" idx="1"/>
-          </p:cNvCxnSpPr>
+        </p:spPr>
+      </p:pic>
+      <p:pic>
+        <p:nvPicPr>
+          <p:cNvPr id="8" name="图片 7"/>
+          <p:cNvPicPr>
+            <a:picLocks noChangeAspect="1"/>
+          </p:cNvPicPr>
           <p:nvPr/>
-        </p:nvCxnSpPr>
-        <p:spPr>
-          <a:xfrm flipV="1">
-            <a:off x="7119453" y="5679107"/>
-            <a:ext cx="1435917" cy="1"/>
-          </a:xfrm>
-          <a:prstGeom prst="straightConnector1">
+        </p:nvPicPr>
+        <p:blipFill>
+          <a:blip r:embed="rId5" cstate="print">
+            <a:extLst>
+              <a:ext uri="{28A0092B-C50C-407E-A947-70E740481C1C}">
+                <a14:useLocalDpi xmlns:a14="http://schemas.microsoft.com/office/drawing/2010/main" val="0"/>
+              </a:ext>
+            </a:extLst>
+          </a:blip>
+          <a:stretch>
+            <a:fillRect/>
+          </a:stretch>
+        </p:blipFill>
+        <p:spPr>
+          <a:xfrm>
+            <a:off x="7445432" y="1511628"/>
+            <a:ext cx="4181303" cy="2454675"/>
+          </a:xfrm>
+          <a:prstGeom prst="rect">
             <a:avLst/>
           </a:prstGeom>
-          <a:ln>
-            <a:tailEnd type="triangle"/>
-          </a:ln>
-        </p:spPr>
-        <p:style>
-          <a:lnRef idx="1">
-            <a:schemeClr val="dk1"/>
-          </a:lnRef>
-          <a:fillRef idx="0">
-            <a:schemeClr val="dk1"/>
-          </a:fillRef>
-          <a:effectRef idx="0">
-            <a:schemeClr val="dk1"/>
-          </a:effectRef>
-          <a:fontRef idx="minor">
-            <a:schemeClr val="tx1"/>
-          </a:fontRef>
-        </p:style>
-      </p:cxnSp>
-      <p:cxnSp>
-        <p:nvCxnSpPr>
-          <p:cNvPr id="16" name="直接箭头连接符 15"/>
-          <p:cNvCxnSpPr>
-            <a:stCxn id="11" idx="2"/>
-            <a:endCxn id="12" idx="0"/>
-          </p:cNvCxnSpPr>
+        </p:spPr>
+      </p:pic>
+      <p:pic>
+        <p:nvPicPr>
+          <p:cNvPr id="9" name="图片 8"/>
+          <p:cNvPicPr>
+            <a:picLocks noChangeAspect="1"/>
+          </p:cNvPicPr>
           <p:nvPr/>
-        </p:nvCxnSpPr>
-        <p:spPr>
-          <a:xfrm>
-            <a:off x="9339740" y="4703539"/>
-            <a:ext cx="0" cy="564507"/>
-          </a:xfrm>
-          <a:prstGeom prst="straightConnector1">
+        </p:nvPicPr>
+        <p:blipFill>
+          <a:blip r:embed="rId6">
+            <a:extLst>
+              <a:ext uri="{28A0092B-C50C-407E-A947-70E740481C1C}">
+                <a14:useLocalDpi xmlns:a14="http://schemas.microsoft.com/office/drawing/2010/main" val="0"/>
+              </a:ext>
+            </a:extLst>
+          </a:blip>
+          <a:stretch>
+            <a:fillRect/>
+          </a:stretch>
+        </p:blipFill>
+        <p:spPr>
+          <a:xfrm>
+            <a:off x="507075" y="5247774"/>
+            <a:ext cx="6928027" cy="1103150"/>
+          </a:xfrm>
+          <a:prstGeom prst="rect">
             <a:avLst/>
           </a:prstGeom>
-          <a:ln>
-            <a:tailEnd type="triangle"/>
-          </a:ln>
-        </p:spPr>
-        <p:style>
-          <a:lnRef idx="1">
-            <a:schemeClr val="dk1"/>
-          </a:lnRef>
-          <a:fillRef idx="0">
-            <a:schemeClr val="dk1"/>
-          </a:fillRef>
-          <a:effectRef idx="0">
-            <a:schemeClr val="dk1"/>
-          </a:effectRef>
-          <a:fontRef idx="minor">
-            <a:schemeClr val="tx1"/>
-          </a:fontRef>
-        </p:style>
-      </p:cxnSp>
+        </p:spPr>
+      </p:pic>
     </p:spTree>
+    <p:extLst>
+      <p:ext uri="{BB962C8B-B14F-4D97-AF65-F5344CB8AC3E}">
+        <p14:creationId xmlns:p14="http://schemas.microsoft.com/office/powerpoint/2010/main" val="1724914647"/>
+      </p:ext>
+    </p:extLst>
   </p:cSld>
   <p:clrMapOvr>
     <a:masterClrMapping/>
@@ -7788,281 +8197,142 @@
           <a:lstStyle/>
           <a:p>
             <a:r>
-              <a:rPr lang="en-US" altLang="zh-CN" dirty="0">
-                <a:latin typeface="微软雅黑" panose="020B0503020204020204" pitchFamily="34" charset="-122"/>
-                <a:ea typeface="微软雅黑" panose="020B0503020204020204" pitchFamily="34" charset="-122"/>
-              </a:rPr>
-              <a:t>3.</a:t>
-            </a:r>
-            <a:r>
-              <a:rPr lang="zh-CN" altLang="en-US" dirty="0">
-                <a:latin typeface="微软雅黑" panose="020B0503020204020204" pitchFamily="34" charset="-122"/>
-                <a:ea typeface="微软雅黑" panose="020B0503020204020204" pitchFamily="34" charset="-122"/>
-                <a:sym typeface="+mn-ea"/>
-              </a:rPr>
-              <a:t>优化博弈论求解算法</a:t>
-            </a:r>
-            <a:endParaRPr lang="en-US" altLang="zh-CN" b="1" dirty="0">
+              <a:rPr lang="zh-CN" altLang="en-US" dirty="0"/>
+              <a:t>均衡点分析</a:t>
+            </a:r>
+            <a:endParaRPr lang="en-US" altLang="zh-CN" dirty="0">
               <a:latin typeface="微软雅黑" panose="020B0503020204020204" pitchFamily="34" charset="-122"/>
               <a:ea typeface="微软雅黑" panose="020B0503020204020204" pitchFamily="34" charset="-122"/>
             </a:endParaRPr>
           </a:p>
         </p:txBody>
       </p:sp>
-      <p:sp>
-        <p:nvSpPr>
-          <p:cNvPr id="4" name="内容占位符 3"/>
-          <p:cNvSpPr>
-            <a:spLocks noGrp="1"/>
-          </p:cNvSpPr>
-          <p:nvPr>
-            <p:ph idx="1"/>
-          </p:nvPr>
-        </p:nvSpPr>
-        <p:spPr>
-          <a:xfrm>
-            <a:off x="838200" y="1825625"/>
-            <a:ext cx="10515600" cy="4516452"/>
-          </a:xfrm>
-        </p:spPr>
-        <p:txBody>
-          <a:bodyPr>
-            <a:normAutofit/>
-          </a:bodyPr>
-          <a:lstStyle/>
-          <a:p>
-            <a:pPr marL="0" indent="0">
-              <a:buNone/>
-            </a:pPr>
-            <a:r>
-              <a:rPr lang="en-US" altLang="zh-CN" sz="2000" dirty="0">
-                <a:latin typeface="Times New Roman" panose="02020603050405020304" pitchFamily="18" charset="0"/>
-                <a:cs typeface="Times New Roman" panose="02020603050405020304" pitchFamily="18" charset="0"/>
-              </a:rPr>
-              <a:t>AAAI-2015-Incentivizing Peer Grading in MOOCS: an Audit Game Approach</a:t>
-            </a:r>
-          </a:p>
-          <a:p>
-            <a:pPr marL="0" indent="0">
-              <a:buNone/>
-            </a:pPr>
-            <a:r>
-              <a:rPr lang="en-US" altLang="zh-CN" sz="2000" dirty="0">
-                <a:latin typeface="Times New Roman" panose="02020603050405020304" pitchFamily="18" charset="0"/>
-                <a:cs typeface="Times New Roman" panose="02020603050405020304" pitchFamily="18" charset="0"/>
-              </a:rPr>
-              <a:t>AAAI-2018-Optimal Spot-Checking for Improving Evaluation Accuracy of Peer Grading Systems</a:t>
-            </a:r>
-          </a:p>
-          <a:p>
-            <a:pPr marL="0" indent="0">
-              <a:buNone/>
-            </a:pPr>
-            <a:r>
-              <a:rPr lang="en-US" altLang="zh-CN" sz="2000" dirty="0">
-                <a:latin typeface="Times New Roman" panose="02020603050405020304" pitchFamily="18" charset="0"/>
-                <a:cs typeface="Times New Roman" panose="02020603050405020304" pitchFamily="18" charset="0"/>
-              </a:rPr>
-              <a:t>dl.acm.org-2015-Mechanical TA: Partially Automated High-Stakes Peer Grading</a:t>
-            </a:r>
-          </a:p>
-          <a:p>
-            <a:pPr marL="0" indent="0">
-              <a:buNone/>
-            </a:pPr>
-            <a:endParaRPr lang="en-US" altLang="zh-CN" sz="2000" dirty="0">
-              <a:latin typeface="Times New Roman" panose="02020603050405020304" pitchFamily="18" charset="0"/>
-              <a:cs typeface="Times New Roman" panose="02020603050405020304" pitchFamily="18" charset="0"/>
-            </a:endParaRPr>
-          </a:p>
-        </p:txBody>
-      </p:sp>
-      <p:sp>
-        <p:nvSpPr>
-          <p:cNvPr id="3" name="矩形 2"/>
-          <p:cNvSpPr/>
+      <p:pic>
+        <p:nvPicPr>
+          <p:cNvPr id="11" name="图片 10"/>
+          <p:cNvPicPr>
+            <a:picLocks noChangeAspect="1"/>
+          </p:cNvPicPr>
           <p:nvPr/>
-        </p:nvSpPr>
-        <p:spPr>
-          <a:xfrm>
-            <a:off x="838200" y="3884102"/>
-            <a:ext cx="2145485" cy="872455"/>
+        </p:nvPicPr>
+        <p:blipFill>
+          <a:blip r:embed="rId2" cstate="print">
+            <a:extLst>
+              <a:ext uri="{28A0092B-C50C-407E-A947-70E740481C1C}">
+                <a14:useLocalDpi xmlns:a14="http://schemas.microsoft.com/office/drawing/2010/main" val="0"/>
+              </a:ext>
+            </a:extLst>
+          </a:blip>
+          <a:stretch>
+            <a:fillRect/>
+          </a:stretch>
+        </p:blipFill>
+        <p:spPr>
+          <a:xfrm>
+            <a:off x="838200" y="1274098"/>
+            <a:ext cx="3944020" cy="2630577"/>
           </a:xfrm>
           <a:prstGeom prst="rect">
             <a:avLst/>
           </a:prstGeom>
-          <a:noFill/>
-          <a:ln w="9525" cap="flat" cmpd="sng" algn="ctr">
-            <a:solidFill>
-              <a:schemeClr val="dk1"/>
-            </a:solidFill>
-            <a:prstDash val="solid"/>
-            <a:round/>
-            <a:headEnd type="none" w="med" len="med"/>
-            <a:tailEnd type="none" w="med" len="med"/>
-          </a:ln>
-        </p:spPr>
-        <p:style>
-          <a:lnRef idx="0">
-            <a:scrgbClr r="0" g="0" b="0"/>
-          </a:lnRef>
-          <a:fillRef idx="0">
-            <a:scrgbClr r="0" g="0" b="0"/>
-          </a:fillRef>
-          <a:effectRef idx="0">
-            <a:scrgbClr r="0" g="0" b="0"/>
-          </a:effectRef>
-          <a:fontRef idx="minor">
-            <a:schemeClr val="dk1"/>
-          </a:fontRef>
-        </p:style>
-        <p:txBody>
-          <a:bodyPr rtlCol="0" anchor="ctr"/>
-          <a:lstStyle/>
-          <a:p>
-            <a:pPr algn="ctr"/>
-            <a:r>
-              <a:rPr lang="zh-CN" altLang="en-US" sz="2800" dirty="0">
-                <a:latin typeface="微软雅黑" panose="020B0503020204020204" pitchFamily="34" charset="-122"/>
-                <a:ea typeface="微软雅黑" panose="020B0503020204020204" pitchFamily="34" charset="-122"/>
-              </a:rPr>
-              <a:t>教师</a:t>
-            </a:r>
-          </a:p>
-        </p:txBody>
-      </p:sp>
-      <p:sp>
-        <p:nvSpPr>
-          <p:cNvPr id="7" name="矩形 6"/>
-          <p:cNvSpPr/>
+        </p:spPr>
+      </p:pic>
+      <p:pic>
+        <p:nvPicPr>
+          <p:cNvPr id="12" name="图片 11"/>
+          <p:cNvPicPr>
+            <a:picLocks noChangeAspect="1"/>
+          </p:cNvPicPr>
           <p:nvPr/>
-        </p:nvSpPr>
-        <p:spPr>
-          <a:xfrm>
-            <a:off x="4727896" y="3884101"/>
-            <a:ext cx="2145484" cy="872455"/>
+        </p:nvPicPr>
+        <p:blipFill>
+          <a:blip r:embed="rId3" cstate="print">
+            <a:extLst>
+              <a:ext uri="{28A0092B-C50C-407E-A947-70E740481C1C}">
+                <a14:useLocalDpi xmlns:a14="http://schemas.microsoft.com/office/drawing/2010/main" val="0"/>
+              </a:ext>
+            </a:extLst>
+          </a:blip>
+          <a:stretch>
+            <a:fillRect/>
+          </a:stretch>
+        </p:blipFill>
+        <p:spPr>
+          <a:xfrm>
+            <a:off x="5745917" y="1244734"/>
+            <a:ext cx="4327074" cy="2631600"/>
           </a:xfrm>
           <a:prstGeom prst="rect">
             <a:avLst/>
           </a:prstGeom>
-          <a:noFill/>
-          <a:ln w="9525" cap="flat" cmpd="sng" algn="ctr">
-            <a:solidFill>
-              <a:schemeClr val="dk1"/>
-            </a:solidFill>
-            <a:prstDash val="solid"/>
-            <a:round/>
-            <a:headEnd type="none" w="med" len="med"/>
-            <a:tailEnd type="none" w="med" len="med"/>
-          </a:ln>
-        </p:spPr>
-        <p:style>
-          <a:lnRef idx="0">
-            <a:scrgbClr r="0" g="0" b="0"/>
-          </a:lnRef>
-          <a:fillRef idx="0">
-            <a:scrgbClr r="0" g="0" b="0"/>
-          </a:fillRef>
-          <a:effectRef idx="0">
-            <a:scrgbClr r="0" g="0" b="0"/>
-          </a:effectRef>
-          <a:fontRef idx="minor">
-            <a:schemeClr val="dk1"/>
-          </a:fontRef>
-        </p:style>
-        <p:txBody>
-          <a:bodyPr rtlCol="0" anchor="ctr"/>
-          <a:lstStyle/>
-          <a:p>
-            <a:pPr algn="ctr"/>
-            <a:r>
-              <a:rPr lang="zh-CN" altLang="en-US" sz="2800" dirty="0">
-                <a:latin typeface="微软雅黑" panose="020B0503020204020204" pitchFamily="34" charset="-122"/>
-                <a:ea typeface="微软雅黑" panose="020B0503020204020204" pitchFamily="34" charset="-122"/>
-              </a:rPr>
-              <a:t>学生</a:t>
-            </a:r>
-          </a:p>
-        </p:txBody>
-      </p:sp>
-      <p:cxnSp>
-        <p:nvCxnSpPr>
-          <p:cNvPr id="8" name="直接箭头连接符 7"/>
-          <p:cNvCxnSpPr>
-            <a:stCxn id="3" idx="3"/>
-            <a:endCxn id="7" idx="1"/>
-          </p:cNvCxnSpPr>
+        </p:spPr>
+      </p:pic>
+      <p:pic>
+        <p:nvPicPr>
+          <p:cNvPr id="13" name="图片 12"/>
+          <p:cNvPicPr>
+            <a:picLocks noChangeAspect="1"/>
+          </p:cNvPicPr>
           <p:nvPr/>
-        </p:nvCxnSpPr>
-        <p:spPr>
-          <a:xfrm flipV="1">
-            <a:off x="2983685" y="4320329"/>
-            <a:ext cx="1744211" cy="1"/>
-          </a:xfrm>
-          <a:prstGeom prst="straightConnector1">
+        </p:nvPicPr>
+        <p:blipFill>
+          <a:blip r:embed="rId4" cstate="print">
+            <a:extLst>
+              <a:ext uri="{28A0092B-C50C-407E-A947-70E740481C1C}">
+                <a14:useLocalDpi xmlns:a14="http://schemas.microsoft.com/office/drawing/2010/main" val="0"/>
+              </a:ext>
+            </a:extLst>
+          </a:blip>
+          <a:stretch>
+            <a:fillRect/>
+          </a:stretch>
+        </p:blipFill>
+        <p:spPr>
+          <a:xfrm>
+            <a:off x="715608" y="3876334"/>
+            <a:ext cx="4008423" cy="2631600"/>
+          </a:xfrm>
+          <a:prstGeom prst="rect">
             <a:avLst/>
           </a:prstGeom>
-          <a:ln>
-            <a:headEnd type="triangle"/>
-            <a:tailEnd type="triangle"/>
-          </a:ln>
-        </p:spPr>
-        <p:style>
-          <a:lnRef idx="1">
-            <a:schemeClr val="dk1"/>
-          </a:lnRef>
-          <a:fillRef idx="0">
-            <a:schemeClr val="dk1"/>
-          </a:fillRef>
-          <a:effectRef idx="0">
-            <a:schemeClr val="dk1"/>
-          </a:effectRef>
-          <a:fontRef idx="minor">
-            <a:schemeClr val="tx1"/>
-          </a:fontRef>
-        </p:style>
-      </p:cxnSp>
-      <p:cxnSp>
-        <p:nvCxnSpPr>
-          <p:cNvPr id="13" name="连接符: 曲线 12"/>
-          <p:cNvCxnSpPr>
-            <a:stCxn id="7" idx="0"/>
-            <a:endCxn id="7" idx="2"/>
-          </p:cNvCxnSpPr>
+        </p:spPr>
+      </p:pic>
+      <p:pic>
+        <p:nvPicPr>
+          <p:cNvPr id="14" name="图片 13"/>
+          <p:cNvPicPr>
+            <a:picLocks noChangeAspect="1"/>
+          </p:cNvPicPr>
           <p:nvPr/>
-        </p:nvCxnSpPr>
-        <p:spPr>
-          <a:xfrm rot="16200000" flipH="1">
-            <a:off x="5364410" y="4320328"/>
-            <a:ext cx="872455" cy="12700"/>
-          </a:xfrm>
-          <a:prstGeom prst="curvedConnector5">
-            <a:avLst>
-              <a:gd name="adj1" fmla="val -26202"/>
-              <a:gd name="adj2" fmla="val 10246787"/>
-              <a:gd name="adj3" fmla="val 126202"/>
-            </a:avLst>
+        </p:nvPicPr>
+        <p:blipFill>
+          <a:blip r:embed="rId5" cstate="print">
+            <a:extLst>
+              <a:ext uri="{28A0092B-C50C-407E-A947-70E740481C1C}">
+                <a14:useLocalDpi xmlns:a14="http://schemas.microsoft.com/office/drawing/2010/main" val="0"/>
+              </a:ext>
+            </a:extLst>
+          </a:blip>
+          <a:stretch>
+            <a:fillRect/>
+          </a:stretch>
+        </p:blipFill>
+        <p:spPr>
+          <a:xfrm>
+            <a:off x="5745917" y="3904675"/>
+            <a:ext cx="4177716" cy="2631600"/>
+          </a:xfrm>
+          <a:prstGeom prst="rect">
+            <a:avLst/>
           </a:prstGeom>
-          <a:ln>
-            <a:tailEnd type="triangle"/>
-          </a:ln>
-        </p:spPr>
-        <p:style>
-          <a:lnRef idx="1">
-            <a:schemeClr val="dk1"/>
-          </a:lnRef>
-          <a:fillRef idx="0">
-            <a:schemeClr val="dk1"/>
-          </a:fillRef>
-          <a:effectRef idx="0">
-            <a:schemeClr val="dk1"/>
-          </a:effectRef>
-          <a:fontRef idx="minor">
-            <a:schemeClr val="tx1"/>
-          </a:fontRef>
-        </p:style>
-      </p:cxnSp>
+        </p:spPr>
+      </p:pic>
     </p:spTree>
+    <p:extLst>
+      <p:ext uri="{BB962C8B-B14F-4D97-AF65-F5344CB8AC3E}">
+        <p14:creationId xmlns:p14="http://schemas.microsoft.com/office/powerpoint/2010/main" val="2356337142"/>
+      </p:ext>
+    </p:extLst>
   </p:cSld>
   <p:clrMapOvr>
     <a:masterClrMapping/>
@@ -8103,28 +8373,121 @@
           <a:lstStyle/>
           <a:p>
             <a:r>
-              <a:rPr lang="zh-CN" altLang="en-US">
-                <a:sym typeface="+mn-ea"/>
-              </a:rPr>
-              <a:t>详细调研</a:t>
-            </a:r>
-            <a:endParaRPr lang="en-US" altLang="zh-CN" dirty="0">
-              <a:latin typeface="微软雅黑" panose="020B0503020204020204" pitchFamily="34" charset="-122"/>
-              <a:ea typeface="微软雅黑" panose="020B0503020204020204" pitchFamily="34" charset="-122"/>
-            </a:endParaRPr>
-          </a:p>
-        </p:txBody>
-      </p:sp>
-      <p:sp>
-        <p:nvSpPr>
-          <p:cNvPr id="3" name="文本框 2"/>
+              <a:rPr lang="zh-CN" altLang="en-US" dirty="0"/>
+              <a:t>运筹与管理</a:t>
+            </a:r>
+            <a:r>
+              <a:rPr lang="en-US" altLang="zh-CN" dirty="0"/>
+              <a:t>-2021-</a:t>
+            </a:r>
+            <a:r>
+              <a:rPr lang="zh-CN" altLang="en-US" dirty="0"/>
+              <a:t>基于演化博弈论的环卫自律组织激励机制研究</a:t>
+            </a:r>
+            <a:endParaRPr lang="zh-CN" altLang="en-US" dirty="0"/>
+          </a:p>
+        </p:txBody>
+      </p:sp>
+      <p:pic>
+        <p:nvPicPr>
+          <p:cNvPr id="4" name="图片 3"/>
+          <p:cNvPicPr>
+            <a:picLocks noChangeAspect="1"/>
+          </p:cNvPicPr>
+          <p:nvPr/>
+        </p:nvPicPr>
+        <p:blipFill>
+          <a:blip r:embed="rId2">
+            <a:extLst>
+              <a:ext uri="{28A0092B-C50C-407E-A947-70E740481C1C}">
+                <a14:useLocalDpi xmlns:a14="http://schemas.microsoft.com/office/drawing/2010/main" val="0"/>
+              </a:ext>
+            </a:extLst>
+          </a:blip>
+          <a:stretch>
+            <a:fillRect/>
+          </a:stretch>
+        </p:blipFill>
+        <p:spPr>
+          <a:xfrm>
+            <a:off x="838200" y="1882103"/>
+            <a:ext cx="6283036" cy="1934091"/>
+          </a:xfrm>
+          <a:prstGeom prst="rect">
+            <a:avLst/>
+          </a:prstGeom>
+        </p:spPr>
+      </p:pic>
+      <p:pic>
+        <p:nvPicPr>
+          <p:cNvPr id="5" name="图片 4"/>
+          <p:cNvPicPr>
+            <a:picLocks noChangeAspect="1"/>
+          </p:cNvPicPr>
+          <p:nvPr/>
+        </p:nvPicPr>
+        <p:blipFill>
+          <a:blip r:embed="rId3">
+            <a:extLst>
+              <a:ext uri="{28A0092B-C50C-407E-A947-70E740481C1C}">
+                <a14:useLocalDpi xmlns:a14="http://schemas.microsoft.com/office/drawing/2010/main" val="0"/>
+              </a:ext>
+            </a:extLst>
+          </a:blip>
+          <a:stretch>
+            <a:fillRect/>
+          </a:stretch>
+        </p:blipFill>
+        <p:spPr>
+          <a:xfrm>
+            <a:off x="838200" y="4011447"/>
+            <a:ext cx="10058400" cy="849476"/>
+          </a:xfrm>
+          <a:prstGeom prst="rect">
+            <a:avLst/>
+          </a:prstGeom>
+        </p:spPr>
+      </p:pic>
+      <p:pic>
+        <p:nvPicPr>
+          <p:cNvPr id="6" name="图片 5"/>
+          <p:cNvPicPr>
+            <a:picLocks noChangeAspect="1"/>
+          </p:cNvPicPr>
+          <p:nvPr/>
+        </p:nvPicPr>
+        <p:blipFill>
+          <a:blip r:embed="rId4">
+            <a:extLst>
+              <a:ext uri="{28A0092B-C50C-407E-A947-70E740481C1C}">
+                <a14:useLocalDpi xmlns:a14="http://schemas.microsoft.com/office/drawing/2010/main" val="0"/>
+              </a:ext>
+            </a:extLst>
+          </a:blip>
+          <a:stretch>
+            <a:fillRect/>
+          </a:stretch>
+        </p:blipFill>
+        <p:spPr>
+          <a:xfrm>
+            <a:off x="1080653" y="4844106"/>
+            <a:ext cx="9883833" cy="2013894"/>
+          </a:xfrm>
+          <a:prstGeom prst="rect">
+            <a:avLst/>
+          </a:prstGeom>
+        </p:spPr>
+      </p:pic>
+      <p:sp>
+        <p:nvSpPr>
+          <p:cNvPr id="7" name="文本框 6"/>
           <p:cNvSpPr txBox="1"/>
           <p:nvPr/>
         </p:nvSpPr>
         <p:spPr>
           <a:xfrm>
-            <a:off x="838200" y="1787525"/>
-            <a:ext cx="10596245" cy="1014730"/>
+            <a:off x="7511822" y="2078182"/>
+            <a:ext cx="4451578" cy="2031325"/>
           </a:xfrm>
           <a:prstGeom prst="rect">
             <a:avLst/>
@@ -8138,89 +8501,214 @@
           <a:lstStyle/>
           <a:p>
             <a:r>
-              <a:rPr lang="zh-CN" altLang="en-US" sz="2400">
-                <a:latin typeface="微软雅黑" panose="020B0503020204020204" pitchFamily="34" charset="-122"/>
-                <a:ea typeface="微软雅黑" panose="020B0503020204020204" pitchFamily="34" charset="-122"/>
-                <a:cs typeface="微软雅黑" panose="020B0503020204020204" pitchFamily="34" charset="-122"/>
-              </a:rPr>
-              <a:t>演化博弈论 (Evolutionary Game Theory)</a:t>
-            </a:r>
-          </a:p>
-          <a:p>
-            <a:endParaRPr lang="zh-CN" altLang="en-US"/>
-          </a:p>
-          <a:p>
-            <a:r>
-              <a:rPr lang="zh-CN" altLang="en-US">
-                <a:latin typeface="微软雅黑" panose="020B0503020204020204" pitchFamily="34" charset="-122"/>
-                <a:ea typeface="微软雅黑" panose="020B0503020204020204" pitchFamily="34" charset="-122"/>
-              </a:rPr>
-              <a:t>鹰鸽博弈</a:t>
-            </a:r>
-          </a:p>
-        </p:txBody>
-      </p:sp>
-      <p:pic>
-        <p:nvPicPr>
-          <p:cNvPr id="100" name="图片 99"/>
-          <p:cNvPicPr/>
-          <p:nvPr/>
-        </p:nvPicPr>
-        <p:blipFill>
-          <a:blip r:embed="rId2"/>
-          <a:stretch>
-            <a:fillRect/>
-          </a:stretch>
-        </p:blipFill>
-        <p:spPr>
-          <a:xfrm>
-            <a:off x="3619500" y="2802255"/>
-            <a:ext cx="4953000" cy="2190750"/>
-          </a:xfrm>
-          <a:prstGeom prst="rect">
-            <a:avLst/>
-          </a:prstGeom>
-          <a:noFill/>
-          <a:ln w="9525">
-            <a:noFill/>
-          </a:ln>
-        </p:spPr>
-      </p:pic>
-      <p:sp>
-        <p:nvSpPr>
-          <p:cNvPr id="4" name="文本框 3"/>
-          <p:cNvSpPr txBox="1"/>
-          <p:nvPr/>
-        </p:nvSpPr>
-        <p:spPr>
-          <a:xfrm>
-            <a:off x="1020445" y="5276215"/>
-            <a:ext cx="10227310" cy="368300"/>
-          </a:xfrm>
-          <a:prstGeom prst="rect">
-            <a:avLst/>
-          </a:prstGeom>
-          <a:noFill/>
-        </p:spPr>
-        <p:txBody>
-          <a:bodyPr wrap="square" rtlCol="0">
-            <a:spAutoFit/>
-          </a:bodyPr>
-          <a:lstStyle/>
-          <a:p>
-            <a:r>
-              <a:rPr lang="zh-CN" altLang="en-US"/>
-              <a:t>鹰之间的战斗十分惨烈，所以</a:t>
-            </a:r>
-            <a:r>
-              <a:rPr lang="en-US" altLang="zh-CN"/>
-              <a:t>C&gt;V</a:t>
-            </a:r>
-            <a:endParaRPr lang="zh-CN" altLang="en-US"/>
+              <a:rPr lang="zh-CN" altLang="en-US" dirty="0" smtClean="0">
+                <a:latin typeface="微软雅黑" panose="020B0503020204020204" pitchFamily="34" charset="-122"/>
+                <a:ea typeface="微软雅黑" panose="020B0503020204020204" pitchFamily="34" charset="-122"/>
+              </a:rPr>
+              <a:t>自律组织激励管理</a:t>
+            </a:r>
+            <a:r>
+              <a:rPr lang="zh-CN" altLang="en-US" dirty="0">
+                <a:latin typeface="微软雅黑" panose="020B0503020204020204" pitchFamily="34" charset="-122"/>
+                <a:ea typeface="微软雅黑" panose="020B0503020204020204" pitchFamily="34" charset="-122"/>
+              </a:rPr>
+              <a:t>成本</a:t>
+            </a:r>
+            <a:r>
+              <a:rPr lang="en-US" altLang="zh-CN" dirty="0" smtClean="0">
+                <a:latin typeface="微软雅黑" panose="020B0503020204020204" pitchFamily="34" charset="-122"/>
+                <a:ea typeface="微软雅黑" panose="020B0503020204020204" pitchFamily="34" charset="-122"/>
+              </a:rPr>
+              <a:t>c1</a:t>
+            </a:r>
+            <a:r>
+              <a:rPr lang="zh-CN" altLang="en-US" dirty="0" smtClean="0">
+                <a:latin typeface="微软雅黑" panose="020B0503020204020204" pitchFamily="34" charset="-122"/>
+                <a:ea typeface="微软雅黑" panose="020B0503020204020204" pitchFamily="34" charset="-122"/>
+              </a:rPr>
+              <a:t>，无激励管理</a:t>
+            </a:r>
+            <a:r>
+              <a:rPr lang="en-US" altLang="zh-CN" dirty="0" smtClean="0">
+                <a:latin typeface="微软雅黑" panose="020B0503020204020204" pitchFamily="34" charset="-122"/>
+                <a:ea typeface="微软雅黑" panose="020B0503020204020204" pitchFamily="34" charset="-122"/>
+              </a:rPr>
+              <a:t>c2</a:t>
+            </a:r>
+            <a:r>
+              <a:rPr lang="zh-CN" altLang="en-US" dirty="0" smtClean="0">
+                <a:latin typeface="微软雅黑" panose="020B0503020204020204" pitchFamily="34" charset="-122"/>
+                <a:ea typeface="微软雅黑" panose="020B0503020204020204" pitchFamily="34" charset="-122"/>
+              </a:rPr>
+              <a:t>，</a:t>
+            </a:r>
+            <a:r>
+              <a:rPr lang="en-US" altLang="zh-CN" dirty="0" smtClean="0">
+                <a:latin typeface="微软雅黑" panose="020B0503020204020204" pitchFamily="34" charset="-122"/>
+                <a:ea typeface="微软雅黑" panose="020B0503020204020204" pitchFamily="34" charset="-122"/>
+              </a:rPr>
+              <a:t>c1&gt;c2.</a:t>
+            </a:r>
+            <a:r>
+              <a:rPr lang="zh-CN" altLang="en-US" dirty="0" smtClean="0">
+                <a:latin typeface="微软雅黑" panose="020B0503020204020204" pitchFamily="34" charset="-122"/>
+                <a:ea typeface="微软雅黑" panose="020B0503020204020204" pitchFamily="34" charset="-122"/>
+              </a:rPr>
+              <a:t>组织成员积极参与成本</a:t>
+            </a:r>
+            <a:r>
+              <a:rPr lang="en-US" altLang="zh-CN" dirty="0" smtClean="0">
+                <a:latin typeface="微软雅黑" panose="020B0503020204020204" pitchFamily="34" charset="-122"/>
+                <a:ea typeface="微软雅黑" panose="020B0503020204020204" pitchFamily="34" charset="-122"/>
+              </a:rPr>
+              <a:t>c3</a:t>
+            </a:r>
+            <a:r>
+              <a:rPr lang="zh-CN" altLang="en-US" dirty="0" smtClean="0">
+                <a:latin typeface="微软雅黑" panose="020B0503020204020204" pitchFamily="34" charset="-122"/>
+                <a:ea typeface="微软雅黑" panose="020B0503020204020204" pitchFamily="34" charset="-122"/>
+              </a:rPr>
+              <a:t>，将会带来利益</a:t>
+            </a:r>
+            <a:r>
+              <a:rPr lang="en-US" altLang="zh-CN" dirty="0" smtClean="0">
+                <a:latin typeface="微软雅黑" panose="020B0503020204020204" pitchFamily="34" charset="-122"/>
+                <a:ea typeface="微软雅黑" panose="020B0503020204020204" pitchFamily="34" charset="-122"/>
+              </a:rPr>
+              <a:t>p1</a:t>
+            </a:r>
+            <a:r>
+              <a:rPr lang="zh-CN" altLang="en-US" dirty="0" smtClean="0">
+                <a:latin typeface="微软雅黑" panose="020B0503020204020204" pitchFamily="34" charset="-122"/>
+                <a:ea typeface="微软雅黑" panose="020B0503020204020204" pitchFamily="34" charset="-122"/>
+              </a:rPr>
+              <a:t>，消极参与成本为</a:t>
+            </a:r>
+            <a:r>
+              <a:rPr lang="en-US" altLang="zh-CN" dirty="0" smtClean="0">
+                <a:latin typeface="微软雅黑" panose="020B0503020204020204" pitchFamily="34" charset="-122"/>
+                <a:ea typeface="微软雅黑" panose="020B0503020204020204" pitchFamily="34" charset="-122"/>
+              </a:rPr>
+              <a:t>c4</a:t>
+            </a:r>
+            <a:r>
+              <a:rPr lang="zh-CN" altLang="en-US" dirty="0" smtClean="0">
+                <a:latin typeface="微软雅黑" panose="020B0503020204020204" pitchFamily="34" charset="-122"/>
+                <a:ea typeface="微软雅黑" panose="020B0503020204020204" pitchFamily="34" charset="-122"/>
+              </a:rPr>
+              <a:t>，节省的成本</a:t>
+            </a:r>
+            <a:r>
+              <a:rPr lang="en-US" altLang="zh-CN" dirty="0" smtClean="0">
+                <a:latin typeface="微软雅黑" panose="020B0503020204020204" pitchFamily="34" charset="-122"/>
+                <a:ea typeface="微软雅黑" panose="020B0503020204020204" pitchFamily="34" charset="-122"/>
+              </a:rPr>
+              <a:t>p2</a:t>
+            </a:r>
+            <a:r>
+              <a:rPr lang="zh-CN" altLang="en-US" dirty="0" smtClean="0">
+                <a:latin typeface="微软雅黑" panose="020B0503020204020204" pitchFamily="34" charset="-122"/>
+                <a:ea typeface="微软雅黑" panose="020B0503020204020204" pitchFamily="34" charset="-122"/>
+              </a:rPr>
+              <a:t>，但会收到投诉</a:t>
+            </a:r>
+            <a:r>
+              <a:rPr lang="en-US" altLang="zh-CN" dirty="0" smtClean="0">
+                <a:latin typeface="微软雅黑" panose="020B0503020204020204" pitchFamily="34" charset="-122"/>
+                <a:ea typeface="微软雅黑" panose="020B0503020204020204" pitchFamily="34" charset="-122"/>
+              </a:rPr>
+              <a:t>n</a:t>
+            </a:r>
+            <a:r>
+              <a:rPr lang="zh-CN" altLang="en-US" dirty="0" smtClean="0">
+                <a:latin typeface="微软雅黑" panose="020B0503020204020204" pitchFamily="34" charset="-122"/>
+                <a:ea typeface="微软雅黑" panose="020B0503020204020204" pitchFamily="34" charset="-122"/>
+              </a:rPr>
+              <a:t>。激励的内容包括正激励</a:t>
+            </a:r>
+            <a:r>
+              <a:rPr lang="en-US" altLang="zh-CN" dirty="0" smtClean="0">
+                <a:latin typeface="微软雅黑" panose="020B0503020204020204" pitchFamily="34" charset="-122"/>
+                <a:ea typeface="微软雅黑" panose="020B0503020204020204" pitchFamily="34" charset="-122"/>
+              </a:rPr>
+              <a:t>U</a:t>
+            </a:r>
+            <a:r>
+              <a:rPr lang="zh-CN" altLang="en-US" dirty="0" smtClean="0">
+                <a:latin typeface="微软雅黑" panose="020B0503020204020204" pitchFamily="34" charset="-122"/>
+                <a:ea typeface="微软雅黑" panose="020B0503020204020204" pitchFamily="34" charset="-122"/>
+              </a:rPr>
+              <a:t>、</a:t>
+            </a:r>
+            <a:r>
+              <a:rPr lang="en-US" altLang="zh-CN" dirty="0" smtClean="0">
+                <a:latin typeface="微软雅黑" panose="020B0503020204020204" pitchFamily="34" charset="-122"/>
+                <a:ea typeface="微软雅黑" panose="020B0503020204020204" pitchFamily="34" charset="-122"/>
+              </a:rPr>
+              <a:t>R</a:t>
+            </a:r>
+            <a:r>
+              <a:rPr lang="zh-CN" altLang="en-US" dirty="0" smtClean="0">
+                <a:latin typeface="微软雅黑" panose="020B0503020204020204" pitchFamily="34" charset="-122"/>
+                <a:ea typeface="微软雅黑" panose="020B0503020204020204" pitchFamily="34" charset="-122"/>
+              </a:rPr>
+              <a:t>和负激励</a:t>
+            </a:r>
+            <a:r>
+              <a:rPr lang="en-US" altLang="zh-CN" dirty="0" smtClean="0">
+                <a:latin typeface="微软雅黑" panose="020B0503020204020204" pitchFamily="34" charset="-122"/>
+                <a:ea typeface="微软雅黑" panose="020B0503020204020204" pitchFamily="34" charset="-122"/>
+              </a:rPr>
+              <a:t>N</a:t>
+            </a:r>
+            <a:r>
+              <a:rPr lang="zh-CN" altLang="en-US" dirty="0" smtClean="0">
+                <a:latin typeface="微软雅黑" panose="020B0503020204020204" pitchFamily="34" charset="-122"/>
+                <a:ea typeface="微软雅黑" panose="020B0503020204020204" pitchFamily="34" charset="-122"/>
+              </a:rPr>
+              <a:t>。组织成员表现良好，自律组织将会得到奖励</a:t>
+            </a:r>
+            <a:r>
+              <a:rPr lang="en-US" altLang="zh-CN" dirty="0" smtClean="0">
+                <a:latin typeface="微软雅黑" panose="020B0503020204020204" pitchFamily="34" charset="-122"/>
+                <a:ea typeface="微软雅黑" panose="020B0503020204020204" pitchFamily="34" charset="-122"/>
+              </a:rPr>
+              <a:t>S</a:t>
+            </a:r>
+            <a:r>
+              <a:rPr lang="zh-CN" altLang="en-US" dirty="0" smtClean="0">
+                <a:latin typeface="微软雅黑" panose="020B0503020204020204" pitchFamily="34" charset="-122"/>
+                <a:ea typeface="微软雅黑" panose="020B0503020204020204" pitchFamily="34" charset="-122"/>
+              </a:rPr>
+              <a:t>，否则得到负面评价</a:t>
+            </a:r>
+            <a:r>
+              <a:rPr lang="en-US" altLang="zh-CN" dirty="0" smtClean="0">
+                <a:latin typeface="微软雅黑" panose="020B0503020204020204" pitchFamily="34" charset="-122"/>
+                <a:ea typeface="微软雅黑" panose="020B0503020204020204" pitchFamily="34" charset="-122"/>
+              </a:rPr>
+              <a:t>F</a:t>
+            </a:r>
+            <a:r>
+              <a:rPr lang="zh-CN" altLang="en-US" dirty="0" smtClean="0">
+                <a:latin typeface="微软雅黑" panose="020B0503020204020204" pitchFamily="34" charset="-122"/>
+                <a:ea typeface="微软雅黑" panose="020B0503020204020204" pitchFamily="34" charset="-122"/>
+              </a:rPr>
+              <a:t>。</a:t>
+            </a:r>
+            <a:endParaRPr lang="zh-CN" altLang="en-US" dirty="0">
+              <a:latin typeface="微软雅黑" panose="020B0503020204020204" pitchFamily="34" charset="-122"/>
+              <a:ea typeface="微软雅黑" panose="020B0503020204020204" pitchFamily="34" charset="-122"/>
+            </a:endParaRPr>
           </a:p>
         </p:txBody>
       </p:sp>
     </p:spTree>
+    <p:extLst>
+      <p:ext uri="{BB962C8B-B14F-4D97-AF65-F5344CB8AC3E}">
+        <p14:creationId xmlns:p14="http://schemas.microsoft.com/office/powerpoint/2010/main" val="3219219122"/>
+      </p:ext>
+    </p:extLst>
   </p:cSld>
   <p:clrMapOvr>
     <a:masterClrMapping/>
@@ -8261,10 +8749,8 @@
           <a:lstStyle/>
           <a:p>
             <a:r>
-              <a:rPr lang="zh-CN" altLang="en-US">
-                <a:sym typeface="+mn-ea"/>
-              </a:rPr>
-              <a:t>详细调研</a:t>
+              <a:rPr lang="zh-CN" altLang="en-US" dirty="0"/>
+              <a:t>均衡点分析</a:t>
             </a:r>
             <a:endParaRPr lang="en-US" altLang="zh-CN" dirty="0">
               <a:latin typeface="微软雅黑" panose="020B0503020204020204" pitchFamily="34" charset="-122"/>
@@ -8275,14 +8761,14 @@
       </p:sp>
       <p:sp>
         <p:nvSpPr>
-          <p:cNvPr id="3" name="文本框 2"/>
+          <p:cNvPr id="8" name="文本框 7"/>
           <p:cNvSpPr txBox="1"/>
           <p:nvPr/>
         </p:nvSpPr>
         <p:spPr>
           <a:xfrm>
-            <a:off x="838200" y="1787525"/>
-            <a:ext cx="10596245" cy="368300"/>
+            <a:off x="533400" y="1690688"/>
+            <a:ext cx="11201400" cy="369332"/>
           </a:xfrm>
           <a:prstGeom prst="rect">
             <a:avLst/>
@@ -8296,70 +8782,805 @@
           <a:lstStyle/>
           <a:p>
             <a:r>
-              <a:rPr lang="zh-CN" altLang="en-US">
-                <a:latin typeface="微软雅黑" panose="020B0503020204020204" pitchFamily="34" charset="-122"/>
-                <a:ea typeface="微软雅黑" panose="020B0503020204020204" pitchFamily="34" charset="-122"/>
-              </a:rPr>
-              <a:t>假设V = 6， C = 18：</a:t>
-            </a:r>
-          </a:p>
-        </p:txBody>
-      </p:sp>
-      <p:sp>
-        <p:nvSpPr>
-          <p:cNvPr id="4" name="文本框 3"/>
-          <p:cNvSpPr txBox="1"/>
+              <a:rPr lang="en-US" altLang="zh-CN" dirty="0" smtClean="0">
+                <a:latin typeface="微软雅黑" panose="020B0503020204020204" pitchFamily="34" charset="-122"/>
+                <a:ea typeface="微软雅黑" panose="020B0503020204020204" pitchFamily="34" charset="-122"/>
+              </a:rPr>
+              <a:t>(1) S </a:t>
+            </a:r>
+            <a:r>
+              <a:rPr lang="zh-CN" altLang="en-US" dirty="0">
+                <a:latin typeface="微软雅黑" panose="020B0503020204020204" pitchFamily="34" charset="-122"/>
+                <a:ea typeface="微软雅黑" panose="020B0503020204020204" pitchFamily="34" charset="-122"/>
+              </a:rPr>
+              <a:t>－ Ｒ ＞ </a:t>
+            </a:r>
+            <a:r>
+              <a:rPr lang="en-US" altLang="zh-CN" dirty="0">
+                <a:latin typeface="微软雅黑" panose="020B0503020204020204" pitchFamily="34" charset="-122"/>
+                <a:ea typeface="微软雅黑" panose="020B0503020204020204" pitchFamily="34" charset="-122"/>
+              </a:rPr>
+              <a:t>c1 </a:t>
+            </a:r>
+            <a:r>
+              <a:rPr lang="zh-CN" altLang="en-US" dirty="0">
+                <a:latin typeface="微软雅黑" panose="020B0503020204020204" pitchFamily="34" charset="-122"/>
+                <a:ea typeface="微软雅黑" panose="020B0503020204020204" pitchFamily="34" charset="-122"/>
+              </a:rPr>
+              <a:t>－ </a:t>
+            </a:r>
+            <a:r>
+              <a:rPr lang="en-US" altLang="zh-CN" dirty="0">
+                <a:latin typeface="微软雅黑" panose="020B0503020204020204" pitchFamily="34" charset="-122"/>
+                <a:ea typeface="微软雅黑" panose="020B0503020204020204" pitchFamily="34" charset="-122"/>
+              </a:rPr>
+              <a:t>c2</a:t>
+            </a:r>
+            <a:r>
+              <a:rPr lang="zh-CN" altLang="en-US" dirty="0">
+                <a:latin typeface="微软雅黑" panose="020B0503020204020204" pitchFamily="34" charset="-122"/>
+                <a:ea typeface="微软雅黑" panose="020B0503020204020204" pitchFamily="34" charset="-122"/>
+              </a:rPr>
+              <a:t>，</a:t>
+            </a:r>
+            <a:r>
+              <a:rPr lang="en-US" altLang="zh-CN" dirty="0">
+                <a:latin typeface="微软雅黑" panose="020B0503020204020204" pitchFamily="34" charset="-122"/>
+                <a:ea typeface="微软雅黑" panose="020B0503020204020204" pitchFamily="34" charset="-122"/>
+              </a:rPr>
+              <a:t>U + </a:t>
+            </a:r>
+            <a:r>
+              <a:rPr lang="zh-CN" altLang="en-US" dirty="0">
+                <a:latin typeface="微软雅黑" panose="020B0503020204020204" pitchFamily="34" charset="-122"/>
+                <a:ea typeface="微软雅黑" panose="020B0503020204020204" pitchFamily="34" charset="-122"/>
+              </a:rPr>
+              <a:t>Ｒ </a:t>
+            </a:r>
+            <a:r>
+              <a:rPr lang="en-US" altLang="zh-CN" dirty="0">
+                <a:latin typeface="微软雅黑" panose="020B0503020204020204" pitchFamily="34" charset="-122"/>
+                <a:ea typeface="微软雅黑" panose="020B0503020204020204" pitchFamily="34" charset="-122"/>
+              </a:rPr>
+              <a:t>+ N </a:t>
+            </a:r>
+            <a:r>
+              <a:rPr lang="zh-CN" altLang="en-US" dirty="0">
+                <a:latin typeface="微软雅黑" panose="020B0503020204020204" pitchFamily="34" charset="-122"/>
+                <a:ea typeface="微软雅黑" panose="020B0503020204020204" pitchFamily="34" charset="-122"/>
+              </a:rPr>
+              <a:t>＞ </a:t>
+            </a:r>
+            <a:r>
+              <a:rPr lang="en-US" altLang="zh-CN" dirty="0">
+                <a:latin typeface="微软雅黑" panose="020B0503020204020204" pitchFamily="34" charset="-122"/>
+                <a:ea typeface="微软雅黑" panose="020B0503020204020204" pitchFamily="34" charset="-122"/>
+              </a:rPr>
+              <a:t>p2 </a:t>
+            </a:r>
+            <a:r>
+              <a:rPr lang="zh-CN" altLang="en-US" dirty="0">
+                <a:latin typeface="微软雅黑" panose="020B0503020204020204" pitchFamily="34" charset="-122"/>
+                <a:ea typeface="微软雅黑" panose="020B0503020204020204" pitchFamily="34" charset="-122"/>
+              </a:rPr>
+              <a:t>－ </a:t>
+            </a:r>
+            <a:r>
+              <a:rPr lang="en-US" altLang="zh-CN" dirty="0">
+                <a:latin typeface="微软雅黑" panose="020B0503020204020204" pitchFamily="34" charset="-122"/>
+                <a:ea typeface="微软雅黑" panose="020B0503020204020204" pitchFamily="34" charset="-122"/>
+              </a:rPr>
+              <a:t>p1 + c3 </a:t>
+            </a:r>
+            <a:r>
+              <a:rPr lang="zh-CN" altLang="en-US" dirty="0">
+                <a:latin typeface="微软雅黑" panose="020B0503020204020204" pitchFamily="34" charset="-122"/>
+                <a:ea typeface="微软雅黑" panose="020B0503020204020204" pitchFamily="34" charset="-122"/>
+              </a:rPr>
+              <a:t>－ </a:t>
+            </a:r>
+            <a:r>
+              <a:rPr lang="en-US" altLang="zh-CN" dirty="0">
+                <a:latin typeface="微软雅黑" panose="020B0503020204020204" pitchFamily="34" charset="-122"/>
+                <a:ea typeface="微软雅黑" panose="020B0503020204020204" pitchFamily="34" charset="-122"/>
+              </a:rPr>
+              <a:t>c4 </a:t>
+            </a:r>
+            <a:r>
+              <a:rPr lang="zh-CN" altLang="en-US" dirty="0">
+                <a:latin typeface="微软雅黑" panose="020B0503020204020204" pitchFamily="34" charset="-122"/>
+                <a:ea typeface="微软雅黑" panose="020B0503020204020204" pitchFamily="34" charset="-122"/>
+              </a:rPr>
+              <a:t>＞ </a:t>
+            </a:r>
+            <a:r>
+              <a:rPr lang="en-US" altLang="zh-CN" dirty="0">
+                <a:latin typeface="微软雅黑" panose="020B0503020204020204" pitchFamily="34" charset="-122"/>
+                <a:ea typeface="微软雅黑" panose="020B0503020204020204" pitchFamily="34" charset="-122"/>
+              </a:rPr>
+              <a:t>n </a:t>
+            </a:r>
+            <a:r>
+              <a:rPr lang="zh-CN" altLang="en-US" dirty="0">
+                <a:latin typeface="微软雅黑" panose="020B0503020204020204" pitchFamily="34" charset="-122"/>
+                <a:ea typeface="微软雅黑" panose="020B0503020204020204" pitchFamily="34" charset="-122"/>
+              </a:rPr>
+              <a:t>时，系统存在唯一演化稳定策略</a:t>
+            </a:r>
+            <a:r>
+              <a:rPr lang="en-US" altLang="zh-CN" dirty="0">
+                <a:latin typeface="微软雅黑" panose="020B0503020204020204" pitchFamily="34" charset="-122"/>
+                <a:ea typeface="微软雅黑" panose="020B0503020204020204" pitchFamily="34" charset="-122"/>
+              </a:rPr>
+              <a:t>( 1</a:t>
+            </a:r>
+            <a:r>
+              <a:rPr lang="zh-CN" altLang="en-US" dirty="0">
+                <a:latin typeface="微软雅黑" panose="020B0503020204020204" pitchFamily="34" charset="-122"/>
+                <a:ea typeface="微软雅黑" panose="020B0503020204020204" pitchFamily="34" charset="-122"/>
+              </a:rPr>
+              <a:t>，</a:t>
+            </a:r>
+            <a:r>
+              <a:rPr lang="en-US" altLang="zh-CN" dirty="0">
+                <a:latin typeface="微软雅黑" panose="020B0503020204020204" pitchFamily="34" charset="-122"/>
+                <a:ea typeface="微软雅黑" panose="020B0503020204020204" pitchFamily="34" charset="-122"/>
+              </a:rPr>
+              <a:t>1)</a:t>
+            </a:r>
+            <a:endParaRPr lang="zh-CN" altLang="en-US" dirty="0">
+              <a:latin typeface="微软雅黑" panose="020B0503020204020204" pitchFamily="34" charset="-122"/>
+              <a:ea typeface="微软雅黑" panose="020B0503020204020204" pitchFamily="34" charset="-122"/>
+            </a:endParaRPr>
+          </a:p>
+        </p:txBody>
+      </p:sp>
+      <p:sp>
+        <p:nvSpPr>
+          <p:cNvPr id="9" name="矩形 8"/>
+          <p:cNvSpPr/>
           <p:nvPr/>
         </p:nvSpPr>
         <p:spPr>
           <a:xfrm>
-            <a:off x="1020445" y="5276215"/>
-            <a:ext cx="10227310" cy="368300"/>
+            <a:off x="533400" y="2237126"/>
+            <a:ext cx="10604500" cy="369332"/>
           </a:xfrm>
           <a:prstGeom prst="rect">
             <a:avLst/>
           </a:prstGeom>
-          <a:noFill/>
-        </p:spPr>
-        <p:txBody>
-          <a:bodyPr wrap="square" rtlCol="0">
+        </p:spPr>
+        <p:txBody>
+          <a:bodyPr wrap="square">
             <a:spAutoFit/>
           </a:bodyPr>
           <a:lstStyle/>
           <a:p>
             <a:r>
-              <a:t>结局应该是鹰和鸽各占一定的比例。</a:t>
+              <a:rPr lang="en-US" altLang="zh-CN" dirty="0" smtClean="0">
+                <a:latin typeface="微软雅黑" panose="020B0503020204020204" pitchFamily="34" charset="-122"/>
+                <a:ea typeface="微软雅黑" panose="020B0503020204020204" pitchFamily="34" charset="-122"/>
+              </a:rPr>
+              <a:t>(2) F </a:t>
+            </a:r>
+            <a:r>
+              <a:rPr lang="zh-CN" altLang="en-US" dirty="0">
+                <a:latin typeface="微软雅黑" panose="020B0503020204020204" pitchFamily="34" charset="-122"/>
+                <a:ea typeface="微软雅黑" panose="020B0503020204020204" pitchFamily="34" charset="-122"/>
+              </a:rPr>
+              <a:t>＞ </a:t>
+            </a:r>
+            <a:r>
+              <a:rPr lang="en-US" altLang="zh-CN" dirty="0">
+                <a:latin typeface="微软雅黑" panose="020B0503020204020204" pitchFamily="34" charset="-122"/>
+                <a:ea typeface="微软雅黑" panose="020B0503020204020204" pitchFamily="34" charset="-122"/>
+              </a:rPr>
+              <a:t>c1 </a:t>
+            </a:r>
+            <a:r>
+              <a:rPr lang="zh-CN" altLang="en-US" dirty="0">
+                <a:latin typeface="微软雅黑" panose="020B0503020204020204" pitchFamily="34" charset="-122"/>
+                <a:ea typeface="微软雅黑" panose="020B0503020204020204" pitchFamily="34" charset="-122"/>
+              </a:rPr>
+              <a:t>－ </a:t>
+            </a:r>
+            <a:r>
+              <a:rPr lang="en-US" altLang="zh-CN" dirty="0">
+                <a:latin typeface="微软雅黑" panose="020B0503020204020204" pitchFamily="34" charset="-122"/>
+                <a:ea typeface="微软雅黑" panose="020B0503020204020204" pitchFamily="34" charset="-122"/>
+              </a:rPr>
+              <a:t>c2</a:t>
+            </a:r>
+            <a:r>
+              <a:rPr lang="zh-CN" altLang="en-US" dirty="0">
+                <a:latin typeface="微软雅黑" panose="020B0503020204020204" pitchFamily="34" charset="-122"/>
+                <a:ea typeface="微软雅黑" panose="020B0503020204020204" pitchFamily="34" charset="-122"/>
+              </a:rPr>
+              <a:t>，</a:t>
+            </a:r>
+            <a:r>
+              <a:rPr lang="en-US" altLang="zh-CN" dirty="0">
+                <a:latin typeface="微软雅黑" panose="020B0503020204020204" pitchFamily="34" charset="-122"/>
+                <a:ea typeface="微软雅黑" panose="020B0503020204020204" pitchFamily="34" charset="-122"/>
+              </a:rPr>
+              <a:t>U + </a:t>
+            </a:r>
+            <a:r>
+              <a:rPr lang="zh-CN" altLang="en-US" dirty="0">
+                <a:latin typeface="微软雅黑" panose="020B0503020204020204" pitchFamily="34" charset="-122"/>
+                <a:ea typeface="微软雅黑" panose="020B0503020204020204" pitchFamily="34" charset="-122"/>
+              </a:rPr>
+              <a:t>Ｒ </a:t>
+            </a:r>
+            <a:r>
+              <a:rPr lang="en-US" altLang="zh-CN" dirty="0">
+                <a:latin typeface="微软雅黑" panose="020B0503020204020204" pitchFamily="34" charset="-122"/>
+                <a:ea typeface="微软雅黑" panose="020B0503020204020204" pitchFamily="34" charset="-122"/>
+              </a:rPr>
+              <a:t>+ N + p1 </a:t>
+            </a:r>
+            <a:r>
+              <a:rPr lang="zh-CN" altLang="en-US" dirty="0">
+                <a:latin typeface="微软雅黑" panose="020B0503020204020204" pitchFamily="34" charset="-122"/>
+                <a:ea typeface="微软雅黑" panose="020B0503020204020204" pitchFamily="34" charset="-122"/>
+              </a:rPr>
+              <a:t>－ </a:t>
+            </a:r>
+            <a:r>
+              <a:rPr lang="en-US" altLang="zh-CN" dirty="0">
+                <a:latin typeface="微软雅黑" panose="020B0503020204020204" pitchFamily="34" charset="-122"/>
+                <a:ea typeface="微软雅黑" panose="020B0503020204020204" pitchFamily="34" charset="-122"/>
+              </a:rPr>
+              <a:t>p2 + c4 </a:t>
+            </a:r>
+            <a:r>
+              <a:rPr lang="zh-CN" altLang="en-US" dirty="0">
+                <a:latin typeface="微软雅黑" panose="020B0503020204020204" pitchFamily="34" charset="-122"/>
+                <a:ea typeface="微软雅黑" panose="020B0503020204020204" pitchFamily="34" charset="-122"/>
+              </a:rPr>
+              <a:t>－ </a:t>
+            </a:r>
+            <a:r>
+              <a:rPr lang="en-US" altLang="zh-CN" dirty="0">
+                <a:latin typeface="微软雅黑" panose="020B0503020204020204" pitchFamily="34" charset="-122"/>
+                <a:ea typeface="微软雅黑" panose="020B0503020204020204" pitchFamily="34" charset="-122"/>
+              </a:rPr>
+              <a:t>c3 + n </a:t>
+            </a:r>
+            <a:r>
+              <a:rPr lang="zh-CN" altLang="en-US" dirty="0">
+                <a:latin typeface="微软雅黑" panose="020B0503020204020204" pitchFamily="34" charset="-122"/>
+                <a:ea typeface="微软雅黑" panose="020B0503020204020204" pitchFamily="34" charset="-122"/>
+              </a:rPr>
+              <a:t>＜ </a:t>
+            </a:r>
+            <a:r>
+              <a:rPr lang="en-US" altLang="zh-CN" dirty="0">
+                <a:latin typeface="微软雅黑" panose="020B0503020204020204" pitchFamily="34" charset="-122"/>
+                <a:ea typeface="微软雅黑" panose="020B0503020204020204" pitchFamily="34" charset="-122"/>
+              </a:rPr>
+              <a:t>0 </a:t>
+            </a:r>
+            <a:r>
+              <a:rPr lang="zh-CN" altLang="en-US" dirty="0">
+                <a:latin typeface="微软雅黑" panose="020B0503020204020204" pitchFamily="34" charset="-122"/>
+                <a:ea typeface="微软雅黑" panose="020B0503020204020204" pitchFamily="34" charset="-122"/>
+              </a:rPr>
+              <a:t>时，系统的演化稳定策略为</a:t>
+            </a:r>
+            <a:r>
+              <a:rPr lang="en-US" altLang="zh-CN" dirty="0">
+                <a:latin typeface="微软雅黑" panose="020B0503020204020204" pitchFamily="34" charset="-122"/>
+                <a:ea typeface="微软雅黑" panose="020B0503020204020204" pitchFamily="34" charset="-122"/>
+              </a:rPr>
+              <a:t>( 1</a:t>
+            </a:r>
+            <a:r>
+              <a:rPr lang="zh-CN" altLang="en-US" dirty="0">
+                <a:latin typeface="微软雅黑" panose="020B0503020204020204" pitchFamily="34" charset="-122"/>
+                <a:ea typeface="微软雅黑" panose="020B0503020204020204" pitchFamily="34" charset="-122"/>
+              </a:rPr>
+              <a:t>，</a:t>
+            </a:r>
+            <a:r>
+              <a:rPr lang="en-US" altLang="zh-CN" dirty="0">
+                <a:latin typeface="微软雅黑" panose="020B0503020204020204" pitchFamily="34" charset="-122"/>
+                <a:ea typeface="微软雅黑" panose="020B0503020204020204" pitchFamily="34" charset="-122"/>
+              </a:rPr>
+              <a:t>0) </a:t>
+            </a:r>
+            <a:r>
+              <a:rPr lang="zh-CN" altLang="en-US" dirty="0">
+                <a:latin typeface="微软雅黑" panose="020B0503020204020204" pitchFamily="34" charset="-122"/>
+                <a:ea typeface="微软雅黑" panose="020B0503020204020204" pitchFamily="34" charset="-122"/>
+              </a:rPr>
+              <a:t>。</a:t>
+            </a:r>
+          </a:p>
+        </p:txBody>
+      </p:sp>
+      <p:sp>
+        <p:nvSpPr>
+          <p:cNvPr id="10" name="矩形 9"/>
+          <p:cNvSpPr/>
+          <p:nvPr/>
+        </p:nvSpPr>
+        <p:spPr>
+          <a:xfrm>
+            <a:off x="533400" y="2779708"/>
+            <a:ext cx="10604500" cy="369332"/>
+          </a:xfrm>
+          <a:prstGeom prst="rect">
+            <a:avLst/>
+          </a:prstGeom>
+        </p:spPr>
+        <p:txBody>
+          <a:bodyPr wrap="square">
+            <a:spAutoFit/>
+          </a:bodyPr>
+          <a:lstStyle/>
+          <a:p>
+            <a:r>
+              <a:rPr lang="en-US" altLang="zh-CN" dirty="0" smtClean="0">
+                <a:latin typeface="微软雅黑" panose="020B0503020204020204" pitchFamily="34" charset="-122"/>
+                <a:ea typeface="微软雅黑" panose="020B0503020204020204" pitchFamily="34" charset="-122"/>
+              </a:rPr>
+              <a:t>(3) </a:t>
+            </a:r>
+            <a:r>
+              <a:rPr lang="zh-CN" altLang="en-US" dirty="0" smtClean="0">
+                <a:latin typeface="微软雅黑" panose="020B0503020204020204" pitchFamily="34" charset="-122"/>
+                <a:ea typeface="微软雅黑" panose="020B0503020204020204" pitchFamily="34" charset="-122"/>
+              </a:rPr>
+              <a:t>当 </a:t>
+            </a:r>
+            <a:r>
+              <a:rPr lang="en-US" altLang="zh-CN" dirty="0">
+                <a:latin typeface="微软雅黑" panose="020B0503020204020204" pitchFamily="34" charset="-122"/>
+                <a:ea typeface="微软雅黑" panose="020B0503020204020204" pitchFamily="34" charset="-122"/>
+              </a:rPr>
+              <a:t>S </a:t>
+            </a:r>
+            <a:r>
+              <a:rPr lang="zh-CN" altLang="en-US" dirty="0">
+                <a:latin typeface="微软雅黑" panose="020B0503020204020204" pitchFamily="34" charset="-122"/>
+                <a:ea typeface="微软雅黑" panose="020B0503020204020204" pitchFamily="34" charset="-122"/>
+              </a:rPr>
+              <a:t>－ Ｒ ＜ </a:t>
+            </a:r>
+            <a:r>
+              <a:rPr lang="en-US" altLang="zh-CN" dirty="0">
+                <a:latin typeface="微软雅黑" panose="020B0503020204020204" pitchFamily="34" charset="-122"/>
+                <a:ea typeface="微软雅黑" panose="020B0503020204020204" pitchFamily="34" charset="-122"/>
+              </a:rPr>
+              <a:t>c1 </a:t>
+            </a:r>
+            <a:r>
+              <a:rPr lang="zh-CN" altLang="en-US" dirty="0">
+                <a:latin typeface="微软雅黑" panose="020B0503020204020204" pitchFamily="34" charset="-122"/>
+                <a:ea typeface="微软雅黑" panose="020B0503020204020204" pitchFamily="34" charset="-122"/>
+              </a:rPr>
+              <a:t>－ </a:t>
+            </a:r>
+            <a:r>
+              <a:rPr lang="en-US" altLang="zh-CN" dirty="0">
+                <a:latin typeface="微软雅黑" panose="020B0503020204020204" pitchFamily="34" charset="-122"/>
+                <a:ea typeface="微软雅黑" panose="020B0503020204020204" pitchFamily="34" charset="-122"/>
+              </a:rPr>
+              <a:t>c2</a:t>
+            </a:r>
+            <a:r>
+              <a:rPr lang="zh-CN" altLang="en-US" dirty="0">
+                <a:latin typeface="微软雅黑" panose="020B0503020204020204" pitchFamily="34" charset="-122"/>
+                <a:ea typeface="微软雅黑" panose="020B0503020204020204" pitchFamily="34" charset="-122"/>
+              </a:rPr>
+              <a:t>，</a:t>
+            </a:r>
+            <a:r>
+              <a:rPr lang="en-US" altLang="zh-CN" dirty="0">
+                <a:latin typeface="微软雅黑" panose="020B0503020204020204" pitchFamily="34" charset="-122"/>
+                <a:ea typeface="微软雅黑" panose="020B0503020204020204" pitchFamily="34" charset="-122"/>
+              </a:rPr>
+              <a:t>n </a:t>
+            </a:r>
+            <a:r>
+              <a:rPr lang="zh-CN" altLang="en-US" dirty="0">
+                <a:latin typeface="微软雅黑" panose="020B0503020204020204" pitchFamily="34" charset="-122"/>
+                <a:ea typeface="微软雅黑" panose="020B0503020204020204" pitchFamily="34" charset="-122"/>
+              </a:rPr>
+              <a:t>＞ </a:t>
+            </a:r>
+            <a:r>
+              <a:rPr lang="en-US" altLang="zh-CN" dirty="0">
+                <a:latin typeface="微软雅黑" panose="020B0503020204020204" pitchFamily="34" charset="-122"/>
+                <a:ea typeface="微软雅黑" panose="020B0503020204020204" pitchFamily="34" charset="-122"/>
+              </a:rPr>
+              <a:t>p2 </a:t>
+            </a:r>
+            <a:r>
+              <a:rPr lang="zh-CN" altLang="en-US" dirty="0">
+                <a:latin typeface="微软雅黑" panose="020B0503020204020204" pitchFamily="34" charset="-122"/>
+                <a:ea typeface="微软雅黑" panose="020B0503020204020204" pitchFamily="34" charset="-122"/>
+              </a:rPr>
+              <a:t>－ </a:t>
+            </a:r>
+            <a:r>
+              <a:rPr lang="en-US" altLang="zh-CN" dirty="0">
+                <a:latin typeface="微软雅黑" panose="020B0503020204020204" pitchFamily="34" charset="-122"/>
+                <a:ea typeface="微软雅黑" panose="020B0503020204020204" pitchFamily="34" charset="-122"/>
+              </a:rPr>
+              <a:t>p1 + c3 </a:t>
+            </a:r>
+            <a:r>
+              <a:rPr lang="zh-CN" altLang="en-US" dirty="0">
+                <a:latin typeface="微软雅黑" panose="020B0503020204020204" pitchFamily="34" charset="-122"/>
+                <a:ea typeface="微软雅黑" panose="020B0503020204020204" pitchFamily="34" charset="-122"/>
+              </a:rPr>
+              <a:t>－ </a:t>
+            </a:r>
+            <a:r>
+              <a:rPr lang="en-US" altLang="zh-CN" dirty="0">
+                <a:latin typeface="微软雅黑" panose="020B0503020204020204" pitchFamily="34" charset="-122"/>
+                <a:ea typeface="微软雅黑" panose="020B0503020204020204" pitchFamily="34" charset="-122"/>
+              </a:rPr>
+              <a:t>c4 </a:t>
+            </a:r>
+            <a:r>
+              <a:rPr lang="zh-CN" altLang="en-US" dirty="0">
+                <a:latin typeface="微软雅黑" panose="020B0503020204020204" pitchFamily="34" charset="-122"/>
+                <a:ea typeface="微软雅黑" panose="020B0503020204020204" pitchFamily="34" charset="-122"/>
+              </a:rPr>
+              <a:t>时，系统的演化稳定策略为</a:t>
+            </a:r>
+            <a:r>
+              <a:rPr lang="en-US" altLang="zh-CN" dirty="0">
+                <a:latin typeface="微软雅黑" panose="020B0503020204020204" pitchFamily="34" charset="-122"/>
+                <a:ea typeface="微软雅黑" panose="020B0503020204020204" pitchFamily="34" charset="-122"/>
+              </a:rPr>
+              <a:t>( 0</a:t>
+            </a:r>
+            <a:r>
+              <a:rPr lang="zh-CN" altLang="en-US" dirty="0">
+                <a:latin typeface="微软雅黑" panose="020B0503020204020204" pitchFamily="34" charset="-122"/>
+                <a:ea typeface="微软雅黑" panose="020B0503020204020204" pitchFamily="34" charset="-122"/>
+              </a:rPr>
+              <a:t>，</a:t>
+            </a:r>
+            <a:r>
+              <a:rPr lang="en-US" altLang="zh-CN" dirty="0">
+                <a:latin typeface="微软雅黑" panose="020B0503020204020204" pitchFamily="34" charset="-122"/>
+                <a:ea typeface="微软雅黑" panose="020B0503020204020204" pitchFamily="34" charset="-122"/>
+              </a:rPr>
+              <a:t>1) </a:t>
+            </a:r>
+            <a:r>
+              <a:rPr lang="zh-CN" altLang="en-US" dirty="0">
+                <a:latin typeface="微软雅黑" panose="020B0503020204020204" pitchFamily="34" charset="-122"/>
+                <a:ea typeface="微软雅黑" panose="020B0503020204020204" pitchFamily="34" charset="-122"/>
+              </a:rPr>
+              <a:t>。</a:t>
+            </a:r>
+          </a:p>
+        </p:txBody>
+      </p:sp>
+      <p:sp>
+        <p:nvSpPr>
+          <p:cNvPr id="11" name="矩形 10"/>
+          <p:cNvSpPr/>
+          <p:nvPr/>
+        </p:nvSpPr>
+        <p:spPr>
+          <a:xfrm>
+            <a:off x="533400" y="3322290"/>
+            <a:ext cx="10604500" cy="369332"/>
+          </a:xfrm>
+          <a:prstGeom prst="rect">
+            <a:avLst/>
+          </a:prstGeom>
+        </p:spPr>
+        <p:txBody>
+          <a:bodyPr wrap="square">
+            <a:spAutoFit/>
+          </a:bodyPr>
+          <a:lstStyle/>
+          <a:p>
+            <a:r>
+              <a:rPr lang="en-US" altLang="zh-CN" dirty="0" smtClean="0">
+                <a:latin typeface="微软雅黑" panose="020B0503020204020204" pitchFamily="34" charset="-122"/>
+                <a:ea typeface="微软雅黑" panose="020B0503020204020204" pitchFamily="34" charset="-122"/>
+              </a:rPr>
+              <a:t>(4) </a:t>
+            </a:r>
+            <a:r>
+              <a:rPr lang="zh-CN" altLang="en-US" dirty="0" smtClean="0">
+                <a:latin typeface="微软雅黑" panose="020B0503020204020204" pitchFamily="34" charset="-122"/>
+                <a:ea typeface="微软雅黑" panose="020B0503020204020204" pitchFamily="34" charset="-122"/>
+              </a:rPr>
+              <a:t>当 </a:t>
+            </a:r>
+            <a:r>
+              <a:rPr lang="en-US" altLang="zh-CN" dirty="0">
+                <a:latin typeface="微软雅黑" panose="020B0503020204020204" pitchFamily="34" charset="-122"/>
+                <a:ea typeface="微软雅黑" panose="020B0503020204020204" pitchFamily="34" charset="-122"/>
+              </a:rPr>
+              <a:t>F </a:t>
+            </a:r>
+            <a:r>
+              <a:rPr lang="zh-CN" altLang="en-US" dirty="0">
+                <a:latin typeface="微软雅黑" panose="020B0503020204020204" pitchFamily="34" charset="-122"/>
+                <a:ea typeface="微软雅黑" panose="020B0503020204020204" pitchFamily="34" charset="-122"/>
+              </a:rPr>
+              <a:t>＜ </a:t>
+            </a:r>
+            <a:r>
+              <a:rPr lang="en-US" altLang="zh-CN" dirty="0">
+                <a:latin typeface="微软雅黑" panose="020B0503020204020204" pitchFamily="34" charset="-122"/>
+                <a:ea typeface="微软雅黑" panose="020B0503020204020204" pitchFamily="34" charset="-122"/>
+              </a:rPr>
+              <a:t>c1 </a:t>
+            </a:r>
+            <a:r>
+              <a:rPr lang="zh-CN" altLang="en-US" dirty="0">
+                <a:latin typeface="微软雅黑" panose="020B0503020204020204" pitchFamily="34" charset="-122"/>
+                <a:ea typeface="微软雅黑" panose="020B0503020204020204" pitchFamily="34" charset="-122"/>
+              </a:rPr>
+              <a:t>－ </a:t>
+            </a:r>
+            <a:r>
+              <a:rPr lang="en-US" altLang="zh-CN" dirty="0">
+                <a:latin typeface="微软雅黑" panose="020B0503020204020204" pitchFamily="34" charset="-122"/>
+                <a:ea typeface="微软雅黑" panose="020B0503020204020204" pitchFamily="34" charset="-122"/>
+              </a:rPr>
+              <a:t>c2</a:t>
+            </a:r>
+            <a:r>
+              <a:rPr lang="zh-CN" altLang="en-US" dirty="0">
+                <a:latin typeface="微软雅黑" panose="020B0503020204020204" pitchFamily="34" charset="-122"/>
+                <a:ea typeface="微软雅黑" panose="020B0503020204020204" pitchFamily="34" charset="-122"/>
+              </a:rPr>
+              <a:t>，</a:t>
+            </a:r>
+            <a:r>
+              <a:rPr lang="en-US" altLang="zh-CN" dirty="0">
+                <a:latin typeface="微软雅黑" panose="020B0503020204020204" pitchFamily="34" charset="-122"/>
+                <a:ea typeface="微软雅黑" panose="020B0503020204020204" pitchFamily="34" charset="-122"/>
+              </a:rPr>
+              <a:t>n </a:t>
+            </a:r>
+            <a:r>
+              <a:rPr lang="zh-CN" altLang="en-US" dirty="0">
+                <a:latin typeface="微软雅黑" panose="020B0503020204020204" pitchFamily="34" charset="-122"/>
+                <a:ea typeface="微软雅黑" panose="020B0503020204020204" pitchFamily="34" charset="-122"/>
+              </a:rPr>
+              <a:t>＜ </a:t>
+            </a:r>
+            <a:r>
+              <a:rPr lang="en-US" altLang="zh-CN" dirty="0">
+                <a:latin typeface="微软雅黑" panose="020B0503020204020204" pitchFamily="34" charset="-122"/>
+                <a:ea typeface="微软雅黑" panose="020B0503020204020204" pitchFamily="34" charset="-122"/>
+              </a:rPr>
+              <a:t>p2 </a:t>
+            </a:r>
+            <a:r>
+              <a:rPr lang="zh-CN" altLang="en-US" dirty="0">
+                <a:latin typeface="微软雅黑" panose="020B0503020204020204" pitchFamily="34" charset="-122"/>
+                <a:ea typeface="微软雅黑" panose="020B0503020204020204" pitchFamily="34" charset="-122"/>
+              </a:rPr>
+              <a:t>－ </a:t>
+            </a:r>
+            <a:r>
+              <a:rPr lang="en-US" altLang="zh-CN" dirty="0">
+                <a:latin typeface="微软雅黑" panose="020B0503020204020204" pitchFamily="34" charset="-122"/>
+                <a:ea typeface="微软雅黑" panose="020B0503020204020204" pitchFamily="34" charset="-122"/>
+              </a:rPr>
+              <a:t>p1 + c3 </a:t>
+            </a:r>
+            <a:r>
+              <a:rPr lang="zh-CN" altLang="en-US" dirty="0">
+                <a:latin typeface="微软雅黑" panose="020B0503020204020204" pitchFamily="34" charset="-122"/>
+                <a:ea typeface="微软雅黑" panose="020B0503020204020204" pitchFamily="34" charset="-122"/>
+              </a:rPr>
+              <a:t>－ </a:t>
+            </a:r>
+            <a:r>
+              <a:rPr lang="en-US" altLang="zh-CN" dirty="0">
+                <a:latin typeface="微软雅黑" panose="020B0503020204020204" pitchFamily="34" charset="-122"/>
+                <a:ea typeface="微软雅黑" panose="020B0503020204020204" pitchFamily="34" charset="-122"/>
+              </a:rPr>
+              <a:t>c4 </a:t>
+            </a:r>
+            <a:r>
+              <a:rPr lang="zh-CN" altLang="en-US" dirty="0">
+                <a:latin typeface="微软雅黑" panose="020B0503020204020204" pitchFamily="34" charset="-122"/>
+                <a:ea typeface="微软雅黑" panose="020B0503020204020204" pitchFamily="34" charset="-122"/>
+              </a:rPr>
+              <a:t>时， 系统存在演化稳定策略</a:t>
+            </a:r>
+            <a:r>
+              <a:rPr lang="en-US" altLang="zh-CN" dirty="0">
+                <a:latin typeface="微软雅黑" panose="020B0503020204020204" pitchFamily="34" charset="-122"/>
+                <a:ea typeface="微软雅黑" panose="020B0503020204020204" pitchFamily="34" charset="-122"/>
+              </a:rPr>
+              <a:t>( 0</a:t>
+            </a:r>
+            <a:r>
+              <a:rPr lang="zh-CN" altLang="en-US" dirty="0">
+                <a:latin typeface="微软雅黑" panose="020B0503020204020204" pitchFamily="34" charset="-122"/>
+                <a:ea typeface="微软雅黑" panose="020B0503020204020204" pitchFamily="34" charset="-122"/>
+              </a:rPr>
+              <a:t>，</a:t>
+            </a:r>
+            <a:r>
+              <a:rPr lang="en-US" altLang="zh-CN" dirty="0">
+                <a:latin typeface="微软雅黑" panose="020B0503020204020204" pitchFamily="34" charset="-122"/>
+                <a:ea typeface="微软雅黑" panose="020B0503020204020204" pitchFamily="34" charset="-122"/>
+              </a:rPr>
+              <a:t>0) </a:t>
+            </a:r>
+            <a:r>
+              <a:rPr lang="zh-CN" altLang="en-US" dirty="0">
+                <a:latin typeface="微软雅黑" panose="020B0503020204020204" pitchFamily="34" charset="-122"/>
+                <a:ea typeface="微软雅黑" panose="020B0503020204020204" pitchFamily="34" charset="-122"/>
+              </a:rPr>
+              <a:t>。</a:t>
+            </a:r>
+          </a:p>
+        </p:txBody>
+      </p:sp>
+      <p:sp>
+        <p:nvSpPr>
+          <p:cNvPr id="14" name="矩形 13"/>
+          <p:cNvSpPr/>
+          <p:nvPr/>
+        </p:nvSpPr>
+        <p:spPr>
+          <a:xfrm>
+            <a:off x="533400" y="3886194"/>
+            <a:ext cx="1569660" cy="369332"/>
+          </a:xfrm>
+          <a:prstGeom prst="rect">
+            <a:avLst/>
+          </a:prstGeom>
+        </p:spPr>
+        <p:txBody>
+          <a:bodyPr wrap="none">
+            <a:spAutoFit/>
+          </a:bodyPr>
+          <a:lstStyle/>
+          <a:p>
+            <a:r>
+              <a:rPr lang="zh-CN" altLang="en-US" dirty="0"/>
+              <a:t>数值仿真分析</a:t>
             </a:r>
           </a:p>
         </p:txBody>
       </p:sp>
       <p:pic>
         <p:nvPicPr>
-          <p:cNvPr id="101" name="图片 100"/>
-          <p:cNvPicPr/>
+          <p:cNvPr id="15" name="图片 14"/>
+          <p:cNvPicPr>
+            <a:picLocks noChangeAspect="1"/>
+          </p:cNvPicPr>
           <p:nvPr/>
         </p:nvPicPr>
         <p:blipFill>
-          <a:blip r:embed="rId2"/>
+          <a:blip r:embed="rId2" cstate="print">
+            <a:extLst>
+              <a:ext uri="{28A0092B-C50C-407E-A947-70E740481C1C}">
+                <a14:useLocalDpi xmlns:a14="http://schemas.microsoft.com/office/drawing/2010/main" val="0"/>
+              </a:ext>
+            </a:extLst>
+          </a:blip>
           <a:stretch>
             <a:fillRect/>
           </a:stretch>
         </p:blipFill>
         <p:spPr>
           <a:xfrm>
-            <a:off x="3606800" y="2802255"/>
-            <a:ext cx="4857750" cy="2190750"/>
+            <a:off x="533400" y="4371706"/>
+            <a:ext cx="2812801" cy="2264417"/>
           </a:xfrm>
           <a:prstGeom prst="rect">
             <a:avLst/>
           </a:prstGeom>
-          <a:noFill/>
-          <a:ln w="9525">
-            <a:noFill/>
-          </a:ln>
+        </p:spPr>
+      </p:pic>
+      <p:pic>
+        <p:nvPicPr>
+          <p:cNvPr id="16" name="图片 15"/>
+          <p:cNvPicPr>
+            <a:picLocks noChangeAspect="1"/>
+          </p:cNvPicPr>
+          <p:nvPr/>
+        </p:nvPicPr>
+        <p:blipFill>
+          <a:blip r:embed="rId3" cstate="print">
+            <a:extLst>
+              <a:ext uri="{28A0092B-C50C-407E-A947-70E740481C1C}">
+                <a14:useLocalDpi xmlns:a14="http://schemas.microsoft.com/office/drawing/2010/main" val="0"/>
+              </a:ext>
+            </a:extLst>
+          </a:blip>
+          <a:stretch>
+            <a:fillRect/>
+          </a:stretch>
+        </p:blipFill>
+        <p:spPr>
+          <a:xfrm>
+            <a:off x="3346201" y="4371706"/>
+            <a:ext cx="2826267" cy="2187036"/>
+          </a:xfrm>
+          <a:prstGeom prst="rect">
+            <a:avLst/>
+          </a:prstGeom>
+        </p:spPr>
+      </p:pic>
+      <p:pic>
+        <p:nvPicPr>
+          <p:cNvPr id="17" name="图片 16"/>
+          <p:cNvPicPr>
+            <a:picLocks noChangeAspect="1"/>
+          </p:cNvPicPr>
+          <p:nvPr/>
+        </p:nvPicPr>
+        <p:blipFill>
+          <a:blip r:embed="rId4" cstate="print">
+            <a:extLst>
+              <a:ext uri="{28A0092B-C50C-407E-A947-70E740481C1C}">
+                <a14:useLocalDpi xmlns:a14="http://schemas.microsoft.com/office/drawing/2010/main" val="0"/>
+              </a:ext>
+            </a:extLst>
+          </a:blip>
+          <a:stretch>
+            <a:fillRect/>
+          </a:stretch>
+        </p:blipFill>
+        <p:spPr>
+          <a:xfrm>
+            <a:off x="6096000" y="4371706"/>
+            <a:ext cx="2793930" cy="2187037"/>
+          </a:xfrm>
+          <a:prstGeom prst="rect">
+            <a:avLst/>
+          </a:prstGeom>
+        </p:spPr>
+      </p:pic>
+      <p:pic>
+        <p:nvPicPr>
+          <p:cNvPr id="18" name="图片 17"/>
+          <p:cNvPicPr>
+            <a:picLocks noChangeAspect="1"/>
+          </p:cNvPicPr>
+          <p:nvPr/>
+        </p:nvPicPr>
+        <p:blipFill>
+          <a:blip r:embed="rId5" cstate="print">
+            <a:extLst>
+              <a:ext uri="{28A0092B-C50C-407E-A947-70E740481C1C}">
+                <a14:useLocalDpi xmlns:a14="http://schemas.microsoft.com/office/drawing/2010/main" val="0"/>
+              </a:ext>
+            </a:extLst>
+          </a:blip>
+          <a:stretch>
+            <a:fillRect/>
+          </a:stretch>
+        </p:blipFill>
+        <p:spPr>
+          <a:xfrm>
+            <a:off x="8889930" y="4371706"/>
+            <a:ext cx="2796598" cy="2187036"/>
+          </a:xfrm>
+          <a:prstGeom prst="rect">
+            <a:avLst/>
+          </a:prstGeom>
         </p:spPr>
       </p:pic>
     </p:spTree>
+    <p:extLst>
+      <p:ext uri="{BB962C8B-B14F-4D97-AF65-F5344CB8AC3E}">
+        <p14:creationId xmlns:p14="http://schemas.microsoft.com/office/powerpoint/2010/main" val="2285215573"/>
+      </p:ext>
+    </p:extLst>
   </p:cSld>
   <p:clrMapOvr>
     <a:masterClrMapping/>
@@ -8404,71 +9625,146 @@
                 <a:latin typeface="微软雅黑" panose="020B0503020204020204" pitchFamily="34" charset="-122"/>
                 <a:ea typeface="微软雅黑" panose="020B0503020204020204" pitchFamily="34" charset="-122"/>
               </a:rPr>
-              <a:t>上周汇报总结</a:t>
-            </a:r>
-          </a:p>
-        </p:txBody>
-      </p:sp>
-      <p:sp>
-        <p:nvSpPr>
-          <p:cNvPr id="8" name="文本框 7"/>
-          <p:cNvSpPr txBox="1"/>
+              <a:t>本周汇报的内容</a:t>
+            </a:r>
+          </a:p>
+        </p:txBody>
+      </p:sp>
+      <p:sp>
+        <p:nvSpPr>
+          <p:cNvPr id="3" name="矩形 2"/>
+          <p:cNvSpPr/>
           <p:nvPr/>
         </p:nvSpPr>
         <p:spPr>
           <a:xfrm>
-            <a:off x="838200" y="1490633"/>
-            <a:ext cx="9857064" cy="400110"/>
+            <a:off x="1252855" y="3127375"/>
+            <a:ext cx="2288540" cy="1720850"/>
           </a:xfrm>
           <a:prstGeom prst="rect">
             <a:avLst/>
           </a:prstGeom>
-          <a:noFill/>
-        </p:spPr>
-        <p:txBody>
-          <a:bodyPr wrap="square" rtlCol="0">
-            <a:spAutoFit/>
-          </a:bodyPr>
-          <a:lstStyle/>
-          <a:p>
-            <a:pPr marL="457200" indent="-457200">
-              <a:buAutoNum type="arabicPeriod"/>
-            </a:pPr>
-            <a:r>
-              <a:rPr lang="en-US" altLang="zh-CN" sz="2000" dirty="0">
-                <a:latin typeface="微软雅黑" panose="020B0503020204020204" pitchFamily="34" charset="-122"/>
-                <a:ea typeface="微软雅黑" panose="020B0503020204020204" pitchFamily="34" charset="-122"/>
-                <a:cs typeface="Times New Roman" panose="02020603050405020304" pitchFamily="18" charset="0"/>
-              </a:rPr>
-              <a:t>Blend Learning</a:t>
-            </a:r>
-          </a:p>
-        </p:txBody>
-      </p:sp>
-      <p:pic>
-        <p:nvPicPr>
-          <p:cNvPr id="3" name="图片 2"/>
-          <p:cNvPicPr>
-            <a:picLocks noChangeAspect="1"/>
-          </p:cNvPicPr>
+        </p:spPr>
+        <p:style>
+          <a:lnRef idx="2">
+            <a:schemeClr val="accent6"/>
+          </a:lnRef>
+          <a:fillRef idx="1">
+            <a:schemeClr val="lt1"/>
+          </a:fillRef>
+          <a:effectRef idx="0">
+            <a:schemeClr val="accent6"/>
+          </a:effectRef>
+          <a:fontRef idx="minor">
+            <a:schemeClr val="dk1"/>
+          </a:fontRef>
+        </p:style>
+        <p:txBody>
+          <a:bodyPr rtlCol="0" anchor="ctr"/>
+          <a:lstStyle/>
+          <a:p>
+            <a:pPr algn="ctr"/>
+            <a:r>
+              <a:rPr lang="en-US" altLang="zh-CN"/>
+              <a:t>1. </a:t>
+            </a:r>
+            <a:r>
+              <a:rPr lang="zh-CN" altLang="en-US"/>
+              <a:t>文献调研</a:t>
+            </a:r>
+          </a:p>
+        </p:txBody>
+      </p:sp>
+      <p:sp>
+        <p:nvSpPr>
+          <p:cNvPr id="5" name="矩形 4"/>
+          <p:cNvSpPr/>
           <p:nvPr/>
-        </p:nvPicPr>
-        <p:blipFill>
-          <a:blip r:embed="rId2"/>
-          <a:stretch>
-            <a:fillRect/>
-          </a:stretch>
-        </p:blipFill>
-        <p:spPr>
-          <a:xfrm>
-            <a:off x="1682058" y="4303442"/>
-            <a:ext cx="8169348" cy="1237595"/>
+        </p:nvSpPr>
+        <p:spPr>
+          <a:xfrm>
+            <a:off x="4622165" y="3127375"/>
+            <a:ext cx="2288540" cy="1720850"/>
           </a:xfrm>
           <a:prstGeom prst="rect">
             <a:avLst/>
           </a:prstGeom>
         </p:spPr>
-      </p:pic>
+        <p:style>
+          <a:lnRef idx="2">
+            <a:schemeClr val="accent6"/>
+          </a:lnRef>
+          <a:fillRef idx="1">
+            <a:schemeClr val="lt1"/>
+          </a:fillRef>
+          <a:effectRef idx="0">
+            <a:schemeClr val="accent6"/>
+          </a:effectRef>
+          <a:fontRef idx="minor">
+            <a:schemeClr val="dk1"/>
+          </a:fontRef>
+        </p:style>
+        <p:txBody>
+          <a:bodyPr rtlCol="0" anchor="ctr"/>
+          <a:lstStyle/>
+          <a:p>
+            <a:pPr algn="ctr"/>
+            <a:r>
+              <a:rPr lang="en-US" altLang="zh-CN"/>
+              <a:t>2. </a:t>
+            </a:r>
+            <a:r>
+              <a:rPr lang="zh-CN" altLang="en-US"/>
+              <a:t>详细调研</a:t>
+            </a:r>
+          </a:p>
+        </p:txBody>
+      </p:sp>
+      <p:sp>
+        <p:nvSpPr>
+          <p:cNvPr id="6" name="矩形 5"/>
+          <p:cNvSpPr/>
+          <p:nvPr/>
+        </p:nvSpPr>
+        <p:spPr>
+          <a:xfrm>
+            <a:off x="7991475" y="3127375"/>
+            <a:ext cx="2288540" cy="1720850"/>
+          </a:xfrm>
+          <a:prstGeom prst="rect">
+            <a:avLst/>
+          </a:prstGeom>
+        </p:spPr>
+        <p:style>
+          <a:lnRef idx="2">
+            <a:schemeClr val="accent6"/>
+          </a:lnRef>
+          <a:fillRef idx="1">
+            <a:schemeClr val="lt1"/>
+          </a:fillRef>
+          <a:effectRef idx="0">
+            <a:schemeClr val="accent6"/>
+          </a:effectRef>
+          <a:fontRef idx="minor">
+            <a:schemeClr val="dk1"/>
+          </a:fontRef>
+        </p:style>
+        <p:txBody>
+          <a:bodyPr rtlCol="0" anchor="ctr"/>
+          <a:lstStyle/>
+          <a:p>
+            <a:pPr algn="ctr"/>
+            <a:r>
+              <a:rPr lang="en-US" altLang="zh-CN"/>
+              <a:t>3. </a:t>
+            </a:r>
+            <a:r>
+              <a:rPr lang="zh-CN" altLang="en-US"/>
+              <a:t>系统开发</a:t>
+            </a:r>
+          </a:p>
+        </p:txBody>
+      </p:sp>
     </p:spTree>
   </p:cSld>
   <p:clrMapOvr>
@@ -8510,10 +9806,10 @@
           <a:lstStyle/>
           <a:p>
             <a:r>
-              <a:rPr lang="zh-CN" altLang="en-US">
+              <a:rPr lang="zh-CN" altLang="en-US" dirty="0" smtClean="0">
                 <a:sym typeface="+mn-ea"/>
               </a:rPr>
-              <a:t>详细调研</a:t>
+              <a:t>演化博弈论结合互评</a:t>
             </a:r>
             <a:endParaRPr lang="en-US" altLang="zh-CN" dirty="0">
               <a:latin typeface="微软雅黑" panose="020B0503020204020204" pitchFamily="34" charset="-122"/>
@@ -8530,8 +9826,8 @@
         </p:nvSpPr>
         <p:spPr>
           <a:xfrm>
-            <a:off x="838200" y="1787525"/>
-            <a:ext cx="10596245" cy="1568450"/>
+            <a:off x="838200" y="1762586"/>
+            <a:ext cx="10596245" cy="1200329"/>
           </a:xfrm>
           <a:prstGeom prst="rect">
             <a:avLst/>
@@ -8545,95 +9841,96 @@
           <a:lstStyle/>
           <a:p>
             <a:r>
-              <a:rPr lang="zh-CN" altLang="en-US" sz="2400" dirty="0">
+              <a:rPr lang="zh-CN" altLang="en-US" dirty="0">
                 <a:latin typeface="微软雅黑" panose="020B0503020204020204" pitchFamily="34" charset="-122"/>
                 <a:ea typeface="微软雅黑" panose="020B0503020204020204" pitchFamily="34" charset="-122"/>
                 <a:cs typeface="微软雅黑" panose="020B0503020204020204" pitchFamily="34" charset="-122"/>
               </a:rPr>
-              <a:t>演化博弈论 (Evolutionary Game Theory)</a:t>
-            </a:r>
-          </a:p>
-          <a:p>
-            <a:endParaRPr lang="zh-CN" altLang="en-US" dirty="0"/>
-          </a:p>
-          <a:p>
+              <a:t>首先：通过博弈论来证明原始的评分制度中存在普遍打高分的纳什均衡，证明原来规则的漏洞</a:t>
+            </a:r>
+            <a:r>
+              <a:rPr lang="zh-CN" altLang="en-US" dirty="0" smtClean="0">
+                <a:latin typeface="微软雅黑" panose="020B0503020204020204" pitchFamily="34" charset="-122"/>
+                <a:ea typeface="微软雅黑" panose="020B0503020204020204" pitchFamily="34" charset="-122"/>
+                <a:cs typeface="微软雅黑" panose="020B0503020204020204" pitchFamily="34" charset="-122"/>
+              </a:rPr>
+              <a:t>。</a:t>
+            </a:r>
+            <a:endParaRPr lang="en-US" altLang="zh-CN" dirty="0" smtClean="0">
+              <a:latin typeface="微软雅黑" panose="020B0503020204020204" pitchFamily="34" charset="-122"/>
+              <a:ea typeface="微软雅黑" panose="020B0503020204020204" pitchFamily="34" charset="-122"/>
+              <a:cs typeface="微软雅黑" panose="020B0503020204020204" pitchFamily="34" charset="-122"/>
+            </a:endParaRPr>
+          </a:p>
+          <a:p>
+            <a:r>
+              <a:rPr lang="zh-CN" altLang="en-US" dirty="0" smtClean="0">
+                <a:latin typeface="微软雅黑" panose="020B0503020204020204" pitchFamily="34" charset="-122"/>
+                <a:ea typeface="微软雅黑" panose="020B0503020204020204" pitchFamily="34" charset="-122"/>
+                <a:cs typeface="微软雅黑" panose="020B0503020204020204" pitchFamily="34" charset="-122"/>
+              </a:rPr>
+              <a:t>其次</a:t>
+            </a:r>
             <a:r>
               <a:rPr lang="zh-CN" altLang="en-US" dirty="0">
                 <a:latin typeface="微软雅黑" panose="020B0503020204020204" pitchFamily="34" charset="-122"/>
                 <a:ea typeface="微软雅黑" panose="020B0503020204020204" pitchFamily="34" charset="-122"/>
-              </a:rPr>
-              <a:t>不再将人模型化为超级理性的博弈方，而是认为人类通常是通过试错的方法达到博弈均衡的，与生物进化原理具有共性，所选择的均衡是达到均衡的均衡过程的函数，因而历史、制度因素以及均衡过程的某些细节均会对博弈的多重均衡的选择产生影响。</a:t>
-            </a:r>
-          </a:p>
-        </p:txBody>
-      </p:sp>
-      <p:sp>
-        <p:nvSpPr>
-          <p:cNvPr id="5" name="文本框 4"/>
-          <p:cNvSpPr txBox="1"/>
-          <p:nvPr/>
-        </p:nvSpPr>
-        <p:spPr>
-          <a:xfrm>
-            <a:off x="838200" y="3879850"/>
-            <a:ext cx="10516235" cy="368300"/>
-          </a:xfrm>
-          <a:prstGeom prst="rect">
-            <a:avLst/>
-          </a:prstGeom>
-          <a:noFill/>
-        </p:spPr>
-        <p:txBody>
-          <a:bodyPr wrap="square" rtlCol="0" anchor="t">
-            <a:spAutoFit/>
-          </a:bodyPr>
-          <a:lstStyle/>
-          <a:p>
+                <a:cs typeface="微软雅黑" panose="020B0503020204020204" pitchFamily="34" charset="-122"/>
+              </a:rPr>
+              <a:t>，通过改变规则（规则如何定义参与人数）来修改填充漏洞，例如增加了更高的同伴互评者受到惩罚的规则，但是学生们不一定是合理的决策者，于是我们尝试演化博弈论</a:t>
+            </a:r>
+            <a:r>
+              <a:rPr lang="zh-CN" altLang="en-US" dirty="0" smtClean="0">
+                <a:latin typeface="微软雅黑" panose="020B0503020204020204" pitchFamily="34" charset="-122"/>
+                <a:ea typeface="微软雅黑" panose="020B0503020204020204" pitchFamily="34" charset="-122"/>
+                <a:cs typeface="微软雅黑" panose="020B0503020204020204" pitchFamily="34" charset="-122"/>
+              </a:rPr>
+              <a:t>，</a:t>
+            </a:r>
+            <a:endParaRPr lang="en-US" altLang="zh-CN" dirty="0" smtClean="0">
+              <a:latin typeface="微软雅黑" panose="020B0503020204020204" pitchFamily="34" charset="-122"/>
+              <a:ea typeface="微软雅黑" panose="020B0503020204020204" pitchFamily="34" charset="-122"/>
+              <a:cs typeface="微软雅黑" panose="020B0503020204020204" pitchFamily="34" charset="-122"/>
+            </a:endParaRPr>
+          </a:p>
+          <a:p>
+            <a:r>
+              <a:rPr lang="zh-CN" altLang="en-US" dirty="0" smtClean="0">
+                <a:latin typeface="微软雅黑" panose="020B0503020204020204" pitchFamily="34" charset="-122"/>
+                <a:ea typeface="微软雅黑" panose="020B0503020204020204" pitchFamily="34" charset="-122"/>
+                <a:cs typeface="微软雅黑" panose="020B0503020204020204" pitchFamily="34" charset="-122"/>
+              </a:rPr>
+              <a:t>最后，通过</a:t>
+            </a:r>
             <a:r>
               <a:rPr lang="zh-CN" altLang="en-US" dirty="0">
                 <a:latin typeface="微软雅黑" panose="020B0503020204020204" pitchFamily="34" charset="-122"/>
                 <a:ea typeface="微软雅黑" panose="020B0503020204020204" pitchFamily="34" charset="-122"/>
                 <a:cs typeface="微软雅黑" panose="020B0503020204020204" pitchFamily="34" charset="-122"/>
               </a:rPr>
-              <a:t>复制动态方程——演化的过程</a:t>
-            </a:r>
-          </a:p>
-        </p:txBody>
-      </p:sp>
-      <p:sp>
-        <p:nvSpPr>
-          <p:cNvPr id="6" name="文本框 5"/>
-          <p:cNvSpPr txBox="1"/>
-          <p:nvPr/>
-        </p:nvSpPr>
-        <p:spPr>
-          <a:xfrm>
-            <a:off x="838200" y="5013960"/>
-            <a:ext cx="10516235" cy="368300"/>
-          </a:xfrm>
-          <a:prstGeom prst="rect">
-            <a:avLst/>
-          </a:prstGeom>
-          <a:noFill/>
-        </p:spPr>
-        <p:txBody>
-          <a:bodyPr wrap="square" rtlCol="0" anchor="t">
-            <a:spAutoFit/>
-          </a:bodyPr>
-          <a:lstStyle/>
-          <a:p>
-            <a:r>
-              <a:rPr lang="zh-CN" altLang="en-US" dirty="0">
+              <a:t>演化博弈论证明最后学生们将会抛弃打高分的</a:t>
+            </a:r>
+            <a:r>
+              <a:rPr lang="zh-CN" altLang="en-US" dirty="0" smtClean="0">
                 <a:latin typeface="微软雅黑" panose="020B0503020204020204" pitchFamily="34" charset="-122"/>
                 <a:ea typeface="微软雅黑" panose="020B0503020204020204" pitchFamily="34" charset="-122"/>
                 <a:cs typeface="微软雅黑" panose="020B0503020204020204" pitchFamily="34" charset="-122"/>
               </a:rPr>
-              <a:t>雅可比矩阵——计算稳定的ESS</a:t>
-            </a:r>
+              <a:t>策略。</a:t>
+            </a:r>
+            <a:endParaRPr lang="zh-CN" altLang="en-US" dirty="0">
+              <a:latin typeface="微软雅黑" panose="020B0503020204020204" pitchFamily="34" charset="-122"/>
+              <a:ea typeface="微软雅黑" panose="020B0503020204020204" pitchFamily="34" charset="-122"/>
+            </a:endParaRPr>
           </a:p>
         </p:txBody>
       </p:sp>
     </p:spTree>
+    <p:extLst>
+      <p:ext uri="{BB962C8B-B14F-4D97-AF65-F5344CB8AC3E}">
+        <p14:creationId xmlns:p14="http://schemas.microsoft.com/office/powerpoint/2010/main" val="3396014574"/>
+      </p:ext>
+    </p:extLst>
   </p:cSld>
   <p:clrMapOvr>
     <a:masterClrMapping/>
@@ -8642,1161 +9939,6 @@
 </file>
 
 <file path=ppt/slides/slide21.xml><?xml version="1.0" encoding="utf-8"?>
-<p:sld xmlns:a="http://schemas.openxmlformats.org/drawingml/2006/main" xmlns:r="http://schemas.openxmlformats.org/officeDocument/2006/relationships" xmlns:p="http://schemas.openxmlformats.org/presentationml/2006/main">
-  <p:cSld>
-    <p:spTree>
-      <p:nvGrpSpPr>
-        <p:cNvPr id="1" name=""/>
-        <p:cNvGrpSpPr/>
-        <p:nvPr/>
-      </p:nvGrpSpPr>
-      <p:grpSpPr>
-        <a:xfrm>
-          <a:off x="0" y="0"/>
-          <a:ext cx="0" cy="0"/>
-          <a:chOff x="0" y="0"/>
-          <a:chExt cx="0" cy="0"/>
-        </a:xfrm>
-      </p:grpSpPr>
-      <p:sp>
-        <p:nvSpPr>
-          <p:cNvPr id="2" name="标题 1"/>
-          <p:cNvSpPr>
-            <a:spLocks noGrp="1"/>
-          </p:cNvSpPr>
-          <p:nvPr>
-            <p:ph type="title"/>
-          </p:nvPr>
-        </p:nvSpPr>
-        <p:spPr/>
-        <p:txBody>
-          <a:bodyPr/>
-          <a:lstStyle/>
-          <a:p>
-            <a:r>
-              <a:rPr lang="zh-CN" altLang="en-US">
-                <a:sym typeface="+mn-ea"/>
-              </a:rPr>
-              <a:t>详细调研</a:t>
-            </a:r>
-            <a:endParaRPr lang="en-US" altLang="zh-CN" dirty="0">
-              <a:latin typeface="微软雅黑" panose="020B0503020204020204" pitchFamily="34" charset="-122"/>
-              <a:ea typeface="微软雅黑" panose="020B0503020204020204" pitchFamily="34" charset="-122"/>
-            </a:endParaRPr>
-          </a:p>
-        </p:txBody>
-      </p:sp>
-      <p:sp>
-        <p:nvSpPr>
-          <p:cNvPr id="5" name="文本框 4"/>
-          <p:cNvSpPr txBox="1"/>
-          <p:nvPr/>
-        </p:nvSpPr>
-        <p:spPr>
-          <a:xfrm>
-            <a:off x="837565" y="1869440"/>
-            <a:ext cx="10516235" cy="368300"/>
-          </a:xfrm>
-          <a:prstGeom prst="rect">
-            <a:avLst/>
-          </a:prstGeom>
-          <a:noFill/>
-        </p:spPr>
-        <p:txBody>
-          <a:bodyPr wrap="square" rtlCol="0" anchor="t">
-            <a:spAutoFit/>
-          </a:bodyPr>
-          <a:lstStyle/>
-          <a:p>
-            <a:r>
-              <a:rPr lang="zh-CN" altLang="en-US">
-                <a:latin typeface="微软雅黑" panose="020B0503020204020204" pitchFamily="34" charset="-122"/>
-                <a:ea typeface="微软雅黑" panose="020B0503020204020204" pitchFamily="34" charset="-122"/>
-                <a:cs typeface="微软雅黑" panose="020B0503020204020204" pitchFamily="34" charset="-122"/>
-              </a:rPr>
-              <a:t>复制动态方程——演化的过程</a:t>
-            </a:r>
-          </a:p>
-        </p:txBody>
-      </p:sp>
-      <p:sp>
-        <p:nvSpPr>
-          <p:cNvPr id="4" name="矩形 3"/>
-          <p:cNvSpPr/>
-          <p:nvPr/>
-        </p:nvSpPr>
-        <p:spPr>
-          <a:xfrm>
-            <a:off x="8292465" y="2552700"/>
-            <a:ext cx="1395095" cy="914400"/>
-          </a:xfrm>
-          <a:prstGeom prst="rect">
-            <a:avLst/>
-          </a:prstGeom>
-        </p:spPr>
-        <p:style>
-          <a:lnRef idx="2">
-            <a:schemeClr val="accent6"/>
-          </a:lnRef>
-          <a:fillRef idx="1">
-            <a:schemeClr val="lt1"/>
-          </a:fillRef>
-          <a:effectRef idx="0">
-            <a:schemeClr val="accent6"/>
-          </a:effectRef>
-          <a:fontRef idx="minor">
-            <a:schemeClr val="dk1"/>
-          </a:fontRef>
-        </p:style>
-        <p:txBody>
-          <a:bodyPr rtlCol="0" anchor="ctr"/>
-          <a:lstStyle/>
-          <a:p>
-            <a:pPr algn="ctr"/>
-            <a:r>
-              <a:rPr lang="zh-CN" altLang="en-US"/>
-              <a:t>策略</a:t>
-            </a:r>
-          </a:p>
-        </p:txBody>
-      </p:sp>
-      <p:sp>
-        <p:nvSpPr>
-          <p:cNvPr id="7" name="矩形 6"/>
-          <p:cNvSpPr/>
-          <p:nvPr/>
-        </p:nvSpPr>
-        <p:spPr>
-          <a:xfrm>
-            <a:off x="7029450" y="4712970"/>
-            <a:ext cx="1395095" cy="914400"/>
-          </a:xfrm>
-          <a:prstGeom prst="rect">
-            <a:avLst/>
-          </a:prstGeom>
-        </p:spPr>
-        <p:style>
-          <a:lnRef idx="2">
-            <a:schemeClr val="accent6"/>
-          </a:lnRef>
-          <a:fillRef idx="1">
-            <a:schemeClr val="lt1"/>
-          </a:fillRef>
-          <a:effectRef idx="0">
-            <a:schemeClr val="accent6"/>
-          </a:effectRef>
-          <a:fontRef idx="minor">
-            <a:schemeClr val="dk1"/>
-          </a:fontRef>
-        </p:style>
-        <p:txBody>
-          <a:bodyPr rtlCol="0" anchor="ctr"/>
-          <a:lstStyle/>
-          <a:p>
-            <a:pPr algn="ctr"/>
-            <a:r>
-              <a:rPr lang="zh-CN" altLang="en-US" dirty="0"/>
-              <a:t>上次收益最高的策略</a:t>
-            </a:r>
-          </a:p>
-        </p:txBody>
-      </p:sp>
-      <p:sp>
-        <p:nvSpPr>
-          <p:cNvPr id="8" name="矩形 7"/>
-          <p:cNvSpPr/>
-          <p:nvPr/>
-        </p:nvSpPr>
-        <p:spPr>
-          <a:xfrm>
-            <a:off x="9615170" y="4712970"/>
-            <a:ext cx="1395095" cy="914400"/>
-          </a:xfrm>
-          <a:prstGeom prst="rect">
-            <a:avLst/>
-          </a:prstGeom>
-        </p:spPr>
-        <p:style>
-          <a:lnRef idx="2">
-            <a:schemeClr val="accent6"/>
-          </a:lnRef>
-          <a:fillRef idx="1">
-            <a:schemeClr val="lt1"/>
-          </a:fillRef>
-          <a:effectRef idx="0">
-            <a:schemeClr val="accent6"/>
-          </a:effectRef>
-          <a:fontRef idx="minor">
-            <a:schemeClr val="dk1"/>
-          </a:fontRef>
-        </p:style>
-        <p:txBody>
-          <a:bodyPr rtlCol="0" anchor="ctr"/>
-          <a:lstStyle/>
-          <a:p>
-            <a:pPr algn="ctr"/>
-            <a:r>
-              <a:rPr lang="zh-CN" altLang="en-US" dirty="0"/>
-              <a:t>原策略</a:t>
-            </a:r>
-          </a:p>
-        </p:txBody>
-      </p:sp>
-      <p:cxnSp>
-        <p:nvCxnSpPr>
-          <p:cNvPr id="9" name="直接箭头连接符 8"/>
-          <p:cNvCxnSpPr>
-            <a:stCxn id="4" idx="2"/>
-            <a:endCxn id="7" idx="0"/>
-          </p:cNvCxnSpPr>
-          <p:nvPr/>
-        </p:nvCxnSpPr>
-        <p:spPr>
-          <a:xfrm flipH="1">
-            <a:off x="7727315" y="3467100"/>
-            <a:ext cx="1263015" cy="1245870"/>
-          </a:xfrm>
-          <a:prstGeom prst="straightConnector1">
-            <a:avLst/>
-          </a:prstGeom>
-          <a:ln>
-            <a:tailEnd type="arrow" w="med" len="med"/>
-          </a:ln>
-        </p:spPr>
-        <p:style>
-          <a:lnRef idx="1">
-            <a:schemeClr val="dk1"/>
-          </a:lnRef>
-          <a:fillRef idx="0">
-            <a:schemeClr val="dk1"/>
-          </a:fillRef>
-          <a:effectRef idx="0">
-            <a:schemeClr val="dk1"/>
-          </a:effectRef>
-          <a:fontRef idx="minor">
-            <a:schemeClr val="tx1"/>
-          </a:fontRef>
-        </p:style>
-      </p:cxnSp>
-      <p:cxnSp>
-        <p:nvCxnSpPr>
-          <p:cNvPr id="10" name="直接箭头连接符 9"/>
-          <p:cNvCxnSpPr>
-            <a:stCxn id="4" idx="2"/>
-            <a:endCxn id="8" idx="0"/>
-          </p:cNvCxnSpPr>
-          <p:nvPr/>
-        </p:nvCxnSpPr>
-        <p:spPr>
-          <a:xfrm>
-            <a:off x="8990330" y="3467100"/>
-            <a:ext cx="1322705" cy="1245870"/>
-          </a:xfrm>
-          <a:prstGeom prst="straightConnector1">
-            <a:avLst/>
-          </a:prstGeom>
-          <a:ln>
-            <a:tailEnd type="arrow" w="med" len="med"/>
-          </a:ln>
-        </p:spPr>
-        <p:style>
-          <a:lnRef idx="1">
-            <a:schemeClr val="dk1"/>
-          </a:lnRef>
-          <a:fillRef idx="0">
-            <a:schemeClr val="dk1"/>
-          </a:fillRef>
-          <a:effectRef idx="0">
-            <a:schemeClr val="dk1"/>
-          </a:effectRef>
-          <a:fontRef idx="minor">
-            <a:schemeClr val="tx1"/>
-          </a:fontRef>
-        </p:style>
-      </p:cxnSp>
-      <p:sp>
-        <p:nvSpPr>
-          <p:cNvPr id="11" name="文本框 10"/>
-          <p:cNvSpPr txBox="1"/>
-          <p:nvPr/>
-        </p:nvSpPr>
-        <p:spPr>
-          <a:xfrm>
-            <a:off x="8484235" y="3905885"/>
-            <a:ext cx="1130935" cy="368300"/>
-          </a:xfrm>
-          <a:prstGeom prst="rect">
-            <a:avLst/>
-          </a:prstGeom>
-          <a:noFill/>
-        </p:spPr>
-        <p:txBody>
-          <a:bodyPr wrap="square" rtlCol="0">
-            <a:spAutoFit/>
-          </a:bodyPr>
-          <a:lstStyle/>
-          <a:p>
-            <a:r>
-              <a:rPr lang="zh-CN" altLang="en-US" dirty="0"/>
-              <a:t>下次策略</a:t>
-            </a:r>
-          </a:p>
-        </p:txBody>
-      </p:sp>
-    </p:spTree>
-  </p:cSld>
-  <p:clrMapOvr>
-    <a:masterClrMapping/>
-  </p:clrMapOvr>
-</p:sld>
-</file>
-
-<file path=ppt/slides/slide22.xml><?xml version="1.0" encoding="utf-8"?>
-<p:sld xmlns:a="http://schemas.openxmlformats.org/drawingml/2006/main" xmlns:r="http://schemas.openxmlformats.org/officeDocument/2006/relationships" xmlns:p="http://schemas.openxmlformats.org/presentationml/2006/main">
-  <p:cSld>
-    <p:spTree>
-      <p:nvGrpSpPr>
-        <p:cNvPr id="1" name=""/>
-        <p:cNvGrpSpPr/>
-        <p:nvPr/>
-      </p:nvGrpSpPr>
-      <p:grpSpPr>
-        <a:xfrm>
-          <a:off x="0" y="0"/>
-          <a:ext cx="0" cy="0"/>
-          <a:chOff x="0" y="0"/>
-          <a:chExt cx="0" cy="0"/>
-        </a:xfrm>
-      </p:grpSpPr>
-      <p:sp>
-        <p:nvSpPr>
-          <p:cNvPr id="2" name="标题 1"/>
-          <p:cNvSpPr>
-            <a:spLocks noGrp="1"/>
-          </p:cNvSpPr>
-          <p:nvPr>
-            <p:ph type="title"/>
-          </p:nvPr>
-        </p:nvSpPr>
-        <p:spPr/>
-        <p:txBody>
-          <a:bodyPr/>
-          <a:lstStyle/>
-          <a:p>
-            <a:r>
-              <a:rPr lang="zh-CN" altLang="en-US">
-                <a:sym typeface="+mn-ea"/>
-              </a:rPr>
-              <a:t>详细调研</a:t>
-            </a:r>
-            <a:endParaRPr lang="en-US" altLang="zh-CN" dirty="0">
-              <a:latin typeface="微软雅黑" panose="020B0503020204020204" pitchFamily="34" charset="-122"/>
-              <a:ea typeface="微软雅黑" panose="020B0503020204020204" pitchFamily="34" charset="-122"/>
-            </a:endParaRPr>
-          </a:p>
-        </p:txBody>
-      </p:sp>
-      <p:sp>
-        <p:nvSpPr>
-          <p:cNvPr id="6" name="文本框 5"/>
-          <p:cNvSpPr txBox="1"/>
-          <p:nvPr/>
-        </p:nvSpPr>
-        <p:spPr>
-          <a:xfrm>
-            <a:off x="837565" y="1790700"/>
-            <a:ext cx="10516235" cy="368300"/>
-          </a:xfrm>
-          <a:prstGeom prst="rect">
-            <a:avLst/>
-          </a:prstGeom>
-          <a:noFill/>
-        </p:spPr>
-        <p:txBody>
-          <a:bodyPr wrap="square" rtlCol="0" anchor="t">
-            <a:spAutoFit/>
-          </a:bodyPr>
-          <a:lstStyle/>
-          <a:p>
-            <a:r>
-              <a:rPr lang="zh-CN" altLang="en-US">
-                <a:latin typeface="微软雅黑" panose="020B0503020204020204" pitchFamily="34" charset="-122"/>
-                <a:ea typeface="微软雅黑" panose="020B0503020204020204" pitchFamily="34" charset="-122"/>
-                <a:cs typeface="微软雅黑" panose="020B0503020204020204" pitchFamily="34" charset="-122"/>
-              </a:rPr>
-              <a:t>雅可比矩阵——计算稳定的ESS</a:t>
-            </a:r>
-          </a:p>
-        </p:txBody>
-      </p:sp>
-    </p:spTree>
-  </p:cSld>
-  <p:clrMapOvr>
-    <a:masterClrMapping/>
-  </p:clrMapOvr>
-</p:sld>
-</file>
-
-<file path=ppt/slides/slide23.xml><?xml version="1.0" encoding="utf-8"?>
-<p:sld xmlns:a="http://schemas.openxmlformats.org/drawingml/2006/main" xmlns:r="http://schemas.openxmlformats.org/officeDocument/2006/relationships" xmlns:p="http://schemas.openxmlformats.org/presentationml/2006/main">
-  <p:cSld>
-    <p:spTree>
-      <p:nvGrpSpPr>
-        <p:cNvPr id="1" name=""/>
-        <p:cNvGrpSpPr/>
-        <p:nvPr/>
-      </p:nvGrpSpPr>
-      <p:grpSpPr>
-        <a:xfrm>
-          <a:off x="0" y="0"/>
-          <a:ext cx="0" cy="0"/>
-          <a:chOff x="0" y="0"/>
-          <a:chExt cx="0" cy="0"/>
-        </a:xfrm>
-      </p:grpSpPr>
-      <p:sp>
-        <p:nvSpPr>
-          <p:cNvPr id="2" name="标题 1"/>
-          <p:cNvSpPr>
-            <a:spLocks noGrp="1"/>
-          </p:cNvSpPr>
-          <p:nvPr>
-            <p:ph type="title"/>
-          </p:nvPr>
-        </p:nvSpPr>
-        <p:spPr/>
-        <p:txBody>
-          <a:bodyPr/>
-          <a:lstStyle/>
-          <a:p>
-            <a:r>
-              <a:rPr lang="zh-CN" altLang="en-US">
-                <a:sym typeface="+mn-ea"/>
-              </a:rPr>
-              <a:t>详细调研</a:t>
-            </a:r>
-            <a:endParaRPr lang="en-US" altLang="zh-CN" dirty="0">
-              <a:latin typeface="微软雅黑" panose="020B0503020204020204" pitchFamily="34" charset="-122"/>
-              <a:ea typeface="微软雅黑" panose="020B0503020204020204" pitchFamily="34" charset="-122"/>
-            </a:endParaRPr>
-          </a:p>
-        </p:txBody>
-      </p:sp>
-      <p:sp>
-        <p:nvSpPr>
-          <p:cNvPr id="3" name="文本框 2"/>
-          <p:cNvSpPr txBox="1"/>
-          <p:nvPr/>
-        </p:nvSpPr>
-        <p:spPr>
-          <a:xfrm>
-            <a:off x="838200" y="1787525"/>
-            <a:ext cx="10596245" cy="1568450"/>
-          </a:xfrm>
-          <a:prstGeom prst="rect">
-            <a:avLst/>
-          </a:prstGeom>
-          <a:noFill/>
-        </p:spPr>
-        <p:txBody>
-          <a:bodyPr wrap="square" rtlCol="0">
-            <a:spAutoFit/>
-          </a:bodyPr>
-          <a:lstStyle/>
-          <a:p>
-            <a:r>
-              <a:rPr lang="zh-CN" altLang="en-US" sz="2400">
-                <a:latin typeface="微软雅黑" panose="020B0503020204020204" pitchFamily="34" charset="-122"/>
-                <a:ea typeface="微软雅黑" panose="020B0503020204020204" pitchFamily="34" charset="-122"/>
-                <a:cs typeface="微软雅黑" panose="020B0503020204020204" pitchFamily="34" charset="-122"/>
-              </a:rPr>
-              <a:t>演化博弈论 (Evolutionary Game Theory)</a:t>
-            </a:r>
-          </a:p>
-          <a:p>
-            <a:endParaRPr lang="zh-CN" altLang="en-US"/>
-          </a:p>
-          <a:p>
-            <a:r>
-              <a:rPr lang="zh-CN" altLang="en-US">
-                <a:latin typeface="微软雅黑" panose="020B0503020204020204" pitchFamily="34" charset="-122"/>
-                <a:ea typeface="微软雅黑" panose="020B0503020204020204" pitchFamily="34" charset="-122"/>
-              </a:rPr>
-              <a:t>不再将人模型化为超级理性的博弈方，而是认为人类通常是通过试错的方法达到博弈均衡的，与生物进化原理具有共性，所选择的均衡是达到均衡的均衡过程的函数，因而历史、制度因素以及均衡过程的某些细节均会对博弈的多重均衡的选择产生影响。</a:t>
-            </a:r>
-          </a:p>
-        </p:txBody>
-      </p:sp>
-      <p:sp>
-        <p:nvSpPr>
-          <p:cNvPr id="6" name="文本框 5"/>
-          <p:cNvSpPr txBox="1"/>
-          <p:nvPr/>
-        </p:nvSpPr>
-        <p:spPr>
-          <a:xfrm>
-            <a:off x="838200" y="3978275"/>
-            <a:ext cx="10389870" cy="1198880"/>
-          </a:xfrm>
-          <a:prstGeom prst="rect">
-            <a:avLst/>
-          </a:prstGeom>
-          <a:noFill/>
-        </p:spPr>
-        <p:txBody>
-          <a:bodyPr wrap="square" rtlCol="0">
-            <a:spAutoFit/>
-          </a:bodyPr>
-          <a:lstStyle/>
-          <a:p>
-            <a:r>
-              <a:rPr lang="en-US" altLang="zh-CN">
-                <a:latin typeface="Times New Roman" panose="02020603050405020304" pitchFamily="18" charset="0"/>
-                <a:cs typeface="Times New Roman" panose="02020603050405020304" pitchFamily="18" charset="0"/>
-              </a:rPr>
-              <a:t>1. </a:t>
-            </a:r>
-            <a:r>
-              <a:rPr lang="zh-CN" altLang="en-US">
-                <a:latin typeface="Times New Roman" panose="02020603050405020304" pitchFamily="18" charset="0"/>
-                <a:cs typeface="Times New Roman" panose="02020603050405020304" pitchFamily="18" charset="0"/>
-              </a:rPr>
-              <a:t>International Conference on Wireless Communications</a:t>
-            </a:r>
-            <a:r>
-              <a:rPr lang="en-US" altLang="zh-CN">
-                <a:latin typeface="Times New Roman" panose="02020603050405020304" pitchFamily="18" charset="0"/>
-                <a:cs typeface="Times New Roman" panose="02020603050405020304" pitchFamily="18" charset="0"/>
-              </a:rPr>
-              <a:t>-2008-P2P Incentive Model On Evolutionary Game Theory</a:t>
-            </a:r>
-          </a:p>
-          <a:p>
-            <a:r>
-              <a:rPr lang="en-US" altLang="zh-CN">
-                <a:latin typeface="Times New Roman" panose="02020603050405020304" pitchFamily="18" charset="0"/>
-                <a:cs typeface="Times New Roman" panose="02020603050405020304" pitchFamily="18" charset="0"/>
-              </a:rPr>
-              <a:t>2. Journal of Network and Computer Applications-2014-Incentive mechanism for P2P file sharing based on social network and game theory</a:t>
-            </a:r>
-          </a:p>
-        </p:txBody>
-      </p:sp>
-      <p:sp>
-        <p:nvSpPr>
-          <p:cNvPr id="4" name="文本框 3"/>
-          <p:cNvSpPr txBox="1"/>
-          <p:nvPr/>
-        </p:nvSpPr>
-        <p:spPr>
-          <a:xfrm>
-            <a:off x="838200" y="3482975"/>
-            <a:ext cx="2540000" cy="368300"/>
-          </a:xfrm>
-          <a:prstGeom prst="rect">
-            <a:avLst/>
-          </a:prstGeom>
-          <a:noFill/>
-        </p:spPr>
-        <p:txBody>
-          <a:bodyPr wrap="square" rtlCol="0" anchor="t">
-            <a:spAutoFit/>
-          </a:bodyPr>
-          <a:lstStyle/>
-          <a:p>
-            <a:r>
-              <a:rPr lang="zh-CN" altLang="en-US">
-                <a:latin typeface="Times New Roman" panose="02020603050405020304" pitchFamily="18" charset="0"/>
-                <a:ea typeface="微软雅黑" panose="020B0503020204020204" pitchFamily="34" charset="-122"/>
-                <a:cs typeface="Times New Roman" panose="02020603050405020304" pitchFamily="18" charset="0"/>
-              </a:rPr>
-              <a:t>p2p</a:t>
-            </a:r>
-            <a:r>
-              <a:rPr lang="zh-CN" altLang="en-US">
-                <a:latin typeface="微软雅黑" panose="020B0503020204020204" pitchFamily="34" charset="-122"/>
-                <a:ea typeface="微软雅黑" panose="020B0503020204020204" pitchFamily="34" charset="-122"/>
-                <a:cs typeface="微软雅黑" panose="020B0503020204020204" pitchFamily="34" charset="-122"/>
-              </a:rPr>
-              <a:t>之间的进化博弈论</a:t>
-            </a:r>
-          </a:p>
-        </p:txBody>
-      </p:sp>
-    </p:spTree>
-  </p:cSld>
-  <p:clrMapOvr>
-    <a:masterClrMapping/>
-  </p:clrMapOvr>
-</p:sld>
-</file>
-
-<file path=ppt/slides/slide24.xml><?xml version="1.0" encoding="utf-8"?>
-<p:sld xmlns:a="http://schemas.openxmlformats.org/drawingml/2006/main" xmlns:r="http://schemas.openxmlformats.org/officeDocument/2006/relationships" xmlns:p="http://schemas.openxmlformats.org/presentationml/2006/main">
-  <p:cSld>
-    <p:spTree>
-      <p:nvGrpSpPr>
-        <p:cNvPr id="1" name=""/>
-        <p:cNvGrpSpPr/>
-        <p:nvPr/>
-      </p:nvGrpSpPr>
-      <p:grpSpPr>
-        <a:xfrm>
-          <a:off x="0" y="0"/>
-          <a:ext cx="0" cy="0"/>
-          <a:chOff x="0" y="0"/>
-          <a:chExt cx="0" cy="0"/>
-        </a:xfrm>
-      </p:grpSpPr>
-      <p:sp>
-        <p:nvSpPr>
-          <p:cNvPr id="2" name="标题 1"/>
-          <p:cNvSpPr>
-            <a:spLocks noGrp="1"/>
-          </p:cNvSpPr>
-          <p:nvPr>
-            <p:ph type="title"/>
-          </p:nvPr>
-        </p:nvSpPr>
-        <p:spPr/>
-        <p:txBody>
-          <a:bodyPr/>
-          <a:lstStyle/>
-          <a:p>
-            <a:r>
-              <a:rPr lang="zh-CN" altLang="en-US">
-                <a:sym typeface="+mn-ea"/>
-              </a:rPr>
-              <a:t>详细调研</a:t>
-            </a:r>
-            <a:endParaRPr lang="en-US" altLang="zh-CN" dirty="0">
-              <a:latin typeface="微软雅黑" panose="020B0503020204020204" pitchFamily="34" charset="-122"/>
-              <a:ea typeface="微软雅黑" panose="020B0503020204020204" pitchFamily="34" charset="-122"/>
-            </a:endParaRPr>
-          </a:p>
-        </p:txBody>
-      </p:sp>
-      <p:sp>
-        <p:nvSpPr>
-          <p:cNvPr id="3" name="文本框 2"/>
-          <p:cNvSpPr txBox="1"/>
-          <p:nvPr/>
-        </p:nvSpPr>
-        <p:spPr>
-          <a:xfrm>
-            <a:off x="838200" y="1787525"/>
-            <a:ext cx="10596245" cy="2399665"/>
-          </a:xfrm>
-          <a:prstGeom prst="rect">
-            <a:avLst/>
-          </a:prstGeom>
-          <a:noFill/>
-        </p:spPr>
-        <p:txBody>
-          <a:bodyPr wrap="square" rtlCol="0">
-            <a:spAutoFit/>
-          </a:bodyPr>
-          <a:lstStyle/>
-          <a:p>
-            <a:r>
-              <a:rPr lang="zh-CN" altLang="en-US" sz="2400">
-                <a:latin typeface="微软雅黑" panose="020B0503020204020204" pitchFamily="34" charset="-122"/>
-                <a:ea typeface="微软雅黑" panose="020B0503020204020204" pitchFamily="34" charset="-122"/>
-                <a:cs typeface="微软雅黑" panose="020B0503020204020204" pitchFamily="34" charset="-122"/>
-              </a:rPr>
-              <a:t>酒吧博弈（少数者博弈）</a:t>
-            </a:r>
-          </a:p>
-          <a:p>
-            <a:endParaRPr lang="zh-CN" altLang="en-US">
-              <a:latin typeface="微软雅黑" panose="020B0503020204020204" pitchFamily="34" charset="-122"/>
-              <a:ea typeface="微软雅黑" panose="020B0503020204020204" pitchFamily="34" charset="-122"/>
-              <a:cs typeface="微软雅黑" panose="020B0503020204020204" pitchFamily="34" charset="-122"/>
-            </a:endParaRPr>
-          </a:p>
-          <a:p>
-            <a:r>
-              <a:rPr lang="zh-CN" altLang="en-US">
-                <a:latin typeface="微软雅黑" panose="020B0503020204020204" pitchFamily="34" charset="-122"/>
-                <a:ea typeface="微软雅黑" panose="020B0503020204020204" pitchFamily="34" charset="-122"/>
-                <a:cs typeface="微软雅黑" panose="020B0503020204020204" pitchFamily="34" charset="-122"/>
-              </a:rPr>
-              <a:t>模型认同选择行为中的利己主义，但抛弃了原有的完全理性和演绎推理的框架，可以讨论更多的复杂行为。</a:t>
-            </a:r>
-          </a:p>
-          <a:p>
-            <a:endParaRPr lang="zh-CN" altLang="en-US">
-              <a:latin typeface="微软雅黑" panose="020B0503020204020204" pitchFamily="34" charset="-122"/>
-              <a:ea typeface="微软雅黑" panose="020B0503020204020204" pitchFamily="34" charset="-122"/>
-              <a:cs typeface="微软雅黑" panose="020B0503020204020204" pitchFamily="34" charset="-122"/>
-            </a:endParaRPr>
-          </a:p>
-          <a:p>
-            <a:r>
-              <a:rPr lang="zh-CN" altLang="en-US">
-                <a:latin typeface="微软雅黑" panose="020B0503020204020204" pitchFamily="34" charset="-122"/>
-                <a:ea typeface="微软雅黑" panose="020B0503020204020204" pitchFamily="34" charset="-122"/>
-                <a:cs typeface="微软雅黑" panose="020B0503020204020204" pitchFamily="34" charset="-122"/>
-              </a:rPr>
-              <a:t>酒吧博弈的关键在于，如果我们在博弈中能够知道他人的选择，那么只要做出和大多数人相反的选择就能胜出，但这是不可能的，所以这是一个混沌系统。唯一可能的就是尽可能多的知道去酒吧的人数信息，最终最可能出现的结果就是去酒吧的人数在一定幅度内像正弦曲线一样来回波动。</a:t>
-            </a:r>
-          </a:p>
-        </p:txBody>
-      </p:sp>
-    </p:spTree>
-  </p:cSld>
-  <p:clrMapOvr>
-    <a:masterClrMapping/>
-  </p:clrMapOvr>
-</p:sld>
-</file>
-
-<file path=ppt/slides/slide25.xml><?xml version="1.0" encoding="utf-8"?>
-<p:sld xmlns:a="http://schemas.openxmlformats.org/drawingml/2006/main" xmlns:r="http://schemas.openxmlformats.org/officeDocument/2006/relationships" xmlns:p="http://schemas.openxmlformats.org/presentationml/2006/main">
-  <p:cSld>
-    <p:spTree>
-      <p:nvGrpSpPr>
-        <p:cNvPr id="1" name=""/>
-        <p:cNvGrpSpPr/>
-        <p:nvPr/>
-      </p:nvGrpSpPr>
-      <p:grpSpPr>
-        <a:xfrm>
-          <a:off x="0" y="0"/>
-          <a:ext cx="0" cy="0"/>
-          <a:chOff x="0" y="0"/>
-          <a:chExt cx="0" cy="0"/>
-        </a:xfrm>
-      </p:grpSpPr>
-      <p:sp>
-        <p:nvSpPr>
-          <p:cNvPr id="3" name="文本框 2"/>
-          <p:cNvSpPr txBox="1"/>
-          <p:nvPr/>
-        </p:nvSpPr>
-        <p:spPr>
-          <a:xfrm>
-            <a:off x="630571" y="218114"/>
-            <a:ext cx="10242958" cy="2585323"/>
-          </a:xfrm>
-          <a:prstGeom prst="rect">
-            <a:avLst/>
-          </a:prstGeom>
-          <a:noFill/>
-        </p:spPr>
-        <p:txBody>
-          <a:bodyPr wrap="square" rtlCol="0">
-            <a:spAutoFit/>
-          </a:bodyPr>
-          <a:lstStyle/>
-          <a:p>
-            <a:r>
-              <a:rPr lang="zh-CN" altLang="en-US" dirty="0"/>
-              <a:t>新的评分模型中，我们将三个同学分为一组，然后让每个组重复上述的评分过程。其中，每个组员都将评价两份作业，这两份作业都来自于本组的其他成员。规则与之前的实验类似，在这个模型中，每个同学的作业都会被两个同学评价，如果这两位同学的评分之差的绝对值在一定范围之内，那么他们都会获得收益，如果这两位同学的评分绝对差在范围之外，打高分者将会受到一定惩罚。在评分结束后，如果被评者对自己的分数存在异议，可以反馈给教师，教师会重新对作业进行打分，如果发现评分者出现打低分的情况，可以对评分者实行严厉的惩罚。</a:t>
-            </a:r>
-            <a:endParaRPr lang="en-US" altLang="zh-CN" dirty="0"/>
-          </a:p>
-          <a:p>
-            <a:r>
-              <a:rPr lang="zh-CN" altLang="en-US" dirty="0"/>
-              <a:t>下面可以通过博弈矩阵来对双方的收益进行打分，对于被评者</a:t>
-            </a:r>
-            <a:r>
-              <a:rPr lang="en-US" altLang="zh-CN" dirty="0"/>
-              <a:t>u</a:t>
-            </a:r>
-            <a:r>
-              <a:rPr lang="zh-CN" altLang="en-US" dirty="0"/>
-              <a:t>来说，两个评分者的收益如下：</a:t>
-            </a:r>
-            <a:endParaRPr lang="en-US" altLang="zh-CN" dirty="0"/>
-          </a:p>
-          <a:p>
-            <a:r>
-              <a:rPr lang="zh-CN" altLang="en-US" dirty="0"/>
-              <a:t>评分相近，两者获得奖励</a:t>
-            </a:r>
-            <a:r>
-              <a:rPr lang="en-US" altLang="zh-CN" dirty="0"/>
-              <a:t>R</a:t>
-            </a:r>
-            <a:r>
-              <a:rPr lang="zh-CN" altLang="en-US" dirty="0"/>
-              <a:t>；差异较大，打分较高者获得惩罚</a:t>
-            </a:r>
-            <a:r>
-              <a:rPr lang="en-US" altLang="zh-CN" dirty="0"/>
-              <a:t>P</a:t>
-            </a:r>
-            <a:r>
-              <a:rPr lang="zh-CN" altLang="en-US" dirty="0"/>
-              <a:t>，教师对评分者施加的惩罚为</a:t>
-            </a:r>
-            <a:r>
-              <a:rPr lang="en-US" altLang="zh-CN" dirty="0"/>
-              <a:t>O</a:t>
-            </a:r>
-            <a:r>
-              <a:rPr lang="zh-CN" altLang="en-US" dirty="0"/>
-              <a:t>，</a:t>
-            </a:r>
-            <a:endParaRPr lang="en-US" altLang="zh-CN" dirty="0"/>
-          </a:p>
-          <a:p>
-            <a:r>
-              <a:rPr lang="zh-CN" altLang="en-US" dirty="0"/>
-              <a:t>设</a:t>
-            </a:r>
-            <a:r>
-              <a:rPr lang="en-US" altLang="zh-CN" dirty="0"/>
-              <a:t>O&gt;P&gt;R.</a:t>
-            </a:r>
-          </a:p>
-        </p:txBody>
-      </p:sp>
-      <p:graphicFrame>
-        <p:nvGraphicFramePr>
-          <p:cNvPr id="5" name="表格 5"/>
-          <p:cNvGraphicFramePr>
-            <a:graphicFrameLocks noGrp="1"/>
-          </p:cNvGraphicFramePr>
-          <p:nvPr/>
-        </p:nvGraphicFramePr>
-        <p:xfrm>
-          <a:off x="1688050" y="3312884"/>
-          <a:ext cx="8128000" cy="1483360"/>
-        </p:xfrm>
-        <a:graphic>
-          <a:graphicData uri="http://schemas.openxmlformats.org/drawingml/2006/table">
-            <a:tbl>
-              <a:tblPr firstRow="1" bandRow="1">
-                <a:tableStyleId>{5C22544A-7EE6-4342-B048-85BDC9FD1C3A}</a:tableStyleId>
-              </a:tblPr>
-              <a:tblGrid>
-                <a:gridCol w="2032000">
-                  <a:extLst>
-                    <a:ext uri="{9D8B030D-6E8A-4147-A177-3AD203B41FA5}">
-                      <a16:colId xmlns:a16="http://schemas.microsoft.com/office/drawing/2014/main" val="20000"/>
-                    </a:ext>
-                  </a:extLst>
-                </a:gridCol>
-                <a:gridCol w="2032000">
-                  <a:extLst>
-                    <a:ext uri="{9D8B030D-6E8A-4147-A177-3AD203B41FA5}">
-                      <a16:colId xmlns:a16="http://schemas.microsoft.com/office/drawing/2014/main" val="20001"/>
-                    </a:ext>
-                  </a:extLst>
-                </a:gridCol>
-                <a:gridCol w="2032000">
-                  <a:extLst>
-                    <a:ext uri="{9D8B030D-6E8A-4147-A177-3AD203B41FA5}">
-                      <a16:colId xmlns:a16="http://schemas.microsoft.com/office/drawing/2014/main" val="20002"/>
-                    </a:ext>
-                  </a:extLst>
-                </a:gridCol>
-                <a:gridCol w="2032000">
-                  <a:extLst>
-                    <a:ext uri="{9D8B030D-6E8A-4147-A177-3AD203B41FA5}">
-                      <a16:colId xmlns:a16="http://schemas.microsoft.com/office/drawing/2014/main" val="20003"/>
-                    </a:ext>
-                  </a:extLst>
-                </a:gridCol>
-              </a:tblGrid>
-              <a:tr h="370840">
-                <a:tc>
-                  <a:txBody>
-                    <a:bodyPr/>
-                    <a:lstStyle/>
-                    <a:p>
-                      <a:pPr algn="ctr"/>
-                      <a:endParaRPr lang="zh-CN" altLang="en-US" dirty="0"/>
-                    </a:p>
-                  </a:txBody>
-                  <a:tcPr/>
-                </a:tc>
-                <a:tc>
-                  <a:txBody>
-                    <a:bodyPr/>
-                    <a:lstStyle/>
-                    <a:p>
-                      <a:pPr algn="ctr"/>
-                      <a:r>
-                        <a:rPr lang="zh-CN" altLang="en-US" dirty="0"/>
-                        <a:t>低</a:t>
-                      </a:r>
-                    </a:p>
-                  </a:txBody>
-                  <a:tcPr/>
-                </a:tc>
-                <a:tc>
-                  <a:txBody>
-                    <a:bodyPr/>
-                    <a:lstStyle/>
-                    <a:p>
-                      <a:pPr algn="ctr"/>
-                      <a:r>
-                        <a:rPr lang="zh-CN" altLang="en-US" dirty="0"/>
-                        <a:t>真</a:t>
-                      </a:r>
-                    </a:p>
-                  </a:txBody>
-                  <a:tcPr/>
-                </a:tc>
-                <a:tc>
-                  <a:txBody>
-                    <a:bodyPr/>
-                    <a:lstStyle/>
-                    <a:p>
-                      <a:pPr algn="ctr"/>
-                      <a:r>
-                        <a:rPr lang="zh-CN" altLang="en-US" dirty="0"/>
-                        <a:t>高</a:t>
-                      </a:r>
-                    </a:p>
-                  </a:txBody>
-                  <a:tcPr/>
-                </a:tc>
-                <a:extLst>
-                  <a:ext uri="{0D108BD9-81ED-4DB2-BD59-A6C34878D82A}">
-                    <a16:rowId xmlns:a16="http://schemas.microsoft.com/office/drawing/2014/main" val="10000"/>
-                  </a:ext>
-                </a:extLst>
-              </a:tr>
-              <a:tr h="370840">
-                <a:tc>
-                  <a:txBody>
-                    <a:bodyPr/>
-                    <a:lstStyle/>
-                    <a:p>
-                      <a:pPr algn="ctr"/>
-                      <a:r>
-                        <a:rPr lang="zh-CN" altLang="en-US" dirty="0"/>
-                        <a:t>低</a:t>
-                      </a:r>
-                    </a:p>
-                  </a:txBody>
-                  <a:tcPr/>
-                </a:tc>
-                <a:tc>
-                  <a:txBody>
-                    <a:bodyPr/>
-                    <a:lstStyle/>
-                    <a:p>
-                      <a:pPr algn="ctr"/>
-                      <a:r>
-                        <a:rPr lang="en-US" altLang="zh-CN" dirty="0"/>
-                        <a:t>R-O, R-O</a:t>
-                      </a:r>
-                      <a:endParaRPr lang="zh-CN" altLang="en-US" dirty="0"/>
-                    </a:p>
-                  </a:txBody>
-                  <a:tcPr/>
-                </a:tc>
-                <a:tc>
-                  <a:txBody>
-                    <a:bodyPr/>
-                    <a:lstStyle/>
-                    <a:p>
-                      <a:pPr algn="ctr"/>
-                      <a:r>
-                        <a:rPr lang="en-US" altLang="zh-CN" dirty="0"/>
-                        <a:t>-O, </a:t>
-                      </a:r>
-                      <a:r>
-                        <a:rPr lang="en-US" altLang="zh-CN" b="1" dirty="0"/>
-                        <a:t>0</a:t>
-                      </a:r>
-                      <a:endParaRPr lang="zh-CN" altLang="en-US" b="1" dirty="0"/>
-                    </a:p>
-                  </a:txBody>
-                  <a:tcPr/>
-                </a:tc>
-                <a:tc>
-                  <a:txBody>
-                    <a:bodyPr/>
-                    <a:lstStyle/>
-                    <a:p>
-                      <a:pPr algn="ctr"/>
-                      <a:r>
-                        <a:rPr lang="en-US" altLang="zh-CN" dirty="0"/>
-                        <a:t>0, -P</a:t>
-                      </a:r>
-                      <a:endParaRPr lang="zh-CN" altLang="en-US" dirty="0"/>
-                    </a:p>
-                  </a:txBody>
-                  <a:tcPr/>
-                </a:tc>
-                <a:extLst>
-                  <a:ext uri="{0D108BD9-81ED-4DB2-BD59-A6C34878D82A}">
-                    <a16:rowId xmlns:a16="http://schemas.microsoft.com/office/drawing/2014/main" val="10001"/>
-                  </a:ext>
-                </a:extLst>
-              </a:tr>
-              <a:tr h="370840">
-                <a:tc>
-                  <a:txBody>
-                    <a:bodyPr/>
-                    <a:lstStyle/>
-                    <a:p>
-                      <a:pPr algn="ctr"/>
-                      <a:r>
-                        <a:rPr lang="zh-CN" altLang="en-US" dirty="0"/>
-                        <a:t>真</a:t>
-                      </a:r>
-                    </a:p>
-                  </a:txBody>
-                  <a:tcPr/>
-                </a:tc>
-                <a:tc>
-                  <a:txBody>
-                    <a:bodyPr/>
-                    <a:lstStyle/>
-                    <a:p>
-                      <a:pPr algn="ctr"/>
-                      <a:r>
-                        <a:rPr lang="en-US" altLang="zh-CN" b="1" dirty="0"/>
-                        <a:t>0</a:t>
-                      </a:r>
-                      <a:r>
-                        <a:rPr lang="en-US" altLang="zh-CN" dirty="0"/>
-                        <a:t>, -O</a:t>
-                      </a:r>
-                      <a:endParaRPr lang="zh-CN" altLang="en-US" dirty="0"/>
-                    </a:p>
-                  </a:txBody>
-                  <a:tcPr/>
-                </a:tc>
-                <a:tc>
-                  <a:txBody>
-                    <a:bodyPr/>
-                    <a:lstStyle/>
-                    <a:p>
-                      <a:pPr algn="ctr"/>
-                      <a:r>
-                        <a:rPr lang="en-US" altLang="zh-CN" b="1" dirty="0"/>
-                        <a:t>R</a:t>
-                      </a:r>
-                      <a:r>
-                        <a:rPr lang="en-US" altLang="zh-CN" dirty="0"/>
-                        <a:t>, </a:t>
-                      </a:r>
-                      <a:r>
-                        <a:rPr lang="en-US" altLang="zh-CN" b="1" dirty="0"/>
-                        <a:t>R</a:t>
-                      </a:r>
-                      <a:endParaRPr lang="zh-CN" altLang="en-US" b="1" dirty="0"/>
-                    </a:p>
-                  </a:txBody>
-                  <a:tcPr/>
-                </a:tc>
-                <a:tc>
-                  <a:txBody>
-                    <a:bodyPr/>
-                    <a:lstStyle/>
-                    <a:p>
-                      <a:pPr algn="ctr"/>
-                      <a:r>
-                        <a:rPr lang="en-US" altLang="zh-CN" dirty="0"/>
-                        <a:t>0, -P</a:t>
-                      </a:r>
-                      <a:endParaRPr lang="zh-CN" altLang="en-US" dirty="0"/>
-                    </a:p>
-                  </a:txBody>
-                  <a:tcPr/>
-                </a:tc>
-                <a:extLst>
-                  <a:ext uri="{0D108BD9-81ED-4DB2-BD59-A6C34878D82A}">
-                    <a16:rowId xmlns:a16="http://schemas.microsoft.com/office/drawing/2014/main" val="10002"/>
-                  </a:ext>
-                </a:extLst>
-              </a:tr>
-              <a:tr h="370840">
-                <a:tc>
-                  <a:txBody>
-                    <a:bodyPr/>
-                    <a:lstStyle/>
-                    <a:p>
-                      <a:pPr algn="ctr"/>
-                      <a:r>
-                        <a:rPr lang="zh-CN" altLang="en-US" dirty="0"/>
-                        <a:t>高</a:t>
-                      </a:r>
-                    </a:p>
-                  </a:txBody>
-                  <a:tcPr/>
-                </a:tc>
-                <a:tc>
-                  <a:txBody>
-                    <a:bodyPr/>
-                    <a:lstStyle/>
-                    <a:p>
-                      <a:pPr algn="ctr"/>
-                      <a:r>
-                        <a:rPr lang="en-US" altLang="zh-CN" dirty="0"/>
-                        <a:t>-P, 0</a:t>
-                      </a:r>
-                      <a:endParaRPr lang="zh-CN" altLang="en-US" dirty="0"/>
-                    </a:p>
-                  </a:txBody>
-                  <a:tcPr/>
-                </a:tc>
-                <a:tc>
-                  <a:txBody>
-                    <a:bodyPr/>
-                    <a:lstStyle/>
-                    <a:p>
-                      <a:pPr algn="ctr"/>
-                      <a:r>
-                        <a:rPr lang="en-US" altLang="zh-CN" dirty="0"/>
-                        <a:t>-P, 0</a:t>
-                      </a:r>
-                      <a:endParaRPr lang="zh-CN" altLang="en-US" dirty="0"/>
-                    </a:p>
-                  </a:txBody>
-                  <a:tcPr/>
-                </a:tc>
-                <a:tc>
-                  <a:txBody>
-                    <a:bodyPr/>
-                    <a:lstStyle/>
-                    <a:p>
-                      <a:pPr algn="ctr"/>
-                      <a:r>
-                        <a:rPr lang="en-US" altLang="zh-CN" b="1" dirty="0"/>
-                        <a:t>R</a:t>
-                      </a:r>
-                      <a:r>
-                        <a:rPr lang="en-US" altLang="zh-CN" dirty="0"/>
-                        <a:t>, </a:t>
-                      </a:r>
-                      <a:r>
-                        <a:rPr lang="en-US" altLang="zh-CN" b="1" dirty="0"/>
-                        <a:t>R</a:t>
-                      </a:r>
-                      <a:endParaRPr lang="zh-CN" altLang="en-US" b="1" dirty="0"/>
-                    </a:p>
-                  </a:txBody>
-                  <a:tcPr/>
-                </a:tc>
-                <a:extLst>
-                  <a:ext uri="{0D108BD9-81ED-4DB2-BD59-A6C34878D82A}">
-                    <a16:rowId xmlns:a16="http://schemas.microsoft.com/office/drawing/2014/main" val="10003"/>
-                  </a:ext>
-                </a:extLst>
-              </a:tr>
-            </a:tbl>
-          </a:graphicData>
-        </a:graphic>
-      </p:graphicFrame>
-    </p:spTree>
-  </p:cSld>
-  <p:clrMapOvr>
-    <a:masterClrMapping/>
-  </p:clrMapOvr>
-</p:sld>
-</file>
-
-<file path=ppt/slides/slide26.xml><?xml version="1.0" encoding="utf-8"?>
 <p:sld xmlns:a="http://schemas.openxmlformats.org/drawingml/2006/main" xmlns:r="http://schemas.openxmlformats.org/officeDocument/2006/relationships" xmlns:p="http://schemas.openxmlformats.org/presentationml/2006/main">
   <p:cSld>
     <p:spTree>
@@ -9903,105 +10045,49 @@
           <a:lstStyle/>
           <a:p>
             <a:r>
-              <a:rPr lang="zh-CN" altLang="en-US" dirty="0">
-                <a:latin typeface="微软雅黑" panose="020B0503020204020204" pitchFamily="34" charset="-122"/>
-                <a:ea typeface="微软雅黑" panose="020B0503020204020204" pitchFamily="34" charset="-122"/>
-              </a:rPr>
-              <a:t>上周汇报总结</a:t>
-            </a:r>
-          </a:p>
-        </p:txBody>
-      </p:sp>
-      <p:sp>
-        <p:nvSpPr>
-          <p:cNvPr id="7" name="文本框 6"/>
-          <p:cNvSpPr txBox="1"/>
+              <a:rPr lang="zh-CN" dirty="0">
+                <a:latin typeface="微软雅黑" panose="020B0503020204020204" pitchFamily="34" charset="-122"/>
+                <a:ea typeface="微软雅黑" panose="020B0503020204020204" pitchFamily="34" charset="-122"/>
+              </a:rPr>
+              <a:t>文献调研</a:t>
+            </a:r>
+            <a:endParaRPr lang="zh-CN" b="1" dirty="0">
+              <a:latin typeface="微软雅黑" panose="020B0503020204020204" pitchFamily="34" charset="-122"/>
+              <a:ea typeface="微软雅黑" panose="020B0503020204020204" pitchFamily="34" charset="-122"/>
+            </a:endParaRPr>
+          </a:p>
+        </p:txBody>
+      </p:sp>
+      <p:pic>
+        <p:nvPicPr>
+          <p:cNvPr id="3" name="图片 2"/>
+          <p:cNvPicPr>
+            <a:picLocks noChangeAspect="1"/>
+          </p:cNvPicPr>
           <p:nvPr/>
-        </p:nvSpPr>
-        <p:spPr>
-          <a:xfrm>
-            <a:off x="838200" y="1707466"/>
-            <a:ext cx="10595994" cy="4801314"/>
+        </p:nvPicPr>
+        <p:blipFill>
+          <a:blip r:embed="rId2">
+            <a:extLst>
+              <a:ext uri="{28A0092B-C50C-407E-A947-70E740481C1C}">
+                <a14:useLocalDpi xmlns:a14="http://schemas.microsoft.com/office/drawing/2010/main" val="0"/>
+              </a:ext>
+            </a:extLst>
+          </a:blip>
+          <a:stretch>
+            <a:fillRect/>
+          </a:stretch>
+        </p:blipFill>
+        <p:spPr>
+          <a:xfrm>
+            <a:off x="2477193" y="1939180"/>
+            <a:ext cx="6789862" cy="3719763"/>
           </a:xfrm>
           <a:prstGeom prst="rect">
             <a:avLst/>
           </a:prstGeom>
-          <a:noFill/>
-        </p:spPr>
-        <p:txBody>
-          <a:bodyPr wrap="square" rtlCol="0">
-            <a:spAutoFit/>
-          </a:bodyPr>
-          <a:lstStyle/>
-          <a:p>
-            <a:r>
-              <a:rPr lang="en-US" altLang="zh-CN" dirty="0"/>
-              <a:t>2. </a:t>
-            </a:r>
-            <a:r>
-              <a:rPr lang="zh-CN" altLang="en-US" dirty="0"/>
-              <a:t>论文讲解</a:t>
-            </a:r>
-            <a:endParaRPr lang="en-US" altLang="zh-CN" dirty="0"/>
-          </a:p>
-          <a:p>
-            <a:endParaRPr lang="en-US" altLang="zh-CN" dirty="0"/>
-          </a:p>
-          <a:p>
-            <a:endParaRPr lang="en-US" altLang="zh-CN" dirty="0"/>
-          </a:p>
-          <a:p>
-            <a:endParaRPr lang="en-US" altLang="zh-CN" dirty="0"/>
-          </a:p>
-          <a:p>
-            <a:endParaRPr lang="en-US" altLang="zh-CN" dirty="0"/>
-          </a:p>
-          <a:p>
-            <a:endParaRPr lang="en-US" altLang="zh-CN" dirty="0"/>
-          </a:p>
-          <a:p>
-            <a:endParaRPr lang="en-US" altLang="zh-CN" dirty="0"/>
-          </a:p>
-          <a:p>
-            <a:endParaRPr lang="en-US" altLang="zh-CN" dirty="0"/>
-          </a:p>
-          <a:p>
-            <a:r>
-              <a:rPr lang="en-US" altLang="zh-CN" dirty="0"/>
-              <a:t>3.</a:t>
-            </a:r>
-            <a:r>
-              <a:rPr lang="zh-CN" altLang="en-US" dirty="0"/>
-              <a:t>系统开发</a:t>
-            </a:r>
-            <a:endParaRPr lang="en-US" altLang="zh-CN" dirty="0"/>
-          </a:p>
-          <a:p>
-            <a:endParaRPr lang="en-US" altLang="zh-CN" dirty="0"/>
-          </a:p>
-          <a:p>
-            <a:endParaRPr lang="en-US" altLang="zh-CN" dirty="0"/>
-          </a:p>
-          <a:p>
-            <a:endParaRPr lang="en-US" altLang="zh-CN" dirty="0"/>
-          </a:p>
-          <a:p>
-            <a:endParaRPr lang="en-US" altLang="zh-CN" dirty="0"/>
-          </a:p>
-          <a:p>
-            <a:endParaRPr lang="en-US" altLang="zh-CN" dirty="0"/>
-          </a:p>
-          <a:p>
-            <a:endParaRPr lang="en-US" altLang="zh-CN" dirty="0"/>
-          </a:p>
-          <a:p>
-            <a:endParaRPr lang="en-US" altLang="zh-CN" dirty="0"/>
-          </a:p>
-          <a:p>
-            <a:endParaRPr lang="en-US" altLang="zh-CN" dirty="0"/>
-          </a:p>
-        </p:txBody>
-      </p:sp>
+        </p:spPr>
+      </p:pic>
     </p:spTree>
   </p:cSld>
   <p:clrMapOvr>
@@ -10043,147 +10129,333 @@
           <a:lstStyle/>
           <a:p>
             <a:r>
-              <a:rPr lang="zh-CN" altLang="en-US" dirty="0">
-                <a:latin typeface="微软雅黑" panose="020B0503020204020204" pitchFamily="34" charset="-122"/>
-                <a:ea typeface="微软雅黑" panose="020B0503020204020204" pitchFamily="34" charset="-122"/>
-              </a:rPr>
-              <a:t>本周汇报的内容</a:t>
-            </a:r>
-          </a:p>
-        </p:txBody>
-      </p:sp>
-      <p:sp>
-        <p:nvSpPr>
-          <p:cNvPr id="3" name="矩形 2"/>
-          <p:cNvSpPr/>
-          <p:nvPr/>
-        </p:nvSpPr>
-        <p:spPr>
-          <a:xfrm>
-            <a:off x="1252855" y="3127375"/>
-            <a:ext cx="2288540" cy="1720850"/>
-          </a:xfrm>
-          <a:prstGeom prst="rect">
-            <a:avLst/>
-          </a:prstGeom>
-        </p:spPr>
-        <p:style>
-          <a:lnRef idx="2">
-            <a:schemeClr val="accent6"/>
-          </a:lnRef>
-          <a:fillRef idx="1">
-            <a:schemeClr val="lt1"/>
-          </a:fillRef>
-          <a:effectRef idx="0">
-            <a:schemeClr val="accent6"/>
-          </a:effectRef>
-          <a:fontRef idx="minor">
-            <a:schemeClr val="dk1"/>
-          </a:fontRef>
-        </p:style>
-        <p:txBody>
-          <a:bodyPr rtlCol="0" anchor="ctr"/>
-          <a:lstStyle/>
-          <a:p>
-            <a:pPr algn="ctr"/>
-            <a:r>
-              <a:rPr lang="en-US" altLang="zh-CN"/>
+              <a:rPr lang="en-US" altLang="zh-CN" dirty="0" smtClean="0">
+                <a:latin typeface="微软雅黑" panose="020B0503020204020204" pitchFamily="34" charset="-122"/>
+                <a:ea typeface="微软雅黑" panose="020B0503020204020204" pitchFamily="34" charset="-122"/>
+                <a:sym typeface="+mn-ea"/>
+              </a:rPr>
               <a:t>1. </a:t>
             </a:r>
             <a:r>
-              <a:rPr lang="zh-CN" altLang="en-US"/>
-              <a:t>文献调研</a:t>
-            </a:r>
-          </a:p>
-        </p:txBody>
-      </p:sp>
-      <p:sp>
-        <p:nvSpPr>
-          <p:cNvPr id="5" name="矩形 4"/>
-          <p:cNvSpPr/>
-          <p:nvPr/>
-        </p:nvSpPr>
-        <p:spPr>
-          <a:xfrm>
-            <a:off x="4622165" y="3127375"/>
-            <a:ext cx="2288540" cy="1720850"/>
-          </a:xfrm>
-          <a:prstGeom prst="rect">
-            <a:avLst/>
-          </a:prstGeom>
-        </p:spPr>
-        <p:style>
-          <a:lnRef idx="2">
-            <a:schemeClr val="accent6"/>
-          </a:lnRef>
-          <a:fillRef idx="1">
-            <a:schemeClr val="lt1"/>
-          </a:fillRef>
-          <a:effectRef idx="0">
-            <a:schemeClr val="accent6"/>
-          </a:effectRef>
-          <a:fontRef idx="minor">
-            <a:schemeClr val="dk1"/>
-          </a:fontRef>
-        </p:style>
-        <p:txBody>
-          <a:bodyPr rtlCol="0" anchor="ctr"/>
-          <a:lstStyle/>
-          <a:p>
-            <a:pPr algn="ctr"/>
-            <a:r>
-              <a:rPr lang="en-US" altLang="zh-CN"/>
-              <a:t>2. </a:t>
-            </a:r>
-            <a:r>
-              <a:rPr lang="zh-CN" altLang="en-US"/>
-              <a:t>详细调研</a:t>
-            </a:r>
-          </a:p>
-        </p:txBody>
-      </p:sp>
-      <p:sp>
-        <p:nvSpPr>
-          <p:cNvPr id="6" name="矩形 5"/>
-          <p:cNvSpPr/>
-          <p:nvPr/>
-        </p:nvSpPr>
-        <p:spPr>
-          <a:xfrm>
-            <a:off x="7991475" y="3127375"/>
-            <a:ext cx="2288540" cy="1720850"/>
-          </a:xfrm>
-          <a:prstGeom prst="rect">
-            <a:avLst/>
-          </a:prstGeom>
-        </p:spPr>
-        <p:style>
-          <a:lnRef idx="2">
-            <a:schemeClr val="accent6"/>
-          </a:lnRef>
-          <a:fillRef idx="1">
-            <a:schemeClr val="lt1"/>
-          </a:fillRef>
-          <a:effectRef idx="0">
-            <a:schemeClr val="accent6"/>
-          </a:effectRef>
-          <a:fontRef idx="minor">
-            <a:schemeClr val="dk1"/>
-          </a:fontRef>
-        </p:style>
-        <p:txBody>
-          <a:bodyPr rtlCol="0" anchor="ctr"/>
-          <a:lstStyle/>
-          <a:p>
-            <a:pPr algn="ctr"/>
-            <a:r>
-              <a:rPr lang="en-US" altLang="zh-CN"/>
-              <a:t>3. </a:t>
-            </a:r>
-            <a:r>
-              <a:rPr lang="zh-CN" altLang="en-US"/>
-              <a:t>系统开发</a:t>
-            </a:r>
+              <a:rPr lang="zh-CN" altLang="en-US" dirty="0" smtClean="0">
+                <a:latin typeface="微软雅黑" panose="020B0503020204020204" pitchFamily="34" charset="-122"/>
+                <a:ea typeface="微软雅黑" panose="020B0503020204020204" pitchFamily="34" charset="-122"/>
+                <a:sym typeface="+mn-ea"/>
+              </a:rPr>
+              <a:t>囚徒困境</a:t>
+            </a:r>
+            <a:endParaRPr lang="en-US" altLang="zh-CN" b="1" dirty="0">
+              <a:latin typeface="微软雅黑" panose="020B0503020204020204" pitchFamily="34" charset="-122"/>
+              <a:ea typeface="微软雅黑" panose="020B0503020204020204" pitchFamily="34" charset="-122"/>
+            </a:endParaRPr>
+          </a:p>
+        </p:txBody>
+      </p:sp>
+      <p:sp>
+        <p:nvSpPr>
+          <p:cNvPr id="4" name="内容占位符 3"/>
+          <p:cNvSpPr>
+            <a:spLocks noGrp="1"/>
+          </p:cNvSpPr>
+          <p:nvPr>
+            <p:ph idx="1"/>
+          </p:nvPr>
+        </p:nvSpPr>
+        <p:spPr>
+          <a:xfrm>
+            <a:off x="838200" y="1825625"/>
+            <a:ext cx="10515600" cy="4516452"/>
+          </a:xfrm>
+        </p:spPr>
+        <p:txBody>
+          <a:bodyPr>
+            <a:normAutofit fontScale="77500" lnSpcReduction="20000"/>
+          </a:bodyPr>
+          <a:lstStyle/>
+          <a:p>
+            <a:pPr marL="0" indent="0">
+              <a:buNone/>
+            </a:pPr>
+            <a:r>
+              <a:rPr lang="zh-CN" altLang="en-US" sz="2000" dirty="0">
+                <a:latin typeface="微软雅黑" panose="020B0503020204020204" pitchFamily="34" charset="-122"/>
+                <a:ea typeface="微软雅黑" panose="020B0503020204020204" pitchFamily="34" charset="-122"/>
+              </a:rPr>
+              <a:t>对现有的场景，</a:t>
+            </a:r>
+            <a:r>
+              <a:rPr lang="zh-CN" altLang="en-US" sz="2000" dirty="0" smtClean="0">
+                <a:latin typeface="微软雅黑" panose="020B0503020204020204" pitchFamily="34" charset="-122"/>
+                <a:ea typeface="微软雅黑" panose="020B0503020204020204" pitchFamily="34" charset="-122"/>
+              </a:rPr>
+              <a:t>使用囚徒困境建立收益矩阵进行</a:t>
+            </a:r>
+            <a:r>
+              <a:rPr lang="zh-CN" altLang="en-US" sz="2000" dirty="0">
+                <a:latin typeface="微软雅黑" panose="020B0503020204020204" pitchFamily="34" charset="-122"/>
+                <a:ea typeface="微软雅黑" panose="020B0503020204020204" pitchFamily="34" charset="-122"/>
+              </a:rPr>
+              <a:t>分析，给出建议。</a:t>
+            </a:r>
+            <a:endParaRPr lang="en-US" altLang="zh-CN" sz="2000" dirty="0">
+              <a:latin typeface="微软雅黑" panose="020B0503020204020204" pitchFamily="34" charset="-122"/>
+              <a:ea typeface="微软雅黑" panose="020B0503020204020204" pitchFamily="34" charset="-122"/>
+            </a:endParaRPr>
+          </a:p>
+          <a:p>
+            <a:pPr marL="0" indent="0">
+              <a:buNone/>
+            </a:pPr>
+            <a:endParaRPr lang="en-US" altLang="zh-CN" sz="2000" dirty="0">
+              <a:latin typeface="微软雅黑" panose="020B0503020204020204" pitchFamily="34" charset="-122"/>
+              <a:ea typeface="微软雅黑" panose="020B0503020204020204" pitchFamily="34" charset="-122"/>
+            </a:endParaRPr>
+          </a:p>
+          <a:p>
+            <a:pPr marL="0" indent="0">
+              <a:buNone/>
+            </a:pPr>
+            <a:r>
+              <a:rPr lang="en-US" altLang="zh-CN" sz="1600" dirty="0">
+                <a:latin typeface="微软雅黑" panose="020B0503020204020204" pitchFamily="34" charset="-122"/>
+                <a:ea typeface="微软雅黑" panose="020B0503020204020204" pitchFamily="34" charset="-122"/>
+              </a:rPr>
+              <a:t>1. Journal of Education for Business-2018-The effectiveness of peer assessment and a proposal for its analysis using game theory</a:t>
+            </a:r>
+          </a:p>
+          <a:p>
+            <a:pPr marL="0" indent="0">
+              <a:buNone/>
+            </a:pPr>
+            <a:r>
+              <a:rPr lang="en-US" altLang="zh-CN" sz="1600" dirty="0">
+                <a:latin typeface="微软雅黑" panose="020B0503020204020204" pitchFamily="34" charset="-122"/>
+                <a:ea typeface="微软雅黑" panose="020B0503020204020204" pitchFamily="34" charset="-122"/>
+              </a:rPr>
+              <a:t>2. PACCS-2015-Game Theory Analysis on College Student Cheating</a:t>
+            </a:r>
+          </a:p>
+          <a:p>
+            <a:pPr marL="0" indent="0">
+              <a:buNone/>
+            </a:pPr>
+            <a:r>
+              <a:rPr lang="en-US" altLang="zh-CN" sz="1600" dirty="0">
+                <a:latin typeface="微软雅黑" panose="020B0503020204020204" pitchFamily="34" charset="-122"/>
+                <a:ea typeface="微软雅黑" panose="020B0503020204020204" pitchFamily="34" charset="-122"/>
+              </a:rPr>
+              <a:t>3. 学位与研究生教育-2015-博弈论视角下的导师与研究生关系探析</a:t>
+            </a:r>
+          </a:p>
+          <a:p>
+            <a:pPr marL="0" indent="0">
+              <a:buNone/>
+            </a:pPr>
+            <a:r>
+              <a:rPr lang="en-US" altLang="zh-CN" sz="1600" dirty="0">
+                <a:latin typeface="微软雅黑" panose="020B0503020204020204" pitchFamily="34" charset="-122"/>
+                <a:ea typeface="微软雅黑" panose="020B0503020204020204" pitchFamily="34" charset="-122"/>
+              </a:rPr>
+              <a:t>4. 教育学报-2019-高校师生之间的互评博弈是合作博弈吗</a:t>
+            </a:r>
+          </a:p>
+          <a:p>
+            <a:pPr marL="0" indent="0">
+              <a:buNone/>
+            </a:pPr>
+            <a:r>
+              <a:rPr lang="en-US" altLang="zh-CN" sz="1600" dirty="0">
+                <a:latin typeface="微软雅黑" panose="020B0503020204020204" pitchFamily="34" charset="-122"/>
+                <a:ea typeface="微软雅黑" panose="020B0503020204020204" pitchFamily="34" charset="-122"/>
+              </a:rPr>
+              <a:t>5. International Journal of System Assurance Engineering and Management-2020-Analysis and reflection on peer assessment results based on short play of game </a:t>
+            </a:r>
+            <a:r>
+              <a:rPr lang="en-US" altLang="zh-CN" sz="1600" dirty="0" smtClean="0">
+                <a:latin typeface="微软雅黑" panose="020B0503020204020204" pitchFamily="34" charset="-122"/>
+                <a:ea typeface="微软雅黑" panose="020B0503020204020204" pitchFamily="34" charset="-122"/>
+              </a:rPr>
+              <a:t>theory</a:t>
+            </a:r>
+          </a:p>
+          <a:p>
+            <a:pPr marL="0" indent="0">
+              <a:buNone/>
+            </a:pPr>
+            <a:r>
+              <a:rPr lang="en-US" altLang="zh-CN" sz="1600" dirty="0" smtClean="0">
+                <a:latin typeface="微软雅黑" panose="020B0503020204020204" pitchFamily="34" charset="-122"/>
+                <a:ea typeface="微软雅黑" panose="020B0503020204020204" pitchFamily="34" charset="-122"/>
+              </a:rPr>
+              <a:t>6. Journal </a:t>
+            </a:r>
+            <a:r>
+              <a:rPr lang="en-US" altLang="zh-CN" sz="1600" dirty="0">
+                <a:latin typeface="微软雅黑" panose="020B0503020204020204" pitchFamily="34" charset="-122"/>
+                <a:ea typeface="微软雅黑" panose="020B0503020204020204" pitchFamily="34" charset="-122"/>
+              </a:rPr>
+              <a:t>of Network and Computer Applications-2014-Incentive mechanism for P2Pfile sharing based on social network and game theory</a:t>
+            </a:r>
+          </a:p>
+          <a:p>
+            <a:pPr marL="0" indent="0">
+              <a:buNone/>
+            </a:pPr>
+            <a:r>
+              <a:rPr lang="en-US" altLang="zh-CN" sz="1600" dirty="0" smtClean="0">
+                <a:latin typeface="微软雅黑" panose="020B0503020204020204" pitchFamily="34" charset="-122"/>
+                <a:ea typeface="微软雅黑" panose="020B0503020204020204" pitchFamily="34" charset="-122"/>
+              </a:rPr>
+              <a:t>7. </a:t>
+            </a:r>
+            <a:r>
+              <a:rPr lang="en-US" altLang="zh-CN" sz="1600" dirty="0">
+                <a:latin typeface="微软雅黑" panose="020B0503020204020204" pitchFamily="34" charset="-122"/>
+                <a:ea typeface="微软雅黑" panose="020B0503020204020204" pitchFamily="34" charset="-122"/>
+              </a:rPr>
+              <a:t>IEEEAccess-2018-Game-Theoretic Approach to Group Learning Enhancement Through Peer-to-Peer Explanation and Competition</a:t>
+            </a:r>
+          </a:p>
+          <a:p>
+            <a:pPr marL="0" indent="0">
+              <a:buNone/>
+            </a:pPr>
+            <a:r>
+              <a:rPr lang="en-US" altLang="zh-CN" sz="1600" dirty="0" smtClean="0">
+                <a:latin typeface="微软雅黑" panose="020B0503020204020204" pitchFamily="34" charset="-122"/>
+                <a:ea typeface="微软雅黑" panose="020B0503020204020204" pitchFamily="34" charset="-122"/>
+              </a:rPr>
+              <a:t>8. </a:t>
+            </a:r>
+            <a:r>
+              <a:rPr lang="en-US" altLang="zh-CN" sz="1600" dirty="0">
+                <a:latin typeface="微软雅黑" panose="020B0503020204020204" pitchFamily="34" charset="-122"/>
+                <a:ea typeface="微软雅黑" panose="020B0503020204020204" pitchFamily="34" charset="-122"/>
+              </a:rPr>
+              <a:t>arXiv-2015-Incentives for Truthful Peer Grading</a:t>
+            </a:r>
+          </a:p>
+          <a:p>
+            <a:pPr marL="0" indent="0">
+              <a:buNone/>
+            </a:pPr>
+            <a:r>
+              <a:rPr lang="en-US" altLang="zh-CN" sz="1600" dirty="0" smtClean="0">
+                <a:latin typeface="微软雅黑" panose="020B0503020204020204" pitchFamily="34" charset="-122"/>
+                <a:ea typeface="微软雅黑" panose="020B0503020204020204" pitchFamily="34" charset="-122"/>
+              </a:rPr>
+              <a:t>9. </a:t>
+            </a:r>
+            <a:r>
+              <a:rPr lang="en-US" altLang="zh-CN" sz="1600" dirty="0">
+                <a:latin typeface="微软雅黑" panose="020B0503020204020204" pitchFamily="34" charset="-122"/>
+                <a:ea typeface="微软雅黑" panose="020B0503020204020204" pitchFamily="34" charset="-122"/>
+              </a:rPr>
+              <a:t>arXiv-2019-Fostering Peer Learning through a New Game-Theoretical Approach in a Blended Learning Environment</a:t>
+            </a:r>
+          </a:p>
+          <a:p>
+            <a:pPr marL="0" indent="0">
+              <a:buNone/>
+            </a:pPr>
+            <a:r>
+              <a:rPr lang="en-US" altLang="zh-CN" sz="1600" dirty="0" smtClean="0">
+                <a:latin typeface="微软雅黑" panose="020B0503020204020204" pitchFamily="34" charset="-122"/>
+                <a:ea typeface="微软雅黑" panose="020B0503020204020204" pitchFamily="34" charset="-122"/>
+              </a:rPr>
+              <a:t>10. </a:t>
+            </a:r>
+            <a:r>
+              <a:rPr lang="en-US" altLang="zh-CN" sz="1600" dirty="0">
+                <a:latin typeface="微软雅黑" panose="020B0503020204020204" pitchFamily="34" charset="-122"/>
+                <a:ea typeface="微软雅黑" panose="020B0503020204020204" pitchFamily="34" charset="-122"/>
+              </a:rPr>
+              <a:t>International World Wide Web Conference-2015-Grading the Graders Motivating Peer Graders in a MOOC</a:t>
+            </a:r>
+          </a:p>
+          <a:p>
+            <a:pPr marL="0" indent="0">
+              <a:buNone/>
+            </a:pPr>
+            <a:r>
+              <a:rPr lang="en-US" altLang="zh-CN" sz="1600" dirty="0" smtClean="0">
+                <a:latin typeface="微软雅黑" panose="020B0503020204020204" pitchFamily="34" charset="-122"/>
+                <a:ea typeface="微软雅黑" panose="020B0503020204020204" pitchFamily="34" charset="-122"/>
+              </a:rPr>
+              <a:t>11. </a:t>
+            </a:r>
+            <a:r>
+              <a:rPr lang="en-US" altLang="zh-CN" sz="1600" dirty="0">
+                <a:latin typeface="微软雅黑" panose="020B0503020204020204" pitchFamily="34" charset="-122"/>
+                <a:ea typeface="微软雅黑" panose="020B0503020204020204" pitchFamily="34" charset="-122"/>
+              </a:rPr>
+              <a:t>JITE-2012-Collaborative Learning in Online Study Groups: An Evolutionary Game Theory Perspective</a:t>
+            </a:r>
+          </a:p>
+          <a:p>
+            <a:pPr marL="0" indent="0">
+              <a:buNone/>
+            </a:pPr>
+            <a:r>
+              <a:rPr lang="en-US" altLang="zh-CN" sz="1600" dirty="0" smtClean="0">
+                <a:latin typeface="微软雅黑" panose="020B0503020204020204" pitchFamily="34" charset="-122"/>
+                <a:ea typeface="微软雅黑" panose="020B0503020204020204" pitchFamily="34" charset="-122"/>
+              </a:rPr>
+              <a:t>12. </a:t>
+            </a:r>
+            <a:r>
+              <a:rPr lang="en-US" altLang="zh-CN" sz="1600" dirty="0">
+                <a:latin typeface="微软雅黑" panose="020B0503020204020204" pitchFamily="34" charset="-122"/>
+                <a:ea typeface="微软雅黑" panose="020B0503020204020204" pitchFamily="34" charset="-122"/>
+              </a:rPr>
+              <a:t>Learning at Scale-2015-Game Theory Based Peer Grading Mechanisms For MOOCs</a:t>
+            </a:r>
+          </a:p>
+          <a:p>
+            <a:pPr marL="0" indent="0">
+              <a:buNone/>
+            </a:pPr>
+            <a:r>
+              <a:rPr lang="en-US" altLang="zh-CN" sz="1600" dirty="0" smtClean="0">
+                <a:latin typeface="微软雅黑" panose="020B0503020204020204" pitchFamily="34" charset="-122"/>
+                <a:ea typeface="微软雅黑" panose="020B0503020204020204" pitchFamily="34" charset="-122"/>
+              </a:rPr>
+              <a:t>13. </a:t>
+            </a:r>
+            <a:r>
+              <a:rPr lang="en-US" altLang="zh-CN" sz="1600" dirty="0">
+                <a:latin typeface="微软雅黑" panose="020B0503020204020204" pitchFamily="34" charset="-122"/>
+                <a:ea typeface="微软雅黑" panose="020B0503020204020204" pitchFamily="34" charset="-122"/>
+              </a:rPr>
+              <a:t>IEEE TRANSACTIONS ON LEARNING TECHNOLOGIES-2020-Motivating Students in Collaborative Activities With Game-Theoretic Group Recommendations</a:t>
+            </a:r>
+          </a:p>
+          <a:p>
+            <a:pPr marL="0" indent="0">
+              <a:buNone/>
+            </a:pPr>
+            <a:endParaRPr lang="en-US" altLang="zh-CN" sz="1600" dirty="0">
+              <a:latin typeface="微软雅黑" panose="020B0503020204020204" pitchFamily="34" charset="-122"/>
+              <a:ea typeface="微软雅黑" panose="020B0503020204020204" pitchFamily="34" charset="-122"/>
+            </a:endParaRPr>
+          </a:p>
+          <a:p>
+            <a:pPr marL="0" indent="0">
+              <a:buNone/>
+            </a:pPr>
+            <a:endParaRPr lang="en-US" altLang="zh-CN" sz="2000" dirty="0">
+              <a:latin typeface="微软雅黑" panose="020B0503020204020204" pitchFamily="34" charset="-122"/>
+              <a:ea typeface="微软雅黑" panose="020B0503020204020204" pitchFamily="34" charset="-122"/>
+            </a:endParaRPr>
+          </a:p>
+          <a:p>
+            <a:pPr marL="0" indent="0">
+              <a:buNone/>
+            </a:pPr>
+            <a:endParaRPr lang="en-US" altLang="zh-CN" sz="2000" dirty="0">
+              <a:latin typeface="微软雅黑" panose="020B0503020204020204" pitchFamily="34" charset="-122"/>
+              <a:ea typeface="微软雅黑" panose="020B0503020204020204" pitchFamily="34" charset="-122"/>
+            </a:endParaRPr>
           </a:p>
         </p:txBody>
       </p:sp>
@@ -10232,143 +10504,539 @@
                 <a:latin typeface="微软雅黑" panose="020B0503020204020204" pitchFamily="34" charset="-122"/>
                 <a:ea typeface="微软雅黑" panose="020B0503020204020204" pitchFamily="34" charset="-122"/>
               </a:rPr>
-              <a:t>本周汇报的内容</a:t>
-            </a:r>
-          </a:p>
-        </p:txBody>
-      </p:sp>
-      <p:sp>
-        <p:nvSpPr>
-          <p:cNvPr id="3" name="矩形 2"/>
-          <p:cNvSpPr/>
-          <p:nvPr/>
-        </p:nvSpPr>
-        <p:spPr>
-          <a:xfrm>
-            <a:off x="1252855" y="3127375"/>
-            <a:ext cx="2288540" cy="1720850"/>
+              <a:t>囚徒困境</a:t>
+            </a:r>
+            <a:r>
+              <a:rPr lang="zh-CN" altLang="en-US" dirty="0" smtClean="0">
+                <a:latin typeface="微软雅黑" panose="020B0503020204020204" pitchFamily="34" charset="-122"/>
+                <a:ea typeface="微软雅黑" panose="020B0503020204020204" pitchFamily="34" charset="-122"/>
+                <a:sym typeface="+mn-ea"/>
+              </a:rPr>
+              <a:t>分析考试作弊</a:t>
+            </a:r>
+            <a:endParaRPr lang="en-US" altLang="zh-CN" b="1" dirty="0">
+              <a:latin typeface="微软雅黑" panose="020B0503020204020204" pitchFamily="34" charset="-122"/>
+              <a:ea typeface="微软雅黑" panose="020B0503020204020204" pitchFamily="34" charset="-122"/>
+            </a:endParaRPr>
+          </a:p>
+        </p:txBody>
+      </p:sp>
+      <p:sp>
+        <p:nvSpPr>
+          <p:cNvPr id="6" name="内容占位符 5"/>
+          <p:cNvSpPr>
+            <a:spLocks noGrp="1"/>
+          </p:cNvSpPr>
+          <p:nvPr>
+            <p:ph idx="1"/>
+          </p:nvPr>
+        </p:nvSpPr>
+        <p:spPr>
+          <a:xfrm>
+            <a:off x="838200" y="1472529"/>
+            <a:ext cx="10515600" cy="400077"/>
+          </a:xfrm>
+        </p:spPr>
+        <p:txBody>
+          <a:bodyPr>
+            <a:normAutofit/>
+          </a:bodyPr>
+          <a:lstStyle/>
+          <a:p>
+            <a:pPr marL="0" indent="0">
+              <a:buNone/>
+            </a:pPr>
+            <a:r>
+              <a:rPr lang="en-US" altLang="zh-CN" sz="2000" dirty="0">
+                <a:latin typeface="Times New Roman" panose="02020603050405020304" pitchFamily="18" charset="0"/>
+                <a:cs typeface="Times New Roman" panose="02020603050405020304" pitchFamily="18" charset="0"/>
+              </a:rPr>
+              <a:t>PACCS-2015-Game Theory Analysis on College Student Cheating</a:t>
+            </a:r>
+          </a:p>
+        </p:txBody>
+      </p:sp>
+      <p:pic>
+        <p:nvPicPr>
+          <p:cNvPr id="7" name="图片 6"/>
+          <p:cNvPicPr>
+            <a:picLocks noChangeAspect="1"/>
+          </p:cNvPicPr>
+          <p:nvPr>
+            <p:custDataLst>
+              <p:tags r:id="rId1"/>
+            </p:custDataLst>
+          </p:nvPr>
+        </p:nvPicPr>
+        <p:blipFill>
+          <a:blip r:embed="rId4"/>
+          <a:stretch>
+            <a:fillRect/>
+          </a:stretch>
+        </p:blipFill>
+        <p:spPr>
+          <a:xfrm>
+            <a:off x="555567" y="3322700"/>
+            <a:ext cx="4877933" cy="1933212"/>
           </a:xfrm>
           <a:prstGeom prst="rect">
             <a:avLst/>
           </a:prstGeom>
         </p:spPr>
-        <p:style>
-          <a:lnRef idx="2">
-            <a:schemeClr val="accent6"/>
-          </a:lnRef>
-          <a:fillRef idx="1">
-            <a:schemeClr val="lt1"/>
-          </a:fillRef>
-          <a:effectRef idx="0">
-            <a:schemeClr val="accent6"/>
-          </a:effectRef>
-          <a:fontRef idx="minor">
-            <a:schemeClr val="dk1"/>
-          </a:fontRef>
-        </p:style>
-        <p:txBody>
-          <a:bodyPr rtlCol="0" anchor="ctr"/>
-          <a:lstStyle/>
-          <a:p>
-            <a:pPr algn="ctr"/>
-            <a:r>
-              <a:rPr lang="en-US" altLang="zh-CN"/>
-              <a:t>1. </a:t>
-            </a:r>
-            <a:r>
-              <a:rPr lang="zh-CN" altLang="en-US"/>
-              <a:t>文献调研</a:t>
-            </a:r>
-          </a:p>
-        </p:txBody>
-      </p:sp>
-      <p:sp>
-        <p:nvSpPr>
-          <p:cNvPr id="5" name="矩形 4"/>
-          <p:cNvSpPr/>
-          <p:nvPr/>
-        </p:nvSpPr>
-        <p:spPr>
-          <a:xfrm>
-            <a:off x="4622165" y="3127375"/>
-            <a:ext cx="2288540" cy="1720850"/>
+      </p:pic>
+      <p:pic>
+        <p:nvPicPr>
+          <p:cNvPr id="8" name="图片 7"/>
+          <p:cNvPicPr>
+            <a:picLocks noChangeAspect="1"/>
+          </p:cNvPicPr>
+          <p:nvPr>
+            <p:custDataLst>
+              <p:tags r:id="rId2"/>
+            </p:custDataLst>
+          </p:nvPr>
+        </p:nvPicPr>
+        <p:blipFill>
+          <a:blip r:embed="rId5"/>
+          <a:stretch>
+            <a:fillRect/>
+          </a:stretch>
+        </p:blipFill>
+        <p:spPr>
+          <a:xfrm>
+            <a:off x="6633306" y="3322701"/>
+            <a:ext cx="4428100" cy="1933211"/>
           </a:xfrm>
           <a:prstGeom prst="rect">
             <a:avLst/>
           </a:prstGeom>
         </p:spPr>
-        <p:style>
-          <a:lnRef idx="2">
-            <a:schemeClr val="accent6"/>
-          </a:lnRef>
-          <a:fillRef idx="1">
-            <a:schemeClr val="lt1"/>
-          </a:fillRef>
-          <a:effectRef idx="0">
-            <a:schemeClr val="accent6"/>
-          </a:effectRef>
-          <a:fontRef idx="minor">
-            <a:schemeClr val="dk1"/>
-          </a:fontRef>
-        </p:style>
-        <p:txBody>
-          <a:bodyPr rtlCol="0" anchor="ctr"/>
-          <a:lstStyle/>
-          <a:p>
-            <a:pPr algn="ctr"/>
-            <a:r>
-              <a:rPr lang="en-US" altLang="zh-CN"/>
-              <a:t>2. </a:t>
-            </a:r>
-            <a:r>
-              <a:rPr lang="zh-CN" altLang="en-US"/>
-              <a:t>详细调研</a:t>
-            </a:r>
-          </a:p>
-        </p:txBody>
-      </p:sp>
-      <p:sp>
-        <p:nvSpPr>
-          <p:cNvPr id="6" name="矩形 5"/>
-          <p:cNvSpPr/>
+      </p:pic>
+      <p:sp>
+        <p:nvSpPr>
+          <p:cNvPr id="3" name="文本框 2"/>
+          <p:cNvSpPr txBox="1"/>
           <p:nvPr/>
         </p:nvSpPr>
         <p:spPr>
           <a:xfrm>
-            <a:off x="7991475" y="3127375"/>
-            <a:ext cx="2288540" cy="1720850"/>
+            <a:off x="820865" y="1922135"/>
+            <a:ext cx="5022273" cy="1477328"/>
           </a:xfrm>
           <a:prstGeom prst="rect">
             <a:avLst/>
           </a:prstGeom>
-        </p:spPr>
-        <p:style>
-          <a:lnRef idx="2">
-            <a:schemeClr val="accent6"/>
-          </a:lnRef>
-          <a:fillRef idx="1">
-            <a:schemeClr val="lt1"/>
-          </a:fillRef>
-          <a:effectRef idx="0">
-            <a:schemeClr val="accent6"/>
-          </a:effectRef>
-          <a:fontRef idx="minor">
-            <a:schemeClr val="dk1"/>
-          </a:fontRef>
-        </p:style>
-        <p:txBody>
-          <a:bodyPr rtlCol="0" anchor="ctr"/>
-          <a:lstStyle/>
-          <a:p>
-            <a:pPr algn="ctr"/>
-            <a:r>
-              <a:rPr lang="en-US" altLang="zh-CN"/>
-              <a:t>3. </a:t>
-            </a:r>
-            <a:r>
-              <a:rPr lang="zh-CN" altLang="en-US"/>
-              <a:t>系统开发</a:t>
-            </a:r>
+          <a:noFill/>
+        </p:spPr>
+        <p:txBody>
+          <a:bodyPr wrap="square" rtlCol="0">
+            <a:spAutoFit/>
+          </a:bodyPr>
+          <a:lstStyle/>
+          <a:p>
+            <a:r>
+              <a:rPr lang="en-US" altLang="zh-CN" dirty="0" smtClean="0"/>
+              <a:t>a</a:t>
+            </a:r>
+            <a:r>
+              <a:rPr lang="zh-CN" altLang="en-US" dirty="0" smtClean="0"/>
+              <a:t>是为了</a:t>
+            </a:r>
+            <a:r>
+              <a:rPr lang="zh-CN" altLang="en-US" dirty="0"/>
+              <a:t>通过考试而花在学习课程上的</a:t>
+            </a:r>
+            <a:r>
+              <a:rPr lang="zh-CN" altLang="en-US" dirty="0" smtClean="0"/>
+              <a:t>时间，视为成本</a:t>
+            </a:r>
+            <a:endParaRPr lang="en-US" altLang="zh-CN" dirty="0" smtClean="0"/>
+          </a:p>
+          <a:p>
+            <a:r>
+              <a:rPr lang="en-US" altLang="zh-CN" dirty="0" smtClean="0"/>
+              <a:t>b</a:t>
+            </a:r>
+            <a:r>
+              <a:rPr lang="zh-CN" altLang="en-US" dirty="0" smtClean="0"/>
+              <a:t>是作弊行为的心理负担</a:t>
+            </a:r>
+            <a:endParaRPr lang="en-US" altLang="zh-CN" dirty="0" smtClean="0"/>
+          </a:p>
+          <a:p>
+            <a:r>
+              <a:rPr lang="en-US" altLang="zh-CN" dirty="0" smtClean="0"/>
+              <a:t>c</a:t>
+            </a:r>
+            <a:r>
+              <a:rPr lang="zh-CN" altLang="en-US" dirty="0" smtClean="0"/>
+              <a:t>为不作弊的收益</a:t>
+            </a:r>
+            <a:endParaRPr lang="en-US" altLang="zh-CN" dirty="0" smtClean="0"/>
+          </a:p>
+          <a:p>
+            <a:r>
+              <a:rPr lang="en-US" altLang="zh-CN" dirty="0" smtClean="0"/>
+              <a:t>d</a:t>
+            </a:r>
+            <a:r>
+              <a:rPr lang="zh-CN" altLang="en-US" dirty="0" smtClean="0"/>
+              <a:t>为作弊的收益</a:t>
+            </a:r>
+            <a:endParaRPr lang="zh-CN" altLang="en-US" dirty="0"/>
+          </a:p>
+        </p:txBody>
+      </p:sp>
+      <p:sp>
+        <p:nvSpPr>
+          <p:cNvPr id="4" name="矩形 3"/>
+          <p:cNvSpPr/>
+          <p:nvPr/>
+        </p:nvSpPr>
+        <p:spPr>
+          <a:xfrm>
+            <a:off x="6252776" y="2119398"/>
+            <a:ext cx="5368417" cy="1200329"/>
+          </a:xfrm>
+          <a:prstGeom prst="rect">
+            <a:avLst/>
+          </a:prstGeom>
+        </p:spPr>
+        <p:txBody>
+          <a:bodyPr wrap="square">
+            <a:spAutoFit/>
+          </a:bodyPr>
+          <a:lstStyle/>
+          <a:p>
+            <a:r>
+              <a:rPr lang="zh-CN" altLang="en-US" dirty="0" smtClean="0"/>
+              <a:t>对于学生，</a:t>
+            </a:r>
+            <a:r>
+              <a:rPr lang="zh-CN" altLang="en-US" dirty="0"/>
+              <a:t>不作弊时，成本为</a:t>
+            </a:r>
+            <a:r>
+              <a:rPr lang="en-US" altLang="zh-CN" dirty="0"/>
+              <a:t>A1</a:t>
+            </a:r>
+            <a:r>
+              <a:rPr lang="zh-CN" altLang="en-US" dirty="0"/>
+              <a:t>，收益为</a:t>
+            </a:r>
+            <a:r>
+              <a:rPr lang="en-US" altLang="zh-CN" dirty="0"/>
+              <a:t>B1</a:t>
+            </a:r>
+            <a:r>
+              <a:rPr lang="zh-CN" altLang="en-US" dirty="0"/>
+              <a:t>；作弊时，成本是</a:t>
+            </a:r>
+            <a:r>
+              <a:rPr lang="en-US" altLang="zh-CN" dirty="0"/>
+              <a:t>A2</a:t>
+            </a:r>
+            <a:r>
+              <a:rPr lang="zh-CN" altLang="en-US" dirty="0"/>
+              <a:t>，收益是</a:t>
+            </a:r>
+            <a:r>
+              <a:rPr lang="en-US" altLang="zh-CN" dirty="0"/>
+              <a:t>B2</a:t>
+            </a:r>
+            <a:r>
+              <a:rPr lang="zh-CN" altLang="en-US" dirty="0" smtClean="0"/>
+              <a:t>，</a:t>
+            </a:r>
+            <a:r>
+              <a:rPr lang="en-US" altLang="zh-CN" dirty="0" smtClean="0"/>
+              <a:t>A1&gt;A2</a:t>
+            </a:r>
+            <a:r>
+              <a:rPr lang="zh-CN" altLang="en-US" dirty="0"/>
+              <a:t>，</a:t>
+            </a:r>
+            <a:r>
+              <a:rPr lang="en-US" altLang="zh-CN" dirty="0"/>
+              <a:t>B2≥B1</a:t>
+            </a:r>
+            <a:r>
+              <a:rPr lang="zh-CN" altLang="en-US" dirty="0" smtClean="0"/>
+              <a:t>。监考教师监考成本为</a:t>
+            </a:r>
+            <a:r>
+              <a:rPr lang="en-US" altLang="zh-CN" dirty="0" smtClean="0"/>
+              <a:t>C</a:t>
+            </a:r>
+            <a:r>
+              <a:rPr lang="zh-CN" altLang="en-US" dirty="0" smtClean="0"/>
+              <a:t>，抓住作弊的奖励为</a:t>
+            </a:r>
+            <a:r>
+              <a:rPr lang="en-US" altLang="zh-CN" dirty="0" smtClean="0"/>
+              <a:t>D2</a:t>
+            </a:r>
+            <a:r>
+              <a:rPr lang="zh-CN" altLang="en-US" dirty="0" smtClean="0"/>
+              <a:t>，未抓住将会受到惩罚</a:t>
+            </a:r>
+            <a:r>
+              <a:rPr lang="en-US" altLang="zh-CN" dirty="0" smtClean="0"/>
+              <a:t>D1</a:t>
+            </a:r>
+            <a:endParaRPr lang="zh-CN" altLang="en-US" dirty="0"/>
+          </a:p>
+        </p:txBody>
+      </p:sp>
+      <p:sp>
+        <p:nvSpPr>
+          <p:cNvPr id="11" name="内容占位符 4"/>
+          <p:cNvSpPr txBox="1">
+            <a:spLocks/>
+          </p:cNvSpPr>
+          <p:nvPr/>
+        </p:nvSpPr>
+        <p:spPr>
+          <a:xfrm>
+            <a:off x="585338" y="5341847"/>
+            <a:ext cx="10515600" cy="1565968"/>
+          </a:xfrm>
+          <a:prstGeom prst="rect">
+            <a:avLst/>
+          </a:prstGeom>
+        </p:spPr>
+        <p:txBody>
+          <a:bodyPr vert="horz" lIns="91440" tIns="45720" rIns="91440" bIns="45720" rtlCol="0">
+            <a:normAutofit/>
+          </a:bodyPr>
+          <a:lstStyle>
+            <a:lvl1pPr marL="228600" indent="-228600" algn="l" defTabSz="914400" rtl="0" eaLnBrk="1" latinLnBrk="0" hangingPunct="1">
+              <a:lnSpc>
+                <a:spcPct val="90000"/>
+              </a:lnSpc>
+              <a:spcBef>
+                <a:spcPts val="1000"/>
+              </a:spcBef>
+              <a:buFont typeface="Arial" panose="020B0604020202020204" pitchFamily="34" charset="0"/>
+              <a:buChar char="•"/>
+              <a:defRPr sz="2800" kern="1200">
+                <a:solidFill>
+                  <a:schemeClr val="tx1"/>
+                </a:solidFill>
+                <a:latin typeface="+mn-lt"/>
+                <a:ea typeface="+mn-ea"/>
+                <a:cs typeface="+mn-cs"/>
+              </a:defRPr>
+            </a:lvl1pPr>
+            <a:lvl2pPr marL="685800" indent="-228600" algn="l" defTabSz="914400" rtl="0" eaLnBrk="1" latinLnBrk="0" hangingPunct="1">
+              <a:lnSpc>
+                <a:spcPct val="90000"/>
+              </a:lnSpc>
+              <a:spcBef>
+                <a:spcPts val="500"/>
+              </a:spcBef>
+              <a:buFont typeface="Arial" panose="020B0604020202020204" pitchFamily="34" charset="0"/>
+              <a:buChar char="•"/>
+              <a:defRPr sz="2400" kern="1200">
+                <a:solidFill>
+                  <a:schemeClr val="tx1"/>
+                </a:solidFill>
+                <a:latin typeface="+mn-lt"/>
+                <a:ea typeface="+mn-ea"/>
+                <a:cs typeface="+mn-cs"/>
+              </a:defRPr>
+            </a:lvl2pPr>
+            <a:lvl3pPr marL="1143000" indent="-228600" algn="l" defTabSz="914400" rtl="0" eaLnBrk="1" latinLnBrk="0" hangingPunct="1">
+              <a:lnSpc>
+                <a:spcPct val="90000"/>
+              </a:lnSpc>
+              <a:spcBef>
+                <a:spcPts val="500"/>
+              </a:spcBef>
+              <a:buFont typeface="Arial" panose="020B0604020202020204" pitchFamily="34" charset="0"/>
+              <a:buChar char="•"/>
+              <a:defRPr sz="2000" kern="1200">
+                <a:solidFill>
+                  <a:schemeClr val="tx1"/>
+                </a:solidFill>
+                <a:latin typeface="+mn-lt"/>
+                <a:ea typeface="+mn-ea"/>
+                <a:cs typeface="+mn-cs"/>
+              </a:defRPr>
+            </a:lvl3pPr>
+            <a:lvl4pPr marL="1600200" indent="-228600" algn="l" defTabSz="914400" rtl="0" eaLnBrk="1" latinLnBrk="0" hangingPunct="1">
+              <a:lnSpc>
+                <a:spcPct val="90000"/>
+              </a:lnSpc>
+              <a:spcBef>
+                <a:spcPts val="500"/>
+              </a:spcBef>
+              <a:buFont typeface="Arial" panose="020B0604020202020204" pitchFamily="34" charset="0"/>
+              <a:buChar char="•"/>
+              <a:defRPr sz="1800" kern="1200">
+                <a:solidFill>
+                  <a:schemeClr val="tx1"/>
+                </a:solidFill>
+                <a:latin typeface="+mn-lt"/>
+                <a:ea typeface="+mn-ea"/>
+                <a:cs typeface="+mn-cs"/>
+              </a:defRPr>
+            </a:lvl4pPr>
+            <a:lvl5pPr marL="2057400" indent="-228600" algn="l" defTabSz="914400" rtl="0" eaLnBrk="1" latinLnBrk="0" hangingPunct="1">
+              <a:lnSpc>
+                <a:spcPct val="90000"/>
+              </a:lnSpc>
+              <a:spcBef>
+                <a:spcPts val="500"/>
+              </a:spcBef>
+              <a:buFont typeface="Arial" panose="020B0604020202020204" pitchFamily="34" charset="0"/>
+              <a:buChar char="•"/>
+              <a:defRPr sz="1800" kern="1200">
+                <a:solidFill>
+                  <a:schemeClr val="tx1"/>
+                </a:solidFill>
+                <a:latin typeface="+mn-lt"/>
+                <a:ea typeface="+mn-ea"/>
+                <a:cs typeface="+mn-cs"/>
+              </a:defRPr>
+            </a:lvl5pPr>
+            <a:lvl6pPr marL="2514600" indent="-228600" algn="l" defTabSz="914400" rtl="0" eaLnBrk="1" latinLnBrk="0" hangingPunct="1">
+              <a:lnSpc>
+                <a:spcPct val="90000"/>
+              </a:lnSpc>
+              <a:spcBef>
+                <a:spcPts val="500"/>
+              </a:spcBef>
+              <a:buFont typeface="Arial" panose="020B0604020202020204" pitchFamily="34" charset="0"/>
+              <a:buChar char="•"/>
+              <a:defRPr sz="1800" kern="1200">
+                <a:solidFill>
+                  <a:schemeClr val="tx1"/>
+                </a:solidFill>
+                <a:latin typeface="+mn-lt"/>
+                <a:ea typeface="+mn-ea"/>
+                <a:cs typeface="+mn-cs"/>
+              </a:defRPr>
+            </a:lvl6pPr>
+            <a:lvl7pPr marL="2971800" indent="-228600" algn="l" defTabSz="914400" rtl="0" eaLnBrk="1" latinLnBrk="0" hangingPunct="1">
+              <a:lnSpc>
+                <a:spcPct val="90000"/>
+              </a:lnSpc>
+              <a:spcBef>
+                <a:spcPts val="500"/>
+              </a:spcBef>
+              <a:buFont typeface="Arial" panose="020B0604020202020204" pitchFamily="34" charset="0"/>
+              <a:buChar char="•"/>
+              <a:defRPr sz="1800" kern="1200">
+                <a:solidFill>
+                  <a:schemeClr val="tx1"/>
+                </a:solidFill>
+                <a:latin typeface="+mn-lt"/>
+                <a:ea typeface="+mn-ea"/>
+                <a:cs typeface="+mn-cs"/>
+              </a:defRPr>
+            </a:lvl7pPr>
+            <a:lvl8pPr marL="3429000" indent="-228600" algn="l" defTabSz="914400" rtl="0" eaLnBrk="1" latinLnBrk="0" hangingPunct="1">
+              <a:lnSpc>
+                <a:spcPct val="90000"/>
+              </a:lnSpc>
+              <a:spcBef>
+                <a:spcPts val="500"/>
+              </a:spcBef>
+              <a:buFont typeface="Arial" panose="020B0604020202020204" pitchFamily="34" charset="0"/>
+              <a:buChar char="•"/>
+              <a:defRPr sz="1800" kern="1200">
+                <a:solidFill>
+                  <a:schemeClr val="tx1"/>
+                </a:solidFill>
+                <a:latin typeface="+mn-lt"/>
+                <a:ea typeface="+mn-ea"/>
+                <a:cs typeface="+mn-cs"/>
+              </a:defRPr>
+            </a:lvl8pPr>
+            <a:lvl9pPr marL="3886200" indent="-228600" algn="l" defTabSz="914400" rtl="0" eaLnBrk="1" latinLnBrk="0" hangingPunct="1">
+              <a:lnSpc>
+                <a:spcPct val="90000"/>
+              </a:lnSpc>
+              <a:spcBef>
+                <a:spcPts val="500"/>
+              </a:spcBef>
+              <a:buFont typeface="Arial" panose="020B0604020202020204" pitchFamily="34" charset="0"/>
+              <a:buChar char="•"/>
+              <a:defRPr sz="1800" kern="1200">
+                <a:solidFill>
+                  <a:schemeClr val="tx1"/>
+                </a:solidFill>
+                <a:latin typeface="+mn-lt"/>
+                <a:ea typeface="+mn-ea"/>
+                <a:cs typeface="+mn-cs"/>
+              </a:defRPr>
+            </a:lvl9pPr>
+          </a:lstStyle>
+          <a:p>
+            <a:pPr marL="0" indent="0">
+              <a:buFont typeface="Arial" panose="020B0604020202020204" pitchFamily="34" charset="0"/>
+              <a:buNone/>
+            </a:pPr>
+            <a:r>
+              <a:rPr lang="zh-CN" altLang="en-US" sz="1800" dirty="0" smtClean="0">
+                <a:latin typeface="微软雅黑" panose="020B0503020204020204" pitchFamily="34" charset="-122"/>
+                <a:ea typeface="微软雅黑" panose="020B0503020204020204" pitchFamily="34" charset="-122"/>
+              </a:rPr>
+              <a:t>根据纳什均衡提出建议：</a:t>
+            </a:r>
+            <a:endParaRPr lang="en-US" altLang="zh-CN" sz="1800" dirty="0" smtClean="0">
+              <a:latin typeface="微软雅黑" panose="020B0503020204020204" pitchFamily="34" charset="-122"/>
+              <a:ea typeface="微软雅黑" panose="020B0503020204020204" pitchFamily="34" charset="-122"/>
+            </a:endParaRPr>
+          </a:p>
+          <a:p>
+            <a:pPr marL="0" indent="0">
+              <a:buFont typeface="Arial" panose="020B0604020202020204" pitchFamily="34" charset="0"/>
+              <a:buNone/>
+            </a:pPr>
+            <a:r>
+              <a:rPr lang="en-US" altLang="zh-CN" sz="1800" dirty="0" smtClean="0">
+                <a:latin typeface="微软雅黑" panose="020B0503020204020204" pitchFamily="34" charset="-122"/>
+                <a:ea typeface="微软雅黑" panose="020B0503020204020204" pitchFamily="34" charset="-122"/>
+              </a:rPr>
+              <a:t>1.</a:t>
+            </a:r>
+            <a:r>
+              <a:rPr lang="zh-CN" altLang="en-US" sz="1800" dirty="0" smtClean="0">
+                <a:latin typeface="微软雅黑" panose="020B0503020204020204" pitchFamily="34" charset="-122"/>
+                <a:ea typeface="微软雅黑" panose="020B0503020204020204" pitchFamily="34" charset="-122"/>
+              </a:rPr>
+              <a:t>学生作弊的根本原因是在当前的考试环境下，作弊的净收益大于不作弊。作为一个理性的人，大学生会选择作弊。</a:t>
+            </a:r>
+            <a:endParaRPr lang="en-US" altLang="zh-CN" sz="1800" dirty="0" smtClean="0">
+              <a:latin typeface="微软雅黑" panose="020B0503020204020204" pitchFamily="34" charset="-122"/>
+              <a:ea typeface="微软雅黑" panose="020B0503020204020204" pitchFamily="34" charset="-122"/>
+            </a:endParaRPr>
+          </a:p>
+          <a:p>
+            <a:pPr marL="0" indent="0">
+              <a:buFont typeface="Arial" panose="020B0604020202020204" pitchFamily="34" charset="0"/>
+              <a:buNone/>
+            </a:pPr>
+            <a:r>
+              <a:rPr lang="en-US" altLang="zh-CN" sz="1800" dirty="0" smtClean="0">
+                <a:latin typeface="微软雅黑" panose="020B0503020204020204" pitchFamily="34" charset="-122"/>
+                <a:ea typeface="微软雅黑" panose="020B0503020204020204" pitchFamily="34" charset="-122"/>
+              </a:rPr>
+              <a:t>2.</a:t>
+            </a:r>
+            <a:r>
+              <a:rPr lang="zh-CN" altLang="en-US" sz="1800" dirty="0" smtClean="0">
+                <a:latin typeface="微软雅黑" panose="020B0503020204020204" pitchFamily="34" charset="-122"/>
+                <a:ea typeface="微软雅黑" panose="020B0503020204020204" pitchFamily="34" charset="-122"/>
+              </a:rPr>
+              <a:t>可以通过增加对监考人员的奖惩力度，以激励他们有效地工作。</a:t>
+            </a:r>
+            <a:endParaRPr lang="en-US" altLang="zh-CN" sz="1800" dirty="0" smtClean="0">
+              <a:latin typeface="微软雅黑" panose="020B0503020204020204" pitchFamily="34" charset="-122"/>
+              <a:ea typeface="微软雅黑" panose="020B0503020204020204" pitchFamily="34" charset="-122"/>
+            </a:endParaRPr>
           </a:p>
         </p:txBody>
       </p:sp>
@@ -10413,13 +11081,20 @@
           <a:lstStyle/>
           <a:p>
             <a:r>
-              <a:rPr lang="zh-CN" dirty="0">
-                <a:latin typeface="微软雅黑" panose="020B0503020204020204" pitchFamily="34" charset="-122"/>
-                <a:ea typeface="微软雅黑" panose="020B0503020204020204" pitchFamily="34" charset="-122"/>
-              </a:rPr>
-              <a:t>文献调研</a:t>
-            </a:r>
-            <a:endParaRPr lang="zh-CN" b="1" dirty="0">
+              <a:rPr lang="zh-CN" altLang="en-US" dirty="0" smtClean="0">
+                <a:latin typeface="微软雅黑" panose="020B0503020204020204" pitchFamily="34" charset="-122"/>
+                <a:ea typeface="微软雅黑" panose="020B0503020204020204" pitchFamily="34" charset="-122"/>
+              </a:rPr>
+              <a:t>囚徒困境结合</a:t>
+            </a:r>
+            <a:r>
+              <a:rPr lang="zh-CN" altLang="en-US" dirty="0">
+                <a:latin typeface="微软雅黑" panose="020B0503020204020204" pitchFamily="34" charset="-122"/>
+                <a:ea typeface="微软雅黑" panose="020B0503020204020204" pitchFamily="34" charset="-122"/>
+              </a:rPr>
+              <a:t>组内推荐</a:t>
+            </a:r>
+            <a:endParaRPr lang="en-US" altLang="zh-CN" dirty="0">
               <a:latin typeface="微软雅黑" panose="020B0503020204020204" pitchFamily="34" charset="-122"/>
               <a:ea typeface="微软雅黑" panose="020B0503020204020204" pitchFamily="34" charset="-122"/>
             </a:endParaRPr>
@@ -10428,128 +11103,186 @@
       </p:sp>
       <p:sp>
         <p:nvSpPr>
-          <p:cNvPr id="4" name="内容占位符 3"/>
-          <p:cNvSpPr>
-            <a:spLocks noGrp="1"/>
-          </p:cNvSpPr>
-          <p:nvPr>
-            <p:ph idx="1"/>
-          </p:nvPr>
-        </p:nvSpPr>
-        <p:spPr>
-          <a:xfrm>
-            <a:off x="838200" y="1825625"/>
-            <a:ext cx="10515600" cy="4516452"/>
-          </a:xfrm>
-        </p:spPr>
-        <p:txBody>
-          <a:bodyPr>
-            <a:normAutofit/>
+          <p:cNvPr id="7" name="文本框 6"/>
+          <p:cNvSpPr txBox="1"/>
+          <p:nvPr/>
+        </p:nvSpPr>
+        <p:spPr>
+          <a:xfrm>
+            <a:off x="838200" y="1542993"/>
+            <a:ext cx="10823575" cy="645160"/>
+          </a:xfrm>
+          <a:prstGeom prst="rect">
+            <a:avLst/>
+          </a:prstGeom>
+          <a:noFill/>
+        </p:spPr>
+        <p:txBody>
+          <a:bodyPr wrap="square" rtlCol="0">
+            <a:spAutoFit/>
           </a:bodyPr>
           <a:lstStyle/>
           <a:p>
-            <a:pPr marL="0" indent="0">
-              <a:buNone/>
-            </a:pPr>
-            <a:r>
-              <a:rPr lang="zh-CN" altLang="en-US" sz="2000" dirty="0">
-                <a:latin typeface="微软雅黑" panose="020B0503020204020204" pitchFamily="34" charset="-122"/>
-                <a:ea typeface="微软雅黑" panose="020B0503020204020204" pitchFamily="34" charset="-122"/>
-              </a:rPr>
-              <a:t>内容：博弈论结合其他领域。</a:t>
-            </a:r>
-            <a:endParaRPr lang="en-US" altLang="zh-CN" sz="2000" dirty="0">
-              <a:latin typeface="微软雅黑" panose="020B0503020204020204" pitchFamily="34" charset="-122"/>
-              <a:ea typeface="微软雅黑" panose="020B0503020204020204" pitchFamily="34" charset="-122"/>
+            <a:r>
+              <a:rPr lang="en-US" altLang="zh-CN" dirty="0">
+                <a:latin typeface="Times New Roman" panose="02020603050405020304" pitchFamily="18" charset="0"/>
+                <a:cs typeface="Times New Roman" panose="02020603050405020304" pitchFamily="18" charset="0"/>
+              </a:rPr>
+              <a:t>IEEE TRANSACTIONS ON LEARNING TECHNOLOGIES-2020-Motivating Students in Collaborative Activities With Game-Theoretic Group Recommendations</a:t>
+            </a:r>
+            <a:endParaRPr lang="zh-CN" altLang="en-US" dirty="0">
+              <a:latin typeface="Times New Roman" panose="02020603050405020304" pitchFamily="18" charset="0"/>
+              <a:cs typeface="Times New Roman" panose="02020603050405020304" pitchFamily="18" charset="0"/>
             </a:endParaRPr>
           </a:p>
-          <a:p>
-            <a:pPr marL="0" indent="0">
-              <a:buNone/>
-            </a:pPr>
-            <a:endParaRPr lang="en-US" altLang="zh-CN" sz="2000" dirty="0">
-              <a:latin typeface="微软雅黑" panose="020B0503020204020204" pitchFamily="34" charset="-122"/>
-              <a:ea typeface="微软雅黑" panose="020B0503020204020204" pitchFamily="34" charset="-122"/>
-            </a:endParaRPr>
-          </a:p>
-          <a:p>
-            <a:pPr marL="0" indent="0">
-              <a:buNone/>
-            </a:pPr>
-            <a:r>
-              <a:rPr lang="en-US" altLang="zh-CN" sz="2000" dirty="0">
-                <a:latin typeface="微软雅黑" panose="020B0503020204020204" pitchFamily="34" charset="-122"/>
-                <a:ea typeface="微软雅黑" panose="020B0503020204020204" pitchFamily="34" charset="-122"/>
-              </a:rPr>
-              <a:t>1. </a:t>
-            </a:r>
-            <a:r>
-              <a:rPr lang="zh-CN" altLang="en-US" sz="2000" dirty="0">
-                <a:latin typeface="微软雅黑" panose="020B0503020204020204" pitchFamily="34" charset="-122"/>
-                <a:ea typeface="微软雅黑" panose="020B0503020204020204" pitchFamily="34" charset="-122"/>
-              </a:rPr>
-              <a:t>博弈论分析现有场景</a:t>
-            </a:r>
-          </a:p>
-          <a:p>
-            <a:pPr marL="0" indent="0">
-              <a:buNone/>
-            </a:pPr>
-            <a:r>
-              <a:rPr lang="en-US" altLang="zh-CN" sz="2000" dirty="0">
-                <a:latin typeface="微软雅黑" panose="020B0503020204020204" pitchFamily="34" charset="-122"/>
-                <a:ea typeface="微软雅黑" panose="020B0503020204020204" pitchFamily="34" charset="-122"/>
-              </a:rPr>
-              <a:t>2. </a:t>
-            </a:r>
-            <a:r>
-              <a:rPr lang="zh-CN" altLang="en-US" sz="2000" dirty="0">
-                <a:latin typeface="微软雅黑" panose="020B0503020204020204" pitchFamily="34" charset="-122"/>
-                <a:ea typeface="微软雅黑" panose="020B0503020204020204" pitchFamily="34" charset="-122"/>
-              </a:rPr>
-              <a:t>博弈论解决问题</a:t>
-            </a:r>
-          </a:p>
-          <a:p>
-            <a:pPr marL="0" indent="0">
-              <a:buNone/>
-            </a:pPr>
-            <a:r>
-              <a:rPr lang="en-US" altLang="zh-CN" sz="2000" dirty="0">
-                <a:latin typeface="微软雅黑" panose="020B0503020204020204" pitchFamily="34" charset="-122"/>
-                <a:ea typeface="微软雅黑" panose="020B0503020204020204" pitchFamily="34" charset="-122"/>
-              </a:rPr>
-              <a:t>3. </a:t>
-            </a:r>
-            <a:r>
-              <a:rPr lang="zh-CN" altLang="en-US" sz="2000" dirty="0">
-                <a:latin typeface="微软雅黑" panose="020B0503020204020204" pitchFamily="34" charset="-122"/>
-                <a:ea typeface="微软雅黑" panose="020B0503020204020204" pitchFamily="34" charset="-122"/>
-              </a:rPr>
-              <a:t>优化博弈论求解算法</a:t>
-            </a:r>
-            <a:endParaRPr lang="en-US" altLang="zh-CN" sz="2000" dirty="0">
-              <a:latin typeface="微软雅黑" panose="020B0503020204020204" pitchFamily="34" charset="-122"/>
-              <a:ea typeface="微软雅黑" panose="020B0503020204020204" pitchFamily="34" charset="-122"/>
-            </a:endParaRPr>
-          </a:p>
-          <a:p>
-            <a:pPr marL="0" indent="0">
-              <a:buNone/>
-            </a:pPr>
-            <a:endParaRPr lang="en-US" altLang="zh-CN" sz="2000" dirty="0">
-              <a:latin typeface="微软雅黑" panose="020B0503020204020204" pitchFamily="34" charset="-122"/>
-              <a:ea typeface="微软雅黑" panose="020B0503020204020204" pitchFamily="34" charset="-122"/>
-            </a:endParaRPr>
-          </a:p>
-          <a:p>
-            <a:pPr marL="0" indent="0">
-              <a:buNone/>
-            </a:pPr>
-            <a:endParaRPr lang="en-US" altLang="zh-CN" sz="2000" dirty="0">
-              <a:latin typeface="微软雅黑" panose="020B0503020204020204" pitchFamily="34" charset="-122"/>
-              <a:ea typeface="微软雅黑" panose="020B0503020204020204" pitchFamily="34" charset="-122"/>
-            </a:endParaRPr>
+        </p:txBody>
+      </p:sp>
+      <p:sp>
+        <p:nvSpPr>
+          <p:cNvPr id="8" name="文本框 7"/>
+          <p:cNvSpPr txBox="1"/>
+          <p:nvPr/>
+        </p:nvSpPr>
+        <p:spPr>
+          <a:xfrm>
+            <a:off x="838200" y="2432628"/>
+            <a:ext cx="6116955" cy="922020"/>
+          </a:xfrm>
+          <a:prstGeom prst="rect">
+            <a:avLst/>
+          </a:prstGeom>
+          <a:noFill/>
+        </p:spPr>
+        <p:txBody>
+          <a:bodyPr wrap="square" rtlCol="0">
+            <a:spAutoFit/>
+          </a:bodyPr>
+          <a:lstStyle/>
+          <a:p>
+            <a:r>
+              <a:rPr lang="zh-CN" altLang="en-US" dirty="0"/>
+              <a:t>博弈论结合组内推荐，向组内配套推荐一套教育资源。</a:t>
+            </a:r>
+            <a:endParaRPr lang="en-US" altLang="zh-CN" dirty="0"/>
+          </a:p>
+          <a:p>
+            <a:r>
+              <a:rPr lang="zh-CN" altLang="en-US" dirty="0"/>
+              <a:t>量化组内成员的需求，通过收益矩阵找出利润最大的推荐结果。</a:t>
+            </a:r>
+          </a:p>
+        </p:txBody>
+      </p:sp>
+      <p:pic>
+        <p:nvPicPr>
+          <p:cNvPr id="11" name="图片 10"/>
+          <p:cNvPicPr>
+            <a:picLocks noChangeAspect="1"/>
+          </p:cNvPicPr>
+          <p:nvPr/>
+        </p:nvPicPr>
+        <p:blipFill>
+          <a:blip r:embed="rId2"/>
+          <a:stretch>
+            <a:fillRect/>
+          </a:stretch>
+        </p:blipFill>
+        <p:spPr>
+          <a:xfrm>
+            <a:off x="7080250" y="2082743"/>
+            <a:ext cx="4273550" cy="1400810"/>
+          </a:xfrm>
+          <a:prstGeom prst="rect">
+            <a:avLst/>
+          </a:prstGeom>
+        </p:spPr>
+      </p:pic>
+      <p:pic>
+        <p:nvPicPr>
+          <p:cNvPr id="12" name="图片 11"/>
+          <p:cNvPicPr>
+            <a:picLocks noChangeAspect="1"/>
+          </p:cNvPicPr>
+          <p:nvPr/>
+        </p:nvPicPr>
+        <p:blipFill>
+          <a:blip r:embed="rId3"/>
+          <a:stretch>
+            <a:fillRect/>
+          </a:stretch>
+        </p:blipFill>
+        <p:spPr>
+          <a:xfrm>
+            <a:off x="5594146" y="3483645"/>
+            <a:ext cx="5759445" cy="2808513"/>
+          </a:xfrm>
+          <a:prstGeom prst="rect">
+            <a:avLst/>
+          </a:prstGeom>
+        </p:spPr>
+      </p:pic>
+      <p:sp>
+        <p:nvSpPr>
+          <p:cNvPr id="13" name="文本框 12"/>
+          <p:cNvSpPr txBox="1"/>
+          <p:nvPr/>
+        </p:nvSpPr>
+        <p:spPr>
+          <a:xfrm>
+            <a:off x="695756" y="3599123"/>
+            <a:ext cx="4898390" cy="645160"/>
+          </a:xfrm>
+          <a:prstGeom prst="rect">
+            <a:avLst/>
+          </a:prstGeom>
+          <a:noFill/>
+        </p:spPr>
+        <p:txBody>
+          <a:bodyPr wrap="square" rtlCol="0">
+            <a:spAutoFit/>
+          </a:bodyPr>
+          <a:lstStyle/>
+          <a:p>
+            <a:r>
+              <a:rPr lang="zh-CN" altLang="en-US" dirty="0"/>
+              <a:t>问题场景——学生分组，推荐教育资源。</a:t>
+            </a:r>
+          </a:p>
+          <a:p>
+            <a:r>
+              <a:rPr lang="zh-CN" altLang="en-US" dirty="0"/>
+              <a:t>贡献：量化学生需求，博弈论寻找纳什均衡。</a:t>
+            </a:r>
+          </a:p>
+        </p:txBody>
+      </p:sp>
+      <p:sp>
+        <p:nvSpPr>
+          <p:cNvPr id="10" name="文本框 9"/>
+          <p:cNvSpPr txBox="1"/>
+          <p:nvPr/>
+        </p:nvSpPr>
+        <p:spPr>
+          <a:xfrm>
+            <a:off x="695756" y="4887901"/>
+            <a:ext cx="4566200" cy="1200329"/>
+          </a:xfrm>
+          <a:prstGeom prst="rect">
+            <a:avLst/>
+          </a:prstGeom>
+          <a:noFill/>
+        </p:spPr>
+        <p:txBody>
+          <a:bodyPr wrap="square" rtlCol="0">
+            <a:spAutoFit/>
+          </a:bodyPr>
+          <a:lstStyle/>
+          <a:p>
+            <a:r>
+              <a:rPr lang="zh-CN" altLang="en-US" dirty="0" smtClean="0"/>
+              <a:t>总结：引入囚徒困境的论文在博弈论的运用方面较为简单，将囚徒困境中的纳什均衡作为解决问题的关键一节。收益矩阵主要根据相关的情景进行建模，</a:t>
+            </a:r>
+            <a:endParaRPr lang="zh-CN" altLang="en-US" dirty="0"/>
           </a:p>
         </p:txBody>
       </p:sp>
@@ -10594,155 +11327,99 @@
           <a:lstStyle/>
           <a:p>
             <a:r>
-              <a:rPr lang="en-US" altLang="zh-CN" dirty="0">
-                <a:latin typeface="微软雅黑" panose="020B0503020204020204" pitchFamily="34" charset="-122"/>
-                <a:ea typeface="微软雅黑" panose="020B0503020204020204" pitchFamily="34" charset="-122"/>
-                <a:sym typeface="+mn-ea"/>
-              </a:rPr>
-              <a:t>1. </a:t>
-            </a:r>
-            <a:r>
               <a:rPr lang="zh-CN" altLang="en-US" dirty="0">
                 <a:latin typeface="微软雅黑" panose="020B0503020204020204" pitchFamily="34" charset="-122"/>
                 <a:ea typeface="微软雅黑" panose="020B0503020204020204" pitchFamily="34" charset="-122"/>
-                <a:sym typeface="+mn-ea"/>
-              </a:rPr>
-              <a:t>博弈论分析现有场景</a:t>
-            </a:r>
-            <a:endParaRPr lang="en-US" altLang="zh-CN" b="1" dirty="0">
+              </a:rPr>
+              <a:t>囚徒困境</a:t>
+            </a:r>
+            <a:r>
+              <a:rPr lang="zh-CN" altLang="en-US" dirty="0" smtClean="0">
+                <a:latin typeface="微软雅黑" panose="020B0503020204020204" pitchFamily="34" charset="-122"/>
+                <a:ea typeface="微软雅黑" panose="020B0503020204020204" pitchFamily="34" charset="-122"/>
+              </a:rPr>
+              <a:t>结合</a:t>
+            </a:r>
+            <a:r>
+              <a:rPr lang="zh-CN" altLang="en-US" dirty="0">
+                <a:latin typeface="微软雅黑" panose="020B0503020204020204" pitchFamily="34" charset="-122"/>
+                <a:ea typeface="微软雅黑" panose="020B0503020204020204" pitchFamily="34" charset="-122"/>
+              </a:rPr>
+              <a:t>组内推荐</a:t>
+            </a:r>
+            <a:endParaRPr lang="en-US" altLang="zh-CN" dirty="0">
               <a:latin typeface="微软雅黑" panose="020B0503020204020204" pitchFamily="34" charset="-122"/>
               <a:ea typeface="微软雅黑" panose="020B0503020204020204" pitchFamily="34" charset="-122"/>
             </a:endParaRPr>
           </a:p>
         </p:txBody>
       </p:sp>
-      <p:sp>
-        <p:nvSpPr>
-          <p:cNvPr id="4" name="内容占位符 3"/>
-          <p:cNvSpPr>
-            <a:spLocks noGrp="1"/>
-          </p:cNvSpPr>
-          <p:nvPr>
-            <p:ph idx="1"/>
-          </p:nvPr>
-        </p:nvSpPr>
-        <p:spPr>
-          <a:xfrm>
-            <a:off x="838200" y="1825625"/>
-            <a:ext cx="10515600" cy="4516452"/>
-          </a:xfrm>
-        </p:spPr>
-        <p:txBody>
-          <a:bodyPr>
-            <a:normAutofit/>
-          </a:bodyPr>
-          <a:lstStyle/>
-          <a:p>
-            <a:pPr marL="0" indent="0">
-              <a:buNone/>
-            </a:pPr>
-            <a:r>
-              <a:rPr lang="zh-CN" altLang="en-US" sz="2000" dirty="0">
-                <a:latin typeface="微软雅黑" panose="020B0503020204020204" pitchFamily="34" charset="-122"/>
-                <a:ea typeface="微软雅黑" panose="020B0503020204020204" pitchFamily="34" charset="-122"/>
-              </a:rPr>
-              <a:t>对现有的场景，使用博弈论的模型进行分析，给出建议。</a:t>
-            </a:r>
-            <a:endParaRPr lang="en-US" altLang="zh-CN" sz="2000" dirty="0">
-              <a:latin typeface="微软雅黑" panose="020B0503020204020204" pitchFamily="34" charset="-122"/>
-              <a:ea typeface="微软雅黑" panose="020B0503020204020204" pitchFamily="34" charset="-122"/>
-            </a:endParaRPr>
-          </a:p>
-          <a:p>
-            <a:pPr marL="0" indent="0">
-              <a:buNone/>
-            </a:pPr>
-            <a:endParaRPr lang="en-US" altLang="zh-CN" sz="2000" dirty="0">
-              <a:latin typeface="微软雅黑" panose="020B0503020204020204" pitchFamily="34" charset="-122"/>
-              <a:ea typeface="微软雅黑" panose="020B0503020204020204" pitchFamily="34" charset="-122"/>
-            </a:endParaRPr>
-          </a:p>
-          <a:p>
-            <a:pPr marL="0" indent="0">
-              <a:buNone/>
-            </a:pPr>
-            <a:r>
-              <a:rPr lang="en-US" altLang="zh-CN" sz="1600" dirty="0">
-                <a:latin typeface="微软雅黑" panose="020B0503020204020204" pitchFamily="34" charset="-122"/>
-                <a:ea typeface="微软雅黑" panose="020B0503020204020204" pitchFamily="34" charset="-122"/>
-              </a:rPr>
-              <a:t>1. Journal of Education for Business-2018-The effectiveness of peer assessment and a proposal for its analysis using game theory</a:t>
-            </a:r>
-          </a:p>
-          <a:p>
-            <a:pPr marL="0" indent="0">
-              <a:buNone/>
-            </a:pPr>
-            <a:r>
-              <a:rPr lang="en-US" altLang="zh-CN" sz="1600" dirty="0">
-                <a:latin typeface="微软雅黑" panose="020B0503020204020204" pitchFamily="34" charset="-122"/>
-                <a:ea typeface="微软雅黑" panose="020B0503020204020204" pitchFamily="34" charset="-122"/>
-              </a:rPr>
-              <a:t>2. PACCS-2015-Game Theory Analysis on College Student Cheating</a:t>
-            </a:r>
-          </a:p>
-          <a:p>
-            <a:pPr marL="0" indent="0">
-              <a:buNone/>
-            </a:pPr>
-            <a:r>
-              <a:rPr lang="en-US" altLang="zh-CN" sz="1600" dirty="0">
-                <a:latin typeface="微软雅黑" panose="020B0503020204020204" pitchFamily="34" charset="-122"/>
-                <a:ea typeface="微软雅黑" panose="020B0503020204020204" pitchFamily="34" charset="-122"/>
-              </a:rPr>
-              <a:t>3. 学位与研究生教育-2015-博弈论视角下的导师与研究生关系探析</a:t>
-            </a:r>
-          </a:p>
-          <a:p>
-            <a:pPr marL="0" indent="0">
-              <a:buNone/>
-            </a:pPr>
-            <a:r>
-              <a:rPr lang="en-US" altLang="zh-CN" sz="1600" dirty="0">
-                <a:latin typeface="微软雅黑" panose="020B0503020204020204" pitchFamily="34" charset="-122"/>
-                <a:ea typeface="微软雅黑" panose="020B0503020204020204" pitchFamily="34" charset="-122"/>
-              </a:rPr>
-              <a:t>4. 教育学报-2019-高校师生之间的互评博弈是合作博弈吗</a:t>
-            </a:r>
-          </a:p>
-          <a:p>
-            <a:pPr marL="0" indent="0">
-              <a:buNone/>
-            </a:pPr>
-            <a:r>
-              <a:rPr lang="en-US" altLang="zh-CN" sz="1600" dirty="0">
-                <a:latin typeface="微软雅黑" panose="020B0503020204020204" pitchFamily="34" charset="-122"/>
-                <a:ea typeface="微软雅黑" panose="020B0503020204020204" pitchFamily="34" charset="-122"/>
-              </a:rPr>
-              <a:t>5. International Journal of System Assurance Engineering and Management-2020-Analysis and reflection on peer assessment results based on short play of game theory</a:t>
-            </a:r>
-          </a:p>
-          <a:p>
-            <a:pPr marL="0" indent="0">
-              <a:buNone/>
-            </a:pPr>
-            <a:endParaRPr lang="en-US" altLang="zh-CN" sz="2000" dirty="0">
-              <a:latin typeface="微软雅黑" panose="020B0503020204020204" pitchFamily="34" charset="-122"/>
-              <a:ea typeface="微软雅黑" panose="020B0503020204020204" pitchFamily="34" charset="-122"/>
-            </a:endParaRPr>
-          </a:p>
-          <a:p>
-            <a:pPr marL="0" indent="0">
-              <a:buNone/>
-            </a:pPr>
-            <a:endParaRPr lang="en-US" altLang="zh-CN" sz="2000" dirty="0">
-              <a:latin typeface="微软雅黑" panose="020B0503020204020204" pitchFamily="34" charset="-122"/>
-              <a:ea typeface="微软雅黑" panose="020B0503020204020204" pitchFamily="34" charset="-122"/>
-            </a:endParaRPr>
-          </a:p>
-        </p:txBody>
-      </p:sp>
+      <p:pic>
+        <p:nvPicPr>
+          <p:cNvPr id="4" name="图片 3"/>
+          <p:cNvPicPr>
+            <a:picLocks noChangeAspect="1"/>
+          </p:cNvPicPr>
+          <p:nvPr/>
+        </p:nvPicPr>
+        <p:blipFill>
+          <a:blip r:embed="rId2">
+            <a:extLst>
+              <a:ext uri="{28A0092B-C50C-407E-A947-70E740481C1C}">
+                <a14:useLocalDpi xmlns:a14="http://schemas.microsoft.com/office/drawing/2010/main" val="0"/>
+              </a:ext>
+            </a:extLst>
+          </a:blip>
+          <a:stretch>
+            <a:fillRect/>
+          </a:stretch>
+        </p:blipFill>
+        <p:spPr>
+          <a:xfrm>
+            <a:off x="698269" y="1794042"/>
+            <a:ext cx="5165802" cy="4382313"/>
+          </a:xfrm>
+          <a:prstGeom prst="rect">
+            <a:avLst/>
+          </a:prstGeom>
+        </p:spPr>
+      </p:pic>
+      <p:pic>
+        <p:nvPicPr>
+          <p:cNvPr id="6" name="图片 5"/>
+          <p:cNvPicPr>
+            <a:picLocks noChangeAspect="1"/>
+          </p:cNvPicPr>
+          <p:nvPr/>
+        </p:nvPicPr>
+        <p:blipFill>
+          <a:blip r:embed="rId3">
+            <a:extLst>
+              <a:ext uri="{28A0092B-C50C-407E-A947-70E740481C1C}">
+                <a14:useLocalDpi xmlns:a14="http://schemas.microsoft.com/office/drawing/2010/main" val="0"/>
+              </a:ext>
+            </a:extLst>
+          </a:blip>
+          <a:stretch>
+            <a:fillRect/>
+          </a:stretch>
+        </p:blipFill>
+        <p:spPr>
+          <a:xfrm>
+            <a:off x="6467719" y="1370220"/>
+            <a:ext cx="5191850" cy="5229955"/>
+          </a:xfrm>
+          <a:prstGeom prst="rect">
+            <a:avLst/>
+          </a:prstGeom>
+        </p:spPr>
+      </p:pic>
     </p:spTree>
+    <p:extLst>
+      <p:ext uri="{BB962C8B-B14F-4D97-AF65-F5344CB8AC3E}">
+        <p14:creationId xmlns:p14="http://schemas.microsoft.com/office/powerpoint/2010/main" val="4104846273"/>
+      </p:ext>
+    </p:extLst>
   </p:cSld>
   <p:clrMapOvr>
     <a:masterClrMapping/>
@@ -10783,20 +11460,11 @@
           <a:lstStyle/>
           <a:p>
             <a:r>
-              <a:rPr lang="en-US" altLang="zh-CN" dirty="0">
-                <a:latin typeface="微软雅黑" panose="020B0503020204020204" pitchFamily="34" charset="-122"/>
-                <a:ea typeface="微软雅黑" panose="020B0503020204020204" pitchFamily="34" charset="-122"/>
-                <a:sym typeface="+mn-ea"/>
-              </a:rPr>
-              <a:t>1. </a:t>
-            </a:r>
-            <a:r>
               <a:rPr lang="zh-CN" altLang="en-US" dirty="0">
                 <a:latin typeface="微软雅黑" panose="020B0503020204020204" pitchFamily="34" charset="-122"/>
                 <a:ea typeface="微软雅黑" panose="020B0503020204020204" pitchFamily="34" charset="-122"/>
-                <a:sym typeface="+mn-ea"/>
-              </a:rPr>
-              <a:t>博弈论分析现有场景</a:t>
+              </a:rPr>
+              <a:t>斯塔克尔伯格均衡</a:t>
             </a:r>
             <a:endParaRPr lang="en-US" altLang="zh-CN" b="1" dirty="0">
               <a:latin typeface="微软雅黑" panose="020B0503020204020204" pitchFamily="34" charset="-122"/>
@@ -10807,7 +11475,7 @@
       </p:sp>
       <p:sp>
         <p:nvSpPr>
-          <p:cNvPr id="6" name="内容占位符 5"/>
+          <p:cNvPr id="4" name="内容占位符 3"/>
           <p:cNvSpPr>
             <a:spLocks noGrp="1"/>
           </p:cNvSpPr>
@@ -10835,231 +11503,407 @@
                 <a:latin typeface="Times New Roman" panose="02020603050405020304" pitchFamily="18" charset="0"/>
                 <a:cs typeface="Times New Roman" panose="02020603050405020304" pitchFamily="18" charset="0"/>
               </a:rPr>
-              <a:t>PACCS-2015-Game Theory Analysis on College Student Cheating</a:t>
-            </a:r>
-          </a:p>
-        </p:txBody>
-      </p:sp>
-      <p:pic>
-        <p:nvPicPr>
-          <p:cNvPr id="7" name="图片 6"/>
-          <p:cNvPicPr>
-            <a:picLocks noChangeAspect="1"/>
-          </p:cNvPicPr>
-          <p:nvPr>
-            <p:custDataLst>
-              <p:tags r:id="rId1"/>
-            </p:custDataLst>
-          </p:nvPr>
-        </p:nvPicPr>
-        <p:blipFill>
-          <a:blip r:embed="rId4"/>
-          <a:stretch>
-            <a:fillRect/>
-          </a:stretch>
-        </p:blipFill>
-        <p:spPr>
-          <a:xfrm>
-            <a:off x="838200" y="2302504"/>
-            <a:ext cx="4877933" cy="1933212"/>
+              <a:t>AAAI-2015-Incentivizing Peer Grading in MOOCS: an Audit Game Approach</a:t>
+            </a:r>
+          </a:p>
+          <a:p>
+            <a:pPr marL="0" indent="0">
+              <a:buNone/>
+            </a:pPr>
+            <a:r>
+              <a:rPr lang="en-US" altLang="zh-CN" sz="2000" dirty="0">
+                <a:latin typeface="Times New Roman" panose="02020603050405020304" pitchFamily="18" charset="0"/>
+                <a:cs typeface="Times New Roman" panose="02020603050405020304" pitchFamily="18" charset="0"/>
+              </a:rPr>
+              <a:t>AAAI-2018-Optimal Spot-Checking for Improving Evaluation Accuracy of Peer Grading Systems</a:t>
+            </a:r>
+          </a:p>
+          <a:p>
+            <a:pPr marL="0" indent="0">
+              <a:buNone/>
+            </a:pPr>
+            <a:r>
+              <a:rPr lang="en-US" altLang="zh-CN" sz="2000" dirty="0">
+                <a:latin typeface="Times New Roman" panose="02020603050405020304" pitchFamily="18" charset="0"/>
+                <a:cs typeface="Times New Roman" panose="02020603050405020304" pitchFamily="18" charset="0"/>
+              </a:rPr>
+              <a:t>dl.acm.org-2015-Mechanical TA: Partially Automated High-Stakes Peer Grading</a:t>
+            </a:r>
+          </a:p>
+          <a:p>
+            <a:pPr marL="0" indent="0">
+              <a:buNone/>
+            </a:pPr>
+            <a:endParaRPr lang="en-US" altLang="zh-CN" sz="2000" dirty="0">
+              <a:latin typeface="微软雅黑" panose="020B0503020204020204" pitchFamily="34" charset="-122"/>
+              <a:ea typeface="微软雅黑" panose="020B0503020204020204" pitchFamily="34" charset="-122"/>
+            </a:endParaRPr>
+          </a:p>
+          <a:p>
+            <a:pPr marL="0" indent="0">
+              <a:buNone/>
+            </a:pPr>
+            <a:endParaRPr lang="en-US" altLang="zh-CN" sz="2000" dirty="0">
+              <a:latin typeface="微软雅黑" panose="020B0503020204020204" pitchFamily="34" charset="-122"/>
+              <a:ea typeface="微软雅黑" panose="020B0503020204020204" pitchFamily="34" charset="-122"/>
+            </a:endParaRPr>
+          </a:p>
+        </p:txBody>
+      </p:sp>
+      <p:sp>
+        <p:nvSpPr>
+          <p:cNvPr id="6" name="矩形 5"/>
+          <p:cNvSpPr/>
+          <p:nvPr/>
+        </p:nvSpPr>
+        <p:spPr>
+          <a:xfrm>
+            <a:off x="838200" y="3429000"/>
+            <a:ext cx="10050710" cy="369332"/>
           </a:xfrm>
           <a:prstGeom prst="rect">
             <a:avLst/>
           </a:prstGeom>
         </p:spPr>
-      </p:pic>
-      <p:pic>
-        <p:nvPicPr>
-          <p:cNvPr id="8" name="图片 7"/>
-          <p:cNvPicPr>
-            <a:picLocks noChangeAspect="1"/>
-          </p:cNvPicPr>
-          <p:nvPr>
-            <p:custDataLst>
-              <p:tags r:id="rId2"/>
-            </p:custDataLst>
-          </p:nvPr>
-        </p:nvPicPr>
-        <p:blipFill>
-          <a:blip r:embed="rId5"/>
-          <a:stretch>
-            <a:fillRect/>
-          </a:stretch>
-        </p:blipFill>
-        <p:spPr>
-          <a:xfrm>
-            <a:off x="6766309" y="2302504"/>
-            <a:ext cx="4428100" cy="1933211"/>
+        <p:txBody>
+          <a:bodyPr wrap="square">
+            <a:spAutoFit/>
+          </a:bodyPr>
+          <a:lstStyle/>
+          <a:p>
+            <a:r>
+              <a:rPr lang="zh-CN" altLang="en-US" dirty="0">
+                <a:latin typeface="微软雅黑" panose="020B0503020204020204" pitchFamily="34" charset="-122"/>
+                <a:ea typeface="微软雅黑" panose="020B0503020204020204" pitchFamily="34" charset="-122"/>
+              </a:rPr>
+              <a:t>互评中的抽查机制（</a:t>
+            </a:r>
+            <a:r>
+              <a:rPr lang="en-US" altLang="zh-CN" dirty="0">
+                <a:latin typeface="微软雅黑" panose="020B0503020204020204" pitchFamily="34" charset="-122"/>
+                <a:ea typeface="微软雅黑" panose="020B0503020204020204" pitchFamily="34" charset="-122"/>
+              </a:rPr>
+              <a:t>Spot-checking (SC) </a:t>
+            </a:r>
+            <a:r>
+              <a:rPr lang="zh-CN" altLang="en-US" dirty="0">
+                <a:latin typeface="微软雅黑" panose="020B0503020204020204" pitchFamily="34" charset="-122"/>
+                <a:ea typeface="微软雅黑" panose="020B0503020204020204" pitchFamily="34" charset="-122"/>
+              </a:rPr>
+              <a:t>）：学生评分后，老师会随机抽取作业进行检查。</a:t>
+            </a:r>
+            <a:endParaRPr lang="zh-CN" altLang="en-US" dirty="0"/>
+          </a:p>
+        </p:txBody>
+      </p:sp>
+      <p:cxnSp>
+        <p:nvCxnSpPr>
+          <p:cNvPr id="8" name="直接箭头连接符 7"/>
+          <p:cNvCxnSpPr/>
+          <p:nvPr/>
+        </p:nvCxnSpPr>
+        <p:spPr>
+          <a:xfrm>
+            <a:off x="3875714" y="3882221"/>
+            <a:ext cx="0" cy="822121"/>
+          </a:xfrm>
+          <a:prstGeom prst="straightConnector1">
+            <a:avLst/>
+          </a:prstGeom>
+          <a:ln>
+            <a:headEnd type="triangle"/>
+            <a:tailEnd type="triangle"/>
+          </a:ln>
+        </p:spPr>
+        <p:style>
+          <a:lnRef idx="1">
+            <a:schemeClr val="dk1"/>
+          </a:lnRef>
+          <a:fillRef idx="0">
+            <a:schemeClr val="dk1"/>
+          </a:fillRef>
+          <a:effectRef idx="0">
+            <a:schemeClr val="dk1"/>
+          </a:effectRef>
+          <a:fontRef idx="minor">
+            <a:schemeClr val="tx1"/>
+          </a:fontRef>
+        </p:style>
+      </p:cxnSp>
+      <p:sp>
+        <p:nvSpPr>
+          <p:cNvPr id="9" name="矩形 8"/>
+          <p:cNvSpPr/>
+          <p:nvPr/>
+        </p:nvSpPr>
+        <p:spPr>
+          <a:xfrm>
+            <a:off x="838199" y="4839279"/>
+            <a:ext cx="10515597" cy="369332"/>
           </a:xfrm>
           <a:prstGeom prst="rect">
             <a:avLst/>
           </a:prstGeom>
         </p:spPr>
-      </p:pic>
-      <p:sp>
-        <p:nvSpPr>
-          <p:cNvPr id="9" name="文本框 8"/>
-          <p:cNvSpPr txBox="1"/>
+        <p:txBody>
+          <a:bodyPr wrap="square">
+            <a:spAutoFit/>
+          </a:bodyPr>
+          <a:lstStyle/>
+          <a:p>
+            <a:r>
+              <a:rPr lang="zh-CN" altLang="en-US" dirty="0">
+                <a:latin typeface="微软雅黑" panose="020B0503020204020204" pitchFamily="34" charset="-122"/>
+                <a:ea typeface="微软雅黑" panose="020B0503020204020204" pitchFamily="34" charset="-122"/>
+              </a:rPr>
+              <a:t>斯塔克尔伯格均衡（</a:t>
+            </a:r>
+            <a:r>
+              <a:rPr lang="en-US" altLang="zh-CN" dirty="0"/>
+              <a:t> </a:t>
+            </a:r>
+            <a:r>
+              <a:rPr lang="en-US" altLang="zh-CN" dirty="0" err="1">
+                <a:latin typeface="微软雅黑" panose="020B0503020204020204" pitchFamily="34" charset="-122"/>
+                <a:ea typeface="微软雅黑" panose="020B0503020204020204" pitchFamily="34" charset="-122"/>
+              </a:rPr>
+              <a:t>Stackelberg</a:t>
+            </a:r>
+            <a:r>
+              <a:rPr lang="zh-CN" altLang="en-US" dirty="0">
+                <a:latin typeface="微软雅黑" panose="020B0503020204020204" pitchFamily="34" charset="-122"/>
+                <a:ea typeface="微软雅黑" panose="020B0503020204020204" pitchFamily="34" charset="-122"/>
+              </a:rPr>
+              <a:t>均衡）</a:t>
+            </a:r>
+          </a:p>
+        </p:txBody>
+      </p:sp>
+      <p:sp>
+        <p:nvSpPr>
+          <p:cNvPr id="10" name="矩形 9"/>
+          <p:cNvSpPr/>
           <p:nvPr/>
         </p:nvSpPr>
         <p:spPr>
           <a:xfrm>
-            <a:off x="5986145" y="4312285"/>
-            <a:ext cx="5367655" cy="2584450"/>
+            <a:off x="5550713" y="5268047"/>
+            <a:ext cx="1568740" cy="822121"/>
           </a:xfrm>
           <a:prstGeom prst="rect">
             <a:avLst/>
           </a:prstGeom>
           <a:noFill/>
-        </p:spPr>
-        <p:txBody>
-          <a:bodyPr wrap="square" rtlCol="0">
-            <a:spAutoFit/>
-          </a:bodyPr>
-          <a:lstStyle/>
-          <a:p>
-            <a:pPr marL="342900" indent="-342900">
-              <a:buAutoNum type="arabicPeriod"/>
-            </a:pPr>
+          <a:ln w="9525" cap="flat" cmpd="sng" algn="ctr">
+            <a:solidFill>
+              <a:schemeClr val="dk1"/>
+            </a:solidFill>
+            <a:prstDash val="solid"/>
+            <a:round/>
+            <a:headEnd type="none" w="med" len="med"/>
+            <a:tailEnd type="none" w="med" len="med"/>
+          </a:ln>
+        </p:spPr>
+        <p:style>
+          <a:lnRef idx="0">
+            <a:scrgbClr r="0" g="0" b="0"/>
+          </a:lnRef>
+          <a:fillRef idx="0">
+            <a:scrgbClr r="0" g="0" b="0"/>
+          </a:fillRef>
+          <a:effectRef idx="0">
+            <a:scrgbClr r="0" g="0" b="0"/>
+          </a:effectRef>
+          <a:fontRef idx="minor">
+            <a:schemeClr val="dk1"/>
+          </a:fontRef>
+        </p:style>
+        <p:txBody>
+          <a:bodyPr rtlCol="0" anchor="ctr"/>
+          <a:lstStyle/>
+          <a:p>
+            <a:pPr algn="ctr"/>
             <a:r>
               <a:rPr lang="zh-CN" altLang="en-US" dirty="0"/>
-              <a:t>学生作弊的根本原因是在当前的考试环境下，作弊的净收益大于不作弊。作为一个理性的人，大学生会选择作弊。作为回应，学校应该加强宣传</a:t>
-            </a:r>
-            <a:r>
-              <a:rPr lang="en-US" altLang="zh-CN" dirty="0"/>
-              <a:t>;</a:t>
-            </a:r>
-          </a:p>
-          <a:p>
-            <a:pPr marL="342900" indent="-342900">
-              <a:buAutoNum type="arabicPeriod"/>
-            </a:pPr>
-            <a:r>
-              <a:rPr lang="zh-CN" altLang="en-US" dirty="0"/>
-              <a:t>你也可以建立一个报告系统，增加学生之间的相互监督。</a:t>
-            </a:r>
-            <a:endParaRPr lang="en-US" altLang="zh-CN" dirty="0"/>
-          </a:p>
-          <a:p>
-            <a:pPr marL="342900" indent="-342900">
-              <a:buAutoNum type="arabicPeriod"/>
-            </a:pPr>
-            <a:r>
-              <a:rPr lang="zh-CN" altLang="en-US" dirty="0"/>
-              <a:t>防止学生作弊的方法是增加对监考人员的奖惩力度，以激励他们有效地工作。</a:t>
-            </a:r>
-            <a:endParaRPr lang="en-US" altLang="zh-CN" dirty="0"/>
-          </a:p>
-          <a:p>
-            <a:pPr marL="342900" indent="-342900">
-              <a:buAutoNum type="arabicPeriod"/>
-            </a:pPr>
-            <a:r>
-              <a:rPr lang="zh-CN" altLang="en-US" dirty="0"/>
-              <a:t>学校适当减少对作弊的惩罚，帮助监考人员在一定范围内加大力度，从而减少学生作弊。</a:t>
-            </a:r>
-          </a:p>
-        </p:txBody>
-      </p:sp>
-      <p:sp>
-        <p:nvSpPr>
-          <p:cNvPr id="10" name="文本框 9"/>
-          <p:cNvSpPr txBox="1"/>
+              <a:t>防守者</a:t>
+            </a:r>
+          </a:p>
+        </p:txBody>
+      </p:sp>
+      <p:sp>
+        <p:nvSpPr>
+          <p:cNvPr id="11" name="矩形 10"/>
+          <p:cNvSpPr/>
           <p:nvPr/>
         </p:nvSpPr>
         <p:spPr>
           <a:xfrm>
-            <a:off x="838200" y="4312518"/>
-            <a:ext cx="4849536" cy="2030095"/>
+            <a:off x="8555370" y="3881418"/>
+            <a:ext cx="1568740" cy="822121"/>
           </a:xfrm>
           <a:prstGeom prst="rect">
             <a:avLst/>
           </a:prstGeom>
           <a:noFill/>
-        </p:spPr>
-        <p:txBody>
-          <a:bodyPr wrap="square" rtlCol="0">
-            <a:spAutoFit/>
-          </a:bodyPr>
-          <a:lstStyle/>
-          <a:p>
+          <a:ln w="9525" cap="flat" cmpd="sng" algn="ctr">
+            <a:solidFill>
+              <a:schemeClr val="dk1"/>
+            </a:solidFill>
+            <a:prstDash val="solid"/>
+            <a:round/>
+            <a:headEnd type="none" w="med" len="med"/>
+            <a:tailEnd type="none" w="med" len="med"/>
+          </a:ln>
+        </p:spPr>
+        <p:style>
+          <a:lnRef idx="0">
+            <a:scrgbClr r="0" g="0" b="0"/>
+          </a:lnRef>
+          <a:fillRef idx="0">
+            <a:scrgbClr r="0" g="0" b="0"/>
+          </a:fillRef>
+          <a:effectRef idx="0">
+            <a:scrgbClr r="0" g="0" b="0"/>
+          </a:effectRef>
+          <a:fontRef idx="minor">
+            <a:schemeClr val="dk1"/>
+          </a:fontRef>
+        </p:style>
+        <p:txBody>
+          <a:bodyPr rtlCol="0" anchor="ctr"/>
+          <a:lstStyle/>
+          <a:p>
+            <a:pPr algn="ctr"/>
             <a:r>
               <a:rPr lang="zh-CN" altLang="en-US" dirty="0"/>
-              <a:t>决策来源</a:t>
-            </a:r>
-            <a:r>
-              <a:rPr lang="en-US" altLang="zh-CN" dirty="0"/>
-              <a:t>——</a:t>
-            </a:r>
+              <a:t>攻击者</a:t>
+            </a:r>
+          </a:p>
+        </p:txBody>
+      </p:sp>
+      <p:sp>
+        <p:nvSpPr>
+          <p:cNvPr id="12" name="矩形 11"/>
+          <p:cNvSpPr/>
+          <p:nvPr/>
+        </p:nvSpPr>
+        <p:spPr>
+          <a:xfrm>
+            <a:off x="8555370" y="5268046"/>
+            <a:ext cx="1568740" cy="822121"/>
+          </a:xfrm>
+          <a:prstGeom prst="rect">
+            <a:avLst/>
+          </a:prstGeom>
+          <a:noFill/>
+          <a:ln w="9525" cap="flat" cmpd="sng" algn="ctr">
+            <a:solidFill>
+              <a:schemeClr val="dk1"/>
+            </a:solidFill>
+            <a:prstDash val="solid"/>
+            <a:round/>
+            <a:headEnd type="none" w="med" len="med"/>
+            <a:tailEnd type="none" w="med" len="med"/>
+          </a:ln>
+        </p:spPr>
+        <p:style>
+          <a:lnRef idx="0">
+            <a:scrgbClr r="0" g="0" b="0"/>
+          </a:lnRef>
+          <a:fillRef idx="0">
+            <a:scrgbClr r="0" g="0" b="0"/>
+          </a:fillRef>
+          <a:effectRef idx="0">
+            <a:scrgbClr r="0" g="0" b="0"/>
+          </a:effectRef>
+          <a:fontRef idx="minor">
+            <a:schemeClr val="dk1"/>
+          </a:fontRef>
+        </p:style>
+        <p:txBody>
+          <a:bodyPr rtlCol="0" anchor="ctr"/>
+          <a:lstStyle/>
+          <a:p>
+            <a:pPr algn="ctr"/>
             <a:r>
               <a:rPr lang="zh-CN" altLang="en-US" dirty="0"/>
-              <a:t>研究内容相关</a:t>
-            </a:r>
-            <a:endParaRPr lang="en-US" altLang="zh-CN" dirty="0"/>
-          </a:p>
-          <a:p>
-            <a:endParaRPr lang="en-US" altLang="zh-CN" dirty="0"/>
-          </a:p>
-          <a:p>
-            <a:r>
-              <a:rPr lang="zh-CN" altLang="en-US" dirty="0"/>
-              <a:t>收益来源</a:t>
-            </a:r>
-            <a:r>
-              <a:rPr lang="en-US" altLang="zh-CN" dirty="0"/>
-              <a:t>——</a:t>
-            </a:r>
-            <a:r>
-              <a:rPr lang="zh-CN" altLang="en-US" dirty="0"/>
-              <a:t>假设</a:t>
-            </a:r>
-            <a:r>
-              <a:rPr lang="en-US" altLang="zh-CN" dirty="0"/>
-              <a:t>+</a:t>
-            </a:r>
-            <a:r>
-              <a:rPr lang="zh-CN" altLang="en-US" dirty="0"/>
-              <a:t>相关文献</a:t>
-            </a:r>
-            <a:endParaRPr lang="en-US" altLang="zh-CN" dirty="0"/>
-          </a:p>
-          <a:p>
-            <a:endParaRPr lang="en-US" altLang="zh-CN" dirty="0"/>
-          </a:p>
-          <a:p>
-            <a:r>
-              <a:rPr lang="zh-CN" altLang="en-US" dirty="0"/>
-              <a:t>实验证明</a:t>
-            </a:r>
-            <a:r>
-              <a:rPr lang="en-US" altLang="zh-CN" dirty="0"/>
-              <a:t>——</a:t>
-            </a:r>
-            <a:r>
-              <a:rPr lang="zh-CN" altLang="en-US" dirty="0"/>
-              <a:t>没有实验证明</a:t>
-            </a:r>
-            <a:endParaRPr lang="en-US" altLang="zh-CN" dirty="0"/>
-          </a:p>
-          <a:p>
-            <a:endParaRPr lang="en-US" altLang="zh-CN" dirty="0"/>
-          </a:p>
-          <a:p>
-            <a:r>
-              <a:rPr lang="zh-CN" altLang="en-US" dirty="0"/>
-              <a:t>结论</a:t>
-            </a:r>
-            <a:r>
-              <a:rPr lang="en-US" altLang="zh-CN" dirty="0"/>
-              <a:t>——</a:t>
-            </a:r>
-            <a:r>
-              <a:rPr lang="zh-CN" altLang="en-US" dirty="0"/>
-              <a:t>通过调整参数给出建议</a:t>
-            </a:r>
-          </a:p>
-        </p:txBody>
-      </p:sp>
+              <a:t>决策</a:t>
+            </a:r>
+          </a:p>
+        </p:txBody>
+      </p:sp>
+      <p:cxnSp>
+        <p:nvCxnSpPr>
+          <p:cNvPr id="14" name="直接箭头连接符 13"/>
+          <p:cNvCxnSpPr>
+            <a:stCxn id="10" idx="3"/>
+            <a:endCxn id="12" idx="1"/>
+          </p:cNvCxnSpPr>
+          <p:nvPr/>
+        </p:nvCxnSpPr>
+        <p:spPr>
+          <a:xfrm flipV="1">
+            <a:off x="7119453" y="5679107"/>
+            <a:ext cx="1435917" cy="1"/>
+          </a:xfrm>
+          <a:prstGeom prst="straightConnector1">
+            <a:avLst/>
+          </a:prstGeom>
+          <a:ln>
+            <a:tailEnd type="triangle"/>
+          </a:ln>
+        </p:spPr>
+        <p:style>
+          <a:lnRef idx="1">
+            <a:schemeClr val="dk1"/>
+          </a:lnRef>
+          <a:fillRef idx="0">
+            <a:schemeClr val="dk1"/>
+          </a:fillRef>
+          <a:effectRef idx="0">
+            <a:schemeClr val="dk1"/>
+          </a:effectRef>
+          <a:fontRef idx="minor">
+            <a:schemeClr val="tx1"/>
+          </a:fontRef>
+        </p:style>
+      </p:cxnSp>
+      <p:cxnSp>
+        <p:nvCxnSpPr>
+          <p:cNvPr id="16" name="直接箭头连接符 15"/>
+          <p:cNvCxnSpPr>
+            <a:stCxn id="11" idx="2"/>
+            <a:endCxn id="12" idx="0"/>
+          </p:cNvCxnSpPr>
+          <p:nvPr/>
+        </p:nvCxnSpPr>
+        <p:spPr>
+          <a:xfrm>
+            <a:off x="9339740" y="4703539"/>
+            <a:ext cx="0" cy="564507"/>
+          </a:xfrm>
+          <a:prstGeom prst="straightConnector1">
+            <a:avLst/>
+          </a:prstGeom>
+          <a:ln>
+            <a:tailEnd type="triangle"/>
+          </a:ln>
+        </p:spPr>
+        <p:style>
+          <a:lnRef idx="1">
+            <a:schemeClr val="dk1"/>
+          </a:lnRef>
+          <a:fillRef idx="0">
+            <a:schemeClr val="dk1"/>
+          </a:fillRef>
+          <a:effectRef idx="0">
+            <a:schemeClr val="dk1"/>
+          </a:effectRef>
+          <a:fontRef idx="minor">
+            <a:schemeClr val="tx1"/>
+          </a:fontRef>
+        </p:style>
+      </p:cxnSp>
     </p:spTree>
   </p:cSld>
   <p:clrMapOvr>
@@ -11101,19 +11945,11 @@
           <a:lstStyle/>
           <a:p>
             <a:r>
-              <a:rPr lang="en-US" altLang="zh-CN" dirty="0">
-                <a:latin typeface="微软雅黑" panose="020B0503020204020204" pitchFamily="34" charset="-122"/>
-                <a:ea typeface="微软雅黑" panose="020B0503020204020204" pitchFamily="34" charset="-122"/>
-              </a:rPr>
-              <a:t>2.</a:t>
-            </a:r>
-            <a:r>
               <a:rPr lang="zh-CN" altLang="en-US" dirty="0">
                 <a:latin typeface="微软雅黑" panose="020B0503020204020204" pitchFamily="34" charset="-122"/>
                 <a:ea typeface="微软雅黑" panose="020B0503020204020204" pitchFamily="34" charset="-122"/>
-                <a:sym typeface="+mn-ea"/>
-              </a:rPr>
-              <a:t>博弈论解决问题</a:t>
+              </a:rPr>
+              <a:t>斯塔克尔伯格均衡</a:t>
             </a:r>
             <a:endParaRPr lang="en-US" altLang="zh-CN" b="1" dirty="0">
               <a:latin typeface="微软雅黑" panose="020B0503020204020204" pitchFamily="34" charset="-122"/>
@@ -11122,159 +11958,101 @@
           </a:p>
         </p:txBody>
       </p:sp>
-      <p:sp>
-        <p:nvSpPr>
-          <p:cNvPr id="4" name="内容占位符 3"/>
-          <p:cNvSpPr>
-            <a:spLocks noGrp="1"/>
-          </p:cNvSpPr>
-          <p:nvPr>
-            <p:ph idx="1"/>
-          </p:nvPr>
-        </p:nvSpPr>
-        <p:spPr>
-          <a:xfrm>
-            <a:off x="838200" y="1825625"/>
-            <a:ext cx="10515600" cy="4516452"/>
-          </a:xfrm>
-        </p:spPr>
-        <p:txBody>
-          <a:bodyPr>
-            <a:normAutofit/>
+      <p:pic>
+        <p:nvPicPr>
+          <p:cNvPr id="6" name="图片 5"/>
+          <p:cNvPicPr>
+            <a:picLocks noChangeAspect="1"/>
+          </p:cNvPicPr>
+          <p:nvPr/>
+        </p:nvPicPr>
+        <p:blipFill>
+          <a:blip r:embed="rId2">
+            <a:extLst>
+              <a:ext uri="{28A0092B-C50C-407E-A947-70E740481C1C}">
+                <a14:useLocalDpi xmlns:a14="http://schemas.microsoft.com/office/drawing/2010/main" val="0"/>
+              </a:ext>
+            </a:extLst>
+          </a:blip>
+          <a:stretch>
+            <a:fillRect/>
+          </a:stretch>
+        </p:blipFill>
+        <p:spPr>
+          <a:xfrm>
+            <a:off x="663634" y="1690688"/>
+            <a:ext cx="5638536" cy="3765665"/>
+          </a:xfrm>
+          <a:prstGeom prst="rect">
+            <a:avLst/>
+          </a:prstGeom>
+        </p:spPr>
+      </p:pic>
+      <p:pic>
+        <p:nvPicPr>
+          <p:cNvPr id="9" name="图片 8"/>
+          <p:cNvPicPr>
+            <a:picLocks noChangeAspect="1"/>
+          </p:cNvPicPr>
+          <p:nvPr/>
+        </p:nvPicPr>
+        <p:blipFill>
+          <a:blip r:embed="rId3">
+            <a:extLst>
+              <a:ext uri="{28A0092B-C50C-407E-A947-70E740481C1C}">
+                <a14:useLocalDpi xmlns:a14="http://schemas.microsoft.com/office/drawing/2010/main" val="0"/>
+              </a:ext>
+            </a:extLst>
+          </a:blip>
+          <a:stretch>
+            <a:fillRect/>
+          </a:stretch>
+        </p:blipFill>
+        <p:spPr>
+          <a:xfrm>
+            <a:off x="7203772" y="1690688"/>
+            <a:ext cx="4324594" cy="3874472"/>
+          </a:xfrm>
+          <a:prstGeom prst="rect">
+            <a:avLst/>
+          </a:prstGeom>
+        </p:spPr>
+      </p:pic>
+      <p:sp>
+        <p:nvSpPr>
+          <p:cNvPr id="10" name="文本框 9"/>
+          <p:cNvSpPr txBox="1"/>
+          <p:nvPr/>
+        </p:nvSpPr>
+        <p:spPr>
+          <a:xfrm>
+            <a:off x="838200" y="5871989"/>
+            <a:ext cx="10766367" cy="369332"/>
+          </a:xfrm>
+          <a:prstGeom prst="rect">
+            <a:avLst/>
+          </a:prstGeom>
+          <a:noFill/>
+        </p:spPr>
+        <p:txBody>
+          <a:bodyPr wrap="square" rtlCol="0">
+            <a:spAutoFit/>
           </a:bodyPr>
           <a:lstStyle/>
           <a:p>
-            <a:pPr marL="0" indent="0">
-              <a:buNone/>
-            </a:pPr>
-            <a:r>
-              <a:rPr lang="zh-CN" altLang="en-US" sz="2000" dirty="0">
-                <a:latin typeface="微软雅黑" panose="020B0503020204020204" pitchFamily="34" charset="-122"/>
-                <a:ea typeface="微软雅黑" panose="020B0503020204020204" pitchFamily="34" charset="-122"/>
-              </a:rPr>
-              <a:t>将博弈论作为理论支撑，通过实验证明方法的有效性</a:t>
-            </a:r>
-            <a:endParaRPr lang="en-US" altLang="zh-CN" sz="2000" dirty="0">
-              <a:latin typeface="微软雅黑" panose="020B0503020204020204" pitchFamily="34" charset="-122"/>
-              <a:ea typeface="微软雅黑" panose="020B0503020204020204" pitchFamily="34" charset="-122"/>
-            </a:endParaRPr>
-          </a:p>
-          <a:p>
-            <a:pPr marL="0" indent="0">
-              <a:buNone/>
-            </a:pPr>
-            <a:endParaRPr lang="en-US" altLang="zh-CN" sz="2000" dirty="0">
-              <a:latin typeface="微软雅黑" panose="020B0503020204020204" pitchFamily="34" charset="-122"/>
-              <a:ea typeface="微软雅黑" panose="020B0503020204020204" pitchFamily="34" charset="-122"/>
-            </a:endParaRPr>
-          </a:p>
-          <a:p>
-            <a:pPr marL="0" indent="0">
-              <a:buNone/>
-            </a:pPr>
-            <a:r>
-              <a:rPr lang="en-US" altLang="zh-CN" sz="1110" dirty="0">
-                <a:latin typeface="微软雅黑" panose="020B0503020204020204" pitchFamily="34" charset="-122"/>
-                <a:ea typeface="微软雅黑" panose="020B0503020204020204" pitchFamily="34" charset="-122"/>
-              </a:rPr>
-              <a:t>1. Journal of Network and Computer Applications-2014-Incentive mechanism for P2Pfile sharing based on social network and game theory</a:t>
-            </a:r>
-          </a:p>
-          <a:p>
-            <a:pPr marL="0" indent="0">
-              <a:buNone/>
-            </a:pPr>
-            <a:r>
-              <a:rPr lang="en-US" altLang="zh-CN" sz="1110" dirty="0">
-                <a:latin typeface="微软雅黑" panose="020B0503020204020204" pitchFamily="34" charset="-122"/>
-                <a:ea typeface="微软雅黑" panose="020B0503020204020204" pitchFamily="34" charset="-122"/>
-              </a:rPr>
-              <a:t>2. IEEEAccess-2018-Game-Theoretic Approach to Group Learning Enhancement Through Peer-to-Peer Explanation and Competition</a:t>
-            </a:r>
-          </a:p>
-          <a:p>
-            <a:pPr marL="0" indent="0">
-              <a:buNone/>
-            </a:pPr>
-            <a:r>
-              <a:rPr lang="en-US" altLang="zh-CN" sz="1110" dirty="0">
-                <a:latin typeface="微软雅黑" panose="020B0503020204020204" pitchFamily="34" charset="-122"/>
-                <a:ea typeface="微软雅黑" panose="020B0503020204020204" pitchFamily="34" charset="-122"/>
-              </a:rPr>
-              <a:t>3. arXiv-2015-Incentives for Truthful Peer Grading</a:t>
-            </a:r>
-          </a:p>
-          <a:p>
-            <a:pPr marL="0" indent="0">
-              <a:buNone/>
-            </a:pPr>
-            <a:r>
-              <a:rPr lang="en-US" altLang="zh-CN" sz="1110" dirty="0">
-                <a:latin typeface="微软雅黑" panose="020B0503020204020204" pitchFamily="34" charset="-122"/>
-                <a:ea typeface="微软雅黑" panose="020B0503020204020204" pitchFamily="34" charset="-122"/>
-              </a:rPr>
-              <a:t>4. arXiv-2019-Fostering Peer Learning through a New Game-Theoretical Approach in a Blended Learning Environment</a:t>
-            </a:r>
-          </a:p>
-          <a:p>
-            <a:pPr marL="0" indent="0">
-              <a:buNone/>
-            </a:pPr>
-            <a:r>
-              <a:rPr lang="en-US" altLang="zh-CN" sz="1110" dirty="0">
-                <a:latin typeface="微软雅黑" panose="020B0503020204020204" pitchFamily="34" charset="-122"/>
-                <a:ea typeface="微软雅黑" panose="020B0503020204020204" pitchFamily="34" charset="-122"/>
-              </a:rPr>
-              <a:t>5. International World Wide Web Conference-2015-Grading the Graders Motivating Peer Graders in a MOOC</a:t>
-            </a:r>
-          </a:p>
-          <a:p>
-            <a:pPr marL="0" indent="0">
-              <a:buNone/>
-            </a:pPr>
-            <a:r>
-              <a:rPr lang="en-US" altLang="zh-CN" sz="1110" dirty="0">
-                <a:latin typeface="微软雅黑" panose="020B0503020204020204" pitchFamily="34" charset="-122"/>
-                <a:ea typeface="微软雅黑" panose="020B0503020204020204" pitchFamily="34" charset="-122"/>
-              </a:rPr>
-              <a:t>6. JITE-2012-Collaborative Learning in Online Study Groups: An Evolutionary Game Theory Perspective</a:t>
-            </a:r>
-          </a:p>
-          <a:p>
-            <a:pPr marL="0" indent="0">
-              <a:buNone/>
-            </a:pPr>
-            <a:r>
-              <a:rPr lang="en-US" altLang="zh-CN" sz="1110" dirty="0">
-                <a:latin typeface="微软雅黑" panose="020B0503020204020204" pitchFamily="34" charset="-122"/>
-                <a:ea typeface="微软雅黑" panose="020B0503020204020204" pitchFamily="34" charset="-122"/>
-              </a:rPr>
-              <a:t>7. Learning at Scale-2015-Game Theory Based Peer Grading Mechanisms For MOOCs</a:t>
-            </a:r>
-          </a:p>
-          <a:p>
-            <a:pPr marL="0" indent="0">
-              <a:buNone/>
-            </a:pPr>
-            <a:r>
-              <a:rPr lang="en-US" altLang="zh-CN" sz="1110" dirty="0">
-                <a:latin typeface="微软雅黑" panose="020B0503020204020204" pitchFamily="34" charset="-122"/>
-                <a:ea typeface="微软雅黑" panose="020B0503020204020204" pitchFamily="34" charset="-122"/>
-              </a:rPr>
-              <a:t>8. IEEE TRANSACTIONS ON LEARNING TECHNOLOGIES-2020-Motivating Students in Collaborative Activities With Game-Theoretic Group Recommendations</a:t>
-            </a:r>
-          </a:p>
-          <a:p>
-            <a:pPr marL="0" indent="0">
-              <a:buNone/>
-            </a:pPr>
-            <a:r>
-              <a:rPr lang="en-US" altLang="zh-CN" sz="1110" dirty="0">
-                <a:latin typeface="微软雅黑" panose="020B0503020204020204" pitchFamily="34" charset="-122"/>
-                <a:ea typeface="微软雅黑" panose="020B0503020204020204" pitchFamily="34" charset="-122"/>
-              </a:rPr>
-              <a:t>9. </a:t>
-            </a:r>
+            <a:r>
+              <a:rPr lang="zh-CN" altLang="en-US" dirty="0" smtClean="0"/>
+              <a:t>总结：论文偏重于</a:t>
+            </a:r>
+            <a:r>
+              <a:rPr lang="en-US" altLang="zh-CN" dirty="0" smtClean="0"/>
+              <a:t>NP</a:t>
+            </a:r>
+            <a:r>
+              <a:rPr lang="zh-CN" altLang="en-US" dirty="0" smtClean="0"/>
+              <a:t>问题简化研究，大部分内容为公式推导，没有进行实际的实验验证。</a:t>
+            </a:r>
+            <a:endParaRPr lang="zh-CN" altLang="en-US" dirty="0"/>
           </a:p>
         </p:txBody>
       </p:sp>

--- a/报告/2021年9月4日/杨攀原.pptx
+++ b/报告/2021年9月4日/杨攀原.pptx
@@ -3,30 +3,30 @@
 <p:presentation xmlns:a="http://schemas.openxmlformats.org/drawingml/2006/main" xmlns:r="http://schemas.openxmlformats.org/officeDocument/2006/relationships" xmlns:p="http://schemas.openxmlformats.org/presentationml/2006/main">
   <p:sldMasterIdLst>
     <p:sldMasterId id="2147483648" r:id="rId1"/>
-    <p:sldMasterId id="2147483660" r:id="rId2"/>
+    <p:sldMasterId id="2147483660" r:id="rId3"/>
   </p:sldMasterIdLst>
   <p:sldIdLst>
-    <p:sldId id="256" r:id="rId3"/>
-    <p:sldId id="331" r:id="rId4"/>
-    <p:sldId id="309" r:id="rId5"/>
-    <p:sldId id="314" r:id="rId6"/>
-    <p:sldId id="313" r:id="rId7"/>
-    <p:sldId id="332" r:id="rId8"/>
-    <p:sldId id="363" r:id="rId9"/>
-    <p:sldId id="311" r:id="rId10"/>
-    <p:sldId id="318" r:id="rId11"/>
-    <p:sldId id="308" r:id="rId12"/>
-    <p:sldId id="354" r:id="rId13"/>
-    <p:sldId id="353" r:id="rId14"/>
-    <p:sldId id="355" r:id="rId15"/>
-    <p:sldId id="356" r:id="rId16"/>
-    <p:sldId id="357" r:id="rId17"/>
-    <p:sldId id="358" r:id="rId18"/>
-    <p:sldId id="359" r:id="rId19"/>
-    <p:sldId id="360" r:id="rId20"/>
-    <p:sldId id="362" r:id="rId21"/>
-    <p:sldId id="365" r:id="rId22"/>
-    <p:sldId id="299" r:id="rId23"/>
+    <p:sldId id="256" r:id="rId4"/>
+    <p:sldId id="331" r:id="rId5"/>
+    <p:sldId id="309" r:id="rId6"/>
+    <p:sldId id="314" r:id="rId7"/>
+    <p:sldId id="313" r:id="rId8"/>
+    <p:sldId id="332" r:id="rId9"/>
+    <p:sldId id="363" r:id="rId10"/>
+    <p:sldId id="311" r:id="rId11"/>
+    <p:sldId id="318" r:id="rId12"/>
+    <p:sldId id="308" r:id="rId13"/>
+    <p:sldId id="354" r:id="rId14"/>
+    <p:sldId id="353" r:id="rId15"/>
+    <p:sldId id="355" r:id="rId16"/>
+    <p:sldId id="356" r:id="rId17"/>
+    <p:sldId id="357" r:id="rId18"/>
+    <p:sldId id="358" r:id="rId19"/>
+    <p:sldId id="359" r:id="rId20"/>
+    <p:sldId id="360" r:id="rId21"/>
+    <p:sldId id="362" r:id="rId22"/>
+    <p:sldId id="365" r:id="rId23"/>
+    <p:sldId id="299" r:id="rId24"/>
   </p:sldIdLst>
   <p:sldSz cx="12192000" cy="6858000"/>
   <p:notesSz cx="6858000" cy="9144000"/>
@@ -125,11 +125,6 @@
       </a:defRPr>
     </a:lvl9pPr>
   </p:defaultTextStyle>
-  <p:extLst>
-    <p:ext uri="{EFAFB233-063F-42B5-8137-9DF3F51BA10A}">
-      <p15:sldGuideLst xmlns:p15="http://schemas.microsoft.com/office/powerpoint/2012/main"/>
-    </p:ext>
-  </p:extLst>
 </p:presentation>
 </file>
 
@@ -178,6 +173,7 @@
               <a:rPr lang="zh-CN" altLang="en-US"/>
               <a:t>单击此处编辑母版标题样式</a:t>
             </a:r>
+            <a:endParaRPr lang="zh-CN" altLang="en-US"/>
           </a:p>
         </p:txBody>
       </p:sp>
@@ -242,6 +238,7 @@
               <a:rPr lang="zh-CN" altLang="en-US"/>
               <a:t>单击此处编辑母版副标题样式</a:t>
             </a:r>
+            <a:endParaRPr lang="zh-CN" altLang="en-US"/>
           </a:p>
         </p:txBody>
       </p:sp>
@@ -262,7 +259,6 @@
           <a:p>
             <a:fld id="{FD6793B7-98D2-4E7A-AA0F-FD7C44A279B7}" type="datetimeFigureOut">
               <a:rPr lang="zh-CN" altLang="en-US" smtClean="0"/>
-              <a:t>2021/9/5</a:t>
             </a:fld>
             <a:endParaRPr lang="zh-CN" altLang="en-US"/>
           </a:p>
@@ -304,7 +300,6 @@
           <a:p>
             <a:fld id="{14B251CC-5374-4BED-9F61-012454F8ECCD}" type="slidenum">
               <a:rPr lang="zh-CN" altLang="en-US" smtClean="0"/>
-              <a:t>‹#›</a:t>
             </a:fld>
             <a:endParaRPr lang="zh-CN" altLang="en-US"/>
           </a:p>
@@ -354,6 +349,7 @@
               <a:rPr lang="zh-CN" altLang="en-US"/>
               <a:t>单击此处编辑母版标题样式</a:t>
             </a:r>
+            <a:endParaRPr lang="zh-CN" altLang="en-US"/>
           </a:p>
         </p:txBody>
       </p:sp>
@@ -377,6 +373,7 @@
               <a:rPr lang="zh-CN" altLang="en-US"/>
               <a:t>单击此处编辑母版文本样式</a:t>
             </a:r>
+            <a:endParaRPr lang="zh-CN" altLang="en-US"/>
           </a:p>
           <a:p>
             <a:pPr lvl="1"/>
@@ -384,6 +381,7 @@
               <a:rPr lang="zh-CN" altLang="en-US"/>
               <a:t>二级</a:t>
             </a:r>
+            <a:endParaRPr lang="zh-CN" altLang="en-US"/>
           </a:p>
           <a:p>
             <a:pPr lvl="2"/>
@@ -391,6 +389,7 @@
               <a:rPr lang="zh-CN" altLang="en-US"/>
               <a:t>三级</a:t>
             </a:r>
+            <a:endParaRPr lang="zh-CN" altLang="en-US"/>
           </a:p>
           <a:p>
             <a:pPr lvl="3"/>
@@ -398,6 +397,7 @@
               <a:rPr lang="zh-CN" altLang="en-US"/>
               <a:t>四级</a:t>
             </a:r>
+            <a:endParaRPr lang="zh-CN" altLang="en-US"/>
           </a:p>
           <a:p>
             <a:pPr lvl="4"/>
@@ -405,6 +405,7 @@
               <a:rPr lang="zh-CN" altLang="en-US"/>
               <a:t>五级</a:t>
             </a:r>
+            <a:endParaRPr lang="zh-CN" altLang="en-US"/>
           </a:p>
         </p:txBody>
       </p:sp>
@@ -425,7 +426,6 @@
           <a:p>
             <a:fld id="{FD6793B7-98D2-4E7A-AA0F-FD7C44A279B7}" type="datetimeFigureOut">
               <a:rPr lang="zh-CN" altLang="en-US" smtClean="0"/>
-              <a:t>2021/9/5</a:t>
             </a:fld>
             <a:endParaRPr lang="zh-CN" altLang="en-US"/>
           </a:p>
@@ -467,7 +467,6 @@
           <a:p>
             <a:fld id="{14B251CC-5374-4BED-9F61-012454F8ECCD}" type="slidenum">
               <a:rPr lang="zh-CN" altLang="en-US" smtClean="0"/>
-              <a:t>‹#›</a:t>
             </a:fld>
             <a:endParaRPr lang="zh-CN" altLang="en-US"/>
           </a:p>
@@ -522,6 +521,7 @@
               <a:rPr lang="zh-CN" altLang="en-US"/>
               <a:t>单击此处编辑母版标题样式</a:t>
             </a:r>
+            <a:endParaRPr lang="zh-CN" altLang="en-US"/>
           </a:p>
         </p:txBody>
       </p:sp>
@@ -550,6 +550,7 @@
               <a:rPr lang="zh-CN" altLang="en-US"/>
               <a:t>单击此处编辑母版文本样式</a:t>
             </a:r>
+            <a:endParaRPr lang="zh-CN" altLang="en-US"/>
           </a:p>
           <a:p>
             <a:pPr lvl="1"/>
@@ -557,6 +558,7 @@
               <a:rPr lang="zh-CN" altLang="en-US"/>
               <a:t>二级</a:t>
             </a:r>
+            <a:endParaRPr lang="zh-CN" altLang="en-US"/>
           </a:p>
           <a:p>
             <a:pPr lvl="2"/>
@@ -564,6 +566,7 @@
               <a:rPr lang="zh-CN" altLang="en-US"/>
               <a:t>三级</a:t>
             </a:r>
+            <a:endParaRPr lang="zh-CN" altLang="en-US"/>
           </a:p>
           <a:p>
             <a:pPr lvl="3"/>
@@ -571,6 +574,7 @@
               <a:rPr lang="zh-CN" altLang="en-US"/>
               <a:t>四级</a:t>
             </a:r>
+            <a:endParaRPr lang="zh-CN" altLang="en-US"/>
           </a:p>
           <a:p>
             <a:pPr lvl="4"/>
@@ -578,6 +582,7 @@
               <a:rPr lang="zh-CN" altLang="en-US"/>
               <a:t>五级</a:t>
             </a:r>
+            <a:endParaRPr lang="zh-CN" altLang="en-US"/>
           </a:p>
         </p:txBody>
       </p:sp>
@@ -598,7 +603,6 @@
           <a:p>
             <a:fld id="{FD6793B7-98D2-4E7A-AA0F-FD7C44A279B7}" type="datetimeFigureOut">
               <a:rPr lang="zh-CN" altLang="en-US" smtClean="0"/>
-              <a:t>2021/9/5</a:t>
             </a:fld>
             <a:endParaRPr lang="zh-CN" altLang="en-US"/>
           </a:p>
@@ -640,7 +644,6 @@
           <a:p>
             <a:fld id="{14B251CC-5374-4BED-9F61-012454F8ECCD}" type="slidenum">
               <a:rPr lang="zh-CN" altLang="en-US" smtClean="0"/>
-              <a:t>‹#›</a:t>
             </a:fld>
             <a:endParaRPr lang="zh-CN" altLang="en-US"/>
           </a:p>
@@ -699,6 +702,7 @@
               <a:rPr lang="zh-CN" altLang="en-US"/>
               <a:t>单击此处编辑母版标题样式</a:t>
             </a:r>
+            <a:endParaRPr lang="zh-CN" altLang="en-US"/>
           </a:p>
         </p:txBody>
       </p:sp>
@@ -763,6 +767,7 @@
               <a:rPr lang="zh-CN" altLang="en-US"/>
               <a:t>单击此处编辑母版副标题样式</a:t>
             </a:r>
+            <a:endParaRPr lang="zh-CN" altLang="en-US"/>
           </a:p>
         </p:txBody>
       </p:sp>
@@ -783,7 +788,6 @@
           <a:p>
             <a:fld id="{FD6793B7-98D2-4E7A-AA0F-FD7C44A279B7}" type="datetimeFigureOut">
               <a:rPr lang="zh-CN" altLang="en-US" smtClean="0"/>
-              <a:t>2021/9/5</a:t>
             </a:fld>
             <a:endParaRPr lang="zh-CN" altLang="en-US"/>
           </a:p>
@@ -825,7 +829,6 @@
           <a:p>
             <a:fld id="{14B251CC-5374-4BED-9F61-012454F8ECCD}" type="slidenum">
               <a:rPr lang="zh-CN" altLang="en-US" smtClean="0"/>
-              <a:t>‹#›</a:t>
             </a:fld>
             <a:endParaRPr lang="zh-CN" altLang="en-US"/>
           </a:p>
@@ -875,6 +878,7 @@
               <a:rPr lang="zh-CN" altLang="en-US"/>
               <a:t>单击此处编辑母版标题样式</a:t>
             </a:r>
+            <a:endParaRPr lang="zh-CN" altLang="en-US"/>
           </a:p>
         </p:txBody>
       </p:sp>
@@ -898,6 +902,7 @@
               <a:rPr lang="zh-CN" altLang="en-US"/>
               <a:t>单击此处编辑母版文本样式</a:t>
             </a:r>
+            <a:endParaRPr lang="zh-CN" altLang="en-US"/>
           </a:p>
           <a:p>
             <a:pPr lvl="1"/>
@@ -905,6 +910,7 @@
               <a:rPr lang="zh-CN" altLang="en-US"/>
               <a:t>二级</a:t>
             </a:r>
+            <a:endParaRPr lang="zh-CN" altLang="en-US"/>
           </a:p>
           <a:p>
             <a:pPr lvl="2"/>
@@ -912,6 +918,7 @@
               <a:rPr lang="zh-CN" altLang="en-US"/>
               <a:t>三级</a:t>
             </a:r>
+            <a:endParaRPr lang="zh-CN" altLang="en-US"/>
           </a:p>
           <a:p>
             <a:pPr lvl="3"/>
@@ -919,6 +926,7 @@
               <a:rPr lang="zh-CN" altLang="en-US"/>
               <a:t>四级</a:t>
             </a:r>
+            <a:endParaRPr lang="zh-CN" altLang="en-US"/>
           </a:p>
           <a:p>
             <a:pPr lvl="4"/>
@@ -926,6 +934,7 @@
               <a:rPr lang="zh-CN" altLang="en-US"/>
               <a:t>五级</a:t>
             </a:r>
+            <a:endParaRPr lang="zh-CN" altLang="en-US"/>
           </a:p>
         </p:txBody>
       </p:sp>
@@ -946,7 +955,6 @@
           <a:p>
             <a:fld id="{FD6793B7-98D2-4E7A-AA0F-FD7C44A279B7}" type="datetimeFigureOut">
               <a:rPr lang="zh-CN" altLang="en-US" smtClean="0"/>
-              <a:t>2021/9/5</a:t>
             </a:fld>
             <a:endParaRPr lang="zh-CN" altLang="en-US"/>
           </a:p>
@@ -988,7 +996,6 @@
           <a:p>
             <a:fld id="{14B251CC-5374-4BED-9F61-012454F8ECCD}" type="slidenum">
               <a:rPr lang="zh-CN" altLang="en-US" smtClean="0"/>
-              <a:t>‹#›</a:t>
             </a:fld>
             <a:endParaRPr lang="zh-CN" altLang="en-US"/>
           </a:p>
@@ -1047,6 +1054,7 @@
               <a:rPr lang="zh-CN" altLang="en-US"/>
               <a:t>单击此处编辑母版标题样式</a:t>
             </a:r>
+            <a:endParaRPr lang="zh-CN" altLang="en-US"/>
           </a:p>
         </p:txBody>
       </p:sp>
@@ -1166,6 +1174,7 @@
               <a:rPr lang="zh-CN" altLang="en-US"/>
               <a:t>单击此处编辑母版文本样式</a:t>
             </a:r>
+            <a:endParaRPr lang="zh-CN" altLang="en-US"/>
           </a:p>
         </p:txBody>
       </p:sp>
@@ -1186,7 +1195,6 @@
           <a:p>
             <a:fld id="{FD6793B7-98D2-4E7A-AA0F-FD7C44A279B7}" type="datetimeFigureOut">
               <a:rPr lang="zh-CN" altLang="en-US" smtClean="0"/>
-              <a:t>2021/9/5</a:t>
             </a:fld>
             <a:endParaRPr lang="zh-CN" altLang="en-US"/>
           </a:p>
@@ -1228,7 +1236,6 @@
           <a:p>
             <a:fld id="{14B251CC-5374-4BED-9F61-012454F8ECCD}" type="slidenum">
               <a:rPr lang="zh-CN" altLang="en-US" smtClean="0"/>
-              <a:t>‹#›</a:t>
             </a:fld>
             <a:endParaRPr lang="zh-CN" altLang="en-US"/>
           </a:p>
@@ -1278,6 +1285,7 @@
               <a:rPr lang="zh-CN" altLang="en-US"/>
               <a:t>单击此处编辑母版标题样式</a:t>
             </a:r>
+            <a:endParaRPr lang="zh-CN" altLang="en-US"/>
           </a:p>
         </p:txBody>
       </p:sp>
@@ -1306,6 +1314,7 @@
               <a:rPr lang="zh-CN" altLang="en-US"/>
               <a:t>单击此处编辑母版文本样式</a:t>
             </a:r>
+            <a:endParaRPr lang="zh-CN" altLang="en-US"/>
           </a:p>
           <a:p>
             <a:pPr lvl="1"/>
@@ -1313,6 +1322,7 @@
               <a:rPr lang="zh-CN" altLang="en-US"/>
               <a:t>二级</a:t>
             </a:r>
+            <a:endParaRPr lang="zh-CN" altLang="en-US"/>
           </a:p>
           <a:p>
             <a:pPr lvl="2"/>
@@ -1320,6 +1330,7 @@
               <a:rPr lang="zh-CN" altLang="en-US"/>
               <a:t>三级</a:t>
             </a:r>
+            <a:endParaRPr lang="zh-CN" altLang="en-US"/>
           </a:p>
           <a:p>
             <a:pPr lvl="3"/>
@@ -1327,6 +1338,7 @@
               <a:rPr lang="zh-CN" altLang="en-US"/>
               <a:t>四级</a:t>
             </a:r>
+            <a:endParaRPr lang="zh-CN" altLang="en-US"/>
           </a:p>
           <a:p>
             <a:pPr lvl="4"/>
@@ -1334,6 +1346,7 @@
               <a:rPr lang="zh-CN" altLang="en-US"/>
               <a:t>五级</a:t>
             </a:r>
+            <a:endParaRPr lang="zh-CN" altLang="en-US"/>
           </a:p>
         </p:txBody>
       </p:sp>
@@ -1362,6 +1375,7 @@
               <a:rPr lang="zh-CN" altLang="en-US"/>
               <a:t>单击此处编辑母版文本样式</a:t>
             </a:r>
+            <a:endParaRPr lang="zh-CN" altLang="en-US"/>
           </a:p>
           <a:p>
             <a:pPr lvl="1"/>
@@ -1369,6 +1383,7 @@
               <a:rPr lang="zh-CN" altLang="en-US"/>
               <a:t>二级</a:t>
             </a:r>
+            <a:endParaRPr lang="zh-CN" altLang="en-US"/>
           </a:p>
           <a:p>
             <a:pPr lvl="2"/>
@@ -1376,6 +1391,7 @@
               <a:rPr lang="zh-CN" altLang="en-US"/>
               <a:t>三级</a:t>
             </a:r>
+            <a:endParaRPr lang="zh-CN" altLang="en-US"/>
           </a:p>
           <a:p>
             <a:pPr lvl="3"/>
@@ -1383,6 +1399,7 @@
               <a:rPr lang="zh-CN" altLang="en-US"/>
               <a:t>四级</a:t>
             </a:r>
+            <a:endParaRPr lang="zh-CN" altLang="en-US"/>
           </a:p>
           <a:p>
             <a:pPr lvl="4"/>
@@ -1390,6 +1407,7 @@
               <a:rPr lang="zh-CN" altLang="en-US"/>
               <a:t>五级</a:t>
             </a:r>
+            <a:endParaRPr lang="zh-CN" altLang="en-US"/>
           </a:p>
         </p:txBody>
       </p:sp>
@@ -1410,7 +1428,6 @@
           <a:p>
             <a:fld id="{FD6793B7-98D2-4E7A-AA0F-FD7C44A279B7}" type="datetimeFigureOut">
               <a:rPr lang="zh-CN" altLang="en-US" smtClean="0"/>
-              <a:t>2021/9/5</a:t>
             </a:fld>
             <a:endParaRPr lang="zh-CN" altLang="en-US"/>
           </a:p>
@@ -1452,7 +1469,6 @@
           <a:p>
             <a:fld id="{14B251CC-5374-4BED-9F61-012454F8ECCD}" type="slidenum">
               <a:rPr lang="zh-CN" altLang="en-US" smtClean="0"/>
-              <a:t>‹#›</a:t>
             </a:fld>
             <a:endParaRPr lang="zh-CN" altLang="en-US"/>
           </a:p>
@@ -1507,6 +1523,7 @@
               <a:rPr lang="zh-CN" altLang="en-US"/>
               <a:t>单击此处编辑母版标题样式</a:t>
             </a:r>
+            <a:endParaRPr lang="zh-CN" altLang="en-US"/>
           </a:p>
         </p:txBody>
       </p:sp>
@@ -1572,6 +1589,7 @@
               <a:rPr lang="zh-CN" altLang="en-US"/>
               <a:t>单击此处编辑母版文本样式</a:t>
             </a:r>
+            <a:endParaRPr lang="zh-CN" altLang="en-US"/>
           </a:p>
         </p:txBody>
       </p:sp>
@@ -1600,6 +1618,7 @@
               <a:rPr lang="zh-CN" altLang="en-US"/>
               <a:t>单击此处编辑母版文本样式</a:t>
             </a:r>
+            <a:endParaRPr lang="zh-CN" altLang="en-US"/>
           </a:p>
           <a:p>
             <a:pPr lvl="1"/>
@@ -1607,6 +1626,7 @@
               <a:rPr lang="zh-CN" altLang="en-US"/>
               <a:t>二级</a:t>
             </a:r>
+            <a:endParaRPr lang="zh-CN" altLang="en-US"/>
           </a:p>
           <a:p>
             <a:pPr lvl="2"/>
@@ -1614,6 +1634,7 @@
               <a:rPr lang="zh-CN" altLang="en-US"/>
               <a:t>三级</a:t>
             </a:r>
+            <a:endParaRPr lang="zh-CN" altLang="en-US"/>
           </a:p>
           <a:p>
             <a:pPr lvl="3"/>
@@ -1621,6 +1642,7 @@
               <a:rPr lang="zh-CN" altLang="en-US"/>
               <a:t>四级</a:t>
             </a:r>
+            <a:endParaRPr lang="zh-CN" altLang="en-US"/>
           </a:p>
           <a:p>
             <a:pPr lvl="4"/>
@@ -1628,6 +1650,7 @@
               <a:rPr lang="zh-CN" altLang="en-US"/>
               <a:t>五级</a:t>
             </a:r>
+            <a:endParaRPr lang="zh-CN" altLang="en-US"/>
           </a:p>
         </p:txBody>
       </p:sp>
@@ -1693,6 +1716,7 @@
               <a:rPr lang="zh-CN" altLang="en-US"/>
               <a:t>单击此处编辑母版文本样式</a:t>
             </a:r>
+            <a:endParaRPr lang="zh-CN" altLang="en-US"/>
           </a:p>
         </p:txBody>
       </p:sp>
@@ -1721,6 +1745,7 @@
               <a:rPr lang="zh-CN" altLang="en-US"/>
               <a:t>单击此处编辑母版文本样式</a:t>
             </a:r>
+            <a:endParaRPr lang="zh-CN" altLang="en-US"/>
           </a:p>
           <a:p>
             <a:pPr lvl="1"/>
@@ -1728,6 +1753,7 @@
               <a:rPr lang="zh-CN" altLang="en-US"/>
               <a:t>二级</a:t>
             </a:r>
+            <a:endParaRPr lang="zh-CN" altLang="en-US"/>
           </a:p>
           <a:p>
             <a:pPr lvl="2"/>
@@ -1735,6 +1761,7 @@
               <a:rPr lang="zh-CN" altLang="en-US"/>
               <a:t>三级</a:t>
             </a:r>
+            <a:endParaRPr lang="zh-CN" altLang="en-US"/>
           </a:p>
           <a:p>
             <a:pPr lvl="3"/>
@@ -1742,6 +1769,7 @@
               <a:rPr lang="zh-CN" altLang="en-US"/>
               <a:t>四级</a:t>
             </a:r>
+            <a:endParaRPr lang="zh-CN" altLang="en-US"/>
           </a:p>
           <a:p>
             <a:pPr lvl="4"/>
@@ -1749,6 +1777,7 @@
               <a:rPr lang="zh-CN" altLang="en-US"/>
               <a:t>五级</a:t>
             </a:r>
+            <a:endParaRPr lang="zh-CN" altLang="en-US"/>
           </a:p>
         </p:txBody>
       </p:sp>
@@ -1769,7 +1798,6 @@
           <a:p>
             <a:fld id="{FD6793B7-98D2-4E7A-AA0F-FD7C44A279B7}" type="datetimeFigureOut">
               <a:rPr lang="zh-CN" altLang="en-US" smtClean="0"/>
-              <a:t>2021/9/5</a:t>
             </a:fld>
             <a:endParaRPr lang="zh-CN" altLang="en-US"/>
           </a:p>
@@ -1811,7 +1839,6 @@
           <a:p>
             <a:fld id="{14B251CC-5374-4BED-9F61-012454F8ECCD}" type="slidenum">
               <a:rPr lang="zh-CN" altLang="en-US" smtClean="0"/>
-              <a:t>‹#›</a:t>
             </a:fld>
             <a:endParaRPr lang="zh-CN" altLang="en-US"/>
           </a:p>
@@ -1861,6 +1888,7 @@
               <a:rPr lang="zh-CN" altLang="en-US"/>
               <a:t>单击此处编辑母版标题样式</a:t>
             </a:r>
+            <a:endParaRPr lang="zh-CN" altLang="en-US"/>
           </a:p>
         </p:txBody>
       </p:sp>
@@ -1881,7 +1909,6 @@
           <a:p>
             <a:fld id="{FD6793B7-98D2-4E7A-AA0F-FD7C44A279B7}" type="datetimeFigureOut">
               <a:rPr lang="zh-CN" altLang="en-US" smtClean="0"/>
-              <a:t>2021/9/5</a:t>
             </a:fld>
             <a:endParaRPr lang="zh-CN" altLang="en-US"/>
           </a:p>
@@ -1923,7 +1950,6 @@
           <a:p>
             <a:fld id="{14B251CC-5374-4BED-9F61-012454F8ECCD}" type="slidenum">
               <a:rPr lang="zh-CN" altLang="en-US" smtClean="0"/>
-              <a:t>‹#›</a:t>
             </a:fld>
             <a:endParaRPr lang="zh-CN" altLang="en-US"/>
           </a:p>
@@ -1971,7 +1997,6 @@
           <a:p>
             <a:fld id="{FD6793B7-98D2-4E7A-AA0F-FD7C44A279B7}" type="datetimeFigureOut">
               <a:rPr lang="zh-CN" altLang="en-US" smtClean="0"/>
-              <a:t>2021/9/5</a:t>
             </a:fld>
             <a:endParaRPr lang="zh-CN" altLang="en-US"/>
           </a:p>
@@ -2013,7 +2038,6 @@
           <a:p>
             <a:fld id="{14B251CC-5374-4BED-9F61-012454F8ECCD}" type="slidenum">
               <a:rPr lang="zh-CN" altLang="en-US" smtClean="0"/>
-              <a:t>‹#›</a:t>
             </a:fld>
             <a:endParaRPr lang="zh-CN" altLang="en-US"/>
           </a:p>
@@ -2072,6 +2096,7 @@
               <a:rPr lang="zh-CN" altLang="en-US"/>
               <a:t>单击此处编辑母版标题样式</a:t>
             </a:r>
+            <a:endParaRPr lang="zh-CN" altLang="en-US"/>
           </a:p>
         </p:txBody>
       </p:sp>
@@ -2128,6 +2153,7 @@
               <a:rPr lang="zh-CN" altLang="en-US"/>
               <a:t>单击此处编辑母版文本样式</a:t>
             </a:r>
+            <a:endParaRPr lang="zh-CN" altLang="en-US"/>
           </a:p>
           <a:p>
             <a:pPr lvl="1"/>
@@ -2135,6 +2161,7 @@
               <a:rPr lang="zh-CN" altLang="en-US"/>
               <a:t>二级</a:t>
             </a:r>
+            <a:endParaRPr lang="zh-CN" altLang="en-US"/>
           </a:p>
           <a:p>
             <a:pPr lvl="2"/>
@@ -2142,6 +2169,7 @@
               <a:rPr lang="zh-CN" altLang="en-US"/>
               <a:t>三级</a:t>
             </a:r>
+            <a:endParaRPr lang="zh-CN" altLang="en-US"/>
           </a:p>
           <a:p>
             <a:pPr lvl="3"/>
@@ -2149,6 +2177,7 @@
               <a:rPr lang="zh-CN" altLang="en-US"/>
               <a:t>四级</a:t>
             </a:r>
+            <a:endParaRPr lang="zh-CN" altLang="en-US"/>
           </a:p>
           <a:p>
             <a:pPr lvl="4"/>
@@ -2156,6 +2185,7 @@
               <a:rPr lang="zh-CN" altLang="en-US"/>
               <a:t>五级</a:t>
             </a:r>
+            <a:endParaRPr lang="zh-CN" altLang="en-US"/>
           </a:p>
         </p:txBody>
       </p:sp>
@@ -2221,6 +2251,7 @@
               <a:rPr lang="zh-CN" altLang="en-US"/>
               <a:t>单击此处编辑母版文本样式</a:t>
             </a:r>
+            <a:endParaRPr lang="zh-CN" altLang="en-US"/>
           </a:p>
         </p:txBody>
       </p:sp>
@@ -2241,7 +2272,6 @@
           <a:p>
             <a:fld id="{FD6793B7-98D2-4E7A-AA0F-FD7C44A279B7}" type="datetimeFigureOut">
               <a:rPr lang="zh-CN" altLang="en-US" smtClean="0"/>
-              <a:t>2021/9/5</a:t>
             </a:fld>
             <a:endParaRPr lang="zh-CN" altLang="en-US"/>
           </a:p>
@@ -2283,7 +2313,6 @@
           <a:p>
             <a:fld id="{14B251CC-5374-4BED-9F61-012454F8ECCD}" type="slidenum">
               <a:rPr lang="zh-CN" altLang="en-US" smtClean="0"/>
-              <a:t>‹#›</a:t>
             </a:fld>
             <a:endParaRPr lang="zh-CN" altLang="en-US"/>
           </a:p>
@@ -2333,6 +2362,7 @@
               <a:rPr lang="zh-CN" altLang="en-US"/>
               <a:t>单击此处编辑母版标题样式</a:t>
             </a:r>
+            <a:endParaRPr lang="zh-CN" altLang="en-US"/>
           </a:p>
         </p:txBody>
       </p:sp>
@@ -2356,6 +2386,7 @@
               <a:rPr lang="zh-CN" altLang="en-US"/>
               <a:t>单击此处编辑母版文本样式</a:t>
             </a:r>
+            <a:endParaRPr lang="zh-CN" altLang="en-US"/>
           </a:p>
           <a:p>
             <a:pPr lvl="1"/>
@@ -2363,6 +2394,7 @@
               <a:rPr lang="zh-CN" altLang="en-US"/>
               <a:t>二级</a:t>
             </a:r>
+            <a:endParaRPr lang="zh-CN" altLang="en-US"/>
           </a:p>
           <a:p>
             <a:pPr lvl="2"/>
@@ -2370,6 +2402,7 @@
               <a:rPr lang="zh-CN" altLang="en-US"/>
               <a:t>三级</a:t>
             </a:r>
+            <a:endParaRPr lang="zh-CN" altLang="en-US"/>
           </a:p>
           <a:p>
             <a:pPr lvl="3"/>
@@ -2377,6 +2410,7 @@
               <a:rPr lang="zh-CN" altLang="en-US"/>
               <a:t>四级</a:t>
             </a:r>
+            <a:endParaRPr lang="zh-CN" altLang="en-US"/>
           </a:p>
           <a:p>
             <a:pPr lvl="4"/>
@@ -2384,6 +2418,7 @@
               <a:rPr lang="zh-CN" altLang="en-US"/>
               <a:t>五级</a:t>
             </a:r>
+            <a:endParaRPr lang="zh-CN" altLang="en-US"/>
           </a:p>
         </p:txBody>
       </p:sp>
@@ -2404,7 +2439,6 @@
           <a:p>
             <a:fld id="{FD6793B7-98D2-4E7A-AA0F-FD7C44A279B7}" type="datetimeFigureOut">
               <a:rPr lang="zh-CN" altLang="en-US" smtClean="0"/>
-              <a:t>2021/9/5</a:t>
             </a:fld>
             <a:endParaRPr lang="zh-CN" altLang="en-US"/>
           </a:p>
@@ -2446,7 +2480,6 @@
           <a:p>
             <a:fld id="{14B251CC-5374-4BED-9F61-012454F8ECCD}" type="slidenum">
               <a:rPr lang="zh-CN" altLang="en-US" smtClean="0"/>
-              <a:t>‹#›</a:t>
             </a:fld>
             <a:endParaRPr lang="zh-CN" altLang="en-US"/>
           </a:p>
@@ -2505,6 +2538,7 @@
               <a:rPr lang="zh-CN" altLang="en-US"/>
               <a:t>单击此处编辑母版标题样式</a:t>
             </a:r>
+            <a:endParaRPr lang="zh-CN" altLang="en-US"/>
           </a:p>
         </p:txBody>
       </p:sp>
@@ -2631,6 +2665,7 @@
               <a:rPr lang="zh-CN" altLang="en-US"/>
               <a:t>单击此处编辑母版文本样式</a:t>
             </a:r>
+            <a:endParaRPr lang="zh-CN" altLang="en-US"/>
           </a:p>
         </p:txBody>
       </p:sp>
@@ -2651,7 +2686,6 @@
           <a:p>
             <a:fld id="{FD6793B7-98D2-4E7A-AA0F-FD7C44A279B7}" type="datetimeFigureOut">
               <a:rPr lang="zh-CN" altLang="en-US" smtClean="0"/>
-              <a:t>2021/9/5</a:t>
             </a:fld>
             <a:endParaRPr lang="zh-CN" altLang="en-US"/>
           </a:p>
@@ -2693,7 +2727,6 @@
           <a:p>
             <a:fld id="{14B251CC-5374-4BED-9F61-012454F8ECCD}" type="slidenum">
               <a:rPr lang="zh-CN" altLang="en-US" smtClean="0"/>
-              <a:t>‹#›</a:t>
             </a:fld>
             <a:endParaRPr lang="zh-CN" altLang="en-US"/>
           </a:p>
@@ -2743,6 +2776,7 @@
               <a:rPr lang="zh-CN" altLang="en-US"/>
               <a:t>单击此处编辑母版标题样式</a:t>
             </a:r>
+            <a:endParaRPr lang="zh-CN" altLang="en-US"/>
           </a:p>
         </p:txBody>
       </p:sp>
@@ -2766,6 +2800,7 @@
               <a:rPr lang="zh-CN" altLang="en-US"/>
               <a:t>单击此处编辑母版文本样式</a:t>
             </a:r>
+            <a:endParaRPr lang="zh-CN" altLang="en-US"/>
           </a:p>
           <a:p>
             <a:pPr lvl="1"/>
@@ -2773,6 +2808,7 @@
               <a:rPr lang="zh-CN" altLang="en-US"/>
               <a:t>二级</a:t>
             </a:r>
+            <a:endParaRPr lang="zh-CN" altLang="en-US"/>
           </a:p>
           <a:p>
             <a:pPr lvl="2"/>
@@ -2780,6 +2816,7 @@
               <a:rPr lang="zh-CN" altLang="en-US"/>
               <a:t>三级</a:t>
             </a:r>
+            <a:endParaRPr lang="zh-CN" altLang="en-US"/>
           </a:p>
           <a:p>
             <a:pPr lvl="3"/>
@@ -2787,6 +2824,7 @@
               <a:rPr lang="zh-CN" altLang="en-US"/>
               <a:t>四级</a:t>
             </a:r>
+            <a:endParaRPr lang="zh-CN" altLang="en-US"/>
           </a:p>
           <a:p>
             <a:pPr lvl="4"/>
@@ -2794,6 +2832,7 @@
               <a:rPr lang="zh-CN" altLang="en-US"/>
               <a:t>五级</a:t>
             </a:r>
+            <a:endParaRPr lang="zh-CN" altLang="en-US"/>
           </a:p>
         </p:txBody>
       </p:sp>
@@ -2814,7 +2853,6 @@
           <a:p>
             <a:fld id="{FD6793B7-98D2-4E7A-AA0F-FD7C44A279B7}" type="datetimeFigureOut">
               <a:rPr lang="zh-CN" altLang="en-US" smtClean="0"/>
-              <a:t>2021/9/5</a:t>
             </a:fld>
             <a:endParaRPr lang="zh-CN" altLang="en-US"/>
           </a:p>
@@ -2856,7 +2894,6 @@
           <a:p>
             <a:fld id="{14B251CC-5374-4BED-9F61-012454F8ECCD}" type="slidenum">
               <a:rPr lang="zh-CN" altLang="en-US" smtClean="0"/>
-              <a:t>‹#›</a:t>
             </a:fld>
             <a:endParaRPr lang="zh-CN" altLang="en-US"/>
           </a:p>
@@ -2911,6 +2948,7 @@
               <a:rPr lang="zh-CN" altLang="en-US"/>
               <a:t>单击此处编辑母版标题样式</a:t>
             </a:r>
+            <a:endParaRPr lang="zh-CN" altLang="en-US"/>
           </a:p>
         </p:txBody>
       </p:sp>
@@ -2939,6 +2977,7 @@
               <a:rPr lang="zh-CN" altLang="en-US"/>
               <a:t>单击此处编辑母版文本样式</a:t>
             </a:r>
+            <a:endParaRPr lang="zh-CN" altLang="en-US"/>
           </a:p>
           <a:p>
             <a:pPr lvl="1"/>
@@ -2946,6 +2985,7 @@
               <a:rPr lang="zh-CN" altLang="en-US"/>
               <a:t>二级</a:t>
             </a:r>
+            <a:endParaRPr lang="zh-CN" altLang="en-US"/>
           </a:p>
           <a:p>
             <a:pPr lvl="2"/>
@@ -2953,6 +2993,7 @@
               <a:rPr lang="zh-CN" altLang="en-US"/>
               <a:t>三级</a:t>
             </a:r>
+            <a:endParaRPr lang="zh-CN" altLang="en-US"/>
           </a:p>
           <a:p>
             <a:pPr lvl="3"/>
@@ -2960,6 +3001,7 @@
               <a:rPr lang="zh-CN" altLang="en-US"/>
               <a:t>四级</a:t>
             </a:r>
+            <a:endParaRPr lang="zh-CN" altLang="en-US"/>
           </a:p>
           <a:p>
             <a:pPr lvl="4"/>
@@ -2967,6 +3009,7 @@
               <a:rPr lang="zh-CN" altLang="en-US"/>
               <a:t>五级</a:t>
             </a:r>
+            <a:endParaRPr lang="zh-CN" altLang="en-US"/>
           </a:p>
         </p:txBody>
       </p:sp>
@@ -2987,7 +3030,6 @@
           <a:p>
             <a:fld id="{FD6793B7-98D2-4E7A-AA0F-FD7C44A279B7}" type="datetimeFigureOut">
               <a:rPr lang="zh-CN" altLang="en-US" smtClean="0"/>
-              <a:t>2021/9/5</a:t>
             </a:fld>
             <a:endParaRPr lang="zh-CN" altLang="en-US"/>
           </a:p>
@@ -3029,7 +3071,6 @@
           <a:p>
             <a:fld id="{14B251CC-5374-4BED-9F61-012454F8ECCD}" type="slidenum">
               <a:rPr lang="zh-CN" altLang="en-US" smtClean="0"/>
-              <a:t>‹#›</a:t>
             </a:fld>
             <a:endParaRPr lang="zh-CN" altLang="en-US"/>
           </a:p>
@@ -3088,6 +3129,7 @@
               <a:rPr lang="zh-CN" altLang="en-US"/>
               <a:t>单击此处编辑母版标题样式</a:t>
             </a:r>
+            <a:endParaRPr lang="zh-CN" altLang="en-US"/>
           </a:p>
         </p:txBody>
       </p:sp>
@@ -3207,6 +3249,7 @@
               <a:rPr lang="zh-CN" altLang="en-US"/>
               <a:t>单击此处编辑母版文本样式</a:t>
             </a:r>
+            <a:endParaRPr lang="zh-CN" altLang="en-US"/>
           </a:p>
         </p:txBody>
       </p:sp>
@@ -3227,7 +3270,6 @@
           <a:p>
             <a:fld id="{FD6793B7-98D2-4E7A-AA0F-FD7C44A279B7}" type="datetimeFigureOut">
               <a:rPr lang="zh-CN" altLang="en-US" smtClean="0"/>
-              <a:t>2021/9/5</a:t>
             </a:fld>
             <a:endParaRPr lang="zh-CN" altLang="en-US"/>
           </a:p>
@@ -3269,7 +3311,6 @@
           <a:p>
             <a:fld id="{14B251CC-5374-4BED-9F61-012454F8ECCD}" type="slidenum">
               <a:rPr lang="zh-CN" altLang="en-US" smtClean="0"/>
-              <a:t>‹#›</a:t>
             </a:fld>
             <a:endParaRPr lang="zh-CN" altLang="en-US"/>
           </a:p>
@@ -3319,6 +3360,7 @@
               <a:rPr lang="zh-CN" altLang="en-US"/>
               <a:t>单击此处编辑母版标题样式</a:t>
             </a:r>
+            <a:endParaRPr lang="zh-CN" altLang="en-US"/>
           </a:p>
         </p:txBody>
       </p:sp>
@@ -3347,6 +3389,7 @@
               <a:rPr lang="zh-CN" altLang="en-US"/>
               <a:t>单击此处编辑母版文本样式</a:t>
             </a:r>
+            <a:endParaRPr lang="zh-CN" altLang="en-US"/>
           </a:p>
           <a:p>
             <a:pPr lvl="1"/>
@@ -3354,6 +3397,7 @@
               <a:rPr lang="zh-CN" altLang="en-US"/>
               <a:t>二级</a:t>
             </a:r>
+            <a:endParaRPr lang="zh-CN" altLang="en-US"/>
           </a:p>
           <a:p>
             <a:pPr lvl="2"/>
@@ -3361,6 +3405,7 @@
               <a:rPr lang="zh-CN" altLang="en-US"/>
               <a:t>三级</a:t>
             </a:r>
+            <a:endParaRPr lang="zh-CN" altLang="en-US"/>
           </a:p>
           <a:p>
             <a:pPr lvl="3"/>
@@ -3368,6 +3413,7 @@
               <a:rPr lang="zh-CN" altLang="en-US"/>
               <a:t>四级</a:t>
             </a:r>
+            <a:endParaRPr lang="zh-CN" altLang="en-US"/>
           </a:p>
           <a:p>
             <a:pPr lvl="4"/>
@@ -3375,6 +3421,7 @@
               <a:rPr lang="zh-CN" altLang="en-US"/>
               <a:t>五级</a:t>
             </a:r>
+            <a:endParaRPr lang="zh-CN" altLang="en-US"/>
           </a:p>
         </p:txBody>
       </p:sp>
@@ -3403,6 +3450,7 @@
               <a:rPr lang="zh-CN" altLang="en-US"/>
               <a:t>单击此处编辑母版文本样式</a:t>
             </a:r>
+            <a:endParaRPr lang="zh-CN" altLang="en-US"/>
           </a:p>
           <a:p>
             <a:pPr lvl="1"/>
@@ -3410,6 +3458,7 @@
               <a:rPr lang="zh-CN" altLang="en-US"/>
               <a:t>二级</a:t>
             </a:r>
+            <a:endParaRPr lang="zh-CN" altLang="en-US"/>
           </a:p>
           <a:p>
             <a:pPr lvl="2"/>
@@ -3417,6 +3466,7 @@
               <a:rPr lang="zh-CN" altLang="en-US"/>
               <a:t>三级</a:t>
             </a:r>
+            <a:endParaRPr lang="zh-CN" altLang="en-US"/>
           </a:p>
           <a:p>
             <a:pPr lvl="3"/>
@@ -3424,6 +3474,7 @@
               <a:rPr lang="zh-CN" altLang="en-US"/>
               <a:t>四级</a:t>
             </a:r>
+            <a:endParaRPr lang="zh-CN" altLang="en-US"/>
           </a:p>
           <a:p>
             <a:pPr lvl="4"/>
@@ -3431,6 +3482,7 @@
               <a:rPr lang="zh-CN" altLang="en-US"/>
               <a:t>五级</a:t>
             </a:r>
+            <a:endParaRPr lang="zh-CN" altLang="en-US"/>
           </a:p>
         </p:txBody>
       </p:sp>
@@ -3451,7 +3503,6 @@
           <a:p>
             <a:fld id="{FD6793B7-98D2-4E7A-AA0F-FD7C44A279B7}" type="datetimeFigureOut">
               <a:rPr lang="zh-CN" altLang="en-US" smtClean="0"/>
-              <a:t>2021/9/5</a:t>
             </a:fld>
             <a:endParaRPr lang="zh-CN" altLang="en-US"/>
           </a:p>
@@ -3493,7 +3544,6 @@
           <a:p>
             <a:fld id="{14B251CC-5374-4BED-9F61-012454F8ECCD}" type="slidenum">
               <a:rPr lang="zh-CN" altLang="en-US" smtClean="0"/>
-              <a:t>‹#›</a:t>
             </a:fld>
             <a:endParaRPr lang="zh-CN" altLang="en-US"/>
           </a:p>
@@ -3548,6 +3598,7 @@
               <a:rPr lang="zh-CN" altLang="en-US"/>
               <a:t>单击此处编辑母版标题样式</a:t>
             </a:r>
+            <a:endParaRPr lang="zh-CN" altLang="en-US"/>
           </a:p>
         </p:txBody>
       </p:sp>
@@ -3613,6 +3664,7 @@
               <a:rPr lang="zh-CN" altLang="en-US"/>
               <a:t>单击此处编辑母版文本样式</a:t>
             </a:r>
+            <a:endParaRPr lang="zh-CN" altLang="en-US"/>
           </a:p>
         </p:txBody>
       </p:sp>
@@ -3641,6 +3693,7 @@
               <a:rPr lang="zh-CN" altLang="en-US"/>
               <a:t>单击此处编辑母版文本样式</a:t>
             </a:r>
+            <a:endParaRPr lang="zh-CN" altLang="en-US"/>
           </a:p>
           <a:p>
             <a:pPr lvl="1"/>
@@ -3648,6 +3701,7 @@
               <a:rPr lang="zh-CN" altLang="en-US"/>
               <a:t>二级</a:t>
             </a:r>
+            <a:endParaRPr lang="zh-CN" altLang="en-US"/>
           </a:p>
           <a:p>
             <a:pPr lvl="2"/>
@@ -3655,6 +3709,7 @@
               <a:rPr lang="zh-CN" altLang="en-US"/>
               <a:t>三级</a:t>
             </a:r>
+            <a:endParaRPr lang="zh-CN" altLang="en-US"/>
           </a:p>
           <a:p>
             <a:pPr lvl="3"/>
@@ -3662,6 +3717,7 @@
               <a:rPr lang="zh-CN" altLang="en-US"/>
               <a:t>四级</a:t>
             </a:r>
+            <a:endParaRPr lang="zh-CN" altLang="en-US"/>
           </a:p>
           <a:p>
             <a:pPr lvl="4"/>
@@ -3669,6 +3725,7 @@
               <a:rPr lang="zh-CN" altLang="en-US"/>
               <a:t>五级</a:t>
             </a:r>
+            <a:endParaRPr lang="zh-CN" altLang="en-US"/>
           </a:p>
         </p:txBody>
       </p:sp>
@@ -3734,6 +3791,7 @@
               <a:rPr lang="zh-CN" altLang="en-US"/>
               <a:t>单击此处编辑母版文本样式</a:t>
             </a:r>
+            <a:endParaRPr lang="zh-CN" altLang="en-US"/>
           </a:p>
         </p:txBody>
       </p:sp>
@@ -3762,6 +3820,7 @@
               <a:rPr lang="zh-CN" altLang="en-US"/>
               <a:t>单击此处编辑母版文本样式</a:t>
             </a:r>
+            <a:endParaRPr lang="zh-CN" altLang="en-US"/>
           </a:p>
           <a:p>
             <a:pPr lvl="1"/>
@@ -3769,6 +3828,7 @@
               <a:rPr lang="zh-CN" altLang="en-US"/>
               <a:t>二级</a:t>
             </a:r>
+            <a:endParaRPr lang="zh-CN" altLang="en-US"/>
           </a:p>
           <a:p>
             <a:pPr lvl="2"/>
@@ -3776,6 +3836,7 @@
               <a:rPr lang="zh-CN" altLang="en-US"/>
               <a:t>三级</a:t>
             </a:r>
+            <a:endParaRPr lang="zh-CN" altLang="en-US"/>
           </a:p>
           <a:p>
             <a:pPr lvl="3"/>
@@ -3783,6 +3844,7 @@
               <a:rPr lang="zh-CN" altLang="en-US"/>
               <a:t>四级</a:t>
             </a:r>
+            <a:endParaRPr lang="zh-CN" altLang="en-US"/>
           </a:p>
           <a:p>
             <a:pPr lvl="4"/>
@@ -3790,6 +3852,7 @@
               <a:rPr lang="zh-CN" altLang="en-US"/>
               <a:t>五级</a:t>
             </a:r>
+            <a:endParaRPr lang="zh-CN" altLang="en-US"/>
           </a:p>
         </p:txBody>
       </p:sp>
@@ -3810,7 +3873,6 @@
           <a:p>
             <a:fld id="{FD6793B7-98D2-4E7A-AA0F-FD7C44A279B7}" type="datetimeFigureOut">
               <a:rPr lang="zh-CN" altLang="en-US" smtClean="0"/>
-              <a:t>2021/9/5</a:t>
             </a:fld>
             <a:endParaRPr lang="zh-CN" altLang="en-US"/>
           </a:p>
@@ -3852,7 +3914,6 @@
           <a:p>
             <a:fld id="{14B251CC-5374-4BED-9F61-012454F8ECCD}" type="slidenum">
               <a:rPr lang="zh-CN" altLang="en-US" smtClean="0"/>
-              <a:t>‹#›</a:t>
             </a:fld>
             <a:endParaRPr lang="zh-CN" altLang="en-US"/>
           </a:p>
@@ -3902,6 +3963,7 @@
               <a:rPr lang="zh-CN" altLang="en-US"/>
               <a:t>单击此处编辑母版标题样式</a:t>
             </a:r>
+            <a:endParaRPr lang="zh-CN" altLang="en-US"/>
           </a:p>
         </p:txBody>
       </p:sp>
@@ -3922,7 +3984,6 @@
           <a:p>
             <a:fld id="{FD6793B7-98D2-4E7A-AA0F-FD7C44A279B7}" type="datetimeFigureOut">
               <a:rPr lang="zh-CN" altLang="en-US" smtClean="0"/>
-              <a:t>2021/9/5</a:t>
             </a:fld>
             <a:endParaRPr lang="zh-CN" altLang="en-US"/>
           </a:p>
@@ -3964,7 +4025,6 @@
           <a:p>
             <a:fld id="{14B251CC-5374-4BED-9F61-012454F8ECCD}" type="slidenum">
               <a:rPr lang="zh-CN" altLang="en-US" smtClean="0"/>
-              <a:t>‹#›</a:t>
             </a:fld>
             <a:endParaRPr lang="zh-CN" altLang="en-US"/>
           </a:p>
@@ -4012,7 +4072,6 @@
           <a:p>
             <a:fld id="{FD6793B7-98D2-4E7A-AA0F-FD7C44A279B7}" type="datetimeFigureOut">
               <a:rPr lang="zh-CN" altLang="en-US" smtClean="0"/>
-              <a:t>2021/9/5</a:t>
             </a:fld>
             <a:endParaRPr lang="zh-CN" altLang="en-US"/>
           </a:p>
@@ -4054,7 +4113,6 @@
           <a:p>
             <a:fld id="{14B251CC-5374-4BED-9F61-012454F8ECCD}" type="slidenum">
               <a:rPr lang="zh-CN" altLang="en-US" smtClean="0"/>
-              <a:t>‹#›</a:t>
             </a:fld>
             <a:endParaRPr lang="zh-CN" altLang="en-US"/>
           </a:p>
@@ -4113,6 +4171,7 @@
               <a:rPr lang="zh-CN" altLang="en-US"/>
               <a:t>单击此处编辑母版标题样式</a:t>
             </a:r>
+            <a:endParaRPr lang="zh-CN" altLang="en-US"/>
           </a:p>
         </p:txBody>
       </p:sp>
@@ -4169,6 +4228,7 @@
               <a:rPr lang="zh-CN" altLang="en-US"/>
               <a:t>单击此处编辑母版文本样式</a:t>
             </a:r>
+            <a:endParaRPr lang="zh-CN" altLang="en-US"/>
           </a:p>
           <a:p>
             <a:pPr lvl="1"/>
@@ -4176,6 +4236,7 @@
               <a:rPr lang="zh-CN" altLang="en-US"/>
               <a:t>二级</a:t>
             </a:r>
+            <a:endParaRPr lang="zh-CN" altLang="en-US"/>
           </a:p>
           <a:p>
             <a:pPr lvl="2"/>
@@ -4183,6 +4244,7 @@
               <a:rPr lang="zh-CN" altLang="en-US"/>
               <a:t>三级</a:t>
             </a:r>
+            <a:endParaRPr lang="zh-CN" altLang="en-US"/>
           </a:p>
           <a:p>
             <a:pPr lvl="3"/>
@@ -4190,6 +4252,7 @@
               <a:rPr lang="zh-CN" altLang="en-US"/>
               <a:t>四级</a:t>
             </a:r>
+            <a:endParaRPr lang="zh-CN" altLang="en-US"/>
           </a:p>
           <a:p>
             <a:pPr lvl="4"/>
@@ -4197,6 +4260,7 @@
               <a:rPr lang="zh-CN" altLang="en-US"/>
               <a:t>五级</a:t>
             </a:r>
+            <a:endParaRPr lang="zh-CN" altLang="en-US"/>
           </a:p>
         </p:txBody>
       </p:sp>
@@ -4262,6 +4326,7 @@
               <a:rPr lang="zh-CN" altLang="en-US"/>
               <a:t>单击此处编辑母版文本样式</a:t>
             </a:r>
+            <a:endParaRPr lang="zh-CN" altLang="en-US"/>
           </a:p>
         </p:txBody>
       </p:sp>
@@ -4282,7 +4347,6 @@
           <a:p>
             <a:fld id="{FD6793B7-98D2-4E7A-AA0F-FD7C44A279B7}" type="datetimeFigureOut">
               <a:rPr lang="zh-CN" altLang="en-US" smtClean="0"/>
-              <a:t>2021/9/5</a:t>
             </a:fld>
             <a:endParaRPr lang="zh-CN" altLang="en-US"/>
           </a:p>
@@ -4324,7 +4388,6 @@
           <a:p>
             <a:fld id="{14B251CC-5374-4BED-9F61-012454F8ECCD}" type="slidenum">
               <a:rPr lang="zh-CN" altLang="en-US" smtClean="0"/>
-              <a:t>‹#›</a:t>
             </a:fld>
             <a:endParaRPr lang="zh-CN" altLang="en-US"/>
           </a:p>
@@ -4383,6 +4446,7 @@
               <a:rPr lang="zh-CN" altLang="en-US"/>
               <a:t>单击此处编辑母版标题样式</a:t>
             </a:r>
+            <a:endParaRPr lang="zh-CN" altLang="en-US"/>
           </a:p>
         </p:txBody>
       </p:sp>
@@ -4509,6 +4573,7 @@
               <a:rPr lang="zh-CN" altLang="en-US"/>
               <a:t>单击此处编辑母版文本样式</a:t>
             </a:r>
+            <a:endParaRPr lang="zh-CN" altLang="en-US"/>
           </a:p>
         </p:txBody>
       </p:sp>
@@ -4529,7 +4594,6 @@
           <a:p>
             <a:fld id="{FD6793B7-98D2-4E7A-AA0F-FD7C44A279B7}" type="datetimeFigureOut">
               <a:rPr lang="zh-CN" altLang="en-US" smtClean="0"/>
-              <a:t>2021/9/5</a:t>
             </a:fld>
             <a:endParaRPr lang="zh-CN" altLang="en-US"/>
           </a:p>
@@ -4571,7 +4635,6 @@
           <a:p>
             <a:fld id="{14B251CC-5374-4BED-9F61-012454F8ECCD}" type="slidenum">
               <a:rPr lang="zh-CN" altLang="en-US" smtClean="0"/>
-              <a:t>‹#›</a:t>
             </a:fld>
             <a:endParaRPr lang="zh-CN" altLang="en-US"/>
           </a:p>
@@ -4636,6 +4699,7 @@
               <a:rPr lang="zh-CN" altLang="en-US"/>
               <a:t>单击此处编辑母版标题样式</a:t>
             </a:r>
+            <a:endParaRPr lang="zh-CN" altLang="en-US"/>
           </a:p>
         </p:txBody>
       </p:sp>
@@ -4669,6 +4733,7 @@
               <a:rPr lang="zh-CN" altLang="en-US"/>
               <a:t>单击此处编辑母版文本样式</a:t>
             </a:r>
+            <a:endParaRPr lang="zh-CN" altLang="en-US"/>
           </a:p>
           <a:p>
             <a:pPr lvl="1"/>
@@ -4676,6 +4741,7 @@
               <a:rPr lang="zh-CN" altLang="en-US"/>
               <a:t>二级</a:t>
             </a:r>
+            <a:endParaRPr lang="zh-CN" altLang="en-US"/>
           </a:p>
           <a:p>
             <a:pPr lvl="2"/>
@@ -4683,6 +4749,7 @@
               <a:rPr lang="zh-CN" altLang="en-US"/>
               <a:t>三级</a:t>
             </a:r>
+            <a:endParaRPr lang="zh-CN" altLang="en-US"/>
           </a:p>
           <a:p>
             <a:pPr lvl="3"/>
@@ -4690,6 +4757,7 @@
               <a:rPr lang="zh-CN" altLang="en-US"/>
               <a:t>四级</a:t>
             </a:r>
+            <a:endParaRPr lang="zh-CN" altLang="en-US"/>
           </a:p>
           <a:p>
             <a:pPr lvl="4"/>
@@ -4697,6 +4765,7 @@
               <a:rPr lang="zh-CN" altLang="en-US"/>
               <a:t>五级</a:t>
             </a:r>
+            <a:endParaRPr lang="zh-CN" altLang="en-US"/>
           </a:p>
         </p:txBody>
       </p:sp>
@@ -4735,7 +4804,6 @@
           <a:p>
             <a:fld id="{FD6793B7-98D2-4E7A-AA0F-FD7C44A279B7}" type="datetimeFigureOut">
               <a:rPr lang="zh-CN" altLang="en-US" smtClean="0"/>
-              <a:t>2021/9/5</a:t>
             </a:fld>
             <a:endParaRPr lang="zh-CN" altLang="en-US"/>
           </a:p>
@@ -4813,7 +4881,6 @@
           <a:p>
             <a:fld id="{14B251CC-5374-4BED-9F61-012454F8ECCD}" type="slidenum">
               <a:rPr lang="zh-CN" altLang="en-US" smtClean="0"/>
-              <a:t>‹#›</a:t>
             </a:fld>
             <a:endParaRPr lang="zh-CN" altLang="en-US"/>
           </a:p>
@@ -5169,6 +5236,7 @@
               <a:rPr lang="zh-CN" altLang="en-US"/>
               <a:t>单击此处编辑母版标题样式</a:t>
             </a:r>
+            <a:endParaRPr lang="zh-CN" altLang="en-US"/>
           </a:p>
         </p:txBody>
       </p:sp>
@@ -5202,6 +5270,7 @@
               <a:rPr lang="zh-CN" altLang="en-US"/>
               <a:t>单击此处编辑母版文本样式</a:t>
             </a:r>
+            <a:endParaRPr lang="zh-CN" altLang="en-US"/>
           </a:p>
           <a:p>
             <a:pPr lvl="1"/>
@@ -5209,6 +5278,7 @@
               <a:rPr lang="zh-CN" altLang="en-US"/>
               <a:t>二级</a:t>
             </a:r>
+            <a:endParaRPr lang="zh-CN" altLang="en-US"/>
           </a:p>
           <a:p>
             <a:pPr lvl="2"/>
@@ -5216,6 +5286,7 @@
               <a:rPr lang="zh-CN" altLang="en-US"/>
               <a:t>三级</a:t>
             </a:r>
+            <a:endParaRPr lang="zh-CN" altLang="en-US"/>
           </a:p>
           <a:p>
             <a:pPr lvl="3"/>
@@ -5223,6 +5294,7 @@
               <a:rPr lang="zh-CN" altLang="en-US"/>
               <a:t>四级</a:t>
             </a:r>
+            <a:endParaRPr lang="zh-CN" altLang="en-US"/>
           </a:p>
           <a:p>
             <a:pPr lvl="4"/>
@@ -5230,6 +5302,7 @@
               <a:rPr lang="zh-CN" altLang="en-US"/>
               <a:t>五级</a:t>
             </a:r>
+            <a:endParaRPr lang="zh-CN" altLang="en-US"/>
           </a:p>
         </p:txBody>
       </p:sp>
@@ -5268,7 +5341,6 @@
           <a:p>
             <a:fld id="{FD6793B7-98D2-4E7A-AA0F-FD7C44A279B7}" type="datetimeFigureOut">
               <a:rPr lang="zh-CN" altLang="en-US" smtClean="0"/>
-              <a:t>2021/9/5</a:t>
             </a:fld>
             <a:endParaRPr lang="zh-CN" altLang="en-US"/>
           </a:p>
@@ -5346,7 +5418,6 @@
           <a:p>
             <a:fld id="{14B251CC-5374-4BED-9F61-012454F8ECCD}" type="slidenum">
               <a:rPr lang="zh-CN" altLang="en-US" smtClean="0"/>
-              <a:t>‹#›</a:t>
             </a:fld>
             <a:endParaRPr lang="zh-CN" altLang="en-US"/>
           </a:p>
@@ -5690,6 +5761,10 @@
               </a:rPr>
               <a:t>每周汇报</a:t>
             </a:r>
+            <a:endParaRPr lang="zh-CN" altLang="en-US" dirty="0">
+              <a:latin typeface="微软雅黑" panose="020B0503020204020204" pitchFamily="34" charset="-122"/>
+              <a:ea typeface="微软雅黑" panose="020B0503020204020204" pitchFamily="34" charset="-122"/>
+            </a:endParaRPr>
           </a:p>
         </p:txBody>
       </p:sp>
@@ -5871,6 +5946,10 @@
               </a:rPr>
               <a:t>鸽博弈</a:t>
             </a:r>
+            <a:endParaRPr lang="zh-CN" altLang="en-US" dirty="0">
+              <a:latin typeface="微软雅黑" panose="020B0503020204020204" pitchFamily="34" charset="-122"/>
+              <a:ea typeface="微软雅黑" panose="020B0503020204020204" pitchFamily="34" charset="-122"/>
+            </a:endParaRPr>
           </a:p>
         </p:txBody>
       </p:sp>
@@ -5881,7 +5960,7 @@
           <p:nvPr/>
         </p:nvPicPr>
         <p:blipFill>
-          <a:blip r:embed="rId2"/>
+          <a:blip r:embed="rId1"/>
           <a:stretch>
             <a:fillRect/>
           </a:stretch>
@@ -6026,6 +6105,10 @@
               </a:rPr>
               <a:t>假设V = 6， C = 18：</a:t>
             </a:r>
+            <a:endParaRPr lang="zh-CN" altLang="en-US">
+              <a:latin typeface="微软雅黑" panose="020B0503020204020204" pitchFamily="34" charset="-122"/>
+              <a:ea typeface="微软雅黑" panose="020B0503020204020204" pitchFamily="34" charset="-122"/>
+            </a:endParaRPr>
           </a:p>
         </p:txBody>
       </p:sp>
@@ -6064,7 +6147,7 @@
           <p:nvPr/>
         </p:nvPicPr>
         <p:blipFill>
-          <a:blip r:embed="rId2"/>
+          <a:blip r:embed="rId1"/>
           <a:stretch>
             <a:fillRect/>
           </a:stretch>
@@ -6222,193 +6305,6 @@
               </a:rPr>
               <a:t>theory</a:t>
             </a:r>
-          </a:p>
-          <a:p>
-            <a:r>
-              <a:rPr lang="en-US" altLang="zh-CN" dirty="0" smtClean="0">
-                <a:latin typeface="微软雅黑" panose="020B0503020204020204" pitchFamily="34" charset="-122"/>
-                <a:ea typeface="微软雅黑" panose="020B0503020204020204" pitchFamily="34" charset="-122"/>
-              </a:rPr>
-              <a:t>2. P2P </a:t>
-            </a:r>
-            <a:r>
-              <a:rPr lang="en-US" altLang="zh-CN" dirty="0">
-                <a:latin typeface="微软雅黑" panose="020B0503020204020204" pitchFamily="34" charset="-122"/>
-                <a:ea typeface="微软雅黑" panose="020B0503020204020204" pitchFamily="34" charset="-122"/>
-              </a:rPr>
-              <a:t>Incentive Model On Evolutionary Game </a:t>
-            </a:r>
-            <a:r>
-              <a:rPr lang="en-US" altLang="zh-CN" dirty="0" smtClean="0">
-                <a:latin typeface="微软雅黑" panose="020B0503020204020204" pitchFamily="34" charset="-122"/>
-                <a:ea typeface="微软雅黑" panose="020B0503020204020204" pitchFamily="34" charset="-122"/>
-              </a:rPr>
-              <a:t>Theory</a:t>
-            </a:r>
-          </a:p>
-          <a:p>
-            <a:r>
-              <a:rPr lang="en-US" altLang="zh-CN" dirty="0" smtClean="0">
-                <a:latin typeface="微软雅黑" panose="020B0503020204020204" pitchFamily="34" charset="-122"/>
-                <a:ea typeface="微软雅黑" panose="020B0503020204020204" pitchFamily="34" charset="-122"/>
-              </a:rPr>
-              <a:t>3. </a:t>
-            </a:r>
-            <a:r>
-              <a:rPr lang="en-US" altLang="zh-CN" dirty="0">
-                <a:latin typeface="微软雅黑" panose="020B0503020204020204" pitchFamily="34" charset="-122"/>
-                <a:ea typeface="微软雅黑" panose="020B0503020204020204" pitchFamily="34" charset="-122"/>
-              </a:rPr>
-              <a:t>Building and Environment-2020-Evolutionary game theory analysis for understanding the decision-making mechanisms of governments and developers on green building </a:t>
-            </a:r>
-            <a:r>
-              <a:rPr lang="en-US" altLang="zh-CN" dirty="0" smtClean="0">
-                <a:latin typeface="微软雅黑" panose="020B0503020204020204" pitchFamily="34" charset="-122"/>
-                <a:ea typeface="微软雅黑" panose="020B0503020204020204" pitchFamily="34" charset="-122"/>
-              </a:rPr>
-              <a:t>incentives</a:t>
-            </a:r>
-          </a:p>
-          <a:p>
-            <a:r>
-              <a:rPr lang="en-US" altLang="zh-CN" dirty="0" smtClean="0">
-                <a:latin typeface="微软雅黑" panose="020B0503020204020204" pitchFamily="34" charset="-122"/>
-                <a:ea typeface="微软雅黑" panose="020B0503020204020204" pitchFamily="34" charset="-122"/>
-              </a:rPr>
-              <a:t>4. </a:t>
-            </a:r>
-            <a:r>
-              <a:rPr lang="en-US" altLang="zh-CN" dirty="0">
-                <a:latin typeface="微软雅黑" panose="020B0503020204020204" pitchFamily="34" charset="-122"/>
-                <a:ea typeface="微软雅黑" panose="020B0503020204020204" pitchFamily="34" charset="-122"/>
-              </a:rPr>
-              <a:t>Journal of Network and Computer </a:t>
-            </a:r>
-            <a:r>
-              <a:rPr lang="en-US" altLang="zh-CN" dirty="0">
-                <a:latin typeface="微软雅黑" panose="020B0503020204020204" pitchFamily="34" charset="-122"/>
-                <a:ea typeface="微软雅黑" panose="020B0503020204020204" pitchFamily="34" charset="-122"/>
-              </a:rPr>
-              <a:t>Applications- 2014-</a:t>
-            </a:r>
-            <a:r>
-              <a:rPr lang="en-US" altLang="zh-CN" dirty="0">
-                <a:latin typeface="微软雅黑" panose="020B0503020204020204" pitchFamily="34" charset="-122"/>
-                <a:ea typeface="微软雅黑" panose="020B0503020204020204" pitchFamily="34" charset="-122"/>
-              </a:rPr>
-              <a:t>Incentive mechanism for P2P file sharing based on social network and game </a:t>
-            </a:r>
-            <a:r>
-              <a:rPr lang="en-US" altLang="zh-CN" dirty="0" smtClean="0">
-                <a:latin typeface="微软雅黑" panose="020B0503020204020204" pitchFamily="34" charset="-122"/>
-                <a:ea typeface="微软雅黑" panose="020B0503020204020204" pitchFamily="34" charset="-122"/>
-              </a:rPr>
-              <a:t>theory</a:t>
-            </a:r>
-          </a:p>
-          <a:p>
-            <a:r>
-              <a:rPr lang="en-US" altLang="zh-CN" dirty="0" smtClean="0">
-                <a:latin typeface="微软雅黑" panose="020B0503020204020204" pitchFamily="34" charset="-122"/>
-                <a:ea typeface="微软雅黑" panose="020B0503020204020204" pitchFamily="34" charset="-122"/>
-              </a:rPr>
-              <a:t>5</a:t>
-            </a:r>
-            <a:r>
-              <a:rPr lang="en-US" altLang="zh-CN" dirty="0">
-                <a:latin typeface="微软雅黑" panose="020B0503020204020204" pitchFamily="34" charset="-122"/>
-                <a:ea typeface="微软雅黑" panose="020B0503020204020204" pitchFamily="34" charset="-122"/>
-              </a:rPr>
-              <a:t>. arXiv-2014-</a:t>
-            </a:r>
-            <a:r>
-              <a:rPr lang="en-US" altLang="zh-CN" dirty="0">
-                <a:latin typeface="微软雅黑" panose="020B0503020204020204" pitchFamily="34" charset="-122"/>
-                <a:ea typeface="微软雅黑" panose="020B0503020204020204" pitchFamily="34" charset="-122"/>
-              </a:rPr>
-              <a:t>Aggregating </a:t>
-            </a:r>
-            <a:r>
-              <a:rPr lang="en-US" altLang="zh-CN" dirty="0">
-                <a:latin typeface="微软雅黑" panose="020B0503020204020204" pitchFamily="34" charset="-122"/>
-                <a:ea typeface="微软雅黑" panose="020B0503020204020204" pitchFamily="34" charset="-122"/>
-              </a:rPr>
-              <a:t>partial rankings with applications to peer grading in massive online open </a:t>
-            </a:r>
-            <a:r>
-              <a:rPr lang="en-US" altLang="zh-CN" dirty="0">
-                <a:latin typeface="微软雅黑" panose="020B0503020204020204" pitchFamily="34" charset="-122"/>
-                <a:ea typeface="微软雅黑" panose="020B0503020204020204" pitchFamily="34" charset="-122"/>
-              </a:rPr>
-              <a:t>courses</a:t>
-            </a:r>
-          </a:p>
-          <a:p>
-            <a:r>
-              <a:rPr lang="en-US" altLang="zh-CN" dirty="0" smtClean="0">
-                <a:latin typeface="微软雅黑" panose="020B0503020204020204" pitchFamily="34" charset="-122"/>
-                <a:ea typeface="微软雅黑" panose="020B0503020204020204" pitchFamily="34" charset="-122"/>
-              </a:rPr>
-              <a:t>6</a:t>
-            </a:r>
-            <a:r>
-              <a:rPr lang="en-US" altLang="zh-CN" dirty="0">
-                <a:latin typeface="微软雅黑" panose="020B0503020204020204" pitchFamily="34" charset="-122"/>
-                <a:ea typeface="微软雅黑" panose="020B0503020204020204" pitchFamily="34" charset="-122"/>
-              </a:rPr>
-              <a:t>. arXiv-2019-Evaluating Reputation Management Schemes of Internet of </a:t>
-            </a:r>
-            <a:r>
-              <a:rPr lang="en-US" altLang="zh-CN" dirty="0" smtClean="0">
-                <a:latin typeface="微软雅黑" panose="020B0503020204020204" pitchFamily="34" charset="-122"/>
-                <a:ea typeface="微软雅黑" panose="020B0503020204020204" pitchFamily="34" charset="-122"/>
-              </a:rPr>
-              <a:t>Vehicles</a:t>
-            </a:r>
-          </a:p>
-          <a:p>
-            <a:r>
-              <a:rPr lang="en-US" altLang="zh-CN" dirty="0" smtClean="0">
-                <a:latin typeface="微软雅黑" panose="020B0503020204020204" pitchFamily="34" charset="-122"/>
-                <a:ea typeface="微软雅黑" panose="020B0503020204020204" pitchFamily="34" charset="-122"/>
-              </a:rPr>
-              <a:t>7. </a:t>
-            </a:r>
-            <a:r>
-              <a:rPr lang="zh-CN" altLang="en-US" dirty="0" smtClean="0">
-                <a:latin typeface="微软雅黑" panose="020B0503020204020204" pitchFamily="34" charset="-122"/>
-                <a:ea typeface="微软雅黑" panose="020B0503020204020204" pitchFamily="34" charset="-122"/>
-              </a:rPr>
-              <a:t>运筹与管理</a:t>
-            </a:r>
-            <a:r>
-              <a:rPr lang="en-US" altLang="zh-CN" dirty="0" smtClean="0">
-                <a:latin typeface="微软雅黑" panose="020B0503020204020204" pitchFamily="34" charset="-122"/>
-                <a:ea typeface="微软雅黑" panose="020B0503020204020204" pitchFamily="34" charset="-122"/>
-              </a:rPr>
-              <a:t>-2021-</a:t>
-            </a:r>
-            <a:r>
-              <a:rPr lang="zh-CN" altLang="en-US" dirty="0" smtClean="0">
-                <a:latin typeface="微软雅黑" panose="020B0503020204020204" pitchFamily="34" charset="-122"/>
-                <a:ea typeface="微软雅黑" panose="020B0503020204020204" pitchFamily="34" charset="-122"/>
-              </a:rPr>
-              <a:t>基于</a:t>
-            </a:r>
-            <a:r>
-              <a:rPr lang="zh-CN" altLang="en-US" dirty="0">
-                <a:latin typeface="微软雅黑" panose="020B0503020204020204" pitchFamily="34" charset="-122"/>
-                <a:ea typeface="微软雅黑" panose="020B0503020204020204" pitchFamily="34" charset="-122"/>
-              </a:rPr>
-              <a:t>演化博弈论的环卫自律组织激励机制</a:t>
-            </a:r>
-            <a:r>
-              <a:rPr lang="zh-CN" altLang="en-US" dirty="0" smtClean="0">
-                <a:latin typeface="微软雅黑" panose="020B0503020204020204" pitchFamily="34" charset="-122"/>
-                <a:ea typeface="微软雅黑" panose="020B0503020204020204" pitchFamily="34" charset="-122"/>
-              </a:rPr>
-              <a:t>研究</a:t>
-            </a:r>
             <a:endParaRPr lang="en-US" altLang="zh-CN" dirty="0" smtClean="0">
               <a:latin typeface="微软雅黑" panose="020B0503020204020204" pitchFamily="34" charset="-122"/>
               <a:ea typeface="微软雅黑" panose="020B0503020204020204" pitchFamily="34" charset="-122"/>
@@ -6420,49 +6316,21 @@
                 <a:latin typeface="微软雅黑" panose="020B0503020204020204" pitchFamily="34" charset="-122"/>
                 <a:ea typeface="微软雅黑" panose="020B0503020204020204" pitchFamily="34" charset="-122"/>
               </a:rPr>
-              <a:t>8. </a:t>
-            </a:r>
-            <a:r>
-              <a:rPr lang="zh-CN" altLang="en-US" dirty="0" smtClean="0">
-                <a:latin typeface="微软雅黑" panose="020B0503020204020204" pitchFamily="34" charset="-122"/>
-                <a:ea typeface="微软雅黑" panose="020B0503020204020204" pitchFamily="34" charset="-122"/>
-              </a:rPr>
-              <a:t>管理学报</a:t>
+              <a:t>2. P2P </a:t>
             </a:r>
             <a:r>
               <a:rPr lang="en-US" altLang="zh-CN" dirty="0">
                 <a:latin typeface="微软雅黑" panose="020B0503020204020204" pitchFamily="34" charset="-122"/>
                 <a:ea typeface="微软雅黑" panose="020B0503020204020204" pitchFamily="34" charset="-122"/>
               </a:rPr>
-              <a:t>-2021-</a:t>
-            </a:r>
-            <a:r>
-              <a:rPr lang="zh-CN" altLang="en-US" dirty="0">
-                <a:latin typeface="微软雅黑" panose="020B0503020204020204" pitchFamily="34" charset="-122"/>
-                <a:ea typeface="微软雅黑" panose="020B0503020204020204" pitchFamily="34" charset="-122"/>
-              </a:rPr>
-              <a:t>用户会员选择与网络视频平台</a:t>
-            </a:r>
-            <a:r>
-              <a:rPr lang="en-US" altLang="zh-CN" dirty="0">
-                <a:latin typeface="微软雅黑" panose="020B0503020204020204" pitchFamily="34" charset="-122"/>
-                <a:ea typeface="微软雅黑" panose="020B0503020204020204" pitchFamily="34" charset="-122"/>
-              </a:rPr>
-              <a:t>IP</a:t>
-            </a:r>
-            <a:r>
-              <a:rPr lang="zh-CN" altLang="en-US" dirty="0">
-                <a:latin typeface="微软雅黑" panose="020B0503020204020204" pitchFamily="34" charset="-122"/>
-                <a:ea typeface="微软雅黑" panose="020B0503020204020204" pitchFamily="34" charset="-122"/>
-              </a:rPr>
-              <a:t>竞争多阶段进化博弈</a:t>
-            </a:r>
-            <a:r>
-              <a:rPr lang="zh-CN" altLang="en-US" dirty="0" smtClean="0">
-                <a:latin typeface="微软雅黑" panose="020B0503020204020204" pitchFamily="34" charset="-122"/>
-                <a:ea typeface="微软雅黑" panose="020B0503020204020204" pitchFamily="34" charset="-122"/>
-              </a:rPr>
-              <a:t>分析</a:t>
+              <a:t>Incentive Model On Evolutionary Game </a:t>
+            </a:r>
+            <a:r>
+              <a:rPr lang="en-US" altLang="zh-CN" dirty="0" smtClean="0">
+                <a:latin typeface="微软雅黑" panose="020B0503020204020204" pitchFamily="34" charset="-122"/>
+                <a:ea typeface="微软雅黑" panose="020B0503020204020204" pitchFamily="34" charset="-122"/>
+              </a:rPr>
+              <a:t>Theory</a:t>
             </a:r>
             <a:endParaRPr lang="en-US" altLang="zh-CN" dirty="0" smtClean="0">
               <a:latin typeface="微软雅黑" panose="020B0503020204020204" pitchFamily="34" charset="-122"/>
@@ -6475,6 +6343,245 @@
                 <a:latin typeface="微软雅黑" panose="020B0503020204020204" pitchFamily="34" charset="-122"/>
                 <a:ea typeface="微软雅黑" panose="020B0503020204020204" pitchFamily="34" charset="-122"/>
               </a:rPr>
+              <a:t>3. </a:t>
+            </a:r>
+            <a:r>
+              <a:rPr lang="en-US" altLang="zh-CN" dirty="0">
+                <a:latin typeface="微软雅黑" panose="020B0503020204020204" pitchFamily="34" charset="-122"/>
+                <a:ea typeface="微软雅黑" panose="020B0503020204020204" pitchFamily="34" charset="-122"/>
+              </a:rPr>
+              <a:t>Building and Environment-2020-Evolutionary game theory analysis for understanding the decision-making mechanisms of governments and developers on green building </a:t>
+            </a:r>
+            <a:r>
+              <a:rPr lang="en-US" altLang="zh-CN" dirty="0" smtClean="0">
+                <a:latin typeface="微软雅黑" panose="020B0503020204020204" pitchFamily="34" charset="-122"/>
+                <a:ea typeface="微软雅黑" panose="020B0503020204020204" pitchFamily="34" charset="-122"/>
+              </a:rPr>
+              <a:t>incentives</a:t>
+            </a:r>
+            <a:endParaRPr lang="en-US" altLang="zh-CN" dirty="0" smtClean="0">
+              <a:latin typeface="微软雅黑" panose="020B0503020204020204" pitchFamily="34" charset="-122"/>
+              <a:ea typeface="微软雅黑" panose="020B0503020204020204" pitchFamily="34" charset="-122"/>
+            </a:endParaRPr>
+          </a:p>
+          <a:p>
+            <a:r>
+              <a:rPr lang="en-US" altLang="zh-CN" dirty="0" smtClean="0">
+                <a:latin typeface="微软雅黑" panose="020B0503020204020204" pitchFamily="34" charset="-122"/>
+                <a:ea typeface="微软雅黑" panose="020B0503020204020204" pitchFamily="34" charset="-122"/>
+              </a:rPr>
+              <a:t>4. </a:t>
+            </a:r>
+            <a:r>
+              <a:rPr lang="en-US" altLang="zh-CN" dirty="0">
+                <a:latin typeface="微软雅黑" panose="020B0503020204020204" pitchFamily="34" charset="-122"/>
+                <a:ea typeface="微软雅黑" panose="020B0503020204020204" pitchFamily="34" charset="-122"/>
+              </a:rPr>
+              <a:t>Journal of Network and Computer </a:t>
+            </a:r>
+            <a:r>
+              <a:rPr lang="en-US" altLang="zh-CN" dirty="0">
+                <a:latin typeface="微软雅黑" panose="020B0503020204020204" pitchFamily="34" charset="-122"/>
+                <a:ea typeface="微软雅黑" panose="020B0503020204020204" pitchFamily="34" charset="-122"/>
+              </a:rPr>
+              <a:t>Applications- 2014-</a:t>
+            </a:r>
+            <a:r>
+              <a:rPr lang="en-US" altLang="zh-CN" dirty="0">
+                <a:latin typeface="微软雅黑" panose="020B0503020204020204" pitchFamily="34" charset="-122"/>
+                <a:ea typeface="微软雅黑" panose="020B0503020204020204" pitchFamily="34" charset="-122"/>
+              </a:rPr>
+              <a:t>Incentive mechanism for P2P file sharing based on social network and game </a:t>
+            </a:r>
+            <a:r>
+              <a:rPr lang="en-US" altLang="zh-CN" dirty="0" smtClean="0">
+                <a:latin typeface="微软雅黑" panose="020B0503020204020204" pitchFamily="34" charset="-122"/>
+                <a:ea typeface="微软雅黑" panose="020B0503020204020204" pitchFamily="34" charset="-122"/>
+              </a:rPr>
+              <a:t>theory</a:t>
+            </a:r>
+            <a:endParaRPr lang="en-US" altLang="zh-CN" dirty="0" smtClean="0">
+              <a:latin typeface="微软雅黑" panose="020B0503020204020204" pitchFamily="34" charset="-122"/>
+              <a:ea typeface="微软雅黑" panose="020B0503020204020204" pitchFamily="34" charset="-122"/>
+            </a:endParaRPr>
+          </a:p>
+          <a:p>
+            <a:r>
+              <a:rPr lang="en-US" altLang="zh-CN" dirty="0" smtClean="0">
+                <a:latin typeface="微软雅黑" panose="020B0503020204020204" pitchFamily="34" charset="-122"/>
+                <a:ea typeface="微软雅黑" panose="020B0503020204020204" pitchFamily="34" charset="-122"/>
+              </a:rPr>
+              <a:t>5</a:t>
+            </a:r>
+            <a:r>
+              <a:rPr lang="en-US" altLang="zh-CN" dirty="0">
+                <a:latin typeface="微软雅黑" panose="020B0503020204020204" pitchFamily="34" charset="-122"/>
+                <a:ea typeface="微软雅黑" panose="020B0503020204020204" pitchFamily="34" charset="-122"/>
+              </a:rPr>
+              <a:t>. arXiv-2014-</a:t>
+            </a:r>
+            <a:r>
+              <a:rPr lang="en-US" altLang="zh-CN" dirty="0">
+                <a:latin typeface="微软雅黑" panose="020B0503020204020204" pitchFamily="34" charset="-122"/>
+                <a:ea typeface="微软雅黑" panose="020B0503020204020204" pitchFamily="34" charset="-122"/>
+              </a:rPr>
+              <a:t>Aggregating </a:t>
+            </a:r>
+            <a:r>
+              <a:rPr lang="en-US" altLang="zh-CN" dirty="0">
+                <a:latin typeface="微软雅黑" panose="020B0503020204020204" pitchFamily="34" charset="-122"/>
+                <a:ea typeface="微软雅黑" panose="020B0503020204020204" pitchFamily="34" charset="-122"/>
+              </a:rPr>
+              <a:t>partial rankings with applications to peer grading in massive online open </a:t>
+            </a:r>
+            <a:r>
+              <a:rPr lang="en-US" altLang="zh-CN" dirty="0">
+                <a:latin typeface="微软雅黑" panose="020B0503020204020204" pitchFamily="34" charset="-122"/>
+                <a:ea typeface="微软雅黑" panose="020B0503020204020204" pitchFamily="34" charset="-122"/>
+              </a:rPr>
+              <a:t>courses</a:t>
+            </a:r>
+            <a:endParaRPr lang="en-US" altLang="zh-CN" dirty="0">
+              <a:latin typeface="微软雅黑" panose="020B0503020204020204" pitchFamily="34" charset="-122"/>
+              <a:ea typeface="微软雅黑" panose="020B0503020204020204" pitchFamily="34" charset="-122"/>
+            </a:endParaRPr>
+          </a:p>
+          <a:p>
+            <a:r>
+              <a:rPr lang="en-US" altLang="zh-CN" dirty="0" smtClean="0">
+                <a:latin typeface="微软雅黑" panose="020B0503020204020204" pitchFamily="34" charset="-122"/>
+                <a:ea typeface="微软雅黑" panose="020B0503020204020204" pitchFamily="34" charset="-122"/>
+              </a:rPr>
+              <a:t>6</a:t>
+            </a:r>
+            <a:r>
+              <a:rPr lang="en-US" altLang="zh-CN" dirty="0">
+                <a:latin typeface="微软雅黑" panose="020B0503020204020204" pitchFamily="34" charset="-122"/>
+                <a:ea typeface="微软雅黑" panose="020B0503020204020204" pitchFamily="34" charset="-122"/>
+              </a:rPr>
+              <a:t>. arXiv-2019-Evaluating Reputation Management Schemes of Internet of </a:t>
+            </a:r>
+            <a:r>
+              <a:rPr lang="en-US" altLang="zh-CN" dirty="0" smtClean="0">
+                <a:latin typeface="微软雅黑" panose="020B0503020204020204" pitchFamily="34" charset="-122"/>
+                <a:ea typeface="微软雅黑" panose="020B0503020204020204" pitchFamily="34" charset="-122"/>
+              </a:rPr>
+              <a:t>Vehicles</a:t>
+            </a:r>
+            <a:endParaRPr lang="en-US" altLang="zh-CN" dirty="0" smtClean="0">
+              <a:latin typeface="微软雅黑" panose="020B0503020204020204" pitchFamily="34" charset="-122"/>
+              <a:ea typeface="微软雅黑" panose="020B0503020204020204" pitchFamily="34" charset="-122"/>
+            </a:endParaRPr>
+          </a:p>
+          <a:p>
+            <a:r>
+              <a:rPr lang="en-US" altLang="zh-CN" dirty="0" smtClean="0">
+                <a:latin typeface="微软雅黑" panose="020B0503020204020204" pitchFamily="34" charset="-122"/>
+                <a:ea typeface="微软雅黑" panose="020B0503020204020204" pitchFamily="34" charset="-122"/>
+              </a:rPr>
+              <a:t>7. </a:t>
+            </a:r>
+            <a:r>
+              <a:rPr lang="zh-CN" altLang="en-US" dirty="0" smtClean="0">
+                <a:latin typeface="微软雅黑" panose="020B0503020204020204" pitchFamily="34" charset="-122"/>
+                <a:ea typeface="微软雅黑" panose="020B0503020204020204" pitchFamily="34" charset="-122"/>
+              </a:rPr>
+              <a:t>运筹与管理</a:t>
+            </a:r>
+            <a:r>
+              <a:rPr lang="en-US" altLang="zh-CN" dirty="0" smtClean="0">
+                <a:latin typeface="微软雅黑" panose="020B0503020204020204" pitchFamily="34" charset="-122"/>
+                <a:ea typeface="微软雅黑" panose="020B0503020204020204" pitchFamily="34" charset="-122"/>
+              </a:rPr>
+              <a:t>-2021-</a:t>
+            </a:r>
+            <a:r>
+              <a:rPr lang="zh-CN" altLang="en-US" dirty="0" smtClean="0">
+                <a:latin typeface="微软雅黑" panose="020B0503020204020204" pitchFamily="34" charset="-122"/>
+                <a:ea typeface="微软雅黑" panose="020B0503020204020204" pitchFamily="34" charset="-122"/>
+              </a:rPr>
+              <a:t>基于</a:t>
+            </a:r>
+            <a:r>
+              <a:rPr lang="zh-CN" altLang="en-US" dirty="0">
+                <a:latin typeface="微软雅黑" panose="020B0503020204020204" pitchFamily="34" charset="-122"/>
+                <a:ea typeface="微软雅黑" panose="020B0503020204020204" pitchFamily="34" charset="-122"/>
+              </a:rPr>
+              <a:t>演化博弈论的环卫自律组织激励机制</a:t>
+            </a:r>
+            <a:r>
+              <a:rPr lang="zh-CN" altLang="en-US" dirty="0" smtClean="0">
+                <a:latin typeface="微软雅黑" panose="020B0503020204020204" pitchFamily="34" charset="-122"/>
+                <a:ea typeface="微软雅黑" panose="020B0503020204020204" pitchFamily="34" charset="-122"/>
+              </a:rPr>
+              <a:t>研究</a:t>
+            </a:r>
+            <a:endParaRPr lang="en-US" altLang="zh-CN" dirty="0" smtClean="0">
+              <a:latin typeface="微软雅黑" panose="020B0503020204020204" pitchFamily="34" charset="-122"/>
+              <a:ea typeface="微软雅黑" panose="020B0503020204020204" pitchFamily="34" charset="-122"/>
+            </a:endParaRPr>
+          </a:p>
+          <a:p>
+            <a:r>
+              <a:rPr lang="en-US" altLang="zh-CN" dirty="0" smtClean="0">
+                <a:latin typeface="微软雅黑" panose="020B0503020204020204" pitchFamily="34" charset="-122"/>
+                <a:ea typeface="微软雅黑" panose="020B0503020204020204" pitchFamily="34" charset="-122"/>
+              </a:rPr>
+              <a:t>8. </a:t>
+            </a:r>
+            <a:r>
+              <a:rPr lang="zh-CN" altLang="en-US" dirty="0" smtClean="0">
+                <a:latin typeface="微软雅黑" panose="020B0503020204020204" pitchFamily="34" charset="-122"/>
+                <a:ea typeface="微软雅黑" panose="020B0503020204020204" pitchFamily="34" charset="-122"/>
+              </a:rPr>
+              <a:t>管理学报</a:t>
+            </a:r>
+            <a:r>
+              <a:rPr lang="en-US" altLang="zh-CN" dirty="0">
+                <a:latin typeface="微软雅黑" panose="020B0503020204020204" pitchFamily="34" charset="-122"/>
+                <a:ea typeface="微软雅黑" panose="020B0503020204020204" pitchFamily="34" charset="-122"/>
+              </a:rPr>
+              <a:t>-2021-</a:t>
+            </a:r>
+            <a:r>
+              <a:rPr lang="zh-CN" altLang="en-US" dirty="0">
+                <a:latin typeface="微软雅黑" panose="020B0503020204020204" pitchFamily="34" charset="-122"/>
+                <a:ea typeface="微软雅黑" panose="020B0503020204020204" pitchFamily="34" charset="-122"/>
+              </a:rPr>
+              <a:t>用户会员选择与网络视频平台</a:t>
+            </a:r>
+            <a:r>
+              <a:rPr lang="en-US" altLang="zh-CN" dirty="0">
+                <a:latin typeface="微软雅黑" panose="020B0503020204020204" pitchFamily="34" charset="-122"/>
+                <a:ea typeface="微软雅黑" panose="020B0503020204020204" pitchFamily="34" charset="-122"/>
+              </a:rPr>
+              <a:t>IP</a:t>
+            </a:r>
+            <a:r>
+              <a:rPr lang="zh-CN" altLang="en-US" dirty="0">
+                <a:latin typeface="微软雅黑" panose="020B0503020204020204" pitchFamily="34" charset="-122"/>
+                <a:ea typeface="微软雅黑" panose="020B0503020204020204" pitchFamily="34" charset="-122"/>
+              </a:rPr>
+              <a:t>竞争多阶段进化博弈</a:t>
+            </a:r>
+            <a:r>
+              <a:rPr lang="zh-CN" altLang="en-US" dirty="0" smtClean="0">
+                <a:latin typeface="微软雅黑" panose="020B0503020204020204" pitchFamily="34" charset="-122"/>
+                <a:ea typeface="微软雅黑" panose="020B0503020204020204" pitchFamily="34" charset="-122"/>
+              </a:rPr>
+              <a:t>分析</a:t>
+            </a:r>
+            <a:endParaRPr lang="en-US" altLang="zh-CN" dirty="0" smtClean="0">
+              <a:latin typeface="微软雅黑" panose="020B0503020204020204" pitchFamily="34" charset="-122"/>
+              <a:ea typeface="微软雅黑" panose="020B0503020204020204" pitchFamily="34" charset="-122"/>
+            </a:endParaRPr>
+          </a:p>
+          <a:p>
+            <a:r>
+              <a:rPr lang="en-US" altLang="zh-CN" dirty="0" smtClean="0">
+                <a:latin typeface="微软雅黑" panose="020B0503020204020204" pitchFamily="34" charset="-122"/>
+                <a:ea typeface="微软雅黑" panose="020B0503020204020204" pitchFamily="34" charset="-122"/>
+              </a:rPr>
               <a:t>9. </a:t>
             </a:r>
             <a:r>
@@ -6498,6 +6605,10 @@
               </a:rPr>
               <a:t>Dynamics</a:t>
             </a:r>
+            <a:endParaRPr lang="en-US" altLang="zh-CN" dirty="0" smtClean="0">
+              <a:latin typeface="微软雅黑" panose="020B0503020204020204" pitchFamily="34" charset="-122"/>
+              <a:ea typeface="微软雅黑" panose="020B0503020204020204" pitchFamily="34" charset="-122"/>
+            </a:endParaRPr>
           </a:p>
           <a:p>
             <a:r>
@@ -6628,6 +6739,11 @@
               </a:rPr>
               <a:t>复制动态方程——演化的过程</a:t>
             </a:r>
+            <a:endParaRPr lang="zh-CN" altLang="en-US" dirty="0">
+              <a:latin typeface="微软雅黑" panose="020B0503020204020204" pitchFamily="34" charset="-122"/>
+              <a:ea typeface="微软雅黑" panose="020B0503020204020204" pitchFamily="34" charset="-122"/>
+              <a:cs typeface="微软雅黑" panose="020B0503020204020204" pitchFamily="34" charset="-122"/>
+            </a:endParaRPr>
           </a:p>
         </p:txBody>
       </p:sp>
@@ -6669,6 +6785,7 @@
               <a:rPr lang="zh-CN" altLang="en-US"/>
               <a:t>策略</a:t>
             </a:r>
+            <a:endParaRPr lang="zh-CN" altLang="en-US"/>
           </a:p>
         </p:txBody>
       </p:sp>
@@ -6710,6 +6827,7 @@
               <a:rPr lang="zh-CN" altLang="en-US" dirty="0"/>
               <a:t>上次收益最高的策略</a:t>
             </a:r>
+            <a:endParaRPr lang="zh-CN" altLang="en-US" dirty="0"/>
           </a:p>
         </p:txBody>
       </p:sp>
@@ -6751,6 +6869,7 @@
               <a:rPr lang="zh-CN" altLang="en-US" dirty="0"/>
               <a:t>原策略</a:t>
             </a:r>
+            <a:endParaRPr lang="zh-CN" altLang="en-US" dirty="0"/>
           </a:p>
         </p:txBody>
       </p:sp>
@@ -6852,6 +6971,7 @@
               <a:rPr lang="zh-CN" altLang="en-US" dirty="0"/>
               <a:t>下次策略</a:t>
             </a:r>
+            <a:endParaRPr lang="zh-CN" altLang="en-US" dirty="0"/>
           </a:p>
         </p:txBody>
       </p:sp>
@@ -6894,7 +7014,7 @@
         <p:spPr>
           <a:xfrm>
             <a:off x="837565" y="3358342"/>
-            <a:ext cx="6132772" cy="369332"/>
+            <a:ext cx="6132772" cy="368300"/>
           </a:xfrm>
           <a:prstGeom prst="rect">
             <a:avLst/>
@@ -6913,7 +7033,7 @@
             </a:r>
             <a:r>
               <a:rPr lang="en-US" altLang="zh-CN" dirty="0" smtClean="0"/>
-              <a:t>Dynamics-1997</a:t>
+              <a:t>Dynamics-1978</a:t>
             </a:r>
             <a:endParaRPr lang="zh-CN" altLang="en-US" dirty="0"/>
           </a:p>
@@ -7127,10 +7247,10 @@
               <a:prstGeom prst="rect">
                 <a:avLst/>
               </a:prstGeom>
-              <a:blipFill>
-                <a:blip r:embed="rId2"/>
+              <a:blipFill rotWithShape="1">
+                <a:blip r:embed="rId1"/>
                 <a:stretch>
-                  <a:fillRect l="-767" t="-2174" r="-3325" b="-36957"/>
+                  <a:fillRect l="-17" t="-9" r="-1409" b="60"/>
                 </a:stretch>
               </a:blipFill>
             </p:spPr>
@@ -7221,6 +7341,11 @@
               </a:rPr>
               <a:t>雅可比矩阵——计算稳定的ESS</a:t>
             </a:r>
+            <a:endParaRPr lang="zh-CN" altLang="en-US" dirty="0">
+              <a:latin typeface="微软雅黑" panose="020B0503020204020204" pitchFamily="34" charset="-122"/>
+              <a:ea typeface="微软雅黑" panose="020B0503020204020204" pitchFamily="34" charset="-122"/>
+              <a:cs typeface="微软雅黑" panose="020B0503020204020204" pitchFamily="34" charset="-122"/>
+            </a:endParaRPr>
           </a:p>
         </p:txBody>
       </p:sp>
@@ -7300,6 +7425,36 @@
           <p:nvPr/>
         </p:nvPicPr>
         <p:blipFill>
+          <a:blip r:embed="rId1">
+            <a:extLst>
+              <a:ext uri="{28A0092B-C50C-407E-A947-70E740481C1C}">
+                <a14:useLocalDpi xmlns:a14="http://schemas.microsoft.com/office/drawing/2010/main" val="0"/>
+              </a:ext>
+            </a:extLst>
+          </a:blip>
+          <a:stretch>
+            <a:fillRect/>
+          </a:stretch>
+        </p:blipFill>
+        <p:spPr>
+          <a:xfrm>
+            <a:off x="519718" y="1829852"/>
+            <a:ext cx="6195585" cy="1593150"/>
+          </a:xfrm>
+          <a:prstGeom prst="rect">
+            <a:avLst/>
+          </a:prstGeom>
+        </p:spPr>
+      </p:pic>
+      <p:pic>
+        <p:nvPicPr>
+          <p:cNvPr id="7" name="图片 6"/>
+          <p:cNvPicPr>
+            <a:picLocks noChangeAspect="1"/>
+          </p:cNvPicPr>
+          <p:nvPr/>
+        </p:nvPicPr>
+        <p:blipFill>
           <a:blip r:embed="rId2">
             <a:extLst>
               <a:ext uri="{28A0092B-C50C-407E-A947-70E740481C1C}">
@@ -7313,36 +7468,6 @@
         </p:blipFill>
         <p:spPr>
           <a:xfrm>
-            <a:off x="519718" y="1829852"/>
-            <a:ext cx="6195585" cy="1593150"/>
-          </a:xfrm>
-          <a:prstGeom prst="rect">
-            <a:avLst/>
-          </a:prstGeom>
-        </p:spPr>
-      </p:pic>
-      <p:pic>
-        <p:nvPicPr>
-          <p:cNvPr id="7" name="图片 6"/>
-          <p:cNvPicPr>
-            <a:picLocks noChangeAspect="1"/>
-          </p:cNvPicPr>
-          <p:nvPr/>
-        </p:nvPicPr>
-        <p:blipFill>
-          <a:blip r:embed="rId3">
-            <a:extLst>
-              <a:ext uri="{28A0092B-C50C-407E-A947-70E740481C1C}">
-                <a14:useLocalDpi xmlns:a14="http://schemas.microsoft.com/office/drawing/2010/main" val="0"/>
-              </a:ext>
-            </a:extLst>
-          </a:blip>
-          <a:stretch>
-            <a:fillRect/>
-          </a:stretch>
-        </p:blipFill>
-        <p:spPr>
-          <a:xfrm>
             <a:off x="191192" y="4101009"/>
             <a:ext cx="4024205" cy="1738329"/>
           </a:xfrm>
@@ -7360,7 +7485,7 @@
           <p:nvPr/>
         </p:nvPicPr>
         <p:blipFill>
-          <a:blip r:embed="rId4">
+          <a:blip r:embed="rId3">
             <a:extLst>
               <a:ext uri="{28A0092B-C50C-407E-A947-70E740481C1C}">
                 <a14:useLocalDpi xmlns:a14="http://schemas.microsoft.com/office/drawing/2010/main" val="0"/>
@@ -7589,10 +7714,10 @@
               <a:prstGeom prst="rect">
                 <a:avLst/>
               </a:prstGeom>
-              <a:blipFill>
-                <a:blip r:embed="rId5"/>
+              <a:blipFill rotWithShape="1">
+                <a:blip r:embed="rId4"/>
                 <a:stretch>
-                  <a:fillRect l="-765" t="-4444" r="-3061" b="-37778"/>
+                  <a:fillRect l="-18" t="-24" r="-1407" b="74"/>
                 </a:stretch>
               </a:blipFill>
             </p:spPr>
@@ -7653,7 +7778,7 @@
           <p:nvPr/>
         </p:nvPicPr>
         <p:blipFill>
-          <a:blip r:embed="rId6">
+          <a:blip r:embed="rId5">
             <a:extLst>
               <a:ext uri="{28A0092B-C50C-407E-A947-70E740481C1C}">
                 <a14:useLocalDpi xmlns:a14="http://schemas.microsoft.com/office/drawing/2010/main" val="0"/>
@@ -7772,6 +7897,70 @@
           <p:nvPr/>
         </p:nvPicPr>
         <p:blipFill>
+          <a:blip r:embed="rId1">
+            <a:extLst>
+              <a:ext uri="{28A0092B-C50C-407E-A947-70E740481C1C}">
+                <a14:useLocalDpi xmlns:a14="http://schemas.microsoft.com/office/drawing/2010/main" val="0"/>
+              </a:ext>
+            </a:extLst>
+          </a:blip>
+          <a:stretch>
+            <a:fillRect/>
+          </a:stretch>
+        </p:blipFill>
+        <p:spPr>
+          <a:xfrm>
+            <a:off x="1214872" y="1808809"/>
+            <a:ext cx="6768193" cy="1931054"/>
+          </a:xfrm>
+          <a:prstGeom prst="rect">
+            <a:avLst/>
+          </a:prstGeom>
+        </p:spPr>
+      </p:pic>
+      <p:sp>
+        <p:nvSpPr>
+          <p:cNvPr id="16" name="文本框 15"/>
+          <p:cNvSpPr txBox="1"/>
+          <p:nvPr/>
+        </p:nvSpPr>
+        <p:spPr>
+          <a:xfrm>
+            <a:off x="1214873" y="4430684"/>
+            <a:ext cx="6042138" cy="369332"/>
+          </a:xfrm>
+          <a:prstGeom prst="rect">
+            <a:avLst/>
+          </a:prstGeom>
+          <a:noFill/>
+        </p:spPr>
+        <p:txBody>
+          <a:bodyPr wrap="square" rtlCol="0">
+            <a:spAutoFit/>
+          </a:bodyPr>
+          <a:lstStyle/>
+          <a:p>
+            <a:r>
+              <a:rPr lang="en-US" altLang="zh-CN" dirty="0"/>
+              <a:t>(</a:t>
+            </a:r>
+            <a:r>
+              <a:rPr lang="en-US" altLang="zh-CN" dirty="0" smtClean="0"/>
+              <a:t>0, 0); (0, 1); (0, 1); (1, 1)</a:t>
+            </a:r>
+            <a:endParaRPr lang="zh-CN" altLang="en-US" dirty="0"/>
+          </a:p>
+        </p:txBody>
+      </p:sp>
+      <p:pic>
+        <p:nvPicPr>
+          <p:cNvPr id="17" name="图片 16"/>
+          <p:cNvPicPr>
+            <a:picLocks noChangeAspect="1"/>
+          </p:cNvPicPr>
+          <p:nvPr/>
+        </p:nvPicPr>
+        <p:blipFill>
           <a:blip r:embed="rId2">
             <a:extLst>
               <a:ext uri="{28A0092B-C50C-407E-A947-70E740481C1C}">
@@ -7785,84 +7974,15 @@
         </p:blipFill>
         <p:spPr>
           <a:xfrm>
-            <a:off x="1214872" y="1808809"/>
-            <a:ext cx="6768193" cy="1931054"/>
+            <a:off x="4106391" y="4430684"/>
+            <a:ext cx="3876674" cy="1911540"/>
           </a:xfrm>
           <a:prstGeom prst="rect">
             <a:avLst/>
           </a:prstGeom>
         </p:spPr>
       </p:pic>
-      <p:sp>
-        <p:nvSpPr>
-          <p:cNvPr id="16" name="文本框 15"/>
-          <p:cNvSpPr txBox="1"/>
-          <p:nvPr/>
-        </p:nvSpPr>
-        <p:spPr>
-          <a:xfrm>
-            <a:off x="1214873" y="4430684"/>
-            <a:ext cx="6042138" cy="369332"/>
-          </a:xfrm>
-          <a:prstGeom prst="rect">
-            <a:avLst/>
-          </a:prstGeom>
-          <a:noFill/>
-        </p:spPr>
-        <p:txBody>
-          <a:bodyPr wrap="square" rtlCol="0">
-            <a:spAutoFit/>
-          </a:bodyPr>
-          <a:lstStyle/>
-          <a:p>
-            <a:r>
-              <a:rPr lang="en-US" altLang="zh-CN" dirty="0"/>
-              <a:t>(</a:t>
-            </a:r>
-            <a:r>
-              <a:rPr lang="en-US" altLang="zh-CN" dirty="0" smtClean="0"/>
-              <a:t>0, 0); (0, 1); (0, 1); (1, 1)</a:t>
-            </a:r>
-            <a:endParaRPr lang="zh-CN" altLang="en-US" dirty="0"/>
-          </a:p>
-        </p:txBody>
-      </p:sp>
-      <p:pic>
-        <p:nvPicPr>
-          <p:cNvPr id="17" name="图片 16"/>
-          <p:cNvPicPr>
-            <a:picLocks noChangeAspect="1"/>
-          </p:cNvPicPr>
-          <p:nvPr/>
-        </p:nvPicPr>
-        <p:blipFill>
-          <a:blip r:embed="rId3">
-            <a:extLst>
-              <a:ext uri="{28A0092B-C50C-407E-A947-70E740481C1C}">
-                <a14:useLocalDpi xmlns:a14="http://schemas.microsoft.com/office/drawing/2010/main" val="0"/>
-              </a:ext>
-            </a:extLst>
-          </a:blip>
-          <a:stretch>
-            <a:fillRect/>
-          </a:stretch>
-        </p:blipFill>
-        <p:spPr>
-          <a:xfrm>
-            <a:off x="4106391" y="4430684"/>
-            <a:ext cx="3876674" cy="1911540"/>
-          </a:xfrm>
-          <a:prstGeom prst="rect">
-            <a:avLst/>
-          </a:prstGeom>
-        </p:spPr>
-      </p:pic>
     </p:spTree>
-    <p:extLst>
-      <p:ext uri="{BB962C8B-B14F-4D97-AF65-F5344CB8AC3E}">
-        <p14:creationId xmlns:p14="http://schemas.microsoft.com/office/powerpoint/2010/main" val="3858075282"/>
-      </p:ext>
-    </p:extLst>
   </p:cSld>
   <p:clrMapOvr>
     <a:masterClrMapping/>
@@ -7945,12 +8065,47 @@
               </a:rPr>
               <a:t>雅可比矩阵——计算稳定的ESS</a:t>
             </a:r>
+            <a:endParaRPr lang="zh-CN" altLang="en-US" dirty="0">
+              <a:latin typeface="微软雅黑" panose="020B0503020204020204" pitchFamily="34" charset="-122"/>
+              <a:ea typeface="微软雅黑" panose="020B0503020204020204" pitchFamily="34" charset="-122"/>
+              <a:cs typeface="微软雅黑" panose="020B0503020204020204" pitchFamily="34" charset="-122"/>
+            </a:endParaRPr>
           </a:p>
         </p:txBody>
       </p:sp>
       <p:pic>
         <p:nvPicPr>
           <p:cNvPr id="3" name="图片 2"/>
+          <p:cNvPicPr>
+            <a:picLocks noChangeAspect="1"/>
+          </p:cNvPicPr>
+          <p:nvPr/>
+        </p:nvPicPr>
+        <p:blipFill>
+          <a:blip r:embed="rId1">
+            <a:extLst>
+              <a:ext uri="{28A0092B-C50C-407E-A947-70E740481C1C}">
+                <a14:useLocalDpi xmlns:a14="http://schemas.microsoft.com/office/drawing/2010/main" val="0"/>
+              </a:ext>
+            </a:extLst>
+          </a:blip>
+          <a:stretch>
+            <a:fillRect/>
+          </a:stretch>
+        </p:blipFill>
+        <p:spPr>
+          <a:xfrm>
+            <a:off x="1180406" y="2441445"/>
+            <a:ext cx="1753987" cy="1264392"/>
+          </a:xfrm>
+          <a:prstGeom prst="rect">
+            <a:avLst/>
+          </a:prstGeom>
+        </p:spPr>
+      </p:pic>
+      <p:pic>
+        <p:nvPicPr>
+          <p:cNvPr id="4" name="图片 3"/>
           <p:cNvPicPr>
             <a:picLocks noChangeAspect="1"/>
           </p:cNvPicPr>
@@ -7970,24 +8125,78 @@
         </p:blipFill>
         <p:spPr>
           <a:xfrm>
-            <a:off x="1180406" y="2441445"/>
-            <a:ext cx="1753987" cy="1264392"/>
+            <a:off x="3207328" y="2441445"/>
+            <a:ext cx="2295698" cy="1327067"/>
           </a:xfrm>
           <a:prstGeom prst="rect">
             <a:avLst/>
           </a:prstGeom>
         </p:spPr>
       </p:pic>
+      <p:sp>
+        <p:nvSpPr>
+          <p:cNvPr id="5" name="文本框 4"/>
+          <p:cNvSpPr txBox="1"/>
+          <p:nvPr/>
+        </p:nvSpPr>
+        <p:spPr>
+          <a:xfrm>
+            <a:off x="838200" y="3966303"/>
+            <a:ext cx="9827029" cy="369332"/>
+          </a:xfrm>
+          <a:prstGeom prst="rect">
+            <a:avLst/>
+          </a:prstGeom>
+          <a:noFill/>
+        </p:spPr>
+        <p:txBody>
+          <a:bodyPr wrap="square" rtlCol="0">
+            <a:spAutoFit/>
+          </a:bodyPr>
+          <a:lstStyle/>
+          <a:p>
+            <a:r>
+              <a:rPr lang="zh-CN" altLang="en-US" dirty="0" smtClean="0"/>
+              <a:t>如果</a:t>
+            </a:r>
+            <a:r>
+              <a:rPr lang="en-US" altLang="zh-CN" dirty="0" err="1" smtClean="0"/>
+              <a:t>Tr</a:t>
+            </a:r>
+            <a:r>
+              <a:rPr lang="en-US" altLang="zh-CN" dirty="0" smtClean="0"/>
+              <a:t>(J)&lt;0,Det(J)&gt;0</a:t>
+            </a:r>
+            <a:r>
+              <a:rPr lang="zh-CN" altLang="en-US" dirty="0" smtClean="0"/>
+              <a:t>，那么</a:t>
+            </a:r>
+            <a:r>
+              <a:rPr lang="zh-CN" altLang="en-US" dirty="0"/>
+              <a:t>对应的平衡点是稳定的，点是</a:t>
+            </a:r>
+            <a:r>
+              <a:rPr lang="en-US" altLang="zh-CN" dirty="0"/>
+              <a:t>ESS</a:t>
+            </a:r>
+            <a:r>
+              <a:rPr lang="en-US" altLang="zh-CN" dirty="0" smtClean="0"/>
+              <a:t>;</a:t>
+            </a:r>
+            <a:endParaRPr lang="en-US" altLang="zh-CN" dirty="0" smtClean="0"/>
+          </a:p>
+        </p:txBody>
+      </p:sp>
       <p:pic>
         <p:nvPicPr>
-          <p:cNvPr id="4" name="图片 3"/>
+          <p:cNvPr id="6" name="图片 5"/>
           <p:cNvPicPr>
             <a:picLocks noChangeAspect="1"/>
           </p:cNvPicPr>
           <p:nvPr/>
         </p:nvPicPr>
         <p:blipFill>
-          <a:blip r:embed="rId3">
+          <a:blip r:embed="rId3" cstate="print">
             <a:extLst>
               <a:ext uri="{28A0092B-C50C-407E-A947-70E740481C1C}">
                 <a14:useLocalDpi xmlns:a14="http://schemas.microsoft.com/office/drawing/2010/main" val="0"/>
@@ -8000,70 +8209,17 @@
         </p:blipFill>
         <p:spPr>
           <a:xfrm>
-            <a:off x="3207328" y="2441445"/>
-            <a:ext cx="2295698" cy="1327067"/>
+            <a:off x="7435103" y="4184305"/>
+            <a:ext cx="4151174" cy="2593998"/>
           </a:xfrm>
           <a:prstGeom prst="rect">
             <a:avLst/>
           </a:prstGeom>
         </p:spPr>
       </p:pic>
-      <p:sp>
-        <p:nvSpPr>
-          <p:cNvPr id="5" name="文本框 4"/>
-          <p:cNvSpPr txBox="1"/>
-          <p:nvPr/>
-        </p:nvSpPr>
-        <p:spPr>
-          <a:xfrm>
-            <a:off x="838200" y="3966303"/>
-            <a:ext cx="9827029" cy="369332"/>
-          </a:xfrm>
-          <a:prstGeom prst="rect">
-            <a:avLst/>
-          </a:prstGeom>
-          <a:noFill/>
-        </p:spPr>
-        <p:txBody>
-          <a:bodyPr wrap="square" rtlCol="0">
-            <a:spAutoFit/>
-          </a:bodyPr>
-          <a:lstStyle/>
-          <a:p>
-            <a:r>
-              <a:rPr lang="zh-CN" altLang="en-US" dirty="0" smtClean="0"/>
-              <a:t>如果</a:t>
-            </a:r>
-            <a:r>
-              <a:rPr lang="en-US" altLang="zh-CN" dirty="0" err="1" smtClean="0"/>
-              <a:t>Tr</a:t>
-            </a:r>
-            <a:r>
-              <a:rPr lang="en-US" altLang="zh-CN" dirty="0" smtClean="0"/>
-              <a:t>(J)&lt;0,Det(J)&gt;0</a:t>
-            </a:r>
-            <a:r>
-              <a:rPr lang="zh-CN" altLang="en-US" dirty="0" smtClean="0"/>
-              <a:t>，那么</a:t>
-            </a:r>
-            <a:r>
-              <a:rPr lang="zh-CN" altLang="en-US" dirty="0"/>
-              <a:t>对应的平衡点是稳定的，点是</a:t>
-            </a:r>
-            <a:r>
-              <a:rPr lang="en-US" altLang="zh-CN" dirty="0"/>
-              <a:t>ESS</a:t>
-            </a:r>
-            <a:r>
-              <a:rPr lang="en-US" altLang="zh-CN" dirty="0" smtClean="0"/>
-              <a:t>;</a:t>
-            </a:r>
-          </a:p>
-        </p:txBody>
-      </p:sp>
       <p:pic>
         <p:nvPicPr>
-          <p:cNvPr id="6" name="图片 5"/>
+          <p:cNvPr id="8" name="图片 7"/>
           <p:cNvPicPr>
             <a:picLocks noChangeAspect="1"/>
           </p:cNvPicPr>
@@ -8083,8 +8239,8 @@
         </p:blipFill>
         <p:spPr>
           <a:xfrm>
-            <a:off x="7435103" y="4184305"/>
-            <a:ext cx="4151174" cy="2593998"/>
+            <a:off x="7445432" y="1511628"/>
+            <a:ext cx="4181303" cy="2454675"/>
           </a:xfrm>
           <a:prstGeom prst="rect">
             <a:avLst/>
@@ -8093,14 +8249,14 @@
       </p:pic>
       <p:pic>
         <p:nvPicPr>
-          <p:cNvPr id="8" name="图片 7"/>
+          <p:cNvPr id="9" name="图片 8"/>
           <p:cNvPicPr>
             <a:picLocks noChangeAspect="1"/>
           </p:cNvPicPr>
           <p:nvPr/>
         </p:nvPicPr>
         <p:blipFill>
-          <a:blip r:embed="rId5" cstate="print">
+          <a:blip r:embed="rId5">
             <a:extLst>
               <a:ext uri="{28A0092B-C50C-407E-A947-70E740481C1C}">
                 <a14:useLocalDpi xmlns:a14="http://schemas.microsoft.com/office/drawing/2010/main" val="0"/>
@@ -8113,50 +8269,15 @@
         </p:blipFill>
         <p:spPr>
           <a:xfrm>
-            <a:off x="7445432" y="1511628"/>
-            <a:ext cx="4181303" cy="2454675"/>
+            <a:off x="507075" y="5247774"/>
+            <a:ext cx="6928027" cy="1103150"/>
           </a:xfrm>
           <a:prstGeom prst="rect">
             <a:avLst/>
           </a:prstGeom>
         </p:spPr>
       </p:pic>
-      <p:pic>
-        <p:nvPicPr>
-          <p:cNvPr id="9" name="图片 8"/>
-          <p:cNvPicPr>
-            <a:picLocks noChangeAspect="1"/>
-          </p:cNvPicPr>
-          <p:nvPr/>
-        </p:nvPicPr>
-        <p:blipFill>
-          <a:blip r:embed="rId6">
-            <a:extLst>
-              <a:ext uri="{28A0092B-C50C-407E-A947-70E740481C1C}">
-                <a14:useLocalDpi xmlns:a14="http://schemas.microsoft.com/office/drawing/2010/main" val="0"/>
-              </a:ext>
-            </a:extLst>
-          </a:blip>
-          <a:stretch>
-            <a:fillRect/>
-          </a:stretch>
-        </p:blipFill>
-        <p:spPr>
-          <a:xfrm>
-            <a:off x="507075" y="5247774"/>
-            <a:ext cx="6928027" cy="1103150"/>
-          </a:xfrm>
-          <a:prstGeom prst="rect">
-            <a:avLst/>
-          </a:prstGeom>
-        </p:spPr>
-      </p:pic>
     </p:spTree>
-    <p:extLst>
-      <p:ext uri="{BB962C8B-B14F-4D97-AF65-F5344CB8AC3E}">
-        <p14:creationId xmlns:p14="http://schemas.microsoft.com/office/powerpoint/2010/main" val="1724914647"/>
-      </p:ext>
-    </p:extLst>
   </p:cSld>
   <p:clrMapOvr>
     <a:masterClrMapping/>
@@ -8216,6 +8337,36 @@
           <p:nvPr/>
         </p:nvPicPr>
         <p:blipFill>
+          <a:blip r:embed="rId1" cstate="print">
+            <a:extLst>
+              <a:ext uri="{28A0092B-C50C-407E-A947-70E740481C1C}">
+                <a14:useLocalDpi xmlns:a14="http://schemas.microsoft.com/office/drawing/2010/main" val="0"/>
+              </a:ext>
+            </a:extLst>
+          </a:blip>
+          <a:stretch>
+            <a:fillRect/>
+          </a:stretch>
+        </p:blipFill>
+        <p:spPr>
+          <a:xfrm>
+            <a:off x="838200" y="1274098"/>
+            <a:ext cx="3944020" cy="2630577"/>
+          </a:xfrm>
+          <a:prstGeom prst="rect">
+            <a:avLst/>
+          </a:prstGeom>
+        </p:spPr>
+      </p:pic>
+      <p:pic>
+        <p:nvPicPr>
+          <p:cNvPr id="12" name="图片 11"/>
+          <p:cNvPicPr>
+            <a:picLocks noChangeAspect="1"/>
+          </p:cNvPicPr>
+          <p:nvPr/>
+        </p:nvPicPr>
+        <p:blipFill>
           <a:blip r:embed="rId2" cstate="print">
             <a:extLst>
               <a:ext uri="{28A0092B-C50C-407E-A947-70E740481C1C}">
@@ -8229,8 +8380,8 @@
         </p:blipFill>
         <p:spPr>
           <a:xfrm>
-            <a:off x="838200" y="1274098"/>
-            <a:ext cx="3944020" cy="2630577"/>
+            <a:off x="5745917" y="1244734"/>
+            <a:ext cx="4327074" cy="2631600"/>
           </a:xfrm>
           <a:prstGeom prst="rect">
             <a:avLst/>
@@ -8239,7 +8390,7 @@
       </p:pic>
       <p:pic>
         <p:nvPicPr>
-          <p:cNvPr id="12" name="图片 11"/>
+          <p:cNvPr id="13" name="图片 12"/>
           <p:cNvPicPr>
             <a:picLocks noChangeAspect="1"/>
           </p:cNvPicPr>
@@ -8259,8 +8410,8 @@
         </p:blipFill>
         <p:spPr>
           <a:xfrm>
-            <a:off x="5745917" y="1244734"/>
-            <a:ext cx="4327074" cy="2631600"/>
+            <a:off x="715608" y="3876334"/>
+            <a:ext cx="4008423" cy="2631600"/>
           </a:xfrm>
           <a:prstGeom prst="rect">
             <a:avLst/>
@@ -8269,7 +8420,7 @@
       </p:pic>
       <p:pic>
         <p:nvPicPr>
-          <p:cNvPr id="13" name="图片 12"/>
+          <p:cNvPr id="14" name="图片 13"/>
           <p:cNvPicPr>
             <a:picLocks noChangeAspect="1"/>
           </p:cNvPicPr>
@@ -8289,50 +8440,15 @@
         </p:blipFill>
         <p:spPr>
           <a:xfrm>
-            <a:off x="715608" y="3876334"/>
-            <a:ext cx="4008423" cy="2631600"/>
+            <a:off x="5745917" y="3904675"/>
+            <a:ext cx="4177716" cy="2631600"/>
           </a:xfrm>
           <a:prstGeom prst="rect">
             <a:avLst/>
           </a:prstGeom>
         </p:spPr>
       </p:pic>
-      <p:pic>
-        <p:nvPicPr>
-          <p:cNvPr id="14" name="图片 13"/>
-          <p:cNvPicPr>
-            <a:picLocks noChangeAspect="1"/>
-          </p:cNvPicPr>
-          <p:nvPr/>
-        </p:nvPicPr>
-        <p:blipFill>
-          <a:blip r:embed="rId5" cstate="print">
-            <a:extLst>
-              <a:ext uri="{28A0092B-C50C-407E-A947-70E740481C1C}">
-                <a14:useLocalDpi xmlns:a14="http://schemas.microsoft.com/office/drawing/2010/main" val="0"/>
-              </a:ext>
-            </a:extLst>
-          </a:blip>
-          <a:stretch>
-            <a:fillRect/>
-          </a:stretch>
-        </p:blipFill>
-        <p:spPr>
-          <a:xfrm>
-            <a:off x="5745917" y="3904675"/>
-            <a:ext cx="4177716" cy="2631600"/>
-          </a:xfrm>
-          <a:prstGeom prst="rect">
-            <a:avLst/>
-          </a:prstGeom>
-        </p:spPr>
-      </p:pic>
     </p:spTree>
-    <p:extLst>
-      <p:ext uri="{BB962C8B-B14F-4D97-AF65-F5344CB8AC3E}">
-        <p14:creationId xmlns:p14="http://schemas.microsoft.com/office/powerpoint/2010/main" val="2356337142"/>
-      </p:ext>
-    </p:extLst>
   </p:cSld>
   <p:clrMapOvr>
     <a:masterClrMapping/>
@@ -8397,6 +8513,36 @@
           <p:nvPr/>
         </p:nvPicPr>
         <p:blipFill>
+          <a:blip r:embed="rId1">
+            <a:extLst>
+              <a:ext uri="{28A0092B-C50C-407E-A947-70E740481C1C}">
+                <a14:useLocalDpi xmlns:a14="http://schemas.microsoft.com/office/drawing/2010/main" val="0"/>
+              </a:ext>
+            </a:extLst>
+          </a:blip>
+          <a:stretch>
+            <a:fillRect/>
+          </a:stretch>
+        </p:blipFill>
+        <p:spPr>
+          <a:xfrm>
+            <a:off x="838200" y="1882103"/>
+            <a:ext cx="6283036" cy="1934091"/>
+          </a:xfrm>
+          <a:prstGeom prst="rect">
+            <a:avLst/>
+          </a:prstGeom>
+        </p:spPr>
+      </p:pic>
+      <p:pic>
+        <p:nvPicPr>
+          <p:cNvPr id="5" name="图片 4"/>
+          <p:cNvPicPr>
+            <a:picLocks noChangeAspect="1"/>
+          </p:cNvPicPr>
+          <p:nvPr/>
+        </p:nvPicPr>
+        <p:blipFill>
           <a:blip r:embed="rId2">
             <a:extLst>
               <a:ext uri="{28A0092B-C50C-407E-A947-70E740481C1C}">
@@ -8410,8 +8556,8 @@
         </p:blipFill>
         <p:spPr>
           <a:xfrm>
-            <a:off x="838200" y="1882103"/>
-            <a:ext cx="6283036" cy="1934091"/>
+            <a:off x="838200" y="4011447"/>
+            <a:ext cx="10058400" cy="849476"/>
           </a:xfrm>
           <a:prstGeom prst="rect">
             <a:avLst/>
@@ -8420,7 +8566,7 @@
       </p:pic>
       <p:pic>
         <p:nvPicPr>
-          <p:cNvPr id="5" name="图片 4"/>
+          <p:cNvPr id="6" name="图片 5"/>
           <p:cNvPicPr>
             <a:picLocks noChangeAspect="1"/>
           </p:cNvPicPr>
@@ -8440,36 +8586,6 @@
         </p:blipFill>
         <p:spPr>
           <a:xfrm>
-            <a:off x="838200" y="4011447"/>
-            <a:ext cx="10058400" cy="849476"/>
-          </a:xfrm>
-          <a:prstGeom prst="rect">
-            <a:avLst/>
-          </a:prstGeom>
-        </p:spPr>
-      </p:pic>
-      <p:pic>
-        <p:nvPicPr>
-          <p:cNvPr id="6" name="图片 5"/>
-          <p:cNvPicPr>
-            <a:picLocks noChangeAspect="1"/>
-          </p:cNvPicPr>
-          <p:nvPr/>
-        </p:nvPicPr>
-        <p:blipFill>
-          <a:blip r:embed="rId4">
-            <a:extLst>
-              <a:ext uri="{28A0092B-C50C-407E-A947-70E740481C1C}">
-                <a14:useLocalDpi xmlns:a14="http://schemas.microsoft.com/office/drawing/2010/main" val="0"/>
-              </a:ext>
-            </a:extLst>
-          </a:blip>
-          <a:stretch>
-            <a:fillRect/>
-          </a:stretch>
-        </p:blipFill>
-        <p:spPr>
-          <a:xfrm>
             <a:off x="1080653" y="4844106"/>
             <a:ext cx="9883833" cy="2013894"/>
           </a:xfrm>
@@ -8704,11 +8820,6 @@
         </p:txBody>
       </p:sp>
     </p:spTree>
-    <p:extLst>
-      <p:ext uri="{BB962C8B-B14F-4D97-AF65-F5344CB8AC3E}">
-        <p14:creationId xmlns:p14="http://schemas.microsoft.com/office/powerpoint/2010/main" val="3219219122"/>
-      </p:ext>
-    </p:extLst>
   </p:cSld>
   <p:clrMapOvr>
     <a:masterClrMapping/>
@@ -9096,6 +9207,10 @@
               </a:rPr>
               <a:t>。</a:t>
             </a:r>
+            <a:endParaRPr lang="zh-CN" altLang="en-US" dirty="0">
+              <a:latin typeface="微软雅黑" panose="020B0503020204020204" pitchFamily="34" charset="-122"/>
+              <a:ea typeface="微软雅黑" panose="020B0503020204020204" pitchFamily="34" charset="-122"/>
+            </a:endParaRPr>
           </a:p>
         </p:txBody>
       </p:sp>
@@ -9260,6 +9375,10 @@
               </a:rPr>
               <a:t>。</a:t>
             </a:r>
+            <a:endParaRPr lang="zh-CN" altLang="en-US" dirty="0">
+              <a:latin typeface="微软雅黑" panose="020B0503020204020204" pitchFamily="34" charset="-122"/>
+              <a:ea typeface="微软雅黑" panose="020B0503020204020204" pitchFamily="34" charset="-122"/>
+            </a:endParaRPr>
           </a:p>
         </p:txBody>
       </p:sp>
@@ -9424,6 +9543,10 @@
               </a:rPr>
               <a:t>。</a:t>
             </a:r>
+            <a:endParaRPr lang="zh-CN" altLang="en-US" dirty="0">
+              <a:latin typeface="微软雅黑" panose="020B0503020204020204" pitchFamily="34" charset="-122"/>
+              <a:ea typeface="微软雅黑" panose="020B0503020204020204" pitchFamily="34" charset="-122"/>
+            </a:endParaRPr>
           </a:p>
         </p:txBody>
       </p:sp>
@@ -9452,12 +9575,43 @@
               <a:rPr lang="zh-CN" altLang="en-US" dirty="0"/>
               <a:t>数值仿真分析</a:t>
             </a:r>
+            <a:endParaRPr lang="zh-CN" altLang="en-US" dirty="0"/>
           </a:p>
         </p:txBody>
       </p:sp>
       <p:pic>
         <p:nvPicPr>
           <p:cNvPr id="15" name="图片 14"/>
+          <p:cNvPicPr>
+            <a:picLocks noChangeAspect="1"/>
+          </p:cNvPicPr>
+          <p:nvPr/>
+        </p:nvPicPr>
+        <p:blipFill>
+          <a:blip r:embed="rId1" cstate="print">
+            <a:extLst>
+              <a:ext uri="{28A0092B-C50C-407E-A947-70E740481C1C}">
+                <a14:useLocalDpi xmlns:a14="http://schemas.microsoft.com/office/drawing/2010/main" val="0"/>
+              </a:ext>
+            </a:extLst>
+          </a:blip>
+          <a:stretch>
+            <a:fillRect/>
+          </a:stretch>
+        </p:blipFill>
+        <p:spPr>
+          <a:xfrm>
+            <a:off x="533400" y="4371706"/>
+            <a:ext cx="2812801" cy="2264417"/>
+          </a:xfrm>
+          <a:prstGeom prst="rect">
+            <a:avLst/>
+          </a:prstGeom>
+        </p:spPr>
+      </p:pic>
+      <p:pic>
+        <p:nvPicPr>
+          <p:cNvPr id="16" name="图片 15"/>
           <p:cNvPicPr>
             <a:picLocks noChangeAspect="1"/>
           </p:cNvPicPr>
@@ -9477,8 +9631,8 @@
         </p:blipFill>
         <p:spPr>
           <a:xfrm>
-            <a:off x="533400" y="4371706"/>
-            <a:ext cx="2812801" cy="2264417"/>
+            <a:off x="3346201" y="4371706"/>
+            <a:ext cx="2826267" cy="2187036"/>
           </a:xfrm>
           <a:prstGeom prst="rect">
             <a:avLst/>
@@ -9487,7 +9641,7 @@
       </p:pic>
       <p:pic>
         <p:nvPicPr>
-          <p:cNvPr id="16" name="图片 15"/>
+          <p:cNvPr id="17" name="图片 16"/>
           <p:cNvPicPr>
             <a:picLocks noChangeAspect="1"/>
           </p:cNvPicPr>
@@ -9507,8 +9661,8 @@
         </p:blipFill>
         <p:spPr>
           <a:xfrm>
-            <a:off x="3346201" y="4371706"/>
-            <a:ext cx="2826267" cy="2187036"/>
+            <a:off x="6096000" y="4371706"/>
+            <a:ext cx="2793930" cy="2187037"/>
           </a:xfrm>
           <a:prstGeom prst="rect">
             <a:avLst/>
@@ -9517,7 +9671,7 @@
       </p:pic>
       <p:pic>
         <p:nvPicPr>
-          <p:cNvPr id="17" name="图片 16"/>
+          <p:cNvPr id="18" name="图片 17"/>
           <p:cNvPicPr>
             <a:picLocks noChangeAspect="1"/>
           </p:cNvPicPr>
@@ -9537,50 +9691,15 @@
         </p:blipFill>
         <p:spPr>
           <a:xfrm>
-            <a:off x="6096000" y="4371706"/>
-            <a:ext cx="2793930" cy="2187037"/>
+            <a:off x="8889930" y="4371706"/>
+            <a:ext cx="2796598" cy="2187036"/>
           </a:xfrm>
           <a:prstGeom prst="rect">
             <a:avLst/>
           </a:prstGeom>
         </p:spPr>
       </p:pic>
-      <p:pic>
-        <p:nvPicPr>
-          <p:cNvPr id="18" name="图片 17"/>
-          <p:cNvPicPr>
-            <a:picLocks noChangeAspect="1"/>
-          </p:cNvPicPr>
-          <p:nvPr/>
-        </p:nvPicPr>
-        <p:blipFill>
-          <a:blip r:embed="rId5" cstate="print">
-            <a:extLst>
-              <a:ext uri="{28A0092B-C50C-407E-A947-70E740481C1C}">
-                <a14:useLocalDpi xmlns:a14="http://schemas.microsoft.com/office/drawing/2010/main" val="0"/>
-              </a:ext>
-            </a:extLst>
-          </a:blip>
-          <a:stretch>
-            <a:fillRect/>
-          </a:stretch>
-        </p:blipFill>
-        <p:spPr>
-          <a:xfrm>
-            <a:off x="8889930" y="4371706"/>
-            <a:ext cx="2796598" cy="2187036"/>
-          </a:xfrm>
-          <a:prstGeom prst="rect">
-            <a:avLst/>
-          </a:prstGeom>
-        </p:spPr>
-      </p:pic>
     </p:spTree>
-    <p:extLst>
-      <p:ext uri="{BB962C8B-B14F-4D97-AF65-F5344CB8AC3E}">
-        <p14:creationId xmlns:p14="http://schemas.microsoft.com/office/powerpoint/2010/main" val="2285215573"/>
-      </p:ext>
-    </p:extLst>
   </p:cSld>
   <p:clrMapOvr>
     <a:masterClrMapping/>
@@ -9627,6 +9746,10 @@
               </a:rPr>
               <a:t>本周汇报的内容</a:t>
             </a:r>
+            <a:endParaRPr lang="zh-CN" altLang="en-US" dirty="0">
+              <a:latin typeface="微软雅黑" panose="020B0503020204020204" pitchFamily="34" charset="-122"/>
+              <a:ea typeface="微软雅黑" panose="020B0503020204020204" pitchFamily="34" charset="-122"/>
+            </a:endParaRPr>
           </a:p>
         </p:txBody>
       </p:sp>
@@ -9672,6 +9795,7 @@
               <a:rPr lang="zh-CN" altLang="en-US"/>
               <a:t>文献调研</a:t>
             </a:r>
+            <a:endParaRPr lang="zh-CN" altLang="en-US"/>
           </a:p>
         </p:txBody>
       </p:sp>
@@ -9717,6 +9841,7 @@
               <a:rPr lang="zh-CN" altLang="en-US"/>
               <a:t>详细调研</a:t>
             </a:r>
+            <a:endParaRPr lang="zh-CN" altLang="en-US"/>
           </a:p>
         </p:txBody>
       </p:sp>
@@ -9762,6 +9887,7 @@
               <a:rPr lang="zh-CN" altLang="en-US"/>
               <a:t>系统开发</a:t>
             </a:r>
+            <a:endParaRPr lang="zh-CN" altLang="en-US"/>
           </a:p>
         </p:txBody>
       </p:sp>
@@ -9826,8 +9952,8 @@
         </p:nvSpPr>
         <p:spPr>
           <a:xfrm>
-            <a:off x="838200" y="1762586"/>
-            <a:ext cx="10596245" cy="1200329"/>
+            <a:off x="838200" y="3249121"/>
+            <a:ext cx="10596245" cy="1198880"/>
           </a:xfrm>
           <a:prstGeom prst="rect">
             <a:avLst/>
@@ -9926,11 +10052,6 @@
         </p:txBody>
       </p:sp>
     </p:spTree>
-    <p:extLst>
-      <p:ext uri="{BB962C8B-B14F-4D97-AF65-F5344CB8AC3E}">
-        <p14:creationId xmlns:p14="http://schemas.microsoft.com/office/powerpoint/2010/main" val="3396014574"/>
-      </p:ext>
-    </p:extLst>
   </p:cSld>
   <p:clrMapOvr>
     <a:masterClrMapping/>
@@ -9977,6 +10098,10 @@
               </a:rPr>
               <a:t>系统</a:t>
             </a:r>
+            <a:endParaRPr lang="zh-CN" altLang="en-US" dirty="0">
+              <a:latin typeface="微软雅黑" panose="020B0503020204020204" pitchFamily="34" charset="-122"/>
+              <a:ea typeface="微软雅黑" panose="020B0503020204020204" pitchFamily="34" charset="-122"/>
+            </a:endParaRPr>
           </a:p>
         </p:txBody>
       </p:sp>
@@ -9989,7 +10114,7 @@
           <p:nvPr/>
         </p:nvPicPr>
         <p:blipFill>
-          <a:blip r:embed="rId2"/>
+          <a:blip r:embed="rId1"/>
           <a:stretch>
             <a:fillRect/>
           </a:stretch>
@@ -10067,7 +10192,7 @@
           <p:nvPr/>
         </p:nvPicPr>
         <p:blipFill>
-          <a:blip r:embed="rId2">
+          <a:blip r:embed="rId1">
             <a:extLst>
               <a:ext uri="{28A0092B-C50C-407E-A947-70E740481C1C}">
                 <a14:useLocalDpi xmlns:a14="http://schemas.microsoft.com/office/drawing/2010/main" val="0"/>
@@ -10222,6 +10347,10 @@
               </a:rPr>
               <a:t>1. Journal of Education for Business-2018-The effectiveness of peer assessment and a proposal for its analysis using game theory</a:t>
             </a:r>
+            <a:endParaRPr lang="en-US" altLang="zh-CN" sz="1600" dirty="0">
+              <a:latin typeface="微软雅黑" panose="020B0503020204020204" pitchFamily="34" charset="-122"/>
+              <a:ea typeface="微软雅黑" panose="020B0503020204020204" pitchFamily="34" charset="-122"/>
+            </a:endParaRPr>
           </a:p>
           <a:p>
             <a:pPr marL="0" indent="0">
@@ -10234,6 +10363,10 @@
               </a:rPr>
               <a:t>2. PACCS-2015-Game Theory Analysis on College Student Cheating</a:t>
             </a:r>
+            <a:endParaRPr lang="en-US" altLang="zh-CN" sz="1600" dirty="0">
+              <a:latin typeface="微软雅黑" panose="020B0503020204020204" pitchFamily="34" charset="-122"/>
+              <a:ea typeface="微软雅黑" panose="020B0503020204020204" pitchFamily="34" charset="-122"/>
+            </a:endParaRPr>
           </a:p>
           <a:p>
             <a:pPr marL="0" indent="0">
@@ -10246,6 +10379,10 @@
               </a:rPr>
               <a:t>3. 学位与研究生教育-2015-博弈论视角下的导师与研究生关系探析</a:t>
             </a:r>
+            <a:endParaRPr lang="en-US" altLang="zh-CN" sz="1600" dirty="0">
+              <a:latin typeface="微软雅黑" panose="020B0503020204020204" pitchFamily="34" charset="-122"/>
+              <a:ea typeface="微软雅黑" panose="020B0503020204020204" pitchFamily="34" charset="-122"/>
+            </a:endParaRPr>
           </a:p>
           <a:p>
             <a:pPr marL="0" indent="0">
@@ -10258,6 +10395,10 @@
               </a:rPr>
               <a:t>4. 教育学报-2019-高校师生之间的互评博弈是合作博弈吗</a:t>
             </a:r>
+            <a:endParaRPr lang="en-US" altLang="zh-CN" sz="1600" dirty="0">
+              <a:latin typeface="微软雅黑" panose="020B0503020204020204" pitchFamily="34" charset="-122"/>
+              <a:ea typeface="微软雅黑" panose="020B0503020204020204" pitchFamily="34" charset="-122"/>
+            </a:endParaRPr>
           </a:p>
           <a:p>
             <a:pPr marL="0" indent="0">
@@ -10277,6 +10418,10 @@
               </a:rPr>
               <a:t>theory</a:t>
             </a:r>
+            <a:endParaRPr lang="en-US" altLang="zh-CN" sz="1600" dirty="0" smtClean="0">
+              <a:latin typeface="微软雅黑" panose="020B0503020204020204" pitchFamily="34" charset="-122"/>
+              <a:ea typeface="微软雅黑" panose="020B0503020204020204" pitchFamily="34" charset="-122"/>
+            </a:endParaRPr>
           </a:p>
           <a:p>
             <a:pPr marL="0" indent="0">
@@ -10296,6 +10441,10 @@
               </a:rPr>
               <a:t>of Network and Computer Applications-2014-Incentive mechanism for P2Pfile sharing based on social network and game theory</a:t>
             </a:r>
+            <a:endParaRPr lang="en-US" altLang="zh-CN" sz="1600" dirty="0">
+              <a:latin typeface="微软雅黑" panose="020B0503020204020204" pitchFamily="34" charset="-122"/>
+              <a:ea typeface="微软雅黑" panose="020B0503020204020204" pitchFamily="34" charset="-122"/>
+            </a:endParaRPr>
           </a:p>
           <a:p>
             <a:pPr marL="0" indent="0">
@@ -10315,6 +10464,10 @@
               </a:rPr>
               <a:t>IEEEAccess-2018-Game-Theoretic Approach to Group Learning Enhancement Through Peer-to-Peer Explanation and Competition</a:t>
             </a:r>
+            <a:endParaRPr lang="en-US" altLang="zh-CN" sz="1600" dirty="0">
+              <a:latin typeface="微软雅黑" panose="020B0503020204020204" pitchFamily="34" charset="-122"/>
+              <a:ea typeface="微软雅黑" panose="020B0503020204020204" pitchFamily="34" charset="-122"/>
+            </a:endParaRPr>
           </a:p>
           <a:p>
             <a:pPr marL="0" indent="0">
@@ -10334,6 +10487,10 @@
               </a:rPr>
               <a:t>arXiv-2015-Incentives for Truthful Peer Grading</a:t>
             </a:r>
+            <a:endParaRPr lang="en-US" altLang="zh-CN" sz="1600" dirty="0">
+              <a:latin typeface="微软雅黑" panose="020B0503020204020204" pitchFamily="34" charset="-122"/>
+              <a:ea typeface="微软雅黑" panose="020B0503020204020204" pitchFamily="34" charset="-122"/>
+            </a:endParaRPr>
           </a:p>
           <a:p>
             <a:pPr marL="0" indent="0">
@@ -10353,6 +10510,10 @@
               </a:rPr>
               <a:t>arXiv-2019-Fostering Peer Learning through a New Game-Theoretical Approach in a Blended Learning Environment</a:t>
             </a:r>
+            <a:endParaRPr lang="en-US" altLang="zh-CN" sz="1600" dirty="0">
+              <a:latin typeface="微软雅黑" panose="020B0503020204020204" pitchFamily="34" charset="-122"/>
+              <a:ea typeface="微软雅黑" panose="020B0503020204020204" pitchFamily="34" charset="-122"/>
+            </a:endParaRPr>
           </a:p>
           <a:p>
             <a:pPr marL="0" indent="0">
@@ -10372,6 +10533,10 @@
               </a:rPr>
               <a:t>International World Wide Web Conference-2015-Grading the Graders Motivating Peer Graders in a MOOC</a:t>
             </a:r>
+            <a:endParaRPr lang="en-US" altLang="zh-CN" sz="1600" dirty="0">
+              <a:latin typeface="微软雅黑" panose="020B0503020204020204" pitchFamily="34" charset="-122"/>
+              <a:ea typeface="微软雅黑" panose="020B0503020204020204" pitchFamily="34" charset="-122"/>
+            </a:endParaRPr>
           </a:p>
           <a:p>
             <a:pPr marL="0" indent="0">
@@ -10391,6 +10556,10 @@
               </a:rPr>
               <a:t>JITE-2012-Collaborative Learning in Online Study Groups: An Evolutionary Game Theory Perspective</a:t>
             </a:r>
+            <a:endParaRPr lang="en-US" altLang="zh-CN" sz="1600" dirty="0">
+              <a:latin typeface="微软雅黑" panose="020B0503020204020204" pitchFamily="34" charset="-122"/>
+              <a:ea typeface="微软雅黑" panose="020B0503020204020204" pitchFamily="34" charset="-122"/>
+            </a:endParaRPr>
           </a:p>
           <a:p>
             <a:pPr marL="0" indent="0">
@@ -10410,6 +10579,10 @@
               </a:rPr>
               <a:t>Learning at Scale-2015-Game Theory Based Peer Grading Mechanisms For MOOCs</a:t>
             </a:r>
+            <a:endParaRPr lang="en-US" altLang="zh-CN" sz="1600" dirty="0">
+              <a:latin typeface="微软雅黑" panose="020B0503020204020204" pitchFamily="34" charset="-122"/>
+              <a:ea typeface="微软雅黑" panose="020B0503020204020204" pitchFamily="34" charset="-122"/>
+            </a:endParaRPr>
           </a:p>
           <a:p>
             <a:pPr marL="0" indent="0">
@@ -10429,6 +10602,10 @@
               </a:rPr>
               <a:t>IEEE TRANSACTIONS ON LEARNING TECHNOLOGIES-2020-Motivating Students in Collaborative Activities With Game-Theoretic Group Recommendations</a:t>
             </a:r>
+            <a:endParaRPr lang="en-US" altLang="zh-CN" sz="1600" dirty="0">
+              <a:latin typeface="微软雅黑" panose="020B0503020204020204" pitchFamily="34" charset="-122"/>
+              <a:ea typeface="微软雅黑" panose="020B0503020204020204" pitchFamily="34" charset="-122"/>
+            </a:endParaRPr>
           </a:p>
           <a:p>
             <a:pPr marL="0" indent="0">
@@ -10553,6 +10730,10 @@
               </a:rPr>
               <a:t>PACCS-2015-Game Theory Analysis on College Student Cheating</a:t>
             </a:r>
+            <a:endParaRPr lang="en-US" altLang="zh-CN" sz="2000" dirty="0">
+              <a:latin typeface="Times New Roman" panose="02020603050405020304" pitchFamily="18" charset="0"/>
+              <a:cs typeface="Times New Roman" panose="02020603050405020304" pitchFamily="18" charset="0"/>
+            </a:endParaRPr>
           </a:p>
         </p:txBody>
       </p:sp>
@@ -10565,6 +10746,34 @@
           <p:nvPr>
             <p:custDataLst>
               <p:tags r:id="rId1"/>
+            </p:custDataLst>
+          </p:nvPr>
+        </p:nvPicPr>
+        <p:blipFill>
+          <a:blip r:embed="rId2"/>
+          <a:stretch>
+            <a:fillRect/>
+          </a:stretch>
+        </p:blipFill>
+        <p:spPr>
+          <a:xfrm>
+            <a:off x="555567" y="3322700"/>
+            <a:ext cx="4877933" cy="1933212"/>
+          </a:xfrm>
+          <a:prstGeom prst="rect">
+            <a:avLst/>
+          </a:prstGeom>
+        </p:spPr>
+      </p:pic>
+      <p:pic>
+        <p:nvPicPr>
+          <p:cNvPr id="8" name="图片 7"/>
+          <p:cNvPicPr>
+            <a:picLocks noChangeAspect="1"/>
+          </p:cNvPicPr>
+          <p:nvPr>
+            <p:custDataLst>
+              <p:tags r:id="rId3"/>
             </p:custDataLst>
           </p:nvPr>
         </p:nvPicPr>
@@ -10576,42 +10785,14 @@
         </p:blipFill>
         <p:spPr>
           <a:xfrm>
-            <a:off x="555567" y="3322700"/>
-            <a:ext cx="4877933" cy="1933212"/>
+            <a:off x="6633306" y="3322701"/>
+            <a:ext cx="4428100" cy="1933211"/>
           </a:xfrm>
           <a:prstGeom prst="rect">
             <a:avLst/>
           </a:prstGeom>
         </p:spPr>
       </p:pic>
-      <p:pic>
-        <p:nvPicPr>
-          <p:cNvPr id="8" name="图片 7"/>
-          <p:cNvPicPr>
-            <a:picLocks noChangeAspect="1"/>
-          </p:cNvPicPr>
-          <p:nvPr>
-            <p:custDataLst>
-              <p:tags r:id="rId2"/>
-            </p:custDataLst>
-          </p:nvPr>
-        </p:nvPicPr>
-        <p:blipFill>
-          <a:blip r:embed="rId5"/>
-          <a:stretch>
-            <a:fillRect/>
-          </a:stretch>
-        </p:blipFill>
-        <p:spPr>
-          <a:xfrm>
-            <a:off x="6633306" y="3322701"/>
-            <a:ext cx="4428100" cy="1933211"/>
-          </a:xfrm>
-          <a:prstGeom prst="rect">
-            <a:avLst/>
-          </a:prstGeom>
-        </p:spPr>
-      </p:pic>
       <p:sp>
         <p:nvSpPr>
           <p:cNvPr id="3" name="文本框 2"/>
@@ -10621,7 +10802,7 @@
         <p:spPr>
           <a:xfrm>
             <a:off x="820865" y="1922135"/>
-            <a:ext cx="5022273" cy="1477328"/>
+            <a:ext cx="5022273" cy="1476375"/>
           </a:xfrm>
           <a:prstGeom prst="rect">
             <a:avLst/>
@@ -10681,9 +10862,17 @@
             </a:r>
             <a:r>
               <a:rPr lang="zh-CN" altLang="en-US" dirty="0" smtClean="0"/>
-              <a:t>为作弊的收益</a:t>
-            </a:r>
-            <a:endParaRPr lang="zh-CN" altLang="en-US" dirty="0"/>
+              <a:t>为作弊的收益，</a:t>
+            </a:r>
+            <a:r>
+              <a:rPr lang="en-US" altLang="zh-CN" dirty="0" smtClean="0"/>
+              <a:t>e</a:t>
+            </a:r>
+            <a:r>
+              <a:rPr lang="zh-CN" altLang="en-US" dirty="0" smtClean="0"/>
+              <a:t>为另一人不作弊的额外收益</a:t>
+            </a:r>
+            <a:endParaRPr lang="zh-CN" altLang="en-US" dirty="0" smtClean="0"/>
           </a:p>
         </p:txBody>
       </p:sp>
@@ -10791,9 +10980,7 @@
       <p:sp>
         <p:nvSpPr>
           <p:cNvPr id="11" name="内容占位符 4"/>
-          <p:cNvSpPr txBox="1">
-            <a:spLocks/>
-          </p:cNvSpPr>
+          <p:cNvSpPr txBox="1"/>
           <p:nvPr/>
         </p:nvSpPr>
         <p:spPr>
@@ -11170,12 +11357,37 @@
               <a:rPr lang="zh-CN" altLang="en-US" dirty="0"/>
               <a:t>量化组内成员的需求，通过收益矩阵找出利润最大的推荐结果。</a:t>
             </a:r>
+            <a:endParaRPr lang="zh-CN" altLang="en-US" dirty="0"/>
           </a:p>
         </p:txBody>
       </p:sp>
       <p:pic>
         <p:nvPicPr>
           <p:cNvPr id="11" name="图片 10"/>
+          <p:cNvPicPr>
+            <a:picLocks noChangeAspect="1"/>
+          </p:cNvPicPr>
+          <p:nvPr/>
+        </p:nvPicPr>
+        <p:blipFill>
+          <a:blip r:embed="rId1"/>
+          <a:stretch>
+            <a:fillRect/>
+          </a:stretch>
+        </p:blipFill>
+        <p:spPr>
+          <a:xfrm>
+            <a:off x="7080250" y="2082743"/>
+            <a:ext cx="4273550" cy="1400810"/>
+          </a:xfrm>
+          <a:prstGeom prst="rect">
+            <a:avLst/>
+          </a:prstGeom>
+        </p:spPr>
+      </p:pic>
+      <p:pic>
+        <p:nvPicPr>
+          <p:cNvPr id="12" name="图片 11"/>
           <p:cNvPicPr>
             <a:picLocks noChangeAspect="1"/>
           </p:cNvPicPr>
@@ -11189,30 +11401,6 @@
         </p:blipFill>
         <p:spPr>
           <a:xfrm>
-            <a:off x="7080250" y="2082743"/>
-            <a:ext cx="4273550" cy="1400810"/>
-          </a:xfrm>
-          <a:prstGeom prst="rect">
-            <a:avLst/>
-          </a:prstGeom>
-        </p:spPr>
-      </p:pic>
-      <p:pic>
-        <p:nvPicPr>
-          <p:cNvPr id="12" name="图片 11"/>
-          <p:cNvPicPr>
-            <a:picLocks noChangeAspect="1"/>
-          </p:cNvPicPr>
-          <p:nvPr/>
-        </p:nvPicPr>
-        <p:blipFill>
-          <a:blip r:embed="rId3"/>
-          <a:stretch>
-            <a:fillRect/>
-          </a:stretch>
-        </p:blipFill>
-        <p:spPr>
-          <a:xfrm>
             <a:off x="5594146" y="3483645"/>
             <a:ext cx="5759445" cy="2808513"/>
           </a:xfrm>
@@ -11247,12 +11435,14 @@
               <a:rPr lang="zh-CN" altLang="en-US" dirty="0"/>
               <a:t>问题场景——学生分组，推荐教育资源。</a:t>
             </a:r>
+            <a:endParaRPr lang="zh-CN" altLang="en-US" dirty="0"/>
           </a:p>
           <a:p>
             <a:r>
               <a:rPr lang="zh-CN" altLang="en-US" dirty="0"/>
               <a:t>贡献：量化学生需求，博弈论寻找纳什均衡。</a:t>
             </a:r>
+            <a:endParaRPr lang="zh-CN" altLang="en-US" dirty="0"/>
           </a:p>
         </p:txBody>
       </p:sp>
@@ -11265,7 +11455,7 @@
         <p:spPr>
           <a:xfrm>
             <a:off x="695756" y="4887901"/>
-            <a:ext cx="4566200" cy="1200329"/>
+            <a:ext cx="4566200" cy="1198880"/>
           </a:xfrm>
           <a:prstGeom prst="rect">
             <a:avLst/>
@@ -11280,7 +11470,7 @@
           <a:p>
             <a:r>
               <a:rPr lang="zh-CN" altLang="en-US" dirty="0" smtClean="0"/>
-              <a:t>总结：引入囚徒困境的论文在博弈论的运用方面较为简单，将囚徒困境中的纳什均衡作为解决问题的关键一节。收益矩阵主要根据相关的情景进行建模，</a:t>
+              <a:t>总结：引入囚徒困境的论文在博弈论的运用方面较为简单，将囚徒困境中的纳什均衡作为解决问题的关键一节。收益矩阵主要根据相关的情景进行建模。</a:t>
             </a:r>
             <a:endParaRPr lang="zh-CN" altLang="en-US" dirty="0"/>
           </a:p>
@@ -11363,6 +11553,36 @@
           <p:nvPr/>
         </p:nvPicPr>
         <p:blipFill>
+          <a:blip r:embed="rId1">
+            <a:extLst>
+              <a:ext uri="{28A0092B-C50C-407E-A947-70E740481C1C}">
+                <a14:useLocalDpi xmlns:a14="http://schemas.microsoft.com/office/drawing/2010/main" val="0"/>
+              </a:ext>
+            </a:extLst>
+          </a:blip>
+          <a:stretch>
+            <a:fillRect/>
+          </a:stretch>
+        </p:blipFill>
+        <p:spPr>
+          <a:xfrm>
+            <a:off x="698269" y="1794042"/>
+            <a:ext cx="5165802" cy="4382313"/>
+          </a:xfrm>
+          <a:prstGeom prst="rect">
+            <a:avLst/>
+          </a:prstGeom>
+        </p:spPr>
+      </p:pic>
+      <p:pic>
+        <p:nvPicPr>
+          <p:cNvPr id="6" name="图片 5"/>
+          <p:cNvPicPr>
+            <a:picLocks noChangeAspect="1"/>
+          </p:cNvPicPr>
+          <p:nvPr/>
+        </p:nvPicPr>
+        <p:blipFill>
           <a:blip r:embed="rId2">
             <a:extLst>
               <a:ext uri="{28A0092B-C50C-407E-A947-70E740481C1C}">
@@ -11376,50 +11596,15 @@
         </p:blipFill>
         <p:spPr>
           <a:xfrm>
-            <a:off x="698269" y="1794042"/>
-            <a:ext cx="5165802" cy="4382313"/>
+            <a:off x="6467719" y="1370220"/>
+            <a:ext cx="5191850" cy="5229955"/>
           </a:xfrm>
           <a:prstGeom prst="rect">
             <a:avLst/>
           </a:prstGeom>
         </p:spPr>
       </p:pic>
-      <p:pic>
-        <p:nvPicPr>
-          <p:cNvPr id="6" name="图片 5"/>
-          <p:cNvPicPr>
-            <a:picLocks noChangeAspect="1"/>
-          </p:cNvPicPr>
-          <p:nvPr/>
-        </p:nvPicPr>
-        <p:blipFill>
-          <a:blip r:embed="rId3">
-            <a:extLst>
-              <a:ext uri="{28A0092B-C50C-407E-A947-70E740481C1C}">
-                <a14:useLocalDpi xmlns:a14="http://schemas.microsoft.com/office/drawing/2010/main" val="0"/>
-              </a:ext>
-            </a:extLst>
-          </a:blip>
-          <a:stretch>
-            <a:fillRect/>
-          </a:stretch>
-        </p:blipFill>
-        <p:spPr>
-          <a:xfrm>
-            <a:off x="6467719" y="1370220"/>
-            <a:ext cx="5191850" cy="5229955"/>
-          </a:xfrm>
-          <a:prstGeom prst="rect">
-            <a:avLst/>
-          </a:prstGeom>
-        </p:spPr>
-      </p:pic>
     </p:spTree>
-    <p:extLst>
-      <p:ext uri="{BB962C8B-B14F-4D97-AF65-F5344CB8AC3E}">
-        <p14:creationId xmlns:p14="http://schemas.microsoft.com/office/powerpoint/2010/main" val="4104846273"/>
-      </p:ext>
-    </p:extLst>
   </p:cSld>
   <p:clrMapOvr>
     <a:masterClrMapping/>
@@ -11505,6 +11690,10 @@
               </a:rPr>
               <a:t>AAAI-2015-Incentivizing Peer Grading in MOOCS: an Audit Game Approach</a:t>
             </a:r>
+            <a:endParaRPr lang="en-US" altLang="zh-CN" sz="2000" dirty="0">
+              <a:latin typeface="Times New Roman" panose="02020603050405020304" pitchFamily="18" charset="0"/>
+              <a:cs typeface="Times New Roman" panose="02020603050405020304" pitchFamily="18" charset="0"/>
+            </a:endParaRPr>
           </a:p>
           <a:p>
             <a:pPr marL="0" indent="0">
@@ -11517,6 +11706,10 @@
               </a:rPr>
               <a:t>AAAI-2018-Optimal Spot-Checking for Improving Evaluation Accuracy of Peer Grading Systems</a:t>
             </a:r>
+            <a:endParaRPr lang="en-US" altLang="zh-CN" sz="2000" dirty="0">
+              <a:latin typeface="Times New Roman" panose="02020603050405020304" pitchFamily="18" charset="0"/>
+              <a:cs typeface="Times New Roman" panose="02020603050405020304" pitchFamily="18" charset="0"/>
+            </a:endParaRPr>
           </a:p>
           <a:p>
             <a:pPr marL="0" indent="0">
@@ -11529,6 +11722,10 @@
               </a:rPr>
               <a:t>dl.acm.org-2015-Mechanical TA: Partially Automated High-Stakes Peer Grading</a:t>
             </a:r>
+            <a:endParaRPr lang="en-US" altLang="zh-CN" sz="2000" dirty="0">
+              <a:latin typeface="Times New Roman" panose="02020603050405020304" pitchFamily="18" charset="0"/>
+              <a:cs typeface="Times New Roman" panose="02020603050405020304" pitchFamily="18" charset="0"/>
+            </a:endParaRPr>
           </a:p>
           <a:p>
             <a:pPr marL="0" indent="0">
@@ -11676,6 +11873,10 @@
               </a:rPr>
               <a:t>均衡）</a:t>
             </a:r>
+            <a:endParaRPr lang="zh-CN" altLang="en-US" dirty="0">
+              <a:latin typeface="微软雅黑" panose="020B0503020204020204" pitchFamily="34" charset="-122"/>
+              <a:ea typeface="微软雅黑" panose="020B0503020204020204" pitchFamily="34" charset="-122"/>
+            </a:endParaRPr>
           </a:p>
         </p:txBody>
       </p:sp>
@@ -11727,6 +11928,7 @@
               <a:rPr lang="zh-CN" altLang="en-US" dirty="0"/>
               <a:t>防守者</a:t>
             </a:r>
+            <a:endParaRPr lang="zh-CN" altLang="en-US" dirty="0"/>
           </a:p>
         </p:txBody>
       </p:sp>
@@ -11778,6 +11980,7 @@
               <a:rPr lang="zh-CN" altLang="en-US" dirty="0"/>
               <a:t>攻击者</a:t>
             </a:r>
+            <a:endParaRPr lang="zh-CN" altLang="en-US" dirty="0"/>
           </a:p>
         </p:txBody>
       </p:sp>
@@ -11829,6 +12032,7 @@
               <a:rPr lang="zh-CN" altLang="en-US" dirty="0"/>
               <a:t>决策</a:t>
             </a:r>
+            <a:endParaRPr lang="zh-CN" altLang="en-US" dirty="0"/>
           </a:p>
         </p:txBody>
       </p:sp>
@@ -11967,6 +12171,36 @@
           <p:nvPr/>
         </p:nvPicPr>
         <p:blipFill>
+          <a:blip r:embed="rId1">
+            <a:extLst>
+              <a:ext uri="{28A0092B-C50C-407E-A947-70E740481C1C}">
+                <a14:useLocalDpi xmlns:a14="http://schemas.microsoft.com/office/drawing/2010/main" val="0"/>
+              </a:ext>
+            </a:extLst>
+          </a:blip>
+          <a:stretch>
+            <a:fillRect/>
+          </a:stretch>
+        </p:blipFill>
+        <p:spPr>
+          <a:xfrm>
+            <a:off x="663634" y="1690688"/>
+            <a:ext cx="5638536" cy="3765665"/>
+          </a:xfrm>
+          <a:prstGeom prst="rect">
+            <a:avLst/>
+          </a:prstGeom>
+        </p:spPr>
+      </p:pic>
+      <p:pic>
+        <p:nvPicPr>
+          <p:cNvPr id="9" name="图片 8"/>
+          <p:cNvPicPr>
+            <a:picLocks noChangeAspect="1"/>
+          </p:cNvPicPr>
+          <p:nvPr/>
+        </p:nvPicPr>
+        <p:blipFill>
           <a:blip r:embed="rId2">
             <a:extLst>
               <a:ext uri="{28A0092B-C50C-407E-A947-70E740481C1C}">
@@ -11980,36 +12214,6 @@
         </p:blipFill>
         <p:spPr>
           <a:xfrm>
-            <a:off x="663634" y="1690688"/>
-            <a:ext cx="5638536" cy="3765665"/>
-          </a:xfrm>
-          <a:prstGeom prst="rect">
-            <a:avLst/>
-          </a:prstGeom>
-        </p:spPr>
-      </p:pic>
-      <p:pic>
-        <p:nvPicPr>
-          <p:cNvPr id="9" name="图片 8"/>
-          <p:cNvPicPr>
-            <a:picLocks noChangeAspect="1"/>
-          </p:cNvPicPr>
-          <p:nvPr/>
-        </p:nvPicPr>
-        <p:blipFill>
-          <a:blip r:embed="rId3">
-            <a:extLst>
-              <a:ext uri="{28A0092B-C50C-407E-A947-70E740481C1C}">
-                <a14:useLocalDpi xmlns:a14="http://schemas.microsoft.com/office/drawing/2010/main" val="0"/>
-              </a:ext>
-            </a:extLst>
-          </a:blip>
-          <a:stretch>
-            <a:fillRect/>
-          </a:stretch>
-        </p:blipFill>
-        <p:spPr>
-          <a:xfrm>
             <a:off x="7203772" y="1690688"/>
             <a:ext cx="4324594" cy="3874472"/>
           </a:xfrm>
@@ -12065,13 +12269,13 @@
 </file>
 
 <file path=ppt/tags/tag1.xml><?xml version="1.0" encoding="utf-8"?>
-<p:tagLst xmlns:a="http://schemas.openxmlformats.org/drawingml/2006/main" xmlns:r="http://schemas.openxmlformats.org/officeDocument/2006/relationships" xmlns:p="http://schemas.openxmlformats.org/presentationml/2006/main">
+<p:tagLst xmlns:p="http://schemas.openxmlformats.org/presentationml/2006/main">
   <p:tag name="KSO_WM_UNIT_PLACING_PICTURE_USER_VIEWPORT" val="{&quot;height&quot;:3044.428346456693,&quot;width&quot;:7681.784251968504}"/>
 </p:tagLst>
 </file>
 
 <file path=ppt/tags/tag2.xml><?xml version="1.0" encoding="utf-8"?>
-<p:tagLst xmlns:a="http://schemas.openxmlformats.org/drawingml/2006/main" xmlns:r="http://schemas.openxmlformats.org/officeDocument/2006/relationships" xmlns:p="http://schemas.openxmlformats.org/presentationml/2006/main">
+<p:tagLst xmlns:p="http://schemas.openxmlformats.org/presentationml/2006/main">
   <p:tag name="KSO_WM_UNIT_PLACING_PICTURE_USER_VIEWPORT" val="{&quot;height&quot;:3044.4267716535433,&quot;width&quot;:6973.385826771653}"/>
 </p:tagLst>
 </file>
@@ -12327,8 +12531,6 @@
       </a:bgFillStyleLst>
     </a:fmtScheme>
   </a:themeElements>
-  <a:objectDefaults/>
-  <a:extraClrSchemeLst/>
   <a:extLst>
     <a:ext uri="{05A4C25C-085E-4340-85A3-A5531E510DB2}">
       <thm15:themeFamily xmlns:thm15="http://schemas.microsoft.com/office/thememl/2012/main" name="Office Theme" id="{62F939B6-93AF-4DB8-9C6B-D6C7DFDC589F}" vid="{4A3C46E8-61CC-4603-A589-7422A47A8E4A}"/>
@@ -12588,8 +12790,6 @@
       </a:bgFillStyleLst>
     </a:fmtScheme>
   </a:themeElements>
-  <a:objectDefaults/>
-  <a:extraClrSchemeLst/>
   <a:extLst>
     <a:ext uri="{05A4C25C-085E-4340-85A3-A5531E510DB2}">
       <thm15:themeFamily xmlns:thm15="http://schemas.microsoft.com/office/thememl/2012/main" name="Office Theme" id="{62F939B6-93AF-4DB8-9C6B-D6C7DFDC589F}" vid="{4A3C46E8-61CC-4603-A589-7422A47A8E4A}"/>
